--- a/電機_C_Day_2.pptx
+++ b/電機_C_Day_2.pptx
@@ -952,12 +952,12 @@
   <pc:docChgLst>
     <pc:chgData name="祐廷 劉" userId="55b9f2413b94badf" providerId="LiveId" clId="{5EA86210-9012-4E68-BCD1-7347BE0E642C}"/>
     <pc:docChg chg="undo custSel modSld">
-      <pc:chgData name="祐廷 劉" userId="55b9f2413b94badf" providerId="LiveId" clId="{5EA86210-9012-4E68-BCD1-7347BE0E642C}" dt="2023-06-25T16:56:01.822" v="3526" actId="20577"/>
+      <pc:chgData name="祐廷 劉" userId="55b9f2413b94badf" providerId="LiveId" clId="{5EA86210-9012-4E68-BCD1-7347BE0E642C}" dt="2023-06-26T14:23:54.748" v="4390"/>
       <pc:docMkLst>
         <pc:docMk/>
       </pc:docMkLst>
-      <pc:sldChg chg="modSp mod">
-        <pc:chgData name="祐廷 劉" userId="55b9f2413b94badf" providerId="LiveId" clId="{5EA86210-9012-4E68-BCD1-7347BE0E642C}" dt="2023-06-25T15:26:14.424" v="23" actId="2711"/>
+      <pc:sldChg chg="modSp mod modTransition">
+        <pc:chgData name="祐廷 劉" userId="55b9f2413b94badf" providerId="LiveId" clId="{5EA86210-9012-4E68-BCD1-7347BE0E642C}" dt="2023-06-26T14:23:54.748" v="4390"/>
         <pc:sldMkLst>
           <pc:docMk/>
           <pc:sldMk cId="2439948278" sldId="256"/>
@@ -979,8 +979,8 @@
           </ac:spMkLst>
         </pc:spChg>
       </pc:sldChg>
-      <pc:sldChg chg="modSp mod">
-        <pc:chgData name="祐廷 劉" userId="55b9f2413b94badf" providerId="LiveId" clId="{5EA86210-9012-4E68-BCD1-7347BE0E642C}" dt="2023-06-25T15:42:48.732" v="1114" actId="2711"/>
+      <pc:sldChg chg="modSp mod modTransition">
+        <pc:chgData name="祐廷 劉" userId="55b9f2413b94badf" providerId="LiveId" clId="{5EA86210-9012-4E68-BCD1-7347BE0E642C}" dt="2023-06-26T14:23:54.748" v="4390"/>
         <pc:sldMkLst>
           <pc:docMk/>
           <pc:sldMk cId="4268384832" sldId="257"/>
@@ -994,8 +994,8 @@
           </ac:spMkLst>
         </pc:spChg>
       </pc:sldChg>
-      <pc:sldChg chg="modSp mod">
-        <pc:chgData name="祐廷 劉" userId="55b9f2413b94badf" providerId="LiveId" clId="{5EA86210-9012-4E68-BCD1-7347BE0E642C}" dt="2023-06-25T15:36:33.641" v="687" actId="2711"/>
+      <pc:sldChg chg="modSp mod modTransition">
+        <pc:chgData name="祐廷 劉" userId="55b9f2413b94badf" providerId="LiveId" clId="{5EA86210-9012-4E68-BCD1-7347BE0E642C}" dt="2023-06-26T14:23:54.748" v="4390"/>
         <pc:sldMkLst>
           <pc:docMk/>
           <pc:sldMk cId="1688687825" sldId="258"/>
@@ -1017,8 +1017,8 @@
           </ac:spMkLst>
         </pc:spChg>
       </pc:sldChg>
-      <pc:sldChg chg="modSp mod">
-        <pc:chgData name="祐廷 劉" userId="55b9f2413b94badf" providerId="LiveId" clId="{5EA86210-9012-4E68-BCD1-7347BE0E642C}" dt="2023-06-25T15:46:36.213" v="1451" actId="207"/>
+      <pc:sldChg chg="modSp mod modTransition">
+        <pc:chgData name="祐廷 劉" userId="55b9f2413b94badf" providerId="LiveId" clId="{5EA86210-9012-4E68-BCD1-7347BE0E642C}" dt="2023-06-26T14:23:54.748" v="4390"/>
         <pc:sldMkLst>
           <pc:docMk/>
           <pc:sldMk cId="3033534473" sldId="259"/>
@@ -1040,8 +1040,8 @@
           </ac:spMkLst>
         </pc:spChg>
       </pc:sldChg>
-      <pc:sldChg chg="modSp mod">
-        <pc:chgData name="祐廷 劉" userId="55b9f2413b94badf" providerId="LiveId" clId="{5EA86210-9012-4E68-BCD1-7347BE0E642C}" dt="2023-06-25T15:52:54.375" v="1766" actId="207"/>
+      <pc:sldChg chg="modSp mod modTransition">
+        <pc:chgData name="祐廷 劉" userId="55b9f2413b94badf" providerId="LiveId" clId="{5EA86210-9012-4E68-BCD1-7347BE0E642C}" dt="2023-06-26T14:23:54.748" v="4390"/>
         <pc:sldMkLst>
           <pc:docMk/>
           <pc:sldMk cId="2304028743" sldId="260"/>
@@ -1063,8 +1063,8 @@
           </ac:spMkLst>
         </pc:spChg>
       </pc:sldChg>
-      <pc:sldChg chg="modSp mod">
-        <pc:chgData name="祐廷 劉" userId="55b9f2413b94badf" providerId="LiveId" clId="{5EA86210-9012-4E68-BCD1-7347BE0E642C}" dt="2023-06-25T15:53:39.894" v="1814" actId="2711"/>
+      <pc:sldChg chg="modSp mod modTransition">
+        <pc:chgData name="祐廷 劉" userId="55b9f2413b94badf" providerId="LiveId" clId="{5EA86210-9012-4E68-BCD1-7347BE0E642C}" dt="2023-06-26T14:23:54.748" v="4390"/>
         <pc:sldMkLst>
           <pc:docMk/>
           <pc:sldMk cId="3881002959" sldId="262"/>
@@ -1078,8 +1078,8 @@
           </ac:spMkLst>
         </pc:spChg>
       </pc:sldChg>
-      <pc:sldChg chg="modSp mod">
-        <pc:chgData name="祐廷 劉" userId="55b9f2413b94badf" providerId="LiveId" clId="{5EA86210-9012-4E68-BCD1-7347BE0E642C}" dt="2023-06-25T15:56:09.954" v="2023" actId="20577"/>
+      <pc:sldChg chg="modSp mod modTransition">
+        <pc:chgData name="祐廷 劉" userId="55b9f2413b94badf" providerId="LiveId" clId="{5EA86210-9012-4E68-BCD1-7347BE0E642C}" dt="2023-06-26T14:23:54.748" v="4390"/>
         <pc:sldMkLst>
           <pc:docMk/>
           <pc:sldMk cId="672116585" sldId="264"/>
@@ -1101,8 +1101,8 @@
           </ac:spMkLst>
         </pc:spChg>
       </pc:sldChg>
-      <pc:sldChg chg="modSp mod">
-        <pc:chgData name="祐廷 劉" userId="55b9f2413b94badf" providerId="LiveId" clId="{5EA86210-9012-4E68-BCD1-7347BE0E642C}" dt="2023-06-25T15:58:45.955" v="2164" actId="2711"/>
+      <pc:sldChg chg="modSp mod modTransition">
+        <pc:chgData name="祐廷 劉" userId="55b9f2413b94badf" providerId="LiveId" clId="{5EA86210-9012-4E68-BCD1-7347BE0E642C}" dt="2023-06-26T14:23:54.748" v="4390"/>
         <pc:sldMkLst>
           <pc:docMk/>
           <pc:sldMk cId="593513117" sldId="266"/>
@@ -1124,8 +1124,8 @@
           </ac:spMkLst>
         </pc:spChg>
       </pc:sldChg>
-      <pc:sldChg chg="modSp mod">
-        <pc:chgData name="祐廷 劉" userId="55b9f2413b94badf" providerId="LiveId" clId="{5EA86210-9012-4E68-BCD1-7347BE0E642C}" dt="2023-06-25T15:59:19.606" v="2213" actId="2711"/>
+      <pc:sldChg chg="modSp mod modTransition">
+        <pc:chgData name="祐廷 劉" userId="55b9f2413b94badf" providerId="LiveId" clId="{5EA86210-9012-4E68-BCD1-7347BE0E642C}" dt="2023-06-26T14:23:54.748" v="4390"/>
         <pc:sldMkLst>
           <pc:docMk/>
           <pc:sldMk cId="3963719163" sldId="267"/>
@@ -1147,8 +1147,8 @@
           </ac:spMkLst>
         </pc:spChg>
       </pc:sldChg>
-      <pc:sldChg chg="modSp mod">
-        <pc:chgData name="祐廷 劉" userId="55b9f2413b94badf" providerId="LiveId" clId="{5EA86210-9012-4E68-BCD1-7347BE0E642C}" dt="2023-06-25T16:01:36.565" v="2358" actId="207"/>
+      <pc:sldChg chg="modSp mod modTransition">
+        <pc:chgData name="祐廷 劉" userId="55b9f2413b94badf" providerId="LiveId" clId="{5EA86210-9012-4E68-BCD1-7347BE0E642C}" dt="2023-06-26T14:23:54.748" v="4390"/>
         <pc:sldMkLst>
           <pc:docMk/>
           <pc:sldMk cId="3458657498" sldId="268"/>
@@ -1170,8 +1170,8 @@
           </ac:spMkLst>
         </pc:spChg>
       </pc:sldChg>
-      <pc:sldChg chg="modSp mod">
-        <pc:chgData name="祐廷 劉" userId="55b9f2413b94badf" providerId="LiveId" clId="{5EA86210-9012-4E68-BCD1-7347BE0E642C}" dt="2023-06-25T16:06:52.245" v="2713" actId="2711"/>
+      <pc:sldChg chg="modSp mod modTransition">
+        <pc:chgData name="祐廷 劉" userId="55b9f2413b94badf" providerId="LiveId" clId="{5EA86210-9012-4E68-BCD1-7347BE0E642C}" dt="2023-06-26T14:23:54.748" v="4390"/>
         <pc:sldMkLst>
           <pc:docMk/>
           <pc:sldMk cId="8053510" sldId="269"/>
@@ -1201,8 +1201,8 @@
           </ac:spMkLst>
         </pc:spChg>
       </pc:sldChg>
-      <pc:sldChg chg="modSp mod">
-        <pc:chgData name="祐廷 劉" userId="55b9f2413b94badf" providerId="LiveId" clId="{5EA86210-9012-4E68-BCD1-7347BE0E642C}" dt="2023-06-25T16:02:37.428" v="2424" actId="2711"/>
+      <pc:sldChg chg="modSp mod modTransition">
+        <pc:chgData name="祐廷 劉" userId="55b9f2413b94badf" providerId="LiveId" clId="{5EA86210-9012-4E68-BCD1-7347BE0E642C}" dt="2023-06-26T14:23:54.748" v="4390"/>
         <pc:sldMkLst>
           <pc:docMk/>
           <pc:sldMk cId="4011433078" sldId="271"/>
@@ -1216,8 +1216,8 @@
           </ac:spMkLst>
         </pc:spChg>
       </pc:sldChg>
-      <pc:sldChg chg="modSp mod">
-        <pc:chgData name="祐廷 劉" userId="55b9f2413b94badf" providerId="LiveId" clId="{5EA86210-9012-4E68-BCD1-7347BE0E642C}" dt="2023-06-25T16:05:29.487" v="2650" actId="2711"/>
+      <pc:sldChg chg="modSp mod modTransition">
+        <pc:chgData name="祐廷 劉" userId="55b9f2413b94badf" providerId="LiveId" clId="{5EA86210-9012-4E68-BCD1-7347BE0E642C}" dt="2023-06-26T14:23:54.748" v="4390"/>
         <pc:sldMkLst>
           <pc:docMk/>
           <pc:sldMk cId="2751198659" sldId="272"/>
@@ -1247,8 +1247,8 @@
           </ac:spMkLst>
         </pc:spChg>
       </pc:sldChg>
-      <pc:sldChg chg="modSp mod">
-        <pc:chgData name="祐廷 劉" userId="55b9f2413b94badf" providerId="LiveId" clId="{5EA86210-9012-4E68-BCD1-7347BE0E642C}" dt="2023-06-25T16:03:33.770" v="2500" actId="2711"/>
+      <pc:sldChg chg="modSp mod modTransition">
+        <pc:chgData name="祐廷 劉" userId="55b9f2413b94badf" providerId="LiveId" clId="{5EA86210-9012-4E68-BCD1-7347BE0E642C}" dt="2023-06-26T14:23:54.748" v="4390"/>
         <pc:sldMkLst>
           <pc:docMk/>
           <pc:sldMk cId="3255012270" sldId="273"/>
@@ -1270,8 +1270,8 @@
           </ac:spMkLst>
         </pc:spChg>
       </pc:sldChg>
-      <pc:sldChg chg="modSp mod">
-        <pc:chgData name="祐廷 劉" userId="55b9f2413b94badf" providerId="LiveId" clId="{5EA86210-9012-4E68-BCD1-7347BE0E642C}" dt="2023-06-25T16:08:11.501" v="2760" actId="2711"/>
+      <pc:sldChg chg="modSp mod modTransition">
+        <pc:chgData name="祐廷 劉" userId="55b9f2413b94badf" providerId="LiveId" clId="{5EA86210-9012-4E68-BCD1-7347BE0E642C}" dt="2023-06-26T14:23:54.748" v="4390"/>
         <pc:sldMkLst>
           <pc:docMk/>
           <pc:sldMk cId="1316587971" sldId="274"/>
@@ -1333,8 +1333,15 @@
           </ac:spMkLst>
         </pc:spChg>
       </pc:sldChg>
-      <pc:sldChg chg="modSp mod">
-        <pc:chgData name="祐廷 劉" userId="55b9f2413b94badf" providerId="LiveId" clId="{5EA86210-9012-4E68-BCD1-7347BE0E642C}" dt="2023-06-25T15:47:10.692" v="1483" actId="2711"/>
+      <pc:sldChg chg="modTransition">
+        <pc:chgData name="祐廷 劉" userId="55b9f2413b94badf" providerId="LiveId" clId="{5EA86210-9012-4E68-BCD1-7347BE0E642C}" dt="2023-06-26T14:23:54.748" v="4390"/>
+        <pc:sldMkLst>
+          <pc:docMk/>
+          <pc:sldMk cId="741772491" sldId="277"/>
+        </pc:sldMkLst>
+      </pc:sldChg>
+      <pc:sldChg chg="modSp mod modTransition">
+        <pc:chgData name="祐廷 劉" userId="55b9f2413b94badf" providerId="LiveId" clId="{5EA86210-9012-4E68-BCD1-7347BE0E642C}" dt="2023-06-26T14:23:54.748" v="4390"/>
         <pc:sldMkLst>
           <pc:docMk/>
           <pc:sldMk cId="4222768340" sldId="278"/>
@@ -1348,14 +1355,14 @@
           </ac:spMkLst>
         </pc:spChg>
       </pc:sldChg>
-      <pc:sldChg chg="modSp mod">
-        <pc:chgData name="祐廷 劉" userId="55b9f2413b94badf" providerId="LiveId" clId="{5EA86210-9012-4E68-BCD1-7347BE0E642C}" dt="2023-06-25T16:56:01.822" v="3526" actId="20577"/>
+      <pc:sldChg chg="modSp mod modTransition">
+        <pc:chgData name="祐廷 劉" userId="55b9f2413b94badf" providerId="LiveId" clId="{5EA86210-9012-4E68-BCD1-7347BE0E642C}" dt="2023-06-26T14:23:54.748" v="4390"/>
         <pc:sldMkLst>
           <pc:docMk/>
           <pc:sldMk cId="1988659488" sldId="279"/>
         </pc:sldMkLst>
         <pc:spChg chg="mod">
-          <ac:chgData name="祐廷 劉" userId="55b9f2413b94badf" providerId="LiveId" clId="{5EA86210-9012-4E68-BCD1-7347BE0E642C}" dt="2023-06-25T16:56:01.822" v="3526" actId="20577"/>
+          <ac:chgData name="祐廷 劉" userId="55b9f2413b94badf" providerId="LiveId" clId="{5EA86210-9012-4E68-BCD1-7347BE0E642C}" dt="2023-06-26T14:11:34.580" v="3534" actId="2711"/>
           <ac:spMkLst>
             <pc:docMk/>
             <pc:sldMk cId="1988659488" sldId="279"/>
@@ -1363,7 +1370,7 @@
           </ac:spMkLst>
         </pc:spChg>
         <pc:spChg chg="mod">
-          <ac:chgData name="祐廷 劉" userId="55b9f2413b94badf" providerId="LiveId" clId="{5EA86210-9012-4E68-BCD1-7347BE0E642C}" dt="2023-06-25T16:56:00.350" v="3524" actId="20577"/>
+          <ac:chgData name="祐廷 劉" userId="55b9f2413b94badf" providerId="LiveId" clId="{5EA86210-9012-4E68-BCD1-7347BE0E642C}" dt="2023-06-26T14:11:56.253" v="3567" actId="2711"/>
           <ac:spMkLst>
             <pc:docMk/>
             <pc:sldMk cId="1988659488" sldId="279"/>
@@ -1371,29 +1378,45 @@
           </ac:spMkLst>
         </pc:spChg>
       </pc:sldChg>
-      <pc:sldChg chg="modSp mod">
-        <pc:chgData name="祐廷 劉" userId="55b9f2413b94badf" providerId="LiveId" clId="{5EA86210-9012-4E68-BCD1-7347BE0E642C}" dt="2023-06-25T16:55:59.199" v="3522" actId="20577"/>
+      <pc:sldChg chg="modSp mod modTransition">
+        <pc:chgData name="祐廷 劉" userId="55b9f2413b94badf" providerId="LiveId" clId="{5EA86210-9012-4E68-BCD1-7347BE0E642C}" dt="2023-06-26T14:23:54.748" v="4390"/>
         <pc:sldMkLst>
           <pc:docMk/>
           <pc:sldMk cId="2714440831" sldId="280"/>
         </pc:sldMkLst>
         <pc:spChg chg="mod">
-          <ac:chgData name="祐廷 劉" userId="55b9f2413b94badf" providerId="LiveId" clId="{5EA86210-9012-4E68-BCD1-7347BE0E642C}" dt="2023-06-25T16:55:59.199" v="3522" actId="20577"/>
+          <ac:chgData name="祐廷 劉" userId="55b9f2413b94badf" providerId="LiveId" clId="{5EA86210-9012-4E68-BCD1-7347BE0E642C}" dt="2023-06-26T14:12:17.021" v="3580" actId="2711"/>
           <ac:spMkLst>
             <pc:docMk/>
             <pc:sldMk cId="2714440831" sldId="280"/>
             <ac:spMk id="2" creationId="{59C4C1D6-D9FB-4A53-AAED-6CF713FC4524}"/>
           </ac:spMkLst>
         </pc:spChg>
+        <pc:spChg chg="mod">
+          <ac:chgData name="祐廷 劉" userId="55b9f2413b94badf" providerId="LiveId" clId="{5EA86210-9012-4E68-BCD1-7347BE0E642C}" dt="2023-06-26T14:14:18.157" v="3783" actId="20577"/>
+          <ac:spMkLst>
+            <pc:docMk/>
+            <pc:sldMk cId="2714440831" sldId="280"/>
+            <ac:spMk id="3" creationId="{0E5B272C-E588-4538-9F92-1CF0F1BBEA59}"/>
+          </ac:spMkLst>
+        </pc:spChg>
       </pc:sldChg>
-      <pc:sldChg chg="modSp">
-        <pc:chgData name="祐廷 劉" userId="55b9f2413b94badf" providerId="LiveId" clId="{5EA86210-9012-4E68-BCD1-7347BE0E642C}" dt="2023-06-25T16:10:53.572" v="2877"/>
+      <pc:sldChg chg="modSp mod modTransition">
+        <pc:chgData name="祐廷 劉" userId="55b9f2413b94badf" providerId="LiveId" clId="{5EA86210-9012-4E68-BCD1-7347BE0E642C}" dt="2023-06-26T14:23:54.748" v="4390"/>
         <pc:sldMkLst>
           <pc:docMk/>
           <pc:sldMk cId="3124783487" sldId="281"/>
         </pc:sldMkLst>
         <pc:spChg chg="mod">
-          <ac:chgData name="祐廷 劉" userId="55b9f2413b94badf" providerId="LiveId" clId="{5EA86210-9012-4E68-BCD1-7347BE0E642C}" dt="2023-06-25T16:10:53.572" v="2877"/>
+          <ac:chgData name="祐廷 劉" userId="55b9f2413b94badf" providerId="LiveId" clId="{5EA86210-9012-4E68-BCD1-7347BE0E642C}" dt="2023-06-26T14:17:25.846" v="3957" actId="2711"/>
+          <ac:spMkLst>
+            <pc:docMk/>
+            <pc:sldMk cId="3124783487" sldId="281"/>
+            <ac:spMk id="2" creationId="{59C4C1D6-D9FB-4A53-AAED-6CF713FC4524}"/>
+          </ac:spMkLst>
+        </pc:spChg>
+        <pc:spChg chg="mod">
+          <ac:chgData name="祐廷 劉" userId="55b9f2413b94badf" providerId="LiveId" clId="{5EA86210-9012-4E68-BCD1-7347BE0E642C}" dt="2023-06-26T14:17:31.213" v="3958" actId="2711"/>
           <ac:spMkLst>
             <pc:docMk/>
             <pc:sldMk cId="3124783487" sldId="281"/>
@@ -1401,8 +1424,84 @@
           </ac:spMkLst>
         </pc:spChg>
       </pc:sldChg>
-      <pc:sldChg chg="modSp mod">
-        <pc:chgData name="祐廷 劉" userId="55b9f2413b94badf" providerId="LiveId" clId="{5EA86210-9012-4E68-BCD1-7347BE0E642C}" dt="2023-06-25T15:40:24.990" v="902" actId="2711"/>
+      <pc:sldChg chg="modSp mod modTransition">
+        <pc:chgData name="祐廷 劉" userId="55b9f2413b94badf" providerId="LiveId" clId="{5EA86210-9012-4E68-BCD1-7347BE0E642C}" dt="2023-06-26T14:23:54.748" v="4390"/>
+        <pc:sldMkLst>
+          <pc:docMk/>
+          <pc:sldMk cId="1773413331" sldId="282"/>
+        </pc:sldMkLst>
+        <pc:spChg chg="mod">
+          <ac:chgData name="祐廷 劉" userId="55b9f2413b94badf" providerId="LiveId" clId="{5EA86210-9012-4E68-BCD1-7347BE0E642C}" dt="2023-06-26T14:18:01.363" v="3983" actId="2711"/>
+          <ac:spMkLst>
+            <pc:docMk/>
+            <pc:sldMk cId="1773413331" sldId="282"/>
+            <ac:spMk id="2" creationId="{91541DDF-9217-4176-9BAC-35EE0C8B7419}"/>
+          </ac:spMkLst>
+        </pc:spChg>
+      </pc:sldChg>
+      <pc:sldChg chg="modSp mod modTransition">
+        <pc:chgData name="祐廷 劉" userId="55b9f2413b94badf" providerId="LiveId" clId="{5EA86210-9012-4E68-BCD1-7347BE0E642C}" dt="2023-06-26T14:23:54.748" v="4390"/>
+        <pc:sldMkLst>
+          <pc:docMk/>
+          <pc:sldMk cId="2178927778" sldId="284"/>
+        </pc:sldMkLst>
+        <pc:spChg chg="mod">
+          <ac:chgData name="祐廷 劉" userId="55b9f2413b94badf" providerId="LiveId" clId="{5EA86210-9012-4E68-BCD1-7347BE0E642C}" dt="2023-06-26T14:18:18.249" v="4010" actId="2711"/>
+          <ac:spMkLst>
+            <pc:docMk/>
+            <pc:sldMk cId="2178927778" sldId="284"/>
+            <ac:spMk id="2" creationId="{2547C986-049C-41FC-A0D1-5E7895C02A18}"/>
+          </ac:spMkLst>
+        </pc:spChg>
+        <pc:spChg chg="mod">
+          <ac:chgData name="祐廷 劉" userId="55b9f2413b94badf" providerId="LiveId" clId="{5EA86210-9012-4E68-BCD1-7347BE0E642C}" dt="2023-06-26T14:18:40.402" v="4048" actId="2711"/>
+          <ac:spMkLst>
+            <pc:docMk/>
+            <pc:sldMk cId="2178927778" sldId="284"/>
+            <ac:spMk id="3" creationId="{B2631129-228D-401D-83D2-17746602C315}"/>
+          </ac:spMkLst>
+        </pc:spChg>
+      </pc:sldChg>
+      <pc:sldChg chg="modSp mod modTransition">
+        <pc:chgData name="祐廷 劉" userId="55b9f2413b94badf" providerId="LiveId" clId="{5EA86210-9012-4E68-BCD1-7347BE0E642C}" dt="2023-06-26T14:23:54.748" v="4390"/>
+        <pc:sldMkLst>
+          <pc:docMk/>
+          <pc:sldMk cId="2202354560" sldId="285"/>
+        </pc:sldMkLst>
+        <pc:spChg chg="mod">
+          <ac:chgData name="祐廷 劉" userId="55b9f2413b94badf" providerId="LiveId" clId="{5EA86210-9012-4E68-BCD1-7347BE0E642C}" dt="2023-06-26T14:19:34.368" v="4123" actId="2711"/>
+          <ac:spMkLst>
+            <pc:docMk/>
+            <pc:sldMk cId="2202354560" sldId="285"/>
+            <ac:spMk id="2" creationId="{3233419F-F054-4754-9DC3-9959B801B9F7}"/>
+          </ac:spMkLst>
+        </pc:spChg>
+        <pc:spChg chg="mod">
+          <ac:chgData name="祐廷 劉" userId="55b9f2413b94badf" providerId="LiveId" clId="{5EA86210-9012-4E68-BCD1-7347BE0E642C}" dt="2023-06-26T14:19:31.196" v="4122" actId="2711"/>
+          <ac:spMkLst>
+            <pc:docMk/>
+            <pc:sldMk cId="2202354560" sldId="285"/>
+            <ac:spMk id="3" creationId="{E0008044-5C99-4F96-9A04-EC06768304F4}"/>
+          </ac:spMkLst>
+        </pc:spChg>
+      </pc:sldChg>
+      <pc:sldChg chg="modSp mod modTransition">
+        <pc:chgData name="祐廷 劉" userId="55b9f2413b94badf" providerId="LiveId" clId="{5EA86210-9012-4E68-BCD1-7347BE0E642C}" dt="2023-06-26T14:23:54.748" v="4390"/>
+        <pc:sldMkLst>
+          <pc:docMk/>
+          <pc:sldMk cId="639974245" sldId="286"/>
+        </pc:sldMkLst>
+        <pc:spChg chg="mod">
+          <ac:chgData name="祐廷 劉" userId="55b9f2413b94badf" providerId="LiveId" clId="{5EA86210-9012-4E68-BCD1-7347BE0E642C}" dt="2023-06-26T14:21:56.298" v="4352" actId="2711"/>
+          <ac:spMkLst>
+            <pc:docMk/>
+            <pc:sldMk cId="639974245" sldId="286"/>
+            <ac:spMk id="2" creationId="{0D173691-B0F6-4D01-A39A-9F2D12A6FFB0}"/>
+          </ac:spMkLst>
+        </pc:spChg>
+      </pc:sldChg>
+      <pc:sldChg chg="modSp mod modTransition">
+        <pc:chgData name="祐廷 劉" userId="55b9f2413b94badf" providerId="LiveId" clId="{5EA86210-9012-4E68-BCD1-7347BE0E642C}" dt="2023-06-26T14:23:54.748" v="4390"/>
         <pc:sldMkLst>
           <pc:docMk/>
           <pc:sldMk cId="2920271265" sldId="287"/>
@@ -1432,8 +1531,8 @@
           </ac:graphicFrameMkLst>
         </pc:graphicFrameChg>
       </pc:sldChg>
-      <pc:sldChg chg="modSp mod">
-        <pc:chgData name="祐廷 劉" userId="55b9f2413b94badf" providerId="LiveId" clId="{5EA86210-9012-4E68-BCD1-7347BE0E642C}" dt="2023-06-25T15:54:43.244" v="1896" actId="2711"/>
+      <pc:sldChg chg="modSp mod modTransition">
+        <pc:chgData name="祐廷 劉" userId="55b9f2413b94badf" providerId="LiveId" clId="{5EA86210-9012-4E68-BCD1-7347BE0E642C}" dt="2023-06-26T14:23:54.748" v="4390"/>
         <pc:sldMkLst>
           <pc:docMk/>
           <pc:sldMk cId="2565727836" sldId="288"/>
@@ -1447,8 +1546,8 @@
           </ac:spMkLst>
         </pc:spChg>
       </pc:sldChg>
-      <pc:sldChg chg="modSp mod">
-        <pc:chgData name="祐廷 劉" userId="55b9f2413b94badf" providerId="LiveId" clId="{5EA86210-9012-4E68-BCD1-7347BE0E642C}" dt="2023-06-25T15:54:14.872" v="1861" actId="2711"/>
+      <pc:sldChg chg="modSp mod modTransition">
+        <pc:chgData name="祐廷 劉" userId="55b9f2413b94badf" providerId="LiveId" clId="{5EA86210-9012-4E68-BCD1-7347BE0E642C}" dt="2023-06-26T14:23:54.748" v="4390"/>
         <pc:sldMkLst>
           <pc:docMk/>
           <pc:sldMk cId="2450123762" sldId="289"/>
@@ -1462,8 +1561,15 @@
           </ac:spMkLst>
         </pc:spChg>
       </pc:sldChg>
-      <pc:sldChg chg="modSp mod">
-        <pc:chgData name="祐廷 劉" userId="55b9f2413b94badf" providerId="LiveId" clId="{5EA86210-9012-4E68-BCD1-7347BE0E642C}" dt="2023-06-25T16:01:59.323" v="2379" actId="2711"/>
+      <pc:sldChg chg="modTransition">
+        <pc:chgData name="祐廷 劉" userId="55b9f2413b94badf" providerId="LiveId" clId="{5EA86210-9012-4E68-BCD1-7347BE0E642C}" dt="2023-06-26T14:23:54.748" v="4390"/>
+        <pc:sldMkLst>
+          <pc:docMk/>
+          <pc:sldMk cId="4190264006" sldId="290"/>
+        </pc:sldMkLst>
+      </pc:sldChg>
+      <pc:sldChg chg="modSp mod modTransition">
+        <pc:chgData name="祐廷 劉" userId="55b9f2413b94badf" providerId="LiveId" clId="{5EA86210-9012-4E68-BCD1-7347BE0E642C}" dt="2023-06-26T14:23:54.748" v="4390"/>
         <pc:sldMkLst>
           <pc:docMk/>
           <pc:sldMk cId="3768461706" sldId="291"/>
@@ -1477,8 +1583,8 @@
           </ac:spMkLst>
         </pc:spChg>
       </pc:sldChg>
-      <pc:sldChg chg="modSp mod">
-        <pc:chgData name="祐廷 劉" userId="55b9f2413b94badf" providerId="LiveId" clId="{5EA86210-9012-4E68-BCD1-7347BE0E642C}" dt="2023-06-25T16:13:07.767" v="2899" actId="2711"/>
+      <pc:sldChg chg="modSp mod modTransition">
+        <pc:chgData name="祐廷 劉" userId="55b9f2413b94badf" providerId="LiveId" clId="{5EA86210-9012-4E68-BCD1-7347BE0E642C}" dt="2023-06-26T14:23:54.748" v="4390"/>
         <pc:sldMkLst>
           <pc:docMk/>
           <pc:sldMk cId="419369078" sldId="292"/>
@@ -1580,8 +1686,8 @@
           </ac:spMkLst>
         </pc:spChg>
       </pc:sldChg>
-      <pc:sldChg chg="modSp mod">
-        <pc:chgData name="祐廷 劉" userId="55b9f2413b94badf" providerId="LiveId" clId="{5EA86210-9012-4E68-BCD1-7347BE0E642C}" dt="2023-06-25T15:27:28.131" v="144" actId="2711"/>
+      <pc:sldChg chg="modSp mod modTransition">
+        <pc:chgData name="祐廷 劉" userId="55b9f2413b94badf" providerId="LiveId" clId="{5EA86210-9012-4E68-BCD1-7347BE0E642C}" dt="2023-06-26T14:23:54.748" v="4390"/>
         <pc:sldMkLst>
           <pc:docMk/>
           <pc:sldMk cId="862952906" sldId="293"/>
@@ -1603,8 +1709,8 @@
           </ac:spMkLst>
         </pc:spChg>
       </pc:sldChg>
-      <pc:sldChg chg="modSp mod">
-        <pc:chgData name="祐廷 劉" userId="55b9f2413b94badf" providerId="LiveId" clId="{5EA86210-9012-4E68-BCD1-7347BE0E642C}" dt="2023-06-25T15:28:03.635" v="173" actId="2711"/>
+      <pc:sldChg chg="modSp mod modTransition">
+        <pc:chgData name="祐廷 劉" userId="55b9f2413b94badf" providerId="LiveId" clId="{5EA86210-9012-4E68-BCD1-7347BE0E642C}" dt="2023-06-26T14:23:54.748" v="4390"/>
         <pc:sldMkLst>
           <pc:docMk/>
           <pc:sldMk cId="481057122" sldId="294"/>
@@ -1626,8 +1732,8 @@
           </ac:spMkLst>
         </pc:spChg>
       </pc:sldChg>
-      <pc:sldChg chg="modSp mod">
-        <pc:chgData name="祐廷 劉" userId="55b9f2413b94badf" providerId="LiveId" clId="{5EA86210-9012-4E68-BCD1-7347BE0E642C}" dt="2023-06-25T15:42:21.150" v="1079" actId="2711"/>
+      <pc:sldChg chg="modSp mod modTransition">
+        <pc:chgData name="祐廷 劉" userId="55b9f2413b94badf" providerId="LiveId" clId="{5EA86210-9012-4E68-BCD1-7347BE0E642C}" dt="2023-06-26T14:23:54.748" v="4390"/>
         <pc:sldMkLst>
           <pc:docMk/>
           <pc:sldMk cId="4161285535" sldId="295"/>
@@ -1649,8 +1755,8 @@
           </ac:spMkLst>
         </pc:spChg>
       </pc:sldChg>
-      <pc:sldChg chg="modSp mod">
-        <pc:chgData name="祐廷 劉" userId="55b9f2413b94badf" providerId="LiveId" clId="{5EA86210-9012-4E68-BCD1-7347BE0E642C}" dt="2023-06-25T16:15:39.470" v="3108" actId="1076"/>
+      <pc:sldChg chg="modSp mod modTransition">
+        <pc:chgData name="祐廷 劉" userId="55b9f2413b94badf" providerId="LiveId" clId="{5EA86210-9012-4E68-BCD1-7347BE0E642C}" dt="2023-06-26T14:23:54.748" v="4390"/>
         <pc:sldMkLst>
           <pc:docMk/>
           <pc:sldMk cId="1361062127" sldId="296"/>
@@ -1696,8 +1802,8 @@
           </ac:spMkLst>
         </pc:spChg>
       </pc:sldChg>
-      <pc:sldChg chg="modSp mod">
-        <pc:chgData name="祐廷 劉" userId="55b9f2413b94badf" providerId="LiveId" clId="{5EA86210-9012-4E68-BCD1-7347BE0E642C}" dt="2023-06-25T16:17:55.165" v="3277" actId="2711"/>
+      <pc:sldChg chg="modSp mod modTransition">
+        <pc:chgData name="祐廷 劉" userId="55b9f2413b94badf" providerId="LiveId" clId="{5EA86210-9012-4E68-BCD1-7347BE0E642C}" dt="2023-06-26T14:23:54.748" v="4390"/>
         <pc:sldMkLst>
           <pc:docMk/>
           <pc:sldMk cId="1756356236" sldId="297"/>
@@ -1719,8 +1825,8 @@
           </ac:spMkLst>
         </pc:spChg>
       </pc:sldChg>
-      <pc:sldChg chg="modSp mod">
-        <pc:chgData name="祐廷 劉" userId="55b9f2413b94badf" providerId="LiveId" clId="{5EA86210-9012-4E68-BCD1-7347BE0E642C}" dt="2023-06-25T16:39:23.703" v="3376" actId="2711"/>
+      <pc:sldChg chg="modSp mod modTransition">
+        <pc:chgData name="祐廷 劉" userId="55b9f2413b94badf" providerId="LiveId" clId="{5EA86210-9012-4E68-BCD1-7347BE0E642C}" dt="2023-06-26T14:23:54.748" v="4390"/>
         <pc:sldMkLst>
           <pc:docMk/>
           <pc:sldMk cId="2389503515" sldId="298"/>
@@ -1734,8 +1840,8 @@
           </ac:spMkLst>
         </pc:spChg>
       </pc:sldChg>
-      <pc:sldChg chg="modSp mod">
-        <pc:chgData name="祐廷 劉" userId="55b9f2413b94badf" providerId="LiveId" clId="{5EA86210-9012-4E68-BCD1-7347BE0E642C}" dt="2023-06-25T16:47:41.555" v="3455" actId="2711"/>
+      <pc:sldChg chg="modSp mod modTransition">
+        <pc:chgData name="祐廷 劉" userId="55b9f2413b94badf" providerId="LiveId" clId="{5EA86210-9012-4E68-BCD1-7347BE0E642C}" dt="2023-06-26T14:23:54.748" v="4390"/>
         <pc:sldMkLst>
           <pc:docMk/>
           <pc:sldMk cId="4087681602" sldId="299"/>
@@ -1757,8 +1863,8 @@
           </ac:spMkLst>
         </pc:spChg>
       </pc:sldChg>
-      <pc:sldChg chg="modSp mod">
-        <pc:chgData name="祐廷 劉" userId="55b9f2413b94badf" providerId="LiveId" clId="{5EA86210-9012-4E68-BCD1-7347BE0E642C}" dt="2023-06-25T16:18:56.264" v="3319" actId="1076"/>
+      <pc:sldChg chg="modSp mod modTransition">
+        <pc:chgData name="祐廷 劉" userId="55b9f2413b94badf" providerId="LiveId" clId="{5EA86210-9012-4E68-BCD1-7347BE0E642C}" dt="2023-06-26T14:23:54.748" v="4390"/>
         <pc:sldMkLst>
           <pc:docMk/>
           <pc:sldMk cId="1772986048" sldId="300"/>
@@ -1780,8 +1886,8 @@
           </ac:spMkLst>
         </pc:spChg>
       </pc:sldChg>
-      <pc:sldChg chg="modSp mod">
-        <pc:chgData name="祐廷 劉" userId="55b9f2413b94badf" providerId="LiveId" clId="{5EA86210-9012-4E68-BCD1-7347BE0E642C}" dt="2023-06-25T16:48:00.786" v="3481" actId="2711"/>
+      <pc:sldChg chg="modSp mod modTransition">
+        <pc:chgData name="祐廷 劉" userId="55b9f2413b94badf" providerId="LiveId" clId="{5EA86210-9012-4E68-BCD1-7347BE0E642C}" dt="2023-06-26T14:23:54.748" v="4390"/>
         <pc:sldMkLst>
           <pc:docMk/>
           <pc:sldMk cId="3466264441" sldId="301"/>
@@ -1803,8 +1909,8 @@
           </ac:spMkLst>
         </pc:spChg>
       </pc:sldChg>
-      <pc:sldChg chg="modSp mod">
-        <pc:chgData name="祐廷 劉" userId="55b9f2413b94badf" providerId="LiveId" clId="{5EA86210-9012-4E68-BCD1-7347BE0E642C}" dt="2023-06-25T16:47:21.622" v="3439"/>
+      <pc:sldChg chg="modSp mod modTransition">
+        <pc:chgData name="祐廷 劉" userId="55b9f2413b94badf" providerId="LiveId" clId="{5EA86210-9012-4E68-BCD1-7347BE0E642C}" dt="2023-06-26T14:23:54.748" v="4390"/>
         <pc:sldMkLst>
           <pc:docMk/>
           <pc:sldMk cId="3393552922" sldId="302"/>
@@ -1818,8 +1924,8 @@
           </ac:spMkLst>
         </pc:spChg>
       </pc:sldChg>
-      <pc:sldChg chg="modSp mod">
-        <pc:chgData name="祐廷 劉" userId="55b9f2413b94badf" providerId="LiveId" clId="{5EA86210-9012-4E68-BCD1-7347BE0E642C}" dt="2023-06-25T16:46:56.129" v="3431"/>
+      <pc:sldChg chg="modSp mod modTransition">
+        <pc:chgData name="祐廷 劉" userId="55b9f2413b94badf" providerId="LiveId" clId="{5EA86210-9012-4E68-BCD1-7347BE0E642C}" dt="2023-06-26T14:23:54.748" v="4390"/>
         <pc:sldMkLst>
           <pc:docMk/>
           <pc:sldMk cId="3582894403" sldId="303"/>
@@ -1833,8 +1939,8 @@
           </ac:spMkLst>
         </pc:spChg>
       </pc:sldChg>
-      <pc:sldChg chg="modSp mod">
-        <pc:chgData name="祐廷 劉" userId="55b9f2413b94badf" providerId="LiveId" clId="{5EA86210-9012-4E68-BCD1-7347BE0E642C}" dt="2023-06-25T16:46:59.200" v="3432"/>
+      <pc:sldChg chg="modSp mod modTransition">
+        <pc:chgData name="祐廷 劉" userId="55b9f2413b94badf" providerId="LiveId" clId="{5EA86210-9012-4E68-BCD1-7347BE0E642C}" dt="2023-06-26T14:23:54.748" v="4390"/>
         <pc:sldMkLst>
           <pc:docMk/>
           <pc:sldMk cId="3451858875" sldId="304"/>
@@ -1848,8 +1954,8 @@
           </ac:spMkLst>
         </pc:spChg>
       </pc:sldChg>
-      <pc:sldChg chg="modSp mod">
-        <pc:chgData name="祐廷 劉" userId="55b9f2413b94badf" providerId="LiveId" clId="{5EA86210-9012-4E68-BCD1-7347BE0E642C}" dt="2023-06-25T16:47:03.284" v="3433"/>
+      <pc:sldChg chg="modSp mod modTransition">
+        <pc:chgData name="祐廷 劉" userId="55b9f2413b94badf" providerId="LiveId" clId="{5EA86210-9012-4E68-BCD1-7347BE0E642C}" dt="2023-06-26T14:23:54.748" v="4390"/>
         <pc:sldMkLst>
           <pc:docMk/>
           <pc:sldMk cId="3949229952" sldId="305"/>
@@ -1863,8 +1969,8 @@
           </ac:spMkLst>
         </pc:spChg>
       </pc:sldChg>
-      <pc:sldChg chg="modSp mod">
-        <pc:chgData name="祐廷 劉" userId="55b9f2413b94badf" providerId="LiveId" clId="{5EA86210-9012-4E68-BCD1-7347BE0E642C}" dt="2023-06-25T16:47:06.119" v="3434"/>
+      <pc:sldChg chg="modSp mod modTransition">
+        <pc:chgData name="祐廷 劉" userId="55b9f2413b94badf" providerId="LiveId" clId="{5EA86210-9012-4E68-BCD1-7347BE0E642C}" dt="2023-06-26T14:23:54.748" v="4390"/>
         <pc:sldMkLst>
           <pc:docMk/>
           <pc:sldMk cId="941220507" sldId="306"/>
@@ -1878,8 +1984,8 @@
           </ac:spMkLst>
         </pc:spChg>
       </pc:sldChg>
-      <pc:sldChg chg="modSp mod">
-        <pc:chgData name="祐廷 劉" userId="55b9f2413b94badf" providerId="LiveId" clId="{5EA86210-9012-4E68-BCD1-7347BE0E642C}" dt="2023-06-25T16:47:09.157" v="3435"/>
+      <pc:sldChg chg="modSp mod modTransition">
+        <pc:chgData name="祐廷 劉" userId="55b9f2413b94badf" providerId="LiveId" clId="{5EA86210-9012-4E68-BCD1-7347BE0E642C}" dt="2023-06-26T14:23:54.748" v="4390"/>
         <pc:sldMkLst>
           <pc:docMk/>
           <pc:sldMk cId="3824792781" sldId="307"/>
@@ -1893,8 +1999,8 @@
           </ac:spMkLst>
         </pc:spChg>
       </pc:sldChg>
-      <pc:sldChg chg="modSp mod">
-        <pc:chgData name="祐廷 劉" userId="55b9f2413b94badf" providerId="LiveId" clId="{5EA86210-9012-4E68-BCD1-7347BE0E642C}" dt="2023-06-25T16:47:14.747" v="3437"/>
+      <pc:sldChg chg="modSp mod modTransition">
+        <pc:chgData name="祐廷 劉" userId="55b9f2413b94badf" providerId="LiveId" clId="{5EA86210-9012-4E68-BCD1-7347BE0E642C}" dt="2023-06-26T14:23:54.748" v="4390"/>
         <pc:sldMkLst>
           <pc:docMk/>
           <pc:sldMk cId="1911723664" sldId="308"/>
@@ -1908,8 +2014,8 @@
           </ac:spMkLst>
         </pc:spChg>
       </pc:sldChg>
-      <pc:sldChg chg="modSp mod">
-        <pc:chgData name="祐廷 劉" userId="55b9f2413b94badf" providerId="LiveId" clId="{5EA86210-9012-4E68-BCD1-7347BE0E642C}" dt="2023-06-25T16:47:12.914" v="3436"/>
+      <pc:sldChg chg="modSp mod modTransition">
+        <pc:chgData name="祐廷 劉" userId="55b9f2413b94badf" providerId="LiveId" clId="{5EA86210-9012-4E68-BCD1-7347BE0E642C}" dt="2023-06-26T14:23:54.748" v="4390"/>
         <pc:sldMkLst>
           <pc:docMk/>
           <pc:sldMk cId="4284699570" sldId="310"/>
@@ -1923,8 +2029,8 @@
           </ac:spMkLst>
         </pc:spChg>
       </pc:sldChg>
-      <pc:sldChg chg="modSp mod">
-        <pc:chgData name="祐廷 劉" userId="55b9f2413b94badf" providerId="LiveId" clId="{5EA86210-9012-4E68-BCD1-7347BE0E642C}" dt="2023-06-25T16:47:17.921" v="3438"/>
+      <pc:sldChg chg="modSp mod modTransition">
+        <pc:chgData name="祐廷 劉" userId="55b9f2413b94badf" providerId="LiveId" clId="{5EA86210-9012-4E68-BCD1-7347BE0E642C}" dt="2023-06-26T14:23:54.748" v="4390"/>
         <pc:sldMkLst>
           <pc:docMk/>
           <pc:sldMk cId="1333751187" sldId="311"/>
@@ -1938,8 +2044,8 @@
           </ac:spMkLst>
         </pc:spChg>
       </pc:sldChg>
-      <pc:sldChg chg="modSp mod">
-        <pc:chgData name="祐廷 劉" userId="55b9f2413b94badf" providerId="LiveId" clId="{5EA86210-9012-4E68-BCD1-7347BE0E642C}" dt="2023-06-25T15:29:31.460" v="280" actId="20577"/>
+      <pc:sldChg chg="modSp mod modTransition">
+        <pc:chgData name="祐廷 劉" userId="55b9f2413b94badf" providerId="LiveId" clId="{5EA86210-9012-4E68-BCD1-7347BE0E642C}" dt="2023-06-26T14:23:54.748" v="4390"/>
         <pc:sldMkLst>
           <pc:docMk/>
           <pc:sldMk cId="1404204930" sldId="312"/>
@@ -1961,8 +2067,8 @@
           </ac:spMkLst>
         </pc:spChg>
       </pc:sldChg>
-      <pc:sldChg chg="modSp mod modAnim">
-        <pc:chgData name="祐廷 劉" userId="55b9f2413b94badf" providerId="LiveId" clId="{5EA86210-9012-4E68-BCD1-7347BE0E642C}" dt="2023-06-25T15:31:11.614" v="434" actId="2711"/>
+      <pc:sldChg chg="modSp mod modTransition modAnim">
+        <pc:chgData name="祐廷 劉" userId="55b9f2413b94badf" providerId="LiveId" clId="{5EA86210-9012-4E68-BCD1-7347BE0E642C}" dt="2023-06-26T14:23:54.748" v="4390"/>
         <pc:sldMkLst>
           <pc:docMk/>
           <pc:sldMk cId="4148040693" sldId="313"/>
@@ -1992,8 +2098,8 @@
           </ac:spMkLst>
         </pc:spChg>
       </pc:sldChg>
-      <pc:sldChg chg="modSp mod">
-        <pc:chgData name="祐廷 劉" userId="55b9f2413b94badf" providerId="LiveId" clId="{5EA86210-9012-4E68-BCD1-7347BE0E642C}" dt="2023-06-25T15:31:57.089" v="460" actId="2711"/>
+      <pc:sldChg chg="modSp mod modTransition">
+        <pc:chgData name="祐廷 劉" userId="55b9f2413b94badf" providerId="LiveId" clId="{5EA86210-9012-4E68-BCD1-7347BE0E642C}" dt="2023-06-26T14:23:54.748" v="4390"/>
         <pc:sldMkLst>
           <pc:docMk/>
           <pc:sldMk cId="3744230213" sldId="314"/>
@@ -2007,8 +2113,8 @@
           </ac:spMkLst>
         </pc:spChg>
       </pc:sldChg>
-      <pc:sldChg chg="modSp mod">
-        <pc:chgData name="祐廷 劉" userId="55b9f2413b94badf" providerId="LiveId" clId="{5EA86210-9012-4E68-BCD1-7347BE0E642C}" dt="2023-06-25T15:34:42.184" v="557" actId="2711"/>
+      <pc:sldChg chg="modSp mod modTransition">
+        <pc:chgData name="祐廷 劉" userId="55b9f2413b94badf" providerId="LiveId" clId="{5EA86210-9012-4E68-BCD1-7347BE0E642C}" dt="2023-06-26T14:23:54.748" v="4390"/>
         <pc:sldMkLst>
           <pc:docMk/>
           <pc:sldMk cId="2599848128" sldId="315"/>
@@ -2030,8 +2136,8 @@
           </ac:spMkLst>
         </pc:spChg>
       </pc:sldChg>
-      <pc:sldChg chg="modSp mod">
-        <pc:chgData name="祐廷 劉" userId="55b9f2413b94badf" providerId="LiveId" clId="{5EA86210-9012-4E68-BCD1-7347BE0E642C}" dt="2023-06-25T15:33:22.681" v="497" actId="2711"/>
+      <pc:sldChg chg="modSp mod modTransition">
+        <pc:chgData name="祐廷 劉" userId="55b9f2413b94badf" providerId="LiveId" clId="{5EA86210-9012-4E68-BCD1-7347BE0E642C}" dt="2023-06-26T14:23:54.748" v="4390"/>
         <pc:sldMkLst>
           <pc:docMk/>
           <pc:sldMk cId="443170838" sldId="316"/>
@@ -2045,8 +2151,8 @@
           </ac:spMkLst>
         </pc:spChg>
       </pc:sldChg>
-      <pc:sldChg chg="modSp mod">
-        <pc:chgData name="祐廷 劉" userId="55b9f2413b94badf" providerId="LiveId" clId="{5EA86210-9012-4E68-BCD1-7347BE0E642C}" dt="2023-06-25T15:34:11.371" v="523" actId="2711"/>
+      <pc:sldChg chg="modSp mod modTransition">
+        <pc:chgData name="祐廷 劉" userId="55b9f2413b94badf" providerId="LiveId" clId="{5EA86210-9012-4E68-BCD1-7347BE0E642C}" dt="2023-06-26T14:23:54.748" v="4390"/>
         <pc:sldMkLst>
           <pc:docMk/>
           <pc:sldMk cId="3535103373" sldId="317"/>
@@ -2068,8 +2174,8 @@
           </ac:spMkLst>
         </pc:spChg>
       </pc:sldChg>
-      <pc:sldChg chg="modSp mod">
-        <pc:chgData name="祐廷 劉" userId="55b9f2413b94badf" providerId="LiveId" clId="{5EA86210-9012-4E68-BCD1-7347BE0E642C}" dt="2023-06-25T15:35:31.291" v="622" actId="2711"/>
+      <pc:sldChg chg="modSp mod modTransition">
+        <pc:chgData name="祐廷 劉" userId="55b9f2413b94badf" providerId="LiveId" clId="{5EA86210-9012-4E68-BCD1-7347BE0E642C}" dt="2023-06-26T14:23:54.748" v="4390"/>
         <pc:sldMkLst>
           <pc:docMk/>
           <pc:sldMk cId="950982794" sldId="318"/>
@@ -2083,8 +2189,8 @@
           </ac:spMkLst>
         </pc:spChg>
       </pc:sldChg>
-      <pc:sldChg chg="modSp mod">
-        <pc:chgData name="祐廷 劉" userId="55b9f2413b94badf" providerId="LiveId" clId="{5EA86210-9012-4E68-BCD1-7347BE0E642C}" dt="2023-06-25T15:35:07.385" v="573" actId="2711"/>
+      <pc:sldChg chg="modSp mod modTransition">
+        <pc:chgData name="祐廷 劉" userId="55b9f2413b94badf" providerId="LiveId" clId="{5EA86210-9012-4E68-BCD1-7347BE0E642C}" dt="2023-06-26T14:23:54.748" v="4390"/>
         <pc:sldMkLst>
           <pc:docMk/>
           <pc:sldMk cId="1986822702" sldId="319"/>
@@ -2098,8 +2204,8 @@
           </ac:spMkLst>
         </pc:spChg>
       </pc:sldChg>
-      <pc:sldChg chg="modSp mod">
-        <pc:chgData name="祐廷 劉" userId="55b9f2413b94badf" providerId="LiveId" clId="{5EA86210-9012-4E68-BCD1-7347BE0E642C}" dt="2023-06-25T15:35:47.807" v="638" actId="2711"/>
+      <pc:sldChg chg="modSp mod modTransition">
+        <pc:chgData name="祐廷 劉" userId="55b9f2413b94badf" providerId="LiveId" clId="{5EA86210-9012-4E68-BCD1-7347BE0E642C}" dt="2023-06-26T14:23:54.748" v="4390"/>
         <pc:sldMkLst>
           <pc:docMk/>
           <pc:sldMk cId="725889679" sldId="320"/>
@@ -2113,18 +2219,110 @@
           </ac:spMkLst>
         </pc:spChg>
       </pc:sldChg>
-      <pc:sldChg chg="modSp">
-        <pc:chgData name="祐廷 劉" userId="55b9f2413b94badf" providerId="LiveId" clId="{5EA86210-9012-4E68-BCD1-7347BE0E642C}" dt="2023-06-25T16:10:53.572" v="2877"/>
+      <pc:sldChg chg="modSp mod modTransition">
+        <pc:chgData name="祐廷 劉" userId="55b9f2413b94badf" providerId="LiveId" clId="{5EA86210-9012-4E68-BCD1-7347BE0E642C}" dt="2023-06-26T14:23:54.748" v="4390"/>
+        <pc:sldMkLst>
+          <pc:docMk/>
+          <pc:sldMk cId="2007164890" sldId="321"/>
+        </pc:sldMkLst>
+        <pc:spChg chg="mod">
+          <ac:chgData name="祐廷 劉" userId="55b9f2413b94badf" providerId="LiveId" clId="{5EA86210-9012-4E68-BCD1-7347BE0E642C}" dt="2023-06-26T14:16:42.175" v="3900" actId="2711"/>
+          <ac:spMkLst>
+            <pc:docMk/>
+            <pc:sldMk cId="2007164890" sldId="321"/>
+            <ac:spMk id="2" creationId="{431CBF03-5EB3-4E70-A248-587F2835BD79}"/>
+          </ac:spMkLst>
+        </pc:spChg>
+        <pc:spChg chg="mod">
+          <ac:chgData name="祐廷 劉" userId="55b9f2413b94badf" providerId="LiveId" clId="{5EA86210-9012-4E68-BCD1-7347BE0E642C}" dt="2023-06-26T14:15:20.352" v="3830" actId="2711"/>
+          <ac:spMkLst>
+            <pc:docMk/>
+            <pc:sldMk cId="2007164890" sldId="321"/>
+            <ac:spMk id="8" creationId="{23629D86-8219-4BF7-854C-D7F40DDF3E67}"/>
+          </ac:spMkLst>
+        </pc:spChg>
+        <pc:spChg chg="mod">
+          <ac:chgData name="祐廷 劉" userId="55b9f2413b94badf" providerId="LiveId" clId="{5EA86210-9012-4E68-BCD1-7347BE0E642C}" dt="2023-06-26T14:16:19.854" v="3883" actId="2711"/>
+          <ac:spMkLst>
+            <pc:docMk/>
+            <pc:sldMk cId="2007164890" sldId="321"/>
+            <ac:spMk id="9" creationId="{EB5BD1F0-6917-47C4-ADC0-C576F6F755FC}"/>
+          </ac:spMkLst>
+        </pc:spChg>
+      </pc:sldChg>
+      <pc:sldChg chg="modSp mod modTransition">
+        <pc:chgData name="祐廷 劉" userId="55b9f2413b94badf" providerId="LiveId" clId="{5EA86210-9012-4E68-BCD1-7347BE0E642C}" dt="2023-06-26T14:23:54.748" v="4390"/>
+        <pc:sldMkLst>
+          <pc:docMk/>
+          <pc:sldMk cId="1252941179" sldId="322"/>
+        </pc:sldMkLst>
+        <pc:spChg chg="mod">
+          <ac:chgData name="祐廷 劉" userId="55b9f2413b94badf" providerId="LiveId" clId="{5EA86210-9012-4E68-BCD1-7347BE0E642C}" dt="2023-06-26T14:20:39.607" v="4215" actId="2711"/>
+          <ac:spMkLst>
+            <pc:docMk/>
+            <pc:sldMk cId="1252941179" sldId="322"/>
+            <ac:spMk id="2" creationId="{2A1E1279-DDF0-4B6A-BDA0-5F9B4776B245}"/>
+          </ac:spMkLst>
+        </pc:spChg>
+      </pc:sldChg>
+      <pc:sldChg chg="modSp mod modTransition">
+        <pc:chgData name="祐廷 劉" userId="55b9f2413b94badf" providerId="LiveId" clId="{5EA86210-9012-4E68-BCD1-7347BE0E642C}" dt="2023-06-26T14:23:54.748" v="4390"/>
+        <pc:sldMkLst>
+          <pc:docMk/>
+          <pc:sldMk cId="2133384222" sldId="323"/>
+        </pc:sldMkLst>
+        <pc:spChg chg="mod">
+          <ac:chgData name="祐廷 劉" userId="55b9f2413b94badf" providerId="LiveId" clId="{5EA86210-9012-4E68-BCD1-7347BE0E642C}" dt="2023-06-26T14:20:56.842" v="4244" actId="2711"/>
+          <ac:spMkLst>
+            <pc:docMk/>
+            <pc:sldMk cId="2133384222" sldId="323"/>
+            <ac:spMk id="2" creationId="{D808F4AF-25C4-4A7D-8375-EFE3EE8CDEBC}"/>
+          </ac:spMkLst>
+        </pc:spChg>
+        <pc:spChg chg="mod">
+          <ac:chgData name="祐廷 劉" userId="55b9f2413b94badf" providerId="LiveId" clId="{5EA86210-9012-4E68-BCD1-7347BE0E642C}" dt="2023-06-26T14:21:14.135" v="4267" actId="2711"/>
+          <ac:spMkLst>
+            <pc:docMk/>
+            <pc:sldMk cId="2133384222" sldId="323"/>
+            <ac:spMk id="3" creationId="{DA6BC435-6AC6-4CD8-9A88-03873CEFDA0C}"/>
+          </ac:spMkLst>
+        </pc:spChg>
+      </pc:sldChg>
+      <pc:sldChg chg="modSp mod modTransition">
+        <pc:chgData name="祐廷 劉" userId="55b9f2413b94badf" providerId="LiveId" clId="{5EA86210-9012-4E68-BCD1-7347BE0E642C}" dt="2023-06-26T14:23:54.748" v="4390"/>
         <pc:sldMkLst>
           <pc:docMk/>
           <pc:sldMk cId="296983837" sldId="324"/>
         </pc:sldMkLst>
         <pc:spChg chg="mod">
-          <ac:chgData name="祐廷 劉" userId="55b9f2413b94badf" providerId="LiveId" clId="{5EA86210-9012-4E68-BCD1-7347BE0E642C}" dt="2023-06-25T16:10:53.572" v="2877"/>
+          <ac:chgData name="祐廷 劉" userId="55b9f2413b94badf" providerId="LiveId" clId="{5EA86210-9012-4E68-BCD1-7347BE0E642C}" dt="2023-06-26T14:19:56.856" v="4152" actId="2711"/>
+          <ac:spMkLst>
+            <pc:docMk/>
+            <pc:sldMk cId="296983837" sldId="324"/>
+            <ac:spMk id="2" creationId="{F8A52C0E-B9ED-4526-90DD-3DBED2860B41}"/>
+          </ac:spMkLst>
+        </pc:spChg>
+        <pc:spChg chg="mod">
+          <ac:chgData name="祐廷 劉" userId="55b9f2413b94badf" providerId="LiveId" clId="{5EA86210-9012-4E68-BCD1-7347BE0E642C}" dt="2023-06-26T14:20:21.337" v="4186" actId="2711"/>
           <ac:spMkLst>
             <pc:docMk/>
             <pc:sldMk cId="296983837" sldId="324"/>
             <ac:spMk id="3" creationId="{5402E5A0-B4D3-4DE8-9288-24F259849F59}"/>
+          </ac:spMkLst>
+        </pc:spChg>
+      </pc:sldChg>
+      <pc:sldChg chg="modSp mod modTransition">
+        <pc:chgData name="祐廷 劉" userId="55b9f2413b94badf" providerId="LiveId" clId="{5EA86210-9012-4E68-BCD1-7347BE0E642C}" dt="2023-06-26T14:23:54.748" v="4390"/>
+        <pc:sldMkLst>
+          <pc:docMk/>
+          <pc:sldMk cId="1008749676" sldId="325"/>
+        </pc:sldMkLst>
+        <pc:spChg chg="mod">
+          <ac:chgData name="祐廷 劉" userId="55b9f2413b94badf" providerId="LiveId" clId="{5EA86210-9012-4E68-BCD1-7347BE0E642C}" dt="2023-06-26T14:21:32.797" v="4291" actId="2711"/>
+          <ac:spMkLst>
+            <pc:docMk/>
+            <pc:sldMk cId="1008749676" sldId="325"/>
+            <ac:spMk id="2" creationId="{A7BE158D-D969-4F49-9979-F3AE29578C38}"/>
           </ac:spMkLst>
         </pc:spChg>
       </pc:sldChg>
@@ -2346,7 +2544,7 @@
           <a:p>
             <a:fld id="{E293F93E-B5DE-4B50-93E6-ADB519FE5D77}" type="datetimeFigureOut">
               <a:rPr lang="zh-TW" altLang="en-US" smtClean="0"/>
-              <a:t>2023/6/25</a:t>
+              <a:t>2023/6/26</a:t>
             </a:fld>
             <a:endParaRPr lang="zh-TW" altLang="en-US"/>
           </a:p>
@@ -2637,7 +2835,7 @@
           <a:p>
             <a:fld id="{E293F93E-B5DE-4B50-93E6-ADB519FE5D77}" type="datetimeFigureOut">
               <a:rPr lang="zh-TW" altLang="en-US" smtClean="0"/>
-              <a:t>2023/6/25</a:t>
+              <a:t>2023/6/26</a:t>
             </a:fld>
             <a:endParaRPr lang="zh-TW" altLang="en-US"/>
           </a:p>
@@ -2896,7 +3094,7 @@
           <a:p>
             <a:fld id="{E293F93E-B5DE-4B50-93E6-ADB519FE5D77}" type="datetimeFigureOut">
               <a:rPr lang="zh-TW" altLang="en-US" smtClean="0"/>
-              <a:t>2023/6/25</a:t>
+              <a:t>2023/6/26</a:t>
             </a:fld>
             <a:endParaRPr lang="zh-TW" altLang="en-US"/>
           </a:p>
@@ -3365,7 +3563,7 @@
           <a:p>
             <a:fld id="{E293F93E-B5DE-4B50-93E6-ADB519FE5D77}" type="datetimeFigureOut">
               <a:rPr lang="zh-TW" altLang="en-US" smtClean="0"/>
-              <a:t>2023/6/25</a:t>
+              <a:t>2023/6/26</a:t>
             </a:fld>
             <a:endParaRPr lang="zh-TW" altLang="en-US"/>
           </a:p>
@@ -3545,7 +3743,7 @@
           <a:p>
             <a:fld id="{E293F93E-B5DE-4B50-93E6-ADB519FE5D77}" type="datetimeFigureOut">
               <a:rPr lang="zh-TW" altLang="en-US" smtClean="0"/>
-              <a:t>2023/6/25</a:t>
+              <a:t>2023/6/26</a:t>
             </a:fld>
             <a:endParaRPr lang="zh-TW" altLang="en-US"/>
           </a:p>
@@ -4121,7 +4319,7 @@
           <a:p>
             <a:fld id="{E293F93E-B5DE-4B50-93E6-ADB519FE5D77}" type="datetimeFigureOut">
               <a:rPr lang="zh-TW" altLang="en-US" smtClean="0"/>
-              <a:t>2023/6/25</a:t>
+              <a:t>2023/6/26</a:t>
             </a:fld>
             <a:endParaRPr lang="zh-TW" altLang="en-US"/>
           </a:p>
@@ -4453,7 +4651,7 @@
           <a:p>
             <a:fld id="{E293F93E-B5DE-4B50-93E6-ADB519FE5D77}" type="datetimeFigureOut">
               <a:rPr lang="zh-TW" altLang="en-US" smtClean="0"/>
-              <a:t>2023/6/25</a:t>
+              <a:t>2023/6/26</a:t>
             </a:fld>
             <a:endParaRPr lang="zh-TW" altLang="en-US"/>
           </a:p>
@@ -4628,7 +4826,7 @@
           <a:p>
             <a:fld id="{E293F93E-B5DE-4B50-93E6-ADB519FE5D77}" type="datetimeFigureOut">
               <a:rPr lang="zh-TW" altLang="en-US" smtClean="0"/>
-              <a:t>2023/6/25</a:t>
+              <a:t>2023/6/26</a:t>
             </a:fld>
             <a:endParaRPr lang="zh-TW" altLang="en-US"/>
           </a:p>
@@ -4808,7 +5006,7 @@
           <a:p>
             <a:fld id="{E293F93E-B5DE-4B50-93E6-ADB519FE5D77}" type="datetimeFigureOut">
               <a:rPr lang="zh-TW" altLang="en-US" smtClean="0"/>
-              <a:t>2023/6/25</a:t>
+              <a:t>2023/6/26</a:t>
             </a:fld>
             <a:endParaRPr lang="zh-TW" altLang="en-US"/>
           </a:p>
@@ -4978,7 +5176,7 @@
           <a:p>
             <a:fld id="{E293F93E-B5DE-4B50-93E6-ADB519FE5D77}" type="datetimeFigureOut">
               <a:rPr lang="zh-TW" altLang="en-US" smtClean="0"/>
-              <a:t>2023/6/25</a:t>
+              <a:t>2023/6/26</a:t>
             </a:fld>
             <a:endParaRPr lang="zh-TW" altLang="en-US"/>
           </a:p>
@@ -5235,7 +5433,7 @@
           <a:p>
             <a:fld id="{E293F93E-B5DE-4B50-93E6-ADB519FE5D77}" type="datetimeFigureOut">
               <a:rPr lang="zh-TW" altLang="en-US" smtClean="0"/>
-              <a:t>2023/6/25</a:t>
+              <a:t>2023/6/26</a:t>
             </a:fld>
             <a:endParaRPr lang="zh-TW" altLang="en-US"/>
           </a:p>
@@ -5527,7 +5725,7 @@
           <a:p>
             <a:fld id="{E293F93E-B5DE-4B50-93E6-ADB519FE5D77}" type="datetimeFigureOut">
               <a:rPr lang="zh-TW" altLang="en-US" smtClean="0"/>
-              <a:t>2023/6/25</a:t>
+              <a:t>2023/6/26</a:t>
             </a:fld>
             <a:endParaRPr lang="zh-TW" altLang="en-US"/>
           </a:p>
@@ -5957,7 +6155,7 @@
           <a:p>
             <a:fld id="{E293F93E-B5DE-4B50-93E6-ADB519FE5D77}" type="datetimeFigureOut">
               <a:rPr lang="zh-TW" altLang="en-US" smtClean="0"/>
-              <a:t>2023/6/25</a:t>
+              <a:t>2023/6/26</a:t>
             </a:fld>
             <a:endParaRPr lang="zh-TW" altLang="en-US"/>
           </a:p>
@@ -6075,7 +6273,7 @@
           <a:p>
             <a:fld id="{E293F93E-B5DE-4B50-93E6-ADB519FE5D77}" type="datetimeFigureOut">
               <a:rPr lang="zh-TW" altLang="en-US" smtClean="0"/>
-              <a:t>2023/6/25</a:t>
+              <a:t>2023/6/26</a:t>
             </a:fld>
             <a:endParaRPr lang="zh-TW" altLang="en-US"/>
           </a:p>
@@ -6170,7 +6368,7 @@
           <a:p>
             <a:fld id="{E293F93E-B5DE-4B50-93E6-ADB519FE5D77}" type="datetimeFigureOut">
               <a:rPr lang="zh-TW" altLang="en-US" smtClean="0"/>
-              <a:t>2023/6/25</a:t>
+              <a:t>2023/6/26</a:t>
             </a:fld>
             <a:endParaRPr lang="zh-TW" altLang="en-US"/>
           </a:p>
@@ -6453,7 +6651,7 @@
           <a:p>
             <a:fld id="{E293F93E-B5DE-4B50-93E6-ADB519FE5D77}" type="datetimeFigureOut">
               <a:rPr lang="zh-TW" altLang="en-US" smtClean="0"/>
-              <a:t>2023/6/25</a:t>
+              <a:t>2023/6/26</a:t>
             </a:fld>
             <a:endParaRPr lang="zh-TW" altLang="en-US"/>
           </a:p>
@@ -6744,7 +6942,7 @@
           <a:p>
             <a:fld id="{E293F93E-B5DE-4B50-93E6-ADB519FE5D77}" type="datetimeFigureOut">
               <a:rPr lang="zh-TW" altLang="en-US" smtClean="0"/>
-              <a:t>2023/6/25</a:t>
+              <a:t>2023/6/26</a:t>
             </a:fld>
             <a:endParaRPr lang="zh-TW" altLang="en-US"/>
           </a:p>
@@ -6975,7 +7173,7 @@
           <a:p>
             <a:fld id="{E293F93E-B5DE-4B50-93E6-ADB519FE5D77}" type="datetimeFigureOut">
               <a:rPr lang="zh-TW" altLang="en-US" smtClean="0"/>
-              <a:t>2023/6/25</a:t>
+              <a:t>2023/6/26</a:t>
             </a:fld>
             <a:endParaRPr lang="zh-TW" altLang="en-US"/>
           </a:p>
@@ -7831,13 +8029,13 @@
   <p:clrMapOvr>
     <a:masterClrMapping/>
   </p:clrMapOvr>
-  <mc:AlternateContent xmlns:mc="http://schemas.openxmlformats.org/markup-compatibility/2006" xmlns:p159="http://schemas.microsoft.com/office/powerpoint/2015/09/main">
-    <mc:Choice Requires="p159">
+  <mc:AlternateContent xmlns:mc="http://schemas.openxmlformats.org/markup-compatibility/2006">
+    <mc:Choice xmlns:p159="http://schemas.microsoft.com/office/powerpoint/2015/09/main" Requires="p159">
       <p:transition spd="slow">
-        <p159:morph option="byObject"/>
+        <p159:morph option="byChar"/>
       </p:transition>
     </mc:Choice>
-    <mc:Fallback xmlns="">
+    <mc:Fallback>
       <p:transition spd="slow">
         <p:fade/>
       </p:transition>
@@ -7972,6 +8170,18 @@
   <p:clrMapOvr>
     <a:masterClrMapping/>
   </p:clrMapOvr>
+  <mc:AlternateContent xmlns:mc="http://schemas.openxmlformats.org/markup-compatibility/2006">
+    <mc:Choice xmlns:p159="http://schemas.microsoft.com/office/powerpoint/2015/09/main" Requires="p159">
+      <p:transition spd="slow">
+        <p159:morph option="byChar"/>
+      </p:transition>
+    </mc:Choice>
+    <mc:Fallback>
+      <p:transition spd="slow">
+        <p:fade/>
+      </p:transition>
+    </mc:Fallback>
+  </mc:AlternateContent>
   <p:timing>
     <p:tnLst>
       <p:par>
@@ -8942,6 +9152,18 @@
   <p:clrMapOvr>
     <a:masterClrMapping/>
   </p:clrMapOvr>
+  <mc:AlternateContent xmlns:mc="http://schemas.openxmlformats.org/markup-compatibility/2006">
+    <mc:Choice xmlns:p159="http://schemas.microsoft.com/office/powerpoint/2015/09/main" Requires="p159">
+      <p:transition spd="slow">
+        <p159:morph option="byChar"/>
+      </p:transition>
+    </mc:Choice>
+    <mc:Fallback>
+      <p:transition spd="slow">
+        <p:fade/>
+      </p:transition>
+    </mc:Fallback>
+  </mc:AlternateContent>
   <p:timing>
     <p:tnLst>
       <p:par>
@@ -9193,6 +9415,18 @@
   <p:clrMapOvr>
     <a:masterClrMapping/>
   </p:clrMapOvr>
+  <mc:AlternateContent xmlns:mc="http://schemas.openxmlformats.org/markup-compatibility/2006">
+    <mc:Choice xmlns:p159="http://schemas.microsoft.com/office/powerpoint/2015/09/main" Requires="p159">
+      <p:transition spd="slow">
+        <p159:morph option="byChar"/>
+      </p:transition>
+    </mc:Choice>
+    <mc:Fallback>
+      <p:transition spd="slow">
+        <p:fade/>
+      </p:transition>
+    </mc:Fallback>
+  </mc:AlternateContent>
   <p:timing>
     <p:tnLst>
       <p:par>
@@ -9439,13 +9673,13 @@
   <p:clrMapOvr>
     <a:masterClrMapping/>
   </p:clrMapOvr>
-  <mc:AlternateContent xmlns:mc="http://schemas.openxmlformats.org/markup-compatibility/2006" xmlns:p159="http://schemas.microsoft.com/office/powerpoint/2015/09/main">
-    <mc:Choice Requires="p159">
+  <mc:AlternateContent xmlns:mc="http://schemas.openxmlformats.org/markup-compatibility/2006">
+    <mc:Choice xmlns:p159="http://schemas.microsoft.com/office/powerpoint/2015/09/main" Requires="p159">
       <p:transition spd="slow">
         <p159:morph option="byChar"/>
       </p:transition>
     </mc:Choice>
-    <mc:Fallback xmlns="">
+    <mc:Fallback>
       <p:transition spd="slow">
         <p:fade/>
       </p:transition>
@@ -9891,13 +10125,13 @@
   <p:clrMapOvr>
     <a:masterClrMapping/>
   </p:clrMapOvr>
-  <mc:AlternateContent xmlns:mc="http://schemas.openxmlformats.org/markup-compatibility/2006" xmlns:p159="http://schemas.microsoft.com/office/powerpoint/2015/09/main">
-    <mc:Choice Requires="p159">
+  <mc:AlternateContent xmlns:mc="http://schemas.openxmlformats.org/markup-compatibility/2006">
+    <mc:Choice xmlns:p159="http://schemas.microsoft.com/office/powerpoint/2015/09/main" Requires="p159">
       <p:transition spd="slow">
         <p159:morph option="byChar"/>
       </p:transition>
     </mc:Choice>
-    <mc:Fallback xmlns="">
+    <mc:Fallback>
       <p:transition spd="slow">
         <p:fade/>
       </p:transition>
@@ -10377,13 +10611,13 @@
   <p:clrMapOvr>
     <a:masterClrMapping/>
   </p:clrMapOvr>
-  <mc:AlternateContent xmlns:mc="http://schemas.openxmlformats.org/markup-compatibility/2006" xmlns:p159="http://schemas.microsoft.com/office/powerpoint/2015/09/main">
-    <mc:Choice Requires="p159">
+  <mc:AlternateContent xmlns:mc="http://schemas.openxmlformats.org/markup-compatibility/2006">
+    <mc:Choice xmlns:p159="http://schemas.microsoft.com/office/powerpoint/2015/09/main" Requires="p159">
       <p:transition spd="slow">
         <p159:morph option="byChar"/>
       </p:transition>
     </mc:Choice>
-    <mc:Fallback xmlns="">
+    <mc:Fallback>
       <p:transition spd="slow">
         <p:fade/>
       </p:transition>
@@ -10528,13 +10762,13 @@
   <p:clrMapOvr>
     <a:masterClrMapping/>
   </p:clrMapOvr>
-  <mc:AlternateContent xmlns:mc="http://schemas.openxmlformats.org/markup-compatibility/2006" xmlns:p159="http://schemas.microsoft.com/office/powerpoint/2015/09/main">
-    <mc:Choice Requires="p159">
+  <mc:AlternateContent xmlns:mc="http://schemas.openxmlformats.org/markup-compatibility/2006">
+    <mc:Choice xmlns:p159="http://schemas.microsoft.com/office/powerpoint/2015/09/main" Requires="p159">
       <p:transition spd="slow">
         <p159:morph option="byChar"/>
       </p:transition>
     </mc:Choice>
-    <mc:Fallback xmlns="">
+    <mc:Fallback>
       <p:transition spd="slow">
         <p:fade/>
       </p:transition>
@@ -11016,13 +11250,13 @@
   <p:clrMapOvr>
     <a:masterClrMapping/>
   </p:clrMapOvr>
-  <mc:AlternateContent xmlns:mc="http://schemas.openxmlformats.org/markup-compatibility/2006" xmlns:p159="http://schemas.microsoft.com/office/powerpoint/2015/09/main">
-    <mc:Choice Requires="p159">
+  <mc:AlternateContent xmlns:mc="http://schemas.openxmlformats.org/markup-compatibility/2006">
+    <mc:Choice xmlns:p159="http://schemas.microsoft.com/office/powerpoint/2015/09/main" Requires="p159">
       <p:transition spd="slow">
         <p159:morph option="byChar"/>
       </p:transition>
     </mc:Choice>
-    <mc:Fallback xmlns="">
+    <mc:Fallback>
       <p:transition spd="slow">
         <p:fade/>
       </p:transition>
@@ -11692,13 +11926,13 @@
   <p:clrMapOvr>
     <a:masterClrMapping/>
   </p:clrMapOvr>
-  <mc:AlternateContent xmlns:mc="http://schemas.openxmlformats.org/markup-compatibility/2006" xmlns:p159="http://schemas.microsoft.com/office/powerpoint/2015/09/main">
-    <mc:Choice Requires="p159">
+  <mc:AlternateContent xmlns:mc="http://schemas.openxmlformats.org/markup-compatibility/2006">
+    <mc:Choice xmlns:p159="http://schemas.microsoft.com/office/powerpoint/2015/09/main" Requires="p159">
       <p:transition spd="slow">
         <p159:morph option="byChar"/>
       </p:transition>
     </mc:Choice>
-    <mc:Fallback xmlns="">
+    <mc:Fallback>
       <p:transition spd="slow">
         <p:fade/>
       </p:transition>
@@ -12448,13 +12682,13 @@
   <p:clrMapOvr>
     <a:masterClrMapping/>
   </p:clrMapOvr>
-  <mc:AlternateContent xmlns:mc="http://schemas.openxmlformats.org/markup-compatibility/2006" xmlns:p159="http://schemas.microsoft.com/office/powerpoint/2015/09/main">
-    <mc:Choice Requires="p159">
+  <mc:AlternateContent xmlns:mc="http://schemas.openxmlformats.org/markup-compatibility/2006">
+    <mc:Choice xmlns:p159="http://schemas.microsoft.com/office/powerpoint/2015/09/main" Requires="p159">
       <p:transition spd="slow">
         <p159:morph option="byChar"/>
       </p:transition>
     </mc:Choice>
-    <mc:Fallback xmlns="">
+    <mc:Fallback>
       <p:transition spd="slow">
         <p:fade/>
       </p:transition>
@@ -12631,13 +12865,13 @@
   <p:clrMapOvr>
     <a:masterClrMapping/>
   </p:clrMapOvr>
-  <mc:AlternateContent xmlns:mc="http://schemas.openxmlformats.org/markup-compatibility/2006" xmlns:p159="http://schemas.microsoft.com/office/powerpoint/2015/09/main">
-    <mc:Choice Requires="p159">
+  <mc:AlternateContent xmlns:mc="http://schemas.openxmlformats.org/markup-compatibility/2006">
+    <mc:Choice xmlns:p159="http://schemas.microsoft.com/office/powerpoint/2015/09/main" Requires="p159">
       <p:transition spd="slow">
         <p159:morph option="byChar"/>
       </p:transition>
     </mc:Choice>
-    <mc:Fallback xmlns="">
+    <mc:Fallback>
       <p:transition spd="slow">
         <p:fade/>
       </p:transition>
@@ -12985,13 +13219,13 @@
   <p:clrMapOvr>
     <a:masterClrMapping/>
   </p:clrMapOvr>
-  <mc:AlternateContent xmlns:mc="http://schemas.openxmlformats.org/markup-compatibility/2006" xmlns:p159="http://schemas.microsoft.com/office/powerpoint/2015/09/main">
-    <mc:Choice Requires="p159">
+  <mc:AlternateContent xmlns:mc="http://schemas.openxmlformats.org/markup-compatibility/2006">
+    <mc:Choice xmlns:p159="http://schemas.microsoft.com/office/powerpoint/2015/09/main" Requires="p159">
       <p:transition spd="slow">
         <p159:morph option="byChar"/>
       </p:transition>
     </mc:Choice>
-    <mc:Fallback xmlns="">
+    <mc:Fallback>
       <p:transition spd="slow">
         <p:fade/>
       </p:transition>
@@ -16107,13 +16341,13 @@
   <p:clrMapOvr>
     <a:masterClrMapping/>
   </p:clrMapOvr>
-  <mc:AlternateContent xmlns:mc="http://schemas.openxmlformats.org/markup-compatibility/2006" xmlns:p159="http://schemas.microsoft.com/office/powerpoint/2015/09/main">
-    <mc:Choice Requires="p159">
+  <mc:AlternateContent xmlns:mc="http://schemas.openxmlformats.org/markup-compatibility/2006">
+    <mc:Choice xmlns:p159="http://schemas.microsoft.com/office/powerpoint/2015/09/main" Requires="p159">
       <p:transition spd="slow">
         <p159:morph option="byChar"/>
       </p:transition>
     </mc:Choice>
-    <mc:Fallback xmlns="">
+    <mc:Fallback>
       <p:transition spd="slow">
         <p:fade/>
       </p:transition>
@@ -16385,13 +16619,13 @@
   <p:clrMapOvr>
     <a:masterClrMapping/>
   </p:clrMapOvr>
-  <mc:AlternateContent xmlns:mc="http://schemas.openxmlformats.org/markup-compatibility/2006" xmlns:p159="http://schemas.microsoft.com/office/powerpoint/2015/09/main">
-    <mc:Choice Requires="p159">
+  <mc:AlternateContent xmlns:mc="http://schemas.openxmlformats.org/markup-compatibility/2006">
+    <mc:Choice xmlns:p159="http://schemas.microsoft.com/office/powerpoint/2015/09/main" Requires="p159">
       <p:transition spd="slow">
         <p159:morph option="byChar"/>
       </p:transition>
     </mc:Choice>
-    <mc:Fallback xmlns="">
+    <mc:Fallback>
       <p:transition spd="slow">
         <p:fade/>
       </p:transition>
@@ -17237,13 +17471,13 @@
   <p:clrMapOvr>
     <a:masterClrMapping/>
   </p:clrMapOvr>
-  <mc:AlternateContent xmlns:mc="http://schemas.openxmlformats.org/markup-compatibility/2006" xmlns:p159="http://schemas.microsoft.com/office/powerpoint/2015/09/main">
-    <mc:Choice Requires="p159">
+  <mc:AlternateContent xmlns:mc="http://schemas.openxmlformats.org/markup-compatibility/2006">
+    <mc:Choice xmlns:p159="http://schemas.microsoft.com/office/powerpoint/2015/09/main" Requires="p159">
       <p:transition spd="slow">
         <p159:morph option="byChar"/>
       </p:transition>
     </mc:Choice>
-    <mc:Fallback xmlns="">
+    <mc:Fallback>
       <p:transition spd="slow">
         <p:fade/>
       </p:transition>
@@ -17975,13 +18209,13 @@
   <p:clrMapOvr>
     <a:masterClrMapping/>
   </p:clrMapOvr>
-  <mc:AlternateContent xmlns:mc="http://schemas.openxmlformats.org/markup-compatibility/2006" xmlns:p159="http://schemas.microsoft.com/office/powerpoint/2015/09/main">
-    <mc:Choice Requires="p159">
+  <mc:AlternateContent xmlns:mc="http://schemas.openxmlformats.org/markup-compatibility/2006">
+    <mc:Choice xmlns:p159="http://schemas.microsoft.com/office/powerpoint/2015/09/main" Requires="p159">
       <p:transition spd="slow">
         <p159:morph option="byChar"/>
       </p:transition>
     </mc:Choice>
-    <mc:Fallback xmlns="">
+    <mc:Fallback>
       <p:transition spd="slow">
         <p:fade/>
       </p:transition>
@@ -18292,13 +18526,13 @@
   <p:clrMapOvr>
     <a:masterClrMapping/>
   </p:clrMapOvr>
-  <mc:AlternateContent xmlns:mc="http://schemas.openxmlformats.org/markup-compatibility/2006" xmlns:p159="http://schemas.microsoft.com/office/powerpoint/2015/09/main">
-    <mc:Choice Requires="p159">
+  <mc:AlternateContent xmlns:mc="http://schemas.openxmlformats.org/markup-compatibility/2006">
+    <mc:Choice xmlns:p159="http://schemas.microsoft.com/office/powerpoint/2015/09/main" Requires="p159">
       <p:transition spd="slow">
         <p159:morph option="byChar"/>
       </p:transition>
     </mc:Choice>
-    <mc:Fallback xmlns="">
+    <mc:Fallback>
       <p:transition spd="slow">
         <p:fade/>
       </p:transition>
@@ -18641,13 +18875,13 @@
   <p:clrMapOvr>
     <a:masterClrMapping/>
   </p:clrMapOvr>
-  <mc:AlternateContent xmlns:mc="http://schemas.openxmlformats.org/markup-compatibility/2006" xmlns:p159="http://schemas.microsoft.com/office/powerpoint/2015/09/main">
-    <mc:Choice Requires="p159">
+  <mc:AlternateContent xmlns:mc="http://schemas.openxmlformats.org/markup-compatibility/2006">
+    <mc:Choice xmlns:p159="http://schemas.microsoft.com/office/powerpoint/2015/09/main" Requires="p159">
       <p:transition spd="slow">
         <p159:morph option="byChar"/>
       </p:transition>
     </mc:Choice>
-    <mc:Fallback xmlns="">
+    <mc:Fallback>
       <p:transition spd="slow">
         <p:fade/>
       </p:transition>
@@ -19344,13 +19578,13 @@
   <p:clrMapOvr>
     <a:masterClrMapping/>
   </p:clrMapOvr>
-  <mc:AlternateContent xmlns:mc="http://schemas.openxmlformats.org/markup-compatibility/2006" xmlns:p159="http://schemas.microsoft.com/office/powerpoint/2015/09/main">
-    <mc:Choice Requires="p159">
+  <mc:AlternateContent xmlns:mc="http://schemas.openxmlformats.org/markup-compatibility/2006">
+    <mc:Choice xmlns:p159="http://schemas.microsoft.com/office/powerpoint/2015/09/main" Requires="p159">
       <p:transition spd="slow">
         <p159:morph option="byChar"/>
       </p:transition>
     </mc:Choice>
-    <mc:Fallback xmlns="">
+    <mc:Fallback>
       <p:transition spd="slow">
         <p:fade/>
       </p:transition>
@@ -20439,13 +20673,13 @@
   <p:clrMapOvr>
     <a:masterClrMapping/>
   </p:clrMapOvr>
-  <mc:AlternateContent xmlns:mc="http://schemas.openxmlformats.org/markup-compatibility/2006" xmlns:p159="http://schemas.microsoft.com/office/powerpoint/2015/09/main">
-    <mc:Choice Requires="p159">
+  <mc:AlternateContent xmlns:mc="http://schemas.openxmlformats.org/markup-compatibility/2006">
+    <mc:Choice xmlns:p159="http://schemas.microsoft.com/office/powerpoint/2015/09/main" Requires="p159">
       <p:transition spd="slow">
-        <p159:morph option="byObject"/>
+        <p159:morph option="byChar"/>
       </p:transition>
     </mc:Choice>
-    <mc:Fallback xmlns="">
+    <mc:Fallback>
       <p:transition spd="slow">
         <p:fade/>
       </p:transition>
@@ -20823,13 +21057,13 @@
   <p:clrMapOvr>
     <a:masterClrMapping/>
   </p:clrMapOvr>
-  <mc:AlternateContent xmlns:mc="http://schemas.openxmlformats.org/markup-compatibility/2006" xmlns:p159="http://schemas.microsoft.com/office/powerpoint/2015/09/main">
-    <mc:Choice Requires="p159">
+  <mc:AlternateContent xmlns:mc="http://schemas.openxmlformats.org/markup-compatibility/2006">
+    <mc:Choice xmlns:p159="http://schemas.microsoft.com/office/powerpoint/2015/09/main" Requires="p159">
       <p:transition spd="slow">
         <p159:morph option="byChar"/>
       </p:transition>
     </mc:Choice>
-    <mc:Fallback xmlns="">
+    <mc:Fallback>
       <p:transition spd="slow">
         <p:fade/>
       </p:transition>
@@ -21128,13 +21362,13 @@
   <p:clrMapOvr>
     <a:masterClrMapping/>
   </p:clrMapOvr>
-  <mc:AlternateContent xmlns:mc="http://schemas.openxmlformats.org/markup-compatibility/2006" xmlns:p159="http://schemas.microsoft.com/office/powerpoint/2015/09/main">
-    <mc:Choice Requires="p159">
+  <mc:AlternateContent xmlns:mc="http://schemas.openxmlformats.org/markup-compatibility/2006">
+    <mc:Choice xmlns:p159="http://schemas.microsoft.com/office/powerpoint/2015/09/main" Requires="p159">
       <p:transition spd="slow">
         <p159:morph option="byChar"/>
       </p:transition>
     </mc:Choice>
-    <mc:Fallback xmlns="">
+    <mc:Fallback>
       <p:transition spd="slow">
         <p:fade/>
       </p:transition>
@@ -21586,13 +21820,13 @@
   <p:clrMapOvr>
     <a:masterClrMapping/>
   </p:clrMapOvr>
-  <mc:AlternateContent xmlns:mc="http://schemas.openxmlformats.org/markup-compatibility/2006" xmlns:p159="http://schemas.microsoft.com/office/powerpoint/2015/09/main">
-    <mc:Choice Requires="p159">
+  <mc:AlternateContent xmlns:mc="http://schemas.openxmlformats.org/markup-compatibility/2006">
+    <mc:Choice xmlns:p159="http://schemas.microsoft.com/office/powerpoint/2015/09/main" Requires="p159">
       <p:transition spd="slow">
         <p159:morph option="byChar"/>
       </p:transition>
     </mc:Choice>
-    <mc:Fallback xmlns="">
+    <mc:Fallback>
       <p:transition spd="slow">
         <p:fade/>
       </p:transition>
@@ -22109,13 +22343,13 @@
   <p:clrMapOvr>
     <a:masterClrMapping/>
   </p:clrMapOvr>
-  <mc:AlternateContent xmlns:mc="http://schemas.openxmlformats.org/markup-compatibility/2006" xmlns:p159="http://schemas.microsoft.com/office/powerpoint/2015/09/main">
-    <mc:Choice Requires="p159">
+  <mc:AlternateContent xmlns:mc="http://schemas.openxmlformats.org/markup-compatibility/2006">
+    <mc:Choice xmlns:p159="http://schemas.microsoft.com/office/powerpoint/2015/09/main" Requires="p159">
       <p:transition spd="slow">
         <p159:morph option="byChar"/>
       </p:transition>
     </mc:Choice>
-    <mc:Fallback xmlns="">
+    <mc:Fallback>
       <p:transition spd="slow">
         <p:fade/>
       </p:transition>
@@ -23041,13 +23275,13 @@
   <p:clrMapOvr>
     <a:masterClrMapping/>
   </p:clrMapOvr>
-  <mc:AlternateContent xmlns:mc="http://schemas.openxmlformats.org/markup-compatibility/2006" xmlns:p159="http://schemas.microsoft.com/office/powerpoint/2015/09/main">
-    <mc:Choice Requires="p159">
+  <mc:AlternateContent xmlns:mc="http://schemas.openxmlformats.org/markup-compatibility/2006">
+    <mc:Choice xmlns:p159="http://schemas.microsoft.com/office/powerpoint/2015/09/main" Requires="p159">
       <p:transition spd="slow">
         <p159:morph option="byChar"/>
       </p:transition>
     </mc:Choice>
-    <mc:Fallback xmlns="">
+    <mc:Fallback>
       <p:transition spd="slow">
         <p:fade/>
       </p:transition>
@@ -25200,13 +25434,13 @@
   <p:clrMapOvr>
     <a:masterClrMapping/>
   </p:clrMapOvr>
-  <mc:AlternateContent xmlns:mc="http://schemas.openxmlformats.org/markup-compatibility/2006" xmlns:p159="http://schemas.microsoft.com/office/powerpoint/2015/09/main">
-    <mc:Choice Requires="p159">
+  <mc:AlternateContent xmlns:mc="http://schemas.openxmlformats.org/markup-compatibility/2006">
+    <mc:Choice xmlns:p159="http://schemas.microsoft.com/office/powerpoint/2015/09/main" Requires="p159">
       <p:transition spd="slow">
         <p159:morph option="byChar"/>
       </p:transition>
     </mc:Choice>
-    <mc:Fallback xmlns="">
+    <mc:Fallback>
       <p:transition spd="slow">
         <p:fade/>
       </p:transition>
@@ -26843,13 +27077,13 @@
   <p:clrMapOvr>
     <a:masterClrMapping/>
   </p:clrMapOvr>
-  <mc:AlternateContent xmlns:mc="http://schemas.openxmlformats.org/markup-compatibility/2006" xmlns:p159="http://schemas.microsoft.com/office/powerpoint/2015/09/main">
-    <mc:Choice Requires="p159">
+  <mc:AlternateContent xmlns:mc="http://schemas.openxmlformats.org/markup-compatibility/2006">
+    <mc:Choice xmlns:p159="http://schemas.microsoft.com/office/powerpoint/2015/09/main" Requires="p159">
       <p:transition spd="slow">
         <p159:morph option="byChar"/>
       </p:transition>
     </mc:Choice>
-    <mc:Fallback xmlns="">
+    <mc:Fallback>
       <p:transition spd="slow">
         <p:fade/>
       </p:transition>
@@ -27110,13 +27344,13 @@
   <p:clrMapOvr>
     <a:masterClrMapping/>
   </p:clrMapOvr>
-  <mc:AlternateContent xmlns:mc="http://schemas.openxmlformats.org/markup-compatibility/2006" xmlns:p159="http://schemas.microsoft.com/office/powerpoint/2015/09/main">
-    <mc:Choice Requires="p159">
+  <mc:AlternateContent xmlns:mc="http://schemas.openxmlformats.org/markup-compatibility/2006">
+    <mc:Choice xmlns:p159="http://schemas.microsoft.com/office/powerpoint/2015/09/main" Requires="p159">
       <p:transition spd="slow">
         <p159:morph option="byChar"/>
       </p:transition>
     </mc:Choice>
-    <mc:Fallback xmlns="">
+    <mc:Fallback>
       <p:transition spd="slow">
         <p:fade/>
       </p:transition>
@@ -27641,13 +27875,13 @@
   <p:clrMapOvr>
     <a:masterClrMapping/>
   </p:clrMapOvr>
-  <mc:AlternateContent xmlns:mc="http://schemas.openxmlformats.org/markup-compatibility/2006" xmlns:p159="http://schemas.microsoft.com/office/powerpoint/2015/09/main">
-    <mc:Choice Requires="p159">
+  <mc:AlternateContent xmlns:mc="http://schemas.openxmlformats.org/markup-compatibility/2006">
+    <mc:Choice xmlns:p159="http://schemas.microsoft.com/office/powerpoint/2015/09/main" Requires="p159">
       <p:transition spd="slow">
         <p159:morph option="byChar"/>
       </p:transition>
     </mc:Choice>
-    <mc:Fallback xmlns="">
+    <mc:Fallback>
       <p:transition spd="slow">
         <p:fade/>
       </p:transition>
@@ -28085,13 +28319,13 @@
   <p:clrMapOvr>
     <a:masterClrMapping/>
   </p:clrMapOvr>
-  <mc:AlternateContent xmlns:mc="http://schemas.openxmlformats.org/markup-compatibility/2006" xmlns:p159="http://schemas.microsoft.com/office/powerpoint/2015/09/main">
-    <mc:Choice Requires="p159">
+  <mc:AlternateContent xmlns:mc="http://schemas.openxmlformats.org/markup-compatibility/2006">
+    <mc:Choice xmlns:p159="http://schemas.microsoft.com/office/powerpoint/2015/09/main" Requires="p159">
       <p:transition spd="slow">
         <p159:morph option="byChar"/>
       </p:transition>
     </mc:Choice>
-    <mc:Fallback xmlns="">
+    <mc:Fallback>
       <p:transition spd="slow">
         <p:fade/>
       </p:transition>
@@ -28383,13 +28617,13 @@
   <p:clrMapOvr>
     <a:masterClrMapping/>
   </p:clrMapOvr>
-  <mc:AlternateContent xmlns:mc="http://schemas.openxmlformats.org/markup-compatibility/2006" xmlns:p159="http://schemas.microsoft.com/office/powerpoint/2015/09/main">
-    <mc:Choice Requires="p159">
+  <mc:AlternateContent xmlns:mc="http://schemas.openxmlformats.org/markup-compatibility/2006">
+    <mc:Choice xmlns:p159="http://schemas.microsoft.com/office/powerpoint/2015/09/main" Requires="p159">
       <p:transition spd="slow">
         <p159:morph option="byChar"/>
       </p:transition>
     </mc:Choice>
-    <mc:Fallback xmlns="">
+    <mc:Fallback>
       <p:transition spd="slow">
         <p:fade/>
       </p:transition>
@@ -28800,13 +29034,13 @@
   <p:clrMapOvr>
     <a:masterClrMapping/>
   </p:clrMapOvr>
-  <mc:AlternateContent xmlns:mc="http://schemas.openxmlformats.org/markup-compatibility/2006" xmlns:p159="http://schemas.microsoft.com/office/powerpoint/2015/09/main">
-    <mc:Choice Requires="p159">
+  <mc:AlternateContent xmlns:mc="http://schemas.openxmlformats.org/markup-compatibility/2006">
+    <mc:Choice xmlns:p159="http://schemas.microsoft.com/office/powerpoint/2015/09/main" Requires="p159">
       <p:transition spd="slow">
         <p159:morph option="byChar"/>
       </p:transition>
     </mc:Choice>
-    <mc:Fallback xmlns="">
+    <mc:Fallback>
       <p:transition spd="slow">
         <p:fade/>
       </p:transition>
@@ -28979,6 +29213,18 @@
   <p:clrMapOvr>
     <a:masterClrMapping/>
   </p:clrMapOvr>
+  <mc:AlternateContent xmlns:mc="http://schemas.openxmlformats.org/markup-compatibility/2006">
+    <mc:Choice xmlns:p159="http://schemas.microsoft.com/office/powerpoint/2015/09/main" Requires="p159">
+      <p:transition spd="slow">
+        <p159:morph option="byChar"/>
+      </p:transition>
+    </mc:Choice>
+    <mc:Fallback>
+      <p:transition spd="slow">
+        <p:fade/>
+      </p:transition>
+    </mc:Fallback>
+  </mc:AlternateContent>
 </p:sld>
 </file>
 
@@ -29176,13 +29422,13 @@
   <p:clrMapOvr>
     <a:masterClrMapping/>
   </p:clrMapOvr>
-  <mc:AlternateContent xmlns:mc="http://schemas.openxmlformats.org/markup-compatibility/2006" xmlns:p159="http://schemas.microsoft.com/office/powerpoint/2015/09/main">
-    <mc:Choice Requires="p159">
+  <mc:AlternateContent xmlns:mc="http://schemas.openxmlformats.org/markup-compatibility/2006">
+    <mc:Choice xmlns:p159="http://schemas.microsoft.com/office/powerpoint/2015/09/main" Requires="p159">
       <p:transition spd="slow">
         <p159:morph option="byChar"/>
       </p:transition>
     </mc:Choice>
-    <mc:Fallback xmlns="">
+    <mc:Fallback>
       <p:transition spd="slow">
         <p:fade/>
       </p:transition>
@@ -29400,13 +29646,13 @@
   <p:clrMapOvr>
     <a:masterClrMapping/>
   </p:clrMapOvr>
-  <mc:AlternateContent xmlns:mc="http://schemas.openxmlformats.org/markup-compatibility/2006" xmlns:p159="http://schemas.microsoft.com/office/powerpoint/2015/09/main">
-    <mc:Choice Requires="p159">
+  <mc:AlternateContent xmlns:mc="http://schemas.openxmlformats.org/markup-compatibility/2006">
+    <mc:Choice xmlns:p159="http://schemas.microsoft.com/office/powerpoint/2015/09/main" Requires="p159">
       <p:transition spd="slow">
         <p159:morph option="byChar"/>
       </p:transition>
     </mc:Choice>
-    <mc:Fallback xmlns="">
+    <mc:Fallback>
       <p:transition spd="slow">
         <p:fade/>
       </p:transition>
@@ -29624,13 +29870,13 @@
   <p:clrMapOvr>
     <a:masterClrMapping/>
   </p:clrMapOvr>
-  <mc:AlternateContent xmlns:mc="http://schemas.openxmlformats.org/markup-compatibility/2006" xmlns:p159="http://schemas.microsoft.com/office/powerpoint/2015/09/main">
-    <mc:Choice Requires="p159">
+  <mc:AlternateContent xmlns:mc="http://schemas.openxmlformats.org/markup-compatibility/2006">
+    <mc:Choice xmlns:p159="http://schemas.microsoft.com/office/powerpoint/2015/09/main" Requires="p159">
       <p:transition spd="slow">
         <p159:morph option="byChar"/>
       </p:transition>
     </mc:Choice>
-    <mc:Fallback xmlns="">
+    <mc:Fallback>
       <p:transition spd="slow">
         <p:fade/>
       </p:transition>
@@ -29848,13 +30094,13 @@
   <p:clrMapOvr>
     <a:masterClrMapping/>
   </p:clrMapOvr>
-  <mc:AlternateContent xmlns:mc="http://schemas.openxmlformats.org/markup-compatibility/2006" xmlns:p159="http://schemas.microsoft.com/office/powerpoint/2015/09/main">
-    <mc:Choice Requires="p159">
+  <mc:AlternateContent xmlns:mc="http://schemas.openxmlformats.org/markup-compatibility/2006">
+    <mc:Choice xmlns:p159="http://schemas.microsoft.com/office/powerpoint/2015/09/main" Requires="p159">
       <p:transition spd="slow">
         <p159:morph option="byChar"/>
       </p:transition>
     </mc:Choice>
-    <mc:Fallback xmlns="">
+    <mc:Fallback>
       <p:transition spd="slow">
         <p:fade/>
       </p:transition>
@@ -30072,13 +30318,13 @@
   <p:clrMapOvr>
     <a:masterClrMapping/>
   </p:clrMapOvr>
-  <mc:AlternateContent xmlns:mc="http://schemas.openxmlformats.org/markup-compatibility/2006" xmlns:p159="http://schemas.microsoft.com/office/powerpoint/2015/09/main">
-    <mc:Choice Requires="p159">
+  <mc:AlternateContent xmlns:mc="http://schemas.openxmlformats.org/markup-compatibility/2006">
+    <mc:Choice xmlns:p159="http://schemas.microsoft.com/office/powerpoint/2015/09/main" Requires="p159">
       <p:transition spd="slow">
         <p159:morph option="byChar"/>
       </p:transition>
     </mc:Choice>
-    <mc:Fallback xmlns="">
+    <mc:Fallback>
       <p:transition spd="slow">
         <p:fade/>
       </p:transition>
@@ -30281,13 +30527,13 @@
   <p:clrMapOvr>
     <a:masterClrMapping/>
   </p:clrMapOvr>
-  <mc:AlternateContent xmlns:mc="http://schemas.openxmlformats.org/markup-compatibility/2006" xmlns:p159="http://schemas.microsoft.com/office/powerpoint/2015/09/main">
-    <mc:Choice Requires="p159">
+  <mc:AlternateContent xmlns:mc="http://schemas.openxmlformats.org/markup-compatibility/2006">
+    <mc:Choice xmlns:p159="http://schemas.microsoft.com/office/powerpoint/2015/09/main" Requires="p159">
       <p:transition spd="slow">
         <p159:morph option="byChar"/>
       </p:transition>
     </mc:Choice>
-    <mc:Fallback xmlns="">
+    <mc:Fallback>
       <p:transition spd="slow">
         <p:fade/>
       </p:transition>
@@ -30505,13 +30751,13 @@
   <p:clrMapOvr>
     <a:masterClrMapping/>
   </p:clrMapOvr>
-  <mc:AlternateContent xmlns:mc="http://schemas.openxmlformats.org/markup-compatibility/2006" xmlns:p159="http://schemas.microsoft.com/office/powerpoint/2015/09/main">
-    <mc:Choice Requires="p159">
+  <mc:AlternateContent xmlns:mc="http://schemas.openxmlformats.org/markup-compatibility/2006">
+    <mc:Choice xmlns:p159="http://schemas.microsoft.com/office/powerpoint/2015/09/main" Requires="p159">
       <p:transition spd="slow">
         <p159:morph option="byChar"/>
       </p:transition>
     </mc:Choice>
-    <mc:Fallback xmlns="">
+    <mc:Fallback>
       <p:transition spd="slow">
         <p:fade/>
       </p:transition>
@@ -30729,13 +30975,13 @@
   <p:clrMapOvr>
     <a:masterClrMapping/>
   </p:clrMapOvr>
-  <mc:AlternateContent xmlns:mc="http://schemas.openxmlformats.org/markup-compatibility/2006" xmlns:p159="http://schemas.microsoft.com/office/powerpoint/2015/09/main">
-    <mc:Choice Requires="p159">
+  <mc:AlternateContent xmlns:mc="http://schemas.openxmlformats.org/markup-compatibility/2006">
+    <mc:Choice xmlns:p159="http://schemas.microsoft.com/office/powerpoint/2015/09/main" Requires="p159">
       <p:transition spd="slow">
         <p159:morph option="byChar"/>
       </p:transition>
     </mc:Choice>
-    <mc:Fallback xmlns="">
+    <mc:Fallback>
       <p:transition spd="slow">
         <p:fade/>
       </p:transition>
@@ -31084,13 +31330,13 @@
   <p:clrMapOvr>
     <a:masterClrMapping/>
   </p:clrMapOvr>
-  <mc:AlternateContent xmlns:mc="http://schemas.openxmlformats.org/markup-compatibility/2006" xmlns:p159="http://schemas.microsoft.com/office/powerpoint/2015/09/main">
-    <mc:Choice Requires="p159">
-      <p:transition xmlns:p14="http://schemas.microsoft.com/office/powerpoint/2010/main" spd="slow" p14:dur="2000">
+  <mc:AlternateContent xmlns:mc="http://schemas.openxmlformats.org/markup-compatibility/2006">
+    <mc:Choice xmlns:p159="http://schemas.microsoft.com/office/powerpoint/2015/09/main" Requires="p159">
+      <p:transition spd="slow">
         <p159:morph option="byChar"/>
       </p:transition>
     </mc:Choice>
-    <mc:Fallback xmlns="">
+    <mc:Fallback>
       <p:transition spd="slow">
         <p:fade/>
       </p:transition>
@@ -31440,14 +31686,12 @@
           <a:lstStyle/>
           <a:p>
             <a:r>
-              <a:rPr lang="en-US" altLang="zh-TW" dirty="0">
-                <a:latin typeface="Consolas" panose="020B0609020204030204" pitchFamily="49" charset="0"/>
-              </a:rPr>
-              <a:t>Pointer</a:t>
-            </a:r>
-            <a:endParaRPr lang="zh-TW" altLang="en-US" dirty="0">
-              <a:latin typeface="Consolas" panose="020B0609020204030204" pitchFamily="49" charset="0"/>
-            </a:endParaRPr>
+              <a:rPr lang="zh-TW" altLang="en-US" dirty="0">
+                <a:latin typeface="STHeiti TC" panose="02000000000000000000" pitchFamily="2" charset="-120"/>
+                <a:ea typeface="STHeiti TC" panose="02000000000000000000" pitchFamily="2" charset="-120"/>
+              </a:rPr>
+              <a:t>指標</a:t>
+            </a:r>
           </a:p>
         </p:txBody>
       </p:sp>
@@ -31473,14 +31717,12 @@
           <a:lstStyle/>
           <a:p>
             <a:r>
-              <a:rPr lang="en-US" altLang="zh-TW" cap="none" dirty="0">
-                <a:latin typeface="Consolas" panose="020B0609020204030204" pitchFamily="49" charset="0"/>
-              </a:rPr>
-              <a:t>Variable’s Address</a:t>
-            </a:r>
-            <a:endParaRPr lang="zh-TW" altLang="en-US" cap="none" dirty="0">
-              <a:latin typeface="Consolas" panose="020B0609020204030204" pitchFamily="49" charset="0"/>
-            </a:endParaRPr>
+              <a:rPr lang="zh-TW" altLang="en-US" cap="none" dirty="0">
+                <a:latin typeface="STHeiti TC" panose="02000000000000000000" pitchFamily="2" charset="-120"/>
+                <a:ea typeface="STHeiti TC" panose="02000000000000000000" pitchFamily="2" charset="-120"/>
+              </a:rPr>
+              <a:t>儲存變數的位址</a:t>
+            </a:r>
           </a:p>
         </p:txBody>
       </p:sp>
@@ -31494,13 +31736,13 @@
   <p:clrMapOvr>
     <a:masterClrMapping/>
   </p:clrMapOvr>
-  <mc:AlternateContent xmlns:mc="http://schemas.openxmlformats.org/markup-compatibility/2006" xmlns:p159="http://schemas.microsoft.com/office/powerpoint/2015/09/main">
-    <mc:Choice Requires="p159">
+  <mc:AlternateContent xmlns:mc="http://schemas.openxmlformats.org/markup-compatibility/2006">
+    <mc:Choice xmlns:p159="http://schemas.microsoft.com/office/powerpoint/2015/09/main" Requires="p159">
       <p:transition spd="slow">
         <p159:morph option="byChar"/>
       </p:transition>
     </mc:Choice>
-    <mc:Fallback xmlns="">
+    <mc:Fallback>
       <p:transition spd="slow">
         <p:fade/>
       </p:transition>
@@ -31789,6 +32031,18 @@
   <p:clrMapOvr>
     <a:masterClrMapping/>
   </p:clrMapOvr>
+  <mc:AlternateContent xmlns:mc="http://schemas.openxmlformats.org/markup-compatibility/2006">
+    <mc:Choice xmlns:p159="http://schemas.microsoft.com/office/powerpoint/2015/09/main" Requires="p159">
+      <p:transition spd="slow">
+        <p159:morph option="byChar"/>
+      </p:transition>
+    </mc:Choice>
+    <mc:Fallback>
+      <p:transition spd="slow">
+        <p:fade/>
+      </p:transition>
+    </mc:Fallback>
+  </mc:AlternateContent>
   <p:timing>
     <p:tnLst>
       <p:par>
@@ -32025,14 +32279,12 @@
           <a:lstStyle/>
           <a:p>
             <a:r>
-              <a:rPr lang="en-US" altLang="zh-TW" cap="none" dirty="0">
-                <a:latin typeface="Consolas" panose="020B0609020204030204" pitchFamily="49" charset="0"/>
-              </a:rPr>
-              <a:t>Pointer</a:t>
-            </a:r>
-            <a:endParaRPr lang="zh-TW" altLang="en-US" cap="none" dirty="0">
-              <a:latin typeface="Consolas" panose="020B0609020204030204" pitchFamily="49" charset="0"/>
-            </a:endParaRPr>
+              <a:rPr lang="zh-TW" altLang="en-US" cap="none" dirty="0">
+                <a:latin typeface="STHeiti TC" panose="02000000000000000000" pitchFamily="2" charset="-120"/>
+                <a:ea typeface="STHeiti TC" panose="02000000000000000000" pitchFamily="2" charset="-120"/>
+              </a:rPr>
+              <a:t>指標</a:t>
+            </a:r>
           </a:p>
         </p:txBody>
       </p:sp>
@@ -32068,20 +32320,16 @@
               <a:buNone/>
             </a:pPr>
             <a:r>
-              <a:rPr lang="en-US" altLang="zh-TW" sz="2400" cap="none" dirty="0">
-                <a:latin typeface="Consolas" panose="020B0609020204030204" pitchFamily="49" charset="0"/>
-              </a:rPr>
-              <a:t>Stored the variable’s </a:t>
-            </a:r>
-            <a:r>
-              <a:rPr lang="en-US" altLang="zh-TW" sz="2400" cap="none" dirty="0">
-                <a:solidFill>
-                  <a:srgbClr val="FFFF00"/>
-                </a:solidFill>
-                <a:latin typeface="Consolas" panose="020B0609020204030204" pitchFamily="49" charset="0"/>
-              </a:rPr>
-              <a:t>address</a:t>
-            </a:r>
+              <a:rPr lang="zh-TW" altLang="en-US" sz="2400" cap="none" dirty="0">
+                <a:latin typeface="STHeiti TC" panose="02000000000000000000" pitchFamily="2" charset="-120"/>
+                <a:ea typeface="STHeiti TC" panose="02000000000000000000" pitchFamily="2" charset="-120"/>
+              </a:rPr>
+              <a:t>用來儲存位址的變數</a:t>
+            </a:r>
+            <a:endParaRPr lang="en-US" altLang="zh-TW" sz="2400" cap="none" dirty="0">
+              <a:latin typeface="STHeiti TC" panose="02000000000000000000" pitchFamily="2" charset="-120"/>
+              <a:ea typeface="STHeiti TC" panose="02000000000000000000" pitchFamily="2" charset="-120"/>
+            </a:endParaRPr>
           </a:p>
           <a:p>
             <a:pPr marL="0" indent="0">
@@ -32108,8 +32356,19 @@
               <a:rPr lang="en-US" altLang="zh-TW" sz="2400" cap="none" dirty="0">
                 <a:latin typeface="Consolas" panose="020B0609020204030204" pitchFamily="49" charset="0"/>
               </a:rPr>
-              <a:t>-&gt; store the address of the variable of this type in the variable name.</a:t>
-            </a:r>
+              <a:t>-&gt; </a:t>
+            </a:r>
+            <a:r>
+              <a:rPr lang="zh-TW" altLang="en-US" sz="2400" cap="none" dirty="0">
+                <a:latin typeface="STHeiti TC" panose="02000000000000000000" pitchFamily="2" charset="-120"/>
+                <a:ea typeface="STHeiti TC" panose="02000000000000000000" pitchFamily="2" charset="-120"/>
+              </a:rPr>
+              <a:t>宣告用來儲存該型態變數位址的指標</a:t>
+            </a:r>
+            <a:endParaRPr lang="en-US" altLang="zh-TW" sz="2400" cap="none" dirty="0">
+              <a:latin typeface="STHeiti TC" panose="02000000000000000000" pitchFamily="2" charset="-120"/>
+              <a:ea typeface="STHeiti TC" panose="02000000000000000000" pitchFamily="2" charset="-120"/>
+            </a:endParaRPr>
           </a:p>
           <a:p>
             <a:pPr marL="0" indent="0">
@@ -32124,26 +32383,30 @@
               <a:buNone/>
             </a:pPr>
             <a:r>
+              <a:rPr lang="zh-TW" altLang="en-US" sz="2400" cap="none" dirty="0">
+                <a:latin typeface="STHeiti TC" panose="02000000000000000000" pitchFamily="2" charset="-120"/>
+                <a:ea typeface="STHeiti TC" panose="02000000000000000000" pitchFamily="2" charset="-120"/>
+              </a:rPr>
+              <a:t>這是學習</a:t>
+            </a:r>
+            <a:r>
               <a:rPr lang="en-US" altLang="zh-TW" sz="2400" cap="none" dirty="0">
-                <a:latin typeface="Consolas" panose="020B0609020204030204" pitchFamily="49" charset="0"/>
-              </a:rPr>
-              <a:t>This part is </a:t>
-            </a:r>
-            <a:r>
-              <a:rPr lang="en-US" altLang="zh-TW" sz="2400" cap="none" dirty="0">
-                <a:solidFill>
-                  <a:srgbClr val="FFFF00"/>
-                </a:solidFill>
-                <a:latin typeface="Consolas" panose="020B0609020204030204" pitchFamily="49" charset="0"/>
-              </a:rPr>
-              <a:t>important</a:t>
-            </a:r>
-            <a:r>
-              <a:rPr lang="en-US" altLang="zh-TW" sz="2400" cap="none" dirty="0">
-                <a:latin typeface="Consolas" panose="020B0609020204030204" pitchFamily="49" charset="0"/>
-              </a:rPr>
-              <a:t> for learning C. But it is not friendly to a beginner.</a:t>
-            </a:r>
+                <a:latin typeface="STHeiti TC" panose="02000000000000000000" pitchFamily="2" charset="-120"/>
+                <a:ea typeface="STHeiti TC" panose="02000000000000000000" pitchFamily="2" charset="-120"/>
+              </a:rPr>
+              <a:t>C</a:t>
+            </a:r>
+            <a:r>
+              <a:rPr lang="zh-TW" altLang="en-US" sz="2400" cap="none" dirty="0">
+                <a:latin typeface="STHeiti TC" panose="02000000000000000000" pitchFamily="2" charset="-120"/>
+                <a:ea typeface="STHeiti TC" panose="02000000000000000000" pitchFamily="2" charset="-120"/>
+              </a:rPr>
+              <a:t>語言中很重要的部分，但對初學者來說並不友善</a:t>
+            </a:r>
+            <a:endParaRPr lang="en-US" altLang="zh-TW" sz="2400" cap="none" dirty="0">
+              <a:latin typeface="STHeiti TC" panose="02000000000000000000" pitchFamily="2" charset="-120"/>
+              <a:ea typeface="STHeiti TC" panose="02000000000000000000" pitchFamily="2" charset="-120"/>
+            </a:endParaRPr>
           </a:p>
         </p:txBody>
       </p:sp>
@@ -32157,13 +32420,13 @@
   <p:clrMapOvr>
     <a:masterClrMapping/>
   </p:clrMapOvr>
-  <mc:AlternateContent xmlns:mc="http://schemas.openxmlformats.org/markup-compatibility/2006" xmlns:p159="http://schemas.microsoft.com/office/powerpoint/2015/09/main">
-    <mc:Choice Requires="p159">
+  <mc:AlternateContent xmlns:mc="http://schemas.openxmlformats.org/markup-compatibility/2006">
+    <mc:Choice xmlns:p159="http://schemas.microsoft.com/office/powerpoint/2015/09/main" Requires="p159">
       <p:transition spd="slow">
         <p159:morph option="byChar"/>
       </p:transition>
     </mc:Choice>
-    <mc:Fallback xmlns="">
+    <mc:Fallback>
       <p:transition spd="slow">
         <p:fade/>
       </p:transition>
@@ -32211,12 +32474,29 @@
           <a:lstStyle/>
           <a:p>
             <a:r>
+              <a:rPr lang="zh-TW" altLang="en-US" cap="none" dirty="0">
+                <a:latin typeface="STHeiti TC" panose="02000000000000000000" pitchFamily="2" charset="-120"/>
+                <a:ea typeface="STHeiti TC" panose="02000000000000000000" pitchFamily="2" charset="-120"/>
+              </a:rPr>
+              <a:t>指標</a:t>
+            </a:r>
+            <a:r>
               <a:rPr lang="en-US" altLang="zh-TW" cap="none" dirty="0">
                 <a:latin typeface="Consolas" panose="020B0609020204030204" pitchFamily="49" charset="0"/>
               </a:rPr>
-              <a:t>Pointer - Example</a:t>
-            </a:r>
-            <a:endParaRPr lang="zh-TW" altLang="en-US" dirty="0"/>
+              <a:t> – </a:t>
+            </a:r>
+            <a:r>
+              <a:rPr lang="zh-TW" altLang="en-US" cap="none" dirty="0">
+                <a:latin typeface="STHeiti TC" panose="02000000000000000000" pitchFamily="2" charset="-120"/>
+                <a:ea typeface="STHeiti TC" panose="02000000000000000000" pitchFamily="2" charset="-120"/>
+              </a:rPr>
+              <a:t>範例</a:t>
+            </a:r>
+            <a:endParaRPr lang="zh-TW" altLang="en-US" dirty="0">
+              <a:latin typeface="STHeiti TC" panose="02000000000000000000" pitchFamily="2" charset="-120"/>
+              <a:ea typeface="STHeiti TC" panose="02000000000000000000" pitchFamily="2" charset="-120"/>
+            </a:endParaRPr>
           </a:p>
         </p:txBody>
       </p:sp>
@@ -32312,34 +32592,62 @@
             <a:lstStyle/>
             <a:p>
               <a:r>
+                <a:rPr lang="zh-TW" altLang="en-US" dirty="0">
+                  <a:latin typeface="STHeiti TC" panose="02000000000000000000" pitchFamily="2" charset="-120"/>
+                  <a:ea typeface="STHeiti TC" panose="02000000000000000000" pitchFamily="2" charset="-120"/>
+                </a:rPr>
+                <a:t>名稱：</a:t>
+              </a:r>
+              <a:r>
                 <a:rPr lang="en-US" altLang="zh-TW" dirty="0">
                   <a:latin typeface="Consolas" panose="020B0609020204030204" pitchFamily="49" charset="0"/>
                 </a:rPr>
-                <a:t>Name: a</a:t>
+                <a:t>a</a:t>
               </a:r>
             </a:p>
             <a:p>
               <a:r>
+                <a:rPr lang="zh-TW" altLang="en-US" dirty="0">
+                  <a:latin typeface="STHeiti TC" panose="02000000000000000000" pitchFamily="2" charset="-120"/>
+                  <a:ea typeface="STHeiti TC" panose="02000000000000000000" pitchFamily="2" charset="-120"/>
+                </a:rPr>
+                <a:t>資料型別：</a:t>
+              </a:r>
+              <a:r>
                 <a:rPr lang="en-US" altLang="zh-TW" dirty="0">
                   <a:latin typeface="Consolas" panose="020B0609020204030204" pitchFamily="49" charset="0"/>
                 </a:rPr>
-                <a:t>Type: int</a:t>
+                <a:t>int</a:t>
               </a:r>
             </a:p>
             <a:p>
               <a:r>
+                <a:rPr lang="zh-TW" altLang="en-US" dirty="0">
+                  <a:latin typeface="STHeiti TC" panose="02000000000000000000" pitchFamily="2" charset="-120"/>
+                  <a:ea typeface="STHeiti TC" panose="02000000000000000000" pitchFamily="2" charset="-120"/>
+                </a:rPr>
+                <a:t>值：</a:t>
+              </a:r>
+              <a:r>
                 <a:rPr lang="en-US" altLang="zh-TW" dirty="0">
                   <a:latin typeface="Consolas" panose="020B0609020204030204" pitchFamily="49" charset="0"/>
                 </a:rPr>
-                <a:t>Value: 5</a:t>
+                <a:t>5</a:t>
               </a:r>
             </a:p>
             <a:p>
               <a:r>
+                <a:rPr lang="zh-TW" altLang="en-US" dirty="0">
+                  <a:latin typeface="STHeiti TC" panose="02000000000000000000" pitchFamily="2" charset="-120"/>
+                  <a:ea typeface="STHeiti TC" panose="02000000000000000000" pitchFamily="2" charset="-120"/>
+                </a:rPr>
+                <a:t>位址：</a:t>
+              </a:r>
+              <a:r>
                 <a:rPr lang="en-US" altLang="zh-TW" dirty="0">
                   <a:latin typeface="Consolas" panose="020B0609020204030204" pitchFamily="49" charset="0"/>
                 </a:rPr>
-                <a:t>Address: 0061FF1C</a:t>
+                <a:t>0061FF1C</a:t>
               </a:r>
               <a:endParaRPr lang="zh-TW" altLang="en-US" dirty="0">
                 <a:latin typeface="Consolas" panose="020B0609020204030204" pitchFamily="49" charset="0"/>
@@ -32389,10 +32697,11 @@
             <a:lstStyle/>
             <a:p>
               <a:r>
-                <a:rPr lang="en-US" altLang="zh-TW" dirty="0">
-                  <a:latin typeface="Consolas" panose="020B0609020204030204" pitchFamily="49" charset="0"/>
+                <a:rPr lang="zh-TW" altLang="en-US" dirty="0">
+                  <a:latin typeface="STHeiti TC" panose="02000000000000000000" pitchFamily="2" charset="-120"/>
+                  <a:ea typeface="STHeiti TC" panose="02000000000000000000" pitchFamily="2" charset="-120"/>
                 </a:rPr>
-                <a:t>Name: </a:t>
+                <a:t>名稱：</a:t>
               </a:r>
               <a:r>
                 <a:rPr lang="en-US" altLang="zh-TW" dirty="0" err="1">
@@ -32406,18 +32715,47 @@
             </a:p>
             <a:p>
               <a:r>
+                <a:rPr lang="zh-TW" altLang="en-US" dirty="0">
+                  <a:latin typeface="STHeiti TC" panose="02000000000000000000" pitchFamily="2" charset="-120"/>
+                  <a:ea typeface="STHeiti TC" panose="02000000000000000000" pitchFamily="2" charset="-120"/>
+                </a:rPr>
+                <a:t>資料型別：</a:t>
+              </a:r>
+              <a:r>
                 <a:rPr lang="en-US" altLang="zh-TW" dirty="0">
                   <a:latin typeface="Consolas" panose="020B0609020204030204" pitchFamily="49" charset="0"/>
                 </a:rPr>
-                <a:t>Type: int*</a:t>
+                <a:t>int*</a:t>
               </a:r>
             </a:p>
             <a:p>
               <a:r>
+                <a:rPr lang="zh-TW" altLang="en-US" dirty="0">
+                  <a:latin typeface="STHeiti TC" panose="02000000000000000000" pitchFamily="2" charset="-120"/>
+                  <a:ea typeface="STHeiti TC" panose="02000000000000000000" pitchFamily="2" charset="-120"/>
+                </a:rPr>
+                <a:t>值：</a:t>
+              </a:r>
+              <a:r>
                 <a:rPr lang="en-US" altLang="zh-TW" dirty="0">
                   <a:latin typeface="Consolas" panose="020B0609020204030204" pitchFamily="49" charset="0"/>
                 </a:rPr>
-                <a:t>Value: 0061FF1C Address: 0061FF18</a:t>
+                <a:t>0061FF1C</a:t>
+              </a:r>
+            </a:p>
+            <a:p>
+              <a:r>
+                <a:rPr lang="zh-TW" altLang="en-US" dirty="0">
+                  <a:latin typeface="STHeiti TC" panose="02000000000000000000" pitchFamily="2" charset="-120"/>
+                  <a:ea typeface="STHeiti TC" panose="02000000000000000000" pitchFamily="2" charset="-120"/>
+                </a:rPr>
+                <a:t>位址：</a:t>
+              </a:r>
+              <a:r>
+                <a:rPr lang="en-US" altLang="zh-TW" dirty="0">
+                  <a:latin typeface="Consolas" panose="020B0609020204030204" pitchFamily="49" charset="0"/>
+                </a:rPr>
+                <a:t>0061FF18</a:t>
               </a:r>
               <a:endParaRPr lang="zh-TW" altLang="en-US" dirty="0">
                 <a:latin typeface="Consolas" panose="020B0609020204030204" pitchFamily="49" charset="0"/>
@@ -33091,6 +33429,18 @@
   <p:clrMapOvr>
     <a:masterClrMapping/>
   </p:clrMapOvr>
+  <mc:AlternateContent xmlns:mc="http://schemas.openxmlformats.org/markup-compatibility/2006">
+    <mc:Choice xmlns:p159="http://schemas.microsoft.com/office/powerpoint/2015/09/main" Requires="p159">
+      <p:transition spd="slow">
+        <p159:morph option="byChar"/>
+      </p:transition>
+    </mc:Choice>
+    <mc:Fallback>
+      <p:transition spd="slow">
+        <p:fade/>
+      </p:transition>
+    </mc:Fallback>
+  </mc:AlternateContent>
   <p:timing>
     <p:tnLst>
       <p:par>
@@ -33720,14 +34070,25 @@
           <a:lstStyle/>
           <a:p>
             <a:r>
+              <a:rPr lang="zh-TW" altLang="en-US" cap="none" dirty="0">
+                <a:latin typeface="STHeiti TC" panose="02000000000000000000" pitchFamily="2" charset="-120"/>
+                <a:ea typeface="STHeiti TC" panose="02000000000000000000" pitchFamily="2" charset="-120"/>
+              </a:rPr>
+              <a:t>指標</a:t>
+            </a:r>
+            <a:r>
               <a:rPr lang="en-US" altLang="zh-TW" cap="none" dirty="0">
                 <a:latin typeface="Consolas" panose="020B0609020204030204" pitchFamily="49" charset="0"/>
               </a:rPr>
-              <a:t>Pointer &amp; Function</a:t>
-            </a:r>
-            <a:endParaRPr lang="zh-TW" altLang="en-US" cap="none" dirty="0">
-              <a:latin typeface="Consolas" panose="020B0609020204030204" pitchFamily="49" charset="0"/>
-            </a:endParaRPr>
+              <a:t> &amp; </a:t>
+            </a:r>
+            <a:r>
+              <a:rPr lang="zh-TW" altLang="en-US" cap="none" dirty="0">
+                <a:latin typeface="STHeiti TC" panose="02000000000000000000" pitchFamily="2" charset="-120"/>
+                <a:ea typeface="STHeiti TC" panose="02000000000000000000" pitchFamily="2" charset="-120"/>
+              </a:rPr>
+              <a:t>函式</a:t>
+            </a:r>
           </a:p>
         </p:txBody>
       </p:sp>
@@ -33758,14 +34119,12 @@
               <a:buNone/>
             </a:pPr>
             <a:r>
-              <a:rPr lang="en-US" altLang="zh-TW" sz="2400" cap="none" dirty="0">
-                <a:latin typeface="Consolas" panose="020B0609020204030204" pitchFamily="49" charset="0"/>
-              </a:rPr>
-              <a:t>Pass value? Pass address?</a:t>
-            </a:r>
-            <a:endParaRPr lang="zh-TW" altLang="en-US" sz="2400" cap="none" dirty="0">
-              <a:latin typeface="Consolas" panose="020B0609020204030204" pitchFamily="49" charset="0"/>
-            </a:endParaRPr>
+              <a:rPr lang="zh-TW" altLang="en-US" sz="2400" cap="none" dirty="0">
+                <a:latin typeface="STHeiti TC" panose="02000000000000000000" pitchFamily="2" charset="-120"/>
+                <a:ea typeface="STHeiti TC" panose="02000000000000000000" pitchFamily="2" charset="-120"/>
+              </a:rPr>
+              <a:t>傳值？傳址？</a:t>
+            </a:r>
           </a:p>
         </p:txBody>
       </p:sp>
@@ -33779,13 +34138,13 @@
   <p:clrMapOvr>
     <a:masterClrMapping/>
   </p:clrMapOvr>
-  <mc:AlternateContent xmlns:mc="http://schemas.openxmlformats.org/markup-compatibility/2006" xmlns:p159="http://schemas.microsoft.com/office/powerpoint/2015/09/main">
-    <mc:Choice Requires="p159">
+  <mc:AlternateContent xmlns:mc="http://schemas.openxmlformats.org/markup-compatibility/2006">
+    <mc:Choice xmlns:p159="http://schemas.microsoft.com/office/powerpoint/2015/09/main" Requires="p159">
       <p:transition spd="slow">
         <p159:morph option="byChar"/>
       </p:transition>
     </mc:Choice>
-    <mc:Fallback xmlns="">
+    <mc:Fallback>
       <p:transition spd="slow">
         <p:fade/>
       </p:transition>
@@ -33833,14 +34192,38 @@
           <a:lstStyle/>
           <a:p>
             <a:r>
+              <a:rPr lang="zh-TW" altLang="en-US" cap="none" dirty="0">
+                <a:latin typeface="STHeiti TC" panose="02000000000000000000" pitchFamily="2" charset="-120"/>
+                <a:ea typeface="STHeiti TC" panose="02000000000000000000" pitchFamily="2" charset="-120"/>
+              </a:rPr>
+              <a:t>指標</a:t>
+            </a:r>
+            <a:r>
               <a:rPr lang="en-US" altLang="zh-TW" cap="none" dirty="0">
                 <a:latin typeface="Consolas" panose="020B0609020204030204" pitchFamily="49" charset="0"/>
               </a:rPr>
-              <a:t>Pointer &amp; Function Example</a:t>
-            </a:r>
-            <a:endParaRPr lang="zh-TW" altLang="en-US" cap="none" dirty="0">
-              <a:latin typeface="Consolas" panose="020B0609020204030204" pitchFamily="49" charset="0"/>
-            </a:endParaRPr>
+              <a:t> &amp; </a:t>
+            </a:r>
+            <a:r>
+              <a:rPr lang="zh-TW" altLang="en-US" cap="none" dirty="0">
+                <a:latin typeface="STHeiti TC" panose="02000000000000000000" pitchFamily="2" charset="-120"/>
+                <a:ea typeface="STHeiti TC" panose="02000000000000000000" pitchFamily="2" charset="-120"/>
+              </a:rPr>
+              <a:t>函式</a:t>
+            </a:r>
+            <a:r>
+              <a:rPr lang="en-US" altLang="zh-TW" cap="none" dirty="0">
+                <a:latin typeface="Consolas" panose="020B0609020204030204" pitchFamily="49" charset="0"/>
+              </a:rPr>
+              <a:t> </a:t>
+            </a:r>
+            <a:r>
+              <a:rPr lang="zh-TW" altLang="en-US" cap="none" dirty="0">
+                <a:latin typeface="STHeiti TC" panose="02000000000000000000" pitchFamily="2" charset="-120"/>
+                <a:ea typeface="STHeiti TC" panose="02000000000000000000" pitchFamily="2" charset="-120"/>
+              </a:rPr>
+              <a:t>範例</a:t>
+            </a:r>
           </a:p>
         </p:txBody>
       </p:sp>
@@ -34160,13 +34543,13 @@
   <p:clrMapOvr>
     <a:masterClrMapping/>
   </p:clrMapOvr>
-  <mc:AlternateContent xmlns:mc="http://schemas.openxmlformats.org/markup-compatibility/2006" xmlns:p159="http://schemas.microsoft.com/office/powerpoint/2015/09/main">
-    <mc:Choice Requires="p159">
+  <mc:AlternateContent xmlns:mc="http://schemas.openxmlformats.org/markup-compatibility/2006">
+    <mc:Choice xmlns:p159="http://schemas.microsoft.com/office/powerpoint/2015/09/main" Requires="p159">
       <p:transition spd="slow">
         <p159:morph option="byChar"/>
       </p:transition>
     </mc:Choice>
-    <mc:Fallback xmlns="">
+    <mc:Fallback>
       <p:transition spd="slow">
         <p:fade/>
       </p:transition>
@@ -34462,14 +34845,12 @@
           <a:lstStyle/>
           <a:p>
             <a:r>
-              <a:rPr lang="en-US" altLang="zh-TW" dirty="0">
-                <a:latin typeface="Consolas" panose="020B0609020204030204" pitchFamily="49" charset="0"/>
-              </a:rPr>
-              <a:t>Data Structure</a:t>
-            </a:r>
-            <a:endParaRPr lang="zh-TW" altLang="en-US" dirty="0">
-              <a:latin typeface="Consolas" panose="020B0609020204030204" pitchFamily="49" charset="0"/>
-            </a:endParaRPr>
+              <a:rPr lang="zh-TW" altLang="en-US" dirty="0">
+                <a:latin typeface="STHeiti TC" panose="02000000000000000000" pitchFamily="2" charset="-120"/>
+                <a:ea typeface="STHeiti TC" panose="02000000000000000000" pitchFamily="2" charset="-120"/>
+              </a:rPr>
+              <a:t>資料結構</a:t>
+            </a:r>
           </a:p>
         </p:txBody>
       </p:sp>
@@ -34495,14 +34876,12 @@
           <a:lstStyle/>
           <a:p>
             <a:r>
-              <a:rPr lang="en-US" altLang="zh-TW" cap="none" dirty="0">
-                <a:latin typeface="Consolas" panose="020B0609020204030204" pitchFamily="49" charset="0"/>
-              </a:rPr>
-              <a:t>Make Some Concept Into Graph</a:t>
-            </a:r>
-            <a:endParaRPr lang="zh-TW" altLang="en-US" cap="none" dirty="0">
-              <a:latin typeface="Consolas" panose="020B0609020204030204" pitchFamily="49" charset="0"/>
-            </a:endParaRPr>
+              <a:rPr lang="zh-TW" altLang="en-US" cap="none" dirty="0">
+                <a:latin typeface="STHeiti TC" panose="02000000000000000000" pitchFamily="2" charset="-120"/>
+                <a:ea typeface="STHeiti TC" panose="02000000000000000000" pitchFamily="2" charset="-120"/>
+              </a:rPr>
+              <a:t>將概念圖像化</a:t>
+            </a:r>
           </a:p>
         </p:txBody>
       </p:sp>
@@ -34516,13 +34895,13 @@
   <p:clrMapOvr>
     <a:masterClrMapping/>
   </p:clrMapOvr>
-  <mc:AlternateContent xmlns:mc="http://schemas.openxmlformats.org/markup-compatibility/2006" xmlns:p159="http://schemas.microsoft.com/office/powerpoint/2015/09/main">
-    <mc:Choice Requires="p159">
+  <mc:AlternateContent xmlns:mc="http://schemas.openxmlformats.org/markup-compatibility/2006">
+    <mc:Choice xmlns:p159="http://schemas.microsoft.com/office/powerpoint/2015/09/main" Requires="p159">
       <p:transition spd="slow">
         <p159:morph option="byChar"/>
       </p:transition>
     </mc:Choice>
-    <mc:Fallback xmlns="">
+    <mc:Fallback>
       <p:transition spd="slow">
         <p:fade/>
       </p:transition>
@@ -34570,14 +34949,12 @@
           <a:lstStyle/>
           <a:p>
             <a:r>
-              <a:rPr lang="en-US" altLang="zh-TW" cap="none" dirty="0">
-                <a:latin typeface="Consolas" panose="020B0609020204030204" pitchFamily="49" charset="0"/>
-              </a:rPr>
-              <a:t>Data Structure</a:t>
-            </a:r>
-            <a:endParaRPr lang="zh-TW" altLang="en-US" cap="none" dirty="0">
-              <a:latin typeface="Consolas" panose="020B0609020204030204" pitchFamily="49" charset="0"/>
-            </a:endParaRPr>
+              <a:rPr lang="zh-TW" altLang="en-US" cap="none" dirty="0">
+                <a:latin typeface="STHeiti TC" panose="02000000000000000000" pitchFamily="2" charset="-120"/>
+                <a:ea typeface="STHeiti TC" panose="02000000000000000000" pitchFamily="2" charset="-120"/>
+              </a:rPr>
+              <a:t>資料結構</a:t>
+            </a:r>
           </a:p>
         </p:txBody>
       </p:sp>
@@ -34608,14 +34985,12 @@
           <a:lstStyle/>
           <a:p>
             <a:r>
-              <a:rPr lang="en-US" altLang="zh-TW" cap="none" dirty="0">
-                <a:latin typeface="Consolas" panose="020B0609020204030204" pitchFamily="49" charset="0"/>
-              </a:rPr>
-              <a:t>Tree, Stack, Queue, Linked List…</a:t>
-            </a:r>
-            <a:endParaRPr lang="zh-TW" altLang="en-US" cap="none" dirty="0">
-              <a:latin typeface="Consolas" panose="020B0609020204030204" pitchFamily="49" charset="0"/>
-            </a:endParaRPr>
+              <a:rPr lang="zh-TW" altLang="en-US" cap="none" dirty="0">
+                <a:latin typeface="STHeiti TC" panose="02000000000000000000" pitchFamily="2" charset="-120"/>
+                <a:ea typeface="STHeiti TC" panose="02000000000000000000" pitchFamily="2" charset="-120"/>
+              </a:rPr>
+              <a:t>樹、佇列、堆疊、連結串列</a:t>
+            </a:r>
           </a:p>
         </p:txBody>
       </p:sp>
@@ -36876,13 +37251,13 @@
   <p:clrMapOvr>
     <a:masterClrMapping/>
   </p:clrMapOvr>
-  <mc:AlternateContent xmlns:mc="http://schemas.openxmlformats.org/markup-compatibility/2006" xmlns:p159="http://schemas.microsoft.com/office/powerpoint/2015/09/main">
-    <mc:Choice Requires="p159">
+  <mc:AlternateContent xmlns:mc="http://schemas.openxmlformats.org/markup-compatibility/2006">
+    <mc:Choice xmlns:p159="http://schemas.microsoft.com/office/powerpoint/2015/09/main" Requires="p159">
       <p:transition spd="slow">
         <p159:morph option="byChar"/>
       </p:transition>
     </mc:Choice>
-    <mc:Fallback xmlns="">
+    <mc:Fallback>
       <p:transition spd="slow">
         <p:fade/>
       </p:transition>
@@ -36930,10 +37305,11 @@
           <a:lstStyle/>
           <a:p>
             <a:r>
-              <a:rPr lang="en-US" altLang="zh-TW" cap="none" dirty="0">
-                <a:latin typeface="Consolas" panose="020B0609020204030204" pitchFamily="49" charset="0"/>
-              </a:rPr>
-              <a:t>Data Structure</a:t>
+              <a:rPr lang="zh-TW" altLang="en-US" cap="none" dirty="0">
+                <a:latin typeface="STHeiti TC" panose="02000000000000000000" pitchFamily="2" charset="-120"/>
+                <a:ea typeface="STHeiti TC" panose="02000000000000000000" pitchFamily="2" charset="-120"/>
+              </a:rPr>
+              <a:t>資料結構</a:t>
             </a:r>
             <a:r>
               <a:rPr lang="zh-TW" altLang="en-US" cap="none" dirty="0">
@@ -36983,20 +37359,15 @@
               <a:buNone/>
             </a:pPr>
             <a:r>
-              <a:rPr lang="en-US" altLang="zh-TW" sz="2400" cap="none" dirty="0">
+              <a:rPr lang="zh-TW" altLang="en-US" sz="2400" cap="none" dirty="0">
                 <a:solidFill>
                   <a:srgbClr val="FFFF00"/>
                 </a:solidFill>
-                <a:latin typeface="Consolas" panose="020B0609020204030204" pitchFamily="49" charset="0"/>
-              </a:rPr>
-              <a:t>Profit: Easier to pass data</a:t>
-            </a:r>
-            <a:endParaRPr lang="zh-TW" altLang="en-US" sz="2400" cap="none" dirty="0">
-              <a:solidFill>
-                <a:srgbClr val="FFFF00"/>
-              </a:solidFill>
-              <a:latin typeface="Consolas" panose="020B0609020204030204" pitchFamily="49" charset="0"/>
-            </a:endParaRPr>
+                <a:latin typeface="STHeiti TC" panose="02000000000000000000" pitchFamily="2" charset="-120"/>
+                <a:ea typeface="STHeiti TC" panose="02000000000000000000" pitchFamily="2" charset="-120"/>
+              </a:rPr>
+              <a:t>優點：傳值比較方便</a:t>
+            </a:r>
           </a:p>
         </p:txBody>
       </p:sp>
@@ -37040,6 +37411,18 @@
   <p:clrMapOvr>
     <a:masterClrMapping/>
   </p:clrMapOvr>
+  <mc:AlternateContent xmlns:mc="http://schemas.openxmlformats.org/markup-compatibility/2006">
+    <mc:Choice xmlns:p159="http://schemas.microsoft.com/office/powerpoint/2015/09/main" Requires="p159">
+      <p:transition spd="slow">
+        <p159:morph option="byChar"/>
+      </p:transition>
+    </mc:Choice>
+    <mc:Fallback>
+      <p:transition spd="slow">
+        <p:fade/>
+      </p:transition>
+    </mc:Fallback>
+  </mc:AlternateContent>
 </p:sld>
 </file>
 
@@ -37082,10 +37465,11 @@
           <a:lstStyle/>
           <a:p>
             <a:r>
-              <a:rPr lang="en-US" altLang="zh-TW" cap="none" dirty="0">
-                <a:latin typeface="Consolas" panose="020B0609020204030204" pitchFamily="49" charset="0"/>
-              </a:rPr>
-              <a:t>Data Structure</a:t>
+              <a:rPr lang="zh-TW" altLang="en-US" cap="none" dirty="0">
+                <a:latin typeface="STHeiti TC" panose="02000000000000000000" pitchFamily="2" charset="-120"/>
+                <a:ea typeface="STHeiti TC" panose="02000000000000000000" pitchFamily="2" charset="-120"/>
+              </a:rPr>
+              <a:t>資料結構</a:t>
             </a:r>
             <a:r>
               <a:rPr lang="zh-TW" altLang="en-US" cap="none" dirty="0">
@@ -37277,6 +37661,18 @@
   <p:clrMapOvr>
     <a:masterClrMapping/>
   </p:clrMapOvr>
+  <mc:AlternateContent xmlns:mc="http://schemas.openxmlformats.org/markup-compatibility/2006">
+    <mc:Choice xmlns:p159="http://schemas.microsoft.com/office/powerpoint/2015/09/main" Requires="p159">
+      <p:transition spd="slow">
+        <p159:morph option="byChar"/>
+      </p:transition>
+    </mc:Choice>
+    <mc:Fallback>
+      <p:transition spd="slow">
+        <p:fade/>
+      </p:transition>
+    </mc:Fallback>
+  </mc:AlternateContent>
   <p:timing>
     <p:tnLst>
       <p:par>
@@ -37498,10 +37894,11 @@
           <a:lstStyle/>
           <a:p>
             <a:r>
-              <a:rPr lang="en-US" altLang="zh-TW" cap="none" dirty="0">
-                <a:latin typeface="Consolas" panose="020B0609020204030204" pitchFamily="49" charset="0"/>
-              </a:rPr>
-              <a:t>Data Structure</a:t>
+              <a:rPr lang="zh-TW" altLang="en-US" cap="none" dirty="0">
+                <a:latin typeface="STHeiti TC" panose="02000000000000000000" pitchFamily="2" charset="-120"/>
+                <a:ea typeface="STHeiti TC" panose="02000000000000000000" pitchFamily="2" charset="-120"/>
+              </a:rPr>
+              <a:t>資料結構</a:t>
             </a:r>
             <a:r>
               <a:rPr lang="zh-TW" altLang="en-US" cap="none" dirty="0">
@@ -37551,20 +37948,43 @@
               <a:buNone/>
             </a:pPr>
             <a:r>
+              <a:rPr lang="zh-TW" altLang="en-US" sz="2400" cap="none" dirty="0">
+                <a:solidFill>
+                  <a:srgbClr val="FFFF00"/>
+                </a:solidFill>
+                <a:latin typeface="STHeiti TC" panose="02000000000000000000" pitchFamily="2" charset="-120"/>
+                <a:ea typeface="STHeiti TC" panose="02000000000000000000" pitchFamily="2" charset="-120"/>
+              </a:rPr>
+              <a:t>讓</a:t>
+            </a:r>
+            <a:r>
+              <a:rPr lang="zh-TW" altLang="en-US" sz="2400" cap="none" dirty="0">
+                <a:solidFill>
+                  <a:srgbClr val="FFFF00"/>
+                </a:solidFill>
+                <a:latin typeface="Consolas" panose="020B0609020204030204" pitchFamily="49" charset="0"/>
+              </a:rPr>
+              <a:t> </a:t>
+            </a:r>
+            <a:r>
               <a:rPr lang="en-US" altLang="zh-TW" sz="2400" cap="none" dirty="0">
                 <a:solidFill>
                   <a:srgbClr val="FFFF00"/>
                 </a:solidFill>
                 <a:latin typeface="Consolas" panose="020B0609020204030204" pitchFamily="49" charset="0"/>
               </a:rPr>
-              <a:t>Make struct more convenient</a:t>
-            </a:r>
-            <a:endParaRPr lang="zh-TW" altLang="en-US" sz="2400" cap="none" dirty="0">
-              <a:solidFill>
-                <a:srgbClr val="FFFF00"/>
-              </a:solidFill>
-              <a:latin typeface="Consolas" panose="020B0609020204030204" pitchFamily="49" charset="0"/>
-            </a:endParaRPr>
+              <a:t>struct </a:t>
+            </a:r>
+            <a:r>
+              <a:rPr lang="zh-TW" altLang="en-US" sz="2400" cap="none" dirty="0">
+                <a:solidFill>
+                  <a:srgbClr val="FFFF00"/>
+                </a:solidFill>
+                <a:latin typeface="STHeiti TC" panose="02000000000000000000" pitchFamily="2" charset="-120"/>
+                <a:ea typeface="STHeiti TC" panose="02000000000000000000" pitchFamily="2" charset="-120"/>
+              </a:rPr>
+              <a:t>更好用</a:t>
+            </a:r>
           </a:p>
         </p:txBody>
       </p:sp>
@@ -37608,6 +38028,18 @@
   <p:clrMapOvr>
     <a:masterClrMapping/>
   </p:clrMapOvr>
+  <mc:AlternateContent xmlns:mc="http://schemas.openxmlformats.org/markup-compatibility/2006">
+    <mc:Choice xmlns:p159="http://schemas.microsoft.com/office/powerpoint/2015/09/main" Requires="p159">
+      <p:transition spd="slow">
+        <p159:morph option="byChar"/>
+      </p:transition>
+    </mc:Choice>
+    <mc:Fallback>
+      <p:transition spd="slow">
+        <p:fade/>
+      </p:transition>
+    </mc:Fallback>
+  </mc:AlternateContent>
 </p:sld>
 </file>
 
@@ -37650,10 +38082,11 @@
           <a:lstStyle/>
           <a:p>
             <a:r>
-              <a:rPr lang="en-US" altLang="zh-TW" cap="none" dirty="0">
-                <a:latin typeface="Consolas" panose="020B0609020204030204" pitchFamily="49" charset="0"/>
-              </a:rPr>
-              <a:t>Data Structure</a:t>
+              <a:rPr lang="zh-TW" altLang="en-US" cap="none" dirty="0">
+                <a:latin typeface="STHeiti TC" panose="02000000000000000000" pitchFamily="2" charset="-120"/>
+                <a:ea typeface="STHeiti TC" panose="02000000000000000000" pitchFamily="2" charset="-120"/>
+              </a:rPr>
+              <a:t>資料結構</a:t>
             </a:r>
             <a:r>
               <a:rPr lang="zh-TW" altLang="en-US" cap="none" dirty="0">
@@ -37845,6 +38278,18 @@
   <p:clrMapOvr>
     <a:masterClrMapping/>
   </p:clrMapOvr>
+  <mc:AlternateContent xmlns:mc="http://schemas.openxmlformats.org/markup-compatibility/2006">
+    <mc:Choice xmlns:p159="http://schemas.microsoft.com/office/powerpoint/2015/09/main" Requires="p159">
+      <p:transition spd="slow">
+        <p159:morph option="byChar"/>
+      </p:transition>
+    </mc:Choice>
+    <mc:Fallback>
+      <p:transition spd="slow">
+        <p:fade/>
+      </p:transition>
+    </mc:Fallback>
+  </mc:AlternateContent>
 </p:sld>
 </file>
 
@@ -39091,6 +39536,18 @@
   <p:clrMapOvr>
     <a:masterClrMapping/>
   </p:clrMapOvr>
+  <mc:AlternateContent xmlns:mc="http://schemas.openxmlformats.org/markup-compatibility/2006">
+    <mc:Choice xmlns:p159="http://schemas.microsoft.com/office/powerpoint/2015/09/main" Requires="p159">
+      <p:transition spd="slow">
+        <p159:morph option="byChar"/>
+      </p:transition>
+    </mc:Choice>
+    <mc:Fallback>
+      <p:transition spd="slow">
+        <p:fade/>
+      </p:transition>
+    </mc:Fallback>
+  </mc:AlternateContent>
   <p:timing>
     <p:tnLst>
       <p:par>
@@ -39527,14 +39984,25 @@
           <a:lstStyle/>
           <a:p>
             <a:r>
+              <a:rPr lang="zh-TW" altLang="en-US" cap="none" dirty="0">
+                <a:latin typeface="STHeiti TC" panose="02000000000000000000" pitchFamily="2" charset="-120"/>
+                <a:ea typeface="STHeiti TC" panose="02000000000000000000" pitchFamily="2" charset="-120"/>
+              </a:rPr>
+              <a:t>資料結構</a:t>
+            </a:r>
+            <a:r>
               <a:rPr lang="en-US" altLang="zh-TW" cap="none" dirty="0">
                 <a:latin typeface="Consolas" panose="020B0609020204030204" pitchFamily="49" charset="0"/>
               </a:rPr>
-              <a:t>Data Structure – Linked List</a:t>
-            </a:r>
-            <a:endParaRPr lang="zh-TW" altLang="en-US" cap="none" dirty="0">
-              <a:latin typeface="Consolas" panose="020B0609020204030204" pitchFamily="49" charset="0"/>
-            </a:endParaRPr>
+              <a:t> – </a:t>
+            </a:r>
+            <a:r>
+              <a:rPr lang="zh-TW" altLang="en-US" cap="none" dirty="0">
+                <a:latin typeface="STHeiti TC" panose="02000000000000000000" pitchFamily="2" charset="-120"/>
+                <a:ea typeface="STHeiti TC" panose="02000000000000000000" pitchFamily="2" charset="-120"/>
+              </a:rPr>
+              <a:t>連結串列</a:t>
+            </a:r>
           </a:p>
         </p:txBody>
       </p:sp>
@@ -40277,13 +40745,13 @@
   <p:clrMapOvr>
     <a:masterClrMapping/>
   </p:clrMapOvr>
-  <mc:AlternateContent xmlns:mc="http://schemas.openxmlformats.org/markup-compatibility/2006" xmlns:p159="http://schemas.microsoft.com/office/powerpoint/2015/09/main">
-    <mc:Choice Requires="p159">
+  <mc:AlternateContent xmlns:mc="http://schemas.openxmlformats.org/markup-compatibility/2006">
+    <mc:Choice xmlns:p159="http://schemas.microsoft.com/office/powerpoint/2015/09/main" Requires="p159">
       <p:transition spd="slow">
         <p159:morph option="byChar"/>
       </p:transition>
     </mc:Choice>
-    <mc:Fallback xmlns="">
+    <mc:Fallback>
       <p:transition spd="slow">
         <p:fade/>
       </p:transition>
@@ -40412,13 +40880,13 @@
   <p:clrMapOvr>
     <a:masterClrMapping/>
   </p:clrMapOvr>
-  <mc:AlternateContent xmlns:mc="http://schemas.openxmlformats.org/markup-compatibility/2006" xmlns:p159="http://schemas.microsoft.com/office/powerpoint/2015/09/main">
-    <mc:Choice Requires="p159">
+  <mc:AlternateContent xmlns:mc="http://schemas.openxmlformats.org/markup-compatibility/2006">
+    <mc:Choice xmlns:p159="http://schemas.microsoft.com/office/powerpoint/2015/09/main" Requires="p159">
       <p:transition spd="slow">
         <p159:morph option="byChar"/>
       </p:transition>
     </mc:Choice>
-    <mc:Fallback xmlns="">
+    <mc:Fallback>
       <p:transition spd="slow">
         <p:fade/>
       </p:transition>
@@ -41154,13 +41622,13 @@
   <p:clrMapOvr>
     <a:masterClrMapping/>
   </p:clrMapOvr>
-  <mc:AlternateContent xmlns:mc="http://schemas.openxmlformats.org/markup-compatibility/2006" xmlns:p159="http://schemas.microsoft.com/office/powerpoint/2015/09/main">
-    <mc:Choice Requires="p159">
+  <mc:AlternateContent xmlns:mc="http://schemas.openxmlformats.org/markup-compatibility/2006">
+    <mc:Choice xmlns:p159="http://schemas.microsoft.com/office/powerpoint/2015/09/main" Requires="p159">
       <p:transition spd="slow">
         <p159:morph option="byChar"/>
       </p:transition>
     </mc:Choice>
-    <mc:Fallback xmlns="">
+    <mc:Fallback>
       <p:transition spd="slow">
         <p:fade/>
       </p:transition>
@@ -42511,6 +42979,18 @@
   <p:clrMapOvr>
     <a:masterClrMapping/>
   </p:clrMapOvr>
+  <mc:AlternateContent xmlns:mc="http://schemas.openxmlformats.org/markup-compatibility/2006">
+    <mc:Choice xmlns:p159="http://schemas.microsoft.com/office/powerpoint/2015/09/main" Requires="p159">
+      <p:transition spd="slow">
+        <p159:morph option="byChar"/>
+      </p:transition>
+    </mc:Choice>
+    <mc:Fallback>
+      <p:transition spd="slow">
+        <p:fade/>
+      </p:transition>
+    </mc:Fallback>
+  </mc:AlternateContent>
   <p:timing>
     <p:tnLst>
       <p:par>
@@ -44094,6 +44574,18 @@
   <p:clrMapOvr>
     <a:masterClrMapping/>
   </p:clrMapOvr>
+  <mc:AlternateContent xmlns:mc="http://schemas.openxmlformats.org/markup-compatibility/2006">
+    <mc:Choice xmlns:p159="http://schemas.microsoft.com/office/powerpoint/2015/09/main" Requires="p159">
+      <p:transition spd="slow">
+        <p159:morph option="byChar"/>
+      </p:transition>
+    </mc:Choice>
+    <mc:Fallback>
+      <p:transition spd="slow">
+        <p:fade/>
+      </p:transition>
+    </mc:Fallback>
+  </mc:AlternateContent>
   <p:timing>
     <p:tnLst>
       <p:par>
@@ -45304,6 +45796,18 @@
   <p:clrMapOvr>
     <a:masterClrMapping/>
   </p:clrMapOvr>
+  <mc:AlternateContent xmlns:mc="http://schemas.openxmlformats.org/markup-compatibility/2006">
+    <mc:Choice xmlns:p159="http://schemas.microsoft.com/office/powerpoint/2015/09/main" Requires="p159">
+      <p:transition spd="slow">
+        <p159:morph option="byChar"/>
+      </p:transition>
+    </mc:Choice>
+    <mc:Fallback>
+      <p:transition spd="slow">
+        <p:fade/>
+      </p:transition>
+    </mc:Fallback>
+  </mc:AlternateContent>
   <p:timing>
     <p:tnLst>
       <p:par>

--- a/電機_C_Day_2.pptx
+++ b/電機_C_Day_2.pptx
@@ -17,56 +17,59 @@
     <p:sldId id="319" r:id="rId11"/>
     <p:sldId id="318" r:id="rId12"/>
     <p:sldId id="320" r:id="rId13"/>
-    <p:sldId id="258" r:id="rId14"/>
-    <p:sldId id="287" r:id="rId15"/>
-    <p:sldId id="295" r:id="rId16"/>
-    <p:sldId id="257" r:id="rId17"/>
-    <p:sldId id="259" r:id="rId18"/>
-    <p:sldId id="278" r:id="rId19"/>
-    <p:sldId id="260" r:id="rId20"/>
-    <p:sldId id="262" r:id="rId21"/>
-    <p:sldId id="289" r:id="rId22"/>
-    <p:sldId id="288" r:id="rId23"/>
-    <p:sldId id="264" r:id="rId24"/>
-    <p:sldId id="266" r:id="rId25"/>
-    <p:sldId id="267" r:id="rId26"/>
-    <p:sldId id="268" r:id="rId27"/>
-    <p:sldId id="291" r:id="rId28"/>
-    <p:sldId id="269" r:id="rId29"/>
-    <p:sldId id="271" r:id="rId30"/>
-    <p:sldId id="272" r:id="rId31"/>
-    <p:sldId id="273" r:id="rId32"/>
-    <p:sldId id="274" r:id="rId33"/>
-    <p:sldId id="292" r:id="rId34"/>
-    <p:sldId id="296" r:id="rId35"/>
-    <p:sldId id="297" r:id="rId36"/>
-    <p:sldId id="300" r:id="rId37"/>
-    <p:sldId id="298" r:id="rId38"/>
-    <p:sldId id="299" r:id="rId39"/>
-    <p:sldId id="301" r:id="rId40"/>
-    <p:sldId id="303" r:id="rId41"/>
-    <p:sldId id="304" r:id="rId42"/>
-    <p:sldId id="305" r:id="rId43"/>
-    <p:sldId id="306" r:id="rId44"/>
-    <p:sldId id="307" r:id="rId45"/>
-    <p:sldId id="310" r:id="rId46"/>
-    <p:sldId id="308" r:id="rId47"/>
-    <p:sldId id="311" r:id="rId48"/>
-    <p:sldId id="302" r:id="rId49"/>
-    <p:sldId id="279" r:id="rId50"/>
-    <p:sldId id="280" r:id="rId51"/>
-    <p:sldId id="321" r:id="rId52"/>
-    <p:sldId id="281" r:id="rId53"/>
-    <p:sldId id="282" r:id="rId54"/>
-    <p:sldId id="284" r:id="rId55"/>
-    <p:sldId id="285" r:id="rId56"/>
-    <p:sldId id="324" r:id="rId57"/>
-    <p:sldId id="322" r:id="rId58"/>
-    <p:sldId id="323" r:id="rId59"/>
-    <p:sldId id="325" r:id="rId60"/>
-    <p:sldId id="286" r:id="rId61"/>
-    <p:sldId id="277" r:id="rId62"/>
-    <p:sldId id="290" r:id="rId63"/>
+    <p:sldId id="326" r:id="rId14"/>
+    <p:sldId id="258" r:id="rId15"/>
+    <p:sldId id="287" r:id="rId16"/>
+    <p:sldId id="295" r:id="rId17"/>
+    <p:sldId id="257" r:id="rId18"/>
+    <p:sldId id="259" r:id="rId19"/>
+    <p:sldId id="278" r:id="rId20"/>
+    <p:sldId id="260" r:id="rId21"/>
+    <p:sldId id="262" r:id="rId22"/>
+    <p:sldId id="289" r:id="rId23"/>
+    <p:sldId id="288" r:id="rId24"/>
+    <p:sldId id="264" r:id="rId25"/>
+    <p:sldId id="327" r:id="rId26"/>
+    <p:sldId id="328" r:id="rId27"/>
+    <p:sldId id="266" r:id="rId28"/>
+    <p:sldId id="267" r:id="rId29"/>
+    <p:sldId id="268" r:id="rId30"/>
+    <p:sldId id="291" r:id="rId31"/>
+    <p:sldId id="269" r:id="rId32"/>
+    <p:sldId id="271" r:id="rId33"/>
+    <p:sldId id="272" r:id="rId34"/>
+    <p:sldId id="273" r:id="rId35"/>
+    <p:sldId id="274" r:id="rId36"/>
+    <p:sldId id="292" r:id="rId37"/>
+    <p:sldId id="296" r:id="rId38"/>
+    <p:sldId id="297" r:id="rId39"/>
+    <p:sldId id="300" r:id="rId40"/>
+    <p:sldId id="298" r:id="rId41"/>
+    <p:sldId id="299" r:id="rId42"/>
+    <p:sldId id="301" r:id="rId43"/>
+    <p:sldId id="303" r:id="rId44"/>
+    <p:sldId id="304" r:id="rId45"/>
+    <p:sldId id="305" r:id="rId46"/>
+    <p:sldId id="306" r:id="rId47"/>
+    <p:sldId id="307" r:id="rId48"/>
+    <p:sldId id="310" r:id="rId49"/>
+    <p:sldId id="308" r:id="rId50"/>
+    <p:sldId id="311" r:id="rId51"/>
+    <p:sldId id="302" r:id="rId52"/>
+    <p:sldId id="279" r:id="rId53"/>
+    <p:sldId id="280" r:id="rId54"/>
+    <p:sldId id="321" r:id="rId55"/>
+    <p:sldId id="281" r:id="rId56"/>
+    <p:sldId id="282" r:id="rId57"/>
+    <p:sldId id="284" r:id="rId58"/>
+    <p:sldId id="285" r:id="rId59"/>
+    <p:sldId id="324" r:id="rId60"/>
+    <p:sldId id="322" r:id="rId61"/>
+    <p:sldId id="323" r:id="rId62"/>
+    <p:sldId id="325" r:id="rId63"/>
+    <p:sldId id="286" r:id="rId64"/>
+    <p:sldId id="277" r:id="rId65"/>
+    <p:sldId id="290" r:id="rId66"/>
   </p:sldIdLst>
   <p:sldSz cx="12192000" cy="6858000"/>
   <p:notesSz cx="6858000" cy="9144000"/>
@@ -951,8 +954,8 @@
   </pc:docChgLst>
   <pc:docChgLst>
     <pc:chgData name="祐廷 劉" userId="55b9f2413b94badf" providerId="LiveId" clId="{5EA86210-9012-4E68-BCD1-7347BE0E642C}"/>
-    <pc:docChg chg="undo custSel modSld">
-      <pc:chgData name="祐廷 劉" userId="55b9f2413b94badf" providerId="LiveId" clId="{5EA86210-9012-4E68-BCD1-7347BE0E642C}" dt="2023-06-26T14:23:54.748" v="4390"/>
+    <pc:docChg chg="undo custSel addSld modSld">
+      <pc:chgData name="祐廷 劉" userId="55b9f2413b94badf" providerId="LiveId" clId="{5EA86210-9012-4E68-BCD1-7347BE0E642C}" dt="2023-07-10T16:18:30.997" v="4953"/>
       <pc:docMkLst>
         <pc:docMk/>
       </pc:docMkLst>
@@ -2326,6 +2329,123 @@
           </ac:spMkLst>
         </pc:spChg>
       </pc:sldChg>
+      <pc:sldChg chg="addSp delSp modSp new mod modTransition modAnim">
+        <pc:chgData name="祐廷 劉" userId="55b9f2413b94badf" providerId="LiveId" clId="{5EA86210-9012-4E68-BCD1-7347BE0E642C}" dt="2023-07-10T16:18:10.609" v="4937"/>
+        <pc:sldMkLst>
+          <pc:docMk/>
+          <pc:sldMk cId="773901686" sldId="326"/>
+        </pc:sldMkLst>
+        <pc:spChg chg="mod">
+          <ac:chgData name="祐廷 劉" userId="55b9f2413b94badf" providerId="LiveId" clId="{5EA86210-9012-4E68-BCD1-7347BE0E642C}" dt="2023-07-10T15:52:23.322" v="4409" actId="20577"/>
+          <ac:spMkLst>
+            <pc:docMk/>
+            <pc:sldMk cId="773901686" sldId="326"/>
+            <ac:spMk id="2" creationId="{CA56D354-741D-4C86-8AEC-F87ED95E4DA3}"/>
+          </ac:spMkLst>
+        </pc:spChg>
+        <pc:spChg chg="del">
+          <ac:chgData name="祐廷 劉" userId="55b9f2413b94badf" providerId="LiveId" clId="{5EA86210-9012-4E68-BCD1-7347BE0E642C}" dt="2023-07-10T15:52:37.510" v="4410" actId="478"/>
+          <ac:spMkLst>
+            <pc:docMk/>
+            <pc:sldMk cId="773901686" sldId="326"/>
+            <ac:spMk id="3" creationId="{945777F8-C611-45B2-8C4B-0492E7FF6F5C}"/>
+          </ac:spMkLst>
+        </pc:spChg>
+        <pc:spChg chg="add mod">
+          <ac:chgData name="祐廷 劉" userId="55b9f2413b94badf" providerId="LiveId" clId="{5EA86210-9012-4E68-BCD1-7347BE0E642C}" dt="2023-07-10T16:06:12.406" v="4559" actId="1076"/>
+          <ac:spMkLst>
+            <pc:docMk/>
+            <pc:sldMk cId="773901686" sldId="326"/>
+            <ac:spMk id="4" creationId="{EDF44081-F897-437F-9B5D-59B0333B8F93}"/>
+          </ac:spMkLst>
+        </pc:spChg>
+        <pc:picChg chg="add mod">
+          <ac:chgData name="祐廷 劉" userId="55b9f2413b94badf" providerId="LiveId" clId="{5EA86210-9012-4E68-BCD1-7347BE0E642C}" dt="2023-07-10T16:06:49.822" v="4564" actId="1076"/>
+          <ac:picMkLst>
+            <pc:docMk/>
+            <pc:sldMk cId="773901686" sldId="326"/>
+            <ac:picMk id="6" creationId="{6E6BF51A-D814-4F6B-A1B3-8E35B6A9E5FC}"/>
+          </ac:picMkLst>
+        </pc:picChg>
+        <pc:picChg chg="add mod">
+          <ac:chgData name="祐廷 劉" userId="55b9f2413b94badf" providerId="LiveId" clId="{5EA86210-9012-4E68-BCD1-7347BE0E642C}" dt="2023-07-10T16:07:18.892" v="4567" actId="1076"/>
+          <ac:picMkLst>
+            <pc:docMk/>
+            <pc:sldMk cId="773901686" sldId="326"/>
+            <ac:picMk id="8" creationId="{F77FF5DC-9D3C-48BE-962C-362A809FD22A}"/>
+          </ac:picMkLst>
+        </pc:picChg>
+      </pc:sldChg>
+      <pc:sldChg chg="modSp new mod modTransition">
+        <pc:chgData name="祐廷 劉" userId="55b9f2413b94badf" providerId="LiveId" clId="{5EA86210-9012-4E68-BCD1-7347BE0E642C}" dt="2023-07-10T16:18:22.567" v="4943"/>
+        <pc:sldMkLst>
+          <pc:docMk/>
+          <pc:sldMk cId="915565456" sldId="327"/>
+        </pc:sldMkLst>
+        <pc:spChg chg="mod">
+          <ac:chgData name="祐廷 劉" userId="55b9f2413b94badf" providerId="LiveId" clId="{5EA86210-9012-4E68-BCD1-7347BE0E642C}" dt="2023-07-10T16:17:20.513" v="4921" actId="20577"/>
+          <ac:spMkLst>
+            <pc:docMk/>
+            <pc:sldMk cId="915565456" sldId="327"/>
+            <ac:spMk id="2" creationId="{6531BA23-8B77-4AD0-AEE6-A29CB796009A}"/>
+          </ac:spMkLst>
+        </pc:spChg>
+        <pc:spChg chg="mod">
+          <ac:chgData name="祐廷 劉" userId="55b9f2413b94badf" providerId="LiveId" clId="{5EA86210-9012-4E68-BCD1-7347BE0E642C}" dt="2023-07-10T16:13:47.331" v="4891" actId="20577"/>
+          <ac:spMkLst>
+            <pc:docMk/>
+            <pc:sldMk cId="915565456" sldId="327"/>
+            <ac:spMk id="3" creationId="{441F683A-E1DD-45B4-AB0D-33888B03A801}"/>
+          </ac:spMkLst>
+        </pc:spChg>
+      </pc:sldChg>
+      <pc:sldChg chg="addSp delSp modSp new mod modTransition modAnim">
+        <pc:chgData name="祐廷 劉" userId="55b9f2413b94badf" providerId="LiveId" clId="{5EA86210-9012-4E68-BCD1-7347BE0E642C}" dt="2023-07-10T16:18:30.997" v="4953"/>
+        <pc:sldMkLst>
+          <pc:docMk/>
+          <pc:sldMk cId="3653094298" sldId="328"/>
+        </pc:sldMkLst>
+        <pc:spChg chg="mod">
+          <ac:chgData name="祐廷 劉" userId="55b9f2413b94badf" providerId="LiveId" clId="{5EA86210-9012-4E68-BCD1-7347BE0E642C}" dt="2023-07-10T16:17:26.493" v="4931" actId="20577"/>
+          <ac:spMkLst>
+            <pc:docMk/>
+            <pc:sldMk cId="3653094298" sldId="328"/>
+            <ac:spMk id="2" creationId="{5CE646F9-103E-4805-A561-0E225FE74A65}"/>
+          </ac:spMkLst>
+        </pc:spChg>
+        <pc:spChg chg="del">
+          <ac:chgData name="祐廷 劉" userId="55b9f2413b94badf" providerId="LiveId" clId="{5EA86210-9012-4E68-BCD1-7347BE0E642C}" dt="2023-07-10T16:15:41.383" v="4893" actId="478"/>
+          <ac:spMkLst>
+            <pc:docMk/>
+            <pc:sldMk cId="3653094298" sldId="328"/>
+            <ac:spMk id="3" creationId="{7EE322AD-7666-4DA4-8754-085D092FFF4B}"/>
+          </ac:spMkLst>
+        </pc:spChg>
+        <pc:spChg chg="add">
+          <ac:chgData name="祐廷 劉" userId="55b9f2413b94badf" providerId="LiveId" clId="{5EA86210-9012-4E68-BCD1-7347BE0E642C}" dt="2023-07-10T16:16:43.761" v="4909" actId="11529"/>
+          <ac:spMkLst>
+            <pc:docMk/>
+            <pc:sldMk cId="3653094298" sldId="328"/>
+            <ac:spMk id="8" creationId="{68D0772D-4A80-46D3-92ED-B7DBABD5F26F}"/>
+          </ac:spMkLst>
+        </pc:spChg>
+        <pc:picChg chg="add mod">
+          <ac:chgData name="祐廷 劉" userId="55b9f2413b94badf" providerId="LiveId" clId="{5EA86210-9012-4E68-BCD1-7347BE0E642C}" dt="2023-07-10T16:16:26.478" v="4907" actId="1076"/>
+          <ac:picMkLst>
+            <pc:docMk/>
+            <pc:sldMk cId="3653094298" sldId="328"/>
+            <ac:picMk id="5" creationId="{FAAEB494-BD50-4A0E-B075-AE39792CBFA9}"/>
+          </ac:picMkLst>
+        </pc:picChg>
+        <pc:picChg chg="add mod">
+          <ac:chgData name="祐廷 劉" userId="55b9f2413b94badf" providerId="LiveId" clId="{5EA86210-9012-4E68-BCD1-7347BE0E642C}" dt="2023-07-10T16:16:28.600" v="4908" actId="1076"/>
+          <ac:picMkLst>
+            <pc:docMk/>
+            <pc:sldMk cId="3653094298" sldId="328"/>
+            <ac:picMk id="7" creationId="{A4D21587-8EB0-4DEC-8FC0-DE12048FB94D}"/>
+          </ac:picMkLst>
+        </pc:picChg>
+      </pc:sldChg>
     </pc:docChg>
   </pc:docChgLst>
 </pc:chgInfo>
@@ -2544,7 +2664,7 @@
           <a:p>
             <a:fld id="{E293F93E-B5DE-4B50-93E6-ADB519FE5D77}" type="datetimeFigureOut">
               <a:rPr lang="zh-TW" altLang="en-US" smtClean="0"/>
-              <a:t>2023/6/26</a:t>
+              <a:t>2023/7/11</a:t>
             </a:fld>
             <a:endParaRPr lang="zh-TW" altLang="en-US"/>
           </a:p>
@@ -2835,7 +2955,7 @@
           <a:p>
             <a:fld id="{E293F93E-B5DE-4B50-93E6-ADB519FE5D77}" type="datetimeFigureOut">
               <a:rPr lang="zh-TW" altLang="en-US" smtClean="0"/>
-              <a:t>2023/6/26</a:t>
+              <a:t>2023/7/11</a:t>
             </a:fld>
             <a:endParaRPr lang="zh-TW" altLang="en-US"/>
           </a:p>
@@ -3094,7 +3214,7 @@
           <a:p>
             <a:fld id="{E293F93E-B5DE-4B50-93E6-ADB519FE5D77}" type="datetimeFigureOut">
               <a:rPr lang="zh-TW" altLang="en-US" smtClean="0"/>
-              <a:t>2023/6/26</a:t>
+              <a:t>2023/7/11</a:t>
             </a:fld>
             <a:endParaRPr lang="zh-TW" altLang="en-US"/>
           </a:p>
@@ -3563,7 +3683,7 @@
           <a:p>
             <a:fld id="{E293F93E-B5DE-4B50-93E6-ADB519FE5D77}" type="datetimeFigureOut">
               <a:rPr lang="zh-TW" altLang="en-US" smtClean="0"/>
-              <a:t>2023/6/26</a:t>
+              <a:t>2023/7/11</a:t>
             </a:fld>
             <a:endParaRPr lang="zh-TW" altLang="en-US"/>
           </a:p>
@@ -3743,7 +3863,7 @@
           <a:p>
             <a:fld id="{E293F93E-B5DE-4B50-93E6-ADB519FE5D77}" type="datetimeFigureOut">
               <a:rPr lang="zh-TW" altLang="en-US" smtClean="0"/>
-              <a:t>2023/6/26</a:t>
+              <a:t>2023/7/11</a:t>
             </a:fld>
             <a:endParaRPr lang="zh-TW" altLang="en-US"/>
           </a:p>
@@ -4319,7 +4439,7 @@
           <a:p>
             <a:fld id="{E293F93E-B5DE-4B50-93E6-ADB519FE5D77}" type="datetimeFigureOut">
               <a:rPr lang="zh-TW" altLang="en-US" smtClean="0"/>
-              <a:t>2023/6/26</a:t>
+              <a:t>2023/7/11</a:t>
             </a:fld>
             <a:endParaRPr lang="zh-TW" altLang="en-US"/>
           </a:p>
@@ -4651,7 +4771,7 @@
           <a:p>
             <a:fld id="{E293F93E-B5DE-4B50-93E6-ADB519FE5D77}" type="datetimeFigureOut">
               <a:rPr lang="zh-TW" altLang="en-US" smtClean="0"/>
-              <a:t>2023/6/26</a:t>
+              <a:t>2023/7/11</a:t>
             </a:fld>
             <a:endParaRPr lang="zh-TW" altLang="en-US"/>
           </a:p>
@@ -4826,7 +4946,7 @@
           <a:p>
             <a:fld id="{E293F93E-B5DE-4B50-93E6-ADB519FE5D77}" type="datetimeFigureOut">
               <a:rPr lang="zh-TW" altLang="en-US" smtClean="0"/>
-              <a:t>2023/6/26</a:t>
+              <a:t>2023/7/11</a:t>
             </a:fld>
             <a:endParaRPr lang="zh-TW" altLang="en-US"/>
           </a:p>
@@ -5006,7 +5126,7 @@
           <a:p>
             <a:fld id="{E293F93E-B5DE-4B50-93E6-ADB519FE5D77}" type="datetimeFigureOut">
               <a:rPr lang="zh-TW" altLang="en-US" smtClean="0"/>
-              <a:t>2023/6/26</a:t>
+              <a:t>2023/7/11</a:t>
             </a:fld>
             <a:endParaRPr lang="zh-TW" altLang="en-US"/>
           </a:p>
@@ -5176,7 +5296,7 @@
           <a:p>
             <a:fld id="{E293F93E-B5DE-4B50-93E6-ADB519FE5D77}" type="datetimeFigureOut">
               <a:rPr lang="zh-TW" altLang="en-US" smtClean="0"/>
-              <a:t>2023/6/26</a:t>
+              <a:t>2023/7/11</a:t>
             </a:fld>
             <a:endParaRPr lang="zh-TW" altLang="en-US"/>
           </a:p>
@@ -5433,7 +5553,7 @@
           <a:p>
             <a:fld id="{E293F93E-B5DE-4B50-93E6-ADB519FE5D77}" type="datetimeFigureOut">
               <a:rPr lang="zh-TW" altLang="en-US" smtClean="0"/>
-              <a:t>2023/6/26</a:t>
+              <a:t>2023/7/11</a:t>
             </a:fld>
             <a:endParaRPr lang="zh-TW" altLang="en-US"/>
           </a:p>
@@ -5725,7 +5845,7 @@
           <a:p>
             <a:fld id="{E293F93E-B5DE-4B50-93E6-ADB519FE5D77}" type="datetimeFigureOut">
               <a:rPr lang="zh-TW" altLang="en-US" smtClean="0"/>
-              <a:t>2023/6/26</a:t>
+              <a:t>2023/7/11</a:t>
             </a:fld>
             <a:endParaRPr lang="zh-TW" altLang="en-US"/>
           </a:p>
@@ -6155,7 +6275,7 @@
           <a:p>
             <a:fld id="{E293F93E-B5DE-4B50-93E6-ADB519FE5D77}" type="datetimeFigureOut">
               <a:rPr lang="zh-TW" altLang="en-US" smtClean="0"/>
-              <a:t>2023/6/26</a:t>
+              <a:t>2023/7/11</a:t>
             </a:fld>
             <a:endParaRPr lang="zh-TW" altLang="en-US"/>
           </a:p>
@@ -6273,7 +6393,7 @@
           <a:p>
             <a:fld id="{E293F93E-B5DE-4B50-93E6-ADB519FE5D77}" type="datetimeFigureOut">
               <a:rPr lang="zh-TW" altLang="en-US" smtClean="0"/>
-              <a:t>2023/6/26</a:t>
+              <a:t>2023/7/11</a:t>
             </a:fld>
             <a:endParaRPr lang="zh-TW" altLang="en-US"/>
           </a:p>
@@ -6368,7 +6488,7 @@
           <a:p>
             <a:fld id="{E293F93E-B5DE-4B50-93E6-ADB519FE5D77}" type="datetimeFigureOut">
               <a:rPr lang="zh-TW" altLang="en-US" smtClean="0"/>
-              <a:t>2023/6/26</a:t>
+              <a:t>2023/7/11</a:t>
             </a:fld>
             <a:endParaRPr lang="zh-TW" altLang="en-US"/>
           </a:p>
@@ -6651,7 +6771,7 @@
           <a:p>
             <a:fld id="{E293F93E-B5DE-4B50-93E6-ADB519FE5D77}" type="datetimeFigureOut">
               <a:rPr lang="zh-TW" altLang="en-US" smtClean="0"/>
-              <a:t>2023/6/26</a:t>
+              <a:t>2023/7/11</a:t>
             </a:fld>
             <a:endParaRPr lang="zh-TW" altLang="en-US"/>
           </a:p>
@@ -6942,7 +7062,7 @@
           <a:p>
             <a:fld id="{E293F93E-B5DE-4B50-93E6-ADB519FE5D77}" type="datetimeFigureOut">
               <a:rPr lang="zh-TW" altLang="en-US" smtClean="0"/>
-              <a:t>2023/6/26</a:t>
+              <a:t>2023/7/11</a:t>
             </a:fld>
             <a:endParaRPr lang="zh-TW" altLang="en-US"/>
           </a:p>
@@ -7173,7 +7293,7 @@
           <a:p>
             <a:fld id="{E293F93E-B5DE-4B50-93E6-ADB519FE5D77}" type="datetimeFigureOut">
               <a:rPr lang="zh-TW" altLang="en-US" smtClean="0"/>
-              <a:t>2023/6/26</a:t>
+              <a:t>2023/7/11</a:t>
             </a:fld>
             <a:endParaRPr lang="zh-TW" altLang="en-US"/>
           </a:p>
@@ -8029,13 +8149,13 @@
   <p:clrMapOvr>
     <a:masterClrMapping/>
   </p:clrMapOvr>
-  <mc:AlternateContent xmlns:mc="http://schemas.openxmlformats.org/markup-compatibility/2006">
-    <mc:Choice xmlns:p159="http://schemas.microsoft.com/office/powerpoint/2015/09/main" Requires="p159">
+  <mc:AlternateContent xmlns:mc="http://schemas.openxmlformats.org/markup-compatibility/2006" xmlns:p159="http://schemas.microsoft.com/office/powerpoint/2015/09/main">
+    <mc:Choice Requires="p159">
       <p:transition spd="slow">
         <p159:morph option="byChar"/>
       </p:transition>
     </mc:Choice>
-    <mc:Fallback>
+    <mc:Fallback xmlns="">
       <p:transition spd="slow">
         <p:fade/>
       </p:transition>
@@ -8170,13 +8290,13 @@
   <p:clrMapOvr>
     <a:masterClrMapping/>
   </p:clrMapOvr>
-  <mc:AlternateContent xmlns:mc="http://schemas.openxmlformats.org/markup-compatibility/2006">
-    <mc:Choice xmlns:p159="http://schemas.microsoft.com/office/powerpoint/2015/09/main" Requires="p159">
+  <mc:AlternateContent xmlns:mc="http://schemas.openxmlformats.org/markup-compatibility/2006" xmlns:p159="http://schemas.microsoft.com/office/powerpoint/2015/09/main">
+    <mc:Choice Requires="p159">
       <p:transition spd="slow">
         <p159:morph option="byChar"/>
       </p:transition>
     </mc:Choice>
-    <mc:Fallback>
+    <mc:Fallback xmlns="">
       <p:transition spd="slow">
         <p:fade/>
       </p:transition>
@@ -9152,13 +9272,13 @@
   <p:clrMapOvr>
     <a:masterClrMapping/>
   </p:clrMapOvr>
-  <mc:AlternateContent xmlns:mc="http://schemas.openxmlformats.org/markup-compatibility/2006">
-    <mc:Choice xmlns:p159="http://schemas.microsoft.com/office/powerpoint/2015/09/main" Requires="p159">
+  <mc:AlternateContent xmlns:mc="http://schemas.openxmlformats.org/markup-compatibility/2006" xmlns:p159="http://schemas.microsoft.com/office/powerpoint/2015/09/main">
+    <mc:Choice Requires="p159">
       <p:transition spd="slow">
         <p159:morph option="byChar"/>
       </p:transition>
     </mc:Choice>
-    <mc:Fallback>
+    <mc:Fallback xmlns="">
       <p:transition spd="slow">
         <p:fade/>
       </p:transition>
@@ -9415,13 +9535,13 @@
   <p:clrMapOvr>
     <a:masterClrMapping/>
   </p:clrMapOvr>
-  <mc:AlternateContent xmlns:mc="http://schemas.openxmlformats.org/markup-compatibility/2006">
-    <mc:Choice xmlns:p159="http://schemas.microsoft.com/office/powerpoint/2015/09/main" Requires="p159">
+  <mc:AlternateContent xmlns:mc="http://schemas.openxmlformats.org/markup-compatibility/2006" xmlns:p159="http://schemas.microsoft.com/office/powerpoint/2015/09/main">
+    <mc:Choice Requires="p159">
       <p:transition spd="slow">
         <p159:morph option="byChar"/>
       </p:transition>
     </mc:Choice>
-    <mc:Fallback>
+    <mc:Fallback xmlns="">
       <p:transition spd="slow">
         <p:fade/>
       </p:transition>
@@ -9604,6 +9724,668 @@
           <p:cNvPr id="2" name="標題 1">
             <a:extLst>
               <a:ext uri="{FF2B5EF4-FFF2-40B4-BE49-F238E27FC236}">
+                <a16:creationId xmlns:a16="http://schemas.microsoft.com/office/drawing/2014/main" id="{CA56D354-741D-4C86-8AEC-F87ED95E4DA3}"/>
+              </a:ext>
+            </a:extLst>
+          </p:cNvPr>
+          <p:cNvSpPr>
+            <a:spLocks noGrp="1"/>
+          </p:cNvSpPr>
+          <p:nvPr>
+            <p:ph type="title"/>
+          </p:nvPr>
+        </p:nvSpPr>
+        <p:spPr/>
+        <p:txBody>
+          <a:bodyPr/>
+          <a:lstStyle/>
+          <a:p>
+            <a:r>
+              <a:rPr lang="zh-TW" altLang="en-US" dirty="0">
+                <a:latin typeface="STHeiti TC" panose="02000000000000000000" pitchFamily="2" charset="-120"/>
+                <a:ea typeface="STHeiti TC" panose="02000000000000000000" pitchFamily="2" charset="-120"/>
+              </a:rPr>
+              <a:t>雙重迴圈</a:t>
+            </a:r>
+          </a:p>
+        </p:txBody>
+      </p:sp>
+      <p:sp>
+        <p:nvSpPr>
+          <p:cNvPr id="4" name="文字方塊 3">
+            <a:extLst>
+              <a:ext uri="{FF2B5EF4-FFF2-40B4-BE49-F238E27FC236}">
+                <a16:creationId xmlns:a16="http://schemas.microsoft.com/office/drawing/2014/main" id="{EDF44081-F897-437F-9B5D-59B0333B8F93}"/>
+              </a:ext>
+            </a:extLst>
+          </p:cNvPr>
+          <p:cNvSpPr txBox="1"/>
+          <p:nvPr/>
+        </p:nvSpPr>
+        <p:spPr>
+          <a:xfrm>
+            <a:off x="1141413" y="3424989"/>
+            <a:ext cx="2099092" cy="1754326"/>
+          </a:xfrm>
+          <a:prstGeom prst="rect">
+            <a:avLst/>
+          </a:prstGeom>
+          <a:noFill/>
+        </p:spPr>
+        <p:txBody>
+          <a:bodyPr wrap="square" rtlCol="0">
+            <a:spAutoFit/>
+          </a:bodyPr>
+          <a:lstStyle/>
+          <a:p>
+            <a:r>
+              <a:rPr lang="en-US" altLang="zh-TW" sz="3600" dirty="0"/>
+              <a:t>00</a:t>
+            </a:r>
+            <a:r>
+              <a:rPr lang="zh-TW" altLang="en-US" sz="3600" dirty="0"/>
+              <a:t> </a:t>
+            </a:r>
+            <a:r>
+              <a:rPr lang="en-US" altLang="zh-TW" sz="3600" dirty="0"/>
+              <a:t>01</a:t>
+            </a:r>
+            <a:r>
+              <a:rPr lang="zh-TW" altLang="en-US" sz="3600" dirty="0"/>
+              <a:t> </a:t>
+            </a:r>
+            <a:r>
+              <a:rPr lang="en-US" altLang="zh-TW" sz="3600" dirty="0"/>
+              <a:t>02</a:t>
+            </a:r>
+          </a:p>
+          <a:p>
+            <a:r>
+              <a:rPr lang="en-US" altLang="zh-TW" sz="3600" dirty="0">
+                <a:solidFill>
+                  <a:srgbClr val="FFFF00"/>
+                </a:solidFill>
+              </a:rPr>
+              <a:t>10</a:t>
+            </a:r>
+            <a:r>
+              <a:rPr lang="zh-TW" altLang="en-US" sz="3600" dirty="0">
+                <a:solidFill>
+                  <a:srgbClr val="FFFF00"/>
+                </a:solidFill>
+              </a:rPr>
+              <a:t> </a:t>
+            </a:r>
+            <a:r>
+              <a:rPr lang="en-US" altLang="zh-TW" sz="3600" dirty="0">
+                <a:solidFill>
+                  <a:srgbClr val="FFFF00"/>
+                </a:solidFill>
+              </a:rPr>
+              <a:t>11</a:t>
+            </a:r>
+            <a:r>
+              <a:rPr lang="zh-TW" altLang="en-US" sz="3600" dirty="0">
+                <a:solidFill>
+                  <a:srgbClr val="FFFF00"/>
+                </a:solidFill>
+              </a:rPr>
+              <a:t> </a:t>
+            </a:r>
+            <a:r>
+              <a:rPr lang="en-US" altLang="zh-TW" sz="3600" dirty="0">
+                <a:solidFill>
+                  <a:srgbClr val="FFFF00"/>
+                </a:solidFill>
+              </a:rPr>
+              <a:t>12</a:t>
+            </a:r>
+          </a:p>
+          <a:p>
+            <a:r>
+              <a:rPr lang="en-US" altLang="zh-TW" sz="3600" dirty="0">
+                <a:solidFill>
+                  <a:srgbClr val="00FF00"/>
+                </a:solidFill>
+              </a:rPr>
+              <a:t>20</a:t>
+            </a:r>
+            <a:r>
+              <a:rPr lang="zh-TW" altLang="en-US" sz="3600" dirty="0">
+                <a:solidFill>
+                  <a:srgbClr val="00FF00"/>
+                </a:solidFill>
+              </a:rPr>
+              <a:t> </a:t>
+            </a:r>
+            <a:r>
+              <a:rPr lang="en-US" altLang="zh-TW" sz="3600" dirty="0">
+                <a:solidFill>
+                  <a:srgbClr val="00FF00"/>
+                </a:solidFill>
+              </a:rPr>
+              <a:t>21</a:t>
+            </a:r>
+            <a:r>
+              <a:rPr lang="zh-TW" altLang="en-US" sz="3600" dirty="0">
+                <a:solidFill>
+                  <a:srgbClr val="00FF00"/>
+                </a:solidFill>
+              </a:rPr>
+              <a:t> </a:t>
+            </a:r>
+            <a:r>
+              <a:rPr lang="en-US" altLang="zh-TW" sz="3600" dirty="0">
+                <a:solidFill>
+                  <a:srgbClr val="00FF00"/>
+                </a:solidFill>
+              </a:rPr>
+              <a:t>22</a:t>
+            </a:r>
+          </a:p>
+        </p:txBody>
+      </p:sp>
+      <p:pic>
+        <p:nvPicPr>
+          <p:cNvPr id="6" name="圖片 5">
+            <a:extLst>
+              <a:ext uri="{FF2B5EF4-FFF2-40B4-BE49-F238E27FC236}">
+                <a16:creationId xmlns:a16="http://schemas.microsoft.com/office/drawing/2014/main" id="{6E6BF51A-D814-4F6B-A1B3-8E35B6A9E5FC}"/>
+              </a:ext>
+            </a:extLst>
+          </p:cNvPr>
+          <p:cNvPicPr>
+            <a:picLocks noChangeAspect="1"/>
+          </p:cNvPicPr>
+          <p:nvPr/>
+        </p:nvPicPr>
+        <p:blipFill>
+          <a:blip r:embed="rId2"/>
+          <a:stretch>
+            <a:fillRect/>
+          </a:stretch>
+        </p:blipFill>
+        <p:spPr>
+          <a:xfrm>
+            <a:off x="4667643" y="2514600"/>
+            <a:ext cx="5960251" cy="3505379"/>
+          </a:xfrm>
+          <a:prstGeom prst="rect">
+            <a:avLst/>
+          </a:prstGeom>
+        </p:spPr>
+      </p:pic>
+      <p:pic>
+        <p:nvPicPr>
+          <p:cNvPr id="8" name="圖片 7">
+            <a:extLst>
+              <a:ext uri="{FF2B5EF4-FFF2-40B4-BE49-F238E27FC236}">
+                <a16:creationId xmlns:a16="http://schemas.microsoft.com/office/drawing/2014/main" id="{F77FF5DC-9D3C-48BE-962C-362A809FD22A}"/>
+              </a:ext>
+            </a:extLst>
+          </p:cNvPr>
+          <p:cNvPicPr>
+            <a:picLocks noChangeAspect="1"/>
+          </p:cNvPicPr>
+          <p:nvPr/>
+        </p:nvPicPr>
+        <p:blipFill>
+          <a:blip r:embed="rId3"/>
+          <a:stretch>
+            <a:fillRect/>
+          </a:stretch>
+        </p:blipFill>
+        <p:spPr>
+          <a:xfrm>
+            <a:off x="4247841" y="464620"/>
+            <a:ext cx="6799853" cy="1691506"/>
+          </a:xfrm>
+          <a:prstGeom prst="rect">
+            <a:avLst/>
+          </a:prstGeom>
+        </p:spPr>
+      </p:pic>
+    </p:spTree>
+    <p:extLst>
+      <p:ext uri="{BB962C8B-B14F-4D97-AF65-F5344CB8AC3E}">
+        <p14:creationId xmlns:p14="http://schemas.microsoft.com/office/powerpoint/2010/main" val="773901686"/>
+      </p:ext>
+    </p:extLst>
+  </p:cSld>
+  <p:clrMapOvr>
+    <a:masterClrMapping/>
+  </p:clrMapOvr>
+  <mc:AlternateContent xmlns:mc="http://schemas.openxmlformats.org/markup-compatibility/2006">
+    <mc:Choice xmlns:p159="http://schemas.microsoft.com/office/powerpoint/2015/09/main" Requires="p159">
+      <p:transition spd="slow">
+        <p159:morph option="byChar"/>
+      </p:transition>
+    </mc:Choice>
+    <mc:Fallback>
+      <p:transition spd="slow">
+        <p:fade/>
+      </p:transition>
+    </mc:Fallback>
+  </mc:AlternateContent>
+  <p:timing>
+    <p:tnLst>
+      <p:par>
+        <p:cTn id="1" dur="indefinite" restart="never" nodeType="tmRoot">
+          <p:childTnLst>
+            <p:seq concurrent="1" nextAc="seek">
+              <p:cTn id="2" dur="indefinite" nodeType="mainSeq">
+                <p:childTnLst>
+                  <p:par>
+                    <p:cTn id="3" fill="hold">
+                      <p:stCondLst>
+                        <p:cond delay="indefinite"/>
+                      </p:stCondLst>
+                      <p:childTnLst>
+                        <p:par>
+                          <p:cTn id="4" fill="hold">
+                            <p:stCondLst>
+                              <p:cond delay="0"/>
+                            </p:stCondLst>
+                            <p:childTnLst>
+                              <p:par>
+                                <p:cTn id="5" presetID="41" presetClass="entr" presetSubtype="0" fill="hold" grpId="0" nodeType="clickEffect">
+                                  <p:stCondLst>
+                                    <p:cond delay="0"/>
+                                  </p:stCondLst>
+                                  <p:iterate type="lt">
+                                    <p:tmPct val="10000"/>
+                                  </p:iterate>
+                                  <p:childTnLst>
+                                    <p:set>
+                                      <p:cBhvr>
+                                        <p:cTn id="6" dur="1" fill="hold">
+                                          <p:stCondLst>
+                                            <p:cond delay="0"/>
+                                          </p:stCondLst>
+                                        </p:cTn>
+                                        <p:tgtEl>
+                                          <p:spTgt spid="4"/>
+                                        </p:tgtEl>
+                                        <p:attrNameLst>
+                                          <p:attrName>style.visibility</p:attrName>
+                                        </p:attrNameLst>
+                                      </p:cBhvr>
+                                      <p:to>
+                                        <p:strVal val="visible"/>
+                                      </p:to>
+                                    </p:set>
+                                    <p:anim calcmode="lin" valueType="num">
+                                      <p:cBhvr>
+                                        <p:cTn id="7" dur="1000" fill="hold"/>
+                                        <p:tgtEl>
+                                          <p:spTgt spid="4"/>
+                                        </p:tgtEl>
+                                        <p:attrNameLst>
+                                          <p:attrName>ppt_x</p:attrName>
+                                        </p:attrNameLst>
+                                      </p:cBhvr>
+                                      <p:tavLst>
+                                        <p:tav tm="0">
+                                          <p:val>
+                                            <p:strVal val="#ppt_x"/>
+                                          </p:val>
+                                        </p:tav>
+                                        <p:tav tm="50000">
+                                          <p:val>
+                                            <p:strVal val="#ppt_x+.1"/>
+                                          </p:val>
+                                        </p:tav>
+                                        <p:tav tm="100000">
+                                          <p:val>
+                                            <p:strVal val="#ppt_x"/>
+                                          </p:val>
+                                        </p:tav>
+                                      </p:tavLst>
+                                    </p:anim>
+                                    <p:anim calcmode="lin" valueType="num">
+                                      <p:cBhvr>
+                                        <p:cTn id="8" dur="1000" fill="hold"/>
+                                        <p:tgtEl>
+                                          <p:spTgt spid="4"/>
+                                        </p:tgtEl>
+                                        <p:attrNameLst>
+                                          <p:attrName>ppt_y</p:attrName>
+                                        </p:attrNameLst>
+                                      </p:cBhvr>
+                                      <p:tavLst>
+                                        <p:tav tm="0">
+                                          <p:val>
+                                            <p:strVal val="#ppt_y"/>
+                                          </p:val>
+                                        </p:tav>
+                                        <p:tav tm="100000">
+                                          <p:val>
+                                            <p:strVal val="#ppt_y"/>
+                                          </p:val>
+                                        </p:tav>
+                                      </p:tavLst>
+                                    </p:anim>
+                                    <p:anim calcmode="lin" valueType="num">
+                                      <p:cBhvr>
+                                        <p:cTn id="9" dur="1000" fill="hold"/>
+                                        <p:tgtEl>
+                                          <p:spTgt spid="4"/>
+                                        </p:tgtEl>
+                                        <p:attrNameLst>
+                                          <p:attrName>ppt_h</p:attrName>
+                                        </p:attrNameLst>
+                                      </p:cBhvr>
+                                      <p:tavLst>
+                                        <p:tav tm="0">
+                                          <p:val>
+                                            <p:strVal val="#ppt_h/10"/>
+                                          </p:val>
+                                        </p:tav>
+                                        <p:tav tm="50000">
+                                          <p:val>
+                                            <p:strVal val="#ppt_h+.01"/>
+                                          </p:val>
+                                        </p:tav>
+                                        <p:tav tm="100000">
+                                          <p:val>
+                                            <p:strVal val="#ppt_h"/>
+                                          </p:val>
+                                        </p:tav>
+                                      </p:tavLst>
+                                    </p:anim>
+                                    <p:anim calcmode="lin" valueType="num">
+                                      <p:cBhvr>
+                                        <p:cTn id="10" dur="1000" fill="hold"/>
+                                        <p:tgtEl>
+                                          <p:spTgt spid="4"/>
+                                        </p:tgtEl>
+                                        <p:attrNameLst>
+                                          <p:attrName>ppt_w</p:attrName>
+                                        </p:attrNameLst>
+                                      </p:cBhvr>
+                                      <p:tavLst>
+                                        <p:tav tm="0">
+                                          <p:val>
+                                            <p:strVal val="#ppt_w/10"/>
+                                          </p:val>
+                                        </p:tav>
+                                        <p:tav tm="50000">
+                                          <p:val>
+                                            <p:strVal val="#ppt_w+.01"/>
+                                          </p:val>
+                                        </p:tav>
+                                        <p:tav tm="100000">
+                                          <p:val>
+                                            <p:strVal val="#ppt_w"/>
+                                          </p:val>
+                                        </p:tav>
+                                      </p:tavLst>
+                                    </p:anim>
+                                    <p:animEffect transition="in" filter="fade">
+                                      <p:cBhvr>
+                                        <p:cTn id="11" dur="1000" tmFilter="0,0; .5, 1; 1, 1"/>
+                                        <p:tgtEl>
+                                          <p:spTgt spid="4"/>
+                                        </p:tgtEl>
+                                      </p:cBhvr>
+                                    </p:animEffect>
+                                  </p:childTnLst>
+                                </p:cTn>
+                              </p:par>
+                            </p:childTnLst>
+                          </p:cTn>
+                        </p:par>
+                      </p:childTnLst>
+                    </p:cTn>
+                  </p:par>
+                  <p:par>
+                    <p:cTn id="12" fill="hold">
+                      <p:stCondLst>
+                        <p:cond delay="indefinite"/>
+                      </p:stCondLst>
+                      <p:childTnLst>
+                        <p:par>
+                          <p:cTn id="13" fill="hold">
+                            <p:stCondLst>
+                              <p:cond delay="0"/>
+                            </p:stCondLst>
+                            <p:childTnLst>
+                              <p:par>
+                                <p:cTn id="14" presetID="53" presetClass="entr" presetSubtype="16" fill="hold" nodeType="clickEffect">
+                                  <p:stCondLst>
+                                    <p:cond delay="0"/>
+                                  </p:stCondLst>
+                                  <p:childTnLst>
+                                    <p:set>
+                                      <p:cBhvr>
+                                        <p:cTn id="15" dur="1" fill="hold">
+                                          <p:stCondLst>
+                                            <p:cond delay="0"/>
+                                          </p:stCondLst>
+                                        </p:cTn>
+                                        <p:tgtEl>
+                                          <p:spTgt spid="6"/>
+                                        </p:tgtEl>
+                                        <p:attrNameLst>
+                                          <p:attrName>style.visibility</p:attrName>
+                                        </p:attrNameLst>
+                                      </p:cBhvr>
+                                      <p:to>
+                                        <p:strVal val="visible"/>
+                                      </p:to>
+                                    </p:set>
+                                    <p:anim calcmode="lin" valueType="num">
+                                      <p:cBhvr>
+                                        <p:cTn id="16" dur="500" fill="hold"/>
+                                        <p:tgtEl>
+                                          <p:spTgt spid="6"/>
+                                        </p:tgtEl>
+                                        <p:attrNameLst>
+                                          <p:attrName>ppt_w</p:attrName>
+                                        </p:attrNameLst>
+                                      </p:cBhvr>
+                                      <p:tavLst>
+                                        <p:tav tm="0">
+                                          <p:val>
+                                            <p:fltVal val="0"/>
+                                          </p:val>
+                                        </p:tav>
+                                        <p:tav tm="100000">
+                                          <p:val>
+                                            <p:strVal val="#ppt_w"/>
+                                          </p:val>
+                                        </p:tav>
+                                      </p:tavLst>
+                                    </p:anim>
+                                    <p:anim calcmode="lin" valueType="num">
+                                      <p:cBhvr>
+                                        <p:cTn id="17" dur="500" fill="hold"/>
+                                        <p:tgtEl>
+                                          <p:spTgt spid="6"/>
+                                        </p:tgtEl>
+                                        <p:attrNameLst>
+                                          <p:attrName>ppt_h</p:attrName>
+                                        </p:attrNameLst>
+                                      </p:cBhvr>
+                                      <p:tavLst>
+                                        <p:tav tm="0">
+                                          <p:val>
+                                            <p:fltVal val="0"/>
+                                          </p:val>
+                                        </p:tav>
+                                        <p:tav tm="100000">
+                                          <p:val>
+                                            <p:strVal val="#ppt_h"/>
+                                          </p:val>
+                                        </p:tav>
+                                      </p:tavLst>
+                                    </p:anim>
+                                    <p:animEffect transition="in" filter="fade">
+                                      <p:cBhvr>
+                                        <p:cTn id="18" dur="500"/>
+                                        <p:tgtEl>
+                                          <p:spTgt spid="6"/>
+                                        </p:tgtEl>
+                                      </p:cBhvr>
+                                    </p:animEffect>
+                                  </p:childTnLst>
+                                </p:cTn>
+                              </p:par>
+                            </p:childTnLst>
+                          </p:cTn>
+                        </p:par>
+                      </p:childTnLst>
+                    </p:cTn>
+                  </p:par>
+                  <p:par>
+                    <p:cTn id="19" fill="hold">
+                      <p:stCondLst>
+                        <p:cond delay="indefinite"/>
+                      </p:stCondLst>
+                      <p:childTnLst>
+                        <p:par>
+                          <p:cTn id="20" fill="hold">
+                            <p:stCondLst>
+                              <p:cond delay="0"/>
+                            </p:stCondLst>
+                            <p:childTnLst>
+                              <p:par>
+                                <p:cTn id="21" presetID="53" presetClass="entr" presetSubtype="16" fill="hold" nodeType="clickEffect">
+                                  <p:stCondLst>
+                                    <p:cond delay="0"/>
+                                  </p:stCondLst>
+                                  <p:childTnLst>
+                                    <p:set>
+                                      <p:cBhvr>
+                                        <p:cTn id="22" dur="1" fill="hold">
+                                          <p:stCondLst>
+                                            <p:cond delay="0"/>
+                                          </p:stCondLst>
+                                        </p:cTn>
+                                        <p:tgtEl>
+                                          <p:spTgt spid="8"/>
+                                        </p:tgtEl>
+                                        <p:attrNameLst>
+                                          <p:attrName>style.visibility</p:attrName>
+                                        </p:attrNameLst>
+                                      </p:cBhvr>
+                                      <p:to>
+                                        <p:strVal val="visible"/>
+                                      </p:to>
+                                    </p:set>
+                                    <p:anim calcmode="lin" valueType="num">
+                                      <p:cBhvr>
+                                        <p:cTn id="23" dur="500" fill="hold"/>
+                                        <p:tgtEl>
+                                          <p:spTgt spid="8"/>
+                                        </p:tgtEl>
+                                        <p:attrNameLst>
+                                          <p:attrName>ppt_w</p:attrName>
+                                        </p:attrNameLst>
+                                      </p:cBhvr>
+                                      <p:tavLst>
+                                        <p:tav tm="0">
+                                          <p:val>
+                                            <p:fltVal val="0"/>
+                                          </p:val>
+                                        </p:tav>
+                                        <p:tav tm="100000">
+                                          <p:val>
+                                            <p:strVal val="#ppt_w"/>
+                                          </p:val>
+                                        </p:tav>
+                                      </p:tavLst>
+                                    </p:anim>
+                                    <p:anim calcmode="lin" valueType="num">
+                                      <p:cBhvr>
+                                        <p:cTn id="24" dur="500" fill="hold"/>
+                                        <p:tgtEl>
+                                          <p:spTgt spid="8"/>
+                                        </p:tgtEl>
+                                        <p:attrNameLst>
+                                          <p:attrName>ppt_h</p:attrName>
+                                        </p:attrNameLst>
+                                      </p:cBhvr>
+                                      <p:tavLst>
+                                        <p:tav tm="0">
+                                          <p:val>
+                                            <p:fltVal val="0"/>
+                                          </p:val>
+                                        </p:tav>
+                                        <p:tav tm="100000">
+                                          <p:val>
+                                            <p:strVal val="#ppt_h"/>
+                                          </p:val>
+                                        </p:tav>
+                                      </p:tavLst>
+                                    </p:anim>
+                                    <p:animEffect transition="in" filter="fade">
+                                      <p:cBhvr>
+                                        <p:cTn id="25" dur="500"/>
+                                        <p:tgtEl>
+                                          <p:spTgt spid="8"/>
+                                        </p:tgtEl>
+                                      </p:cBhvr>
+                                    </p:animEffect>
+                                  </p:childTnLst>
+                                </p:cTn>
+                              </p:par>
+                            </p:childTnLst>
+                          </p:cTn>
+                        </p:par>
+                      </p:childTnLst>
+                    </p:cTn>
+                  </p:par>
+                </p:childTnLst>
+              </p:cTn>
+              <p:prevCondLst>
+                <p:cond evt="onPrev" delay="0">
+                  <p:tgtEl>
+                    <p:sldTgt/>
+                  </p:tgtEl>
+                </p:cond>
+              </p:prevCondLst>
+              <p:nextCondLst>
+                <p:cond evt="onNext" delay="0">
+                  <p:tgtEl>
+                    <p:sldTgt/>
+                  </p:tgtEl>
+                </p:cond>
+              </p:nextCondLst>
+            </p:seq>
+          </p:childTnLst>
+        </p:cTn>
+      </p:par>
+    </p:tnLst>
+    <p:bldLst>
+      <p:bldP spid="4" grpId="0"/>
+    </p:bldLst>
+  </p:timing>
+</p:sld>
+</file>
+
+<file path=ppt/slides/slide14.xml><?xml version="1.0" encoding="utf-8"?>
+<p:sld xmlns:a="http://schemas.openxmlformats.org/drawingml/2006/main" xmlns:r="http://schemas.openxmlformats.org/officeDocument/2006/relationships" xmlns:p="http://schemas.openxmlformats.org/presentationml/2006/main">
+  <p:cSld>
+    <p:spTree>
+      <p:nvGrpSpPr>
+        <p:cNvPr id="1" name=""/>
+        <p:cNvGrpSpPr/>
+        <p:nvPr/>
+      </p:nvGrpSpPr>
+      <p:grpSpPr>
+        <a:xfrm>
+          <a:off x="0" y="0"/>
+          <a:ext cx="0" cy="0"/>
+          <a:chOff x="0" y="0"/>
+          <a:chExt cx="0" cy="0"/>
+        </a:xfrm>
+      </p:grpSpPr>
+      <p:sp>
+        <p:nvSpPr>
+          <p:cNvPr id="2" name="標題 1">
+            <a:extLst>
+              <a:ext uri="{FF2B5EF4-FFF2-40B4-BE49-F238E27FC236}">
                 <a16:creationId xmlns:a16="http://schemas.microsoft.com/office/drawing/2014/main" id="{2547C986-049C-41FC-A0D1-5E7895C02A18}"/>
               </a:ext>
             </a:extLst>
@@ -9673,13 +10455,13 @@
   <p:clrMapOvr>
     <a:masterClrMapping/>
   </p:clrMapOvr>
-  <mc:AlternateContent xmlns:mc="http://schemas.openxmlformats.org/markup-compatibility/2006">
-    <mc:Choice xmlns:p159="http://schemas.microsoft.com/office/powerpoint/2015/09/main" Requires="p159">
+  <mc:AlternateContent xmlns:mc="http://schemas.openxmlformats.org/markup-compatibility/2006" xmlns:p159="http://schemas.microsoft.com/office/powerpoint/2015/09/main">
+    <mc:Choice Requires="p159">
       <p:transition spd="slow">
         <p159:morph option="byChar"/>
       </p:transition>
     </mc:Choice>
-    <mc:Fallback>
+    <mc:Fallback xmlns="">
       <p:transition spd="slow">
         <p:fade/>
       </p:transition>
@@ -9688,7 +10470,7 @@
 </p:sld>
 </file>
 
-<file path=ppt/slides/slide14.xml><?xml version="1.0" encoding="utf-8"?>
+<file path=ppt/slides/slide15.xml><?xml version="1.0" encoding="utf-8"?>
 <p:sld xmlns:a="http://schemas.openxmlformats.org/drawingml/2006/main" xmlns:r="http://schemas.openxmlformats.org/officeDocument/2006/relationships" xmlns:p="http://schemas.openxmlformats.org/presentationml/2006/main">
   <p:cSld>
     <p:spTree>
@@ -10125,13 +10907,13 @@
   <p:clrMapOvr>
     <a:masterClrMapping/>
   </p:clrMapOvr>
-  <mc:AlternateContent xmlns:mc="http://schemas.openxmlformats.org/markup-compatibility/2006">
-    <mc:Choice xmlns:p159="http://schemas.microsoft.com/office/powerpoint/2015/09/main" Requires="p159">
+  <mc:AlternateContent xmlns:mc="http://schemas.openxmlformats.org/markup-compatibility/2006" xmlns:p159="http://schemas.microsoft.com/office/powerpoint/2015/09/main">
+    <mc:Choice Requires="p159">
       <p:transition spd="slow">
         <p159:morph option="byChar"/>
       </p:transition>
     </mc:Choice>
-    <mc:Fallback>
+    <mc:Fallback xmlns="">
       <p:transition spd="slow">
         <p:fade/>
       </p:transition>
@@ -10272,7 +11054,7 @@
 </p:sld>
 </file>
 
-<file path=ppt/slides/slide15.xml><?xml version="1.0" encoding="utf-8"?>
+<file path=ppt/slides/slide16.xml><?xml version="1.0" encoding="utf-8"?>
 <p:sld xmlns:a="http://schemas.openxmlformats.org/drawingml/2006/main" xmlns:r="http://schemas.openxmlformats.org/officeDocument/2006/relationships" xmlns:p="http://schemas.openxmlformats.org/presentationml/2006/main">
   <p:cSld>
     <p:spTree>
@@ -10611,13 +11393,13 @@
   <p:clrMapOvr>
     <a:masterClrMapping/>
   </p:clrMapOvr>
-  <mc:AlternateContent xmlns:mc="http://schemas.openxmlformats.org/markup-compatibility/2006">
-    <mc:Choice xmlns:p159="http://schemas.microsoft.com/office/powerpoint/2015/09/main" Requires="p159">
+  <mc:AlternateContent xmlns:mc="http://schemas.openxmlformats.org/markup-compatibility/2006" xmlns:p159="http://schemas.microsoft.com/office/powerpoint/2015/09/main">
+    <mc:Choice Requires="p159">
       <p:transition spd="slow">
         <p159:morph option="byChar"/>
       </p:transition>
     </mc:Choice>
-    <mc:Fallback>
+    <mc:Fallback xmlns="">
       <p:transition spd="slow">
         <p:fade/>
       </p:transition>
@@ -10626,7 +11408,7 @@
 </p:sld>
 </file>
 
-<file path=ppt/slides/slide16.xml><?xml version="1.0" encoding="utf-8"?>
+<file path=ppt/slides/slide17.xml><?xml version="1.0" encoding="utf-8"?>
 <p:sld xmlns:a="http://schemas.openxmlformats.org/drawingml/2006/main" xmlns:r="http://schemas.openxmlformats.org/officeDocument/2006/relationships" xmlns:p="http://schemas.openxmlformats.org/presentationml/2006/main">
   <p:cSld>
     <p:spTree>
@@ -10762,13 +11544,13 @@
   <p:clrMapOvr>
     <a:masterClrMapping/>
   </p:clrMapOvr>
-  <mc:AlternateContent xmlns:mc="http://schemas.openxmlformats.org/markup-compatibility/2006">
-    <mc:Choice xmlns:p159="http://schemas.microsoft.com/office/powerpoint/2015/09/main" Requires="p159">
+  <mc:AlternateContent xmlns:mc="http://schemas.openxmlformats.org/markup-compatibility/2006" xmlns:p159="http://schemas.microsoft.com/office/powerpoint/2015/09/main">
+    <mc:Choice Requires="p159">
       <p:transition spd="slow">
         <p159:morph option="byChar"/>
       </p:transition>
     </mc:Choice>
-    <mc:Fallback>
+    <mc:Fallback xmlns="">
       <p:transition spd="slow">
         <p:fade/>
       </p:transition>
@@ -10990,7 +11772,7 @@
 </p:sld>
 </file>
 
-<file path=ppt/slides/slide17.xml><?xml version="1.0" encoding="utf-8"?>
+<file path=ppt/slides/slide18.xml><?xml version="1.0" encoding="utf-8"?>
 <p:sld xmlns:a="http://schemas.openxmlformats.org/drawingml/2006/main" xmlns:r="http://schemas.openxmlformats.org/officeDocument/2006/relationships" xmlns:p="http://schemas.openxmlformats.org/presentationml/2006/main">
   <p:cSld>
     <p:spTree>
@@ -11250,13 +12032,13 @@
   <p:clrMapOvr>
     <a:masterClrMapping/>
   </p:clrMapOvr>
-  <mc:AlternateContent xmlns:mc="http://schemas.openxmlformats.org/markup-compatibility/2006">
-    <mc:Choice xmlns:p159="http://schemas.microsoft.com/office/powerpoint/2015/09/main" Requires="p159">
+  <mc:AlternateContent xmlns:mc="http://schemas.openxmlformats.org/markup-compatibility/2006" xmlns:p159="http://schemas.microsoft.com/office/powerpoint/2015/09/main">
+    <mc:Choice Requires="p159">
       <p:transition spd="slow">
         <p159:morph option="byChar"/>
       </p:transition>
     </mc:Choice>
-    <mc:Fallback>
+    <mc:Fallback xmlns="">
       <p:transition spd="slow">
         <p:fade/>
       </p:transition>
@@ -11265,7 +12047,7 @@
 </p:sld>
 </file>
 
-<file path=ppt/slides/slide18.xml><?xml version="1.0" encoding="utf-8"?>
+<file path=ppt/slides/slide19.xml><?xml version="1.0" encoding="utf-8"?>
 <p:sld xmlns:a="http://schemas.openxmlformats.org/drawingml/2006/main" xmlns:r="http://schemas.openxmlformats.org/officeDocument/2006/relationships" xmlns:p="http://schemas.openxmlformats.org/presentationml/2006/main">
   <p:cSld>
     <p:spTree>
@@ -11926,13 +12708,13 @@
   <p:clrMapOvr>
     <a:masterClrMapping/>
   </p:clrMapOvr>
-  <mc:AlternateContent xmlns:mc="http://schemas.openxmlformats.org/markup-compatibility/2006">
-    <mc:Choice xmlns:p159="http://schemas.microsoft.com/office/powerpoint/2015/09/main" Requires="p159">
+  <mc:AlternateContent xmlns:mc="http://schemas.openxmlformats.org/markup-compatibility/2006" xmlns:p159="http://schemas.microsoft.com/office/powerpoint/2015/09/main">
+    <mc:Choice Requires="p159">
       <p:transition spd="slow">
         <p159:morph option="byChar"/>
       </p:transition>
     </mc:Choice>
-    <mc:Fallback>
+    <mc:Fallback xmlns="">
       <p:transition spd="slow">
         <p:fade/>
       </p:transition>
@@ -12291,412 +13073,6 @@
 </p:sld>
 </file>
 
-<file path=ppt/slides/slide19.xml><?xml version="1.0" encoding="utf-8"?>
-<p:sld xmlns:a="http://schemas.openxmlformats.org/drawingml/2006/main" xmlns:r="http://schemas.openxmlformats.org/officeDocument/2006/relationships" xmlns:p="http://schemas.openxmlformats.org/presentationml/2006/main">
-  <p:cSld>
-    <p:spTree>
-      <p:nvGrpSpPr>
-        <p:cNvPr id="1" name=""/>
-        <p:cNvGrpSpPr/>
-        <p:nvPr/>
-      </p:nvGrpSpPr>
-      <p:grpSpPr>
-        <a:xfrm>
-          <a:off x="0" y="0"/>
-          <a:ext cx="0" cy="0"/>
-          <a:chOff x="0" y="0"/>
-          <a:chExt cx="0" cy="0"/>
-        </a:xfrm>
-      </p:grpSpPr>
-      <p:sp>
-        <p:nvSpPr>
-          <p:cNvPr id="2" name="標題 1">
-            <a:extLst>
-              <a:ext uri="{FF2B5EF4-FFF2-40B4-BE49-F238E27FC236}">
-                <a16:creationId xmlns:a16="http://schemas.microsoft.com/office/drawing/2014/main" id="{86A417EE-BD65-4C07-AA4D-FA2B143C912D}"/>
-              </a:ext>
-            </a:extLst>
-          </p:cNvPr>
-          <p:cNvSpPr>
-            <a:spLocks noGrp="1"/>
-          </p:cNvSpPr>
-          <p:nvPr>
-            <p:ph type="title"/>
-          </p:nvPr>
-        </p:nvSpPr>
-        <p:spPr/>
-        <p:txBody>
-          <a:bodyPr/>
-          <a:lstStyle/>
-          <a:p>
-            <a:r>
-              <a:rPr lang="zh-TW" altLang="en-US" cap="none" dirty="0">
-                <a:latin typeface="STHeiti TC" panose="02000000000000000000" pitchFamily="2" charset="-120"/>
-                <a:ea typeface="STHeiti TC" panose="02000000000000000000" pitchFamily="2" charset="-120"/>
-              </a:rPr>
-              <a:t>陣列</a:t>
-            </a:r>
-            <a:r>
-              <a:rPr lang="en-US" altLang="zh-TW" cap="none" dirty="0">
-                <a:latin typeface="Consolas" panose="020B0609020204030204" pitchFamily="49" charset="0"/>
-              </a:rPr>
-              <a:t> – </a:t>
-            </a:r>
-            <a:r>
-              <a:rPr lang="zh-TW" altLang="en-US" cap="none" dirty="0">
-                <a:latin typeface="STHeiti TC" panose="02000000000000000000" pitchFamily="2" charset="-120"/>
-                <a:ea typeface="STHeiti TC" panose="02000000000000000000" pitchFamily="2" charset="-120"/>
-              </a:rPr>
-              <a:t>操作</a:t>
-            </a:r>
-          </a:p>
-        </p:txBody>
-      </p:sp>
-      <p:sp>
-        <p:nvSpPr>
-          <p:cNvPr id="3" name="內容版面配置區 2">
-            <a:extLst>
-              <a:ext uri="{FF2B5EF4-FFF2-40B4-BE49-F238E27FC236}">
-                <a16:creationId xmlns:a16="http://schemas.microsoft.com/office/drawing/2014/main" id="{5C81EC29-B3DF-4D67-BD52-51AA3594F8E8}"/>
-              </a:ext>
-            </a:extLst>
-          </p:cNvPr>
-          <p:cNvSpPr>
-            <a:spLocks noGrp="1"/>
-          </p:cNvSpPr>
-          <p:nvPr>
-            <p:ph idx="1"/>
-          </p:nvPr>
-        </p:nvSpPr>
-        <p:spPr>
-          <a:xfrm>
-            <a:off x="1141413" y="2871538"/>
-            <a:ext cx="9905998" cy="2943726"/>
-          </a:xfrm>
-        </p:spPr>
-        <p:txBody>
-          <a:bodyPr>
-            <a:noAutofit/>
-          </a:bodyPr>
-          <a:lstStyle/>
-          <a:p>
-            <a:pPr marL="0" indent="0">
-              <a:buNone/>
-            </a:pPr>
-            <a:r>
-              <a:rPr lang="zh-TW" altLang="en-US" cap="none" dirty="0">
-                <a:latin typeface="STHeiti TC" panose="02000000000000000000" pitchFamily="2" charset="-120"/>
-                <a:ea typeface="STHeiti TC" panose="02000000000000000000" pitchFamily="2" charset="-120"/>
-              </a:rPr>
-              <a:t>用</a:t>
-            </a:r>
-            <a:r>
-              <a:rPr lang="zh-TW" altLang="en-US" cap="none" dirty="0">
-                <a:latin typeface="Consolas" panose="020B0609020204030204" pitchFamily="49" charset="0"/>
-              </a:rPr>
-              <a:t> </a:t>
-            </a:r>
-            <a:r>
-              <a:rPr lang="en-US" altLang="zh-TW" b="1" cap="none" dirty="0">
-                <a:solidFill>
-                  <a:srgbClr val="FFFF00"/>
-                </a:solidFill>
-                <a:latin typeface="Consolas" panose="020B0609020204030204" pitchFamily="49" charset="0"/>
-              </a:rPr>
-              <a:t>[]</a:t>
-            </a:r>
-            <a:r>
-              <a:rPr lang="en-US" altLang="zh-TW" cap="none" dirty="0">
-                <a:latin typeface="Consolas" panose="020B0609020204030204" pitchFamily="49" charset="0"/>
-              </a:rPr>
-              <a:t> </a:t>
-            </a:r>
-            <a:r>
-              <a:rPr lang="zh-TW" altLang="en-US" cap="none" dirty="0">
-                <a:latin typeface="STHeiti TC" panose="02000000000000000000" pitchFamily="2" charset="-120"/>
-                <a:ea typeface="STHeiti TC" panose="02000000000000000000" pitchFamily="2" charset="-120"/>
-              </a:rPr>
-              <a:t>去獲取陣列中的特定元素</a:t>
-            </a:r>
-            <a:endParaRPr lang="en-US" altLang="zh-TW" cap="none" dirty="0">
-              <a:latin typeface="STHeiti TC" panose="02000000000000000000" pitchFamily="2" charset="-120"/>
-              <a:ea typeface="STHeiti TC" panose="02000000000000000000" pitchFamily="2" charset="-120"/>
-            </a:endParaRPr>
-          </a:p>
-          <a:p>
-            <a:pPr marL="0" indent="0">
-              <a:buNone/>
-            </a:pPr>
-            <a:endParaRPr lang="en-US" altLang="zh-TW" sz="1000" cap="none" dirty="0">
-              <a:latin typeface="STHeiti TC" panose="02000000000000000000" pitchFamily="2" charset="-120"/>
-              <a:ea typeface="STHeiti TC" panose="02000000000000000000" pitchFamily="2" charset="-120"/>
-            </a:endParaRPr>
-          </a:p>
-          <a:p>
-            <a:pPr marL="0" indent="0">
-              <a:buNone/>
-            </a:pPr>
-            <a:r>
-              <a:rPr lang="en-US" altLang="zh-TW" b="1" cap="none" dirty="0">
-                <a:solidFill>
-                  <a:srgbClr val="FFFF00"/>
-                </a:solidFill>
-                <a:latin typeface="Consolas" panose="020B0609020204030204" pitchFamily="49" charset="0"/>
-              </a:rPr>
-              <a:t>name[index] </a:t>
-            </a:r>
-            <a:r>
-              <a:rPr lang="zh-TW" altLang="en-US" cap="none" dirty="0">
-                <a:latin typeface="STHeiti TC" panose="02000000000000000000" pitchFamily="2" charset="-120"/>
-                <a:ea typeface="STHeiti TC" panose="02000000000000000000" pitchFamily="2" charset="-120"/>
-              </a:rPr>
-              <a:t>代表在一個</a:t>
-            </a:r>
-            <a:r>
-              <a:rPr lang="zh-TW" altLang="en-US" cap="none" dirty="0">
-                <a:solidFill>
-                  <a:srgbClr val="FFFF00"/>
-                </a:solidFill>
-                <a:latin typeface="STHeiti TC" panose="02000000000000000000" pitchFamily="2" charset="-120"/>
-                <a:ea typeface="STHeiti TC" panose="02000000000000000000" pitchFamily="2" charset="-120"/>
-              </a:rPr>
-              <a:t>叫做</a:t>
-            </a:r>
-            <a:r>
-              <a:rPr lang="zh-TW" altLang="en-US" cap="none" dirty="0">
-                <a:solidFill>
-                  <a:srgbClr val="FFFF00"/>
-                </a:solidFill>
-                <a:latin typeface="Consolas" panose="020B0609020204030204" pitchFamily="49" charset="0"/>
-              </a:rPr>
-              <a:t> </a:t>
-            </a:r>
-            <a:r>
-              <a:rPr lang="en-US" altLang="zh-TW" cap="none" dirty="0">
-                <a:solidFill>
-                  <a:srgbClr val="FFFF00"/>
-                </a:solidFill>
-                <a:latin typeface="Consolas" panose="020B0609020204030204" pitchFamily="49" charset="0"/>
-              </a:rPr>
-              <a:t>name</a:t>
-            </a:r>
-            <a:r>
-              <a:rPr lang="zh-TW" altLang="en-US" cap="none" dirty="0">
-                <a:solidFill>
-                  <a:srgbClr val="FFFF00"/>
-                </a:solidFill>
-                <a:latin typeface="Consolas" panose="020B0609020204030204" pitchFamily="49" charset="0"/>
-              </a:rPr>
-              <a:t> </a:t>
-            </a:r>
-            <a:r>
-              <a:rPr lang="zh-TW" altLang="en-US" cap="none" dirty="0">
-                <a:solidFill>
-                  <a:srgbClr val="FFFF00"/>
-                </a:solidFill>
-                <a:latin typeface="STHeiti TC" panose="02000000000000000000" pitchFamily="2" charset="-120"/>
-                <a:ea typeface="STHeiti TC" panose="02000000000000000000" pitchFamily="2" charset="-120"/>
-              </a:rPr>
-              <a:t>的</a:t>
-            </a:r>
-            <a:r>
-              <a:rPr lang="zh-TW" altLang="en-US" cap="none" dirty="0">
-                <a:solidFill>
-                  <a:srgbClr val="FFFF00"/>
-                </a:solidFill>
-                <a:latin typeface="Consolas" panose="020B0609020204030204" pitchFamily="49" charset="0"/>
-              </a:rPr>
-              <a:t> </a:t>
-            </a:r>
-            <a:r>
-              <a:rPr lang="en-US" altLang="zh-TW" cap="none" dirty="0">
-                <a:solidFill>
-                  <a:srgbClr val="FFFF00"/>
-                </a:solidFill>
-                <a:latin typeface="Consolas" panose="020B0609020204030204" pitchFamily="49" charset="0"/>
-              </a:rPr>
-              <a:t>array</a:t>
-            </a:r>
-            <a:r>
-              <a:rPr lang="zh-TW" altLang="en-US" cap="none" dirty="0">
-                <a:solidFill>
-                  <a:srgbClr val="FFFF00"/>
-                </a:solidFill>
-                <a:latin typeface="Consolas" panose="020B0609020204030204" pitchFamily="49" charset="0"/>
-              </a:rPr>
-              <a:t> </a:t>
-            </a:r>
-            <a:r>
-              <a:rPr lang="zh-TW" altLang="en-US" cap="none" dirty="0">
-                <a:latin typeface="STHeiti TC" panose="02000000000000000000" pitchFamily="2" charset="-120"/>
-                <a:ea typeface="STHeiti TC" panose="02000000000000000000" pitchFamily="2" charset="-120"/>
-              </a:rPr>
-              <a:t>裡面的</a:t>
-            </a:r>
-            <a:r>
-              <a:rPr lang="zh-TW" altLang="en-US" cap="none" dirty="0">
-                <a:solidFill>
-                  <a:srgbClr val="FFFF00"/>
-                </a:solidFill>
-                <a:latin typeface="STHeiti TC" panose="02000000000000000000" pitchFamily="2" charset="-120"/>
-                <a:ea typeface="STHeiti TC" panose="02000000000000000000" pitchFamily="2" charset="-120"/>
-              </a:rPr>
-              <a:t>第</a:t>
-            </a:r>
-            <a:r>
-              <a:rPr lang="zh-TW" altLang="en-US" cap="none" dirty="0">
-                <a:solidFill>
-                  <a:srgbClr val="FFFF00"/>
-                </a:solidFill>
-                <a:latin typeface="Consolas" panose="020B0609020204030204" pitchFamily="49" charset="0"/>
-              </a:rPr>
-              <a:t> </a:t>
-            </a:r>
-            <a:r>
-              <a:rPr lang="en-US" altLang="zh-TW" cap="none" dirty="0">
-                <a:solidFill>
-                  <a:srgbClr val="FFFF00"/>
-                </a:solidFill>
-                <a:latin typeface="Consolas" panose="020B0609020204030204" pitchFamily="49" charset="0"/>
-              </a:rPr>
-              <a:t>index</a:t>
-            </a:r>
-            <a:r>
-              <a:rPr lang="zh-TW" altLang="en-US" cap="none" dirty="0">
-                <a:solidFill>
-                  <a:srgbClr val="FFFF00"/>
-                </a:solidFill>
-                <a:latin typeface="Consolas" panose="020B0609020204030204" pitchFamily="49" charset="0"/>
-              </a:rPr>
-              <a:t> </a:t>
-            </a:r>
-            <a:r>
-              <a:rPr lang="zh-TW" altLang="en-US" cap="none" dirty="0">
-                <a:solidFill>
-                  <a:srgbClr val="FFFF00"/>
-                </a:solidFill>
-                <a:latin typeface="STHeiti TC" panose="02000000000000000000" pitchFamily="2" charset="-120"/>
-                <a:ea typeface="STHeiti TC" panose="02000000000000000000" pitchFamily="2" charset="-120"/>
-              </a:rPr>
-              <a:t>個元素</a:t>
-            </a:r>
-            <a:endParaRPr lang="en-US" altLang="zh-TW" cap="none" dirty="0">
-              <a:solidFill>
-                <a:srgbClr val="FFFF00"/>
-              </a:solidFill>
-              <a:latin typeface="STHeiti TC" panose="02000000000000000000" pitchFamily="2" charset="-120"/>
-              <a:ea typeface="STHeiti TC" panose="02000000000000000000" pitchFamily="2" charset="-120"/>
-            </a:endParaRPr>
-          </a:p>
-          <a:p>
-            <a:pPr marL="0" indent="0">
-              <a:buNone/>
-            </a:pPr>
-            <a:endParaRPr lang="en-US" altLang="zh-TW" cap="none" dirty="0">
-              <a:latin typeface="STHeiti TC" panose="02000000000000000000" pitchFamily="2" charset="-120"/>
-              <a:ea typeface="STHeiti TC" panose="02000000000000000000" pitchFamily="2" charset="-120"/>
-            </a:endParaRPr>
-          </a:p>
-          <a:p>
-            <a:pPr marL="0" indent="0">
-              <a:buNone/>
-            </a:pPr>
-            <a:r>
-              <a:rPr lang="zh-TW" altLang="en-US" cap="none" dirty="0">
-                <a:latin typeface="STHeiti TC" panose="02000000000000000000" pitchFamily="2" charset="-120"/>
-                <a:ea typeface="STHeiti TC" panose="02000000000000000000" pitchFamily="2" charset="-120"/>
-              </a:rPr>
-              <a:t>這些元素的操作就跟變數一樣，可以使用</a:t>
-            </a:r>
-            <a:r>
-              <a:rPr lang="en-US" altLang="zh-TW" cap="none" dirty="0">
-                <a:latin typeface="Consolas" panose="020B0609020204030204" pitchFamily="49" charset="0"/>
-              </a:rPr>
-              <a:t> +, -, *, /, %, &amp;, |, ^.</a:t>
-            </a:r>
-          </a:p>
-          <a:p>
-            <a:pPr marL="0" indent="0">
-              <a:buNone/>
-            </a:pPr>
-            <a:endParaRPr lang="en-US" altLang="zh-TW" cap="none" dirty="0">
-              <a:latin typeface="Consolas" panose="020B0609020204030204" pitchFamily="49" charset="0"/>
-            </a:endParaRPr>
-          </a:p>
-          <a:p>
-            <a:pPr marL="0" indent="0">
-              <a:buNone/>
-            </a:pPr>
-            <a:r>
-              <a:rPr lang="zh-TW" altLang="en-US" cap="none" dirty="0">
-                <a:solidFill>
-                  <a:srgbClr val="FFFF00"/>
-                </a:solidFill>
-                <a:latin typeface="STHeiti TC" panose="02000000000000000000" pitchFamily="2" charset="-120"/>
-                <a:ea typeface="STHeiti TC" panose="02000000000000000000" pitchFamily="2" charset="-120"/>
-              </a:rPr>
-              <a:t>可以搭配</a:t>
-            </a:r>
-            <a:r>
-              <a:rPr lang="zh-TW" altLang="en-US" cap="none" dirty="0">
-                <a:solidFill>
-                  <a:srgbClr val="FFFF00"/>
-                </a:solidFill>
-                <a:latin typeface="Consolas" panose="020B0609020204030204" pitchFamily="49" charset="0"/>
-              </a:rPr>
-              <a:t> </a:t>
-            </a:r>
-            <a:r>
-              <a:rPr lang="en-US" altLang="zh-TW" cap="none" dirty="0">
-                <a:solidFill>
-                  <a:srgbClr val="FFFF00"/>
-                </a:solidFill>
-                <a:latin typeface="Consolas" panose="020B0609020204030204" pitchFamily="49" charset="0"/>
-              </a:rPr>
-              <a:t>for </a:t>
-            </a:r>
-            <a:r>
-              <a:rPr lang="zh-TW" altLang="en-US" cap="none" dirty="0">
-                <a:solidFill>
-                  <a:srgbClr val="FFFF00"/>
-                </a:solidFill>
-                <a:latin typeface="STHeiti TC" panose="02000000000000000000" pitchFamily="2" charset="-120"/>
-                <a:ea typeface="STHeiti TC" panose="02000000000000000000" pitchFamily="2" charset="-120"/>
-              </a:rPr>
-              <a:t>迴圈去使用陣列</a:t>
-            </a:r>
-            <a:endParaRPr lang="en-US" altLang="zh-TW" cap="none" dirty="0">
-              <a:latin typeface="STHeiti TC" panose="02000000000000000000" pitchFamily="2" charset="-120"/>
-              <a:ea typeface="STHeiti TC" panose="02000000000000000000" pitchFamily="2" charset="-120"/>
-            </a:endParaRPr>
-          </a:p>
-        </p:txBody>
-      </p:sp>
-    </p:spTree>
-    <p:extLst>
-      <p:ext uri="{BB962C8B-B14F-4D97-AF65-F5344CB8AC3E}">
-        <p14:creationId xmlns:p14="http://schemas.microsoft.com/office/powerpoint/2010/main" val="2304028743"/>
-      </p:ext>
-    </p:extLst>
-  </p:cSld>
-  <p:clrMapOvr>
-    <a:masterClrMapping/>
-  </p:clrMapOvr>
-  <mc:AlternateContent xmlns:mc="http://schemas.openxmlformats.org/markup-compatibility/2006">
-    <mc:Choice xmlns:p159="http://schemas.microsoft.com/office/powerpoint/2015/09/main" Requires="p159">
-      <p:transition spd="slow">
-        <p159:morph option="byChar"/>
-      </p:transition>
-    </mc:Choice>
-    <mc:Fallback>
-      <p:transition spd="slow">
-        <p:fade/>
-      </p:transition>
-    </mc:Fallback>
-  </mc:AlternateContent>
-</p:sld>
-</file>
-
 <file path=ppt/slides/slide2.xml><?xml version="1.0" encoding="utf-8"?>
 <p:sld xmlns:a="http://schemas.openxmlformats.org/drawingml/2006/main" xmlns:r="http://schemas.openxmlformats.org/officeDocument/2006/relationships" xmlns:p="http://schemas.openxmlformats.org/presentationml/2006/main">
   <p:cSld>
@@ -12865,13 +13241,13 @@
   <p:clrMapOvr>
     <a:masterClrMapping/>
   </p:clrMapOvr>
-  <mc:AlternateContent xmlns:mc="http://schemas.openxmlformats.org/markup-compatibility/2006">
-    <mc:Choice xmlns:p159="http://schemas.microsoft.com/office/powerpoint/2015/09/main" Requires="p159">
+  <mc:AlternateContent xmlns:mc="http://schemas.openxmlformats.org/markup-compatibility/2006" xmlns:p159="http://schemas.microsoft.com/office/powerpoint/2015/09/main">
+    <mc:Choice Requires="p159">
       <p:transition spd="slow">
         <p159:morph option="byChar"/>
       </p:transition>
     </mc:Choice>
-    <mc:Fallback>
+    <mc:Fallback xmlns="">
       <p:transition spd="slow">
         <p:fade/>
       </p:transition>
@@ -12881,6 +13257,412 @@
 </file>
 
 <file path=ppt/slides/slide20.xml><?xml version="1.0" encoding="utf-8"?>
+<p:sld xmlns:a="http://schemas.openxmlformats.org/drawingml/2006/main" xmlns:r="http://schemas.openxmlformats.org/officeDocument/2006/relationships" xmlns:p="http://schemas.openxmlformats.org/presentationml/2006/main">
+  <p:cSld>
+    <p:spTree>
+      <p:nvGrpSpPr>
+        <p:cNvPr id="1" name=""/>
+        <p:cNvGrpSpPr/>
+        <p:nvPr/>
+      </p:nvGrpSpPr>
+      <p:grpSpPr>
+        <a:xfrm>
+          <a:off x="0" y="0"/>
+          <a:ext cx="0" cy="0"/>
+          <a:chOff x="0" y="0"/>
+          <a:chExt cx="0" cy="0"/>
+        </a:xfrm>
+      </p:grpSpPr>
+      <p:sp>
+        <p:nvSpPr>
+          <p:cNvPr id="2" name="標題 1">
+            <a:extLst>
+              <a:ext uri="{FF2B5EF4-FFF2-40B4-BE49-F238E27FC236}">
+                <a16:creationId xmlns:a16="http://schemas.microsoft.com/office/drawing/2014/main" id="{86A417EE-BD65-4C07-AA4D-FA2B143C912D}"/>
+              </a:ext>
+            </a:extLst>
+          </p:cNvPr>
+          <p:cNvSpPr>
+            <a:spLocks noGrp="1"/>
+          </p:cNvSpPr>
+          <p:nvPr>
+            <p:ph type="title"/>
+          </p:nvPr>
+        </p:nvSpPr>
+        <p:spPr/>
+        <p:txBody>
+          <a:bodyPr/>
+          <a:lstStyle/>
+          <a:p>
+            <a:r>
+              <a:rPr lang="zh-TW" altLang="en-US" cap="none" dirty="0">
+                <a:latin typeface="STHeiti TC" panose="02000000000000000000" pitchFamily="2" charset="-120"/>
+                <a:ea typeface="STHeiti TC" panose="02000000000000000000" pitchFamily="2" charset="-120"/>
+              </a:rPr>
+              <a:t>陣列</a:t>
+            </a:r>
+            <a:r>
+              <a:rPr lang="en-US" altLang="zh-TW" cap="none" dirty="0">
+                <a:latin typeface="Consolas" panose="020B0609020204030204" pitchFamily="49" charset="0"/>
+              </a:rPr>
+              <a:t> – </a:t>
+            </a:r>
+            <a:r>
+              <a:rPr lang="zh-TW" altLang="en-US" cap="none" dirty="0">
+                <a:latin typeface="STHeiti TC" panose="02000000000000000000" pitchFamily="2" charset="-120"/>
+                <a:ea typeface="STHeiti TC" panose="02000000000000000000" pitchFamily="2" charset="-120"/>
+              </a:rPr>
+              <a:t>操作</a:t>
+            </a:r>
+          </a:p>
+        </p:txBody>
+      </p:sp>
+      <p:sp>
+        <p:nvSpPr>
+          <p:cNvPr id="3" name="內容版面配置區 2">
+            <a:extLst>
+              <a:ext uri="{FF2B5EF4-FFF2-40B4-BE49-F238E27FC236}">
+                <a16:creationId xmlns:a16="http://schemas.microsoft.com/office/drawing/2014/main" id="{5C81EC29-B3DF-4D67-BD52-51AA3594F8E8}"/>
+              </a:ext>
+            </a:extLst>
+          </p:cNvPr>
+          <p:cNvSpPr>
+            <a:spLocks noGrp="1"/>
+          </p:cNvSpPr>
+          <p:nvPr>
+            <p:ph idx="1"/>
+          </p:nvPr>
+        </p:nvSpPr>
+        <p:spPr>
+          <a:xfrm>
+            <a:off x="1141413" y="2871538"/>
+            <a:ext cx="9905998" cy="2943726"/>
+          </a:xfrm>
+        </p:spPr>
+        <p:txBody>
+          <a:bodyPr>
+            <a:noAutofit/>
+          </a:bodyPr>
+          <a:lstStyle/>
+          <a:p>
+            <a:pPr marL="0" indent="0">
+              <a:buNone/>
+            </a:pPr>
+            <a:r>
+              <a:rPr lang="zh-TW" altLang="en-US" cap="none" dirty="0">
+                <a:latin typeface="STHeiti TC" panose="02000000000000000000" pitchFamily="2" charset="-120"/>
+                <a:ea typeface="STHeiti TC" panose="02000000000000000000" pitchFamily="2" charset="-120"/>
+              </a:rPr>
+              <a:t>用</a:t>
+            </a:r>
+            <a:r>
+              <a:rPr lang="zh-TW" altLang="en-US" cap="none" dirty="0">
+                <a:latin typeface="Consolas" panose="020B0609020204030204" pitchFamily="49" charset="0"/>
+              </a:rPr>
+              <a:t> </a:t>
+            </a:r>
+            <a:r>
+              <a:rPr lang="en-US" altLang="zh-TW" b="1" cap="none" dirty="0">
+                <a:solidFill>
+                  <a:srgbClr val="FFFF00"/>
+                </a:solidFill>
+                <a:latin typeface="Consolas" panose="020B0609020204030204" pitchFamily="49" charset="0"/>
+              </a:rPr>
+              <a:t>[]</a:t>
+            </a:r>
+            <a:r>
+              <a:rPr lang="en-US" altLang="zh-TW" cap="none" dirty="0">
+                <a:latin typeface="Consolas" panose="020B0609020204030204" pitchFamily="49" charset="0"/>
+              </a:rPr>
+              <a:t> </a:t>
+            </a:r>
+            <a:r>
+              <a:rPr lang="zh-TW" altLang="en-US" cap="none" dirty="0">
+                <a:latin typeface="STHeiti TC" panose="02000000000000000000" pitchFamily="2" charset="-120"/>
+                <a:ea typeface="STHeiti TC" panose="02000000000000000000" pitchFamily="2" charset="-120"/>
+              </a:rPr>
+              <a:t>去獲取陣列中的特定元素</a:t>
+            </a:r>
+            <a:endParaRPr lang="en-US" altLang="zh-TW" cap="none" dirty="0">
+              <a:latin typeface="STHeiti TC" panose="02000000000000000000" pitchFamily="2" charset="-120"/>
+              <a:ea typeface="STHeiti TC" panose="02000000000000000000" pitchFamily="2" charset="-120"/>
+            </a:endParaRPr>
+          </a:p>
+          <a:p>
+            <a:pPr marL="0" indent="0">
+              <a:buNone/>
+            </a:pPr>
+            <a:endParaRPr lang="en-US" altLang="zh-TW" sz="1000" cap="none" dirty="0">
+              <a:latin typeface="STHeiti TC" panose="02000000000000000000" pitchFamily="2" charset="-120"/>
+              <a:ea typeface="STHeiti TC" panose="02000000000000000000" pitchFamily="2" charset="-120"/>
+            </a:endParaRPr>
+          </a:p>
+          <a:p>
+            <a:pPr marL="0" indent="0">
+              <a:buNone/>
+            </a:pPr>
+            <a:r>
+              <a:rPr lang="en-US" altLang="zh-TW" b="1" cap="none" dirty="0">
+                <a:solidFill>
+                  <a:srgbClr val="FFFF00"/>
+                </a:solidFill>
+                <a:latin typeface="Consolas" panose="020B0609020204030204" pitchFamily="49" charset="0"/>
+              </a:rPr>
+              <a:t>name[index] </a:t>
+            </a:r>
+            <a:r>
+              <a:rPr lang="zh-TW" altLang="en-US" cap="none" dirty="0">
+                <a:latin typeface="STHeiti TC" panose="02000000000000000000" pitchFamily="2" charset="-120"/>
+                <a:ea typeface="STHeiti TC" panose="02000000000000000000" pitchFamily="2" charset="-120"/>
+              </a:rPr>
+              <a:t>代表在一個</a:t>
+            </a:r>
+            <a:r>
+              <a:rPr lang="zh-TW" altLang="en-US" cap="none" dirty="0">
+                <a:solidFill>
+                  <a:srgbClr val="FFFF00"/>
+                </a:solidFill>
+                <a:latin typeface="STHeiti TC" panose="02000000000000000000" pitchFamily="2" charset="-120"/>
+                <a:ea typeface="STHeiti TC" panose="02000000000000000000" pitchFamily="2" charset="-120"/>
+              </a:rPr>
+              <a:t>叫做</a:t>
+            </a:r>
+            <a:r>
+              <a:rPr lang="zh-TW" altLang="en-US" cap="none" dirty="0">
+                <a:solidFill>
+                  <a:srgbClr val="FFFF00"/>
+                </a:solidFill>
+                <a:latin typeface="Consolas" panose="020B0609020204030204" pitchFamily="49" charset="0"/>
+              </a:rPr>
+              <a:t> </a:t>
+            </a:r>
+            <a:r>
+              <a:rPr lang="en-US" altLang="zh-TW" cap="none" dirty="0">
+                <a:solidFill>
+                  <a:srgbClr val="FFFF00"/>
+                </a:solidFill>
+                <a:latin typeface="Consolas" panose="020B0609020204030204" pitchFamily="49" charset="0"/>
+              </a:rPr>
+              <a:t>name</a:t>
+            </a:r>
+            <a:r>
+              <a:rPr lang="zh-TW" altLang="en-US" cap="none" dirty="0">
+                <a:solidFill>
+                  <a:srgbClr val="FFFF00"/>
+                </a:solidFill>
+                <a:latin typeface="Consolas" panose="020B0609020204030204" pitchFamily="49" charset="0"/>
+              </a:rPr>
+              <a:t> </a:t>
+            </a:r>
+            <a:r>
+              <a:rPr lang="zh-TW" altLang="en-US" cap="none" dirty="0">
+                <a:solidFill>
+                  <a:srgbClr val="FFFF00"/>
+                </a:solidFill>
+                <a:latin typeface="STHeiti TC" panose="02000000000000000000" pitchFamily="2" charset="-120"/>
+                <a:ea typeface="STHeiti TC" panose="02000000000000000000" pitchFamily="2" charset="-120"/>
+              </a:rPr>
+              <a:t>的</a:t>
+            </a:r>
+            <a:r>
+              <a:rPr lang="zh-TW" altLang="en-US" cap="none" dirty="0">
+                <a:solidFill>
+                  <a:srgbClr val="FFFF00"/>
+                </a:solidFill>
+                <a:latin typeface="Consolas" panose="020B0609020204030204" pitchFamily="49" charset="0"/>
+              </a:rPr>
+              <a:t> </a:t>
+            </a:r>
+            <a:r>
+              <a:rPr lang="en-US" altLang="zh-TW" cap="none" dirty="0">
+                <a:solidFill>
+                  <a:srgbClr val="FFFF00"/>
+                </a:solidFill>
+                <a:latin typeface="Consolas" panose="020B0609020204030204" pitchFamily="49" charset="0"/>
+              </a:rPr>
+              <a:t>array</a:t>
+            </a:r>
+            <a:r>
+              <a:rPr lang="zh-TW" altLang="en-US" cap="none" dirty="0">
+                <a:solidFill>
+                  <a:srgbClr val="FFFF00"/>
+                </a:solidFill>
+                <a:latin typeface="Consolas" panose="020B0609020204030204" pitchFamily="49" charset="0"/>
+              </a:rPr>
+              <a:t> </a:t>
+            </a:r>
+            <a:r>
+              <a:rPr lang="zh-TW" altLang="en-US" cap="none" dirty="0">
+                <a:latin typeface="STHeiti TC" panose="02000000000000000000" pitchFamily="2" charset="-120"/>
+                <a:ea typeface="STHeiti TC" panose="02000000000000000000" pitchFamily="2" charset="-120"/>
+              </a:rPr>
+              <a:t>裡面的</a:t>
+            </a:r>
+            <a:r>
+              <a:rPr lang="zh-TW" altLang="en-US" cap="none" dirty="0">
+                <a:solidFill>
+                  <a:srgbClr val="FFFF00"/>
+                </a:solidFill>
+                <a:latin typeface="STHeiti TC" panose="02000000000000000000" pitchFamily="2" charset="-120"/>
+                <a:ea typeface="STHeiti TC" panose="02000000000000000000" pitchFamily="2" charset="-120"/>
+              </a:rPr>
+              <a:t>第</a:t>
+            </a:r>
+            <a:r>
+              <a:rPr lang="zh-TW" altLang="en-US" cap="none" dirty="0">
+                <a:solidFill>
+                  <a:srgbClr val="FFFF00"/>
+                </a:solidFill>
+                <a:latin typeface="Consolas" panose="020B0609020204030204" pitchFamily="49" charset="0"/>
+              </a:rPr>
+              <a:t> </a:t>
+            </a:r>
+            <a:r>
+              <a:rPr lang="en-US" altLang="zh-TW" cap="none" dirty="0">
+                <a:solidFill>
+                  <a:srgbClr val="FFFF00"/>
+                </a:solidFill>
+                <a:latin typeface="Consolas" panose="020B0609020204030204" pitchFamily="49" charset="0"/>
+              </a:rPr>
+              <a:t>index</a:t>
+            </a:r>
+            <a:r>
+              <a:rPr lang="zh-TW" altLang="en-US" cap="none" dirty="0">
+                <a:solidFill>
+                  <a:srgbClr val="FFFF00"/>
+                </a:solidFill>
+                <a:latin typeface="Consolas" panose="020B0609020204030204" pitchFamily="49" charset="0"/>
+              </a:rPr>
+              <a:t> </a:t>
+            </a:r>
+            <a:r>
+              <a:rPr lang="zh-TW" altLang="en-US" cap="none" dirty="0">
+                <a:solidFill>
+                  <a:srgbClr val="FFFF00"/>
+                </a:solidFill>
+                <a:latin typeface="STHeiti TC" panose="02000000000000000000" pitchFamily="2" charset="-120"/>
+                <a:ea typeface="STHeiti TC" panose="02000000000000000000" pitchFamily="2" charset="-120"/>
+              </a:rPr>
+              <a:t>個元素</a:t>
+            </a:r>
+            <a:endParaRPr lang="en-US" altLang="zh-TW" cap="none" dirty="0">
+              <a:solidFill>
+                <a:srgbClr val="FFFF00"/>
+              </a:solidFill>
+              <a:latin typeface="STHeiti TC" panose="02000000000000000000" pitchFamily="2" charset="-120"/>
+              <a:ea typeface="STHeiti TC" panose="02000000000000000000" pitchFamily="2" charset="-120"/>
+            </a:endParaRPr>
+          </a:p>
+          <a:p>
+            <a:pPr marL="0" indent="0">
+              <a:buNone/>
+            </a:pPr>
+            <a:endParaRPr lang="en-US" altLang="zh-TW" cap="none" dirty="0">
+              <a:latin typeface="STHeiti TC" panose="02000000000000000000" pitchFamily="2" charset="-120"/>
+              <a:ea typeface="STHeiti TC" panose="02000000000000000000" pitchFamily="2" charset="-120"/>
+            </a:endParaRPr>
+          </a:p>
+          <a:p>
+            <a:pPr marL="0" indent="0">
+              <a:buNone/>
+            </a:pPr>
+            <a:r>
+              <a:rPr lang="zh-TW" altLang="en-US" cap="none" dirty="0">
+                <a:latin typeface="STHeiti TC" panose="02000000000000000000" pitchFamily="2" charset="-120"/>
+                <a:ea typeface="STHeiti TC" panose="02000000000000000000" pitchFamily="2" charset="-120"/>
+              </a:rPr>
+              <a:t>這些元素的操作就跟變數一樣，可以使用</a:t>
+            </a:r>
+            <a:r>
+              <a:rPr lang="en-US" altLang="zh-TW" cap="none" dirty="0">
+                <a:latin typeface="Consolas" panose="020B0609020204030204" pitchFamily="49" charset="0"/>
+              </a:rPr>
+              <a:t> +, -, *, /, %, &amp;, |, ^.</a:t>
+            </a:r>
+          </a:p>
+          <a:p>
+            <a:pPr marL="0" indent="0">
+              <a:buNone/>
+            </a:pPr>
+            <a:endParaRPr lang="en-US" altLang="zh-TW" cap="none" dirty="0">
+              <a:latin typeface="Consolas" panose="020B0609020204030204" pitchFamily="49" charset="0"/>
+            </a:endParaRPr>
+          </a:p>
+          <a:p>
+            <a:pPr marL="0" indent="0">
+              <a:buNone/>
+            </a:pPr>
+            <a:r>
+              <a:rPr lang="zh-TW" altLang="en-US" cap="none" dirty="0">
+                <a:solidFill>
+                  <a:srgbClr val="FFFF00"/>
+                </a:solidFill>
+                <a:latin typeface="STHeiti TC" panose="02000000000000000000" pitchFamily="2" charset="-120"/>
+                <a:ea typeface="STHeiti TC" panose="02000000000000000000" pitchFamily="2" charset="-120"/>
+              </a:rPr>
+              <a:t>可以搭配</a:t>
+            </a:r>
+            <a:r>
+              <a:rPr lang="zh-TW" altLang="en-US" cap="none" dirty="0">
+                <a:solidFill>
+                  <a:srgbClr val="FFFF00"/>
+                </a:solidFill>
+                <a:latin typeface="Consolas" panose="020B0609020204030204" pitchFamily="49" charset="0"/>
+              </a:rPr>
+              <a:t> </a:t>
+            </a:r>
+            <a:r>
+              <a:rPr lang="en-US" altLang="zh-TW" cap="none" dirty="0">
+                <a:solidFill>
+                  <a:srgbClr val="FFFF00"/>
+                </a:solidFill>
+                <a:latin typeface="Consolas" panose="020B0609020204030204" pitchFamily="49" charset="0"/>
+              </a:rPr>
+              <a:t>for </a:t>
+            </a:r>
+            <a:r>
+              <a:rPr lang="zh-TW" altLang="en-US" cap="none" dirty="0">
+                <a:solidFill>
+                  <a:srgbClr val="FFFF00"/>
+                </a:solidFill>
+                <a:latin typeface="STHeiti TC" panose="02000000000000000000" pitchFamily="2" charset="-120"/>
+                <a:ea typeface="STHeiti TC" panose="02000000000000000000" pitchFamily="2" charset="-120"/>
+              </a:rPr>
+              <a:t>迴圈去使用陣列</a:t>
+            </a:r>
+            <a:endParaRPr lang="en-US" altLang="zh-TW" cap="none" dirty="0">
+              <a:latin typeface="STHeiti TC" panose="02000000000000000000" pitchFamily="2" charset="-120"/>
+              <a:ea typeface="STHeiti TC" panose="02000000000000000000" pitchFamily="2" charset="-120"/>
+            </a:endParaRPr>
+          </a:p>
+        </p:txBody>
+      </p:sp>
+    </p:spTree>
+    <p:extLst>
+      <p:ext uri="{BB962C8B-B14F-4D97-AF65-F5344CB8AC3E}">
+        <p14:creationId xmlns:p14="http://schemas.microsoft.com/office/powerpoint/2010/main" val="2304028743"/>
+      </p:ext>
+    </p:extLst>
+  </p:cSld>
+  <p:clrMapOvr>
+    <a:masterClrMapping/>
+  </p:clrMapOvr>
+  <mc:AlternateContent xmlns:mc="http://schemas.openxmlformats.org/markup-compatibility/2006" xmlns:p159="http://schemas.microsoft.com/office/powerpoint/2015/09/main">
+    <mc:Choice Requires="p159">
+      <p:transition spd="slow">
+        <p159:morph option="byChar"/>
+      </p:transition>
+    </mc:Choice>
+    <mc:Fallback xmlns="">
+      <p:transition spd="slow">
+        <p:fade/>
+      </p:transition>
+    </mc:Fallback>
+  </mc:AlternateContent>
+</p:sld>
+</file>
+
+<file path=ppt/slides/slide21.xml><?xml version="1.0" encoding="utf-8"?>
 <p:sld xmlns:a="http://schemas.openxmlformats.org/drawingml/2006/main" xmlns:r="http://schemas.openxmlformats.org/officeDocument/2006/relationships" xmlns:p="http://schemas.openxmlformats.org/presentationml/2006/main">
   <p:cSld>
     <p:spTree>
@@ -13219,13 +14001,13 @@
   <p:clrMapOvr>
     <a:masterClrMapping/>
   </p:clrMapOvr>
-  <mc:AlternateContent xmlns:mc="http://schemas.openxmlformats.org/markup-compatibility/2006">
-    <mc:Choice xmlns:p159="http://schemas.microsoft.com/office/powerpoint/2015/09/main" Requires="p159">
+  <mc:AlternateContent xmlns:mc="http://schemas.openxmlformats.org/markup-compatibility/2006" xmlns:p159="http://schemas.microsoft.com/office/powerpoint/2015/09/main">
+    <mc:Choice Requires="p159">
       <p:transition spd="slow">
         <p159:morph option="byChar"/>
       </p:transition>
     </mc:Choice>
-    <mc:Fallback>
+    <mc:Fallback xmlns="">
       <p:transition spd="slow">
         <p:fade/>
       </p:transition>
@@ -13781,7 +14563,7 @@
 </p:sld>
 </file>
 
-<file path=ppt/slides/slide21.xml><?xml version="1.0" encoding="utf-8"?>
+<file path=ppt/slides/slide22.xml><?xml version="1.0" encoding="utf-8"?>
 <p:sld xmlns:a="http://schemas.openxmlformats.org/drawingml/2006/main" xmlns:r="http://schemas.openxmlformats.org/officeDocument/2006/relationships" xmlns:p="http://schemas.openxmlformats.org/presentationml/2006/main">
   <p:cSld>
     <p:spTree>
@@ -16341,13 +17123,13 @@
   <p:clrMapOvr>
     <a:masterClrMapping/>
   </p:clrMapOvr>
-  <mc:AlternateContent xmlns:mc="http://schemas.openxmlformats.org/markup-compatibility/2006">
-    <mc:Choice xmlns:p159="http://schemas.microsoft.com/office/powerpoint/2015/09/main" Requires="p159">
+  <mc:AlternateContent xmlns:mc="http://schemas.openxmlformats.org/markup-compatibility/2006" xmlns:p159="http://schemas.microsoft.com/office/powerpoint/2015/09/main">
+    <mc:Choice Requires="p159">
       <p:transition spd="slow">
         <p159:morph option="byChar"/>
       </p:transition>
     </mc:Choice>
-    <mc:Fallback>
+    <mc:Fallback xmlns="">
       <p:transition spd="slow">
         <p:fade/>
       </p:transition>
@@ -16488,7 +17270,7 @@
 </p:sld>
 </file>
 
-<file path=ppt/slides/slide22.xml><?xml version="1.0" encoding="utf-8"?>
+<file path=ppt/slides/slide23.xml><?xml version="1.0" encoding="utf-8"?>
 <p:sld xmlns:a="http://schemas.openxmlformats.org/drawingml/2006/main" xmlns:r="http://schemas.openxmlformats.org/officeDocument/2006/relationships" xmlns:p="http://schemas.openxmlformats.org/presentationml/2006/main">
   <p:cSld>
     <p:spTree>
@@ -16619,13 +17401,13 @@
   <p:clrMapOvr>
     <a:masterClrMapping/>
   </p:clrMapOvr>
-  <mc:AlternateContent xmlns:mc="http://schemas.openxmlformats.org/markup-compatibility/2006">
-    <mc:Choice xmlns:p159="http://schemas.microsoft.com/office/powerpoint/2015/09/main" Requires="p159">
+  <mc:AlternateContent xmlns:mc="http://schemas.openxmlformats.org/markup-compatibility/2006" xmlns:p159="http://schemas.microsoft.com/office/powerpoint/2015/09/main">
+    <mc:Choice Requires="p159">
       <p:transition spd="slow">
         <p159:morph option="byChar"/>
       </p:transition>
     </mc:Choice>
-    <mc:Fallback>
+    <mc:Fallback xmlns="">
       <p:transition spd="slow">
         <p:fade/>
       </p:transition>
@@ -16893,7 +17675,7 @@
 </p:sld>
 </file>
 
-<file path=ppt/slides/slide23.xml><?xml version="1.0" encoding="utf-8"?>
+<file path=ppt/slides/slide24.xml><?xml version="1.0" encoding="utf-8"?>
 <p:sld xmlns:a="http://schemas.openxmlformats.org/drawingml/2006/main" xmlns:r="http://schemas.openxmlformats.org/officeDocument/2006/relationships" xmlns:p="http://schemas.openxmlformats.org/presentationml/2006/main">
   <p:cSld>
     <p:spTree>
@@ -17471,13 +18253,13 @@
   <p:clrMapOvr>
     <a:masterClrMapping/>
   </p:clrMapOvr>
-  <mc:AlternateContent xmlns:mc="http://schemas.openxmlformats.org/markup-compatibility/2006">
-    <mc:Choice xmlns:p159="http://schemas.microsoft.com/office/powerpoint/2015/09/main" Requires="p159">
+  <mc:AlternateContent xmlns:mc="http://schemas.openxmlformats.org/markup-compatibility/2006" xmlns:p159="http://schemas.microsoft.com/office/powerpoint/2015/09/main">
+    <mc:Choice Requires="p159">
       <p:transition spd="slow">
         <p159:morph option="byChar"/>
       </p:transition>
     </mc:Choice>
-    <mc:Fallback>
+    <mc:Fallback xmlns="">
       <p:transition spd="slow">
         <p:fade/>
       </p:transition>
@@ -17843,7 +18625,665 @@
 </p:sld>
 </file>
 
-<file path=ppt/slides/slide24.xml><?xml version="1.0" encoding="utf-8"?>
+<file path=ppt/slides/slide25.xml><?xml version="1.0" encoding="utf-8"?>
+<p:sld xmlns:a="http://schemas.openxmlformats.org/drawingml/2006/main" xmlns:r="http://schemas.openxmlformats.org/officeDocument/2006/relationships" xmlns:p="http://schemas.openxmlformats.org/presentationml/2006/main">
+  <p:cSld>
+    <p:spTree>
+      <p:nvGrpSpPr>
+        <p:cNvPr id="1" name=""/>
+        <p:cNvGrpSpPr/>
+        <p:nvPr/>
+      </p:nvGrpSpPr>
+      <p:grpSpPr>
+        <a:xfrm>
+          <a:off x="0" y="0"/>
+          <a:ext cx="0" cy="0"/>
+          <a:chOff x="0" y="0"/>
+          <a:chExt cx="0" cy="0"/>
+        </a:xfrm>
+      </p:grpSpPr>
+      <p:sp>
+        <p:nvSpPr>
+          <p:cNvPr id="2" name="標題 1">
+            <a:extLst>
+              <a:ext uri="{FF2B5EF4-FFF2-40B4-BE49-F238E27FC236}">
+                <a16:creationId xmlns:a16="http://schemas.microsoft.com/office/drawing/2014/main" id="{6531BA23-8B77-4AD0-AEE6-A29CB796009A}"/>
+              </a:ext>
+            </a:extLst>
+          </p:cNvPr>
+          <p:cNvSpPr>
+            <a:spLocks noGrp="1"/>
+          </p:cNvSpPr>
+          <p:nvPr>
+            <p:ph type="title"/>
+          </p:nvPr>
+        </p:nvSpPr>
+        <p:spPr/>
+        <p:txBody>
+          <a:bodyPr/>
+          <a:lstStyle/>
+          <a:p>
+            <a:r>
+              <a:rPr lang="zh-TW" altLang="en-US" cap="none" dirty="0">
+                <a:latin typeface="STHeiti TC" panose="02000000000000000000" pitchFamily="2" charset="-120"/>
+                <a:ea typeface="STHeiti TC" panose="02000000000000000000" pitchFamily="2" charset="-120"/>
+              </a:rPr>
+              <a:t>陣列</a:t>
+            </a:r>
+            <a:r>
+              <a:rPr lang="en-US" altLang="zh-TW" cap="none" dirty="0">
+                <a:latin typeface="Consolas" panose="020B0609020204030204" pitchFamily="49" charset="0"/>
+              </a:rPr>
+              <a:t> – </a:t>
+            </a:r>
+            <a:r>
+              <a:rPr lang="zh-TW" altLang="en-US" cap="none" dirty="0">
+                <a:latin typeface="STHeiti TC" panose="02000000000000000000" pitchFamily="2" charset="-120"/>
+                <a:ea typeface="STHeiti TC" panose="02000000000000000000" pitchFamily="2" charset="-120"/>
+              </a:rPr>
+              <a:t>字串（字元陣列）</a:t>
+            </a:r>
+            <a:r>
+              <a:rPr lang="en-US" altLang="zh-TW" cap="none" dirty="0">
+                <a:latin typeface="STHeiti TC" panose="02000000000000000000" pitchFamily="2" charset="-120"/>
+                <a:ea typeface="STHeiti TC" panose="02000000000000000000" pitchFamily="2" charset="-120"/>
+              </a:rPr>
+              <a:t>- </a:t>
+            </a:r>
+            <a:r>
+              <a:rPr lang="zh-TW" altLang="en-US" cap="none" dirty="0">
+                <a:latin typeface="STHeiti TC" panose="02000000000000000000" pitchFamily="2" charset="-120"/>
+                <a:ea typeface="STHeiti TC" panose="02000000000000000000" pitchFamily="2" charset="-120"/>
+              </a:rPr>
+              <a:t>輸入 </a:t>
+            </a:r>
+            <a:r>
+              <a:rPr lang="en-US" altLang="zh-TW" cap="none" dirty="0">
+                <a:latin typeface="STHeiti TC" panose="02000000000000000000" pitchFamily="2" charset="-120"/>
+                <a:ea typeface="STHeiti TC" panose="02000000000000000000" pitchFamily="2" charset="-120"/>
+              </a:rPr>
+              <a:t>/</a:t>
+            </a:r>
+            <a:r>
+              <a:rPr lang="zh-TW" altLang="en-US" cap="none" dirty="0">
+                <a:latin typeface="STHeiti TC" panose="02000000000000000000" pitchFamily="2" charset="-120"/>
+                <a:ea typeface="STHeiti TC" panose="02000000000000000000" pitchFamily="2" charset="-120"/>
+              </a:rPr>
+              <a:t> 輸出</a:t>
+            </a:r>
+            <a:endParaRPr lang="zh-TW" altLang="en-US" dirty="0"/>
+          </a:p>
+        </p:txBody>
+      </p:sp>
+      <p:sp>
+        <p:nvSpPr>
+          <p:cNvPr id="3" name="內容版面配置區 2">
+            <a:extLst>
+              <a:ext uri="{FF2B5EF4-FFF2-40B4-BE49-F238E27FC236}">
+                <a16:creationId xmlns:a16="http://schemas.microsoft.com/office/drawing/2014/main" id="{441F683A-E1DD-45B4-AB0D-33888B03A801}"/>
+              </a:ext>
+            </a:extLst>
+          </p:cNvPr>
+          <p:cNvSpPr>
+            <a:spLocks noGrp="1"/>
+          </p:cNvSpPr>
+          <p:nvPr>
+            <p:ph idx="1"/>
+          </p:nvPr>
+        </p:nvSpPr>
+        <p:spPr>
+          <a:xfrm>
+            <a:off x="1141413" y="2666999"/>
+            <a:ext cx="9905998" cy="1676401"/>
+          </a:xfrm>
+        </p:spPr>
+        <p:txBody>
+          <a:bodyPr/>
+          <a:lstStyle/>
+          <a:p>
+            <a:pPr marL="0" indent="0">
+              <a:buNone/>
+            </a:pPr>
+            <a:r>
+              <a:rPr lang="zh-TW" altLang="en-US" cap="none" dirty="0">
+                <a:latin typeface="STHeiti TC" panose="02000000000000000000" pitchFamily="2" charset="-120"/>
+                <a:ea typeface="STHeiti TC" panose="02000000000000000000" pitchFamily="2" charset="-120"/>
+              </a:rPr>
+              <a:t>使用 </a:t>
+            </a:r>
+            <a:r>
+              <a:rPr lang="en-US" altLang="zh-TW" cap="none" dirty="0" err="1">
+                <a:solidFill>
+                  <a:srgbClr val="FFFF00"/>
+                </a:solidFill>
+                <a:latin typeface="Consolas" panose="020B0609020204030204" pitchFamily="49" charset="0"/>
+              </a:rPr>
+              <a:t>scanf</a:t>
+            </a:r>
+            <a:r>
+              <a:rPr lang="en-US" altLang="zh-TW" cap="none" dirty="0">
+                <a:solidFill>
+                  <a:srgbClr val="FFFF00"/>
+                </a:solidFill>
+                <a:latin typeface="Consolas" panose="020B0609020204030204" pitchFamily="49" charset="0"/>
+              </a:rPr>
+              <a:t>(“%s”, </a:t>
+            </a:r>
+            <a:r>
+              <a:rPr lang="en-US" altLang="zh-TW" cap="none" dirty="0" err="1">
+                <a:solidFill>
+                  <a:srgbClr val="FFFF00"/>
+                </a:solidFill>
+                <a:latin typeface="Consolas" panose="020B0609020204030204" pitchFamily="49" charset="0"/>
+              </a:rPr>
+              <a:t>array_name</a:t>
+            </a:r>
+            <a:r>
+              <a:rPr lang="en-US" altLang="zh-TW" cap="none" dirty="0">
+                <a:solidFill>
+                  <a:srgbClr val="FFFF00"/>
+                </a:solidFill>
+                <a:latin typeface="Consolas" panose="020B0609020204030204" pitchFamily="49" charset="0"/>
+              </a:rPr>
+              <a:t>)</a:t>
+            </a:r>
+            <a:r>
+              <a:rPr lang="zh-TW" altLang="en-US" cap="none" dirty="0">
+                <a:latin typeface="Consolas" panose="020B0609020204030204" pitchFamily="49" charset="0"/>
+              </a:rPr>
+              <a:t> </a:t>
+            </a:r>
+            <a:r>
+              <a:rPr lang="zh-TW" altLang="en-US" cap="none" dirty="0">
+                <a:latin typeface="STHeiti TC" panose="02000000000000000000" pitchFamily="2" charset="-120"/>
+                <a:ea typeface="STHeiti TC" panose="02000000000000000000" pitchFamily="2" charset="-120"/>
+              </a:rPr>
+              <a:t>可以讀取</a:t>
+            </a:r>
+            <a:r>
+              <a:rPr lang="zh-TW" altLang="en-US" cap="none" dirty="0">
+                <a:solidFill>
+                  <a:srgbClr val="FFFF00"/>
+                </a:solidFill>
+                <a:latin typeface="STHeiti TC" panose="02000000000000000000" pitchFamily="2" charset="-120"/>
+                <a:ea typeface="STHeiti TC" panose="02000000000000000000" pitchFamily="2" charset="-120"/>
+              </a:rPr>
+              <a:t>不含空格以及換行</a:t>
+            </a:r>
+            <a:r>
+              <a:rPr lang="zh-TW" altLang="en-US" cap="none" dirty="0">
+                <a:latin typeface="STHeiti TC" panose="02000000000000000000" pitchFamily="2" charset="-120"/>
+                <a:ea typeface="STHeiti TC" panose="02000000000000000000" pitchFamily="2" charset="-120"/>
+              </a:rPr>
+              <a:t>的字串</a:t>
+            </a:r>
+            <a:endParaRPr lang="en-US" altLang="zh-TW" cap="none" dirty="0">
+              <a:latin typeface="STHeiti TC" panose="02000000000000000000" pitchFamily="2" charset="-120"/>
+              <a:ea typeface="STHeiti TC" panose="02000000000000000000" pitchFamily="2" charset="-120"/>
+            </a:endParaRPr>
+          </a:p>
+          <a:p>
+            <a:pPr marL="0" indent="0">
+              <a:buNone/>
+            </a:pPr>
+            <a:r>
+              <a:rPr lang="zh-TW" altLang="en-US" cap="none" dirty="0">
+                <a:latin typeface="STHeiti TC" panose="02000000000000000000" pitchFamily="2" charset="-120"/>
+                <a:ea typeface="STHeiti TC" panose="02000000000000000000" pitchFamily="2" charset="-120"/>
+              </a:rPr>
+              <a:t>陣列名稱是陣列開頭的指標，故使用 </a:t>
+            </a:r>
+            <a:r>
+              <a:rPr lang="en-US" altLang="zh-TW" cap="none" dirty="0" err="1">
+                <a:latin typeface="Consolas" panose="020B0609020204030204" pitchFamily="49" charset="0"/>
+                <a:ea typeface="STHeiti TC" panose="02000000000000000000" pitchFamily="2" charset="-120"/>
+              </a:rPr>
+              <a:t>scanf</a:t>
+            </a:r>
+            <a:r>
+              <a:rPr lang="zh-TW" altLang="en-US" cap="none" dirty="0">
+                <a:latin typeface="Consolas" panose="020B0609020204030204" pitchFamily="49" charset="0"/>
+                <a:ea typeface="STHeiti TC" panose="02000000000000000000" pitchFamily="2" charset="-120"/>
+              </a:rPr>
+              <a:t> </a:t>
+            </a:r>
+            <a:r>
+              <a:rPr lang="zh-TW" altLang="en-US" cap="none" dirty="0">
+                <a:latin typeface="STHeiti TC" panose="02000000000000000000" pitchFamily="2" charset="-120"/>
+                <a:ea typeface="STHeiti TC" panose="02000000000000000000" pitchFamily="2" charset="-120"/>
+              </a:rPr>
+              <a:t>的時候不需要加取址符號 </a:t>
+            </a:r>
+            <a:r>
+              <a:rPr lang="en-US" altLang="zh-TW" cap="none" dirty="0">
+                <a:latin typeface="Consolas" panose="020B0609020204030204" pitchFamily="49" charset="0"/>
+                <a:ea typeface="STHeiti TC" panose="02000000000000000000" pitchFamily="2" charset="-120"/>
+              </a:rPr>
+              <a:t>&amp;</a:t>
+            </a:r>
+          </a:p>
+          <a:p>
+            <a:pPr marL="0" indent="0">
+              <a:buNone/>
+            </a:pPr>
+            <a:r>
+              <a:rPr lang="en-US" altLang="zh-TW" cap="none" dirty="0" err="1">
+                <a:solidFill>
+                  <a:srgbClr val="FFFF00"/>
+                </a:solidFill>
+                <a:latin typeface="Consolas" panose="020B0609020204030204" pitchFamily="49" charset="0"/>
+                <a:ea typeface="STHeiti TC" panose="02000000000000000000" pitchFamily="2" charset="-120"/>
+              </a:rPr>
+              <a:t>printf</a:t>
+            </a:r>
+            <a:r>
+              <a:rPr lang="en-US" altLang="zh-TW" cap="none" dirty="0">
+                <a:solidFill>
+                  <a:srgbClr val="FFFF00"/>
+                </a:solidFill>
+                <a:latin typeface="Consolas" panose="020B0609020204030204" pitchFamily="49" charset="0"/>
+                <a:ea typeface="STHeiti TC" panose="02000000000000000000" pitchFamily="2" charset="-120"/>
+              </a:rPr>
+              <a:t>(“%s”, </a:t>
+            </a:r>
+            <a:r>
+              <a:rPr lang="en-US" altLang="zh-TW" cap="none" dirty="0" err="1">
+                <a:solidFill>
+                  <a:srgbClr val="FFFF00"/>
+                </a:solidFill>
+                <a:latin typeface="Consolas" panose="020B0609020204030204" pitchFamily="49" charset="0"/>
+                <a:ea typeface="STHeiti TC" panose="02000000000000000000" pitchFamily="2" charset="-120"/>
+              </a:rPr>
+              <a:t>array_name</a:t>
+            </a:r>
+            <a:r>
+              <a:rPr lang="en-US" altLang="zh-TW" cap="none" dirty="0">
+                <a:solidFill>
+                  <a:srgbClr val="FFFF00"/>
+                </a:solidFill>
+                <a:latin typeface="Consolas" panose="020B0609020204030204" pitchFamily="49" charset="0"/>
+                <a:ea typeface="STHeiti TC" panose="02000000000000000000" pitchFamily="2" charset="-120"/>
+              </a:rPr>
+              <a:t>)</a:t>
+            </a:r>
+            <a:r>
+              <a:rPr lang="zh-TW" altLang="en-US" cap="none" dirty="0">
+                <a:solidFill>
+                  <a:srgbClr val="FFFF00"/>
+                </a:solidFill>
+                <a:latin typeface="Consolas" panose="020B0609020204030204" pitchFamily="49" charset="0"/>
+                <a:ea typeface="STHeiti TC" panose="02000000000000000000" pitchFamily="2" charset="-120"/>
+              </a:rPr>
+              <a:t> </a:t>
+            </a:r>
+            <a:r>
+              <a:rPr lang="zh-TW" altLang="en-US" cap="none" dirty="0">
+                <a:latin typeface="Consolas" panose="020B0609020204030204" pitchFamily="49" charset="0"/>
+                <a:ea typeface="STHeiti TC" panose="02000000000000000000" pitchFamily="2" charset="-120"/>
+              </a:rPr>
+              <a:t>則可輸出字串 </a:t>
+            </a:r>
+            <a:r>
+              <a:rPr lang="en-US" altLang="zh-TW" cap="none" dirty="0">
+                <a:latin typeface="Consolas" panose="020B0609020204030204" pitchFamily="49" charset="0"/>
+                <a:ea typeface="STHeiti TC" panose="02000000000000000000" pitchFamily="2" charset="-120"/>
+              </a:rPr>
+              <a:t>(</a:t>
+            </a:r>
+            <a:r>
+              <a:rPr lang="zh-TW" altLang="en-US" cap="none" dirty="0">
+                <a:latin typeface="Consolas" panose="020B0609020204030204" pitchFamily="49" charset="0"/>
+                <a:ea typeface="STHeiti TC" panose="02000000000000000000" pitchFamily="2" charset="-120"/>
+              </a:rPr>
+              <a:t>無限制</a:t>
+            </a:r>
+            <a:r>
+              <a:rPr lang="en-US" altLang="zh-TW" cap="none" dirty="0">
+                <a:latin typeface="Consolas" panose="020B0609020204030204" pitchFamily="49" charset="0"/>
+                <a:ea typeface="STHeiti TC" panose="02000000000000000000" pitchFamily="2" charset="-120"/>
+              </a:rPr>
+              <a:t>)</a:t>
+            </a:r>
+            <a:endParaRPr lang="zh-TW" altLang="en-US" cap="none" dirty="0">
+              <a:latin typeface="Consolas" panose="020B0609020204030204" pitchFamily="49" charset="0"/>
+              <a:ea typeface="STHeiti TC" panose="02000000000000000000" pitchFamily="2" charset="-120"/>
+            </a:endParaRPr>
+          </a:p>
+        </p:txBody>
+      </p:sp>
+    </p:spTree>
+    <p:extLst>
+      <p:ext uri="{BB962C8B-B14F-4D97-AF65-F5344CB8AC3E}">
+        <p14:creationId xmlns:p14="http://schemas.microsoft.com/office/powerpoint/2010/main" val="915565456"/>
+      </p:ext>
+    </p:extLst>
+  </p:cSld>
+  <p:clrMapOvr>
+    <a:masterClrMapping/>
+  </p:clrMapOvr>
+  <mc:AlternateContent xmlns:mc="http://schemas.openxmlformats.org/markup-compatibility/2006">
+    <mc:Choice xmlns:p159="http://schemas.microsoft.com/office/powerpoint/2015/09/main" Requires="p159">
+      <p:transition spd="slow">
+        <p159:morph option="byChar"/>
+      </p:transition>
+    </mc:Choice>
+    <mc:Fallback>
+      <p:transition spd="slow">
+        <p:fade/>
+      </p:transition>
+    </mc:Fallback>
+  </mc:AlternateContent>
+</p:sld>
+</file>
+
+<file path=ppt/slides/slide26.xml><?xml version="1.0" encoding="utf-8"?>
+<p:sld xmlns:a="http://schemas.openxmlformats.org/drawingml/2006/main" xmlns:r="http://schemas.openxmlformats.org/officeDocument/2006/relationships" xmlns:p="http://schemas.openxmlformats.org/presentationml/2006/main">
+  <p:cSld>
+    <p:spTree>
+      <p:nvGrpSpPr>
+        <p:cNvPr id="1" name=""/>
+        <p:cNvGrpSpPr/>
+        <p:nvPr/>
+      </p:nvGrpSpPr>
+      <p:grpSpPr>
+        <a:xfrm>
+          <a:off x="0" y="0"/>
+          <a:ext cx="0" cy="0"/>
+          <a:chOff x="0" y="0"/>
+          <a:chExt cx="0" cy="0"/>
+        </a:xfrm>
+      </p:grpSpPr>
+      <p:sp>
+        <p:nvSpPr>
+          <p:cNvPr id="2" name="標題 1">
+            <a:extLst>
+              <a:ext uri="{FF2B5EF4-FFF2-40B4-BE49-F238E27FC236}">
+                <a16:creationId xmlns:a16="http://schemas.microsoft.com/office/drawing/2014/main" id="{5CE646F9-103E-4805-A561-0E225FE74A65}"/>
+              </a:ext>
+            </a:extLst>
+          </p:cNvPr>
+          <p:cNvSpPr>
+            <a:spLocks noGrp="1"/>
+          </p:cNvSpPr>
+          <p:nvPr>
+            <p:ph type="title"/>
+          </p:nvPr>
+        </p:nvSpPr>
+        <p:spPr/>
+        <p:txBody>
+          <a:bodyPr/>
+          <a:lstStyle/>
+          <a:p>
+            <a:r>
+              <a:rPr lang="zh-TW" altLang="en-US" cap="none" dirty="0">
+                <a:latin typeface="STHeiti TC" panose="02000000000000000000" pitchFamily="2" charset="-120"/>
+                <a:ea typeface="STHeiti TC" panose="02000000000000000000" pitchFamily="2" charset="-120"/>
+              </a:rPr>
+              <a:t>陣列</a:t>
+            </a:r>
+            <a:r>
+              <a:rPr lang="en-US" altLang="zh-TW" cap="none" dirty="0">
+                <a:latin typeface="Consolas" panose="020B0609020204030204" pitchFamily="49" charset="0"/>
+              </a:rPr>
+              <a:t> – </a:t>
+            </a:r>
+            <a:r>
+              <a:rPr lang="zh-TW" altLang="en-US" cap="none" dirty="0">
+                <a:latin typeface="STHeiti TC" panose="02000000000000000000" pitchFamily="2" charset="-120"/>
+                <a:ea typeface="STHeiti TC" panose="02000000000000000000" pitchFamily="2" charset="-120"/>
+              </a:rPr>
+              <a:t>字串（字元陣列）</a:t>
+            </a:r>
+            <a:r>
+              <a:rPr lang="en-US" altLang="zh-TW" cap="none" dirty="0">
+                <a:latin typeface="STHeiti TC" panose="02000000000000000000" pitchFamily="2" charset="-120"/>
+                <a:ea typeface="STHeiti TC" panose="02000000000000000000" pitchFamily="2" charset="-120"/>
+              </a:rPr>
+              <a:t>- </a:t>
+            </a:r>
+            <a:r>
+              <a:rPr lang="zh-TW" altLang="en-US" cap="none" dirty="0">
+                <a:latin typeface="STHeiti TC" panose="02000000000000000000" pitchFamily="2" charset="-120"/>
+                <a:ea typeface="STHeiti TC" panose="02000000000000000000" pitchFamily="2" charset="-120"/>
+              </a:rPr>
+              <a:t>輸入 </a:t>
+            </a:r>
+            <a:r>
+              <a:rPr lang="en-US" altLang="zh-TW" cap="none" dirty="0">
+                <a:latin typeface="STHeiti TC" panose="02000000000000000000" pitchFamily="2" charset="-120"/>
+                <a:ea typeface="STHeiti TC" panose="02000000000000000000" pitchFamily="2" charset="-120"/>
+              </a:rPr>
+              <a:t>/</a:t>
+            </a:r>
+            <a:r>
+              <a:rPr lang="zh-TW" altLang="en-US" cap="none" dirty="0">
+                <a:latin typeface="STHeiti TC" panose="02000000000000000000" pitchFamily="2" charset="-120"/>
+                <a:ea typeface="STHeiti TC" panose="02000000000000000000" pitchFamily="2" charset="-120"/>
+              </a:rPr>
+              <a:t> 輸出</a:t>
+            </a:r>
+            <a:endParaRPr lang="zh-TW" altLang="en-US" dirty="0"/>
+          </a:p>
+        </p:txBody>
+      </p:sp>
+      <p:pic>
+        <p:nvPicPr>
+          <p:cNvPr id="5" name="圖片 4">
+            <a:extLst>
+              <a:ext uri="{FF2B5EF4-FFF2-40B4-BE49-F238E27FC236}">
+                <a16:creationId xmlns:a16="http://schemas.microsoft.com/office/drawing/2014/main" id="{FAAEB494-BD50-4A0E-B075-AE39792CBFA9}"/>
+              </a:ext>
+            </a:extLst>
+          </p:cNvPr>
+          <p:cNvPicPr>
+            <a:picLocks noChangeAspect="1"/>
+          </p:cNvPicPr>
+          <p:nvPr/>
+        </p:nvPicPr>
+        <p:blipFill>
+          <a:blip r:embed="rId2"/>
+          <a:stretch>
+            <a:fillRect/>
+          </a:stretch>
+        </p:blipFill>
+        <p:spPr>
+          <a:xfrm>
+            <a:off x="1141413" y="3242614"/>
+            <a:ext cx="4733093" cy="3005786"/>
+          </a:xfrm>
+          <a:prstGeom prst="rect">
+            <a:avLst/>
+          </a:prstGeom>
+        </p:spPr>
+      </p:pic>
+      <p:pic>
+        <p:nvPicPr>
+          <p:cNvPr id="7" name="圖片 6">
+            <a:extLst>
+              <a:ext uri="{FF2B5EF4-FFF2-40B4-BE49-F238E27FC236}">
+                <a16:creationId xmlns:a16="http://schemas.microsoft.com/office/drawing/2014/main" id="{A4D21587-8EB0-4DEC-8FC0-DE12048FB94D}"/>
+              </a:ext>
+            </a:extLst>
+          </p:cNvPr>
+          <p:cNvPicPr>
+            <a:picLocks noChangeAspect="1"/>
+          </p:cNvPicPr>
+          <p:nvPr/>
+        </p:nvPicPr>
+        <p:blipFill>
+          <a:blip r:embed="rId3"/>
+          <a:stretch>
+            <a:fillRect/>
+          </a:stretch>
+        </p:blipFill>
+        <p:spPr>
+          <a:xfrm>
+            <a:off x="5874506" y="4171586"/>
+            <a:ext cx="6137125" cy="1147842"/>
+          </a:xfrm>
+          <a:prstGeom prst="rect">
+            <a:avLst/>
+          </a:prstGeom>
+        </p:spPr>
+      </p:pic>
+      <p:sp>
+        <p:nvSpPr>
+          <p:cNvPr id="8" name="矩形 7">
+            <a:extLst>
+              <a:ext uri="{FF2B5EF4-FFF2-40B4-BE49-F238E27FC236}">
+                <a16:creationId xmlns:a16="http://schemas.microsoft.com/office/drawing/2014/main" id="{68D0772D-4A80-46D3-92ED-B7DBABD5F26F}"/>
+              </a:ext>
+            </a:extLst>
+          </p:cNvPr>
+          <p:cNvSpPr/>
+          <p:nvPr/>
+        </p:nvSpPr>
+        <p:spPr>
+          <a:xfrm>
+            <a:off x="5874506" y="4973053"/>
+            <a:ext cx="718799" cy="288758"/>
+          </a:xfrm>
+          <a:prstGeom prst="rect">
+            <a:avLst/>
+          </a:prstGeom>
+        </p:spPr>
+        <p:style>
+          <a:lnRef idx="2">
+            <a:schemeClr val="accent1">
+              <a:shade val="50000"/>
+            </a:schemeClr>
+          </a:lnRef>
+          <a:fillRef idx="1">
+            <a:schemeClr val="accent1"/>
+          </a:fillRef>
+          <a:effectRef idx="0">
+            <a:schemeClr val="accent1"/>
+          </a:effectRef>
+          <a:fontRef idx="minor">
+            <a:schemeClr val="lt1"/>
+          </a:fontRef>
+        </p:style>
+        <p:txBody>
+          <a:bodyPr rtlCol="0" anchor="ctr"/>
+          <a:lstStyle/>
+          <a:p>
+            <a:pPr algn="ctr"/>
+            <a:endParaRPr lang="zh-TW" altLang="en-US"/>
+          </a:p>
+        </p:txBody>
+      </p:sp>
+    </p:spTree>
+    <p:extLst>
+      <p:ext uri="{BB962C8B-B14F-4D97-AF65-F5344CB8AC3E}">
+        <p14:creationId xmlns:p14="http://schemas.microsoft.com/office/powerpoint/2010/main" val="3653094298"/>
+      </p:ext>
+    </p:extLst>
+  </p:cSld>
+  <p:clrMapOvr>
+    <a:masterClrMapping/>
+  </p:clrMapOvr>
+  <mc:AlternateContent xmlns:mc="http://schemas.openxmlformats.org/markup-compatibility/2006">
+    <mc:Choice xmlns:p159="http://schemas.microsoft.com/office/powerpoint/2015/09/main" Requires="p159">
+      <p:transition spd="slow">
+        <p159:morph option="byChar"/>
+      </p:transition>
+    </mc:Choice>
+    <mc:Fallback>
+      <p:transition spd="slow">
+        <p:fade/>
+      </p:transition>
+    </mc:Fallback>
+  </mc:AlternateContent>
+  <p:timing>
+    <p:tnLst>
+      <p:par>
+        <p:cTn id="1" dur="indefinite" restart="never" nodeType="tmRoot">
+          <p:childTnLst>
+            <p:seq concurrent="1" nextAc="seek">
+              <p:cTn id="2" dur="indefinite" nodeType="mainSeq">
+                <p:childTnLst>
+                  <p:par>
+                    <p:cTn id="3" fill="hold">
+                      <p:stCondLst>
+                        <p:cond delay="indefinite"/>
+                      </p:stCondLst>
+                      <p:childTnLst>
+                        <p:par>
+                          <p:cTn id="4" fill="hold">
+                            <p:stCondLst>
+                              <p:cond delay="0"/>
+                            </p:stCondLst>
+                            <p:childTnLst>
+                              <p:par>
+                                <p:cTn id="5" presetID="22" presetClass="exit" presetSubtype="4" fill="hold" grpId="0" nodeType="clickEffect">
+                                  <p:stCondLst>
+                                    <p:cond delay="0"/>
+                                  </p:stCondLst>
+                                  <p:childTnLst>
+                                    <p:animEffect transition="out" filter="wipe(down)">
+                                      <p:cBhvr>
+                                        <p:cTn id="6" dur="500"/>
+                                        <p:tgtEl>
+                                          <p:spTgt spid="8"/>
+                                        </p:tgtEl>
+                                      </p:cBhvr>
+                                    </p:animEffect>
+                                    <p:set>
+                                      <p:cBhvr>
+                                        <p:cTn id="7" dur="1" fill="hold">
+                                          <p:stCondLst>
+                                            <p:cond delay="499"/>
+                                          </p:stCondLst>
+                                        </p:cTn>
+                                        <p:tgtEl>
+                                          <p:spTgt spid="8"/>
+                                        </p:tgtEl>
+                                        <p:attrNameLst>
+                                          <p:attrName>style.visibility</p:attrName>
+                                        </p:attrNameLst>
+                                      </p:cBhvr>
+                                      <p:to>
+                                        <p:strVal val="hidden"/>
+                                      </p:to>
+                                    </p:set>
+                                  </p:childTnLst>
+                                </p:cTn>
+                              </p:par>
+                            </p:childTnLst>
+                          </p:cTn>
+                        </p:par>
+                      </p:childTnLst>
+                    </p:cTn>
+                  </p:par>
+                </p:childTnLst>
+              </p:cTn>
+              <p:prevCondLst>
+                <p:cond evt="onPrev" delay="0">
+                  <p:tgtEl>
+                    <p:sldTgt/>
+                  </p:tgtEl>
+                </p:cond>
+              </p:prevCondLst>
+              <p:nextCondLst>
+                <p:cond evt="onNext" delay="0">
+                  <p:tgtEl>
+                    <p:sldTgt/>
+                  </p:tgtEl>
+                </p:cond>
+              </p:nextCondLst>
+            </p:seq>
+          </p:childTnLst>
+        </p:cTn>
+      </p:par>
+    </p:tnLst>
+    <p:bldLst>
+      <p:bldP spid="8" grpId="0" animBg="1"/>
+    </p:bldLst>
+  </p:timing>
+</p:sld>
+</file>
+
+<file path=ppt/slides/slide27.xml><?xml version="1.0" encoding="utf-8"?>
 <p:sld xmlns:a="http://schemas.openxmlformats.org/drawingml/2006/main" xmlns:r="http://schemas.openxmlformats.org/officeDocument/2006/relationships" xmlns:p="http://schemas.openxmlformats.org/presentationml/2006/main">
   <p:cSld>
     <p:spTree>
@@ -18209,13 +19649,13 @@
   <p:clrMapOvr>
     <a:masterClrMapping/>
   </p:clrMapOvr>
-  <mc:AlternateContent xmlns:mc="http://schemas.openxmlformats.org/markup-compatibility/2006">
-    <mc:Choice xmlns:p159="http://schemas.microsoft.com/office/powerpoint/2015/09/main" Requires="p159">
+  <mc:AlternateContent xmlns:mc="http://schemas.openxmlformats.org/markup-compatibility/2006" xmlns:p159="http://schemas.microsoft.com/office/powerpoint/2015/09/main">
+    <mc:Choice Requires="p159">
       <p:transition spd="slow">
         <p159:morph option="byChar"/>
       </p:transition>
     </mc:Choice>
-    <mc:Fallback>
+    <mc:Fallback xmlns="">
       <p:transition spd="slow">
         <p:fade/>
       </p:transition>
@@ -18437,7 +19877,7 @@
 </p:sld>
 </file>
 
-<file path=ppt/slides/slide25.xml><?xml version="1.0" encoding="utf-8"?>
+<file path=ppt/slides/slide28.xml><?xml version="1.0" encoding="utf-8"?>
 <p:sld xmlns:a="http://schemas.openxmlformats.org/drawingml/2006/main" xmlns:r="http://schemas.openxmlformats.org/officeDocument/2006/relationships" xmlns:p="http://schemas.openxmlformats.org/presentationml/2006/main">
   <p:cSld>
     <p:spTree>
@@ -18526,13 +19966,13 @@
   <p:clrMapOvr>
     <a:masterClrMapping/>
   </p:clrMapOvr>
-  <mc:AlternateContent xmlns:mc="http://schemas.openxmlformats.org/markup-compatibility/2006">
-    <mc:Choice xmlns:p159="http://schemas.microsoft.com/office/powerpoint/2015/09/main" Requires="p159">
+  <mc:AlternateContent xmlns:mc="http://schemas.openxmlformats.org/markup-compatibility/2006" xmlns:p159="http://schemas.microsoft.com/office/powerpoint/2015/09/main">
+    <mc:Choice Requires="p159">
       <p:transition spd="slow">
         <p159:morph option="byChar"/>
       </p:transition>
     </mc:Choice>
-    <mc:Fallback>
+    <mc:Fallback xmlns="">
       <p:transition spd="slow">
         <p:fade/>
       </p:transition>
@@ -18541,7 +19981,7 @@
 </p:sld>
 </file>
 
-<file path=ppt/slides/slide26.xml><?xml version="1.0" encoding="utf-8"?>
+<file path=ppt/slides/slide29.xml><?xml version="1.0" encoding="utf-8"?>
 <p:sld xmlns:a="http://schemas.openxmlformats.org/drawingml/2006/main" xmlns:r="http://schemas.openxmlformats.org/officeDocument/2006/relationships" xmlns:p="http://schemas.openxmlformats.org/presentationml/2006/main">
   <p:cSld>
     <p:spTree>
@@ -18875,13 +20315,13 @@
   <p:clrMapOvr>
     <a:masterClrMapping/>
   </p:clrMapOvr>
-  <mc:AlternateContent xmlns:mc="http://schemas.openxmlformats.org/markup-compatibility/2006">
-    <mc:Choice xmlns:p159="http://schemas.microsoft.com/office/powerpoint/2015/09/main" Requires="p159">
+  <mc:AlternateContent xmlns:mc="http://schemas.openxmlformats.org/markup-compatibility/2006" xmlns:p159="http://schemas.microsoft.com/office/powerpoint/2015/09/main">
+    <mc:Choice Requires="p159">
       <p:transition spd="slow">
         <p159:morph option="byChar"/>
       </p:transition>
     </mc:Choice>
-    <mc:Fallback>
+    <mc:Fallback xmlns="">
       <p:transition spd="slow">
         <p:fade/>
       </p:transition>
@@ -19213,7 +20653,113 @@
 </p:sld>
 </file>
 
-<file path=ppt/slides/slide27.xml><?xml version="1.0" encoding="utf-8"?>
+<file path=ppt/slides/slide3.xml><?xml version="1.0" encoding="utf-8"?>
+<p:sld xmlns:a="http://schemas.openxmlformats.org/drawingml/2006/main" xmlns:r="http://schemas.openxmlformats.org/officeDocument/2006/relationships" xmlns:p="http://schemas.openxmlformats.org/presentationml/2006/main">
+  <p:cSld>
+    <p:spTree>
+      <p:nvGrpSpPr>
+        <p:cNvPr id="1" name=""/>
+        <p:cNvGrpSpPr/>
+        <p:nvPr/>
+      </p:nvGrpSpPr>
+      <p:grpSpPr>
+        <a:xfrm>
+          <a:off x="0" y="0"/>
+          <a:ext cx="0" cy="0"/>
+          <a:chOff x="0" y="0"/>
+          <a:chExt cx="0" cy="0"/>
+        </a:xfrm>
+      </p:grpSpPr>
+      <p:sp>
+        <p:nvSpPr>
+          <p:cNvPr id="2" name="標題 1">
+            <a:extLst>
+              <a:ext uri="{FF2B5EF4-FFF2-40B4-BE49-F238E27FC236}">
+                <a16:creationId xmlns:a16="http://schemas.microsoft.com/office/drawing/2014/main" id="{2547C986-049C-41FC-A0D1-5E7895C02A18}"/>
+              </a:ext>
+            </a:extLst>
+          </p:cNvPr>
+          <p:cNvSpPr>
+            <a:spLocks noGrp="1"/>
+          </p:cNvSpPr>
+          <p:nvPr>
+            <p:ph type="ctrTitle"/>
+          </p:nvPr>
+        </p:nvSpPr>
+        <p:spPr/>
+        <p:txBody>
+          <a:bodyPr/>
+          <a:lstStyle/>
+          <a:p>
+            <a:r>
+              <a:rPr lang="zh-TW" altLang="en-US" dirty="0">
+                <a:latin typeface="STHeiti TC" panose="02000000000000000000" pitchFamily="2" charset="-120"/>
+                <a:ea typeface="STHeiti TC" panose="02000000000000000000" pitchFamily="2" charset="-120"/>
+              </a:rPr>
+              <a:t>迴圈</a:t>
+            </a:r>
+          </a:p>
+        </p:txBody>
+      </p:sp>
+      <p:sp>
+        <p:nvSpPr>
+          <p:cNvPr id="3" name="副標題 2">
+            <a:extLst>
+              <a:ext uri="{FF2B5EF4-FFF2-40B4-BE49-F238E27FC236}">
+                <a16:creationId xmlns:a16="http://schemas.microsoft.com/office/drawing/2014/main" id="{B2631129-228D-401D-83D2-17746602C315}"/>
+              </a:ext>
+            </a:extLst>
+          </p:cNvPr>
+          <p:cNvSpPr>
+            <a:spLocks noGrp="1"/>
+          </p:cNvSpPr>
+          <p:nvPr>
+            <p:ph type="subTitle" idx="1"/>
+          </p:nvPr>
+        </p:nvSpPr>
+        <p:spPr/>
+        <p:txBody>
+          <a:bodyPr>
+            <a:normAutofit/>
+          </a:bodyPr>
+          <a:lstStyle/>
+          <a:p>
+            <a:r>
+              <a:rPr lang="zh-TW" altLang="en-US" sz="2400" cap="none" dirty="0">
+                <a:latin typeface="STHeiti TC" panose="02000000000000000000" pitchFamily="2" charset="-120"/>
+                <a:ea typeface="STHeiti TC" panose="02000000000000000000" pitchFamily="2" charset="-120"/>
+              </a:rPr>
+              <a:t>重複做事情</a:t>
+            </a:r>
+          </a:p>
+        </p:txBody>
+      </p:sp>
+    </p:spTree>
+    <p:extLst>
+      <p:ext uri="{BB962C8B-B14F-4D97-AF65-F5344CB8AC3E}">
+        <p14:creationId xmlns:p14="http://schemas.microsoft.com/office/powerpoint/2010/main" val="481057122"/>
+      </p:ext>
+    </p:extLst>
+  </p:cSld>
+  <p:clrMapOvr>
+    <a:masterClrMapping/>
+  </p:clrMapOvr>
+  <mc:AlternateContent xmlns:mc="http://schemas.openxmlformats.org/markup-compatibility/2006" xmlns:p159="http://schemas.microsoft.com/office/powerpoint/2015/09/main">
+    <mc:Choice Requires="p159">
+      <p:transition spd="slow">
+        <p159:morph option="byChar"/>
+      </p:transition>
+    </mc:Choice>
+    <mc:Fallback xmlns="">
+      <p:transition spd="slow">
+        <p:fade/>
+      </p:transition>
+    </mc:Fallback>
+  </mc:AlternateContent>
+</p:sld>
+</file>
+
+<file path=ppt/slides/slide30.xml><?xml version="1.0" encoding="utf-8"?>
 <p:sld xmlns:a="http://schemas.openxmlformats.org/drawingml/2006/main" xmlns:r="http://schemas.openxmlformats.org/officeDocument/2006/relationships" xmlns:p="http://schemas.openxmlformats.org/presentationml/2006/main">
   <p:cSld>
     <p:spTree>
@@ -19578,13 +21124,13 @@
   <p:clrMapOvr>
     <a:masterClrMapping/>
   </p:clrMapOvr>
-  <mc:AlternateContent xmlns:mc="http://schemas.openxmlformats.org/markup-compatibility/2006">
-    <mc:Choice xmlns:p159="http://schemas.microsoft.com/office/powerpoint/2015/09/main" Requires="p159">
+  <mc:AlternateContent xmlns:mc="http://schemas.openxmlformats.org/markup-compatibility/2006" xmlns:p159="http://schemas.microsoft.com/office/powerpoint/2015/09/main">
+    <mc:Choice Requires="p159">
       <p:transition spd="slow">
         <p159:morph option="byChar"/>
       </p:transition>
     </mc:Choice>
-    <mc:Fallback>
+    <mc:Fallback xmlns="">
       <p:transition spd="slow">
         <p:fade/>
       </p:transition>
@@ -20074,7 +21620,7 @@
 </p:sld>
 </file>
 
-<file path=ppt/slides/slide28.xml><?xml version="1.0" encoding="utf-8"?>
+<file path=ppt/slides/slide31.xml><?xml version="1.0" encoding="utf-8"?>
 <p:sld xmlns:a="http://schemas.openxmlformats.org/drawingml/2006/main" xmlns:r="http://schemas.openxmlformats.org/officeDocument/2006/relationships" xmlns:p="http://schemas.openxmlformats.org/presentationml/2006/main">
   <p:cSld>
     <p:spTree>
@@ -20673,13 +22219,13 @@
   <p:clrMapOvr>
     <a:masterClrMapping/>
   </p:clrMapOvr>
-  <mc:AlternateContent xmlns:mc="http://schemas.openxmlformats.org/markup-compatibility/2006">
-    <mc:Choice xmlns:p159="http://schemas.microsoft.com/office/powerpoint/2015/09/main" Requires="p159">
+  <mc:AlternateContent xmlns:mc="http://schemas.openxmlformats.org/markup-compatibility/2006" xmlns:p159="http://schemas.microsoft.com/office/powerpoint/2015/09/main">
+    <mc:Choice Requires="p159">
       <p:transition spd="slow">
         <p159:morph option="byChar"/>
       </p:transition>
     </mc:Choice>
-    <mc:Fallback>
+    <mc:Fallback xmlns="">
       <p:transition spd="slow">
         <p:fade/>
       </p:transition>
@@ -20898,7 +22444,7 @@
 </p:sld>
 </file>
 
-<file path=ppt/slides/slide29.xml><?xml version="1.0" encoding="utf-8"?>
+<file path=ppt/slides/slide32.xml><?xml version="1.0" encoding="utf-8"?>
 <p:sld xmlns:a="http://schemas.openxmlformats.org/drawingml/2006/main" xmlns:r="http://schemas.openxmlformats.org/officeDocument/2006/relationships" xmlns:p="http://schemas.openxmlformats.org/presentationml/2006/main">
   <p:cSld>
     <p:spTree>
@@ -21057,13 +22603,13 @@
   <p:clrMapOvr>
     <a:masterClrMapping/>
   </p:clrMapOvr>
-  <mc:AlternateContent xmlns:mc="http://schemas.openxmlformats.org/markup-compatibility/2006">
-    <mc:Choice xmlns:p159="http://schemas.microsoft.com/office/powerpoint/2015/09/main" Requires="p159">
+  <mc:AlternateContent xmlns:mc="http://schemas.openxmlformats.org/markup-compatibility/2006" xmlns:p159="http://schemas.microsoft.com/office/powerpoint/2015/09/main">
+    <mc:Choice Requires="p159">
       <p:transition spd="slow">
         <p159:morph option="byChar"/>
       </p:transition>
     </mc:Choice>
-    <mc:Fallback>
+    <mc:Fallback xmlns="">
       <p:transition spd="slow">
         <p:fade/>
       </p:transition>
@@ -21271,113 +22817,7 @@
 </p:sld>
 </file>
 
-<file path=ppt/slides/slide3.xml><?xml version="1.0" encoding="utf-8"?>
-<p:sld xmlns:a="http://schemas.openxmlformats.org/drawingml/2006/main" xmlns:r="http://schemas.openxmlformats.org/officeDocument/2006/relationships" xmlns:p="http://schemas.openxmlformats.org/presentationml/2006/main">
-  <p:cSld>
-    <p:spTree>
-      <p:nvGrpSpPr>
-        <p:cNvPr id="1" name=""/>
-        <p:cNvGrpSpPr/>
-        <p:nvPr/>
-      </p:nvGrpSpPr>
-      <p:grpSpPr>
-        <a:xfrm>
-          <a:off x="0" y="0"/>
-          <a:ext cx="0" cy="0"/>
-          <a:chOff x="0" y="0"/>
-          <a:chExt cx="0" cy="0"/>
-        </a:xfrm>
-      </p:grpSpPr>
-      <p:sp>
-        <p:nvSpPr>
-          <p:cNvPr id="2" name="標題 1">
-            <a:extLst>
-              <a:ext uri="{FF2B5EF4-FFF2-40B4-BE49-F238E27FC236}">
-                <a16:creationId xmlns:a16="http://schemas.microsoft.com/office/drawing/2014/main" id="{2547C986-049C-41FC-A0D1-5E7895C02A18}"/>
-              </a:ext>
-            </a:extLst>
-          </p:cNvPr>
-          <p:cNvSpPr>
-            <a:spLocks noGrp="1"/>
-          </p:cNvSpPr>
-          <p:nvPr>
-            <p:ph type="ctrTitle"/>
-          </p:nvPr>
-        </p:nvSpPr>
-        <p:spPr/>
-        <p:txBody>
-          <a:bodyPr/>
-          <a:lstStyle/>
-          <a:p>
-            <a:r>
-              <a:rPr lang="zh-TW" altLang="en-US" dirty="0">
-                <a:latin typeface="STHeiti TC" panose="02000000000000000000" pitchFamily="2" charset="-120"/>
-                <a:ea typeface="STHeiti TC" panose="02000000000000000000" pitchFamily="2" charset="-120"/>
-              </a:rPr>
-              <a:t>迴圈</a:t>
-            </a:r>
-          </a:p>
-        </p:txBody>
-      </p:sp>
-      <p:sp>
-        <p:nvSpPr>
-          <p:cNvPr id="3" name="副標題 2">
-            <a:extLst>
-              <a:ext uri="{FF2B5EF4-FFF2-40B4-BE49-F238E27FC236}">
-                <a16:creationId xmlns:a16="http://schemas.microsoft.com/office/drawing/2014/main" id="{B2631129-228D-401D-83D2-17746602C315}"/>
-              </a:ext>
-            </a:extLst>
-          </p:cNvPr>
-          <p:cNvSpPr>
-            <a:spLocks noGrp="1"/>
-          </p:cNvSpPr>
-          <p:nvPr>
-            <p:ph type="subTitle" idx="1"/>
-          </p:nvPr>
-        </p:nvSpPr>
-        <p:spPr/>
-        <p:txBody>
-          <a:bodyPr>
-            <a:normAutofit/>
-          </a:bodyPr>
-          <a:lstStyle/>
-          <a:p>
-            <a:r>
-              <a:rPr lang="zh-TW" altLang="en-US" sz="2400" cap="none" dirty="0">
-                <a:latin typeface="STHeiti TC" panose="02000000000000000000" pitchFamily="2" charset="-120"/>
-                <a:ea typeface="STHeiti TC" panose="02000000000000000000" pitchFamily="2" charset="-120"/>
-              </a:rPr>
-              <a:t>重複做事情</a:t>
-            </a:r>
-          </a:p>
-        </p:txBody>
-      </p:sp>
-    </p:spTree>
-    <p:extLst>
-      <p:ext uri="{BB962C8B-B14F-4D97-AF65-F5344CB8AC3E}">
-        <p14:creationId xmlns:p14="http://schemas.microsoft.com/office/powerpoint/2010/main" val="481057122"/>
-      </p:ext>
-    </p:extLst>
-  </p:cSld>
-  <p:clrMapOvr>
-    <a:masterClrMapping/>
-  </p:clrMapOvr>
-  <mc:AlternateContent xmlns:mc="http://schemas.openxmlformats.org/markup-compatibility/2006">
-    <mc:Choice xmlns:p159="http://schemas.microsoft.com/office/powerpoint/2015/09/main" Requires="p159">
-      <p:transition spd="slow">
-        <p159:morph option="byChar"/>
-      </p:transition>
-    </mc:Choice>
-    <mc:Fallback>
-      <p:transition spd="slow">
-        <p:fade/>
-      </p:transition>
-    </mc:Fallback>
-  </mc:AlternateContent>
-</p:sld>
-</file>
-
-<file path=ppt/slides/slide30.xml><?xml version="1.0" encoding="utf-8"?>
+<file path=ppt/slides/slide33.xml><?xml version="1.0" encoding="utf-8"?>
 <p:sld xmlns:a="http://schemas.openxmlformats.org/drawingml/2006/main" xmlns:r="http://schemas.openxmlformats.org/officeDocument/2006/relationships" xmlns:p="http://schemas.openxmlformats.org/presentationml/2006/main">
   <p:cSld>
     <p:spTree>
@@ -21820,13 +23260,13 @@
   <p:clrMapOvr>
     <a:masterClrMapping/>
   </p:clrMapOvr>
-  <mc:AlternateContent xmlns:mc="http://schemas.openxmlformats.org/markup-compatibility/2006">
-    <mc:Choice xmlns:p159="http://schemas.microsoft.com/office/powerpoint/2015/09/main" Requires="p159">
+  <mc:AlternateContent xmlns:mc="http://schemas.openxmlformats.org/markup-compatibility/2006" xmlns:p159="http://schemas.microsoft.com/office/powerpoint/2015/09/main">
+    <mc:Choice Requires="p159">
       <p:transition spd="slow">
         <p159:morph option="byChar"/>
       </p:transition>
     </mc:Choice>
-    <mc:Fallback>
+    <mc:Fallback xmlns="">
       <p:transition spd="slow">
         <p:fade/>
       </p:transition>
@@ -22254,7 +23694,7 @@
 </p:sld>
 </file>
 
-<file path=ppt/slides/slide31.xml><?xml version="1.0" encoding="utf-8"?>
+<file path=ppt/slides/slide34.xml><?xml version="1.0" encoding="utf-8"?>
 <p:sld xmlns:a="http://schemas.openxmlformats.org/drawingml/2006/main" xmlns:r="http://schemas.openxmlformats.org/officeDocument/2006/relationships" xmlns:p="http://schemas.openxmlformats.org/presentationml/2006/main">
   <p:cSld>
     <p:spTree>
@@ -22343,13 +23783,13 @@
   <p:clrMapOvr>
     <a:masterClrMapping/>
   </p:clrMapOvr>
-  <mc:AlternateContent xmlns:mc="http://schemas.openxmlformats.org/markup-compatibility/2006">
-    <mc:Choice xmlns:p159="http://schemas.microsoft.com/office/powerpoint/2015/09/main" Requires="p159">
+  <mc:AlternateContent xmlns:mc="http://schemas.openxmlformats.org/markup-compatibility/2006" xmlns:p159="http://schemas.microsoft.com/office/powerpoint/2015/09/main">
+    <mc:Choice Requires="p159">
       <p:transition spd="slow">
         <p159:morph option="byChar"/>
       </p:transition>
     </mc:Choice>
-    <mc:Fallback>
+    <mc:Fallback xmlns="">
       <p:transition spd="slow">
         <p:fade/>
       </p:transition>
@@ -22358,7 +23798,7 @@
 </p:sld>
 </file>
 
-<file path=ppt/slides/slide32.xml><?xml version="1.0" encoding="utf-8"?>
+<file path=ppt/slides/slide35.xml><?xml version="1.0" encoding="utf-8"?>
 <p:sld xmlns:a="http://schemas.openxmlformats.org/drawingml/2006/main" xmlns:r="http://schemas.openxmlformats.org/officeDocument/2006/relationships" xmlns:p="http://schemas.openxmlformats.org/presentationml/2006/main">
   <p:cSld>
     <p:spTree>
@@ -23275,13 +24715,13 @@
   <p:clrMapOvr>
     <a:masterClrMapping/>
   </p:clrMapOvr>
-  <mc:AlternateContent xmlns:mc="http://schemas.openxmlformats.org/markup-compatibility/2006">
-    <mc:Choice xmlns:p159="http://schemas.microsoft.com/office/powerpoint/2015/09/main" Requires="p159">
+  <mc:AlternateContent xmlns:mc="http://schemas.openxmlformats.org/markup-compatibility/2006" xmlns:p159="http://schemas.microsoft.com/office/powerpoint/2015/09/main">
+    <mc:Choice Requires="p159">
       <p:transition spd="slow">
         <p159:morph option="byChar"/>
       </p:transition>
     </mc:Choice>
-    <mc:Fallback>
+    <mc:Fallback xmlns="">
       <p:transition spd="slow">
         <p:fade/>
       </p:transition>
@@ -23585,7 +25025,7 @@
 </p:sld>
 </file>
 
-<file path=ppt/slides/slide33.xml><?xml version="1.0" encoding="utf-8"?>
+<file path=ppt/slides/slide36.xml><?xml version="1.0" encoding="utf-8"?>
 <p:sld xmlns:a="http://schemas.openxmlformats.org/drawingml/2006/main" xmlns:r="http://schemas.openxmlformats.org/officeDocument/2006/relationships" xmlns:p="http://schemas.openxmlformats.org/presentationml/2006/main">
   <p:cSld>
     <p:spTree>
@@ -25434,13 +26874,13 @@
   <p:clrMapOvr>
     <a:masterClrMapping/>
   </p:clrMapOvr>
-  <mc:AlternateContent xmlns:mc="http://schemas.openxmlformats.org/markup-compatibility/2006">
-    <mc:Choice xmlns:p159="http://schemas.microsoft.com/office/powerpoint/2015/09/main" Requires="p159">
+  <mc:AlternateContent xmlns:mc="http://schemas.openxmlformats.org/markup-compatibility/2006" xmlns:p159="http://schemas.microsoft.com/office/powerpoint/2015/09/main">
+    <mc:Choice Requires="p159">
       <p:transition spd="slow">
         <p159:morph option="byChar"/>
       </p:transition>
     </mc:Choice>
-    <mc:Fallback>
+    <mc:Fallback xmlns="">
       <p:transition spd="slow">
         <p:fade/>
       </p:transition>
@@ -26350,7 +27790,7 @@
 </p:sld>
 </file>
 
-<file path=ppt/slides/slide34.xml><?xml version="1.0" encoding="utf-8"?>
+<file path=ppt/slides/slide37.xml><?xml version="1.0" encoding="utf-8"?>
 <p:sld xmlns:a="http://schemas.openxmlformats.org/drawingml/2006/main" xmlns:r="http://schemas.openxmlformats.org/officeDocument/2006/relationships" xmlns:p="http://schemas.openxmlformats.org/presentationml/2006/main">
   <p:cSld>
     <p:spTree>
@@ -27077,13 +28517,13 @@
   <p:clrMapOvr>
     <a:masterClrMapping/>
   </p:clrMapOvr>
-  <mc:AlternateContent xmlns:mc="http://schemas.openxmlformats.org/markup-compatibility/2006">
-    <mc:Choice xmlns:p159="http://schemas.microsoft.com/office/powerpoint/2015/09/main" Requires="p159">
+  <mc:AlternateContent xmlns:mc="http://schemas.openxmlformats.org/markup-compatibility/2006" xmlns:p159="http://schemas.microsoft.com/office/powerpoint/2015/09/main">
+    <mc:Choice Requires="p159">
       <p:transition spd="slow">
         <p159:morph option="byChar"/>
       </p:transition>
     </mc:Choice>
-    <mc:Fallback>
+    <mc:Fallback xmlns="">
       <p:transition spd="slow">
         <p:fade/>
       </p:transition>
@@ -27092,7 +28532,7 @@
 </p:sld>
 </file>
 
-<file path=ppt/slides/slide35.xml><?xml version="1.0" encoding="utf-8"?>
+<file path=ppt/slides/slide38.xml><?xml version="1.0" encoding="utf-8"?>
 <p:sld xmlns:a="http://schemas.openxmlformats.org/drawingml/2006/main" xmlns:r="http://schemas.openxmlformats.org/officeDocument/2006/relationships" xmlns:p="http://schemas.openxmlformats.org/presentationml/2006/main">
   <p:cSld>
     <p:spTree>
@@ -27344,13 +28784,13 @@
   <p:clrMapOvr>
     <a:masterClrMapping/>
   </p:clrMapOvr>
-  <mc:AlternateContent xmlns:mc="http://schemas.openxmlformats.org/markup-compatibility/2006">
-    <mc:Choice xmlns:p159="http://schemas.microsoft.com/office/powerpoint/2015/09/main" Requires="p159">
+  <mc:AlternateContent xmlns:mc="http://schemas.openxmlformats.org/markup-compatibility/2006" xmlns:p159="http://schemas.microsoft.com/office/powerpoint/2015/09/main">
+    <mc:Choice Requires="p159">
       <p:transition spd="slow">
         <p159:morph option="byChar"/>
       </p:transition>
     </mc:Choice>
-    <mc:Fallback>
+    <mc:Fallback xmlns="">
       <p:transition spd="slow">
         <p:fade/>
       </p:transition>
@@ -27359,7 +28799,7 @@
 </p:sld>
 </file>
 
-<file path=ppt/slides/slide36.xml><?xml version="1.0" encoding="utf-8"?>
+<file path=ppt/slides/slide39.xml><?xml version="1.0" encoding="utf-8"?>
 <p:sld xmlns:a="http://schemas.openxmlformats.org/drawingml/2006/main" xmlns:r="http://schemas.openxmlformats.org/officeDocument/2006/relationships" xmlns:p="http://schemas.openxmlformats.org/presentationml/2006/main">
   <p:cSld>
     <p:spTree>
@@ -27875,13 +29315,13 @@
   <p:clrMapOvr>
     <a:masterClrMapping/>
   </p:clrMapOvr>
-  <mc:AlternateContent xmlns:mc="http://schemas.openxmlformats.org/markup-compatibility/2006">
-    <mc:Choice xmlns:p159="http://schemas.microsoft.com/office/powerpoint/2015/09/main" Requires="p159">
+  <mc:AlternateContent xmlns:mc="http://schemas.openxmlformats.org/markup-compatibility/2006" xmlns:p159="http://schemas.microsoft.com/office/powerpoint/2015/09/main">
+    <mc:Choice Requires="p159">
       <p:transition spd="slow">
         <p159:morph option="byChar"/>
       </p:transition>
     </mc:Choice>
-    <mc:Fallback>
+    <mc:Fallback xmlns="">
       <p:transition spd="slow">
         <p:fade/>
       </p:transition>
@@ -28186,7 +29626,186 @@
 </p:sld>
 </file>
 
-<file path=ppt/slides/slide37.xml><?xml version="1.0" encoding="utf-8"?>
+<file path=ppt/slides/slide4.xml><?xml version="1.0" encoding="utf-8"?>
+<p:sld xmlns:a="http://schemas.openxmlformats.org/drawingml/2006/main" xmlns:r="http://schemas.openxmlformats.org/officeDocument/2006/relationships" xmlns:p="http://schemas.openxmlformats.org/presentationml/2006/main">
+  <p:cSld>
+    <p:spTree>
+      <p:nvGrpSpPr>
+        <p:cNvPr id="1" name=""/>
+        <p:cNvGrpSpPr/>
+        <p:nvPr/>
+      </p:nvGrpSpPr>
+      <p:grpSpPr>
+        <a:xfrm>
+          <a:off x="0" y="0"/>
+          <a:ext cx="0" cy="0"/>
+          <a:chOff x="0" y="0"/>
+          <a:chExt cx="0" cy="0"/>
+        </a:xfrm>
+      </p:grpSpPr>
+      <p:sp>
+        <p:nvSpPr>
+          <p:cNvPr id="2" name="標題 1">
+            <a:extLst>
+              <a:ext uri="{FF2B5EF4-FFF2-40B4-BE49-F238E27FC236}">
+                <a16:creationId xmlns:a16="http://schemas.microsoft.com/office/drawing/2014/main" id="{F610D7CB-D079-4247-ABBF-5110177DA0A1}"/>
+              </a:ext>
+            </a:extLst>
+          </p:cNvPr>
+          <p:cNvSpPr>
+            <a:spLocks noGrp="1"/>
+          </p:cNvSpPr>
+          <p:nvPr>
+            <p:ph type="title"/>
+          </p:nvPr>
+        </p:nvSpPr>
+        <p:spPr/>
+        <p:txBody>
+          <a:bodyPr/>
+          <a:lstStyle/>
+          <a:p>
+            <a:r>
+              <a:rPr lang="zh-TW" altLang="en-US" cap="none" dirty="0">
+                <a:latin typeface="STHeiti TC" panose="02000000000000000000" pitchFamily="2" charset="-120"/>
+                <a:ea typeface="STHeiti TC" panose="02000000000000000000" pitchFamily="2" charset="-120"/>
+              </a:rPr>
+              <a:t>迴圈的應用</a:t>
+            </a:r>
+            <a:endParaRPr lang="zh-TW" altLang="en-US" dirty="0">
+              <a:latin typeface="STHeiti TC" panose="02000000000000000000" pitchFamily="2" charset="-120"/>
+              <a:ea typeface="STHeiti TC" panose="02000000000000000000" pitchFamily="2" charset="-120"/>
+            </a:endParaRPr>
+          </a:p>
+        </p:txBody>
+      </p:sp>
+      <p:sp>
+        <p:nvSpPr>
+          <p:cNvPr id="3" name="內容版面配置區 2">
+            <a:extLst>
+              <a:ext uri="{FF2B5EF4-FFF2-40B4-BE49-F238E27FC236}">
+                <a16:creationId xmlns:a16="http://schemas.microsoft.com/office/drawing/2014/main" id="{33D8E5CB-CA98-4B6C-A305-D62663D5DAB5}"/>
+              </a:ext>
+            </a:extLst>
+          </p:cNvPr>
+          <p:cNvSpPr>
+            <a:spLocks noGrp="1"/>
+          </p:cNvSpPr>
+          <p:nvPr>
+            <p:ph idx="1"/>
+          </p:nvPr>
+        </p:nvSpPr>
+        <p:spPr/>
+        <p:txBody>
+          <a:bodyPr>
+            <a:normAutofit/>
+          </a:bodyPr>
+          <a:lstStyle/>
+          <a:p>
+            <a:pPr marL="0" indent="0">
+              <a:buNone/>
+            </a:pPr>
+            <a:r>
+              <a:rPr lang="zh-TW" altLang="en-US" sz="2400" cap="none" dirty="0">
+                <a:solidFill>
+                  <a:srgbClr val="FFFF00"/>
+                </a:solidFill>
+                <a:latin typeface="STHeiti TC" panose="02000000000000000000" pitchFamily="2" charset="-120"/>
+                <a:ea typeface="STHeiti TC" panose="02000000000000000000" pitchFamily="2" charset="-120"/>
+              </a:rPr>
+              <a:t>當我們想重複做某些事情時</a:t>
+            </a:r>
+            <a:r>
+              <a:rPr lang="en-US" altLang="zh-TW" sz="2400" cap="none" dirty="0">
+                <a:solidFill>
+                  <a:srgbClr val="FFFF00"/>
+                </a:solidFill>
+                <a:latin typeface="STHeiti TC" panose="02000000000000000000" pitchFamily="2" charset="-120"/>
+                <a:ea typeface="STHeiti TC" panose="02000000000000000000" pitchFamily="2" charset="-120"/>
+              </a:rPr>
+              <a:t>...</a:t>
+            </a:r>
+          </a:p>
+          <a:p>
+            <a:pPr marL="0" indent="0">
+              <a:buNone/>
+            </a:pPr>
+            <a:endParaRPr lang="en-US" altLang="zh-TW" sz="2400" cap="none" dirty="0">
+              <a:latin typeface="STHeiti TC" panose="02000000000000000000" pitchFamily="2" charset="-120"/>
+              <a:ea typeface="STHeiti TC" panose="02000000000000000000" pitchFamily="2" charset="-120"/>
+            </a:endParaRPr>
+          </a:p>
+          <a:p>
+            <a:pPr marL="0" indent="0">
+              <a:buNone/>
+            </a:pPr>
+            <a:r>
+              <a:rPr lang="zh-TW" altLang="en-US" sz="2400" cap="none" dirty="0">
+                <a:latin typeface="STHeiti TC" panose="02000000000000000000" pitchFamily="2" charset="-120"/>
+                <a:ea typeface="STHeiti TC" panose="02000000000000000000" pitchFamily="2" charset="-120"/>
+              </a:rPr>
+              <a:t>例如：</a:t>
+            </a:r>
+            <a:endParaRPr lang="en-US" altLang="zh-TW" sz="2400" cap="none" dirty="0">
+              <a:latin typeface="STHeiti TC" panose="02000000000000000000" pitchFamily="2" charset="-120"/>
+              <a:ea typeface="STHeiti TC" panose="02000000000000000000" pitchFamily="2" charset="-120"/>
+            </a:endParaRPr>
+          </a:p>
+          <a:p>
+            <a:pPr marL="0" indent="0">
+              <a:buNone/>
+            </a:pPr>
+            <a:r>
+              <a:rPr lang="zh-TW" altLang="en-US" sz="2400" cap="none" dirty="0">
+                <a:latin typeface="STHeiti TC" panose="02000000000000000000" pitchFamily="2" charset="-120"/>
+                <a:ea typeface="STHeiti TC" panose="02000000000000000000" pitchFamily="2" charset="-120"/>
+              </a:rPr>
+              <a:t>計算</a:t>
+            </a:r>
+            <a:r>
+              <a:rPr lang="en-US" altLang="zh-TW" sz="2400" cap="none" dirty="0">
+                <a:latin typeface="STHeiti TC" panose="02000000000000000000" pitchFamily="2" charset="-120"/>
+                <a:ea typeface="STHeiti TC" panose="02000000000000000000" pitchFamily="2" charset="-120"/>
+              </a:rPr>
+              <a:t> </a:t>
+            </a:r>
+            <a:r>
+              <a:rPr lang="en-US" altLang="zh-TW" sz="2400" cap="none" dirty="0">
+                <a:latin typeface="Consolas" panose="020B0609020204030204" pitchFamily="49" charset="0"/>
+              </a:rPr>
+              <a:t>n! = n(n – 1)(n – 2)... * 2 * 1</a:t>
+            </a:r>
+            <a:endParaRPr lang="zh-TW" altLang="en-US" sz="2400" cap="none" dirty="0">
+              <a:latin typeface="Consolas" panose="020B0609020204030204" pitchFamily="49" charset="0"/>
+            </a:endParaRPr>
+          </a:p>
+        </p:txBody>
+      </p:sp>
+    </p:spTree>
+    <p:extLst>
+      <p:ext uri="{BB962C8B-B14F-4D97-AF65-F5344CB8AC3E}">
+        <p14:creationId xmlns:p14="http://schemas.microsoft.com/office/powerpoint/2010/main" val="1404204930"/>
+      </p:ext>
+    </p:extLst>
+  </p:cSld>
+  <p:clrMapOvr>
+    <a:masterClrMapping/>
+  </p:clrMapOvr>
+  <mc:AlternateContent xmlns:mc="http://schemas.openxmlformats.org/markup-compatibility/2006" xmlns:p159="http://schemas.microsoft.com/office/powerpoint/2015/09/main">
+    <mc:Choice Requires="p159">
+      <p:transition spd="slow">
+        <p159:morph option="byChar"/>
+      </p:transition>
+    </mc:Choice>
+    <mc:Fallback xmlns="">
+      <p:transition spd="slow">
+        <p:fade/>
+      </p:transition>
+    </mc:Fallback>
+  </mc:AlternateContent>
+</p:sld>
+</file>
+
+<file path=ppt/slides/slide40.xml><?xml version="1.0" encoding="utf-8"?>
 <p:sld xmlns:a="http://schemas.openxmlformats.org/drawingml/2006/main" xmlns:r="http://schemas.openxmlformats.org/officeDocument/2006/relationships" xmlns:p="http://schemas.openxmlformats.org/presentationml/2006/main">
   <p:cSld>
     <p:spTree>
@@ -28319,13 +29938,13 @@
   <p:clrMapOvr>
     <a:masterClrMapping/>
   </p:clrMapOvr>
-  <mc:AlternateContent xmlns:mc="http://schemas.openxmlformats.org/markup-compatibility/2006">
-    <mc:Choice xmlns:p159="http://schemas.microsoft.com/office/powerpoint/2015/09/main" Requires="p159">
+  <mc:AlternateContent xmlns:mc="http://schemas.openxmlformats.org/markup-compatibility/2006" xmlns:p159="http://schemas.microsoft.com/office/powerpoint/2015/09/main">
+    <mc:Choice Requires="p159">
       <p:transition spd="slow">
         <p159:morph option="byChar"/>
       </p:transition>
     </mc:Choice>
-    <mc:Fallback>
+    <mc:Fallback xmlns="">
       <p:transition spd="slow">
         <p:fade/>
       </p:transition>
@@ -28334,7 +29953,7 @@
 </p:sld>
 </file>
 
-<file path=ppt/slides/slide38.xml><?xml version="1.0" encoding="utf-8"?>
+<file path=ppt/slides/slide41.xml><?xml version="1.0" encoding="utf-8"?>
 <p:sld xmlns:a="http://schemas.openxmlformats.org/drawingml/2006/main" xmlns:r="http://schemas.openxmlformats.org/officeDocument/2006/relationships" xmlns:p="http://schemas.openxmlformats.org/presentationml/2006/main">
   <p:cSld>
     <p:spTree>
@@ -28617,13 +30236,13 @@
   <p:clrMapOvr>
     <a:masterClrMapping/>
   </p:clrMapOvr>
-  <mc:AlternateContent xmlns:mc="http://schemas.openxmlformats.org/markup-compatibility/2006">
-    <mc:Choice xmlns:p159="http://schemas.microsoft.com/office/powerpoint/2015/09/main" Requires="p159">
+  <mc:AlternateContent xmlns:mc="http://schemas.openxmlformats.org/markup-compatibility/2006" xmlns:p159="http://schemas.microsoft.com/office/powerpoint/2015/09/main">
+    <mc:Choice Requires="p159">
       <p:transition spd="slow">
         <p159:morph option="byChar"/>
       </p:transition>
     </mc:Choice>
-    <mc:Fallback>
+    <mc:Fallback xmlns="">
       <p:transition spd="slow">
         <p:fade/>
       </p:transition>
@@ -28808,7 +30427,7 @@
 </p:sld>
 </file>
 
-<file path=ppt/slides/slide39.xml><?xml version="1.0" encoding="utf-8"?>
+<file path=ppt/slides/slide42.xml><?xml version="1.0" encoding="utf-8"?>
 <p:sld xmlns:a="http://schemas.openxmlformats.org/drawingml/2006/main" xmlns:r="http://schemas.openxmlformats.org/officeDocument/2006/relationships" xmlns:p="http://schemas.openxmlformats.org/presentationml/2006/main">
   <p:cSld>
     <p:spTree>
@@ -29034,849 +30653,13 @@
   <p:clrMapOvr>
     <a:masterClrMapping/>
   </p:clrMapOvr>
-  <mc:AlternateContent xmlns:mc="http://schemas.openxmlformats.org/markup-compatibility/2006">
-    <mc:Choice xmlns:p159="http://schemas.microsoft.com/office/powerpoint/2015/09/main" Requires="p159">
+  <mc:AlternateContent xmlns:mc="http://schemas.openxmlformats.org/markup-compatibility/2006" xmlns:p159="http://schemas.microsoft.com/office/powerpoint/2015/09/main">
+    <mc:Choice Requires="p159">
       <p:transition spd="slow">
         <p159:morph option="byChar"/>
       </p:transition>
     </mc:Choice>
-    <mc:Fallback>
-      <p:transition spd="slow">
-        <p:fade/>
-      </p:transition>
-    </mc:Fallback>
-  </mc:AlternateContent>
-</p:sld>
-</file>
-
-<file path=ppt/slides/slide4.xml><?xml version="1.0" encoding="utf-8"?>
-<p:sld xmlns:a="http://schemas.openxmlformats.org/drawingml/2006/main" xmlns:r="http://schemas.openxmlformats.org/officeDocument/2006/relationships" xmlns:p="http://schemas.openxmlformats.org/presentationml/2006/main">
-  <p:cSld>
-    <p:spTree>
-      <p:nvGrpSpPr>
-        <p:cNvPr id="1" name=""/>
-        <p:cNvGrpSpPr/>
-        <p:nvPr/>
-      </p:nvGrpSpPr>
-      <p:grpSpPr>
-        <a:xfrm>
-          <a:off x="0" y="0"/>
-          <a:ext cx="0" cy="0"/>
-          <a:chOff x="0" y="0"/>
-          <a:chExt cx="0" cy="0"/>
-        </a:xfrm>
-      </p:grpSpPr>
-      <p:sp>
-        <p:nvSpPr>
-          <p:cNvPr id="2" name="標題 1">
-            <a:extLst>
-              <a:ext uri="{FF2B5EF4-FFF2-40B4-BE49-F238E27FC236}">
-                <a16:creationId xmlns:a16="http://schemas.microsoft.com/office/drawing/2014/main" id="{F610D7CB-D079-4247-ABBF-5110177DA0A1}"/>
-              </a:ext>
-            </a:extLst>
-          </p:cNvPr>
-          <p:cNvSpPr>
-            <a:spLocks noGrp="1"/>
-          </p:cNvSpPr>
-          <p:nvPr>
-            <p:ph type="title"/>
-          </p:nvPr>
-        </p:nvSpPr>
-        <p:spPr/>
-        <p:txBody>
-          <a:bodyPr/>
-          <a:lstStyle/>
-          <a:p>
-            <a:r>
-              <a:rPr lang="zh-TW" altLang="en-US" cap="none" dirty="0">
-                <a:latin typeface="STHeiti TC" panose="02000000000000000000" pitchFamily="2" charset="-120"/>
-                <a:ea typeface="STHeiti TC" panose="02000000000000000000" pitchFamily="2" charset="-120"/>
-              </a:rPr>
-              <a:t>迴圈的應用</a:t>
-            </a:r>
-            <a:endParaRPr lang="zh-TW" altLang="en-US" dirty="0">
-              <a:latin typeface="STHeiti TC" panose="02000000000000000000" pitchFamily="2" charset="-120"/>
-              <a:ea typeface="STHeiti TC" panose="02000000000000000000" pitchFamily="2" charset="-120"/>
-            </a:endParaRPr>
-          </a:p>
-        </p:txBody>
-      </p:sp>
-      <p:sp>
-        <p:nvSpPr>
-          <p:cNvPr id="3" name="內容版面配置區 2">
-            <a:extLst>
-              <a:ext uri="{FF2B5EF4-FFF2-40B4-BE49-F238E27FC236}">
-                <a16:creationId xmlns:a16="http://schemas.microsoft.com/office/drawing/2014/main" id="{33D8E5CB-CA98-4B6C-A305-D62663D5DAB5}"/>
-              </a:ext>
-            </a:extLst>
-          </p:cNvPr>
-          <p:cNvSpPr>
-            <a:spLocks noGrp="1"/>
-          </p:cNvSpPr>
-          <p:nvPr>
-            <p:ph idx="1"/>
-          </p:nvPr>
-        </p:nvSpPr>
-        <p:spPr/>
-        <p:txBody>
-          <a:bodyPr>
-            <a:normAutofit/>
-          </a:bodyPr>
-          <a:lstStyle/>
-          <a:p>
-            <a:pPr marL="0" indent="0">
-              <a:buNone/>
-            </a:pPr>
-            <a:r>
-              <a:rPr lang="zh-TW" altLang="en-US" sz="2400" cap="none" dirty="0">
-                <a:solidFill>
-                  <a:srgbClr val="FFFF00"/>
-                </a:solidFill>
-                <a:latin typeface="STHeiti TC" panose="02000000000000000000" pitchFamily="2" charset="-120"/>
-                <a:ea typeface="STHeiti TC" panose="02000000000000000000" pitchFamily="2" charset="-120"/>
-              </a:rPr>
-              <a:t>當我們想重複做某些事情時</a:t>
-            </a:r>
-            <a:r>
-              <a:rPr lang="en-US" altLang="zh-TW" sz="2400" cap="none" dirty="0">
-                <a:solidFill>
-                  <a:srgbClr val="FFFF00"/>
-                </a:solidFill>
-                <a:latin typeface="STHeiti TC" panose="02000000000000000000" pitchFamily="2" charset="-120"/>
-                <a:ea typeface="STHeiti TC" panose="02000000000000000000" pitchFamily="2" charset="-120"/>
-              </a:rPr>
-              <a:t>...</a:t>
-            </a:r>
-          </a:p>
-          <a:p>
-            <a:pPr marL="0" indent="0">
-              <a:buNone/>
-            </a:pPr>
-            <a:endParaRPr lang="en-US" altLang="zh-TW" sz="2400" cap="none" dirty="0">
-              <a:latin typeface="STHeiti TC" panose="02000000000000000000" pitchFamily="2" charset="-120"/>
-              <a:ea typeface="STHeiti TC" panose="02000000000000000000" pitchFamily="2" charset="-120"/>
-            </a:endParaRPr>
-          </a:p>
-          <a:p>
-            <a:pPr marL="0" indent="0">
-              <a:buNone/>
-            </a:pPr>
-            <a:r>
-              <a:rPr lang="zh-TW" altLang="en-US" sz="2400" cap="none" dirty="0">
-                <a:latin typeface="STHeiti TC" panose="02000000000000000000" pitchFamily="2" charset="-120"/>
-                <a:ea typeface="STHeiti TC" panose="02000000000000000000" pitchFamily="2" charset="-120"/>
-              </a:rPr>
-              <a:t>例如：</a:t>
-            </a:r>
-            <a:endParaRPr lang="en-US" altLang="zh-TW" sz="2400" cap="none" dirty="0">
-              <a:latin typeface="STHeiti TC" panose="02000000000000000000" pitchFamily="2" charset="-120"/>
-              <a:ea typeface="STHeiti TC" panose="02000000000000000000" pitchFamily="2" charset="-120"/>
-            </a:endParaRPr>
-          </a:p>
-          <a:p>
-            <a:pPr marL="0" indent="0">
-              <a:buNone/>
-            </a:pPr>
-            <a:r>
-              <a:rPr lang="zh-TW" altLang="en-US" sz="2400" cap="none" dirty="0">
-                <a:latin typeface="STHeiti TC" panose="02000000000000000000" pitchFamily="2" charset="-120"/>
-                <a:ea typeface="STHeiti TC" panose="02000000000000000000" pitchFamily="2" charset="-120"/>
-              </a:rPr>
-              <a:t>計算</a:t>
-            </a:r>
-            <a:r>
-              <a:rPr lang="en-US" altLang="zh-TW" sz="2400" cap="none" dirty="0">
-                <a:latin typeface="STHeiti TC" panose="02000000000000000000" pitchFamily="2" charset="-120"/>
-                <a:ea typeface="STHeiti TC" panose="02000000000000000000" pitchFamily="2" charset="-120"/>
-              </a:rPr>
-              <a:t> </a:t>
-            </a:r>
-            <a:r>
-              <a:rPr lang="en-US" altLang="zh-TW" sz="2400" cap="none" dirty="0">
-                <a:latin typeface="Consolas" panose="020B0609020204030204" pitchFamily="49" charset="0"/>
-              </a:rPr>
-              <a:t>n! = n(n – 1)(n – 2)... * 2 * 1</a:t>
-            </a:r>
-            <a:endParaRPr lang="zh-TW" altLang="en-US" sz="2400" cap="none" dirty="0">
-              <a:latin typeface="Consolas" panose="020B0609020204030204" pitchFamily="49" charset="0"/>
-            </a:endParaRPr>
-          </a:p>
-        </p:txBody>
-      </p:sp>
-    </p:spTree>
-    <p:extLst>
-      <p:ext uri="{BB962C8B-B14F-4D97-AF65-F5344CB8AC3E}">
-        <p14:creationId xmlns:p14="http://schemas.microsoft.com/office/powerpoint/2010/main" val="1404204930"/>
-      </p:ext>
-    </p:extLst>
-  </p:cSld>
-  <p:clrMapOvr>
-    <a:masterClrMapping/>
-  </p:clrMapOvr>
-  <mc:AlternateContent xmlns:mc="http://schemas.openxmlformats.org/markup-compatibility/2006">
-    <mc:Choice xmlns:p159="http://schemas.microsoft.com/office/powerpoint/2015/09/main" Requires="p159">
-      <p:transition spd="slow">
-        <p159:morph option="byChar"/>
-      </p:transition>
-    </mc:Choice>
-    <mc:Fallback>
-      <p:transition spd="slow">
-        <p:fade/>
-      </p:transition>
-    </mc:Fallback>
-  </mc:AlternateContent>
-</p:sld>
-</file>
-
-<file path=ppt/slides/slide40.xml><?xml version="1.0" encoding="utf-8"?>
-<p:sld xmlns:a="http://schemas.openxmlformats.org/drawingml/2006/main" xmlns:r="http://schemas.openxmlformats.org/officeDocument/2006/relationships" xmlns:p="http://schemas.openxmlformats.org/presentationml/2006/main">
-  <p:cSld>
-    <p:spTree>
-      <p:nvGrpSpPr>
-        <p:cNvPr id="1" name=""/>
-        <p:cNvGrpSpPr/>
-        <p:nvPr/>
-      </p:nvGrpSpPr>
-      <p:grpSpPr>
-        <a:xfrm>
-          <a:off x="0" y="0"/>
-          <a:ext cx="0" cy="0"/>
-          <a:chOff x="0" y="0"/>
-          <a:chExt cx="0" cy="0"/>
-        </a:xfrm>
-      </p:grpSpPr>
-      <p:sp>
-        <p:nvSpPr>
-          <p:cNvPr id="2" name="標題 1">
-            <a:extLst>
-              <a:ext uri="{FF2B5EF4-FFF2-40B4-BE49-F238E27FC236}">
-                <a16:creationId xmlns:a16="http://schemas.microsoft.com/office/drawing/2014/main" id="{7D77C5FB-2098-4AE7-BE8E-49605106F9C2}"/>
-              </a:ext>
-            </a:extLst>
-          </p:cNvPr>
-          <p:cNvSpPr>
-            <a:spLocks noGrp="1"/>
-          </p:cNvSpPr>
-          <p:nvPr>
-            <p:ph type="title"/>
-          </p:nvPr>
-        </p:nvSpPr>
-        <p:spPr>
-          <a:xfrm>
-            <a:off x="1141412" y="609600"/>
-            <a:ext cx="10593387" cy="1905000"/>
-          </a:xfrm>
-        </p:spPr>
-        <p:txBody>
-          <a:bodyPr/>
-          <a:lstStyle/>
-          <a:p>
-            <a:r>
-              <a:rPr lang="zh-TW" altLang="en-US" cap="none" dirty="0">
-                <a:latin typeface="STHeiti TC" panose="02000000000000000000" pitchFamily="2" charset="-120"/>
-                <a:ea typeface="STHeiti TC" panose="02000000000000000000" pitchFamily="2" charset="-120"/>
-              </a:rPr>
-              <a:t>遞迴</a:t>
-            </a:r>
-            <a:r>
-              <a:rPr lang="en-US" altLang="zh-TW" cap="none" dirty="0">
-                <a:latin typeface="Consolas" panose="020B0609020204030204" pitchFamily="49" charset="0"/>
-              </a:rPr>
-              <a:t> – </a:t>
-            </a:r>
-            <a:r>
-              <a:rPr lang="zh-TW" altLang="en-US" cap="none" dirty="0">
-                <a:latin typeface="STHeiti TC" panose="02000000000000000000" pitchFamily="2" charset="-120"/>
-                <a:ea typeface="STHeiti TC" panose="02000000000000000000" pitchFamily="2" charset="-120"/>
-              </a:rPr>
-              <a:t>範例：迷宮</a:t>
-            </a:r>
-            <a:r>
-              <a:rPr lang="en-US" altLang="zh-TW" cap="none" dirty="0">
-                <a:latin typeface="Consolas" panose="020B0609020204030204" pitchFamily="49" charset="0"/>
-              </a:rPr>
-              <a:t> </a:t>
-            </a:r>
-            <a:r>
-              <a:rPr lang="en-US" altLang="zh-TW" cap="none" dirty="0">
-                <a:solidFill>
-                  <a:srgbClr val="FFFF00"/>
-                </a:solidFill>
-                <a:latin typeface="Consolas" panose="020B0609020204030204" pitchFamily="49" charset="0"/>
-              </a:rPr>
-              <a:t>| </a:t>
-            </a:r>
-            <a:r>
-              <a:rPr lang="zh-TW" altLang="en-US" cap="none" dirty="0">
-                <a:solidFill>
-                  <a:srgbClr val="FFFF00"/>
-                </a:solidFill>
-                <a:latin typeface="STHeiti TC" panose="02000000000000000000" pitchFamily="2" charset="-120"/>
-                <a:ea typeface="STHeiti TC" panose="02000000000000000000" pitchFamily="2" charset="-120"/>
-              </a:rPr>
-              <a:t>遞迴函式</a:t>
-            </a:r>
-            <a:endParaRPr lang="zh-TW" altLang="en-US" dirty="0"/>
-          </a:p>
-        </p:txBody>
-      </p:sp>
-      <p:sp>
-        <p:nvSpPr>
-          <p:cNvPr id="3" name="文字方塊 2">
-            <a:extLst>
-              <a:ext uri="{FF2B5EF4-FFF2-40B4-BE49-F238E27FC236}">
-                <a16:creationId xmlns:a16="http://schemas.microsoft.com/office/drawing/2014/main" id="{36630E97-6766-4CF4-B065-4C55532B24F7}"/>
-              </a:ext>
-            </a:extLst>
-          </p:cNvPr>
-          <p:cNvSpPr txBox="1"/>
-          <p:nvPr/>
-        </p:nvSpPr>
-        <p:spPr>
-          <a:xfrm>
-            <a:off x="4341394" y="2758351"/>
-            <a:ext cx="3509211" cy="3170099"/>
-          </a:xfrm>
-          <a:prstGeom prst="rect">
-            <a:avLst/>
-          </a:prstGeom>
-          <a:noFill/>
-        </p:spPr>
-        <p:txBody>
-          <a:bodyPr wrap="square" rtlCol="0">
-            <a:spAutoFit/>
-          </a:bodyPr>
-          <a:lstStyle/>
-          <a:p>
-            <a:pPr algn="ctr"/>
-            <a:r>
-              <a:rPr lang="en-US" altLang="zh-TW" sz="4000" dirty="0">
-                <a:latin typeface="Consolas" panose="020B0609020204030204" pitchFamily="49" charset="0"/>
-              </a:rPr>
-              <a:t>###########</a:t>
-            </a:r>
-          </a:p>
-          <a:p>
-            <a:pPr algn="ctr"/>
-            <a:r>
-              <a:rPr lang="en-US" altLang="zh-TW" sz="4000" dirty="0">
-                <a:latin typeface="Consolas" panose="020B0609020204030204" pitchFamily="49" charset="0"/>
-              </a:rPr>
-              <a:t>#...#..#..#</a:t>
-            </a:r>
-          </a:p>
-          <a:p>
-            <a:pPr algn="ctr"/>
-            <a:r>
-              <a:rPr lang="en-US" altLang="zh-TW" sz="4000" dirty="0">
-                <a:latin typeface="Consolas" panose="020B0609020204030204" pitchFamily="49" charset="0"/>
-              </a:rPr>
-              <a:t>#...#</a:t>
-            </a:r>
-            <a:r>
-              <a:rPr lang="en-US" altLang="zh-TW" sz="4000" dirty="0">
-                <a:highlight>
-                  <a:srgbClr val="FF0000"/>
-                </a:highlight>
-                <a:latin typeface="Consolas" panose="020B0609020204030204" pitchFamily="49" charset="0"/>
-              </a:rPr>
-              <a:t>.</a:t>
-            </a:r>
-            <a:r>
-              <a:rPr lang="en-US" altLang="zh-TW" sz="4000" dirty="0">
-                <a:latin typeface="Consolas" panose="020B0609020204030204" pitchFamily="49" charset="0"/>
-              </a:rPr>
-              <a:t>#...#</a:t>
-            </a:r>
-          </a:p>
-          <a:p>
-            <a:pPr algn="ctr"/>
-            <a:r>
-              <a:rPr lang="en-US" altLang="zh-TW" sz="4000" dirty="0">
-                <a:latin typeface="Consolas" panose="020B0609020204030204" pitchFamily="49" charset="0"/>
-              </a:rPr>
-              <a:t>#.....#...#</a:t>
-            </a:r>
-          </a:p>
-          <a:p>
-            <a:pPr algn="ctr"/>
-            <a:r>
-              <a:rPr lang="en-US" altLang="zh-TW" sz="4000" dirty="0">
-                <a:latin typeface="Consolas" panose="020B0609020204030204" pitchFamily="49" charset="0"/>
-              </a:rPr>
-              <a:t>###########</a:t>
-            </a:r>
-            <a:endParaRPr lang="zh-TW" altLang="en-US" sz="4000" dirty="0">
-              <a:latin typeface="Consolas" panose="020B0609020204030204" pitchFamily="49" charset="0"/>
-            </a:endParaRPr>
-          </a:p>
-        </p:txBody>
-      </p:sp>
-    </p:spTree>
-    <p:extLst>
-      <p:ext uri="{BB962C8B-B14F-4D97-AF65-F5344CB8AC3E}">
-        <p14:creationId xmlns:p14="http://schemas.microsoft.com/office/powerpoint/2010/main" val="3582894403"/>
-      </p:ext>
-    </p:extLst>
-  </p:cSld>
-  <p:clrMapOvr>
-    <a:masterClrMapping/>
-  </p:clrMapOvr>
-  <mc:AlternateContent xmlns:mc="http://schemas.openxmlformats.org/markup-compatibility/2006">
-    <mc:Choice xmlns:p159="http://schemas.microsoft.com/office/powerpoint/2015/09/main" Requires="p159">
-      <p:transition spd="slow">
-        <p159:morph option="byChar"/>
-      </p:transition>
-    </mc:Choice>
-    <mc:Fallback>
-      <p:transition spd="slow">
-        <p:fade/>
-      </p:transition>
-    </mc:Fallback>
-  </mc:AlternateContent>
-</p:sld>
-</file>
-
-<file path=ppt/slides/slide41.xml><?xml version="1.0" encoding="utf-8"?>
-<p:sld xmlns:a="http://schemas.openxmlformats.org/drawingml/2006/main" xmlns:r="http://schemas.openxmlformats.org/officeDocument/2006/relationships" xmlns:p="http://schemas.openxmlformats.org/presentationml/2006/main">
-  <p:cSld>
-    <p:spTree>
-      <p:nvGrpSpPr>
-        <p:cNvPr id="1" name=""/>
-        <p:cNvGrpSpPr/>
-        <p:nvPr/>
-      </p:nvGrpSpPr>
-      <p:grpSpPr>
-        <a:xfrm>
-          <a:off x="0" y="0"/>
-          <a:ext cx="0" cy="0"/>
-          <a:chOff x="0" y="0"/>
-          <a:chExt cx="0" cy="0"/>
-        </a:xfrm>
-      </p:grpSpPr>
-      <p:sp>
-        <p:nvSpPr>
-          <p:cNvPr id="2" name="標題 1">
-            <a:extLst>
-              <a:ext uri="{FF2B5EF4-FFF2-40B4-BE49-F238E27FC236}">
-                <a16:creationId xmlns:a16="http://schemas.microsoft.com/office/drawing/2014/main" id="{7D77C5FB-2098-4AE7-BE8E-49605106F9C2}"/>
-              </a:ext>
-            </a:extLst>
-          </p:cNvPr>
-          <p:cNvSpPr>
-            <a:spLocks noGrp="1"/>
-          </p:cNvSpPr>
-          <p:nvPr>
-            <p:ph type="title"/>
-          </p:nvPr>
-        </p:nvSpPr>
-        <p:spPr>
-          <a:xfrm>
-            <a:off x="1141412" y="609600"/>
-            <a:ext cx="10593387" cy="1905000"/>
-          </a:xfrm>
-        </p:spPr>
-        <p:txBody>
-          <a:bodyPr/>
-          <a:lstStyle/>
-          <a:p>
-            <a:r>
-              <a:rPr lang="zh-TW" altLang="en-US" cap="none" dirty="0">
-                <a:latin typeface="STHeiti TC" panose="02000000000000000000" pitchFamily="2" charset="-120"/>
-                <a:ea typeface="STHeiti TC" panose="02000000000000000000" pitchFamily="2" charset="-120"/>
-              </a:rPr>
-              <a:t>遞迴</a:t>
-            </a:r>
-            <a:r>
-              <a:rPr lang="en-US" altLang="zh-TW" cap="none" dirty="0">
-                <a:latin typeface="Consolas" panose="020B0609020204030204" pitchFamily="49" charset="0"/>
-              </a:rPr>
-              <a:t> – </a:t>
-            </a:r>
-            <a:r>
-              <a:rPr lang="zh-TW" altLang="en-US" cap="none" dirty="0">
-                <a:latin typeface="STHeiti TC" panose="02000000000000000000" pitchFamily="2" charset="-120"/>
-                <a:ea typeface="STHeiti TC" panose="02000000000000000000" pitchFamily="2" charset="-120"/>
-              </a:rPr>
-              <a:t>範例：迷宮</a:t>
-            </a:r>
-            <a:r>
-              <a:rPr lang="en-US" altLang="zh-TW" cap="none" dirty="0">
-                <a:latin typeface="Consolas" panose="020B0609020204030204" pitchFamily="49" charset="0"/>
-              </a:rPr>
-              <a:t> </a:t>
-            </a:r>
-            <a:r>
-              <a:rPr lang="en-US" altLang="zh-TW" cap="none" dirty="0">
-                <a:solidFill>
-                  <a:srgbClr val="FFFF00"/>
-                </a:solidFill>
-                <a:latin typeface="Consolas" panose="020B0609020204030204" pitchFamily="49" charset="0"/>
-              </a:rPr>
-              <a:t>| </a:t>
-            </a:r>
-            <a:r>
-              <a:rPr lang="zh-TW" altLang="en-US" cap="none" dirty="0">
-                <a:solidFill>
-                  <a:srgbClr val="FFFF00"/>
-                </a:solidFill>
-                <a:latin typeface="STHeiti TC" panose="02000000000000000000" pitchFamily="2" charset="-120"/>
-                <a:ea typeface="STHeiti TC" panose="02000000000000000000" pitchFamily="2" charset="-120"/>
-              </a:rPr>
-              <a:t>遞迴函式</a:t>
-            </a:r>
-            <a:endParaRPr lang="zh-TW" altLang="en-US" dirty="0"/>
-          </a:p>
-        </p:txBody>
-      </p:sp>
-      <p:sp>
-        <p:nvSpPr>
-          <p:cNvPr id="3" name="文字方塊 2">
-            <a:extLst>
-              <a:ext uri="{FF2B5EF4-FFF2-40B4-BE49-F238E27FC236}">
-                <a16:creationId xmlns:a16="http://schemas.microsoft.com/office/drawing/2014/main" id="{36630E97-6766-4CF4-B065-4C55532B24F7}"/>
-              </a:ext>
-            </a:extLst>
-          </p:cNvPr>
-          <p:cNvSpPr txBox="1"/>
-          <p:nvPr/>
-        </p:nvSpPr>
-        <p:spPr>
-          <a:xfrm>
-            <a:off x="4341394" y="2758351"/>
-            <a:ext cx="3509211" cy="3170099"/>
-          </a:xfrm>
-          <a:prstGeom prst="rect">
-            <a:avLst/>
-          </a:prstGeom>
-          <a:noFill/>
-        </p:spPr>
-        <p:txBody>
-          <a:bodyPr wrap="square" rtlCol="0">
-            <a:spAutoFit/>
-          </a:bodyPr>
-          <a:lstStyle/>
-          <a:p>
-            <a:pPr algn="ctr"/>
-            <a:r>
-              <a:rPr lang="en-US" altLang="zh-TW" sz="4000" dirty="0">
-                <a:latin typeface="Consolas" panose="020B0609020204030204" pitchFamily="49" charset="0"/>
-              </a:rPr>
-              <a:t>###########</a:t>
-            </a:r>
-          </a:p>
-          <a:p>
-            <a:pPr algn="ctr"/>
-            <a:r>
-              <a:rPr lang="en-US" altLang="zh-TW" sz="4000" dirty="0">
-                <a:latin typeface="Consolas" panose="020B0609020204030204" pitchFamily="49" charset="0"/>
-              </a:rPr>
-              <a:t>#...#</a:t>
-            </a:r>
-            <a:r>
-              <a:rPr lang="en-US" altLang="zh-TW" sz="4000" dirty="0">
-                <a:highlight>
-                  <a:srgbClr val="FF0000"/>
-                </a:highlight>
-                <a:latin typeface="Consolas" panose="020B0609020204030204" pitchFamily="49" charset="0"/>
-              </a:rPr>
-              <a:t>.</a:t>
-            </a:r>
-            <a:r>
-              <a:rPr lang="en-US" altLang="zh-TW" sz="4000" dirty="0">
-                <a:latin typeface="Consolas" panose="020B0609020204030204" pitchFamily="49" charset="0"/>
-              </a:rPr>
-              <a:t>.#..#</a:t>
-            </a:r>
-          </a:p>
-          <a:p>
-            <a:pPr algn="ctr"/>
-            <a:r>
-              <a:rPr lang="en-US" altLang="zh-TW" sz="4000" dirty="0">
-                <a:latin typeface="Consolas" panose="020B0609020204030204" pitchFamily="49" charset="0"/>
-              </a:rPr>
-              <a:t>#...#</a:t>
-            </a:r>
-            <a:r>
-              <a:rPr lang="en-US" altLang="zh-TW" sz="4000" dirty="0">
-                <a:highlight>
-                  <a:srgbClr val="FF0000"/>
-                </a:highlight>
-                <a:latin typeface="Consolas" panose="020B0609020204030204" pitchFamily="49" charset="0"/>
-              </a:rPr>
-              <a:t>#</a:t>
-            </a:r>
-            <a:r>
-              <a:rPr lang="en-US" altLang="zh-TW" sz="4000" dirty="0">
-                <a:latin typeface="Consolas" panose="020B0609020204030204" pitchFamily="49" charset="0"/>
-              </a:rPr>
-              <a:t>#...#</a:t>
-            </a:r>
-          </a:p>
-          <a:p>
-            <a:pPr algn="ctr"/>
-            <a:r>
-              <a:rPr lang="en-US" altLang="zh-TW" sz="4000" dirty="0">
-                <a:latin typeface="Consolas" panose="020B0609020204030204" pitchFamily="49" charset="0"/>
-              </a:rPr>
-              <a:t>#.....#...#</a:t>
-            </a:r>
-          </a:p>
-          <a:p>
-            <a:pPr algn="ctr"/>
-            <a:r>
-              <a:rPr lang="en-US" altLang="zh-TW" sz="4000" dirty="0">
-                <a:latin typeface="Consolas" panose="020B0609020204030204" pitchFamily="49" charset="0"/>
-              </a:rPr>
-              <a:t>###########</a:t>
-            </a:r>
-            <a:endParaRPr lang="zh-TW" altLang="en-US" sz="4000" dirty="0">
-              <a:latin typeface="Consolas" panose="020B0609020204030204" pitchFamily="49" charset="0"/>
-            </a:endParaRPr>
-          </a:p>
-        </p:txBody>
-      </p:sp>
-    </p:spTree>
-    <p:extLst>
-      <p:ext uri="{BB962C8B-B14F-4D97-AF65-F5344CB8AC3E}">
-        <p14:creationId xmlns:p14="http://schemas.microsoft.com/office/powerpoint/2010/main" val="3451858875"/>
-      </p:ext>
-    </p:extLst>
-  </p:cSld>
-  <p:clrMapOvr>
-    <a:masterClrMapping/>
-  </p:clrMapOvr>
-  <mc:AlternateContent xmlns:mc="http://schemas.openxmlformats.org/markup-compatibility/2006">
-    <mc:Choice xmlns:p159="http://schemas.microsoft.com/office/powerpoint/2015/09/main" Requires="p159">
-      <p:transition spd="slow">
-        <p159:morph option="byChar"/>
-      </p:transition>
-    </mc:Choice>
-    <mc:Fallback>
-      <p:transition spd="slow">
-        <p:fade/>
-      </p:transition>
-    </mc:Fallback>
-  </mc:AlternateContent>
-</p:sld>
-</file>
-
-<file path=ppt/slides/slide42.xml><?xml version="1.0" encoding="utf-8"?>
-<p:sld xmlns:a="http://schemas.openxmlformats.org/drawingml/2006/main" xmlns:r="http://schemas.openxmlformats.org/officeDocument/2006/relationships" xmlns:p="http://schemas.openxmlformats.org/presentationml/2006/main">
-  <p:cSld>
-    <p:spTree>
-      <p:nvGrpSpPr>
-        <p:cNvPr id="1" name=""/>
-        <p:cNvGrpSpPr/>
-        <p:nvPr/>
-      </p:nvGrpSpPr>
-      <p:grpSpPr>
-        <a:xfrm>
-          <a:off x="0" y="0"/>
-          <a:ext cx="0" cy="0"/>
-          <a:chOff x="0" y="0"/>
-          <a:chExt cx="0" cy="0"/>
-        </a:xfrm>
-      </p:grpSpPr>
-      <p:sp>
-        <p:nvSpPr>
-          <p:cNvPr id="2" name="標題 1">
-            <a:extLst>
-              <a:ext uri="{FF2B5EF4-FFF2-40B4-BE49-F238E27FC236}">
-                <a16:creationId xmlns:a16="http://schemas.microsoft.com/office/drawing/2014/main" id="{7D77C5FB-2098-4AE7-BE8E-49605106F9C2}"/>
-              </a:ext>
-            </a:extLst>
-          </p:cNvPr>
-          <p:cNvSpPr>
-            <a:spLocks noGrp="1"/>
-          </p:cNvSpPr>
-          <p:nvPr>
-            <p:ph type="title"/>
-          </p:nvPr>
-        </p:nvSpPr>
-        <p:spPr>
-          <a:xfrm>
-            <a:off x="1141412" y="609600"/>
-            <a:ext cx="10593387" cy="1905000"/>
-          </a:xfrm>
-        </p:spPr>
-        <p:txBody>
-          <a:bodyPr/>
-          <a:lstStyle/>
-          <a:p>
-            <a:r>
-              <a:rPr lang="zh-TW" altLang="en-US" cap="none" dirty="0">
-                <a:latin typeface="STHeiti TC" panose="02000000000000000000" pitchFamily="2" charset="-120"/>
-                <a:ea typeface="STHeiti TC" panose="02000000000000000000" pitchFamily="2" charset="-120"/>
-              </a:rPr>
-              <a:t>遞迴</a:t>
-            </a:r>
-            <a:r>
-              <a:rPr lang="en-US" altLang="zh-TW" cap="none" dirty="0">
-                <a:latin typeface="Consolas" panose="020B0609020204030204" pitchFamily="49" charset="0"/>
-              </a:rPr>
-              <a:t> – </a:t>
-            </a:r>
-            <a:r>
-              <a:rPr lang="zh-TW" altLang="en-US" cap="none" dirty="0">
-                <a:latin typeface="STHeiti TC" panose="02000000000000000000" pitchFamily="2" charset="-120"/>
-                <a:ea typeface="STHeiti TC" panose="02000000000000000000" pitchFamily="2" charset="-120"/>
-              </a:rPr>
-              <a:t>範例：迷宮</a:t>
-            </a:r>
-            <a:r>
-              <a:rPr lang="en-US" altLang="zh-TW" cap="none" dirty="0">
-                <a:latin typeface="Consolas" panose="020B0609020204030204" pitchFamily="49" charset="0"/>
-              </a:rPr>
-              <a:t> </a:t>
-            </a:r>
-            <a:r>
-              <a:rPr lang="en-US" altLang="zh-TW" cap="none" dirty="0">
-                <a:solidFill>
-                  <a:srgbClr val="FFFF00"/>
-                </a:solidFill>
-                <a:latin typeface="Consolas" panose="020B0609020204030204" pitchFamily="49" charset="0"/>
-              </a:rPr>
-              <a:t>| </a:t>
-            </a:r>
-            <a:r>
-              <a:rPr lang="zh-TW" altLang="en-US" cap="none" dirty="0">
-                <a:solidFill>
-                  <a:srgbClr val="FFFF00"/>
-                </a:solidFill>
-                <a:latin typeface="STHeiti TC" panose="02000000000000000000" pitchFamily="2" charset="-120"/>
-                <a:ea typeface="STHeiti TC" panose="02000000000000000000" pitchFamily="2" charset="-120"/>
-              </a:rPr>
-              <a:t>遞迴函式</a:t>
-            </a:r>
-            <a:endParaRPr lang="zh-TW" altLang="en-US" dirty="0"/>
-          </a:p>
-        </p:txBody>
-      </p:sp>
-      <p:sp>
-        <p:nvSpPr>
-          <p:cNvPr id="3" name="文字方塊 2">
-            <a:extLst>
-              <a:ext uri="{FF2B5EF4-FFF2-40B4-BE49-F238E27FC236}">
-                <a16:creationId xmlns:a16="http://schemas.microsoft.com/office/drawing/2014/main" id="{36630E97-6766-4CF4-B065-4C55532B24F7}"/>
-              </a:ext>
-            </a:extLst>
-          </p:cNvPr>
-          <p:cNvSpPr txBox="1"/>
-          <p:nvPr/>
-        </p:nvSpPr>
-        <p:spPr>
-          <a:xfrm>
-            <a:off x="4341394" y="2758351"/>
-            <a:ext cx="3509211" cy="3170099"/>
-          </a:xfrm>
-          <a:prstGeom prst="rect">
-            <a:avLst/>
-          </a:prstGeom>
-          <a:noFill/>
-        </p:spPr>
-        <p:txBody>
-          <a:bodyPr wrap="square" rtlCol="0">
-            <a:spAutoFit/>
-          </a:bodyPr>
-          <a:lstStyle/>
-          <a:p>
-            <a:pPr algn="ctr"/>
-            <a:r>
-              <a:rPr lang="en-US" altLang="zh-TW" sz="4000" dirty="0">
-                <a:latin typeface="Consolas" panose="020B0609020204030204" pitchFamily="49" charset="0"/>
-              </a:rPr>
-              <a:t>###########</a:t>
-            </a:r>
-          </a:p>
-          <a:p>
-            <a:pPr algn="ctr"/>
-            <a:r>
-              <a:rPr lang="en-US" altLang="zh-TW" sz="4000" dirty="0">
-                <a:latin typeface="Consolas" panose="020B0609020204030204" pitchFamily="49" charset="0"/>
-              </a:rPr>
-              <a:t>#...#</a:t>
-            </a:r>
-            <a:r>
-              <a:rPr lang="en-US" altLang="zh-TW" sz="4000" dirty="0">
-                <a:highlight>
-                  <a:srgbClr val="FF0000"/>
-                </a:highlight>
-                <a:latin typeface="Consolas" panose="020B0609020204030204" pitchFamily="49" charset="0"/>
-              </a:rPr>
-              <a:t>#.</a:t>
-            </a:r>
-            <a:r>
-              <a:rPr lang="en-US" altLang="zh-TW" sz="4000" dirty="0">
-                <a:latin typeface="Consolas" panose="020B0609020204030204" pitchFamily="49" charset="0"/>
-              </a:rPr>
-              <a:t>#..#</a:t>
-            </a:r>
-          </a:p>
-          <a:p>
-            <a:pPr algn="ctr"/>
-            <a:r>
-              <a:rPr lang="en-US" altLang="zh-TW" sz="4000" dirty="0">
-                <a:latin typeface="Consolas" panose="020B0609020204030204" pitchFamily="49" charset="0"/>
-              </a:rPr>
-              <a:t>#...#</a:t>
-            </a:r>
-            <a:r>
-              <a:rPr lang="en-US" altLang="zh-TW" sz="4000" dirty="0">
-                <a:highlight>
-                  <a:srgbClr val="FF0000"/>
-                </a:highlight>
-                <a:latin typeface="Consolas" panose="020B0609020204030204" pitchFamily="49" charset="0"/>
-              </a:rPr>
-              <a:t>#</a:t>
-            </a:r>
-            <a:r>
-              <a:rPr lang="en-US" altLang="zh-TW" sz="4000" dirty="0">
-                <a:latin typeface="Consolas" panose="020B0609020204030204" pitchFamily="49" charset="0"/>
-              </a:rPr>
-              <a:t>#...#</a:t>
-            </a:r>
-          </a:p>
-          <a:p>
-            <a:pPr algn="ctr"/>
-            <a:r>
-              <a:rPr lang="en-US" altLang="zh-TW" sz="4000" dirty="0">
-                <a:latin typeface="Consolas" panose="020B0609020204030204" pitchFamily="49" charset="0"/>
-              </a:rPr>
-              <a:t>#.....#...#</a:t>
-            </a:r>
-          </a:p>
-          <a:p>
-            <a:pPr algn="ctr"/>
-            <a:r>
-              <a:rPr lang="en-US" altLang="zh-TW" sz="4000" dirty="0">
-                <a:latin typeface="Consolas" panose="020B0609020204030204" pitchFamily="49" charset="0"/>
-              </a:rPr>
-              <a:t>###########</a:t>
-            </a:r>
-            <a:endParaRPr lang="zh-TW" altLang="en-US" sz="4000" dirty="0">
-              <a:latin typeface="Consolas" panose="020B0609020204030204" pitchFamily="49" charset="0"/>
-            </a:endParaRPr>
-          </a:p>
-        </p:txBody>
-      </p:sp>
-    </p:spTree>
-    <p:extLst>
-      <p:ext uri="{BB962C8B-B14F-4D97-AF65-F5344CB8AC3E}">
-        <p14:creationId xmlns:p14="http://schemas.microsoft.com/office/powerpoint/2010/main" val="3949229952"/>
-      </p:ext>
-    </p:extLst>
-  </p:cSld>
-  <p:clrMapOvr>
-    <a:masterClrMapping/>
-  </p:clrMapOvr>
-  <mc:AlternateContent xmlns:mc="http://schemas.openxmlformats.org/markup-compatibility/2006">
-    <mc:Choice xmlns:p159="http://schemas.microsoft.com/office/powerpoint/2015/09/main" Requires="p159">
-      <p:transition spd="slow">
-        <p159:morph option="byChar"/>
-      </p:transition>
-    </mc:Choice>
-    <mc:Fallback>
+    <mc:Fallback xmlns="">
       <p:transition spd="slow">
         <p:fade/>
       </p:transition>
@@ -30019,6 +30802,15 @@
               <a:rPr lang="en-US" altLang="zh-TW" sz="4000" dirty="0">
                 <a:latin typeface="Consolas" panose="020B0609020204030204" pitchFamily="49" charset="0"/>
               </a:rPr>
+              <a:t>#...#..#..#</a:t>
+            </a:r>
+          </a:p>
+          <a:p>
+            <a:pPr algn="ctr"/>
+            <a:r>
+              <a:rPr lang="en-US" altLang="zh-TW" sz="4000" dirty="0">
+                <a:latin typeface="Consolas" panose="020B0609020204030204" pitchFamily="49" charset="0"/>
+              </a:rPr>
               <a:t>#...#</a:t>
             </a:r>
             <a:r>
@@ -30028,31 +30820,7 @@
                 </a:highlight>
                 <a:latin typeface="Consolas" panose="020B0609020204030204" pitchFamily="49" charset="0"/>
               </a:rPr>
-              <a:t>##</a:t>
-            </a:r>
-            <a:r>
-              <a:rPr lang="en-US" altLang="zh-TW" sz="4000" dirty="0">
-                <a:latin typeface="Consolas" panose="020B0609020204030204" pitchFamily="49" charset="0"/>
-              </a:rPr>
-              <a:t>#..#</a:t>
-            </a:r>
-          </a:p>
-          <a:p>
-            <a:pPr algn="ctr"/>
-            <a:r>
-              <a:rPr lang="en-US" altLang="zh-TW" sz="4000" dirty="0">
-                <a:latin typeface="Consolas" panose="020B0609020204030204" pitchFamily="49" charset="0"/>
-              </a:rPr>
-              <a:t>#...#</a:t>
-            </a:r>
-            <a:r>
-              <a:rPr lang="en-US" altLang="zh-TW" sz="4000" dirty="0">
-                <a:highlight>
-                  <a:srgbClr val="FF0000"/>
-                </a:highlight>
-                <a:latin typeface="Consolas" panose="020B0609020204030204" pitchFamily="49" charset="0"/>
-              </a:rPr>
-              <a:t>#</a:t>
+              <a:t>.</a:t>
             </a:r>
             <a:r>
               <a:rPr lang="en-US" altLang="zh-TW" sz="4000" dirty="0">
@@ -30087,20 +30855,20 @@
     </p:spTree>
     <p:extLst>
       <p:ext uri="{BB962C8B-B14F-4D97-AF65-F5344CB8AC3E}">
-        <p14:creationId xmlns:p14="http://schemas.microsoft.com/office/powerpoint/2010/main" val="941220507"/>
+        <p14:creationId xmlns:p14="http://schemas.microsoft.com/office/powerpoint/2010/main" val="3582894403"/>
       </p:ext>
     </p:extLst>
   </p:cSld>
   <p:clrMapOvr>
     <a:masterClrMapping/>
   </p:clrMapOvr>
-  <mc:AlternateContent xmlns:mc="http://schemas.openxmlformats.org/markup-compatibility/2006">
-    <mc:Choice xmlns:p159="http://schemas.microsoft.com/office/powerpoint/2015/09/main" Requires="p159">
+  <mc:AlternateContent xmlns:mc="http://schemas.openxmlformats.org/markup-compatibility/2006" xmlns:p159="http://schemas.microsoft.com/office/powerpoint/2015/09/main">
+    <mc:Choice Requires="p159">
       <p:transition spd="slow">
         <p159:morph option="byChar"/>
       </p:transition>
     </mc:Choice>
-    <mc:Fallback>
+    <mc:Fallback xmlns="">
       <p:transition spd="slow">
         <p:fade/>
       </p:transition>
@@ -30252,7 +31020,7 @@
                 </a:highlight>
                 <a:latin typeface="Consolas" panose="020B0609020204030204" pitchFamily="49" charset="0"/>
               </a:rPr>
-              <a:t>#</a:t>
+              <a:t>.</a:t>
             </a:r>
             <a:r>
               <a:rPr lang="en-US" altLang="zh-TW" sz="4000" dirty="0">
@@ -30311,20 +31079,20 @@
     </p:spTree>
     <p:extLst>
       <p:ext uri="{BB962C8B-B14F-4D97-AF65-F5344CB8AC3E}">
-        <p14:creationId xmlns:p14="http://schemas.microsoft.com/office/powerpoint/2010/main" val="3824792781"/>
+        <p14:creationId xmlns:p14="http://schemas.microsoft.com/office/powerpoint/2010/main" val="3451858875"/>
       </p:ext>
     </p:extLst>
   </p:cSld>
   <p:clrMapOvr>
     <a:masterClrMapping/>
   </p:clrMapOvr>
-  <mc:AlternateContent xmlns:mc="http://schemas.openxmlformats.org/markup-compatibility/2006">
-    <mc:Choice xmlns:p159="http://schemas.microsoft.com/office/powerpoint/2015/09/main" Requires="p159">
+  <mc:AlternateContent xmlns:mc="http://schemas.openxmlformats.org/markup-compatibility/2006" xmlns:p159="http://schemas.microsoft.com/office/powerpoint/2015/09/main">
+    <mc:Choice Requires="p159">
       <p:transition spd="slow">
         <p159:morph option="byChar"/>
       </p:transition>
     </mc:Choice>
-    <mc:Fallback>
+    <mc:Fallback xmlns="">
       <p:transition spd="slow">
         <p:fade/>
       </p:transition>
@@ -30467,7 +31235,22 @@
               <a:rPr lang="en-US" altLang="zh-TW" sz="4000" dirty="0">
                 <a:latin typeface="Consolas" panose="020B0609020204030204" pitchFamily="49" charset="0"/>
               </a:rPr>
-              <a:t>#...#..#..#</a:t>
+              <a:t>#...#</a:t>
+            </a:r>
+            <a:r>
+              <a:rPr lang="en-US" altLang="zh-TW" sz="4000" dirty="0">
+                <a:highlight>
+                  <a:srgbClr val="FF0000"/>
+                </a:highlight>
+                <a:latin typeface="Consolas" panose="020B0609020204030204" pitchFamily="49" charset="0"/>
+              </a:rPr>
+              <a:t>#.</a:t>
+            </a:r>
+            <a:r>
+              <a:rPr lang="en-US" altLang="zh-TW" sz="4000" dirty="0">
+                <a:latin typeface="Consolas" panose="020B0609020204030204" pitchFamily="49" charset="0"/>
+              </a:rPr>
+              <a:t>#..#</a:t>
             </a:r>
           </a:p>
           <a:p>
@@ -30520,20 +31303,20 @@
     </p:spTree>
     <p:extLst>
       <p:ext uri="{BB962C8B-B14F-4D97-AF65-F5344CB8AC3E}">
-        <p14:creationId xmlns:p14="http://schemas.microsoft.com/office/powerpoint/2010/main" val="4284699570"/>
+        <p14:creationId xmlns:p14="http://schemas.microsoft.com/office/powerpoint/2010/main" val="3949229952"/>
       </p:ext>
     </p:extLst>
   </p:cSld>
   <p:clrMapOvr>
     <a:masterClrMapping/>
   </p:clrMapOvr>
-  <mc:AlternateContent xmlns:mc="http://schemas.openxmlformats.org/markup-compatibility/2006">
-    <mc:Choice xmlns:p159="http://schemas.microsoft.com/office/powerpoint/2015/09/main" Requires="p159">
+  <mc:AlternateContent xmlns:mc="http://schemas.openxmlformats.org/markup-compatibility/2006" xmlns:p159="http://schemas.microsoft.com/office/powerpoint/2015/09/main">
+    <mc:Choice Requires="p159">
       <p:transition spd="slow">
         <p159:morph option="byChar"/>
       </p:transition>
     </mc:Choice>
-    <mc:Fallback>
+    <mc:Fallback xmlns="">
       <p:transition spd="slow">
         <p:fade/>
       </p:transition>
@@ -30676,15 +31459,6 @@
               <a:rPr lang="en-US" altLang="zh-TW" sz="4000" dirty="0">
                 <a:latin typeface="Consolas" panose="020B0609020204030204" pitchFamily="49" charset="0"/>
               </a:rPr>
-              <a:t>#...#..#..#</a:t>
-            </a:r>
-          </a:p>
-          <a:p>
-            <a:pPr algn="ctr"/>
-            <a:r>
-              <a:rPr lang="en-US" altLang="zh-TW" sz="4000" dirty="0">
-                <a:latin typeface="Consolas" panose="020B0609020204030204" pitchFamily="49" charset="0"/>
-              </a:rPr>
               <a:t>#...#</a:t>
             </a:r>
             <a:r>
@@ -30694,13 +31468,13 @@
                 </a:highlight>
                 <a:latin typeface="Consolas" panose="020B0609020204030204" pitchFamily="49" charset="0"/>
               </a:rPr>
-              <a:t>#</a:t>
+              <a:t>##</a:t>
             </a:r>
             <a:r>
               <a:rPr lang="en-US" altLang="zh-TW" sz="4000" dirty="0">
                 <a:latin typeface="Consolas" panose="020B0609020204030204" pitchFamily="49" charset="0"/>
               </a:rPr>
-              <a:t>#...#</a:t>
+              <a:t>#..#</a:t>
             </a:r>
           </a:p>
           <a:p>
@@ -30709,7 +31483,7 @@
               <a:rPr lang="en-US" altLang="zh-TW" sz="4000" dirty="0">
                 <a:latin typeface="Consolas" panose="020B0609020204030204" pitchFamily="49" charset="0"/>
               </a:rPr>
-              <a:t>#....</a:t>
+              <a:t>#...#</a:t>
             </a:r>
             <a:r>
               <a:rPr lang="en-US" altLang="zh-TW" sz="4000" dirty="0">
@@ -30718,13 +31492,22 @@
                 </a:highlight>
                 <a:latin typeface="Consolas" panose="020B0609020204030204" pitchFamily="49" charset="0"/>
               </a:rPr>
-              <a:t>.</a:t>
+              <a:t>#</a:t>
             </a:r>
             <a:r>
               <a:rPr lang="en-US" altLang="zh-TW" sz="4000" dirty="0">
                 <a:latin typeface="Consolas" panose="020B0609020204030204" pitchFamily="49" charset="0"/>
               </a:rPr>
               <a:t>#...#</a:t>
+            </a:r>
+          </a:p>
+          <a:p>
+            <a:pPr algn="ctr"/>
+            <a:r>
+              <a:rPr lang="en-US" altLang="zh-TW" sz="4000" dirty="0">
+                <a:latin typeface="Consolas" panose="020B0609020204030204" pitchFamily="49" charset="0"/>
+              </a:rPr>
+              <a:t>#.....#...#</a:t>
             </a:r>
           </a:p>
           <a:p>
@@ -30744,20 +31527,20 @@
     </p:spTree>
     <p:extLst>
       <p:ext uri="{BB962C8B-B14F-4D97-AF65-F5344CB8AC3E}">
-        <p14:creationId xmlns:p14="http://schemas.microsoft.com/office/powerpoint/2010/main" val="1911723664"/>
+        <p14:creationId xmlns:p14="http://schemas.microsoft.com/office/powerpoint/2010/main" val="941220507"/>
       </p:ext>
     </p:extLst>
   </p:cSld>
   <p:clrMapOvr>
     <a:masterClrMapping/>
   </p:clrMapOvr>
-  <mc:AlternateContent xmlns:mc="http://schemas.openxmlformats.org/markup-compatibility/2006">
-    <mc:Choice xmlns:p159="http://schemas.microsoft.com/office/powerpoint/2015/09/main" Requires="p159">
+  <mc:AlternateContent xmlns:mc="http://schemas.openxmlformats.org/markup-compatibility/2006" xmlns:p159="http://schemas.microsoft.com/office/powerpoint/2015/09/main">
+    <mc:Choice Requires="p159">
       <p:transition spd="slow">
         <p159:morph option="byChar"/>
       </p:transition>
     </mc:Choice>
-    <mc:Fallback>
+    <mc:Fallback xmlns="">
       <p:transition spd="slow">
         <p:fade/>
       </p:transition>
@@ -30900,6 +31683,1152 @@
               <a:rPr lang="en-US" altLang="zh-TW" sz="4000" dirty="0">
                 <a:latin typeface="Consolas" panose="020B0609020204030204" pitchFamily="49" charset="0"/>
               </a:rPr>
+              <a:t>#...#</a:t>
+            </a:r>
+            <a:r>
+              <a:rPr lang="en-US" altLang="zh-TW" sz="4000" dirty="0">
+                <a:highlight>
+                  <a:srgbClr val="FF0000"/>
+                </a:highlight>
+                <a:latin typeface="Consolas" panose="020B0609020204030204" pitchFamily="49" charset="0"/>
+              </a:rPr>
+              <a:t>#</a:t>
+            </a:r>
+            <a:r>
+              <a:rPr lang="en-US" altLang="zh-TW" sz="4000" dirty="0">
+                <a:latin typeface="Consolas" panose="020B0609020204030204" pitchFamily="49" charset="0"/>
+              </a:rPr>
+              <a:t>.#..#</a:t>
+            </a:r>
+          </a:p>
+          <a:p>
+            <a:pPr algn="ctr"/>
+            <a:r>
+              <a:rPr lang="en-US" altLang="zh-TW" sz="4000" dirty="0">
+                <a:latin typeface="Consolas" panose="020B0609020204030204" pitchFamily="49" charset="0"/>
+              </a:rPr>
+              <a:t>#...#</a:t>
+            </a:r>
+            <a:r>
+              <a:rPr lang="en-US" altLang="zh-TW" sz="4000" dirty="0">
+                <a:highlight>
+                  <a:srgbClr val="FF0000"/>
+                </a:highlight>
+                <a:latin typeface="Consolas" panose="020B0609020204030204" pitchFamily="49" charset="0"/>
+              </a:rPr>
+              <a:t>#</a:t>
+            </a:r>
+            <a:r>
+              <a:rPr lang="en-US" altLang="zh-TW" sz="4000" dirty="0">
+                <a:latin typeface="Consolas" panose="020B0609020204030204" pitchFamily="49" charset="0"/>
+              </a:rPr>
+              <a:t>#...#</a:t>
+            </a:r>
+          </a:p>
+          <a:p>
+            <a:pPr algn="ctr"/>
+            <a:r>
+              <a:rPr lang="en-US" altLang="zh-TW" sz="4000" dirty="0">
+                <a:latin typeface="Consolas" panose="020B0609020204030204" pitchFamily="49" charset="0"/>
+              </a:rPr>
+              <a:t>#.....#...#</a:t>
+            </a:r>
+          </a:p>
+          <a:p>
+            <a:pPr algn="ctr"/>
+            <a:r>
+              <a:rPr lang="en-US" altLang="zh-TW" sz="4000" dirty="0">
+                <a:latin typeface="Consolas" panose="020B0609020204030204" pitchFamily="49" charset="0"/>
+              </a:rPr>
+              <a:t>###########</a:t>
+            </a:r>
+            <a:endParaRPr lang="zh-TW" altLang="en-US" sz="4000" dirty="0">
+              <a:latin typeface="Consolas" panose="020B0609020204030204" pitchFamily="49" charset="0"/>
+            </a:endParaRPr>
+          </a:p>
+        </p:txBody>
+      </p:sp>
+    </p:spTree>
+    <p:extLst>
+      <p:ext uri="{BB962C8B-B14F-4D97-AF65-F5344CB8AC3E}">
+        <p14:creationId xmlns:p14="http://schemas.microsoft.com/office/powerpoint/2010/main" val="3824792781"/>
+      </p:ext>
+    </p:extLst>
+  </p:cSld>
+  <p:clrMapOvr>
+    <a:masterClrMapping/>
+  </p:clrMapOvr>
+  <mc:AlternateContent xmlns:mc="http://schemas.openxmlformats.org/markup-compatibility/2006" xmlns:p159="http://schemas.microsoft.com/office/powerpoint/2015/09/main">
+    <mc:Choice Requires="p159">
+      <p:transition spd="slow">
+        <p159:morph option="byChar"/>
+      </p:transition>
+    </mc:Choice>
+    <mc:Fallback xmlns="">
+      <p:transition spd="slow">
+        <p:fade/>
+      </p:transition>
+    </mc:Fallback>
+  </mc:AlternateContent>
+</p:sld>
+</file>
+
+<file path=ppt/slides/slide48.xml><?xml version="1.0" encoding="utf-8"?>
+<p:sld xmlns:a="http://schemas.openxmlformats.org/drawingml/2006/main" xmlns:r="http://schemas.openxmlformats.org/officeDocument/2006/relationships" xmlns:p="http://schemas.openxmlformats.org/presentationml/2006/main">
+  <p:cSld>
+    <p:spTree>
+      <p:nvGrpSpPr>
+        <p:cNvPr id="1" name=""/>
+        <p:cNvGrpSpPr/>
+        <p:nvPr/>
+      </p:nvGrpSpPr>
+      <p:grpSpPr>
+        <a:xfrm>
+          <a:off x="0" y="0"/>
+          <a:ext cx="0" cy="0"/>
+          <a:chOff x="0" y="0"/>
+          <a:chExt cx="0" cy="0"/>
+        </a:xfrm>
+      </p:grpSpPr>
+      <p:sp>
+        <p:nvSpPr>
+          <p:cNvPr id="2" name="標題 1">
+            <a:extLst>
+              <a:ext uri="{FF2B5EF4-FFF2-40B4-BE49-F238E27FC236}">
+                <a16:creationId xmlns:a16="http://schemas.microsoft.com/office/drawing/2014/main" id="{7D77C5FB-2098-4AE7-BE8E-49605106F9C2}"/>
+              </a:ext>
+            </a:extLst>
+          </p:cNvPr>
+          <p:cNvSpPr>
+            <a:spLocks noGrp="1"/>
+          </p:cNvSpPr>
+          <p:nvPr>
+            <p:ph type="title"/>
+          </p:nvPr>
+        </p:nvSpPr>
+        <p:spPr>
+          <a:xfrm>
+            <a:off x="1141412" y="609600"/>
+            <a:ext cx="10593387" cy="1905000"/>
+          </a:xfrm>
+        </p:spPr>
+        <p:txBody>
+          <a:bodyPr/>
+          <a:lstStyle/>
+          <a:p>
+            <a:r>
+              <a:rPr lang="zh-TW" altLang="en-US" cap="none" dirty="0">
+                <a:latin typeface="STHeiti TC" panose="02000000000000000000" pitchFamily="2" charset="-120"/>
+                <a:ea typeface="STHeiti TC" panose="02000000000000000000" pitchFamily="2" charset="-120"/>
+              </a:rPr>
+              <a:t>遞迴</a:t>
+            </a:r>
+            <a:r>
+              <a:rPr lang="en-US" altLang="zh-TW" cap="none" dirty="0">
+                <a:latin typeface="Consolas" panose="020B0609020204030204" pitchFamily="49" charset="0"/>
+              </a:rPr>
+              <a:t> – </a:t>
+            </a:r>
+            <a:r>
+              <a:rPr lang="zh-TW" altLang="en-US" cap="none" dirty="0">
+                <a:latin typeface="STHeiti TC" panose="02000000000000000000" pitchFamily="2" charset="-120"/>
+                <a:ea typeface="STHeiti TC" panose="02000000000000000000" pitchFamily="2" charset="-120"/>
+              </a:rPr>
+              <a:t>範例：迷宮</a:t>
+            </a:r>
+            <a:r>
+              <a:rPr lang="en-US" altLang="zh-TW" cap="none" dirty="0">
+                <a:latin typeface="Consolas" panose="020B0609020204030204" pitchFamily="49" charset="0"/>
+              </a:rPr>
+              <a:t> </a:t>
+            </a:r>
+            <a:r>
+              <a:rPr lang="en-US" altLang="zh-TW" cap="none" dirty="0">
+                <a:solidFill>
+                  <a:srgbClr val="FFFF00"/>
+                </a:solidFill>
+                <a:latin typeface="Consolas" panose="020B0609020204030204" pitchFamily="49" charset="0"/>
+              </a:rPr>
+              <a:t>| </a:t>
+            </a:r>
+            <a:r>
+              <a:rPr lang="zh-TW" altLang="en-US" cap="none" dirty="0">
+                <a:solidFill>
+                  <a:srgbClr val="FFFF00"/>
+                </a:solidFill>
+                <a:latin typeface="STHeiti TC" panose="02000000000000000000" pitchFamily="2" charset="-120"/>
+                <a:ea typeface="STHeiti TC" panose="02000000000000000000" pitchFamily="2" charset="-120"/>
+              </a:rPr>
+              <a:t>遞迴函式</a:t>
+            </a:r>
+            <a:endParaRPr lang="zh-TW" altLang="en-US" dirty="0"/>
+          </a:p>
+        </p:txBody>
+      </p:sp>
+      <p:sp>
+        <p:nvSpPr>
+          <p:cNvPr id="3" name="文字方塊 2">
+            <a:extLst>
+              <a:ext uri="{FF2B5EF4-FFF2-40B4-BE49-F238E27FC236}">
+                <a16:creationId xmlns:a16="http://schemas.microsoft.com/office/drawing/2014/main" id="{36630E97-6766-4CF4-B065-4C55532B24F7}"/>
+              </a:ext>
+            </a:extLst>
+          </p:cNvPr>
+          <p:cNvSpPr txBox="1"/>
+          <p:nvPr/>
+        </p:nvSpPr>
+        <p:spPr>
+          <a:xfrm>
+            <a:off x="4341394" y="2758351"/>
+            <a:ext cx="3509211" cy="3170099"/>
+          </a:xfrm>
+          <a:prstGeom prst="rect">
+            <a:avLst/>
+          </a:prstGeom>
+          <a:noFill/>
+        </p:spPr>
+        <p:txBody>
+          <a:bodyPr wrap="square" rtlCol="0">
+            <a:spAutoFit/>
+          </a:bodyPr>
+          <a:lstStyle/>
+          <a:p>
+            <a:pPr algn="ctr"/>
+            <a:r>
+              <a:rPr lang="en-US" altLang="zh-TW" sz="4000" dirty="0">
+                <a:latin typeface="Consolas" panose="020B0609020204030204" pitchFamily="49" charset="0"/>
+              </a:rPr>
+              <a:t>###########</a:t>
+            </a:r>
+          </a:p>
+          <a:p>
+            <a:pPr algn="ctr"/>
+            <a:r>
+              <a:rPr lang="en-US" altLang="zh-TW" sz="4000" dirty="0">
+                <a:latin typeface="Consolas" panose="020B0609020204030204" pitchFamily="49" charset="0"/>
+              </a:rPr>
+              <a:t>#...#..#..#</a:t>
+            </a:r>
+          </a:p>
+          <a:p>
+            <a:pPr algn="ctr"/>
+            <a:r>
+              <a:rPr lang="en-US" altLang="zh-TW" sz="4000" dirty="0">
+                <a:latin typeface="Consolas" panose="020B0609020204030204" pitchFamily="49" charset="0"/>
+              </a:rPr>
+              <a:t>#...#</a:t>
+            </a:r>
+            <a:r>
+              <a:rPr lang="en-US" altLang="zh-TW" sz="4000" dirty="0">
+                <a:highlight>
+                  <a:srgbClr val="FF0000"/>
+                </a:highlight>
+                <a:latin typeface="Consolas" panose="020B0609020204030204" pitchFamily="49" charset="0"/>
+              </a:rPr>
+              <a:t>#</a:t>
+            </a:r>
+            <a:r>
+              <a:rPr lang="en-US" altLang="zh-TW" sz="4000" dirty="0">
+                <a:latin typeface="Consolas" panose="020B0609020204030204" pitchFamily="49" charset="0"/>
+              </a:rPr>
+              <a:t>#...#</a:t>
+            </a:r>
+          </a:p>
+          <a:p>
+            <a:pPr algn="ctr"/>
+            <a:r>
+              <a:rPr lang="en-US" altLang="zh-TW" sz="4000" dirty="0">
+                <a:latin typeface="Consolas" panose="020B0609020204030204" pitchFamily="49" charset="0"/>
+              </a:rPr>
+              <a:t>#.....#...#</a:t>
+            </a:r>
+          </a:p>
+          <a:p>
+            <a:pPr algn="ctr"/>
+            <a:r>
+              <a:rPr lang="en-US" altLang="zh-TW" sz="4000" dirty="0">
+                <a:latin typeface="Consolas" panose="020B0609020204030204" pitchFamily="49" charset="0"/>
+              </a:rPr>
+              <a:t>###########</a:t>
+            </a:r>
+            <a:endParaRPr lang="zh-TW" altLang="en-US" sz="4000" dirty="0">
+              <a:latin typeface="Consolas" panose="020B0609020204030204" pitchFamily="49" charset="0"/>
+            </a:endParaRPr>
+          </a:p>
+        </p:txBody>
+      </p:sp>
+    </p:spTree>
+    <p:extLst>
+      <p:ext uri="{BB962C8B-B14F-4D97-AF65-F5344CB8AC3E}">
+        <p14:creationId xmlns:p14="http://schemas.microsoft.com/office/powerpoint/2010/main" val="4284699570"/>
+      </p:ext>
+    </p:extLst>
+  </p:cSld>
+  <p:clrMapOvr>
+    <a:masterClrMapping/>
+  </p:clrMapOvr>
+  <mc:AlternateContent xmlns:mc="http://schemas.openxmlformats.org/markup-compatibility/2006" xmlns:p159="http://schemas.microsoft.com/office/powerpoint/2015/09/main">
+    <mc:Choice Requires="p159">
+      <p:transition spd="slow">
+        <p159:morph option="byChar"/>
+      </p:transition>
+    </mc:Choice>
+    <mc:Fallback xmlns="">
+      <p:transition spd="slow">
+        <p:fade/>
+      </p:transition>
+    </mc:Fallback>
+  </mc:AlternateContent>
+</p:sld>
+</file>
+
+<file path=ppt/slides/slide49.xml><?xml version="1.0" encoding="utf-8"?>
+<p:sld xmlns:a="http://schemas.openxmlformats.org/drawingml/2006/main" xmlns:r="http://schemas.openxmlformats.org/officeDocument/2006/relationships" xmlns:p="http://schemas.openxmlformats.org/presentationml/2006/main">
+  <p:cSld>
+    <p:spTree>
+      <p:nvGrpSpPr>
+        <p:cNvPr id="1" name=""/>
+        <p:cNvGrpSpPr/>
+        <p:nvPr/>
+      </p:nvGrpSpPr>
+      <p:grpSpPr>
+        <a:xfrm>
+          <a:off x="0" y="0"/>
+          <a:ext cx="0" cy="0"/>
+          <a:chOff x="0" y="0"/>
+          <a:chExt cx="0" cy="0"/>
+        </a:xfrm>
+      </p:grpSpPr>
+      <p:sp>
+        <p:nvSpPr>
+          <p:cNvPr id="2" name="標題 1">
+            <a:extLst>
+              <a:ext uri="{FF2B5EF4-FFF2-40B4-BE49-F238E27FC236}">
+                <a16:creationId xmlns:a16="http://schemas.microsoft.com/office/drawing/2014/main" id="{7D77C5FB-2098-4AE7-BE8E-49605106F9C2}"/>
+              </a:ext>
+            </a:extLst>
+          </p:cNvPr>
+          <p:cNvSpPr>
+            <a:spLocks noGrp="1"/>
+          </p:cNvSpPr>
+          <p:nvPr>
+            <p:ph type="title"/>
+          </p:nvPr>
+        </p:nvSpPr>
+        <p:spPr>
+          <a:xfrm>
+            <a:off x="1141412" y="609600"/>
+            <a:ext cx="10593387" cy="1905000"/>
+          </a:xfrm>
+        </p:spPr>
+        <p:txBody>
+          <a:bodyPr/>
+          <a:lstStyle/>
+          <a:p>
+            <a:r>
+              <a:rPr lang="zh-TW" altLang="en-US" cap="none" dirty="0">
+                <a:latin typeface="STHeiti TC" panose="02000000000000000000" pitchFamily="2" charset="-120"/>
+                <a:ea typeface="STHeiti TC" panose="02000000000000000000" pitchFamily="2" charset="-120"/>
+              </a:rPr>
+              <a:t>遞迴</a:t>
+            </a:r>
+            <a:r>
+              <a:rPr lang="en-US" altLang="zh-TW" cap="none" dirty="0">
+                <a:latin typeface="Consolas" panose="020B0609020204030204" pitchFamily="49" charset="0"/>
+              </a:rPr>
+              <a:t> – </a:t>
+            </a:r>
+            <a:r>
+              <a:rPr lang="zh-TW" altLang="en-US" cap="none" dirty="0">
+                <a:latin typeface="STHeiti TC" panose="02000000000000000000" pitchFamily="2" charset="-120"/>
+                <a:ea typeface="STHeiti TC" panose="02000000000000000000" pitchFamily="2" charset="-120"/>
+              </a:rPr>
+              <a:t>範例：迷宮</a:t>
+            </a:r>
+            <a:r>
+              <a:rPr lang="en-US" altLang="zh-TW" cap="none" dirty="0">
+                <a:latin typeface="Consolas" panose="020B0609020204030204" pitchFamily="49" charset="0"/>
+              </a:rPr>
+              <a:t> </a:t>
+            </a:r>
+            <a:r>
+              <a:rPr lang="en-US" altLang="zh-TW" cap="none" dirty="0">
+                <a:solidFill>
+                  <a:srgbClr val="FFFF00"/>
+                </a:solidFill>
+                <a:latin typeface="Consolas" panose="020B0609020204030204" pitchFamily="49" charset="0"/>
+              </a:rPr>
+              <a:t>| </a:t>
+            </a:r>
+            <a:r>
+              <a:rPr lang="zh-TW" altLang="en-US" cap="none" dirty="0">
+                <a:solidFill>
+                  <a:srgbClr val="FFFF00"/>
+                </a:solidFill>
+                <a:latin typeface="STHeiti TC" panose="02000000000000000000" pitchFamily="2" charset="-120"/>
+                <a:ea typeface="STHeiti TC" panose="02000000000000000000" pitchFamily="2" charset="-120"/>
+              </a:rPr>
+              <a:t>遞迴函式</a:t>
+            </a:r>
+            <a:endParaRPr lang="zh-TW" altLang="en-US" dirty="0"/>
+          </a:p>
+        </p:txBody>
+      </p:sp>
+      <p:sp>
+        <p:nvSpPr>
+          <p:cNvPr id="3" name="文字方塊 2">
+            <a:extLst>
+              <a:ext uri="{FF2B5EF4-FFF2-40B4-BE49-F238E27FC236}">
+                <a16:creationId xmlns:a16="http://schemas.microsoft.com/office/drawing/2014/main" id="{36630E97-6766-4CF4-B065-4C55532B24F7}"/>
+              </a:ext>
+            </a:extLst>
+          </p:cNvPr>
+          <p:cNvSpPr txBox="1"/>
+          <p:nvPr/>
+        </p:nvSpPr>
+        <p:spPr>
+          <a:xfrm>
+            <a:off x="4341394" y="2758351"/>
+            <a:ext cx="3509211" cy="3170099"/>
+          </a:xfrm>
+          <a:prstGeom prst="rect">
+            <a:avLst/>
+          </a:prstGeom>
+          <a:noFill/>
+        </p:spPr>
+        <p:txBody>
+          <a:bodyPr wrap="square" rtlCol="0">
+            <a:spAutoFit/>
+          </a:bodyPr>
+          <a:lstStyle/>
+          <a:p>
+            <a:pPr algn="ctr"/>
+            <a:r>
+              <a:rPr lang="en-US" altLang="zh-TW" sz="4000" dirty="0">
+                <a:latin typeface="Consolas" panose="020B0609020204030204" pitchFamily="49" charset="0"/>
+              </a:rPr>
+              <a:t>###########</a:t>
+            </a:r>
+          </a:p>
+          <a:p>
+            <a:pPr algn="ctr"/>
+            <a:r>
+              <a:rPr lang="en-US" altLang="zh-TW" sz="4000" dirty="0">
+                <a:latin typeface="Consolas" panose="020B0609020204030204" pitchFamily="49" charset="0"/>
+              </a:rPr>
+              <a:t>#...#..#..#</a:t>
+            </a:r>
+          </a:p>
+          <a:p>
+            <a:pPr algn="ctr"/>
+            <a:r>
+              <a:rPr lang="en-US" altLang="zh-TW" sz="4000" dirty="0">
+                <a:latin typeface="Consolas" panose="020B0609020204030204" pitchFamily="49" charset="0"/>
+              </a:rPr>
+              <a:t>#...#</a:t>
+            </a:r>
+            <a:r>
+              <a:rPr lang="en-US" altLang="zh-TW" sz="4000" dirty="0">
+                <a:highlight>
+                  <a:srgbClr val="FF0000"/>
+                </a:highlight>
+                <a:latin typeface="Consolas" panose="020B0609020204030204" pitchFamily="49" charset="0"/>
+              </a:rPr>
+              <a:t>#</a:t>
+            </a:r>
+            <a:r>
+              <a:rPr lang="en-US" altLang="zh-TW" sz="4000" dirty="0">
+                <a:latin typeface="Consolas" panose="020B0609020204030204" pitchFamily="49" charset="0"/>
+              </a:rPr>
+              <a:t>#...#</a:t>
+            </a:r>
+          </a:p>
+          <a:p>
+            <a:pPr algn="ctr"/>
+            <a:r>
+              <a:rPr lang="en-US" altLang="zh-TW" sz="4000" dirty="0">
+                <a:latin typeface="Consolas" panose="020B0609020204030204" pitchFamily="49" charset="0"/>
+              </a:rPr>
+              <a:t>#....</a:t>
+            </a:r>
+            <a:r>
+              <a:rPr lang="en-US" altLang="zh-TW" sz="4000" dirty="0">
+                <a:highlight>
+                  <a:srgbClr val="FF0000"/>
+                </a:highlight>
+                <a:latin typeface="Consolas" panose="020B0609020204030204" pitchFamily="49" charset="0"/>
+              </a:rPr>
+              <a:t>.</a:t>
+            </a:r>
+            <a:r>
+              <a:rPr lang="en-US" altLang="zh-TW" sz="4000" dirty="0">
+                <a:latin typeface="Consolas" panose="020B0609020204030204" pitchFamily="49" charset="0"/>
+              </a:rPr>
+              <a:t>#...#</a:t>
+            </a:r>
+          </a:p>
+          <a:p>
+            <a:pPr algn="ctr"/>
+            <a:r>
+              <a:rPr lang="en-US" altLang="zh-TW" sz="4000" dirty="0">
+                <a:latin typeface="Consolas" panose="020B0609020204030204" pitchFamily="49" charset="0"/>
+              </a:rPr>
+              <a:t>###########</a:t>
+            </a:r>
+            <a:endParaRPr lang="zh-TW" altLang="en-US" sz="4000" dirty="0">
+              <a:latin typeface="Consolas" panose="020B0609020204030204" pitchFamily="49" charset="0"/>
+            </a:endParaRPr>
+          </a:p>
+        </p:txBody>
+      </p:sp>
+    </p:spTree>
+    <p:extLst>
+      <p:ext uri="{BB962C8B-B14F-4D97-AF65-F5344CB8AC3E}">
+        <p14:creationId xmlns:p14="http://schemas.microsoft.com/office/powerpoint/2010/main" val="1911723664"/>
+      </p:ext>
+    </p:extLst>
+  </p:cSld>
+  <p:clrMapOvr>
+    <a:masterClrMapping/>
+  </p:clrMapOvr>
+  <mc:AlternateContent xmlns:mc="http://schemas.openxmlformats.org/markup-compatibility/2006" xmlns:p159="http://schemas.microsoft.com/office/powerpoint/2015/09/main">
+    <mc:Choice Requires="p159">
+      <p:transition spd="slow">
+        <p159:morph option="byChar"/>
+      </p:transition>
+    </mc:Choice>
+    <mc:Fallback xmlns="">
+      <p:transition spd="slow">
+        <p:fade/>
+      </p:transition>
+    </mc:Fallback>
+  </mc:AlternateContent>
+</p:sld>
+</file>
+
+<file path=ppt/slides/slide5.xml><?xml version="1.0" encoding="utf-8"?>
+<p:sld xmlns:a="http://schemas.openxmlformats.org/drawingml/2006/main" xmlns:r="http://schemas.openxmlformats.org/officeDocument/2006/relationships" xmlns:p="http://schemas.openxmlformats.org/presentationml/2006/main">
+  <p:cSld>
+    <p:spTree>
+      <p:nvGrpSpPr>
+        <p:cNvPr id="1" name=""/>
+        <p:cNvGrpSpPr/>
+        <p:nvPr/>
+      </p:nvGrpSpPr>
+      <p:grpSpPr>
+        <a:xfrm>
+          <a:off x="0" y="0"/>
+          <a:ext cx="0" cy="0"/>
+          <a:chOff x="0" y="0"/>
+          <a:chExt cx="0" cy="0"/>
+        </a:xfrm>
+      </p:grpSpPr>
+      <p:sp>
+        <p:nvSpPr>
+          <p:cNvPr id="2" name="標題 1">
+            <a:extLst>
+              <a:ext uri="{FF2B5EF4-FFF2-40B4-BE49-F238E27FC236}">
+                <a16:creationId xmlns:a16="http://schemas.microsoft.com/office/drawing/2014/main" id="{2C03F527-35A6-4D8D-8B31-76ADFE1083C8}"/>
+              </a:ext>
+            </a:extLst>
+          </p:cNvPr>
+          <p:cNvSpPr>
+            <a:spLocks noGrp="1"/>
+          </p:cNvSpPr>
+          <p:nvPr>
+            <p:ph type="title"/>
+          </p:nvPr>
+        </p:nvSpPr>
+        <p:spPr/>
+        <p:txBody>
+          <a:bodyPr/>
+          <a:lstStyle/>
+          <a:p>
+            <a:r>
+              <a:rPr lang="en-US" altLang="zh-TW" cap="none" dirty="0">
+                <a:latin typeface="Consolas" panose="020B0609020204030204" pitchFamily="49" charset="0"/>
+              </a:rPr>
+              <a:t>While </a:t>
+            </a:r>
+            <a:r>
+              <a:rPr lang="zh-TW" altLang="en-US" cap="none" dirty="0">
+                <a:latin typeface="STHeiti TC" panose="02000000000000000000" pitchFamily="2" charset="-120"/>
+                <a:ea typeface="STHeiti TC" panose="02000000000000000000" pitchFamily="2" charset="-120"/>
+              </a:rPr>
+              <a:t>迴圈</a:t>
+            </a:r>
+          </a:p>
+        </p:txBody>
+      </p:sp>
+      <p:pic>
+        <p:nvPicPr>
+          <p:cNvPr id="5" name="圖片 4">
+            <a:extLst>
+              <a:ext uri="{FF2B5EF4-FFF2-40B4-BE49-F238E27FC236}">
+                <a16:creationId xmlns:a16="http://schemas.microsoft.com/office/drawing/2014/main" id="{A6454C7E-A529-43F7-8932-8B3760124FC2}"/>
+              </a:ext>
+            </a:extLst>
+          </p:cNvPr>
+          <p:cNvPicPr>
+            <a:picLocks noChangeAspect="1"/>
+          </p:cNvPicPr>
+          <p:nvPr/>
+        </p:nvPicPr>
+        <p:blipFill>
+          <a:blip r:embed="rId2"/>
+          <a:stretch>
+            <a:fillRect/>
+          </a:stretch>
+        </p:blipFill>
+        <p:spPr>
+          <a:xfrm>
+            <a:off x="1141413" y="3429000"/>
+            <a:ext cx="5339587" cy="1364128"/>
+          </a:xfrm>
+          <a:prstGeom prst="rect">
+            <a:avLst/>
+          </a:prstGeom>
+        </p:spPr>
+      </p:pic>
+      <p:sp>
+        <p:nvSpPr>
+          <p:cNvPr id="6" name="文字方塊 5">
+            <a:extLst>
+              <a:ext uri="{FF2B5EF4-FFF2-40B4-BE49-F238E27FC236}">
+                <a16:creationId xmlns:a16="http://schemas.microsoft.com/office/drawing/2014/main" id="{84A23D80-F19D-4F33-90F1-6D1D74DB46DE}"/>
+              </a:ext>
+            </a:extLst>
+          </p:cNvPr>
+          <p:cNvSpPr txBox="1"/>
+          <p:nvPr/>
+        </p:nvSpPr>
+        <p:spPr>
+          <a:xfrm>
+            <a:off x="1121199" y="2774054"/>
+            <a:ext cx="6647974" cy="461665"/>
+          </a:xfrm>
+          <a:prstGeom prst="rect">
+            <a:avLst/>
+          </a:prstGeom>
+          <a:noFill/>
+        </p:spPr>
+        <p:txBody>
+          <a:bodyPr wrap="none" rtlCol="0">
+            <a:spAutoFit/>
+          </a:bodyPr>
+          <a:lstStyle/>
+          <a:p>
+            <a:r>
+              <a:rPr lang="zh-TW" altLang="en-US" sz="2400" dirty="0">
+                <a:highlight>
+                  <a:srgbClr val="FF0000"/>
+                </a:highlight>
+                <a:latin typeface="STHeiti" panose="02010600040101010101" pitchFamily="2" charset="-122"/>
+                <a:ea typeface="STHeiti" panose="02010600040101010101" pitchFamily="2" charset="-122"/>
+              </a:rPr>
+              <a:t>若小括號內的條件成立，則迴圈會一直重複執行</a:t>
+            </a:r>
+          </a:p>
+        </p:txBody>
+      </p:sp>
+      <p:sp>
+        <p:nvSpPr>
+          <p:cNvPr id="7" name="矩形 6">
+            <a:extLst>
+              <a:ext uri="{FF2B5EF4-FFF2-40B4-BE49-F238E27FC236}">
+                <a16:creationId xmlns:a16="http://schemas.microsoft.com/office/drawing/2014/main" id="{9AA112A3-6A19-4B67-AFFF-E95EAAEBBF50}"/>
+              </a:ext>
+            </a:extLst>
+          </p:cNvPr>
+          <p:cNvSpPr/>
+          <p:nvPr/>
+        </p:nvSpPr>
+        <p:spPr>
+          <a:xfrm>
+            <a:off x="3031958" y="3513221"/>
+            <a:ext cx="2991853" cy="393032"/>
+          </a:xfrm>
+          <a:prstGeom prst="rect">
+            <a:avLst/>
+          </a:prstGeom>
+          <a:noFill/>
+          <a:ln w="38100">
+            <a:solidFill>
+              <a:srgbClr val="FF0000"/>
+            </a:solidFill>
+          </a:ln>
+        </p:spPr>
+        <p:style>
+          <a:lnRef idx="2">
+            <a:schemeClr val="accent1">
+              <a:shade val="50000"/>
+            </a:schemeClr>
+          </a:lnRef>
+          <a:fillRef idx="1">
+            <a:schemeClr val="accent1"/>
+          </a:fillRef>
+          <a:effectRef idx="0">
+            <a:schemeClr val="accent1"/>
+          </a:effectRef>
+          <a:fontRef idx="minor">
+            <a:schemeClr val="lt1"/>
+          </a:fontRef>
+        </p:style>
+        <p:txBody>
+          <a:bodyPr rtlCol="0" anchor="ctr"/>
+          <a:lstStyle/>
+          <a:p>
+            <a:pPr algn="ctr"/>
+            <a:endParaRPr lang="zh-TW" altLang="en-US"/>
+          </a:p>
+        </p:txBody>
+      </p:sp>
+      <p:sp>
+        <p:nvSpPr>
+          <p:cNvPr id="8" name="文字方塊 7">
+            <a:extLst>
+              <a:ext uri="{FF2B5EF4-FFF2-40B4-BE49-F238E27FC236}">
+                <a16:creationId xmlns:a16="http://schemas.microsoft.com/office/drawing/2014/main" id="{BFCE2436-9A40-42CC-B82E-338B3291D824}"/>
+              </a:ext>
+            </a:extLst>
+          </p:cNvPr>
+          <p:cNvSpPr txBox="1"/>
+          <p:nvPr/>
+        </p:nvSpPr>
+        <p:spPr>
+          <a:xfrm>
+            <a:off x="1121199" y="5205662"/>
+            <a:ext cx="3570208" cy="461665"/>
+          </a:xfrm>
+          <a:prstGeom prst="rect">
+            <a:avLst/>
+          </a:prstGeom>
+          <a:noFill/>
+        </p:spPr>
+        <p:txBody>
+          <a:bodyPr wrap="none" rtlCol="0">
+            <a:spAutoFit/>
+          </a:bodyPr>
+          <a:lstStyle/>
+          <a:p>
+            <a:r>
+              <a:rPr lang="zh-TW" altLang="en-US" sz="2400" dirty="0">
+                <a:highlight>
+                  <a:srgbClr val="FF0000"/>
+                </a:highlight>
+                <a:latin typeface="STHeiti" panose="02010600040101010101" pitchFamily="2" charset="-122"/>
+                <a:ea typeface="STHeiti" panose="02010600040101010101" pitchFamily="2" charset="-122"/>
+              </a:rPr>
+              <a:t>這裡放你想要重複做的事</a:t>
+            </a:r>
+          </a:p>
+        </p:txBody>
+      </p:sp>
+      <p:sp>
+        <p:nvSpPr>
+          <p:cNvPr id="9" name="矩形 8">
+            <a:extLst>
+              <a:ext uri="{FF2B5EF4-FFF2-40B4-BE49-F238E27FC236}">
+                <a16:creationId xmlns:a16="http://schemas.microsoft.com/office/drawing/2014/main" id="{97168E79-7728-4117-AC54-8EF55C7799C9}"/>
+              </a:ext>
+            </a:extLst>
+          </p:cNvPr>
+          <p:cNvSpPr/>
+          <p:nvPr/>
+        </p:nvSpPr>
+        <p:spPr>
+          <a:xfrm>
+            <a:off x="2679032" y="3906253"/>
+            <a:ext cx="3344779" cy="393032"/>
+          </a:xfrm>
+          <a:prstGeom prst="rect">
+            <a:avLst/>
+          </a:prstGeom>
+          <a:noFill/>
+          <a:ln w="38100">
+            <a:solidFill>
+              <a:srgbClr val="FF0000"/>
+            </a:solidFill>
+          </a:ln>
+        </p:spPr>
+        <p:style>
+          <a:lnRef idx="2">
+            <a:schemeClr val="accent1">
+              <a:shade val="50000"/>
+            </a:schemeClr>
+          </a:lnRef>
+          <a:fillRef idx="1">
+            <a:schemeClr val="accent1"/>
+          </a:fillRef>
+          <a:effectRef idx="0">
+            <a:schemeClr val="accent1"/>
+          </a:effectRef>
+          <a:fontRef idx="minor">
+            <a:schemeClr val="lt1"/>
+          </a:fontRef>
+        </p:style>
+        <p:txBody>
+          <a:bodyPr rtlCol="0" anchor="ctr"/>
+          <a:lstStyle/>
+          <a:p>
+            <a:pPr algn="ctr"/>
+            <a:endParaRPr lang="zh-TW" altLang="en-US"/>
+          </a:p>
+        </p:txBody>
+      </p:sp>
+    </p:spTree>
+    <p:extLst>
+      <p:ext uri="{BB962C8B-B14F-4D97-AF65-F5344CB8AC3E}">
+        <p14:creationId xmlns:p14="http://schemas.microsoft.com/office/powerpoint/2010/main" val="4148040693"/>
+      </p:ext>
+    </p:extLst>
+  </p:cSld>
+  <p:clrMapOvr>
+    <a:masterClrMapping/>
+  </p:clrMapOvr>
+  <mc:AlternateContent xmlns:mc="http://schemas.openxmlformats.org/markup-compatibility/2006" xmlns:p159="http://schemas.microsoft.com/office/powerpoint/2015/09/main">
+    <mc:Choice Requires="p159">
+      <p:transition spd="slow">
+        <p159:morph option="byChar"/>
+      </p:transition>
+    </mc:Choice>
+    <mc:Fallback xmlns="">
+      <p:transition spd="slow">
+        <p:fade/>
+      </p:transition>
+    </mc:Fallback>
+  </mc:AlternateContent>
+  <p:timing>
+    <p:tnLst>
+      <p:par>
+        <p:cTn id="1" dur="indefinite" restart="never" nodeType="tmRoot">
+          <p:childTnLst>
+            <p:seq concurrent="1" nextAc="seek">
+              <p:cTn id="2" dur="indefinite" nodeType="mainSeq">
+                <p:childTnLst>
+                  <p:par>
+                    <p:cTn id="3" fill="hold">
+                      <p:stCondLst>
+                        <p:cond delay="indefinite"/>
+                      </p:stCondLst>
+                      <p:childTnLst>
+                        <p:par>
+                          <p:cTn id="4" fill="hold">
+                            <p:stCondLst>
+                              <p:cond delay="0"/>
+                            </p:stCondLst>
+                            <p:childTnLst>
+                              <p:par>
+                                <p:cTn id="5" presetID="10" presetClass="exit" presetSubtype="0" fill="hold" grpId="0" nodeType="clickEffect">
+                                  <p:stCondLst>
+                                    <p:cond delay="0"/>
+                                  </p:stCondLst>
+                                  <p:childTnLst>
+                                    <p:animEffect transition="out" filter="fade">
+                                      <p:cBhvr>
+                                        <p:cTn id="6" dur="500"/>
+                                        <p:tgtEl>
+                                          <p:spTgt spid="7"/>
+                                        </p:tgtEl>
+                                      </p:cBhvr>
+                                    </p:animEffect>
+                                    <p:set>
+                                      <p:cBhvr>
+                                        <p:cTn id="7" dur="1" fill="hold">
+                                          <p:stCondLst>
+                                            <p:cond delay="499"/>
+                                          </p:stCondLst>
+                                        </p:cTn>
+                                        <p:tgtEl>
+                                          <p:spTgt spid="7"/>
+                                        </p:tgtEl>
+                                        <p:attrNameLst>
+                                          <p:attrName>style.visibility</p:attrName>
+                                        </p:attrNameLst>
+                                      </p:cBhvr>
+                                      <p:to>
+                                        <p:strVal val="hidden"/>
+                                      </p:to>
+                                    </p:set>
+                                  </p:childTnLst>
+                                </p:cTn>
+                              </p:par>
+                              <p:par>
+                                <p:cTn id="8" presetID="10" presetClass="exit" presetSubtype="0" fill="hold" grpId="0" nodeType="withEffect">
+                                  <p:stCondLst>
+                                    <p:cond delay="0"/>
+                                  </p:stCondLst>
+                                  <p:childTnLst>
+                                    <p:animEffect transition="out" filter="fade">
+                                      <p:cBhvr>
+                                        <p:cTn id="9" dur="500"/>
+                                        <p:tgtEl>
+                                          <p:spTgt spid="6"/>
+                                        </p:tgtEl>
+                                      </p:cBhvr>
+                                    </p:animEffect>
+                                    <p:set>
+                                      <p:cBhvr>
+                                        <p:cTn id="10" dur="1" fill="hold">
+                                          <p:stCondLst>
+                                            <p:cond delay="499"/>
+                                          </p:stCondLst>
+                                        </p:cTn>
+                                        <p:tgtEl>
+                                          <p:spTgt spid="6"/>
+                                        </p:tgtEl>
+                                        <p:attrNameLst>
+                                          <p:attrName>style.visibility</p:attrName>
+                                        </p:attrNameLst>
+                                      </p:cBhvr>
+                                      <p:to>
+                                        <p:strVal val="hidden"/>
+                                      </p:to>
+                                    </p:set>
+                                  </p:childTnLst>
+                                </p:cTn>
+                              </p:par>
+                              <p:par>
+                                <p:cTn id="11" presetID="10" presetClass="entr" presetSubtype="0" fill="hold" grpId="0" nodeType="withEffect">
+                                  <p:stCondLst>
+                                    <p:cond delay="0"/>
+                                  </p:stCondLst>
+                                  <p:childTnLst>
+                                    <p:set>
+                                      <p:cBhvr>
+                                        <p:cTn id="12" dur="1" fill="hold">
+                                          <p:stCondLst>
+                                            <p:cond delay="0"/>
+                                          </p:stCondLst>
+                                        </p:cTn>
+                                        <p:tgtEl>
+                                          <p:spTgt spid="9"/>
+                                        </p:tgtEl>
+                                        <p:attrNameLst>
+                                          <p:attrName>style.visibility</p:attrName>
+                                        </p:attrNameLst>
+                                      </p:cBhvr>
+                                      <p:to>
+                                        <p:strVal val="visible"/>
+                                      </p:to>
+                                    </p:set>
+                                    <p:animEffect transition="in" filter="fade">
+                                      <p:cBhvr>
+                                        <p:cTn id="13" dur="500"/>
+                                        <p:tgtEl>
+                                          <p:spTgt spid="9"/>
+                                        </p:tgtEl>
+                                      </p:cBhvr>
+                                    </p:animEffect>
+                                  </p:childTnLst>
+                                </p:cTn>
+                              </p:par>
+                              <p:par>
+                                <p:cTn id="14" presetID="10" presetClass="entr" presetSubtype="0" fill="hold" grpId="0" nodeType="withEffect">
+                                  <p:stCondLst>
+                                    <p:cond delay="0"/>
+                                  </p:stCondLst>
+                                  <p:childTnLst>
+                                    <p:set>
+                                      <p:cBhvr>
+                                        <p:cTn id="15" dur="1" fill="hold">
+                                          <p:stCondLst>
+                                            <p:cond delay="0"/>
+                                          </p:stCondLst>
+                                        </p:cTn>
+                                        <p:tgtEl>
+                                          <p:spTgt spid="8"/>
+                                        </p:tgtEl>
+                                        <p:attrNameLst>
+                                          <p:attrName>style.visibility</p:attrName>
+                                        </p:attrNameLst>
+                                      </p:cBhvr>
+                                      <p:to>
+                                        <p:strVal val="visible"/>
+                                      </p:to>
+                                    </p:set>
+                                    <p:animEffect transition="in" filter="fade">
+                                      <p:cBhvr>
+                                        <p:cTn id="16" dur="500"/>
+                                        <p:tgtEl>
+                                          <p:spTgt spid="8"/>
+                                        </p:tgtEl>
+                                      </p:cBhvr>
+                                    </p:animEffect>
+                                  </p:childTnLst>
+                                </p:cTn>
+                              </p:par>
+                            </p:childTnLst>
+                          </p:cTn>
+                        </p:par>
+                      </p:childTnLst>
+                    </p:cTn>
+                  </p:par>
+                </p:childTnLst>
+              </p:cTn>
+              <p:prevCondLst>
+                <p:cond evt="onPrev" delay="0">
+                  <p:tgtEl>
+                    <p:sldTgt/>
+                  </p:tgtEl>
+                </p:cond>
+              </p:prevCondLst>
+              <p:nextCondLst>
+                <p:cond evt="onNext" delay="0">
+                  <p:tgtEl>
+                    <p:sldTgt/>
+                  </p:tgtEl>
+                </p:cond>
+              </p:nextCondLst>
+            </p:seq>
+          </p:childTnLst>
+        </p:cTn>
+      </p:par>
+    </p:tnLst>
+    <p:bldLst>
+      <p:bldP spid="6" grpId="0"/>
+      <p:bldP spid="7" grpId="0" animBg="1"/>
+      <p:bldP spid="8" grpId="0"/>
+      <p:bldP spid="9" grpId="0" animBg="1"/>
+    </p:bldLst>
+  </p:timing>
+</p:sld>
+</file>
+
+<file path=ppt/slides/slide50.xml><?xml version="1.0" encoding="utf-8"?>
+<p:sld xmlns:a="http://schemas.openxmlformats.org/drawingml/2006/main" xmlns:r="http://schemas.openxmlformats.org/officeDocument/2006/relationships" xmlns:p="http://schemas.openxmlformats.org/presentationml/2006/main">
+  <p:cSld>
+    <p:spTree>
+      <p:nvGrpSpPr>
+        <p:cNvPr id="1" name=""/>
+        <p:cNvGrpSpPr/>
+        <p:nvPr/>
+      </p:nvGrpSpPr>
+      <p:grpSpPr>
+        <a:xfrm>
+          <a:off x="0" y="0"/>
+          <a:ext cx="0" cy="0"/>
+          <a:chOff x="0" y="0"/>
+          <a:chExt cx="0" cy="0"/>
+        </a:xfrm>
+      </p:grpSpPr>
+      <p:sp>
+        <p:nvSpPr>
+          <p:cNvPr id="2" name="標題 1">
+            <a:extLst>
+              <a:ext uri="{FF2B5EF4-FFF2-40B4-BE49-F238E27FC236}">
+                <a16:creationId xmlns:a16="http://schemas.microsoft.com/office/drawing/2014/main" id="{7D77C5FB-2098-4AE7-BE8E-49605106F9C2}"/>
+              </a:ext>
+            </a:extLst>
+          </p:cNvPr>
+          <p:cNvSpPr>
+            <a:spLocks noGrp="1"/>
+          </p:cNvSpPr>
+          <p:nvPr>
+            <p:ph type="title"/>
+          </p:nvPr>
+        </p:nvSpPr>
+        <p:spPr>
+          <a:xfrm>
+            <a:off x="1141412" y="609600"/>
+            <a:ext cx="10593387" cy="1905000"/>
+          </a:xfrm>
+        </p:spPr>
+        <p:txBody>
+          <a:bodyPr/>
+          <a:lstStyle/>
+          <a:p>
+            <a:r>
+              <a:rPr lang="zh-TW" altLang="en-US" cap="none" dirty="0">
+                <a:latin typeface="STHeiti TC" panose="02000000000000000000" pitchFamily="2" charset="-120"/>
+                <a:ea typeface="STHeiti TC" panose="02000000000000000000" pitchFamily="2" charset="-120"/>
+              </a:rPr>
+              <a:t>遞迴</a:t>
+            </a:r>
+            <a:r>
+              <a:rPr lang="en-US" altLang="zh-TW" cap="none" dirty="0">
+                <a:latin typeface="Consolas" panose="020B0609020204030204" pitchFamily="49" charset="0"/>
+              </a:rPr>
+              <a:t> – </a:t>
+            </a:r>
+            <a:r>
+              <a:rPr lang="zh-TW" altLang="en-US" cap="none" dirty="0">
+                <a:latin typeface="STHeiti TC" panose="02000000000000000000" pitchFamily="2" charset="-120"/>
+                <a:ea typeface="STHeiti TC" panose="02000000000000000000" pitchFamily="2" charset="-120"/>
+              </a:rPr>
+              <a:t>範例：迷宮</a:t>
+            </a:r>
+            <a:r>
+              <a:rPr lang="en-US" altLang="zh-TW" cap="none" dirty="0">
+                <a:latin typeface="Consolas" panose="020B0609020204030204" pitchFamily="49" charset="0"/>
+              </a:rPr>
+              <a:t> </a:t>
+            </a:r>
+            <a:r>
+              <a:rPr lang="en-US" altLang="zh-TW" cap="none" dirty="0">
+                <a:solidFill>
+                  <a:srgbClr val="FFFF00"/>
+                </a:solidFill>
+                <a:latin typeface="Consolas" panose="020B0609020204030204" pitchFamily="49" charset="0"/>
+              </a:rPr>
+              <a:t>| </a:t>
+            </a:r>
+            <a:r>
+              <a:rPr lang="zh-TW" altLang="en-US" cap="none" dirty="0">
+                <a:solidFill>
+                  <a:srgbClr val="FFFF00"/>
+                </a:solidFill>
+                <a:latin typeface="STHeiti TC" panose="02000000000000000000" pitchFamily="2" charset="-120"/>
+                <a:ea typeface="STHeiti TC" panose="02000000000000000000" pitchFamily="2" charset="-120"/>
+              </a:rPr>
+              <a:t>遞迴函式</a:t>
+            </a:r>
+            <a:endParaRPr lang="zh-TW" altLang="en-US" dirty="0"/>
+          </a:p>
+        </p:txBody>
+      </p:sp>
+      <p:sp>
+        <p:nvSpPr>
+          <p:cNvPr id="3" name="文字方塊 2">
+            <a:extLst>
+              <a:ext uri="{FF2B5EF4-FFF2-40B4-BE49-F238E27FC236}">
+                <a16:creationId xmlns:a16="http://schemas.microsoft.com/office/drawing/2014/main" id="{36630E97-6766-4CF4-B065-4C55532B24F7}"/>
+              </a:ext>
+            </a:extLst>
+          </p:cNvPr>
+          <p:cNvSpPr txBox="1"/>
+          <p:nvPr/>
+        </p:nvSpPr>
+        <p:spPr>
+          <a:xfrm>
+            <a:off x="4341394" y="2758351"/>
+            <a:ext cx="3509211" cy="3170099"/>
+          </a:xfrm>
+          <a:prstGeom prst="rect">
+            <a:avLst/>
+          </a:prstGeom>
+          <a:noFill/>
+        </p:spPr>
+        <p:txBody>
+          <a:bodyPr wrap="square" rtlCol="0">
+            <a:spAutoFit/>
+          </a:bodyPr>
+          <a:lstStyle/>
+          <a:p>
+            <a:pPr algn="ctr"/>
+            <a:r>
+              <a:rPr lang="en-US" altLang="zh-TW" sz="4000" dirty="0">
+                <a:latin typeface="Consolas" panose="020B0609020204030204" pitchFamily="49" charset="0"/>
+              </a:rPr>
+              <a:t>###########</a:t>
+            </a:r>
+          </a:p>
+          <a:p>
+            <a:pPr algn="ctr"/>
+            <a:r>
+              <a:rPr lang="en-US" altLang="zh-TW" sz="4000" dirty="0">
+                <a:latin typeface="Consolas" panose="020B0609020204030204" pitchFamily="49" charset="0"/>
+              </a:rPr>
               <a:t>#...#..#..#</a:t>
             </a:r>
           </a:p>
@@ -30975,13 +32904,13 @@
   <p:clrMapOvr>
     <a:masterClrMapping/>
   </p:clrMapOvr>
-  <mc:AlternateContent xmlns:mc="http://schemas.openxmlformats.org/markup-compatibility/2006">
-    <mc:Choice xmlns:p159="http://schemas.microsoft.com/office/powerpoint/2015/09/main" Requires="p159">
+  <mc:AlternateContent xmlns:mc="http://schemas.openxmlformats.org/markup-compatibility/2006" xmlns:p159="http://schemas.microsoft.com/office/powerpoint/2015/09/main">
+    <mc:Choice Requires="p159">
       <p:transition spd="slow">
         <p159:morph option="byChar"/>
       </p:transition>
     </mc:Choice>
-    <mc:Fallback>
+    <mc:Fallback xmlns="">
       <p:transition spd="slow">
         <p:fade/>
       </p:transition>
@@ -30990,7 +32919,7 @@
 </p:sld>
 </file>
 
-<file path=ppt/slides/slide48.xml><?xml version="1.0" encoding="utf-8"?>
+<file path=ppt/slides/slide51.xml><?xml version="1.0" encoding="utf-8"?>
 <p:sld xmlns:a="http://schemas.openxmlformats.org/drawingml/2006/main" xmlns:r="http://schemas.openxmlformats.org/officeDocument/2006/relationships" xmlns:p="http://schemas.openxmlformats.org/presentationml/2006/main">
   <p:cSld>
     <p:spTree>
@@ -31330,13 +33259,13 @@
   <p:clrMapOvr>
     <a:masterClrMapping/>
   </p:clrMapOvr>
-  <mc:AlternateContent xmlns:mc="http://schemas.openxmlformats.org/markup-compatibility/2006">
-    <mc:Choice xmlns:p159="http://schemas.microsoft.com/office/powerpoint/2015/09/main" Requires="p159">
+  <mc:AlternateContent xmlns:mc="http://schemas.openxmlformats.org/markup-compatibility/2006" xmlns:p159="http://schemas.microsoft.com/office/powerpoint/2015/09/main">
+    <mc:Choice Requires="p159">
       <p:transition spd="slow">
         <p159:morph option="byChar"/>
       </p:transition>
     </mc:Choice>
-    <mc:Fallback>
+    <mc:Fallback xmlns="">
       <p:transition spd="slow">
         <p:fade/>
       </p:transition>
@@ -31647,7 +33576,7 @@
 </p:sld>
 </file>
 
-<file path=ppt/slides/slide49.xml><?xml version="1.0" encoding="utf-8"?>
+<file path=ppt/slides/slide52.xml><?xml version="1.0" encoding="utf-8"?>
 <p:sld xmlns:a="http://schemas.openxmlformats.org/drawingml/2006/main" xmlns:r="http://schemas.openxmlformats.org/officeDocument/2006/relationships" xmlns:p="http://schemas.openxmlformats.org/presentationml/2006/main">
   <p:cSld>
     <p:spTree>
@@ -31736,13 +33665,13 @@
   <p:clrMapOvr>
     <a:masterClrMapping/>
   </p:clrMapOvr>
-  <mc:AlternateContent xmlns:mc="http://schemas.openxmlformats.org/markup-compatibility/2006">
-    <mc:Choice xmlns:p159="http://schemas.microsoft.com/office/powerpoint/2015/09/main" Requires="p159">
+  <mc:AlternateContent xmlns:mc="http://schemas.openxmlformats.org/markup-compatibility/2006" xmlns:p159="http://schemas.microsoft.com/office/powerpoint/2015/09/main">
+    <mc:Choice Requires="p159">
       <p:transition spd="slow">
         <p159:morph option="byChar"/>
       </p:transition>
     </mc:Choice>
-    <mc:Fallback>
+    <mc:Fallback xmlns="">
       <p:transition spd="slow">
         <p:fade/>
       </p:transition>
@@ -31751,496 +33680,7 @@
 </p:sld>
 </file>
 
-<file path=ppt/slides/slide5.xml><?xml version="1.0" encoding="utf-8"?>
-<p:sld xmlns:a="http://schemas.openxmlformats.org/drawingml/2006/main" xmlns:r="http://schemas.openxmlformats.org/officeDocument/2006/relationships" xmlns:p="http://schemas.openxmlformats.org/presentationml/2006/main">
-  <p:cSld>
-    <p:spTree>
-      <p:nvGrpSpPr>
-        <p:cNvPr id="1" name=""/>
-        <p:cNvGrpSpPr/>
-        <p:nvPr/>
-      </p:nvGrpSpPr>
-      <p:grpSpPr>
-        <a:xfrm>
-          <a:off x="0" y="0"/>
-          <a:ext cx="0" cy="0"/>
-          <a:chOff x="0" y="0"/>
-          <a:chExt cx="0" cy="0"/>
-        </a:xfrm>
-      </p:grpSpPr>
-      <p:sp>
-        <p:nvSpPr>
-          <p:cNvPr id="2" name="標題 1">
-            <a:extLst>
-              <a:ext uri="{FF2B5EF4-FFF2-40B4-BE49-F238E27FC236}">
-                <a16:creationId xmlns:a16="http://schemas.microsoft.com/office/drawing/2014/main" id="{2C03F527-35A6-4D8D-8B31-76ADFE1083C8}"/>
-              </a:ext>
-            </a:extLst>
-          </p:cNvPr>
-          <p:cNvSpPr>
-            <a:spLocks noGrp="1"/>
-          </p:cNvSpPr>
-          <p:nvPr>
-            <p:ph type="title"/>
-          </p:nvPr>
-        </p:nvSpPr>
-        <p:spPr/>
-        <p:txBody>
-          <a:bodyPr/>
-          <a:lstStyle/>
-          <a:p>
-            <a:r>
-              <a:rPr lang="en-US" altLang="zh-TW" cap="none" dirty="0">
-                <a:latin typeface="Consolas" panose="020B0609020204030204" pitchFamily="49" charset="0"/>
-              </a:rPr>
-              <a:t>While </a:t>
-            </a:r>
-            <a:r>
-              <a:rPr lang="zh-TW" altLang="en-US" cap="none" dirty="0">
-                <a:latin typeface="STHeiti TC" panose="02000000000000000000" pitchFamily="2" charset="-120"/>
-                <a:ea typeface="STHeiti TC" panose="02000000000000000000" pitchFamily="2" charset="-120"/>
-              </a:rPr>
-              <a:t>迴圈</a:t>
-            </a:r>
-          </a:p>
-        </p:txBody>
-      </p:sp>
-      <p:pic>
-        <p:nvPicPr>
-          <p:cNvPr id="5" name="圖片 4">
-            <a:extLst>
-              <a:ext uri="{FF2B5EF4-FFF2-40B4-BE49-F238E27FC236}">
-                <a16:creationId xmlns:a16="http://schemas.microsoft.com/office/drawing/2014/main" id="{A6454C7E-A529-43F7-8932-8B3760124FC2}"/>
-              </a:ext>
-            </a:extLst>
-          </p:cNvPr>
-          <p:cNvPicPr>
-            <a:picLocks noChangeAspect="1"/>
-          </p:cNvPicPr>
-          <p:nvPr/>
-        </p:nvPicPr>
-        <p:blipFill>
-          <a:blip r:embed="rId2"/>
-          <a:stretch>
-            <a:fillRect/>
-          </a:stretch>
-        </p:blipFill>
-        <p:spPr>
-          <a:xfrm>
-            <a:off x="1141413" y="3429000"/>
-            <a:ext cx="5339587" cy="1364128"/>
-          </a:xfrm>
-          <a:prstGeom prst="rect">
-            <a:avLst/>
-          </a:prstGeom>
-        </p:spPr>
-      </p:pic>
-      <p:sp>
-        <p:nvSpPr>
-          <p:cNvPr id="6" name="文字方塊 5">
-            <a:extLst>
-              <a:ext uri="{FF2B5EF4-FFF2-40B4-BE49-F238E27FC236}">
-                <a16:creationId xmlns:a16="http://schemas.microsoft.com/office/drawing/2014/main" id="{84A23D80-F19D-4F33-90F1-6D1D74DB46DE}"/>
-              </a:ext>
-            </a:extLst>
-          </p:cNvPr>
-          <p:cNvSpPr txBox="1"/>
-          <p:nvPr/>
-        </p:nvSpPr>
-        <p:spPr>
-          <a:xfrm>
-            <a:off x="1121199" y="2774054"/>
-            <a:ext cx="6647974" cy="461665"/>
-          </a:xfrm>
-          <a:prstGeom prst="rect">
-            <a:avLst/>
-          </a:prstGeom>
-          <a:noFill/>
-        </p:spPr>
-        <p:txBody>
-          <a:bodyPr wrap="none" rtlCol="0">
-            <a:spAutoFit/>
-          </a:bodyPr>
-          <a:lstStyle/>
-          <a:p>
-            <a:r>
-              <a:rPr lang="zh-TW" altLang="en-US" sz="2400" dirty="0">
-                <a:highlight>
-                  <a:srgbClr val="FF0000"/>
-                </a:highlight>
-                <a:latin typeface="STHeiti" panose="02010600040101010101" pitchFamily="2" charset="-122"/>
-                <a:ea typeface="STHeiti" panose="02010600040101010101" pitchFamily="2" charset="-122"/>
-              </a:rPr>
-              <a:t>若小括號內的條件成立，則迴圈會一直重複執行</a:t>
-            </a:r>
-          </a:p>
-        </p:txBody>
-      </p:sp>
-      <p:sp>
-        <p:nvSpPr>
-          <p:cNvPr id="7" name="矩形 6">
-            <a:extLst>
-              <a:ext uri="{FF2B5EF4-FFF2-40B4-BE49-F238E27FC236}">
-                <a16:creationId xmlns:a16="http://schemas.microsoft.com/office/drawing/2014/main" id="{9AA112A3-6A19-4B67-AFFF-E95EAAEBBF50}"/>
-              </a:ext>
-            </a:extLst>
-          </p:cNvPr>
-          <p:cNvSpPr/>
-          <p:nvPr/>
-        </p:nvSpPr>
-        <p:spPr>
-          <a:xfrm>
-            <a:off x="3031958" y="3513221"/>
-            <a:ext cx="2991853" cy="393032"/>
-          </a:xfrm>
-          <a:prstGeom prst="rect">
-            <a:avLst/>
-          </a:prstGeom>
-          <a:noFill/>
-          <a:ln w="38100">
-            <a:solidFill>
-              <a:srgbClr val="FF0000"/>
-            </a:solidFill>
-          </a:ln>
-        </p:spPr>
-        <p:style>
-          <a:lnRef idx="2">
-            <a:schemeClr val="accent1">
-              <a:shade val="50000"/>
-            </a:schemeClr>
-          </a:lnRef>
-          <a:fillRef idx="1">
-            <a:schemeClr val="accent1"/>
-          </a:fillRef>
-          <a:effectRef idx="0">
-            <a:schemeClr val="accent1"/>
-          </a:effectRef>
-          <a:fontRef idx="minor">
-            <a:schemeClr val="lt1"/>
-          </a:fontRef>
-        </p:style>
-        <p:txBody>
-          <a:bodyPr rtlCol="0" anchor="ctr"/>
-          <a:lstStyle/>
-          <a:p>
-            <a:pPr algn="ctr"/>
-            <a:endParaRPr lang="zh-TW" altLang="en-US"/>
-          </a:p>
-        </p:txBody>
-      </p:sp>
-      <p:sp>
-        <p:nvSpPr>
-          <p:cNvPr id="8" name="文字方塊 7">
-            <a:extLst>
-              <a:ext uri="{FF2B5EF4-FFF2-40B4-BE49-F238E27FC236}">
-                <a16:creationId xmlns:a16="http://schemas.microsoft.com/office/drawing/2014/main" id="{BFCE2436-9A40-42CC-B82E-338B3291D824}"/>
-              </a:ext>
-            </a:extLst>
-          </p:cNvPr>
-          <p:cNvSpPr txBox="1"/>
-          <p:nvPr/>
-        </p:nvSpPr>
-        <p:spPr>
-          <a:xfrm>
-            <a:off x="1121199" y="5205662"/>
-            <a:ext cx="3570208" cy="461665"/>
-          </a:xfrm>
-          <a:prstGeom prst="rect">
-            <a:avLst/>
-          </a:prstGeom>
-          <a:noFill/>
-        </p:spPr>
-        <p:txBody>
-          <a:bodyPr wrap="none" rtlCol="0">
-            <a:spAutoFit/>
-          </a:bodyPr>
-          <a:lstStyle/>
-          <a:p>
-            <a:r>
-              <a:rPr lang="zh-TW" altLang="en-US" sz="2400" dirty="0">
-                <a:highlight>
-                  <a:srgbClr val="FF0000"/>
-                </a:highlight>
-                <a:latin typeface="STHeiti" panose="02010600040101010101" pitchFamily="2" charset="-122"/>
-                <a:ea typeface="STHeiti" panose="02010600040101010101" pitchFamily="2" charset="-122"/>
-              </a:rPr>
-              <a:t>這裡放你想要重複做的事</a:t>
-            </a:r>
-          </a:p>
-        </p:txBody>
-      </p:sp>
-      <p:sp>
-        <p:nvSpPr>
-          <p:cNvPr id="9" name="矩形 8">
-            <a:extLst>
-              <a:ext uri="{FF2B5EF4-FFF2-40B4-BE49-F238E27FC236}">
-                <a16:creationId xmlns:a16="http://schemas.microsoft.com/office/drawing/2014/main" id="{97168E79-7728-4117-AC54-8EF55C7799C9}"/>
-              </a:ext>
-            </a:extLst>
-          </p:cNvPr>
-          <p:cNvSpPr/>
-          <p:nvPr/>
-        </p:nvSpPr>
-        <p:spPr>
-          <a:xfrm>
-            <a:off x="2679032" y="3906253"/>
-            <a:ext cx="3344779" cy="393032"/>
-          </a:xfrm>
-          <a:prstGeom prst="rect">
-            <a:avLst/>
-          </a:prstGeom>
-          <a:noFill/>
-          <a:ln w="38100">
-            <a:solidFill>
-              <a:srgbClr val="FF0000"/>
-            </a:solidFill>
-          </a:ln>
-        </p:spPr>
-        <p:style>
-          <a:lnRef idx="2">
-            <a:schemeClr val="accent1">
-              <a:shade val="50000"/>
-            </a:schemeClr>
-          </a:lnRef>
-          <a:fillRef idx="1">
-            <a:schemeClr val="accent1"/>
-          </a:fillRef>
-          <a:effectRef idx="0">
-            <a:schemeClr val="accent1"/>
-          </a:effectRef>
-          <a:fontRef idx="minor">
-            <a:schemeClr val="lt1"/>
-          </a:fontRef>
-        </p:style>
-        <p:txBody>
-          <a:bodyPr rtlCol="0" anchor="ctr"/>
-          <a:lstStyle/>
-          <a:p>
-            <a:pPr algn="ctr"/>
-            <a:endParaRPr lang="zh-TW" altLang="en-US"/>
-          </a:p>
-        </p:txBody>
-      </p:sp>
-    </p:spTree>
-    <p:extLst>
-      <p:ext uri="{BB962C8B-B14F-4D97-AF65-F5344CB8AC3E}">
-        <p14:creationId xmlns:p14="http://schemas.microsoft.com/office/powerpoint/2010/main" val="4148040693"/>
-      </p:ext>
-    </p:extLst>
-  </p:cSld>
-  <p:clrMapOvr>
-    <a:masterClrMapping/>
-  </p:clrMapOvr>
-  <mc:AlternateContent xmlns:mc="http://schemas.openxmlformats.org/markup-compatibility/2006">
-    <mc:Choice xmlns:p159="http://schemas.microsoft.com/office/powerpoint/2015/09/main" Requires="p159">
-      <p:transition spd="slow">
-        <p159:morph option="byChar"/>
-      </p:transition>
-    </mc:Choice>
-    <mc:Fallback>
-      <p:transition spd="slow">
-        <p:fade/>
-      </p:transition>
-    </mc:Fallback>
-  </mc:AlternateContent>
-  <p:timing>
-    <p:tnLst>
-      <p:par>
-        <p:cTn id="1" dur="indefinite" restart="never" nodeType="tmRoot">
-          <p:childTnLst>
-            <p:seq concurrent="1" nextAc="seek">
-              <p:cTn id="2" dur="indefinite" nodeType="mainSeq">
-                <p:childTnLst>
-                  <p:par>
-                    <p:cTn id="3" fill="hold">
-                      <p:stCondLst>
-                        <p:cond delay="indefinite"/>
-                      </p:stCondLst>
-                      <p:childTnLst>
-                        <p:par>
-                          <p:cTn id="4" fill="hold">
-                            <p:stCondLst>
-                              <p:cond delay="0"/>
-                            </p:stCondLst>
-                            <p:childTnLst>
-                              <p:par>
-                                <p:cTn id="5" presetID="10" presetClass="exit" presetSubtype="0" fill="hold" grpId="0" nodeType="clickEffect">
-                                  <p:stCondLst>
-                                    <p:cond delay="0"/>
-                                  </p:stCondLst>
-                                  <p:childTnLst>
-                                    <p:animEffect transition="out" filter="fade">
-                                      <p:cBhvr>
-                                        <p:cTn id="6" dur="500"/>
-                                        <p:tgtEl>
-                                          <p:spTgt spid="7"/>
-                                        </p:tgtEl>
-                                      </p:cBhvr>
-                                    </p:animEffect>
-                                    <p:set>
-                                      <p:cBhvr>
-                                        <p:cTn id="7" dur="1" fill="hold">
-                                          <p:stCondLst>
-                                            <p:cond delay="499"/>
-                                          </p:stCondLst>
-                                        </p:cTn>
-                                        <p:tgtEl>
-                                          <p:spTgt spid="7"/>
-                                        </p:tgtEl>
-                                        <p:attrNameLst>
-                                          <p:attrName>style.visibility</p:attrName>
-                                        </p:attrNameLst>
-                                      </p:cBhvr>
-                                      <p:to>
-                                        <p:strVal val="hidden"/>
-                                      </p:to>
-                                    </p:set>
-                                  </p:childTnLst>
-                                </p:cTn>
-                              </p:par>
-                              <p:par>
-                                <p:cTn id="8" presetID="10" presetClass="exit" presetSubtype="0" fill="hold" grpId="0" nodeType="withEffect">
-                                  <p:stCondLst>
-                                    <p:cond delay="0"/>
-                                  </p:stCondLst>
-                                  <p:childTnLst>
-                                    <p:animEffect transition="out" filter="fade">
-                                      <p:cBhvr>
-                                        <p:cTn id="9" dur="500"/>
-                                        <p:tgtEl>
-                                          <p:spTgt spid="6"/>
-                                        </p:tgtEl>
-                                      </p:cBhvr>
-                                    </p:animEffect>
-                                    <p:set>
-                                      <p:cBhvr>
-                                        <p:cTn id="10" dur="1" fill="hold">
-                                          <p:stCondLst>
-                                            <p:cond delay="499"/>
-                                          </p:stCondLst>
-                                        </p:cTn>
-                                        <p:tgtEl>
-                                          <p:spTgt spid="6"/>
-                                        </p:tgtEl>
-                                        <p:attrNameLst>
-                                          <p:attrName>style.visibility</p:attrName>
-                                        </p:attrNameLst>
-                                      </p:cBhvr>
-                                      <p:to>
-                                        <p:strVal val="hidden"/>
-                                      </p:to>
-                                    </p:set>
-                                  </p:childTnLst>
-                                </p:cTn>
-                              </p:par>
-                              <p:par>
-                                <p:cTn id="11" presetID="10" presetClass="entr" presetSubtype="0" fill="hold" grpId="0" nodeType="withEffect">
-                                  <p:stCondLst>
-                                    <p:cond delay="0"/>
-                                  </p:stCondLst>
-                                  <p:childTnLst>
-                                    <p:set>
-                                      <p:cBhvr>
-                                        <p:cTn id="12" dur="1" fill="hold">
-                                          <p:stCondLst>
-                                            <p:cond delay="0"/>
-                                          </p:stCondLst>
-                                        </p:cTn>
-                                        <p:tgtEl>
-                                          <p:spTgt spid="9"/>
-                                        </p:tgtEl>
-                                        <p:attrNameLst>
-                                          <p:attrName>style.visibility</p:attrName>
-                                        </p:attrNameLst>
-                                      </p:cBhvr>
-                                      <p:to>
-                                        <p:strVal val="visible"/>
-                                      </p:to>
-                                    </p:set>
-                                    <p:animEffect transition="in" filter="fade">
-                                      <p:cBhvr>
-                                        <p:cTn id="13" dur="500"/>
-                                        <p:tgtEl>
-                                          <p:spTgt spid="9"/>
-                                        </p:tgtEl>
-                                      </p:cBhvr>
-                                    </p:animEffect>
-                                  </p:childTnLst>
-                                </p:cTn>
-                              </p:par>
-                              <p:par>
-                                <p:cTn id="14" presetID="10" presetClass="entr" presetSubtype="0" fill="hold" grpId="0" nodeType="withEffect">
-                                  <p:stCondLst>
-                                    <p:cond delay="0"/>
-                                  </p:stCondLst>
-                                  <p:childTnLst>
-                                    <p:set>
-                                      <p:cBhvr>
-                                        <p:cTn id="15" dur="1" fill="hold">
-                                          <p:stCondLst>
-                                            <p:cond delay="0"/>
-                                          </p:stCondLst>
-                                        </p:cTn>
-                                        <p:tgtEl>
-                                          <p:spTgt spid="8"/>
-                                        </p:tgtEl>
-                                        <p:attrNameLst>
-                                          <p:attrName>style.visibility</p:attrName>
-                                        </p:attrNameLst>
-                                      </p:cBhvr>
-                                      <p:to>
-                                        <p:strVal val="visible"/>
-                                      </p:to>
-                                    </p:set>
-                                    <p:animEffect transition="in" filter="fade">
-                                      <p:cBhvr>
-                                        <p:cTn id="16" dur="500"/>
-                                        <p:tgtEl>
-                                          <p:spTgt spid="8"/>
-                                        </p:tgtEl>
-                                      </p:cBhvr>
-                                    </p:animEffect>
-                                  </p:childTnLst>
-                                </p:cTn>
-                              </p:par>
-                            </p:childTnLst>
-                          </p:cTn>
-                        </p:par>
-                      </p:childTnLst>
-                    </p:cTn>
-                  </p:par>
-                </p:childTnLst>
-              </p:cTn>
-              <p:prevCondLst>
-                <p:cond evt="onPrev" delay="0">
-                  <p:tgtEl>
-                    <p:sldTgt/>
-                  </p:tgtEl>
-                </p:cond>
-              </p:prevCondLst>
-              <p:nextCondLst>
-                <p:cond evt="onNext" delay="0">
-                  <p:tgtEl>
-                    <p:sldTgt/>
-                  </p:tgtEl>
-                </p:cond>
-              </p:nextCondLst>
-            </p:seq>
-          </p:childTnLst>
-        </p:cTn>
-      </p:par>
-    </p:tnLst>
-    <p:bldLst>
-      <p:bldP spid="6" grpId="0"/>
-      <p:bldP spid="7" grpId="0" animBg="1"/>
-      <p:bldP spid="8" grpId="0"/>
-      <p:bldP spid="9" grpId="0" animBg="1"/>
-    </p:bldLst>
-  </p:timing>
-</p:sld>
-</file>
-
-<file path=ppt/slides/slide50.xml><?xml version="1.0" encoding="utf-8"?>
+<file path=ppt/slides/slide53.xml><?xml version="1.0" encoding="utf-8"?>
 <p:sld xmlns:a="http://schemas.openxmlformats.org/drawingml/2006/main" xmlns:r="http://schemas.openxmlformats.org/officeDocument/2006/relationships" xmlns:p="http://schemas.openxmlformats.org/presentationml/2006/main">
   <p:cSld>
     <p:spTree>
@@ -32420,13 +33860,13 @@
   <p:clrMapOvr>
     <a:masterClrMapping/>
   </p:clrMapOvr>
-  <mc:AlternateContent xmlns:mc="http://schemas.openxmlformats.org/markup-compatibility/2006">
-    <mc:Choice xmlns:p159="http://schemas.microsoft.com/office/powerpoint/2015/09/main" Requires="p159">
+  <mc:AlternateContent xmlns:mc="http://schemas.openxmlformats.org/markup-compatibility/2006" xmlns:p159="http://schemas.microsoft.com/office/powerpoint/2015/09/main">
+    <mc:Choice Requires="p159">
       <p:transition spd="slow">
         <p159:morph option="byChar"/>
       </p:transition>
     </mc:Choice>
-    <mc:Fallback>
+    <mc:Fallback xmlns="">
       <p:transition spd="slow">
         <p:fade/>
       </p:transition>
@@ -32435,7 +33875,7 @@
 </p:sld>
 </file>
 
-<file path=ppt/slides/slide51.xml><?xml version="1.0" encoding="utf-8"?>
+<file path=ppt/slides/slide54.xml><?xml version="1.0" encoding="utf-8"?>
 <p:sld xmlns:a="http://schemas.openxmlformats.org/drawingml/2006/main" xmlns:r="http://schemas.openxmlformats.org/officeDocument/2006/relationships" xmlns:p="http://schemas.openxmlformats.org/presentationml/2006/main">
   <p:cSld>
     <p:spTree>
@@ -33429,13 +34869,13 @@
   <p:clrMapOvr>
     <a:masterClrMapping/>
   </p:clrMapOvr>
-  <mc:AlternateContent xmlns:mc="http://schemas.openxmlformats.org/markup-compatibility/2006">
-    <mc:Choice xmlns:p159="http://schemas.microsoft.com/office/powerpoint/2015/09/main" Requires="p159">
+  <mc:AlternateContent xmlns:mc="http://schemas.openxmlformats.org/markup-compatibility/2006" xmlns:p159="http://schemas.microsoft.com/office/powerpoint/2015/09/main">
+    <mc:Choice Requires="p159">
       <p:transition spd="slow">
         <p159:morph option="byChar"/>
       </p:transition>
     </mc:Choice>
-    <mc:Fallback>
+    <mc:Fallback xmlns="">
       <p:transition spd="slow">
         <p:fade/>
       </p:transition>
@@ -34031,7 +35471,7 @@
 </p:sld>
 </file>
 
-<file path=ppt/slides/slide52.xml><?xml version="1.0" encoding="utf-8"?>
+<file path=ppt/slides/slide55.xml><?xml version="1.0" encoding="utf-8"?>
 <p:sld xmlns:a="http://schemas.openxmlformats.org/drawingml/2006/main" xmlns:r="http://schemas.openxmlformats.org/officeDocument/2006/relationships" xmlns:p="http://schemas.openxmlformats.org/presentationml/2006/main">
   <p:cSld>
     <p:spTree>
@@ -34138,13 +35578,13 @@
   <p:clrMapOvr>
     <a:masterClrMapping/>
   </p:clrMapOvr>
-  <mc:AlternateContent xmlns:mc="http://schemas.openxmlformats.org/markup-compatibility/2006">
-    <mc:Choice xmlns:p159="http://schemas.microsoft.com/office/powerpoint/2015/09/main" Requires="p159">
+  <mc:AlternateContent xmlns:mc="http://schemas.openxmlformats.org/markup-compatibility/2006" xmlns:p159="http://schemas.microsoft.com/office/powerpoint/2015/09/main">
+    <mc:Choice Requires="p159">
       <p:transition spd="slow">
         <p159:morph option="byChar"/>
       </p:transition>
     </mc:Choice>
-    <mc:Fallback>
+    <mc:Fallback xmlns="">
       <p:transition spd="slow">
         <p:fade/>
       </p:transition>
@@ -34153,7 +35593,7 @@
 </p:sld>
 </file>
 
-<file path=ppt/slides/slide53.xml><?xml version="1.0" encoding="utf-8"?>
+<file path=ppt/slides/slide56.xml><?xml version="1.0" encoding="utf-8"?>
 <p:sld xmlns:a="http://schemas.openxmlformats.org/drawingml/2006/main" xmlns:r="http://schemas.openxmlformats.org/officeDocument/2006/relationships" xmlns:p="http://schemas.openxmlformats.org/presentationml/2006/main">
   <p:cSld>
     <p:spTree>
@@ -34543,13 +35983,13 @@
   <p:clrMapOvr>
     <a:masterClrMapping/>
   </p:clrMapOvr>
-  <mc:AlternateContent xmlns:mc="http://schemas.openxmlformats.org/markup-compatibility/2006">
-    <mc:Choice xmlns:p159="http://schemas.microsoft.com/office/powerpoint/2015/09/main" Requires="p159">
+  <mc:AlternateContent xmlns:mc="http://schemas.openxmlformats.org/markup-compatibility/2006" xmlns:p159="http://schemas.microsoft.com/office/powerpoint/2015/09/main">
+    <mc:Choice Requires="p159">
       <p:transition spd="slow">
         <p159:morph option="byChar"/>
       </p:transition>
     </mc:Choice>
-    <mc:Fallback>
+    <mc:Fallback xmlns="">
       <p:transition spd="slow">
         <p:fade/>
       </p:transition>
@@ -34806,7 +36246,7 @@
 </p:sld>
 </file>
 
-<file path=ppt/slides/slide54.xml><?xml version="1.0" encoding="utf-8"?>
+<file path=ppt/slides/slide57.xml><?xml version="1.0" encoding="utf-8"?>
 <p:sld xmlns:a="http://schemas.openxmlformats.org/drawingml/2006/main" xmlns:r="http://schemas.openxmlformats.org/officeDocument/2006/relationships" xmlns:p="http://schemas.openxmlformats.org/presentationml/2006/main">
   <p:cSld>
     <p:spTree>
@@ -34895,13 +36335,13 @@
   <p:clrMapOvr>
     <a:masterClrMapping/>
   </p:clrMapOvr>
-  <mc:AlternateContent xmlns:mc="http://schemas.openxmlformats.org/markup-compatibility/2006">
-    <mc:Choice xmlns:p159="http://schemas.microsoft.com/office/powerpoint/2015/09/main" Requires="p159">
+  <mc:AlternateContent xmlns:mc="http://schemas.openxmlformats.org/markup-compatibility/2006" xmlns:p159="http://schemas.microsoft.com/office/powerpoint/2015/09/main">
+    <mc:Choice Requires="p159">
       <p:transition spd="slow">
         <p159:morph option="byChar"/>
       </p:transition>
     </mc:Choice>
-    <mc:Fallback>
+    <mc:Fallback xmlns="">
       <p:transition spd="slow">
         <p:fade/>
       </p:transition>
@@ -34910,7 +36350,7 @@
 </p:sld>
 </file>
 
-<file path=ppt/slides/slide55.xml><?xml version="1.0" encoding="utf-8"?>
+<file path=ppt/slides/slide58.xml><?xml version="1.0" encoding="utf-8"?>
 <p:sld xmlns:a="http://schemas.openxmlformats.org/drawingml/2006/main" xmlns:r="http://schemas.openxmlformats.org/officeDocument/2006/relationships" xmlns:p="http://schemas.openxmlformats.org/presentationml/2006/main">
   <p:cSld>
     <p:spTree>
@@ -37251,13 +38691,13 @@
   <p:clrMapOvr>
     <a:masterClrMapping/>
   </p:clrMapOvr>
-  <mc:AlternateContent xmlns:mc="http://schemas.openxmlformats.org/markup-compatibility/2006">
-    <mc:Choice xmlns:p159="http://schemas.microsoft.com/office/powerpoint/2015/09/main" Requires="p159">
+  <mc:AlternateContent xmlns:mc="http://schemas.openxmlformats.org/markup-compatibility/2006" xmlns:p159="http://schemas.microsoft.com/office/powerpoint/2015/09/main">
+    <mc:Choice Requires="p159">
       <p:transition spd="slow">
         <p159:morph option="byChar"/>
       </p:transition>
     </mc:Choice>
-    <mc:Fallback>
+    <mc:Fallback xmlns="">
       <p:transition spd="slow">
         <p:fade/>
       </p:transition>
@@ -37266,7 +38706,7 @@
 </p:sld>
 </file>
 
-<file path=ppt/slides/slide56.xml><?xml version="1.0" encoding="utf-8"?>
+<file path=ppt/slides/slide59.xml><?xml version="1.0" encoding="utf-8"?>
 <p:sld xmlns:a="http://schemas.openxmlformats.org/drawingml/2006/main" xmlns:r="http://schemas.openxmlformats.org/officeDocument/2006/relationships" xmlns:p="http://schemas.openxmlformats.org/presentationml/2006/main">
   <p:cSld>
     <p:spTree>
@@ -37411,880 +38851,13 @@
   <p:clrMapOvr>
     <a:masterClrMapping/>
   </p:clrMapOvr>
-  <mc:AlternateContent xmlns:mc="http://schemas.openxmlformats.org/markup-compatibility/2006">
-    <mc:Choice xmlns:p159="http://schemas.microsoft.com/office/powerpoint/2015/09/main" Requires="p159">
+  <mc:AlternateContent xmlns:mc="http://schemas.openxmlformats.org/markup-compatibility/2006" xmlns:p159="http://schemas.microsoft.com/office/powerpoint/2015/09/main">
+    <mc:Choice Requires="p159">
       <p:transition spd="slow">
         <p159:morph option="byChar"/>
       </p:transition>
     </mc:Choice>
-    <mc:Fallback>
-      <p:transition spd="slow">
-        <p:fade/>
-      </p:transition>
-    </mc:Fallback>
-  </mc:AlternateContent>
-</p:sld>
-</file>
-
-<file path=ppt/slides/slide57.xml><?xml version="1.0" encoding="utf-8"?>
-<p:sld xmlns:a="http://schemas.openxmlformats.org/drawingml/2006/main" xmlns:r="http://schemas.openxmlformats.org/officeDocument/2006/relationships" xmlns:p="http://schemas.openxmlformats.org/presentationml/2006/main">
-  <p:cSld>
-    <p:spTree>
-      <p:nvGrpSpPr>
-        <p:cNvPr id="1" name=""/>
-        <p:cNvGrpSpPr/>
-        <p:nvPr/>
-      </p:nvGrpSpPr>
-      <p:grpSpPr>
-        <a:xfrm>
-          <a:off x="0" y="0"/>
-          <a:ext cx="0" cy="0"/>
-          <a:chOff x="0" y="0"/>
-          <a:chExt cx="0" cy="0"/>
-        </a:xfrm>
-      </p:grpSpPr>
-      <p:sp>
-        <p:nvSpPr>
-          <p:cNvPr id="2" name="標題 1">
-            <a:extLst>
-              <a:ext uri="{FF2B5EF4-FFF2-40B4-BE49-F238E27FC236}">
-                <a16:creationId xmlns:a16="http://schemas.microsoft.com/office/drawing/2014/main" id="{2A1E1279-DDF0-4B6A-BDA0-5F9B4776B245}"/>
-              </a:ext>
-            </a:extLst>
-          </p:cNvPr>
-          <p:cNvSpPr>
-            <a:spLocks noGrp="1"/>
-          </p:cNvSpPr>
-          <p:nvPr>
-            <p:ph type="title"/>
-          </p:nvPr>
-        </p:nvSpPr>
-        <p:spPr/>
-        <p:txBody>
-          <a:bodyPr/>
-          <a:lstStyle/>
-          <a:p>
-            <a:r>
-              <a:rPr lang="zh-TW" altLang="en-US" cap="none" dirty="0">
-                <a:latin typeface="STHeiti TC" panose="02000000000000000000" pitchFamily="2" charset="-120"/>
-                <a:ea typeface="STHeiti TC" panose="02000000000000000000" pitchFamily="2" charset="-120"/>
-              </a:rPr>
-              <a:t>資料結構</a:t>
-            </a:r>
-            <a:r>
-              <a:rPr lang="zh-TW" altLang="en-US" cap="none" dirty="0">
-                <a:latin typeface="Consolas" panose="020B0609020204030204" pitchFamily="49" charset="0"/>
-              </a:rPr>
-              <a:t> </a:t>
-            </a:r>
-            <a:r>
-              <a:rPr lang="en-US" altLang="zh-TW" cap="none" dirty="0">
-                <a:latin typeface="Consolas" panose="020B0609020204030204" pitchFamily="49" charset="0"/>
-              </a:rPr>
-              <a:t>- struct</a:t>
-            </a:r>
-            <a:endParaRPr lang="zh-TW" altLang="en-US" dirty="0"/>
-          </a:p>
-        </p:txBody>
-      </p:sp>
-      <p:pic>
-        <p:nvPicPr>
-          <p:cNvPr id="5" name="圖片 4">
-            <a:extLst>
-              <a:ext uri="{FF2B5EF4-FFF2-40B4-BE49-F238E27FC236}">
-                <a16:creationId xmlns:a16="http://schemas.microsoft.com/office/drawing/2014/main" id="{C683C10F-59C4-4A00-9B51-4A532DF8FF51}"/>
-              </a:ext>
-            </a:extLst>
-          </p:cNvPr>
-          <p:cNvPicPr>
-            <a:picLocks noChangeAspect="1"/>
-          </p:cNvPicPr>
-          <p:nvPr/>
-        </p:nvPicPr>
-        <p:blipFill>
-          <a:blip r:embed="rId2"/>
-          <a:stretch>
-            <a:fillRect/>
-          </a:stretch>
-        </p:blipFill>
-        <p:spPr>
-          <a:xfrm>
-            <a:off x="97587" y="2285362"/>
-            <a:ext cx="11993649" cy="4572638"/>
-          </a:xfrm>
-          <a:prstGeom prst="rect">
-            <a:avLst/>
-          </a:prstGeom>
-        </p:spPr>
-      </p:pic>
-      <p:sp>
-        <p:nvSpPr>
-          <p:cNvPr id="6" name="矩形 5">
-            <a:extLst>
-              <a:ext uri="{FF2B5EF4-FFF2-40B4-BE49-F238E27FC236}">
-                <a16:creationId xmlns:a16="http://schemas.microsoft.com/office/drawing/2014/main" id="{87D30AD6-547B-4D75-8EDA-97B4C9686182}"/>
-              </a:ext>
-            </a:extLst>
-          </p:cNvPr>
-          <p:cNvSpPr/>
-          <p:nvPr/>
-        </p:nvSpPr>
-        <p:spPr>
-          <a:xfrm>
-            <a:off x="1141413" y="5084064"/>
-            <a:ext cx="2232723" cy="246888"/>
-          </a:xfrm>
-          <a:prstGeom prst="rect">
-            <a:avLst/>
-          </a:prstGeom>
-          <a:noFill/>
-          <a:ln w="38100">
-            <a:solidFill>
-              <a:srgbClr val="FF0000"/>
-            </a:solidFill>
-          </a:ln>
-        </p:spPr>
-        <p:style>
-          <a:lnRef idx="2">
-            <a:schemeClr val="accent1">
-              <a:shade val="50000"/>
-            </a:schemeClr>
-          </a:lnRef>
-          <a:fillRef idx="1">
-            <a:schemeClr val="accent1"/>
-          </a:fillRef>
-          <a:effectRef idx="0">
-            <a:schemeClr val="accent1"/>
-          </a:effectRef>
-          <a:fontRef idx="minor">
-            <a:schemeClr val="lt1"/>
-          </a:fontRef>
-        </p:style>
-        <p:txBody>
-          <a:bodyPr rtlCol="0" anchor="ctr"/>
-          <a:lstStyle/>
-          <a:p>
-            <a:pPr algn="ctr"/>
-            <a:endParaRPr lang="zh-TW" altLang="en-US"/>
-          </a:p>
-        </p:txBody>
-      </p:sp>
-      <p:sp>
-        <p:nvSpPr>
-          <p:cNvPr id="7" name="矩形 6">
-            <a:extLst>
-              <a:ext uri="{FF2B5EF4-FFF2-40B4-BE49-F238E27FC236}">
-                <a16:creationId xmlns:a16="http://schemas.microsoft.com/office/drawing/2014/main" id="{9F62695C-E5A9-4213-9162-8A0E2DB327A5}"/>
-              </a:ext>
-            </a:extLst>
-          </p:cNvPr>
-          <p:cNvSpPr/>
-          <p:nvPr/>
-        </p:nvSpPr>
-        <p:spPr>
-          <a:xfrm>
-            <a:off x="1141413" y="5394960"/>
-            <a:ext cx="1894395" cy="853440"/>
-          </a:xfrm>
-          <a:prstGeom prst="rect">
-            <a:avLst/>
-          </a:prstGeom>
-          <a:noFill/>
-          <a:ln w="38100">
-            <a:solidFill>
-              <a:srgbClr val="FF0000"/>
-            </a:solidFill>
-          </a:ln>
-        </p:spPr>
-        <p:style>
-          <a:lnRef idx="2">
-            <a:schemeClr val="accent1">
-              <a:shade val="50000"/>
-            </a:schemeClr>
-          </a:lnRef>
-          <a:fillRef idx="1">
-            <a:schemeClr val="accent1"/>
-          </a:fillRef>
-          <a:effectRef idx="0">
-            <a:schemeClr val="accent1"/>
-          </a:effectRef>
-          <a:fontRef idx="minor">
-            <a:schemeClr val="lt1"/>
-          </a:fontRef>
-        </p:style>
-        <p:txBody>
-          <a:bodyPr rtlCol="0" anchor="ctr"/>
-          <a:lstStyle/>
-          <a:p>
-            <a:pPr algn="ctr"/>
-            <a:endParaRPr lang="zh-TW" altLang="en-US"/>
-          </a:p>
-        </p:txBody>
-      </p:sp>
-      <p:pic>
-        <p:nvPicPr>
-          <p:cNvPr id="9" name="圖片 8">
-            <a:extLst>
-              <a:ext uri="{FF2B5EF4-FFF2-40B4-BE49-F238E27FC236}">
-                <a16:creationId xmlns:a16="http://schemas.microsoft.com/office/drawing/2014/main" id="{B8109959-B04F-4627-96AD-BEC855465299}"/>
-              </a:ext>
-            </a:extLst>
-          </p:cNvPr>
-          <p:cNvPicPr>
-            <a:picLocks noChangeAspect="1"/>
-          </p:cNvPicPr>
-          <p:nvPr/>
-        </p:nvPicPr>
-        <p:blipFill>
-          <a:blip r:embed="rId3"/>
-          <a:stretch>
-            <a:fillRect/>
-          </a:stretch>
-        </p:blipFill>
-        <p:spPr>
-          <a:xfrm>
-            <a:off x="3374136" y="3968290"/>
-            <a:ext cx="8387490" cy="750222"/>
-          </a:xfrm>
-          <a:prstGeom prst="rect">
-            <a:avLst/>
-          </a:prstGeom>
-        </p:spPr>
-      </p:pic>
-    </p:spTree>
-    <p:extLst>
-      <p:ext uri="{BB962C8B-B14F-4D97-AF65-F5344CB8AC3E}">
-        <p14:creationId xmlns:p14="http://schemas.microsoft.com/office/powerpoint/2010/main" val="1252941179"/>
-      </p:ext>
-    </p:extLst>
-  </p:cSld>
-  <p:clrMapOvr>
-    <a:masterClrMapping/>
-  </p:clrMapOvr>
-  <mc:AlternateContent xmlns:mc="http://schemas.openxmlformats.org/markup-compatibility/2006">
-    <mc:Choice xmlns:p159="http://schemas.microsoft.com/office/powerpoint/2015/09/main" Requires="p159">
-      <p:transition spd="slow">
-        <p159:morph option="byChar"/>
-      </p:transition>
-    </mc:Choice>
-    <mc:Fallback>
-      <p:transition spd="slow">
-        <p:fade/>
-      </p:transition>
-    </mc:Fallback>
-  </mc:AlternateContent>
-  <p:timing>
-    <p:tnLst>
-      <p:par>
-        <p:cTn id="1" dur="indefinite" restart="never" nodeType="tmRoot">
-          <p:childTnLst>
-            <p:seq concurrent="1" nextAc="seek">
-              <p:cTn id="2" dur="indefinite" nodeType="mainSeq">
-                <p:childTnLst>
-                  <p:par>
-                    <p:cTn id="3" fill="hold">
-                      <p:stCondLst>
-                        <p:cond delay="indefinite"/>
-                        <p:cond evt="onBegin" delay="0">
-                          <p:tn val="2"/>
-                        </p:cond>
-                      </p:stCondLst>
-                      <p:childTnLst>
-                        <p:par>
-                          <p:cTn id="4" fill="hold">
-                            <p:stCondLst>
-                              <p:cond delay="0"/>
-                            </p:stCondLst>
-                            <p:childTnLst>
-                              <p:par>
-                                <p:cTn id="5" presetID="10" presetClass="entr" presetSubtype="0" fill="hold" grpId="0" nodeType="withEffect">
-                                  <p:stCondLst>
-                                    <p:cond delay="0"/>
-                                  </p:stCondLst>
-                                  <p:childTnLst>
-                                    <p:set>
-                                      <p:cBhvr>
-                                        <p:cTn id="6" dur="1" fill="hold">
-                                          <p:stCondLst>
-                                            <p:cond delay="0"/>
-                                          </p:stCondLst>
-                                        </p:cTn>
-                                        <p:tgtEl>
-                                          <p:spTgt spid="6"/>
-                                        </p:tgtEl>
-                                        <p:attrNameLst>
-                                          <p:attrName>style.visibility</p:attrName>
-                                        </p:attrNameLst>
-                                      </p:cBhvr>
-                                      <p:to>
-                                        <p:strVal val="visible"/>
-                                      </p:to>
-                                    </p:set>
-                                    <p:animEffect transition="in" filter="fade">
-                                      <p:cBhvr>
-                                        <p:cTn id="7" dur="500"/>
-                                        <p:tgtEl>
-                                          <p:spTgt spid="6"/>
-                                        </p:tgtEl>
-                                      </p:cBhvr>
-                                    </p:animEffect>
-                                  </p:childTnLst>
-                                </p:cTn>
-                              </p:par>
-                            </p:childTnLst>
-                          </p:cTn>
-                        </p:par>
-                      </p:childTnLst>
-                    </p:cTn>
-                  </p:par>
-                  <p:par>
-                    <p:cTn id="8" fill="hold">
-                      <p:stCondLst>
-                        <p:cond delay="indefinite"/>
-                      </p:stCondLst>
-                      <p:childTnLst>
-                        <p:par>
-                          <p:cTn id="9" fill="hold">
-                            <p:stCondLst>
-                              <p:cond delay="0"/>
-                            </p:stCondLst>
-                            <p:childTnLst>
-                              <p:par>
-                                <p:cTn id="10" presetID="10" presetClass="exit" presetSubtype="0" fill="hold" grpId="1" nodeType="clickEffect">
-                                  <p:stCondLst>
-                                    <p:cond delay="0"/>
-                                  </p:stCondLst>
-                                  <p:childTnLst>
-                                    <p:animEffect transition="out" filter="fade">
-                                      <p:cBhvr>
-                                        <p:cTn id="11" dur="500"/>
-                                        <p:tgtEl>
-                                          <p:spTgt spid="6"/>
-                                        </p:tgtEl>
-                                      </p:cBhvr>
-                                    </p:animEffect>
-                                    <p:set>
-                                      <p:cBhvr>
-                                        <p:cTn id="12" dur="1" fill="hold">
-                                          <p:stCondLst>
-                                            <p:cond delay="499"/>
-                                          </p:stCondLst>
-                                        </p:cTn>
-                                        <p:tgtEl>
-                                          <p:spTgt spid="6"/>
-                                        </p:tgtEl>
-                                        <p:attrNameLst>
-                                          <p:attrName>style.visibility</p:attrName>
-                                        </p:attrNameLst>
-                                      </p:cBhvr>
-                                      <p:to>
-                                        <p:strVal val="hidden"/>
-                                      </p:to>
-                                    </p:set>
-                                  </p:childTnLst>
-                                </p:cTn>
-                              </p:par>
-                              <p:par>
-                                <p:cTn id="13" presetID="10" presetClass="entr" presetSubtype="0" fill="hold" grpId="0" nodeType="withEffect">
-                                  <p:stCondLst>
-                                    <p:cond delay="0"/>
-                                  </p:stCondLst>
-                                  <p:childTnLst>
-                                    <p:set>
-                                      <p:cBhvr>
-                                        <p:cTn id="14" dur="1" fill="hold">
-                                          <p:stCondLst>
-                                            <p:cond delay="0"/>
-                                          </p:stCondLst>
-                                        </p:cTn>
-                                        <p:tgtEl>
-                                          <p:spTgt spid="7"/>
-                                        </p:tgtEl>
-                                        <p:attrNameLst>
-                                          <p:attrName>style.visibility</p:attrName>
-                                        </p:attrNameLst>
-                                      </p:cBhvr>
-                                      <p:to>
-                                        <p:strVal val="visible"/>
-                                      </p:to>
-                                    </p:set>
-                                    <p:animEffect transition="in" filter="fade">
-                                      <p:cBhvr>
-                                        <p:cTn id="15" dur="500"/>
-                                        <p:tgtEl>
-                                          <p:spTgt spid="7"/>
-                                        </p:tgtEl>
-                                      </p:cBhvr>
-                                    </p:animEffect>
-                                  </p:childTnLst>
-                                </p:cTn>
-                              </p:par>
-                            </p:childTnLst>
-                          </p:cTn>
-                        </p:par>
-                      </p:childTnLst>
-                    </p:cTn>
-                  </p:par>
-                </p:childTnLst>
-              </p:cTn>
-              <p:prevCondLst>
-                <p:cond evt="onPrev" delay="0">
-                  <p:tgtEl>
-                    <p:sldTgt/>
-                  </p:tgtEl>
-                </p:cond>
-              </p:prevCondLst>
-              <p:nextCondLst>
-                <p:cond evt="onNext" delay="0">
-                  <p:tgtEl>
-                    <p:sldTgt/>
-                  </p:tgtEl>
-                </p:cond>
-              </p:nextCondLst>
-            </p:seq>
-          </p:childTnLst>
-        </p:cTn>
-      </p:par>
-    </p:tnLst>
-    <p:bldLst>
-      <p:bldP spid="6" grpId="0" animBg="1"/>
-      <p:bldP spid="6" grpId="1" animBg="1"/>
-      <p:bldP spid="7" grpId="0" animBg="1"/>
-    </p:bldLst>
-  </p:timing>
-</p:sld>
-</file>
-
-<file path=ppt/slides/slide58.xml><?xml version="1.0" encoding="utf-8"?>
-<p:sld xmlns:a="http://schemas.openxmlformats.org/drawingml/2006/main" xmlns:r="http://schemas.openxmlformats.org/officeDocument/2006/relationships" xmlns:p="http://schemas.openxmlformats.org/presentationml/2006/main">
-  <p:cSld>
-    <p:spTree>
-      <p:nvGrpSpPr>
-        <p:cNvPr id="1" name=""/>
-        <p:cNvGrpSpPr/>
-        <p:nvPr/>
-      </p:nvGrpSpPr>
-      <p:grpSpPr>
-        <a:xfrm>
-          <a:off x="0" y="0"/>
-          <a:ext cx="0" cy="0"/>
-          <a:chOff x="0" y="0"/>
-          <a:chExt cx="0" cy="0"/>
-        </a:xfrm>
-      </p:grpSpPr>
-      <p:sp>
-        <p:nvSpPr>
-          <p:cNvPr id="2" name="標題 1">
-            <a:extLst>
-              <a:ext uri="{FF2B5EF4-FFF2-40B4-BE49-F238E27FC236}">
-                <a16:creationId xmlns:a16="http://schemas.microsoft.com/office/drawing/2014/main" id="{D808F4AF-25C4-4A7D-8375-EFE3EE8CDEBC}"/>
-              </a:ext>
-            </a:extLst>
-          </p:cNvPr>
-          <p:cNvSpPr>
-            <a:spLocks noGrp="1"/>
-          </p:cNvSpPr>
-          <p:nvPr>
-            <p:ph type="title"/>
-          </p:nvPr>
-        </p:nvSpPr>
-        <p:spPr/>
-        <p:txBody>
-          <a:bodyPr/>
-          <a:lstStyle/>
-          <a:p>
-            <a:r>
-              <a:rPr lang="zh-TW" altLang="en-US" cap="none" dirty="0">
-                <a:latin typeface="STHeiti TC" panose="02000000000000000000" pitchFamily="2" charset="-120"/>
-                <a:ea typeface="STHeiti TC" panose="02000000000000000000" pitchFamily="2" charset="-120"/>
-              </a:rPr>
-              <a:t>資料結構</a:t>
-            </a:r>
-            <a:r>
-              <a:rPr lang="zh-TW" altLang="en-US" cap="none" dirty="0">
-                <a:latin typeface="Consolas" panose="020B0609020204030204" pitchFamily="49" charset="0"/>
-              </a:rPr>
-              <a:t> </a:t>
-            </a:r>
-            <a:r>
-              <a:rPr lang="en-US" altLang="zh-TW" cap="none" dirty="0">
-                <a:latin typeface="Consolas" panose="020B0609020204030204" pitchFamily="49" charset="0"/>
-              </a:rPr>
-              <a:t>- typedef</a:t>
-            </a:r>
-            <a:endParaRPr lang="zh-TW" altLang="en-US" dirty="0"/>
-          </a:p>
-        </p:txBody>
-      </p:sp>
-      <p:sp>
-        <p:nvSpPr>
-          <p:cNvPr id="3" name="內容版面配置區 2">
-            <a:extLst>
-              <a:ext uri="{FF2B5EF4-FFF2-40B4-BE49-F238E27FC236}">
-                <a16:creationId xmlns:a16="http://schemas.microsoft.com/office/drawing/2014/main" id="{DA6BC435-6AC6-4CD8-9A88-03873CEFDA0C}"/>
-              </a:ext>
-            </a:extLst>
-          </p:cNvPr>
-          <p:cNvSpPr>
-            <a:spLocks noGrp="1"/>
-          </p:cNvSpPr>
-          <p:nvPr>
-            <p:ph idx="1"/>
-          </p:nvPr>
-        </p:nvSpPr>
-        <p:spPr>
-          <a:xfrm>
-            <a:off x="1141413" y="2328671"/>
-            <a:ext cx="9905998" cy="762001"/>
-          </a:xfrm>
-        </p:spPr>
-        <p:txBody>
-          <a:bodyPr>
-            <a:normAutofit/>
-          </a:bodyPr>
-          <a:lstStyle/>
-          <a:p>
-            <a:pPr marL="0" indent="0">
-              <a:buNone/>
-            </a:pPr>
-            <a:r>
-              <a:rPr lang="zh-TW" altLang="en-US" sz="2400" cap="none" dirty="0">
-                <a:solidFill>
-                  <a:srgbClr val="FFFF00"/>
-                </a:solidFill>
-                <a:latin typeface="STHeiti TC" panose="02000000000000000000" pitchFamily="2" charset="-120"/>
-                <a:ea typeface="STHeiti TC" panose="02000000000000000000" pitchFamily="2" charset="-120"/>
-              </a:rPr>
-              <a:t>讓</a:t>
-            </a:r>
-            <a:r>
-              <a:rPr lang="zh-TW" altLang="en-US" sz="2400" cap="none" dirty="0">
-                <a:solidFill>
-                  <a:srgbClr val="FFFF00"/>
-                </a:solidFill>
-                <a:latin typeface="Consolas" panose="020B0609020204030204" pitchFamily="49" charset="0"/>
-              </a:rPr>
-              <a:t> </a:t>
-            </a:r>
-            <a:r>
-              <a:rPr lang="en-US" altLang="zh-TW" sz="2400" cap="none" dirty="0">
-                <a:solidFill>
-                  <a:srgbClr val="FFFF00"/>
-                </a:solidFill>
-                <a:latin typeface="Consolas" panose="020B0609020204030204" pitchFamily="49" charset="0"/>
-              </a:rPr>
-              <a:t>struct </a:t>
-            </a:r>
-            <a:r>
-              <a:rPr lang="zh-TW" altLang="en-US" sz="2400" cap="none" dirty="0">
-                <a:solidFill>
-                  <a:srgbClr val="FFFF00"/>
-                </a:solidFill>
-                <a:latin typeface="STHeiti TC" panose="02000000000000000000" pitchFamily="2" charset="-120"/>
-                <a:ea typeface="STHeiti TC" panose="02000000000000000000" pitchFamily="2" charset="-120"/>
-              </a:rPr>
-              <a:t>更好用</a:t>
-            </a:r>
-          </a:p>
-        </p:txBody>
-      </p:sp>
-      <p:pic>
-        <p:nvPicPr>
-          <p:cNvPr id="5" name="圖片 4">
-            <a:extLst>
-              <a:ext uri="{FF2B5EF4-FFF2-40B4-BE49-F238E27FC236}">
-                <a16:creationId xmlns:a16="http://schemas.microsoft.com/office/drawing/2014/main" id="{BF44B2D0-7FD7-41FF-91D2-FD1A894B3B45}"/>
-              </a:ext>
-            </a:extLst>
-          </p:cNvPr>
-          <p:cNvPicPr>
-            <a:picLocks noChangeAspect="1"/>
-          </p:cNvPicPr>
-          <p:nvPr/>
-        </p:nvPicPr>
-        <p:blipFill>
-          <a:blip r:embed="rId2"/>
-          <a:stretch>
-            <a:fillRect/>
-          </a:stretch>
-        </p:blipFill>
-        <p:spPr>
-          <a:xfrm>
-            <a:off x="1092658" y="4343401"/>
-            <a:ext cx="10003507" cy="674394"/>
-          </a:xfrm>
-          <a:prstGeom prst="rect">
-            <a:avLst/>
-          </a:prstGeom>
-        </p:spPr>
-      </p:pic>
-    </p:spTree>
-    <p:extLst>
-      <p:ext uri="{BB962C8B-B14F-4D97-AF65-F5344CB8AC3E}">
-        <p14:creationId xmlns:p14="http://schemas.microsoft.com/office/powerpoint/2010/main" val="2133384222"/>
-      </p:ext>
-    </p:extLst>
-  </p:cSld>
-  <p:clrMapOvr>
-    <a:masterClrMapping/>
-  </p:clrMapOvr>
-  <mc:AlternateContent xmlns:mc="http://schemas.openxmlformats.org/markup-compatibility/2006">
-    <mc:Choice xmlns:p159="http://schemas.microsoft.com/office/powerpoint/2015/09/main" Requires="p159">
-      <p:transition spd="slow">
-        <p159:morph option="byChar"/>
-      </p:transition>
-    </mc:Choice>
-    <mc:Fallback>
-      <p:transition spd="slow">
-        <p:fade/>
-      </p:transition>
-    </mc:Fallback>
-  </mc:AlternateContent>
-</p:sld>
-</file>
-
-<file path=ppt/slides/slide59.xml><?xml version="1.0" encoding="utf-8"?>
-<p:sld xmlns:a="http://schemas.openxmlformats.org/drawingml/2006/main" xmlns:r="http://schemas.openxmlformats.org/officeDocument/2006/relationships" xmlns:p="http://schemas.openxmlformats.org/presentationml/2006/main">
-  <p:cSld>
-    <p:spTree>
-      <p:nvGrpSpPr>
-        <p:cNvPr id="1" name=""/>
-        <p:cNvGrpSpPr/>
-        <p:nvPr/>
-      </p:nvGrpSpPr>
-      <p:grpSpPr>
-        <a:xfrm>
-          <a:off x="0" y="0"/>
-          <a:ext cx="0" cy="0"/>
-          <a:chOff x="0" y="0"/>
-          <a:chExt cx="0" cy="0"/>
-        </a:xfrm>
-      </p:grpSpPr>
-      <p:sp>
-        <p:nvSpPr>
-          <p:cNvPr id="2" name="標題 1">
-            <a:extLst>
-              <a:ext uri="{FF2B5EF4-FFF2-40B4-BE49-F238E27FC236}">
-                <a16:creationId xmlns:a16="http://schemas.microsoft.com/office/drawing/2014/main" id="{A7BE158D-D969-4F49-9979-F3AE29578C38}"/>
-              </a:ext>
-            </a:extLst>
-          </p:cNvPr>
-          <p:cNvSpPr>
-            <a:spLocks noGrp="1"/>
-          </p:cNvSpPr>
-          <p:nvPr>
-            <p:ph type="title"/>
-          </p:nvPr>
-        </p:nvSpPr>
-        <p:spPr/>
-        <p:txBody>
-          <a:bodyPr/>
-          <a:lstStyle/>
-          <a:p>
-            <a:r>
-              <a:rPr lang="zh-TW" altLang="en-US" cap="none" dirty="0">
-                <a:latin typeface="STHeiti TC" panose="02000000000000000000" pitchFamily="2" charset="-120"/>
-                <a:ea typeface="STHeiti TC" panose="02000000000000000000" pitchFamily="2" charset="-120"/>
-              </a:rPr>
-              <a:t>資料結構</a:t>
-            </a:r>
-            <a:r>
-              <a:rPr lang="zh-TW" altLang="en-US" cap="none" dirty="0">
-                <a:latin typeface="Consolas" panose="020B0609020204030204" pitchFamily="49" charset="0"/>
-              </a:rPr>
-              <a:t> </a:t>
-            </a:r>
-            <a:r>
-              <a:rPr lang="en-US" altLang="zh-TW" cap="none" dirty="0">
-                <a:latin typeface="Consolas" panose="020B0609020204030204" pitchFamily="49" charset="0"/>
-              </a:rPr>
-              <a:t>- typedef</a:t>
-            </a:r>
-            <a:endParaRPr lang="zh-TW" altLang="en-US" dirty="0"/>
-          </a:p>
-        </p:txBody>
-      </p:sp>
-      <p:pic>
-        <p:nvPicPr>
-          <p:cNvPr id="7" name="圖片 6">
-            <a:extLst>
-              <a:ext uri="{FF2B5EF4-FFF2-40B4-BE49-F238E27FC236}">
-                <a16:creationId xmlns:a16="http://schemas.microsoft.com/office/drawing/2014/main" id="{24C717D1-9AE9-47C1-9000-1B2B0888E6AC}"/>
-              </a:ext>
-            </a:extLst>
-          </p:cNvPr>
-          <p:cNvPicPr>
-            <a:picLocks noChangeAspect="1"/>
-          </p:cNvPicPr>
-          <p:nvPr/>
-        </p:nvPicPr>
-        <p:blipFill>
-          <a:blip r:embed="rId2"/>
-          <a:stretch>
-            <a:fillRect/>
-          </a:stretch>
-        </p:blipFill>
-        <p:spPr>
-          <a:xfrm>
-            <a:off x="1141413" y="2267840"/>
-            <a:ext cx="4963218" cy="4553585"/>
-          </a:xfrm>
-          <a:prstGeom prst="rect">
-            <a:avLst/>
-          </a:prstGeom>
-        </p:spPr>
-      </p:pic>
-      <p:sp>
-        <p:nvSpPr>
-          <p:cNvPr id="8" name="矩形 7">
-            <a:extLst>
-              <a:ext uri="{FF2B5EF4-FFF2-40B4-BE49-F238E27FC236}">
-                <a16:creationId xmlns:a16="http://schemas.microsoft.com/office/drawing/2014/main" id="{7AC28A0B-A19D-4C56-B78E-33CCD1479AC6}"/>
-              </a:ext>
-            </a:extLst>
-          </p:cNvPr>
-          <p:cNvSpPr/>
-          <p:nvPr/>
-        </p:nvSpPr>
-        <p:spPr>
-          <a:xfrm>
-            <a:off x="2240280" y="5138928"/>
-            <a:ext cx="1764792" cy="539496"/>
-          </a:xfrm>
-          <a:prstGeom prst="rect">
-            <a:avLst/>
-          </a:prstGeom>
-          <a:noFill/>
-          <a:ln w="38100">
-            <a:solidFill>
-              <a:srgbClr val="FF0000"/>
-            </a:solidFill>
-          </a:ln>
-        </p:spPr>
-        <p:style>
-          <a:lnRef idx="2">
-            <a:schemeClr val="accent1">
-              <a:shade val="50000"/>
-            </a:schemeClr>
-          </a:lnRef>
-          <a:fillRef idx="1">
-            <a:schemeClr val="accent1"/>
-          </a:fillRef>
-          <a:effectRef idx="0">
-            <a:schemeClr val="accent1"/>
-          </a:effectRef>
-          <a:fontRef idx="minor">
-            <a:schemeClr val="lt1"/>
-          </a:fontRef>
-        </p:style>
-        <p:txBody>
-          <a:bodyPr rtlCol="0" anchor="ctr"/>
-          <a:lstStyle/>
-          <a:p>
-            <a:pPr algn="ctr"/>
-            <a:endParaRPr lang="zh-TW" altLang="en-US"/>
-          </a:p>
-        </p:txBody>
-      </p:sp>
-      <p:sp>
-        <p:nvSpPr>
-          <p:cNvPr id="9" name="矩形 8">
-            <a:extLst>
-              <a:ext uri="{FF2B5EF4-FFF2-40B4-BE49-F238E27FC236}">
-                <a16:creationId xmlns:a16="http://schemas.microsoft.com/office/drawing/2014/main" id="{2038921E-C496-451B-A1DC-B5097056A93D}"/>
-              </a:ext>
-            </a:extLst>
-          </p:cNvPr>
-          <p:cNvSpPr/>
-          <p:nvPr/>
-        </p:nvSpPr>
-        <p:spPr>
-          <a:xfrm>
-            <a:off x="1755648" y="2889504"/>
-            <a:ext cx="2852928" cy="1709928"/>
-          </a:xfrm>
-          <a:prstGeom prst="rect">
-            <a:avLst/>
-          </a:prstGeom>
-          <a:noFill/>
-          <a:ln w="38100">
-            <a:solidFill>
-              <a:srgbClr val="FF0000"/>
-            </a:solidFill>
-          </a:ln>
-        </p:spPr>
-        <p:style>
-          <a:lnRef idx="2">
-            <a:schemeClr val="accent1">
-              <a:shade val="50000"/>
-            </a:schemeClr>
-          </a:lnRef>
-          <a:fillRef idx="1">
-            <a:schemeClr val="accent1"/>
-          </a:fillRef>
-          <a:effectRef idx="0">
-            <a:schemeClr val="accent1"/>
-          </a:effectRef>
-          <a:fontRef idx="minor">
-            <a:schemeClr val="lt1"/>
-          </a:fontRef>
-        </p:style>
-        <p:txBody>
-          <a:bodyPr rtlCol="0" anchor="ctr"/>
-          <a:lstStyle/>
-          <a:p>
-            <a:pPr algn="ctr"/>
-            <a:endParaRPr lang="zh-TW" altLang="en-US"/>
-          </a:p>
-        </p:txBody>
-      </p:sp>
-      <p:pic>
-        <p:nvPicPr>
-          <p:cNvPr id="11" name="圖片 10">
-            <a:extLst>
-              <a:ext uri="{FF2B5EF4-FFF2-40B4-BE49-F238E27FC236}">
-                <a16:creationId xmlns:a16="http://schemas.microsoft.com/office/drawing/2014/main" id="{21831413-C3C8-4A3D-AEAC-CA5F7F5FC769}"/>
-              </a:ext>
-            </a:extLst>
-          </p:cNvPr>
-          <p:cNvPicPr>
-            <a:picLocks noChangeAspect="1"/>
-          </p:cNvPicPr>
-          <p:nvPr/>
-        </p:nvPicPr>
-        <p:blipFill>
-          <a:blip r:embed="rId3"/>
-          <a:stretch>
-            <a:fillRect/>
-          </a:stretch>
-        </p:blipFill>
-        <p:spPr>
-          <a:xfrm>
-            <a:off x="6438452" y="4258515"/>
-            <a:ext cx="5427924" cy="681833"/>
-          </a:xfrm>
-          <a:prstGeom prst="rect">
-            <a:avLst/>
-          </a:prstGeom>
-        </p:spPr>
-      </p:pic>
-    </p:spTree>
-    <p:extLst>
-      <p:ext uri="{BB962C8B-B14F-4D97-AF65-F5344CB8AC3E}">
-        <p14:creationId xmlns:p14="http://schemas.microsoft.com/office/powerpoint/2010/main" val="1008749676"/>
-      </p:ext>
-    </p:extLst>
-  </p:cSld>
-  <p:clrMapOvr>
-    <a:masterClrMapping/>
-  </p:clrMapOvr>
-  <mc:AlternateContent xmlns:mc="http://schemas.openxmlformats.org/markup-compatibility/2006">
-    <mc:Choice xmlns:p159="http://schemas.microsoft.com/office/powerpoint/2015/09/main" Requires="p159">
-      <p:transition spd="slow">
-        <p159:morph option="byChar"/>
-      </p:transition>
-    </mc:Choice>
-    <mc:Fallback>
+    <mc:Fallback xmlns="">
       <p:transition spd="slow">
         <p:fade/>
       </p:transition>
@@ -39536,13 +40109,13 @@
   <p:clrMapOvr>
     <a:masterClrMapping/>
   </p:clrMapOvr>
-  <mc:AlternateContent xmlns:mc="http://schemas.openxmlformats.org/markup-compatibility/2006">
-    <mc:Choice xmlns:p159="http://schemas.microsoft.com/office/powerpoint/2015/09/main" Requires="p159">
+  <mc:AlternateContent xmlns:mc="http://schemas.openxmlformats.org/markup-compatibility/2006" xmlns:p159="http://schemas.microsoft.com/office/powerpoint/2015/09/main">
+    <mc:Choice Requires="p159">
       <p:transition spd="slow">
         <p159:morph option="byChar"/>
       </p:transition>
     </mc:Choice>
-    <mc:Fallback>
+    <mc:Fallback xmlns="">
       <p:transition spd="slow">
         <p:fade/>
       </p:transition>
@@ -39946,6 +40519,873 @@
 </file>
 
 <file path=ppt/slides/slide60.xml><?xml version="1.0" encoding="utf-8"?>
+<p:sld xmlns:a="http://schemas.openxmlformats.org/drawingml/2006/main" xmlns:r="http://schemas.openxmlformats.org/officeDocument/2006/relationships" xmlns:p="http://schemas.openxmlformats.org/presentationml/2006/main">
+  <p:cSld>
+    <p:spTree>
+      <p:nvGrpSpPr>
+        <p:cNvPr id="1" name=""/>
+        <p:cNvGrpSpPr/>
+        <p:nvPr/>
+      </p:nvGrpSpPr>
+      <p:grpSpPr>
+        <a:xfrm>
+          <a:off x="0" y="0"/>
+          <a:ext cx="0" cy="0"/>
+          <a:chOff x="0" y="0"/>
+          <a:chExt cx="0" cy="0"/>
+        </a:xfrm>
+      </p:grpSpPr>
+      <p:sp>
+        <p:nvSpPr>
+          <p:cNvPr id="2" name="標題 1">
+            <a:extLst>
+              <a:ext uri="{FF2B5EF4-FFF2-40B4-BE49-F238E27FC236}">
+                <a16:creationId xmlns:a16="http://schemas.microsoft.com/office/drawing/2014/main" id="{2A1E1279-DDF0-4B6A-BDA0-5F9B4776B245}"/>
+              </a:ext>
+            </a:extLst>
+          </p:cNvPr>
+          <p:cNvSpPr>
+            <a:spLocks noGrp="1"/>
+          </p:cNvSpPr>
+          <p:nvPr>
+            <p:ph type="title"/>
+          </p:nvPr>
+        </p:nvSpPr>
+        <p:spPr/>
+        <p:txBody>
+          <a:bodyPr/>
+          <a:lstStyle/>
+          <a:p>
+            <a:r>
+              <a:rPr lang="zh-TW" altLang="en-US" cap="none" dirty="0">
+                <a:latin typeface="STHeiti TC" panose="02000000000000000000" pitchFamily="2" charset="-120"/>
+                <a:ea typeface="STHeiti TC" panose="02000000000000000000" pitchFamily="2" charset="-120"/>
+              </a:rPr>
+              <a:t>資料結構</a:t>
+            </a:r>
+            <a:r>
+              <a:rPr lang="zh-TW" altLang="en-US" cap="none" dirty="0">
+                <a:latin typeface="Consolas" panose="020B0609020204030204" pitchFamily="49" charset="0"/>
+              </a:rPr>
+              <a:t> </a:t>
+            </a:r>
+            <a:r>
+              <a:rPr lang="en-US" altLang="zh-TW" cap="none" dirty="0">
+                <a:latin typeface="Consolas" panose="020B0609020204030204" pitchFamily="49" charset="0"/>
+              </a:rPr>
+              <a:t>- struct</a:t>
+            </a:r>
+            <a:endParaRPr lang="zh-TW" altLang="en-US" dirty="0"/>
+          </a:p>
+        </p:txBody>
+      </p:sp>
+      <p:pic>
+        <p:nvPicPr>
+          <p:cNvPr id="5" name="圖片 4">
+            <a:extLst>
+              <a:ext uri="{FF2B5EF4-FFF2-40B4-BE49-F238E27FC236}">
+                <a16:creationId xmlns:a16="http://schemas.microsoft.com/office/drawing/2014/main" id="{C683C10F-59C4-4A00-9B51-4A532DF8FF51}"/>
+              </a:ext>
+            </a:extLst>
+          </p:cNvPr>
+          <p:cNvPicPr>
+            <a:picLocks noChangeAspect="1"/>
+          </p:cNvPicPr>
+          <p:nvPr/>
+        </p:nvPicPr>
+        <p:blipFill>
+          <a:blip r:embed="rId2"/>
+          <a:stretch>
+            <a:fillRect/>
+          </a:stretch>
+        </p:blipFill>
+        <p:spPr>
+          <a:xfrm>
+            <a:off x="97587" y="2285362"/>
+            <a:ext cx="11993649" cy="4572638"/>
+          </a:xfrm>
+          <a:prstGeom prst="rect">
+            <a:avLst/>
+          </a:prstGeom>
+        </p:spPr>
+      </p:pic>
+      <p:sp>
+        <p:nvSpPr>
+          <p:cNvPr id="6" name="矩形 5">
+            <a:extLst>
+              <a:ext uri="{FF2B5EF4-FFF2-40B4-BE49-F238E27FC236}">
+                <a16:creationId xmlns:a16="http://schemas.microsoft.com/office/drawing/2014/main" id="{87D30AD6-547B-4D75-8EDA-97B4C9686182}"/>
+              </a:ext>
+            </a:extLst>
+          </p:cNvPr>
+          <p:cNvSpPr/>
+          <p:nvPr/>
+        </p:nvSpPr>
+        <p:spPr>
+          <a:xfrm>
+            <a:off x="1141413" y="5084064"/>
+            <a:ext cx="2232723" cy="246888"/>
+          </a:xfrm>
+          <a:prstGeom prst="rect">
+            <a:avLst/>
+          </a:prstGeom>
+          <a:noFill/>
+          <a:ln w="38100">
+            <a:solidFill>
+              <a:srgbClr val="FF0000"/>
+            </a:solidFill>
+          </a:ln>
+        </p:spPr>
+        <p:style>
+          <a:lnRef idx="2">
+            <a:schemeClr val="accent1">
+              <a:shade val="50000"/>
+            </a:schemeClr>
+          </a:lnRef>
+          <a:fillRef idx="1">
+            <a:schemeClr val="accent1"/>
+          </a:fillRef>
+          <a:effectRef idx="0">
+            <a:schemeClr val="accent1"/>
+          </a:effectRef>
+          <a:fontRef idx="minor">
+            <a:schemeClr val="lt1"/>
+          </a:fontRef>
+        </p:style>
+        <p:txBody>
+          <a:bodyPr rtlCol="0" anchor="ctr"/>
+          <a:lstStyle/>
+          <a:p>
+            <a:pPr algn="ctr"/>
+            <a:endParaRPr lang="zh-TW" altLang="en-US"/>
+          </a:p>
+        </p:txBody>
+      </p:sp>
+      <p:sp>
+        <p:nvSpPr>
+          <p:cNvPr id="7" name="矩形 6">
+            <a:extLst>
+              <a:ext uri="{FF2B5EF4-FFF2-40B4-BE49-F238E27FC236}">
+                <a16:creationId xmlns:a16="http://schemas.microsoft.com/office/drawing/2014/main" id="{9F62695C-E5A9-4213-9162-8A0E2DB327A5}"/>
+              </a:ext>
+            </a:extLst>
+          </p:cNvPr>
+          <p:cNvSpPr/>
+          <p:nvPr/>
+        </p:nvSpPr>
+        <p:spPr>
+          <a:xfrm>
+            <a:off x="1141413" y="5394960"/>
+            <a:ext cx="1894395" cy="853440"/>
+          </a:xfrm>
+          <a:prstGeom prst="rect">
+            <a:avLst/>
+          </a:prstGeom>
+          <a:noFill/>
+          <a:ln w="38100">
+            <a:solidFill>
+              <a:srgbClr val="FF0000"/>
+            </a:solidFill>
+          </a:ln>
+        </p:spPr>
+        <p:style>
+          <a:lnRef idx="2">
+            <a:schemeClr val="accent1">
+              <a:shade val="50000"/>
+            </a:schemeClr>
+          </a:lnRef>
+          <a:fillRef idx="1">
+            <a:schemeClr val="accent1"/>
+          </a:fillRef>
+          <a:effectRef idx="0">
+            <a:schemeClr val="accent1"/>
+          </a:effectRef>
+          <a:fontRef idx="minor">
+            <a:schemeClr val="lt1"/>
+          </a:fontRef>
+        </p:style>
+        <p:txBody>
+          <a:bodyPr rtlCol="0" anchor="ctr"/>
+          <a:lstStyle/>
+          <a:p>
+            <a:pPr algn="ctr"/>
+            <a:endParaRPr lang="zh-TW" altLang="en-US"/>
+          </a:p>
+        </p:txBody>
+      </p:sp>
+      <p:pic>
+        <p:nvPicPr>
+          <p:cNvPr id="9" name="圖片 8">
+            <a:extLst>
+              <a:ext uri="{FF2B5EF4-FFF2-40B4-BE49-F238E27FC236}">
+                <a16:creationId xmlns:a16="http://schemas.microsoft.com/office/drawing/2014/main" id="{B8109959-B04F-4627-96AD-BEC855465299}"/>
+              </a:ext>
+            </a:extLst>
+          </p:cNvPr>
+          <p:cNvPicPr>
+            <a:picLocks noChangeAspect="1"/>
+          </p:cNvPicPr>
+          <p:nvPr/>
+        </p:nvPicPr>
+        <p:blipFill>
+          <a:blip r:embed="rId3"/>
+          <a:stretch>
+            <a:fillRect/>
+          </a:stretch>
+        </p:blipFill>
+        <p:spPr>
+          <a:xfrm>
+            <a:off x="3374136" y="3968290"/>
+            <a:ext cx="8387490" cy="750222"/>
+          </a:xfrm>
+          <a:prstGeom prst="rect">
+            <a:avLst/>
+          </a:prstGeom>
+        </p:spPr>
+      </p:pic>
+    </p:spTree>
+    <p:extLst>
+      <p:ext uri="{BB962C8B-B14F-4D97-AF65-F5344CB8AC3E}">
+        <p14:creationId xmlns:p14="http://schemas.microsoft.com/office/powerpoint/2010/main" val="1252941179"/>
+      </p:ext>
+    </p:extLst>
+  </p:cSld>
+  <p:clrMapOvr>
+    <a:masterClrMapping/>
+  </p:clrMapOvr>
+  <mc:AlternateContent xmlns:mc="http://schemas.openxmlformats.org/markup-compatibility/2006" xmlns:p159="http://schemas.microsoft.com/office/powerpoint/2015/09/main">
+    <mc:Choice Requires="p159">
+      <p:transition spd="slow">
+        <p159:morph option="byChar"/>
+      </p:transition>
+    </mc:Choice>
+    <mc:Fallback xmlns="">
+      <p:transition spd="slow">
+        <p:fade/>
+      </p:transition>
+    </mc:Fallback>
+  </mc:AlternateContent>
+  <p:timing>
+    <p:tnLst>
+      <p:par>
+        <p:cTn id="1" dur="indefinite" restart="never" nodeType="tmRoot">
+          <p:childTnLst>
+            <p:seq concurrent="1" nextAc="seek">
+              <p:cTn id="2" dur="indefinite" nodeType="mainSeq">
+                <p:childTnLst>
+                  <p:par>
+                    <p:cTn id="3" fill="hold">
+                      <p:stCondLst>
+                        <p:cond delay="indefinite"/>
+                        <p:cond evt="onBegin" delay="0">
+                          <p:tn val="2"/>
+                        </p:cond>
+                      </p:stCondLst>
+                      <p:childTnLst>
+                        <p:par>
+                          <p:cTn id="4" fill="hold">
+                            <p:stCondLst>
+                              <p:cond delay="0"/>
+                            </p:stCondLst>
+                            <p:childTnLst>
+                              <p:par>
+                                <p:cTn id="5" presetID="10" presetClass="entr" presetSubtype="0" fill="hold" grpId="0" nodeType="withEffect">
+                                  <p:stCondLst>
+                                    <p:cond delay="0"/>
+                                  </p:stCondLst>
+                                  <p:childTnLst>
+                                    <p:set>
+                                      <p:cBhvr>
+                                        <p:cTn id="6" dur="1" fill="hold">
+                                          <p:stCondLst>
+                                            <p:cond delay="0"/>
+                                          </p:stCondLst>
+                                        </p:cTn>
+                                        <p:tgtEl>
+                                          <p:spTgt spid="6"/>
+                                        </p:tgtEl>
+                                        <p:attrNameLst>
+                                          <p:attrName>style.visibility</p:attrName>
+                                        </p:attrNameLst>
+                                      </p:cBhvr>
+                                      <p:to>
+                                        <p:strVal val="visible"/>
+                                      </p:to>
+                                    </p:set>
+                                    <p:animEffect transition="in" filter="fade">
+                                      <p:cBhvr>
+                                        <p:cTn id="7" dur="500"/>
+                                        <p:tgtEl>
+                                          <p:spTgt spid="6"/>
+                                        </p:tgtEl>
+                                      </p:cBhvr>
+                                    </p:animEffect>
+                                  </p:childTnLst>
+                                </p:cTn>
+                              </p:par>
+                            </p:childTnLst>
+                          </p:cTn>
+                        </p:par>
+                      </p:childTnLst>
+                    </p:cTn>
+                  </p:par>
+                  <p:par>
+                    <p:cTn id="8" fill="hold">
+                      <p:stCondLst>
+                        <p:cond delay="indefinite"/>
+                      </p:stCondLst>
+                      <p:childTnLst>
+                        <p:par>
+                          <p:cTn id="9" fill="hold">
+                            <p:stCondLst>
+                              <p:cond delay="0"/>
+                            </p:stCondLst>
+                            <p:childTnLst>
+                              <p:par>
+                                <p:cTn id="10" presetID="10" presetClass="exit" presetSubtype="0" fill="hold" grpId="1" nodeType="clickEffect">
+                                  <p:stCondLst>
+                                    <p:cond delay="0"/>
+                                  </p:stCondLst>
+                                  <p:childTnLst>
+                                    <p:animEffect transition="out" filter="fade">
+                                      <p:cBhvr>
+                                        <p:cTn id="11" dur="500"/>
+                                        <p:tgtEl>
+                                          <p:spTgt spid="6"/>
+                                        </p:tgtEl>
+                                      </p:cBhvr>
+                                    </p:animEffect>
+                                    <p:set>
+                                      <p:cBhvr>
+                                        <p:cTn id="12" dur="1" fill="hold">
+                                          <p:stCondLst>
+                                            <p:cond delay="499"/>
+                                          </p:stCondLst>
+                                        </p:cTn>
+                                        <p:tgtEl>
+                                          <p:spTgt spid="6"/>
+                                        </p:tgtEl>
+                                        <p:attrNameLst>
+                                          <p:attrName>style.visibility</p:attrName>
+                                        </p:attrNameLst>
+                                      </p:cBhvr>
+                                      <p:to>
+                                        <p:strVal val="hidden"/>
+                                      </p:to>
+                                    </p:set>
+                                  </p:childTnLst>
+                                </p:cTn>
+                              </p:par>
+                              <p:par>
+                                <p:cTn id="13" presetID="10" presetClass="entr" presetSubtype="0" fill="hold" grpId="0" nodeType="withEffect">
+                                  <p:stCondLst>
+                                    <p:cond delay="0"/>
+                                  </p:stCondLst>
+                                  <p:childTnLst>
+                                    <p:set>
+                                      <p:cBhvr>
+                                        <p:cTn id="14" dur="1" fill="hold">
+                                          <p:stCondLst>
+                                            <p:cond delay="0"/>
+                                          </p:stCondLst>
+                                        </p:cTn>
+                                        <p:tgtEl>
+                                          <p:spTgt spid="7"/>
+                                        </p:tgtEl>
+                                        <p:attrNameLst>
+                                          <p:attrName>style.visibility</p:attrName>
+                                        </p:attrNameLst>
+                                      </p:cBhvr>
+                                      <p:to>
+                                        <p:strVal val="visible"/>
+                                      </p:to>
+                                    </p:set>
+                                    <p:animEffect transition="in" filter="fade">
+                                      <p:cBhvr>
+                                        <p:cTn id="15" dur="500"/>
+                                        <p:tgtEl>
+                                          <p:spTgt spid="7"/>
+                                        </p:tgtEl>
+                                      </p:cBhvr>
+                                    </p:animEffect>
+                                  </p:childTnLst>
+                                </p:cTn>
+                              </p:par>
+                            </p:childTnLst>
+                          </p:cTn>
+                        </p:par>
+                      </p:childTnLst>
+                    </p:cTn>
+                  </p:par>
+                </p:childTnLst>
+              </p:cTn>
+              <p:prevCondLst>
+                <p:cond evt="onPrev" delay="0">
+                  <p:tgtEl>
+                    <p:sldTgt/>
+                  </p:tgtEl>
+                </p:cond>
+              </p:prevCondLst>
+              <p:nextCondLst>
+                <p:cond evt="onNext" delay="0">
+                  <p:tgtEl>
+                    <p:sldTgt/>
+                  </p:tgtEl>
+                </p:cond>
+              </p:nextCondLst>
+            </p:seq>
+          </p:childTnLst>
+        </p:cTn>
+      </p:par>
+    </p:tnLst>
+    <p:bldLst>
+      <p:bldP spid="6" grpId="0" animBg="1"/>
+      <p:bldP spid="6" grpId="1" animBg="1"/>
+      <p:bldP spid="7" grpId="0" animBg="1"/>
+    </p:bldLst>
+  </p:timing>
+</p:sld>
+</file>
+
+<file path=ppt/slides/slide61.xml><?xml version="1.0" encoding="utf-8"?>
+<p:sld xmlns:a="http://schemas.openxmlformats.org/drawingml/2006/main" xmlns:r="http://schemas.openxmlformats.org/officeDocument/2006/relationships" xmlns:p="http://schemas.openxmlformats.org/presentationml/2006/main">
+  <p:cSld>
+    <p:spTree>
+      <p:nvGrpSpPr>
+        <p:cNvPr id="1" name=""/>
+        <p:cNvGrpSpPr/>
+        <p:nvPr/>
+      </p:nvGrpSpPr>
+      <p:grpSpPr>
+        <a:xfrm>
+          <a:off x="0" y="0"/>
+          <a:ext cx="0" cy="0"/>
+          <a:chOff x="0" y="0"/>
+          <a:chExt cx="0" cy="0"/>
+        </a:xfrm>
+      </p:grpSpPr>
+      <p:sp>
+        <p:nvSpPr>
+          <p:cNvPr id="2" name="標題 1">
+            <a:extLst>
+              <a:ext uri="{FF2B5EF4-FFF2-40B4-BE49-F238E27FC236}">
+                <a16:creationId xmlns:a16="http://schemas.microsoft.com/office/drawing/2014/main" id="{D808F4AF-25C4-4A7D-8375-EFE3EE8CDEBC}"/>
+              </a:ext>
+            </a:extLst>
+          </p:cNvPr>
+          <p:cNvSpPr>
+            <a:spLocks noGrp="1"/>
+          </p:cNvSpPr>
+          <p:nvPr>
+            <p:ph type="title"/>
+          </p:nvPr>
+        </p:nvSpPr>
+        <p:spPr/>
+        <p:txBody>
+          <a:bodyPr/>
+          <a:lstStyle/>
+          <a:p>
+            <a:r>
+              <a:rPr lang="zh-TW" altLang="en-US" cap="none" dirty="0">
+                <a:latin typeface="STHeiti TC" panose="02000000000000000000" pitchFamily="2" charset="-120"/>
+                <a:ea typeface="STHeiti TC" panose="02000000000000000000" pitchFamily="2" charset="-120"/>
+              </a:rPr>
+              <a:t>資料結構</a:t>
+            </a:r>
+            <a:r>
+              <a:rPr lang="zh-TW" altLang="en-US" cap="none" dirty="0">
+                <a:latin typeface="Consolas" panose="020B0609020204030204" pitchFamily="49" charset="0"/>
+              </a:rPr>
+              <a:t> </a:t>
+            </a:r>
+            <a:r>
+              <a:rPr lang="en-US" altLang="zh-TW" cap="none" dirty="0">
+                <a:latin typeface="Consolas" panose="020B0609020204030204" pitchFamily="49" charset="0"/>
+              </a:rPr>
+              <a:t>- typedef</a:t>
+            </a:r>
+            <a:endParaRPr lang="zh-TW" altLang="en-US" dirty="0"/>
+          </a:p>
+        </p:txBody>
+      </p:sp>
+      <p:sp>
+        <p:nvSpPr>
+          <p:cNvPr id="3" name="內容版面配置區 2">
+            <a:extLst>
+              <a:ext uri="{FF2B5EF4-FFF2-40B4-BE49-F238E27FC236}">
+                <a16:creationId xmlns:a16="http://schemas.microsoft.com/office/drawing/2014/main" id="{DA6BC435-6AC6-4CD8-9A88-03873CEFDA0C}"/>
+              </a:ext>
+            </a:extLst>
+          </p:cNvPr>
+          <p:cNvSpPr>
+            <a:spLocks noGrp="1"/>
+          </p:cNvSpPr>
+          <p:nvPr>
+            <p:ph idx="1"/>
+          </p:nvPr>
+        </p:nvSpPr>
+        <p:spPr>
+          <a:xfrm>
+            <a:off x="1141413" y="2328671"/>
+            <a:ext cx="9905998" cy="762001"/>
+          </a:xfrm>
+        </p:spPr>
+        <p:txBody>
+          <a:bodyPr>
+            <a:normAutofit/>
+          </a:bodyPr>
+          <a:lstStyle/>
+          <a:p>
+            <a:pPr marL="0" indent="0">
+              <a:buNone/>
+            </a:pPr>
+            <a:r>
+              <a:rPr lang="zh-TW" altLang="en-US" sz="2400" cap="none" dirty="0">
+                <a:solidFill>
+                  <a:srgbClr val="FFFF00"/>
+                </a:solidFill>
+                <a:latin typeface="STHeiti TC" panose="02000000000000000000" pitchFamily="2" charset="-120"/>
+                <a:ea typeface="STHeiti TC" panose="02000000000000000000" pitchFamily="2" charset="-120"/>
+              </a:rPr>
+              <a:t>讓</a:t>
+            </a:r>
+            <a:r>
+              <a:rPr lang="zh-TW" altLang="en-US" sz="2400" cap="none" dirty="0">
+                <a:solidFill>
+                  <a:srgbClr val="FFFF00"/>
+                </a:solidFill>
+                <a:latin typeface="Consolas" panose="020B0609020204030204" pitchFamily="49" charset="0"/>
+              </a:rPr>
+              <a:t> </a:t>
+            </a:r>
+            <a:r>
+              <a:rPr lang="en-US" altLang="zh-TW" sz="2400" cap="none" dirty="0">
+                <a:solidFill>
+                  <a:srgbClr val="FFFF00"/>
+                </a:solidFill>
+                <a:latin typeface="Consolas" panose="020B0609020204030204" pitchFamily="49" charset="0"/>
+              </a:rPr>
+              <a:t>struct </a:t>
+            </a:r>
+            <a:r>
+              <a:rPr lang="zh-TW" altLang="en-US" sz="2400" cap="none" dirty="0">
+                <a:solidFill>
+                  <a:srgbClr val="FFFF00"/>
+                </a:solidFill>
+                <a:latin typeface="STHeiti TC" panose="02000000000000000000" pitchFamily="2" charset="-120"/>
+                <a:ea typeface="STHeiti TC" panose="02000000000000000000" pitchFamily="2" charset="-120"/>
+              </a:rPr>
+              <a:t>更好用</a:t>
+            </a:r>
+          </a:p>
+        </p:txBody>
+      </p:sp>
+      <p:pic>
+        <p:nvPicPr>
+          <p:cNvPr id="5" name="圖片 4">
+            <a:extLst>
+              <a:ext uri="{FF2B5EF4-FFF2-40B4-BE49-F238E27FC236}">
+                <a16:creationId xmlns:a16="http://schemas.microsoft.com/office/drawing/2014/main" id="{BF44B2D0-7FD7-41FF-91D2-FD1A894B3B45}"/>
+              </a:ext>
+            </a:extLst>
+          </p:cNvPr>
+          <p:cNvPicPr>
+            <a:picLocks noChangeAspect="1"/>
+          </p:cNvPicPr>
+          <p:nvPr/>
+        </p:nvPicPr>
+        <p:blipFill>
+          <a:blip r:embed="rId2"/>
+          <a:stretch>
+            <a:fillRect/>
+          </a:stretch>
+        </p:blipFill>
+        <p:spPr>
+          <a:xfrm>
+            <a:off x="1092658" y="4343401"/>
+            <a:ext cx="10003507" cy="674394"/>
+          </a:xfrm>
+          <a:prstGeom prst="rect">
+            <a:avLst/>
+          </a:prstGeom>
+        </p:spPr>
+      </p:pic>
+    </p:spTree>
+    <p:extLst>
+      <p:ext uri="{BB962C8B-B14F-4D97-AF65-F5344CB8AC3E}">
+        <p14:creationId xmlns:p14="http://schemas.microsoft.com/office/powerpoint/2010/main" val="2133384222"/>
+      </p:ext>
+    </p:extLst>
+  </p:cSld>
+  <p:clrMapOvr>
+    <a:masterClrMapping/>
+  </p:clrMapOvr>
+  <mc:AlternateContent xmlns:mc="http://schemas.openxmlformats.org/markup-compatibility/2006" xmlns:p159="http://schemas.microsoft.com/office/powerpoint/2015/09/main">
+    <mc:Choice Requires="p159">
+      <p:transition spd="slow">
+        <p159:morph option="byChar"/>
+      </p:transition>
+    </mc:Choice>
+    <mc:Fallback xmlns="">
+      <p:transition spd="slow">
+        <p:fade/>
+      </p:transition>
+    </mc:Fallback>
+  </mc:AlternateContent>
+</p:sld>
+</file>
+
+<file path=ppt/slides/slide62.xml><?xml version="1.0" encoding="utf-8"?>
+<p:sld xmlns:a="http://schemas.openxmlformats.org/drawingml/2006/main" xmlns:r="http://schemas.openxmlformats.org/officeDocument/2006/relationships" xmlns:p="http://schemas.openxmlformats.org/presentationml/2006/main">
+  <p:cSld>
+    <p:spTree>
+      <p:nvGrpSpPr>
+        <p:cNvPr id="1" name=""/>
+        <p:cNvGrpSpPr/>
+        <p:nvPr/>
+      </p:nvGrpSpPr>
+      <p:grpSpPr>
+        <a:xfrm>
+          <a:off x="0" y="0"/>
+          <a:ext cx="0" cy="0"/>
+          <a:chOff x="0" y="0"/>
+          <a:chExt cx="0" cy="0"/>
+        </a:xfrm>
+      </p:grpSpPr>
+      <p:sp>
+        <p:nvSpPr>
+          <p:cNvPr id="2" name="標題 1">
+            <a:extLst>
+              <a:ext uri="{FF2B5EF4-FFF2-40B4-BE49-F238E27FC236}">
+                <a16:creationId xmlns:a16="http://schemas.microsoft.com/office/drawing/2014/main" id="{A7BE158D-D969-4F49-9979-F3AE29578C38}"/>
+              </a:ext>
+            </a:extLst>
+          </p:cNvPr>
+          <p:cNvSpPr>
+            <a:spLocks noGrp="1"/>
+          </p:cNvSpPr>
+          <p:nvPr>
+            <p:ph type="title"/>
+          </p:nvPr>
+        </p:nvSpPr>
+        <p:spPr/>
+        <p:txBody>
+          <a:bodyPr/>
+          <a:lstStyle/>
+          <a:p>
+            <a:r>
+              <a:rPr lang="zh-TW" altLang="en-US" cap="none" dirty="0">
+                <a:latin typeface="STHeiti TC" panose="02000000000000000000" pitchFamily="2" charset="-120"/>
+                <a:ea typeface="STHeiti TC" panose="02000000000000000000" pitchFamily="2" charset="-120"/>
+              </a:rPr>
+              <a:t>資料結構</a:t>
+            </a:r>
+            <a:r>
+              <a:rPr lang="zh-TW" altLang="en-US" cap="none" dirty="0">
+                <a:latin typeface="Consolas" panose="020B0609020204030204" pitchFamily="49" charset="0"/>
+              </a:rPr>
+              <a:t> </a:t>
+            </a:r>
+            <a:r>
+              <a:rPr lang="en-US" altLang="zh-TW" cap="none" dirty="0">
+                <a:latin typeface="Consolas" panose="020B0609020204030204" pitchFamily="49" charset="0"/>
+              </a:rPr>
+              <a:t>- typedef</a:t>
+            </a:r>
+            <a:endParaRPr lang="zh-TW" altLang="en-US" dirty="0"/>
+          </a:p>
+        </p:txBody>
+      </p:sp>
+      <p:pic>
+        <p:nvPicPr>
+          <p:cNvPr id="7" name="圖片 6">
+            <a:extLst>
+              <a:ext uri="{FF2B5EF4-FFF2-40B4-BE49-F238E27FC236}">
+                <a16:creationId xmlns:a16="http://schemas.microsoft.com/office/drawing/2014/main" id="{24C717D1-9AE9-47C1-9000-1B2B0888E6AC}"/>
+              </a:ext>
+            </a:extLst>
+          </p:cNvPr>
+          <p:cNvPicPr>
+            <a:picLocks noChangeAspect="1"/>
+          </p:cNvPicPr>
+          <p:nvPr/>
+        </p:nvPicPr>
+        <p:blipFill>
+          <a:blip r:embed="rId2"/>
+          <a:stretch>
+            <a:fillRect/>
+          </a:stretch>
+        </p:blipFill>
+        <p:spPr>
+          <a:xfrm>
+            <a:off x="1141413" y="2267840"/>
+            <a:ext cx="4963218" cy="4553585"/>
+          </a:xfrm>
+          <a:prstGeom prst="rect">
+            <a:avLst/>
+          </a:prstGeom>
+        </p:spPr>
+      </p:pic>
+      <p:sp>
+        <p:nvSpPr>
+          <p:cNvPr id="8" name="矩形 7">
+            <a:extLst>
+              <a:ext uri="{FF2B5EF4-FFF2-40B4-BE49-F238E27FC236}">
+                <a16:creationId xmlns:a16="http://schemas.microsoft.com/office/drawing/2014/main" id="{7AC28A0B-A19D-4C56-B78E-33CCD1479AC6}"/>
+              </a:ext>
+            </a:extLst>
+          </p:cNvPr>
+          <p:cNvSpPr/>
+          <p:nvPr/>
+        </p:nvSpPr>
+        <p:spPr>
+          <a:xfrm>
+            <a:off x="2240280" y="5138928"/>
+            <a:ext cx="1764792" cy="539496"/>
+          </a:xfrm>
+          <a:prstGeom prst="rect">
+            <a:avLst/>
+          </a:prstGeom>
+          <a:noFill/>
+          <a:ln w="38100">
+            <a:solidFill>
+              <a:srgbClr val="FF0000"/>
+            </a:solidFill>
+          </a:ln>
+        </p:spPr>
+        <p:style>
+          <a:lnRef idx="2">
+            <a:schemeClr val="accent1">
+              <a:shade val="50000"/>
+            </a:schemeClr>
+          </a:lnRef>
+          <a:fillRef idx="1">
+            <a:schemeClr val="accent1"/>
+          </a:fillRef>
+          <a:effectRef idx="0">
+            <a:schemeClr val="accent1"/>
+          </a:effectRef>
+          <a:fontRef idx="minor">
+            <a:schemeClr val="lt1"/>
+          </a:fontRef>
+        </p:style>
+        <p:txBody>
+          <a:bodyPr rtlCol="0" anchor="ctr"/>
+          <a:lstStyle/>
+          <a:p>
+            <a:pPr algn="ctr"/>
+            <a:endParaRPr lang="zh-TW" altLang="en-US"/>
+          </a:p>
+        </p:txBody>
+      </p:sp>
+      <p:sp>
+        <p:nvSpPr>
+          <p:cNvPr id="9" name="矩形 8">
+            <a:extLst>
+              <a:ext uri="{FF2B5EF4-FFF2-40B4-BE49-F238E27FC236}">
+                <a16:creationId xmlns:a16="http://schemas.microsoft.com/office/drawing/2014/main" id="{2038921E-C496-451B-A1DC-B5097056A93D}"/>
+              </a:ext>
+            </a:extLst>
+          </p:cNvPr>
+          <p:cNvSpPr/>
+          <p:nvPr/>
+        </p:nvSpPr>
+        <p:spPr>
+          <a:xfrm>
+            <a:off x="1755648" y="2889504"/>
+            <a:ext cx="2852928" cy="1709928"/>
+          </a:xfrm>
+          <a:prstGeom prst="rect">
+            <a:avLst/>
+          </a:prstGeom>
+          <a:noFill/>
+          <a:ln w="38100">
+            <a:solidFill>
+              <a:srgbClr val="FF0000"/>
+            </a:solidFill>
+          </a:ln>
+        </p:spPr>
+        <p:style>
+          <a:lnRef idx="2">
+            <a:schemeClr val="accent1">
+              <a:shade val="50000"/>
+            </a:schemeClr>
+          </a:lnRef>
+          <a:fillRef idx="1">
+            <a:schemeClr val="accent1"/>
+          </a:fillRef>
+          <a:effectRef idx="0">
+            <a:schemeClr val="accent1"/>
+          </a:effectRef>
+          <a:fontRef idx="minor">
+            <a:schemeClr val="lt1"/>
+          </a:fontRef>
+        </p:style>
+        <p:txBody>
+          <a:bodyPr rtlCol="0" anchor="ctr"/>
+          <a:lstStyle/>
+          <a:p>
+            <a:pPr algn="ctr"/>
+            <a:endParaRPr lang="zh-TW" altLang="en-US"/>
+          </a:p>
+        </p:txBody>
+      </p:sp>
+      <p:pic>
+        <p:nvPicPr>
+          <p:cNvPr id="11" name="圖片 10">
+            <a:extLst>
+              <a:ext uri="{FF2B5EF4-FFF2-40B4-BE49-F238E27FC236}">
+                <a16:creationId xmlns:a16="http://schemas.microsoft.com/office/drawing/2014/main" id="{21831413-C3C8-4A3D-AEAC-CA5F7F5FC769}"/>
+              </a:ext>
+            </a:extLst>
+          </p:cNvPr>
+          <p:cNvPicPr>
+            <a:picLocks noChangeAspect="1"/>
+          </p:cNvPicPr>
+          <p:nvPr/>
+        </p:nvPicPr>
+        <p:blipFill>
+          <a:blip r:embed="rId3"/>
+          <a:stretch>
+            <a:fillRect/>
+          </a:stretch>
+        </p:blipFill>
+        <p:spPr>
+          <a:xfrm>
+            <a:off x="6438452" y="4258515"/>
+            <a:ext cx="5427924" cy="681833"/>
+          </a:xfrm>
+          <a:prstGeom prst="rect">
+            <a:avLst/>
+          </a:prstGeom>
+        </p:spPr>
+      </p:pic>
+    </p:spTree>
+    <p:extLst>
+      <p:ext uri="{BB962C8B-B14F-4D97-AF65-F5344CB8AC3E}">
+        <p14:creationId xmlns:p14="http://schemas.microsoft.com/office/powerpoint/2010/main" val="1008749676"/>
+      </p:ext>
+    </p:extLst>
+  </p:cSld>
+  <p:clrMapOvr>
+    <a:masterClrMapping/>
+  </p:clrMapOvr>
+  <mc:AlternateContent xmlns:mc="http://schemas.openxmlformats.org/markup-compatibility/2006" xmlns:p159="http://schemas.microsoft.com/office/powerpoint/2015/09/main">
+    <mc:Choice Requires="p159">
+      <p:transition spd="slow">
+        <p159:morph option="byChar"/>
+      </p:transition>
+    </mc:Choice>
+    <mc:Fallback xmlns="">
+      <p:transition spd="slow">
+        <p:fade/>
+      </p:transition>
+    </mc:Fallback>
+  </mc:AlternateContent>
+</p:sld>
+</file>
+
+<file path=ppt/slides/slide63.xml><?xml version="1.0" encoding="utf-8"?>
 <p:sld xmlns:a="http://schemas.openxmlformats.org/drawingml/2006/main" xmlns:r="http://schemas.openxmlformats.org/officeDocument/2006/relationships" xmlns:p="http://schemas.openxmlformats.org/presentationml/2006/main">
   <p:cSld>
     <p:spTree>
@@ -40745,13 +42185,13 @@
   <p:clrMapOvr>
     <a:masterClrMapping/>
   </p:clrMapOvr>
-  <mc:AlternateContent xmlns:mc="http://schemas.openxmlformats.org/markup-compatibility/2006">
-    <mc:Choice xmlns:p159="http://schemas.microsoft.com/office/powerpoint/2015/09/main" Requires="p159">
+  <mc:AlternateContent xmlns:mc="http://schemas.openxmlformats.org/markup-compatibility/2006" xmlns:p159="http://schemas.microsoft.com/office/powerpoint/2015/09/main">
+    <mc:Choice Requires="p159">
       <p:transition spd="slow">
         <p159:morph option="byChar"/>
       </p:transition>
     </mc:Choice>
-    <mc:Fallback>
+    <mc:Fallback xmlns="">
       <p:transition spd="slow">
         <p:fade/>
       </p:transition>
@@ -40760,7 +42200,7 @@
 </p:sld>
 </file>
 
-<file path=ppt/slides/slide61.xml><?xml version="1.0" encoding="utf-8"?>
+<file path=ppt/slides/slide64.xml><?xml version="1.0" encoding="utf-8"?>
 <p:sld xmlns:a="http://schemas.openxmlformats.org/drawingml/2006/main" xmlns:r="http://schemas.openxmlformats.org/officeDocument/2006/relationships" xmlns:p="http://schemas.openxmlformats.org/presentationml/2006/main">
   <p:cSld>
     <p:spTree>
@@ -40880,13 +42320,13 @@
   <p:clrMapOvr>
     <a:masterClrMapping/>
   </p:clrMapOvr>
-  <mc:AlternateContent xmlns:mc="http://schemas.openxmlformats.org/markup-compatibility/2006">
-    <mc:Choice xmlns:p159="http://schemas.microsoft.com/office/powerpoint/2015/09/main" Requires="p159">
+  <mc:AlternateContent xmlns:mc="http://schemas.openxmlformats.org/markup-compatibility/2006" xmlns:p159="http://schemas.microsoft.com/office/powerpoint/2015/09/main">
+    <mc:Choice Requires="p159">
       <p:transition spd="slow">
         <p159:morph option="byChar"/>
       </p:transition>
     </mc:Choice>
-    <mc:Fallback>
+    <mc:Fallback xmlns="">
       <p:transition spd="slow">
         <p:fade/>
       </p:transition>
@@ -40895,7 +42335,7 @@
 </p:sld>
 </file>
 
-<file path=ppt/slides/slide62.xml><?xml version="1.0" encoding="utf-8"?>
+<file path=ppt/slides/slide65.xml><?xml version="1.0" encoding="utf-8"?>
 <p:sld xmlns:a="http://schemas.openxmlformats.org/drawingml/2006/main" xmlns:r="http://schemas.openxmlformats.org/officeDocument/2006/relationships" xmlns:p="http://schemas.openxmlformats.org/presentationml/2006/main">
   <p:cSld>
     <p:spTree>
@@ -41622,13 +43062,13 @@
   <p:clrMapOvr>
     <a:masterClrMapping/>
   </p:clrMapOvr>
-  <mc:AlternateContent xmlns:mc="http://schemas.openxmlformats.org/markup-compatibility/2006">
-    <mc:Choice xmlns:p159="http://schemas.microsoft.com/office/powerpoint/2015/09/main" Requires="p159">
+  <mc:AlternateContent xmlns:mc="http://schemas.openxmlformats.org/markup-compatibility/2006" xmlns:p159="http://schemas.microsoft.com/office/powerpoint/2015/09/main">
+    <mc:Choice Requires="p159">
       <p:transition spd="slow">
         <p159:morph option="byChar"/>
       </p:transition>
     </mc:Choice>
-    <mc:Fallback>
+    <mc:Fallback xmlns="">
       <p:transition spd="slow">
         <p:fade/>
       </p:transition>
@@ -42979,13 +44419,13 @@
   <p:clrMapOvr>
     <a:masterClrMapping/>
   </p:clrMapOvr>
-  <mc:AlternateContent xmlns:mc="http://schemas.openxmlformats.org/markup-compatibility/2006">
-    <mc:Choice xmlns:p159="http://schemas.microsoft.com/office/powerpoint/2015/09/main" Requires="p159">
+  <mc:AlternateContent xmlns:mc="http://schemas.openxmlformats.org/markup-compatibility/2006" xmlns:p159="http://schemas.microsoft.com/office/powerpoint/2015/09/main">
+    <mc:Choice Requires="p159">
       <p:transition spd="slow">
         <p159:morph option="byChar"/>
       </p:transition>
     </mc:Choice>
-    <mc:Fallback>
+    <mc:Fallback xmlns="">
       <p:transition spd="slow">
         <p:fade/>
       </p:transition>
@@ -44574,13 +46014,13 @@
   <p:clrMapOvr>
     <a:masterClrMapping/>
   </p:clrMapOvr>
-  <mc:AlternateContent xmlns:mc="http://schemas.openxmlformats.org/markup-compatibility/2006">
-    <mc:Choice xmlns:p159="http://schemas.microsoft.com/office/powerpoint/2015/09/main" Requires="p159">
+  <mc:AlternateContent xmlns:mc="http://schemas.openxmlformats.org/markup-compatibility/2006" xmlns:p159="http://schemas.microsoft.com/office/powerpoint/2015/09/main">
+    <mc:Choice Requires="p159">
       <p:transition spd="slow">
         <p159:morph option="byChar"/>
       </p:transition>
     </mc:Choice>
-    <mc:Fallback>
+    <mc:Fallback xmlns="">
       <p:transition spd="slow">
         <p:fade/>
       </p:transition>
@@ -45796,13 +47236,13 @@
   <p:clrMapOvr>
     <a:masterClrMapping/>
   </p:clrMapOvr>
-  <mc:AlternateContent xmlns:mc="http://schemas.openxmlformats.org/markup-compatibility/2006">
-    <mc:Choice xmlns:p159="http://schemas.microsoft.com/office/powerpoint/2015/09/main" Requires="p159">
+  <mc:AlternateContent xmlns:mc="http://schemas.openxmlformats.org/markup-compatibility/2006" xmlns:p159="http://schemas.microsoft.com/office/powerpoint/2015/09/main">
+    <mc:Choice Requires="p159">
       <p:transition spd="slow">
         <p159:morph option="byChar"/>
       </p:transition>
     </mc:Choice>
-    <mc:Fallback>
+    <mc:Fallback xmlns="">
       <p:transition spd="slow">
         <p:fade/>
       </p:transition>

--- a/電機_C_Day_2.pptx
+++ b/電機_C_Day_2.pptx
@@ -60,16 +60,19 @@
     <p:sldId id="280" r:id="rId54"/>
     <p:sldId id="321" r:id="rId55"/>
     <p:sldId id="281" r:id="rId56"/>
-    <p:sldId id="282" r:id="rId57"/>
-    <p:sldId id="284" r:id="rId58"/>
-    <p:sldId id="285" r:id="rId59"/>
-    <p:sldId id="324" r:id="rId60"/>
-    <p:sldId id="322" r:id="rId61"/>
-    <p:sldId id="323" r:id="rId62"/>
-    <p:sldId id="325" r:id="rId63"/>
-    <p:sldId id="286" r:id="rId64"/>
-    <p:sldId id="277" r:id="rId65"/>
-    <p:sldId id="290" r:id="rId66"/>
+    <p:sldId id="329" r:id="rId57"/>
+    <p:sldId id="330" r:id="rId58"/>
+    <p:sldId id="332" r:id="rId59"/>
+    <p:sldId id="331" r:id="rId60"/>
+    <p:sldId id="284" r:id="rId61"/>
+    <p:sldId id="285" r:id="rId62"/>
+    <p:sldId id="324" r:id="rId63"/>
+    <p:sldId id="322" r:id="rId64"/>
+    <p:sldId id="323" r:id="rId65"/>
+    <p:sldId id="325" r:id="rId66"/>
+    <p:sldId id="286" r:id="rId67"/>
+    <p:sldId id="277" r:id="rId68"/>
+    <p:sldId id="290" r:id="rId69"/>
   </p:sldIdLst>
   <p:sldSz cx="12192000" cy="6858000"/>
   <p:notesSz cx="6858000" cy="9144000"/>
@@ -954,8 +957,8 @@
   </pc:docChgLst>
   <pc:docChgLst>
     <pc:chgData name="祐廷 劉" userId="55b9f2413b94badf" providerId="LiveId" clId="{5EA86210-9012-4E68-BCD1-7347BE0E642C}"/>
-    <pc:docChg chg="undo custSel addSld modSld">
-      <pc:chgData name="祐廷 劉" userId="55b9f2413b94badf" providerId="LiveId" clId="{5EA86210-9012-4E68-BCD1-7347BE0E642C}" dt="2023-07-10T16:18:30.997" v="4953"/>
+    <pc:docChg chg="undo custSel addSld delSld modSld">
+      <pc:chgData name="祐廷 劉" userId="55b9f2413b94badf" providerId="LiveId" clId="{5EA86210-9012-4E68-BCD1-7347BE0E642C}" dt="2023-07-17T03:37:24.603" v="5035"/>
       <pc:docMkLst>
         <pc:docMk/>
       </pc:docMkLst>
@@ -1173,8 +1176,8 @@
           </ac:spMkLst>
         </pc:spChg>
       </pc:sldChg>
-      <pc:sldChg chg="modSp mod modTransition">
-        <pc:chgData name="祐廷 劉" userId="55b9f2413b94badf" providerId="LiveId" clId="{5EA86210-9012-4E68-BCD1-7347BE0E642C}" dt="2023-06-26T14:23:54.748" v="4390"/>
+      <pc:sldChg chg="addSp modSp mod modTransition modAnim">
+        <pc:chgData name="祐廷 劉" userId="55b9f2413b94badf" providerId="LiveId" clId="{5EA86210-9012-4E68-BCD1-7347BE0E642C}" dt="2023-07-17T03:37:24.603" v="5035"/>
         <pc:sldMkLst>
           <pc:docMk/>
           <pc:sldMk cId="8053510" sldId="269"/>
@@ -1203,6 +1206,14 @@
             <ac:spMk id="21" creationId="{F73BE5C1-3B8B-43F3-B653-6AD8D5884538}"/>
           </ac:spMkLst>
         </pc:spChg>
+        <pc:picChg chg="add mod">
+          <ac:chgData name="祐廷 劉" userId="55b9f2413b94badf" providerId="LiveId" clId="{5EA86210-9012-4E68-BCD1-7347BE0E642C}" dt="2023-07-17T03:37:18.374" v="5034" actId="1076"/>
+          <ac:picMkLst>
+            <pc:docMk/>
+            <pc:sldMk cId="8053510" sldId="269"/>
+            <ac:picMk id="7" creationId="{404A38EE-9D19-489C-B289-27CA14E14DE2}"/>
+          </ac:picMkLst>
+        </pc:picChg>
       </pc:sldChg>
       <pc:sldChg chg="modSp mod modTransition">
         <pc:chgData name="祐廷 劉" userId="55b9f2413b94badf" providerId="LiveId" clId="{5EA86210-9012-4E68-BCD1-7347BE0E642C}" dt="2023-06-26T14:23:54.748" v="4390"/>
@@ -1427,8 +1438,8 @@
           </ac:spMkLst>
         </pc:spChg>
       </pc:sldChg>
-      <pc:sldChg chg="modSp mod modTransition">
-        <pc:chgData name="祐廷 劉" userId="55b9f2413b94badf" providerId="LiveId" clId="{5EA86210-9012-4E68-BCD1-7347BE0E642C}" dt="2023-06-26T14:23:54.748" v="4390"/>
+      <pc:sldChg chg="modSp del mod modTransition">
+        <pc:chgData name="祐廷 劉" userId="55b9f2413b94badf" providerId="LiveId" clId="{5EA86210-9012-4E68-BCD1-7347BE0E642C}" dt="2023-07-17T03:32:44.520" v="5000" actId="47"/>
         <pc:sldMkLst>
           <pc:docMk/>
           <pc:sldMk cId="1773413331" sldId="282"/>
@@ -1441,6 +1452,14 @@
             <ac:spMk id="2" creationId="{91541DDF-9217-4176-9BAC-35EE0C8B7419}"/>
           </ac:spMkLst>
         </pc:spChg>
+        <pc:picChg chg="mod">
+          <ac:chgData name="祐廷 劉" userId="55b9f2413b94badf" providerId="LiveId" clId="{5EA86210-9012-4E68-BCD1-7347BE0E642C}" dt="2023-07-17T03:25:08.262" v="4962" actId="1076"/>
+          <ac:picMkLst>
+            <pc:docMk/>
+            <pc:sldMk cId="1773413331" sldId="282"/>
+            <ac:picMk id="11" creationId="{70439831-5010-4C16-91D8-8BAB0FCFFA14}"/>
+          </ac:picMkLst>
+        </pc:picChg>
       </pc:sldChg>
       <pc:sldChg chg="modSp mod modTransition">
         <pc:chgData name="祐廷 劉" userId="55b9f2413b94badf" providerId="LiveId" clId="{5EA86210-9012-4E68-BCD1-7347BE0E642C}" dt="2023-06-26T14:23:54.748" v="4390"/>
@@ -2446,6 +2465,162 @@
           </ac:picMkLst>
         </pc:picChg>
       </pc:sldChg>
+      <pc:sldChg chg="addSp delSp modSp new mod modTransition modAnim">
+        <pc:chgData name="祐廷 劉" userId="55b9f2413b94badf" providerId="LiveId" clId="{5EA86210-9012-4E68-BCD1-7347BE0E642C}" dt="2023-07-17T03:33:20.547" v="5011"/>
+        <pc:sldMkLst>
+          <pc:docMk/>
+          <pc:sldMk cId="1942163099" sldId="329"/>
+        </pc:sldMkLst>
+        <pc:spChg chg="mod">
+          <ac:chgData name="祐廷 劉" userId="55b9f2413b94badf" providerId="LiveId" clId="{5EA86210-9012-4E68-BCD1-7347BE0E642C}" dt="2023-07-17T03:22:17.697" v="4957"/>
+          <ac:spMkLst>
+            <pc:docMk/>
+            <pc:sldMk cId="1942163099" sldId="329"/>
+            <ac:spMk id="2" creationId="{A74FC5DA-B2E7-4C6E-98B3-1679237869DD}"/>
+          </ac:spMkLst>
+        </pc:spChg>
+        <pc:spChg chg="del">
+          <ac:chgData name="祐廷 劉" userId="55b9f2413b94badf" providerId="LiveId" clId="{5EA86210-9012-4E68-BCD1-7347BE0E642C}" dt="2023-07-17T03:25:13.250" v="4963" actId="478"/>
+          <ac:spMkLst>
+            <pc:docMk/>
+            <pc:sldMk cId="1942163099" sldId="329"/>
+            <ac:spMk id="3" creationId="{9921F672-5632-45B2-9DCA-E5625DD61A5E}"/>
+          </ac:spMkLst>
+        </pc:spChg>
+        <pc:picChg chg="add mod">
+          <ac:chgData name="祐廷 劉" userId="55b9f2413b94badf" providerId="LiveId" clId="{5EA86210-9012-4E68-BCD1-7347BE0E642C}" dt="2023-07-17T03:27:39.423" v="4977" actId="1076"/>
+          <ac:picMkLst>
+            <pc:docMk/>
+            <pc:sldMk cId="1942163099" sldId="329"/>
+            <ac:picMk id="5" creationId="{FB18D4A3-61B9-44C2-B234-622FE01172BB}"/>
+          </ac:picMkLst>
+        </pc:picChg>
+        <pc:picChg chg="add mod">
+          <ac:chgData name="祐廷 劉" userId="55b9f2413b94badf" providerId="LiveId" clId="{5EA86210-9012-4E68-BCD1-7347BE0E642C}" dt="2023-07-17T03:26:24.514" v="4972" actId="1076"/>
+          <ac:picMkLst>
+            <pc:docMk/>
+            <pc:sldMk cId="1942163099" sldId="329"/>
+            <ac:picMk id="7" creationId="{A3200C4A-9DFA-47C7-B93F-01524E71A369}"/>
+          </ac:picMkLst>
+        </pc:picChg>
+      </pc:sldChg>
+      <pc:sldChg chg="addSp delSp modSp new mod modTransition modAnim">
+        <pc:chgData name="祐廷 劉" userId="55b9f2413b94badf" providerId="LiveId" clId="{5EA86210-9012-4E68-BCD1-7347BE0E642C}" dt="2023-07-17T03:33:31.240" v="5017"/>
+        <pc:sldMkLst>
+          <pc:docMk/>
+          <pc:sldMk cId="3557610081" sldId="330"/>
+        </pc:sldMkLst>
+        <pc:spChg chg="mod">
+          <ac:chgData name="祐廷 劉" userId="55b9f2413b94badf" providerId="LiveId" clId="{5EA86210-9012-4E68-BCD1-7347BE0E642C}" dt="2023-07-17T03:22:19.368" v="4958"/>
+          <ac:spMkLst>
+            <pc:docMk/>
+            <pc:sldMk cId="3557610081" sldId="330"/>
+            <ac:spMk id="2" creationId="{4F4BEBE2-D32E-4CCB-B817-53CF4484524D}"/>
+          </ac:spMkLst>
+        </pc:spChg>
+        <pc:spChg chg="del">
+          <ac:chgData name="祐廷 劉" userId="55b9f2413b94badf" providerId="LiveId" clId="{5EA86210-9012-4E68-BCD1-7347BE0E642C}" dt="2023-07-17T03:26:41.633" v="4974" actId="478"/>
+          <ac:spMkLst>
+            <pc:docMk/>
+            <pc:sldMk cId="3557610081" sldId="330"/>
+            <ac:spMk id="3" creationId="{5364B8E0-749B-4917-9C4D-ACAF7912D193}"/>
+          </ac:spMkLst>
+        </pc:spChg>
+        <pc:picChg chg="add mod">
+          <ac:chgData name="祐廷 劉" userId="55b9f2413b94badf" providerId="LiveId" clId="{5EA86210-9012-4E68-BCD1-7347BE0E642C}" dt="2023-07-17T03:27:46.068" v="4979" actId="14100"/>
+          <ac:picMkLst>
+            <pc:docMk/>
+            <pc:sldMk cId="3557610081" sldId="330"/>
+            <ac:picMk id="5" creationId="{A097003F-668F-41CD-B588-64DD82655A34}"/>
+          </ac:picMkLst>
+        </pc:picChg>
+        <pc:picChg chg="add mod">
+          <ac:chgData name="祐廷 劉" userId="55b9f2413b94badf" providerId="LiveId" clId="{5EA86210-9012-4E68-BCD1-7347BE0E642C}" dt="2023-07-17T03:28:12.867" v="4984" actId="1076"/>
+          <ac:picMkLst>
+            <pc:docMk/>
+            <pc:sldMk cId="3557610081" sldId="330"/>
+            <ac:picMk id="7" creationId="{34C64A46-FA2A-479F-8204-9017150D5A91}"/>
+          </ac:picMkLst>
+        </pc:picChg>
+      </pc:sldChg>
+      <pc:sldChg chg="addSp delSp modSp new mod modTransition modAnim">
+        <pc:chgData name="祐廷 劉" userId="55b9f2413b94badf" providerId="LiveId" clId="{5EA86210-9012-4E68-BCD1-7347BE0E642C}" dt="2023-07-17T03:33:45.553" v="5029"/>
+        <pc:sldMkLst>
+          <pc:docMk/>
+          <pc:sldMk cId="1414329666" sldId="331"/>
+        </pc:sldMkLst>
+        <pc:spChg chg="mod">
+          <ac:chgData name="祐廷 劉" userId="55b9f2413b94badf" providerId="LiveId" clId="{5EA86210-9012-4E68-BCD1-7347BE0E642C}" dt="2023-07-17T03:22:23.205" v="4961"/>
+          <ac:spMkLst>
+            <pc:docMk/>
+            <pc:sldMk cId="1414329666" sldId="331"/>
+            <ac:spMk id="2" creationId="{D92D452F-F9C6-4BCB-9039-202188DD51AE}"/>
+          </ac:spMkLst>
+        </pc:spChg>
+        <pc:spChg chg="del">
+          <ac:chgData name="祐廷 劉" userId="55b9f2413b94badf" providerId="LiveId" clId="{5EA86210-9012-4E68-BCD1-7347BE0E642C}" dt="2023-07-17T03:30:35.041" v="4994" actId="478"/>
+          <ac:spMkLst>
+            <pc:docMk/>
+            <pc:sldMk cId="1414329666" sldId="331"/>
+            <ac:spMk id="3" creationId="{D324CEA2-CF70-4383-A52F-1C6CA2C504D4}"/>
+          </ac:spMkLst>
+        </pc:spChg>
+        <pc:spChg chg="add del">
+          <ac:chgData name="祐廷 劉" userId="55b9f2413b94badf" providerId="LiveId" clId="{5EA86210-9012-4E68-BCD1-7347BE0E642C}" dt="2023-07-17T03:22:21.469" v="4960" actId="22"/>
+          <ac:spMkLst>
+            <pc:docMk/>
+            <pc:sldMk cId="1414329666" sldId="331"/>
+            <ac:spMk id="5" creationId="{FA0C452C-5ACD-4B55-AE6C-C65067A7737A}"/>
+          </ac:spMkLst>
+        </pc:spChg>
+        <pc:picChg chg="add mod">
+          <ac:chgData name="祐廷 劉" userId="55b9f2413b94badf" providerId="LiveId" clId="{5EA86210-9012-4E68-BCD1-7347BE0E642C}" dt="2023-07-17T03:32:25.527" v="4997" actId="14100"/>
+          <ac:picMkLst>
+            <pc:docMk/>
+            <pc:sldMk cId="1414329666" sldId="331"/>
+            <ac:picMk id="7" creationId="{09F504D8-47BF-411F-B650-80D015FAC9A0}"/>
+          </ac:picMkLst>
+        </pc:picChg>
+        <pc:picChg chg="add mod">
+          <ac:chgData name="祐廷 劉" userId="55b9f2413b94badf" providerId="LiveId" clId="{5EA86210-9012-4E68-BCD1-7347BE0E642C}" dt="2023-07-17T03:32:40.348" v="4999" actId="1076"/>
+          <ac:picMkLst>
+            <pc:docMk/>
+            <pc:sldMk cId="1414329666" sldId="331"/>
+            <ac:picMk id="8" creationId="{AC102D70-B3F8-4DF7-96FA-D8A53EDA1D82}"/>
+          </ac:picMkLst>
+        </pc:picChg>
+      </pc:sldChg>
+      <pc:sldChg chg="addSp delSp modSp add mod modTransition modAnim">
+        <pc:chgData name="祐廷 劉" userId="55b9f2413b94badf" providerId="LiveId" clId="{5EA86210-9012-4E68-BCD1-7347BE0E642C}" dt="2023-07-17T03:33:38.242" v="5023"/>
+        <pc:sldMkLst>
+          <pc:docMk/>
+          <pc:sldMk cId="192552324" sldId="332"/>
+        </pc:sldMkLst>
+        <pc:spChg chg="del">
+          <ac:chgData name="祐廷 劉" userId="55b9f2413b94badf" providerId="LiveId" clId="{5EA86210-9012-4E68-BCD1-7347BE0E642C}" dt="2023-07-17T03:28:34.150" v="4985" actId="478"/>
+          <ac:spMkLst>
+            <pc:docMk/>
+            <pc:sldMk cId="192552324" sldId="332"/>
+            <ac:spMk id="3" creationId="{5364B8E0-749B-4917-9C4D-ACAF7912D193}"/>
+          </ac:spMkLst>
+        </pc:spChg>
+        <pc:picChg chg="add mod">
+          <ac:chgData name="祐廷 劉" userId="55b9f2413b94badf" providerId="LiveId" clId="{5EA86210-9012-4E68-BCD1-7347BE0E642C}" dt="2023-07-17T03:29:46.313" v="4989" actId="1076"/>
+          <ac:picMkLst>
+            <pc:docMk/>
+            <pc:sldMk cId="192552324" sldId="332"/>
+            <ac:picMk id="5" creationId="{59C86C9B-29F7-4FF0-937E-152E6EE067FE}"/>
+          </ac:picMkLst>
+        </pc:picChg>
+        <pc:picChg chg="add mod">
+          <ac:chgData name="祐廷 劉" userId="55b9f2413b94badf" providerId="LiveId" clId="{5EA86210-9012-4E68-BCD1-7347BE0E642C}" dt="2023-07-17T03:30:30.114" v="4993" actId="1076"/>
+          <ac:picMkLst>
+            <pc:docMk/>
+            <pc:sldMk cId="192552324" sldId="332"/>
+            <ac:picMk id="6" creationId="{791037D6-471E-4BEA-8232-286C344F0B05}"/>
+          </ac:picMkLst>
+        </pc:picChg>
+      </pc:sldChg>
     </pc:docChg>
   </pc:docChgLst>
 </pc:chgInfo>
@@ -2664,7 +2839,7 @@
           <a:p>
             <a:fld id="{E293F93E-B5DE-4B50-93E6-ADB519FE5D77}" type="datetimeFigureOut">
               <a:rPr lang="zh-TW" altLang="en-US" smtClean="0"/>
-              <a:t>2023/7/11</a:t>
+              <a:t>2023/7/17</a:t>
             </a:fld>
             <a:endParaRPr lang="zh-TW" altLang="en-US"/>
           </a:p>
@@ -2955,7 +3130,7 @@
           <a:p>
             <a:fld id="{E293F93E-B5DE-4B50-93E6-ADB519FE5D77}" type="datetimeFigureOut">
               <a:rPr lang="zh-TW" altLang="en-US" smtClean="0"/>
-              <a:t>2023/7/11</a:t>
+              <a:t>2023/7/17</a:t>
             </a:fld>
             <a:endParaRPr lang="zh-TW" altLang="en-US"/>
           </a:p>
@@ -3214,7 +3389,7 @@
           <a:p>
             <a:fld id="{E293F93E-B5DE-4B50-93E6-ADB519FE5D77}" type="datetimeFigureOut">
               <a:rPr lang="zh-TW" altLang="en-US" smtClean="0"/>
-              <a:t>2023/7/11</a:t>
+              <a:t>2023/7/17</a:t>
             </a:fld>
             <a:endParaRPr lang="zh-TW" altLang="en-US"/>
           </a:p>
@@ -3683,7 +3858,7 @@
           <a:p>
             <a:fld id="{E293F93E-B5DE-4B50-93E6-ADB519FE5D77}" type="datetimeFigureOut">
               <a:rPr lang="zh-TW" altLang="en-US" smtClean="0"/>
-              <a:t>2023/7/11</a:t>
+              <a:t>2023/7/17</a:t>
             </a:fld>
             <a:endParaRPr lang="zh-TW" altLang="en-US"/>
           </a:p>
@@ -3863,7 +4038,7 @@
           <a:p>
             <a:fld id="{E293F93E-B5DE-4B50-93E6-ADB519FE5D77}" type="datetimeFigureOut">
               <a:rPr lang="zh-TW" altLang="en-US" smtClean="0"/>
-              <a:t>2023/7/11</a:t>
+              <a:t>2023/7/17</a:t>
             </a:fld>
             <a:endParaRPr lang="zh-TW" altLang="en-US"/>
           </a:p>
@@ -4439,7 +4614,7 @@
           <a:p>
             <a:fld id="{E293F93E-B5DE-4B50-93E6-ADB519FE5D77}" type="datetimeFigureOut">
               <a:rPr lang="zh-TW" altLang="en-US" smtClean="0"/>
-              <a:t>2023/7/11</a:t>
+              <a:t>2023/7/17</a:t>
             </a:fld>
             <a:endParaRPr lang="zh-TW" altLang="en-US"/>
           </a:p>
@@ -4771,7 +4946,7 @@
           <a:p>
             <a:fld id="{E293F93E-B5DE-4B50-93E6-ADB519FE5D77}" type="datetimeFigureOut">
               <a:rPr lang="zh-TW" altLang="en-US" smtClean="0"/>
-              <a:t>2023/7/11</a:t>
+              <a:t>2023/7/17</a:t>
             </a:fld>
             <a:endParaRPr lang="zh-TW" altLang="en-US"/>
           </a:p>
@@ -4946,7 +5121,7 @@
           <a:p>
             <a:fld id="{E293F93E-B5DE-4B50-93E6-ADB519FE5D77}" type="datetimeFigureOut">
               <a:rPr lang="zh-TW" altLang="en-US" smtClean="0"/>
-              <a:t>2023/7/11</a:t>
+              <a:t>2023/7/17</a:t>
             </a:fld>
             <a:endParaRPr lang="zh-TW" altLang="en-US"/>
           </a:p>
@@ -5126,7 +5301,7 @@
           <a:p>
             <a:fld id="{E293F93E-B5DE-4B50-93E6-ADB519FE5D77}" type="datetimeFigureOut">
               <a:rPr lang="zh-TW" altLang="en-US" smtClean="0"/>
-              <a:t>2023/7/11</a:t>
+              <a:t>2023/7/17</a:t>
             </a:fld>
             <a:endParaRPr lang="zh-TW" altLang="en-US"/>
           </a:p>
@@ -5296,7 +5471,7 @@
           <a:p>
             <a:fld id="{E293F93E-B5DE-4B50-93E6-ADB519FE5D77}" type="datetimeFigureOut">
               <a:rPr lang="zh-TW" altLang="en-US" smtClean="0"/>
-              <a:t>2023/7/11</a:t>
+              <a:t>2023/7/17</a:t>
             </a:fld>
             <a:endParaRPr lang="zh-TW" altLang="en-US"/>
           </a:p>
@@ -5553,7 +5728,7 @@
           <a:p>
             <a:fld id="{E293F93E-B5DE-4B50-93E6-ADB519FE5D77}" type="datetimeFigureOut">
               <a:rPr lang="zh-TW" altLang="en-US" smtClean="0"/>
-              <a:t>2023/7/11</a:t>
+              <a:t>2023/7/17</a:t>
             </a:fld>
             <a:endParaRPr lang="zh-TW" altLang="en-US"/>
           </a:p>
@@ -5845,7 +6020,7 @@
           <a:p>
             <a:fld id="{E293F93E-B5DE-4B50-93E6-ADB519FE5D77}" type="datetimeFigureOut">
               <a:rPr lang="zh-TW" altLang="en-US" smtClean="0"/>
-              <a:t>2023/7/11</a:t>
+              <a:t>2023/7/17</a:t>
             </a:fld>
             <a:endParaRPr lang="zh-TW" altLang="en-US"/>
           </a:p>
@@ -6275,7 +6450,7 @@
           <a:p>
             <a:fld id="{E293F93E-B5DE-4B50-93E6-ADB519FE5D77}" type="datetimeFigureOut">
               <a:rPr lang="zh-TW" altLang="en-US" smtClean="0"/>
-              <a:t>2023/7/11</a:t>
+              <a:t>2023/7/17</a:t>
             </a:fld>
             <a:endParaRPr lang="zh-TW" altLang="en-US"/>
           </a:p>
@@ -6393,7 +6568,7 @@
           <a:p>
             <a:fld id="{E293F93E-B5DE-4B50-93E6-ADB519FE5D77}" type="datetimeFigureOut">
               <a:rPr lang="zh-TW" altLang="en-US" smtClean="0"/>
-              <a:t>2023/7/11</a:t>
+              <a:t>2023/7/17</a:t>
             </a:fld>
             <a:endParaRPr lang="zh-TW" altLang="en-US"/>
           </a:p>
@@ -6488,7 +6663,7 @@
           <a:p>
             <a:fld id="{E293F93E-B5DE-4B50-93E6-ADB519FE5D77}" type="datetimeFigureOut">
               <a:rPr lang="zh-TW" altLang="en-US" smtClean="0"/>
-              <a:t>2023/7/11</a:t>
+              <a:t>2023/7/17</a:t>
             </a:fld>
             <a:endParaRPr lang="zh-TW" altLang="en-US"/>
           </a:p>
@@ -6771,7 +6946,7 @@
           <a:p>
             <a:fld id="{E293F93E-B5DE-4B50-93E6-ADB519FE5D77}" type="datetimeFigureOut">
               <a:rPr lang="zh-TW" altLang="en-US" smtClean="0"/>
-              <a:t>2023/7/11</a:t>
+              <a:t>2023/7/17</a:t>
             </a:fld>
             <a:endParaRPr lang="zh-TW" altLang="en-US"/>
           </a:p>
@@ -7062,7 +7237,7 @@
           <a:p>
             <a:fld id="{E293F93E-B5DE-4B50-93E6-ADB519FE5D77}" type="datetimeFigureOut">
               <a:rPr lang="zh-TW" altLang="en-US" smtClean="0"/>
-              <a:t>2023/7/11</a:t>
+              <a:t>2023/7/17</a:t>
             </a:fld>
             <a:endParaRPr lang="zh-TW" altLang="en-US"/>
           </a:p>
@@ -7293,7 +7468,7 @@
           <a:p>
             <a:fld id="{E293F93E-B5DE-4B50-93E6-ADB519FE5D77}" type="datetimeFigureOut">
               <a:rPr lang="zh-TW" altLang="en-US" smtClean="0"/>
-              <a:t>2023/7/11</a:t>
+              <a:t>2023/7/17</a:t>
             </a:fld>
             <a:endParaRPr lang="zh-TW" altLang="en-US"/>
           </a:p>
@@ -9955,13 +10130,13 @@
   <p:clrMapOvr>
     <a:masterClrMapping/>
   </p:clrMapOvr>
-  <mc:AlternateContent xmlns:mc="http://schemas.openxmlformats.org/markup-compatibility/2006">
-    <mc:Choice xmlns:p159="http://schemas.microsoft.com/office/powerpoint/2015/09/main" Requires="p159">
+  <mc:AlternateContent xmlns:mc="http://schemas.openxmlformats.org/markup-compatibility/2006" xmlns:p159="http://schemas.microsoft.com/office/powerpoint/2015/09/main">
+    <mc:Choice Requires="p159">
       <p:transition spd="slow">
         <p159:morph option="byChar"/>
       </p:transition>
     </mc:Choice>
-    <mc:Fallback>
+    <mc:Fallback xmlns="">
       <p:transition spd="slow">
         <p:fade/>
       </p:transition>
@@ -18961,13 +19136,13 @@
   <p:clrMapOvr>
     <a:masterClrMapping/>
   </p:clrMapOvr>
-  <mc:AlternateContent xmlns:mc="http://schemas.openxmlformats.org/markup-compatibility/2006">
-    <mc:Choice xmlns:p159="http://schemas.microsoft.com/office/powerpoint/2015/09/main" Requires="p159">
+  <mc:AlternateContent xmlns:mc="http://schemas.openxmlformats.org/markup-compatibility/2006" xmlns:p159="http://schemas.microsoft.com/office/powerpoint/2015/09/main">
+    <mc:Choice Requires="p159">
       <p:transition spd="slow">
         <p159:morph option="byChar"/>
       </p:transition>
     </mc:Choice>
-    <mc:Fallback>
+    <mc:Fallback xmlns="">
       <p:transition spd="slow">
         <p:fade/>
       </p:transition>
@@ -19182,13 +19357,13 @@
   <p:clrMapOvr>
     <a:masterClrMapping/>
   </p:clrMapOvr>
-  <mc:AlternateContent xmlns:mc="http://schemas.openxmlformats.org/markup-compatibility/2006">
-    <mc:Choice xmlns:p159="http://schemas.microsoft.com/office/powerpoint/2015/09/main" Requires="p159">
+  <mc:AlternateContent xmlns:mc="http://schemas.openxmlformats.org/markup-compatibility/2006" xmlns:p159="http://schemas.microsoft.com/office/powerpoint/2015/09/main">
+    <mc:Choice Requires="p159">
       <p:transition spd="slow">
         <p159:morph option="byChar"/>
       </p:transition>
     </mc:Choice>
-    <mc:Fallback>
+    <mc:Fallback xmlns="">
       <p:transition spd="slow">
         <p:fade/>
       </p:transition>
@@ -22209,6 +22384,36 @@
           </a:p>
         </p:txBody>
       </p:sp>
+      <p:pic>
+        <p:nvPicPr>
+          <p:cNvPr id="7" name="圖片 6">
+            <a:extLst>
+              <a:ext uri="{FF2B5EF4-FFF2-40B4-BE49-F238E27FC236}">
+                <a16:creationId xmlns:a16="http://schemas.microsoft.com/office/drawing/2014/main" id="{404A38EE-9D19-489C-B289-27CA14E14DE2}"/>
+              </a:ext>
+            </a:extLst>
+          </p:cNvPr>
+          <p:cNvPicPr>
+            <a:picLocks noChangeAspect="1"/>
+          </p:cNvPicPr>
+          <p:nvPr/>
+        </p:nvPicPr>
+        <p:blipFill>
+          <a:blip r:embed="rId3"/>
+          <a:stretch>
+            <a:fillRect/>
+          </a:stretch>
+        </p:blipFill>
+        <p:spPr>
+          <a:xfrm>
+            <a:off x="5377879" y="1113335"/>
+            <a:ext cx="6392046" cy="759451"/>
+          </a:xfrm>
+          <a:prstGeom prst="rect">
+            <a:avLst/>
+          </a:prstGeom>
+        </p:spPr>
+      </p:pic>
     </p:spTree>
     <p:extLst>
       <p:ext uri="{BB962C8B-B14F-4D97-AF65-F5344CB8AC3E}">
@@ -22403,6 +22608,59 @@
                                         <p:cTn id="18" dur="500"/>
                                         <p:tgtEl>
                                           <p:spTgt spid="16"/>
+                                        </p:tgtEl>
+                                      </p:cBhvr>
+                                    </p:animEffect>
+                                  </p:childTnLst>
+                                </p:cTn>
+                              </p:par>
+                            </p:childTnLst>
+                          </p:cTn>
+                        </p:par>
+                      </p:childTnLst>
+                    </p:cTn>
+                  </p:par>
+                  <p:par>
+                    <p:cTn id="19" fill="hold">
+                      <p:stCondLst>
+                        <p:cond delay="indefinite"/>
+                      </p:stCondLst>
+                      <p:childTnLst>
+                        <p:par>
+                          <p:cTn id="20" fill="hold">
+                            <p:stCondLst>
+                              <p:cond delay="0"/>
+                            </p:stCondLst>
+                            <p:childTnLst>
+                              <p:par>
+                                <p:cTn id="21" presetID="14" presetClass="entr" presetSubtype="10" fill="hold" nodeType="clickEffect">
+                                  <p:stCondLst>
+                                    <p:cond delay="0"/>
+                                  </p:stCondLst>
+                                  <p:childTnLst>
+                                    <p:set>
+                                      <p:cBhvr>
+                                        <p:cTn id="22" dur="1" fill="hold">
+                                          <p:stCondLst>
+                                            <p:cond delay="0"/>
+                                          </p:stCondLst>
+                                        </p:cTn>
+                                        <p:tgtEl>
+                                          <p:spTgt spid="7"/>
+                                        </p:tgtEl>
+                                        <p:attrNameLst>
+                                          <p:attrName>style.visibility</p:attrName>
+                                        </p:attrNameLst>
+                                      </p:cBhvr>
+                                      <p:to>
+                                        <p:strVal val="visible"/>
+                                      </p:to>
+                                    </p:set>
+                                    <p:animEffect transition="in" filter="randombar(horizontal)">
+                                      <p:cBhvr>
+                                        <p:cTn id="23" dur="500"/>
+                                        <p:tgtEl>
+                                          <p:spTgt spid="7"/>
                                         </p:tgtEl>
                                       </p:cBhvr>
                                     </p:animEffect>
@@ -35615,7 +35873,7 @@
           <p:cNvPr id="2" name="標題 1">
             <a:extLst>
               <a:ext uri="{FF2B5EF4-FFF2-40B4-BE49-F238E27FC236}">
-                <a16:creationId xmlns:a16="http://schemas.microsoft.com/office/drawing/2014/main" id="{91541DDF-9217-4176-9BAC-35EE0C8B7419}"/>
+                <a16:creationId xmlns:a16="http://schemas.microsoft.com/office/drawing/2014/main" id="{A74FC5DA-B2E7-4C6E-98B3-1679237869DD}"/>
               </a:ext>
             </a:extLst>
           </p:cNvPr>
@@ -35664,15 +35922,16 @@
               </a:rPr>
               <a:t>範例</a:t>
             </a:r>
+            <a:endParaRPr lang="zh-TW" altLang="en-US" dirty="0"/>
           </a:p>
         </p:txBody>
       </p:sp>
       <p:pic>
         <p:nvPicPr>
-          <p:cNvPr id="11" name="圖片 10">
+          <p:cNvPr id="5" name="圖片 4">
             <a:extLst>
               <a:ext uri="{FF2B5EF4-FFF2-40B4-BE49-F238E27FC236}">
-                <a16:creationId xmlns:a16="http://schemas.microsoft.com/office/drawing/2014/main" id="{70439831-5010-4C16-91D8-8BAB0FCFFA14}"/>
+                <a16:creationId xmlns:a16="http://schemas.microsoft.com/office/drawing/2014/main" id="{FB18D4A3-61B9-44C2-B234-622FE01172BB}"/>
               </a:ext>
             </a:extLst>
           </p:cNvPr>
@@ -35689,8 +35948,8 @@
         </p:blipFill>
         <p:spPr>
           <a:xfrm>
-            <a:off x="1186107" y="2121390"/>
-            <a:ext cx="2957696" cy="4208498"/>
+            <a:off x="1141413" y="2149905"/>
+            <a:ext cx="4561966" cy="4386987"/>
           </a:xfrm>
           <a:prstGeom prst="rect">
             <a:avLst/>
@@ -35699,10 +35958,10 @@
       </p:pic>
       <p:pic>
         <p:nvPicPr>
-          <p:cNvPr id="13" name="圖片 12">
+          <p:cNvPr id="7" name="圖片 6">
             <a:extLst>
               <a:ext uri="{FF2B5EF4-FFF2-40B4-BE49-F238E27FC236}">
-                <a16:creationId xmlns:a16="http://schemas.microsoft.com/office/drawing/2014/main" id="{0BB40DCA-D1B4-4473-9227-70240643DEBE}"/>
+                <a16:creationId xmlns:a16="http://schemas.microsoft.com/office/drawing/2014/main" id="{A3200C4A-9DFA-47C7-B93F-01524E71A369}"/>
               </a:ext>
             </a:extLst>
           </p:cNvPr>
@@ -35719,264 +35978,18 @@
         </p:blipFill>
         <p:spPr>
           <a:xfrm>
-            <a:off x="4503630" y="2121390"/>
-            <a:ext cx="4111111" cy="4208498"/>
+            <a:off x="6001987" y="4015273"/>
+            <a:ext cx="5735082" cy="656253"/>
           </a:xfrm>
           <a:prstGeom prst="rect">
             <a:avLst/>
           </a:prstGeom>
         </p:spPr>
       </p:pic>
-      <p:pic>
-        <p:nvPicPr>
-          <p:cNvPr id="5" name="圖片 4">
-            <a:extLst>
-              <a:ext uri="{FF2B5EF4-FFF2-40B4-BE49-F238E27FC236}">
-                <a16:creationId xmlns:a16="http://schemas.microsoft.com/office/drawing/2014/main" id="{EA967881-5E0C-4231-B017-17A9AD83106C}"/>
-              </a:ext>
-            </a:extLst>
-          </p:cNvPr>
-          <p:cNvPicPr>
-            <a:picLocks noChangeAspect="1"/>
-          </p:cNvPicPr>
-          <p:nvPr/>
-        </p:nvPicPr>
-        <p:blipFill>
-          <a:blip r:embed="rId4"/>
-          <a:stretch>
-            <a:fillRect/>
-          </a:stretch>
-        </p:blipFill>
-        <p:spPr>
-          <a:xfrm>
-            <a:off x="8974568" y="2121390"/>
-            <a:ext cx="2072843" cy="4208498"/>
-          </a:xfrm>
-          <a:prstGeom prst="rect">
-            <a:avLst/>
-          </a:prstGeom>
-        </p:spPr>
-      </p:pic>
-      <p:sp>
-        <p:nvSpPr>
-          <p:cNvPr id="3" name="矩形 2">
-            <a:extLst>
-              <a:ext uri="{FF2B5EF4-FFF2-40B4-BE49-F238E27FC236}">
-                <a16:creationId xmlns:a16="http://schemas.microsoft.com/office/drawing/2014/main" id="{C27347B1-5714-44CB-B72C-E372B844CDD6}"/>
-              </a:ext>
-            </a:extLst>
-          </p:cNvPr>
-          <p:cNvSpPr/>
-          <p:nvPr/>
-        </p:nvSpPr>
-        <p:spPr>
-          <a:xfrm>
-            <a:off x="10651958" y="2646947"/>
-            <a:ext cx="288758" cy="489285"/>
-          </a:xfrm>
-          <a:prstGeom prst="rect">
-            <a:avLst/>
-          </a:prstGeom>
-          <a:solidFill>
-            <a:srgbClr val="FFFF00"/>
-          </a:solidFill>
-          <a:ln>
-            <a:solidFill>
-              <a:srgbClr val="1E1E1E"/>
-            </a:solidFill>
-          </a:ln>
-        </p:spPr>
-        <p:style>
-          <a:lnRef idx="2">
-            <a:schemeClr val="accent1">
-              <a:shade val="50000"/>
-            </a:schemeClr>
-          </a:lnRef>
-          <a:fillRef idx="1">
-            <a:schemeClr val="accent1"/>
-          </a:fillRef>
-          <a:effectRef idx="0">
-            <a:schemeClr val="accent1"/>
-          </a:effectRef>
-          <a:fontRef idx="minor">
-            <a:schemeClr val="lt1"/>
-          </a:fontRef>
-        </p:style>
-        <p:txBody>
-          <a:bodyPr rtlCol="0" anchor="ctr"/>
-          <a:lstStyle/>
-          <a:p>
-            <a:pPr algn="ctr"/>
-            <a:endParaRPr lang="zh-TW" altLang="en-US"/>
-          </a:p>
-        </p:txBody>
-      </p:sp>
-      <p:sp>
-        <p:nvSpPr>
-          <p:cNvPr id="7" name="矩形 6">
-            <a:extLst>
-              <a:ext uri="{FF2B5EF4-FFF2-40B4-BE49-F238E27FC236}">
-                <a16:creationId xmlns:a16="http://schemas.microsoft.com/office/drawing/2014/main" id="{579944B2-2734-46BE-8A75-581CF142D175}"/>
-              </a:ext>
-            </a:extLst>
-          </p:cNvPr>
-          <p:cNvSpPr/>
-          <p:nvPr/>
-        </p:nvSpPr>
-        <p:spPr>
-          <a:xfrm>
-            <a:off x="10659979" y="3718066"/>
-            <a:ext cx="288758" cy="489285"/>
-          </a:xfrm>
-          <a:prstGeom prst="rect">
-            <a:avLst/>
-          </a:prstGeom>
-          <a:solidFill>
-            <a:srgbClr val="FFFF00"/>
-          </a:solidFill>
-          <a:ln>
-            <a:solidFill>
-              <a:srgbClr val="1E1E1E"/>
-            </a:solidFill>
-          </a:ln>
-        </p:spPr>
-        <p:style>
-          <a:lnRef idx="2">
-            <a:schemeClr val="accent1">
-              <a:shade val="50000"/>
-            </a:schemeClr>
-          </a:lnRef>
-          <a:fillRef idx="1">
-            <a:schemeClr val="accent1"/>
-          </a:fillRef>
-          <a:effectRef idx="0">
-            <a:schemeClr val="accent1"/>
-          </a:effectRef>
-          <a:fontRef idx="minor">
-            <a:schemeClr val="lt1"/>
-          </a:fontRef>
-        </p:style>
-        <p:txBody>
-          <a:bodyPr rtlCol="0" anchor="ctr"/>
-          <a:lstStyle/>
-          <a:p>
-            <a:pPr algn="ctr"/>
-            <a:endParaRPr lang="zh-TW" altLang="en-US"/>
-          </a:p>
-        </p:txBody>
-      </p:sp>
-      <p:sp>
-        <p:nvSpPr>
-          <p:cNvPr id="8" name="矩形 7">
-            <a:extLst>
-              <a:ext uri="{FF2B5EF4-FFF2-40B4-BE49-F238E27FC236}">
-                <a16:creationId xmlns:a16="http://schemas.microsoft.com/office/drawing/2014/main" id="{EC1F87C7-B514-4210-B426-38B10A7DC073}"/>
-              </a:ext>
-            </a:extLst>
-          </p:cNvPr>
-          <p:cNvSpPr/>
-          <p:nvPr/>
-        </p:nvSpPr>
-        <p:spPr>
-          <a:xfrm>
-            <a:off x="10659979" y="4761753"/>
-            <a:ext cx="288758" cy="489285"/>
-          </a:xfrm>
-          <a:prstGeom prst="rect">
-            <a:avLst/>
-          </a:prstGeom>
-          <a:solidFill>
-            <a:srgbClr val="FFFF00"/>
-          </a:solidFill>
-          <a:ln>
-            <a:solidFill>
-              <a:srgbClr val="1E1E1E"/>
-            </a:solidFill>
-          </a:ln>
-        </p:spPr>
-        <p:style>
-          <a:lnRef idx="2">
-            <a:schemeClr val="accent1">
-              <a:shade val="50000"/>
-            </a:schemeClr>
-          </a:lnRef>
-          <a:fillRef idx="1">
-            <a:schemeClr val="accent1"/>
-          </a:fillRef>
-          <a:effectRef idx="0">
-            <a:schemeClr val="accent1"/>
-          </a:effectRef>
-          <a:fontRef idx="minor">
-            <a:schemeClr val="lt1"/>
-          </a:fontRef>
-        </p:style>
-        <p:txBody>
-          <a:bodyPr rtlCol="0" anchor="ctr"/>
-          <a:lstStyle/>
-          <a:p>
-            <a:pPr algn="ctr"/>
-            <a:endParaRPr lang="zh-TW" altLang="en-US"/>
-          </a:p>
-        </p:txBody>
-      </p:sp>
-      <p:sp>
-        <p:nvSpPr>
-          <p:cNvPr id="9" name="矩形 8">
-            <a:extLst>
-              <a:ext uri="{FF2B5EF4-FFF2-40B4-BE49-F238E27FC236}">
-                <a16:creationId xmlns:a16="http://schemas.microsoft.com/office/drawing/2014/main" id="{07BC5BAD-1A5C-4004-8030-4F67C1B250B4}"/>
-              </a:ext>
-            </a:extLst>
-          </p:cNvPr>
-          <p:cNvSpPr/>
-          <p:nvPr/>
-        </p:nvSpPr>
-        <p:spPr>
-          <a:xfrm>
-            <a:off x="10659979" y="5776595"/>
-            <a:ext cx="288758" cy="489285"/>
-          </a:xfrm>
-          <a:prstGeom prst="rect">
-            <a:avLst/>
-          </a:prstGeom>
-          <a:solidFill>
-            <a:srgbClr val="FFFF00"/>
-          </a:solidFill>
-          <a:ln>
-            <a:solidFill>
-              <a:srgbClr val="1E1E1E"/>
-            </a:solidFill>
-          </a:ln>
-        </p:spPr>
-        <p:style>
-          <a:lnRef idx="2">
-            <a:schemeClr val="accent1">
-              <a:shade val="50000"/>
-            </a:schemeClr>
-          </a:lnRef>
-          <a:fillRef idx="1">
-            <a:schemeClr val="accent1"/>
-          </a:fillRef>
-          <a:effectRef idx="0">
-            <a:schemeClr val="accent1"/>
-          </a:effectRef>
-          <a:fontRef idx="minor">
-            <a:schemeClr val="lt1"/>
-          </a:fontRef>
-        </p:style>
-        <p:txBody>
-          <a:bodyPr rtlCol="0" anchor="ctr"/>
-          <a:lstStyle/>
-          <a:p>
-            <a:pPr algn="ctr"/>
-            <a:endParaRPr lang="zh-TW" altLang="en-US"/>
-          </a:p>
-        </p:txBody>
-      </p:sp>
     </p:spTree>
     <p:extLst>
       <p:ext uri="{BB962C8B-B14F-4D97-AF65-F5344CB8AC3E}">
-        <p14:creationId xmlns:p14="http://schemas.microsoft.com/office/powerpoint/2010/main" val="1773413331"/>
+        <p14:creationId xmlns:p14="http://schemas.microsoft.com/office/powerpoint/2010/main" val="1942163099"/>
       </p:ext>
     </p:extLst>
   </p:cSld>
@@ -36016,77 +36029,16 @@
                             </p:stCondLst>
                             <p:childTnLst>
                               <p:par>
-                                <p:cTn id="5" presetID="6" presetClass="exit" presetSubtype="32" fill="hold" grpId="0" nodeType="clickEffect">
+                                <p:cTn id="5" presetID="53" presetClass="entr" presetSubtype="16" fill="hold" nodeType="clickEffect">
                                   <p:stCondLst>
                                     <p:cond delay="0"/>
                                   </p:stCondLst>
                                   <p:childTnLst>
-                                    <p:animEffect transition="out" filter="circle(out)">
-                                      <p:cBhvr>
-                                        <p:cTn id="6" dur="1000"/>
-                                        <p:tgtEl>
-                                          <p:spTgt spid="3"/>
-                                        </p:tgtEl>
-                                      </p:cBhvr>
-                                    </p:animEffect>
                                     <p:set>
                                       <p:cBhvr>
-                                        <p:cTn id="7" dur="1" fill="hold">
+                                        <p:cTn id="6" dur="1" fill="hold">
                                           <p:stCondLst>
-                                            <p:cond delay="999"/>
-                                          </p:stCondLst>
-                                        </p:cTn>
-                                        <p:tgtEl>
-                                          <p:spTgt spid="3"/>
-                                        </p:tgtEl>
-                                        <p:attrNameLst>
-                                          <p:attrName>style.visibility</p:attrName>
-                                        </p:attrNameLst>
-                                      </p:cBhvr>
-                                      <p:to>
-                                        <p:strVal val="hidden"/>
-                                      </p:to>
-                                    </p:set>
-                                  </p:childTnLst>
-                                </p:cTn>
-                              </p:par>
-                            </p:childTnLst>
-                          </p:cTn>
-                        </p:par>
-                      </p:childTnLst>
-                    </p:cTn>
-                  </p:par>
-                  <p:par>
-                    <p:cTn id="8" fill="hold">
-                      <p:stCondLst>
-                        <p:cond delay="indefinite"/>
-                      </p:stCondLst>
-                      <p:childTnLst>
-                        <p:par>
-                          <p:cTn id="9" fill="hold">
-                            <p:stCondLst>
-                              <p:cond delay="0"/>
-                            </p:stCondLst>
-                            <p:childTnLst>
-                              <p:par>
-                                <p:cTn id="10" presetID="6" presetClass="exit" presetSubtype="32" fill="hold" grpId="0" nodeType="clickEffect">
-                                  <p:stCondLst>
-                                    <p:cond delay="0"/>
-                                  </p:stCondLst>
-                                  <p:childTnLst>
-                                    <p:animEffect transition="out" filter="circle(out)">
-                                      <p:cBhvr>
-                                        <p:cTn id="11" dur="1000"/>
-                                        <p:tgtEl>
-                                          <p:spTgt spid="7"/>
-                                        </p:tgtEl>
-                                      </p:cBhvr>
-                                    </p:animEffect>
-                                    <p:set>
-                                      <p:cBhvr>
-                                        <p:cTn id="12" dur="1" fill="hold">
-                                          <p:stCondLst>
-                                            <p:cond delay="999"/>
+                                            <p:cond delay="0"/>
                                           </p:stCondLst>
                                         </p:cTn>
                                         <p:tgtEl>
@@ -36097,115 +36049,63 @@
                                         </p:attrNameLst>
                                       </p:cBhvr>
                                       <p:to>
-                                        <p:strVal val="hidden"/>
+                                        <p:strVal val="visible"/>
                                       </p:to>
                                     </p:set>
-                                  </p:childTnLst>
-                                </p:cTn>
-                              </p:par>
-                            </p:childTnLst>
-                          </p:cTn>
-                        </p:par>
-                      </p:childTnLst>
-                    </p:cTn>
-                  </p:par>
-                  <p:par>
-                    <p:cTn id="13" fill="hold">
-                      <p:stCondLst>
-                        <p:cond delay="indefinite"/>
-                      </p:stCondLst>
-                      <p:childTnLst>
-                        <p:par>
-                          <p:cTn id="14" fill="hold">
-                            <p:stCondLst>
-                              <p:cond delay="0"/>
-                            </p:stCondLst>
-                            <p:childTnLst>
-                              <p:par>
-                                <p:cTn id="15" presetID="6" presetClass="exit" presetSubtype="32" fill="hold" grpId="0" nodeType="clickEffect">
-                                  <p:stCondLst>
-                                    <p:cond delay="0"/>
-                                  </p:stCondLst>
-                                  <p:childTnLst>
-                                    <p:animEffect transition="out" filter="circle(out)">
+                                    <p:anim calcmode="lin" valueType="num">
                                       <p:cBhvr>
-                                        <p:cTn id="16" dur="1000"/>
+                                        <p:cTn id="7" dur="500" fill="hold"/>
                                         <p:tgtEl>
-                                          <p:spTgt spid="8"/>
+                                          <p:spTgt spid="7"/>
+                                        </p:tgtEl>
+                                        <p:attrNameLst>
+                                          <p:attrName>ppt_w</p:attrName>
+                                        </p:attrNameLst>
+                                      </p:cBhvr>
+                                      <p:tavLst>
+                                        <p:tav tm="0">
+                                          <p:val>
+                                            <p:fltVal val="0"/>
+                                          </p:val>
+                                        </p:tav>
+                                        <p:tav tm="100000">
+                                          <p:val>
+                                            <p:strVal val="#ppt_w"/>
+                                          </p:val>
+                                        </p:tav>
+                                      </p:tavLst>
+                                    </p:anim>
+                                    <p:anim calcmode="lin" valueType="num">
+                                      <p:cBhvr>
+                                        <p:cTn id="8" dur="500" fill="hold"/>
+                                        <p:tgtEl>
+                                          <p:spTgt spid="7"/>
+                                        </p:tgtEl>
+                                        <p:attrNameLst>
+                                          <p:attrName>ppt_h</p:attrName>
+                                        </p:attrNameLst>
+                                      </p:cBhvr>
+                                      <p:tavLst>
+                                        <p:tav tm="0">
+                                          <p:val>
+                                            <p:fltVal val="0"/>
+                                          </p:val>
+                                        </p:tav>
+                                        <p:tav tm="100000">
+                                          <p:val>
+                                            <p:strVal val="#ppt_h"/>
+                                          </p:val>
+                                        </p:tav>
+                                      </p:tavLst>
+                                    </p:anim>
+                                    <p:animEffect transition="in" filter="fade">
+                                      <p:cBhvr>
+                                        <p:cTn id="9" dur="500"/>
+                                        <p:tgtEl>
+                                          <p:spTgt spid="7"/>
                                         </p:tgtEl>
                                       </p:cBhvr>
                                     </p:animEffect>
-                                    <p:set>
-                                      <p:cBhvr>
-                                        <p:cTn id="17" dur="1" fill="hold">
-                                          <p:stCondLst>
-                                            <p:cond delay="999"/>
-                                          </p:stCondLst>
-                                        </p:cTn>
-                                        <p:tgtEl>
-                                          <p:spTgt spid="8"/>
-                                        </p:tgtEl>
-                                        <p:attrNameLst>
-                                          <p:attrName>style.visibility</p:attrName>
-                                        </p:attrNameLst>
-                                      </p:cBhvr>
-                                      <p:to>
-                                        <p:strVal val="hidden"/>
-                                      </p:to>
-                                    </p:set>
-                                  </p:childTnLst>
-                                </p:cTn>
-                              </p:par>
-                            </p:childTnLst>
-                          </p:cTn>
-                        </p:par>
-                      </p:childTnLst>
-                    </p:cTn>
-                  </p:par>
-                  <p:par>
-                    <p:cTn id="18" fill="hold">
-                      <p:stCondLst>
-                        <p:cond delay="indefinite"/>
-                      </p:stCondLst>
-                      <p:childTnLst>
-                        <p:par>
-                          <p:cTn id="19" fill="hold">
-                            <p:stCondLst>
-                              <p:cond delay="0"/>
-                            </p:stCondLst>
-                            <p:childTnLst>
-                              <p:par>
-                                <p:cTn id="20" presetID="6" presetClass="exit" presetSubtype="32" fill="hold" grpId="0" nodeType="clickEffect">
-                                  <p:stCondLst>
-                                    <p:cond delay="0"/>
-                                  </p:stCondLst>
-                                  <p:childTnLst>
-                                    <p:animEffect transition="out" filter="circle(out)">
-                                      <p:cBhvr>
-                                        <p:cTn id="21" dur="1000"/>
-                                        <p:tgtEl>
-                                          <p:spTgt spid="9"/>
-                                        </p:tgtEl>
-                                      </p:cBhvr>
-                                    </p:animEffect>
-                                    <p:set>
-                                      <p:cBhvr>
-                                        <p:cTn id="22" dur="1" fill="hold">
-                                          <p:stCondLst>
-                                            <p:cond delay="999"/>
-                                          </p:stCondLst>
-                                        </p:cTn>
-                                        <p:tgtEl>
-                                          <p:spTgt spid="9"/>
-                                        </p:tgtEl>
-                                        <p:attrNameLst>
-                                          <p:attrName>style.visibility</p:attrName>
-                                        </p:attrNameLst>
-                                      </p:cBhvr>
-                                      <p:to>
-                                        <p:strVal val="hidden"/>
-                                      </p:to>
-                                    </p:set>
                                   </p:childTnLst>
                                 </p:cTn>
                               </p:par>
@@ -36236,17 +36136,2530 @@
         </p:cTn>
       </p:par>
     </p:tnLst>
-    <p:bldLst>
-      <p:bldP spid="3" grpId="0" animBg="1"/>
-      <p:bldP spid="7" grpId="0" animBg="1"/>
-      <p:bldP spid="8" grpId="0" animBg="1"/>
-      <p:bldP spid="9" grpId="0" animBg="1"/>
-    </p:bldLst>
   </p:timing>
 </p:sld>
 </file>
 
 <file path=ppt/slides/slide57.xml><?xml version="1.0" encoding="utf-8"?>
+<p:sld xmlns:a="http://schemas.openxmlformats.org/drawingml/2006/main" xmlns:r="http://schemas.openxmlformats.org/officeDocument/2006/relationships" xmlns:p="http://schemas.openxmlformats.org/presentationml/2006/main">
+  <p:cSld>
+    <p:spTree>
+      <p:nvGrpSpPr>
+        <p:cNvPr id="1" name=""/>
+        <p:cNvGrpSpPr/>
+        <p:nvPr/>
+      </p:nvGrpSpPr>
+      <p:grpSpPr>
+        <a:xfrm>
+          <a:off x="0" y="0"/>
+          <a:ext cx="0" cy="0"/>
+          <a:chOff x="0" y="0"/>
+          <a:chExt cx="0" cy="0"/>
+        </a:xfrm>
+      </p:grpSpPr>
+      <p:sp>
+        <p:nvSpPr>
+          <p:cNvPr id="2" name="標題 1">
+            <a:extLst>
+              <a:ext uri="{FF2B5EF4-FFF2-40B4-BE49-F238E27FC236}">
+                <a16:creationId xmlns:a16="http://schemas.microsoft.com/office/drawing/2014/main" id="{4F4BEBE2-D32E-4CCB-B817-53CF4484524D}"/>
+              </a:ext>
+            </a:extLst>
+          </p:cNvPr>
+          <p:cNvSpPr>
+            <a:spLocks noGrp="1"/>
+          </p:cNvSpPr>
+          <p:nvPr>
+            <p:ph type="title"/>
+          </p:nvPr>
+        </p:nvSpPr>
+        <p:spPr/>
+        <p:txBody>
+          <a:bodyPr/>
+          <a:lstStyle/>
+          <a:p>
+            <a:r>
+              <a:rPr lang="zh-TW" altLang="en-US" cap="none" dirty="0">
+                <a:latin typeface="STHeiti TC" panose="02000000000000000000" pitchFamily="2" charset="-120"/>
+                <a:ea typeface="STHeiti TC" panose="02000000000000000000" pitchFamily="2" charset="-120"/>
+              </a:rPr>
+              <a:t>指標</a:t>
+            </a:r>
+            <a:r>
+              <a:rPr lang="en-US" altLang="zh-TW" cap="none" dirty="0">
+                <a:latin typeface="Consolas" panose="020B0609020204030204" pitchFamily="49" charset="0"/>
+              </a:rPr>
+              <a:t> &amp; </a:t>
+            </a:r>
+            <a:r>
+              <a:rPr lang="zh-TW" altLang="en-US" cap="none" dirty="0">
+                <a:latin typeface="STHeiti TC" panose="02000000000000000000" pitchFamily="2" charset="-120"/>
+                <a:ea typeface="STHeiti TC" panose="02000000000000000000" pitchFamily="2" charset="-120"/>
+              </a:rPr>
+              <a:t>函式</a:t>
+            </a:r>
+            <a:r>
+              <a:rPr lang="en-US" altLang="zh-TW" cap="none" dirty="0">
+                <a:latin typeface="Consolas" panose="020B0609020204030204" pitchFamily="49" charset="0"/>
+              </a:rPr>
+              <a:t> </a:t>
+            </a:r>
+            <a:r>
+              <a:rPr lang="zh-TW" altLang="en-US" cap="none" dirty="0">
+                <a:latin typeface="STHeiti TC" panose="02000000000000000000" pitchFamily="2" charset="-120"/>
+                <a:ea typeface="STHeiti TC" panose="02000000000000000000" pitchFamily="2" charset="-120"/>
+              </a:rPr>
+              <a:t>範例</a:t>
+            </a:r>
+            <a:endParaRPr lang="zh-TW" altLang="en-US" dirty="0"/>
+          </a:p>
+        </p:txBody>
+      </p:sp>
+      <p:pic>
+        <p:nvPicPr>
+          <p:cNvPr id="5" name="圖片 4">
+            <a:extLst>
+              <a:ext uri="{FF2B5EF4-FFF2-40B4-BE49-F238E27FC236}">
+                <a16:creationId xmlns:a16="http://schemas.microsoft.com/office/drawing/2014/main" id="{A097003F-668F-41CD-B588-64DD82655A34}"/>
+              </a:ext>
+            </a:extLst>
+          </p:cNvPr>
+          <p:cNvPicPr>
+            <a:picLocks noChangeAspect="1"/>
+          </p:cNvPicPr>
+          <p:nvPr/>
+        </p:nvPicPr>
+        <p:blipFill>
+          <a:blip r:embed="rId2"/>
+          <a:stretch>
+            <a:fillRect/>
+          </a:stretch>
+        </p:blipFill>
+        <p:spPr>
+          <a:xfrm>
+            <a:off x="1141412" y="2230370"/>
+            <a:ext cx="4497387" cy="4121627"/>
+          </a:xfrm>
+          <a:prstGeom prst="rect">
+            <a:avLst/>
+          </a:prstGeom>
+        </p:spPr>
+      </p:pic>
+      <p:pic>
+        <p:nvPicPr>
+          <p:cNvPr id="7" name="圖片 6">
+            <a:extLst>
+              <a:ext uri="{FF2B5EF4-FFF2-40B4-BE49-F238E27FC236}">
+                <a16:creationId xmlns:a16="http://schemas.microsoft.com/office/drawing/2014/main" id="{34C64A46-FA2A-479F-8204-9017150D5A91}"/>
+              </a:ext>
+            </a:extLst>
+          </p:cNvPr>
+          <p:cNvPicPr>
+            <a:picLocks noChangeAspect="1"/>
+          </p:cNvPicPr>
+          <p:nvPr/>
+        </p:nvPicPr>
+        <p:blipFill>
+          <a:blip r:embed="rId3"/>
+          <a:stretch>
+            <a:fillRect/>
+          </a:stretch>
+        </p:blipFill>
+        <p:spPr>
+          <a:xfrm>
+            <a:off x="5844824" y="3920830"/>
+            <a:ext cx="6218840" cy="740706"/>
+          </a:xfrm>
+          <a:prstGeom prst="rect">
+            <a:avLst/>
+          </a:prstGeom>
+        </p:spPr>
+      </p:pic>
+    </p:spTree>
+    <p:extLst>
+      <p:ext uri="{BB962C8B-B14F-4D97-AF65-F5344CB8AC3E}">
+        <p14:creationId xmlns:p14="http://schemas.microsoft.com/office/powerpoint/2010/main" val="3557610081"/>
+      </p:ext>
+    </p:extLst>
+  </p:cSld>
+  <p:clrMapOvr>
+    <a:masterClrMapping/>
+  </p:clrMapOvr>
+  <mc:AlternateContent xmlns:mc="http://schemas.openxmlformats.org/markup-compatibility/2006" xmlns:p159="http://schemas.microsoft.com/office/powerpoint/2015/09/main">
+    <mc:Choice Requires="p159">
+      <p:transition spd="slow">
+        <p159:morph option="byChar"/>
+      </p:transition>
+    </mc:Choice>
+    <mc:Fallback xmlns="">
+      <p:transition spd="slow">
+        <p:fade/>
+      </p:transition>
+    </mc:Fallback>
+  </mc:AlternateContent>
+  <p:timing>
+    <p:tnLst>
+      <p:par>
+        <p:cTn id="1" dur="indefinite" restart="never" nodeType="tmRoot">
+          <p:childTnLst>
+            <p:seq concurrent="1" nextAc="seek">
+              <p:cTn id="2" dur="indefinite" nodeType="mainSeq">
+                <p:childTnLst>
+                  <p:par>
+                    <p:cTn id="3" fill="hold">
+                      <p:stCondLst>
+                        <p:cond delay="indefinite"/>
+                      </p:stCondLst>
+                      <p:childTnLst>
+                        <p:par>
+                          <p:cTn id="4" fill="hold">
+                            <p:stCondLst>
+                              <p:cond delay="0"/>
+                            </p:stCondLst>
+                            <p:childTnLst>
+                              <p:par>
+                                <p:cTn id="5" presetID="53" presetClass="entr" presetSubtype="16" fill="hold" nodeType="clickEffect">
+                                  <p:stCondLst>
+                                    <p:cond delay="0"/>
+                                  </p:stCondLst>
+                                  <p:childTnLst>
+                                    <p:set>
+                                      <p:cBhvr>
+                                        <p:cTn id="6" dur="1" fill="hold">
+                                          <p:stCondLst>
+                                            <p:cond delay="0"/>
+                                          </p:stCondLst>
+                                        </p:cTn>
+                                        <p:tgtEl>
+                                          <p:spTgt spid="7"/>
+                                        </p:tgtEl>
+                                        <p:attrNameLst>
+                                          <p:attrName>style.visibility</p:attrName>
+                                        </p:attrNameLst>
+                                      </p:cBhvr>
+                                      <p:to>
+                                        <p:strVal val="visible"/>
+                                      </p:to>
+                                    </p:set>
+                                    <p:anim calcmode="lin" valueType="num">
+                                      <p:cBhvr>
+                                        <p:cTn id="7" dur="500" fill="hold"/>
+                                        <p:tgtEl>
+                                          <p:spTgt spid="7"/>
+                                        </p:tgtEl>
+                                        <p:attrNameLst>
+                                          <p:attrName>ppt_w</p:attrName>
+                                        </p:attrNameLst>
+                                      </p:cBhvr>
+                                      <p:tavLst>
+                                        <p:tav tm="0">
+                                          <p:val>
+                                            <p:fltVal val="0"/>
+                                          </p:val>
+                                        </p:tav>
+                                        <p:tav tm="100000">
+                                          <p:val>
+                                            <p:strVal val="#ppt_w"/>
+                                          </p:val>
+                                        </p:tav>
+                                      </p:tavLst>
+                                    </p:anim>
+                                    <p:anim calcmode="lin" valueType="num">
+                                      <p:cBhvr>
+                                        <p:cTn id="8" dur="500" fill="hold"/>
+                                        <p:tgtEl>
+                                          <p:spTgt spid="7"/>
+                                        </p:tgtEl>
+                                        <p:attrNameLst>
+                                          <p:attrName>ppt_h</p:attrName>
+                                        </p:attrNameLst>
+                                      </p:cBhvr>
+                                      <p:tavLst>
+                                        <p:tav tm="0">
+                                          <p:val>
+                                            <p:fltVal val="0"/>
+                                          </p:val>
+                                        </p:tav>
+                                        <p:tav tm="100000">
+                                          <p:val>
+                                            <p:strVal val="#ppt_h"/>
+                                          </p:val>
+                                        </p:tav>
+                                      </p:tavLst>
+                                    </p:anim>
+                                    <p:animEffect transition="in" filter="fade">
+                                      <p:cBhvr>
+                                        <p:cTn id="9" dur="500"/>
+                                        <p:tgtEl>
+                                          <p:spTgt spid="7"/>
+                                        </p:tgtEl>
+                                      </p:cBhvr>
+                                    </p:animEffect>
+                                  </p:childTnLst>
+                                </p:cTn>
+                              </p:par>
+                            </p:childTnLst>
+                          </p:cTn>
+                        </p:par>
+                      </p:childTnLst>
+                    </p:cTn>
+                  </p:par>
+                </p:childTnLst>
+              </p:cTn>
+              <p:prevCondLst>
+                <p:cond evt="onPrev" delay="0">
+                  <p:tgtEl>
+                    <p:sldTgt/>
+                  </p:tgtEl>
+                </p:cond>
+              </p:prevCondLst>
+              <p:nextCondLst>
+                <p:cond evt="onNext" delay="0">
+                  <p:tgtEl>
+                    <p:sldTgt/>
+                  </p:tgtEl>
+                </p:cond>
+              </p:nextCondLst>
+            </p:seq>
+          </p:childTnLst>
+        </p:cTn>
+      </p:par>
+    </p:tnLst>
+  </p:timing>
+</p:sld>
+</file>
+
+<file path=ppt/slides/slide58.xml><?xml version="1.0" encoding="utf-8"?>
+<p:sld xmlns:a="http://schemas.openxmlformats.org/drawingml/2006/main" xmlns:r="http://schemas.openxmlformats.org/officeDocument/2006/relationships" xmlns:p="http://schemas.openxmlformats.org/presentationml/2006/main">
+  <p:cSld>
+    <p:spTree>
+      <p:nvGrpSpPr>
+        <p:cNvPr id="1" name=""/>
+        <p:cNvGrpSpPr/>
+        <p:nvPr/>
+      </p:nvGrpSpPr>
+      <p:grpSpPr>
+        <a:xfrm>
+          <a:off x="0" y="0"/>
+          <a:ext cx="0" cy="0"/>
+          <a:chOff x="0" y="0"/>
+          <a:chExt cx="0" cy="0"/>
+        </a:xfrm>
+      </p:grpSpPr>
+      <p:sp>
+        <p:nvSpPr>
+          <p:cNvPr id="2" name="標題 1">
+            <a:extLst>
+              <a:ext uri="{FF2B5EF4-FFF2-40B4-BE49-F238E27FC236}">
+                <a16:creationId xmlns:a16="http://schemas.microsoft.com/office/drawing/2014/main" id="{4F4BEBE2-D32E-4CCB-B817-53CF4484524D}"/>
+              </a:ext>
+            </a:extLst>
+          </p:cNvPr>
+          <p:cNvSpPr>
+            <a:spLocks noGrp="1"/>
+          </p:cNvSpPr>
+          <p:nvPr>
+            <p:ph type="title"/>
+          </p:nvPr>
+        </p:nvSpPr>
+        <p:spPr/>
+        <p:txBody>
+          <a:bodyPr/>
+          <a:lstStyle/>
+          <a:p>
+            <a:r>
+              <a:rPr lang="zh-TW" altLang="en-US" cap="none" dirty="0">
+                <a:latin typeface="STHeiti TC" panose="02000000000000000000" pitchFamily="2" charset="-120"/>
+                <a:ea typeface="STHeiti TC" panose="02000000000000000000" pitchFamily="2" charset="-120"/>
+              </a:rPr>
+              <a:t>指標</a:t>
+            </a:r>
+            <a:r>
+              <a:rPr lang="en-US" altLang="zh-TW" cap="none" dirty="0">
+                <a:latin typeface="Consolas" panose="020B0609020204030204" pitchFamily="49" charset="0"/>
+              </a:rPr>
+              <a:t> &amp; </a:t>
+            </a:r>
+            <a:r>
+              <a:rPr lang="zh-TW" altLang="en-US" cap="none" dirty="0">
+                <a:latin typeface="STHeiti TC" panose="02000000000000000000" pitchFamily="2" charset="-120"/>
+                <a:ea typeface="STHeiti TC" panose="02000000000000000000" pitchFamily="2" charset="-120"/>
+              </a:rPr>
+              <a:t>函式</a:t>
+            </a:r>
+            <a:r>
+              <a:rPr lang="en-US" altLang="zh-TW" cap="none" dirty="0">
+                <a:latin typeface="Consolas" panose="020B0609020204030204" pitchFamily="49" charset="0"/>
+              </a:rPr>
+              <a:t> </a:t>
+            </a:r>
+            <a:r>
+              <a:rPr lang="zh-TW" altLang="en-US" cap="none" dirty="0">
+                <a:latin typeface="STHeiti TC" panose="02000000000000000000" pitchFamily="2" charset="-120"/>
+                <a:ea typeface="STHeiti TC" panose="02000000000000000000" pitchFamily="2" charset="-120"/>
+              </a:rPr>
+              <a:t>範例</a:t>
+            </a:r>
+            <a:endParaRPr lang="zh-TW" altLang="en-US" dirty="0"/>
+          </a:p>
+        </p:txBody>
+      </p:sp>
+      <p:pic>
+        <p:nvPicPr>
+          <p:cNvPr id="5" name="圖片 4">
+            <a:extLst>
+              <a:ext uri="{FF2B5EF4-FFF2-40B4-BE49-F238E27FC236}">
+                <a16:creationId xmlns:a16="http://schemas.microsoft.com/office/drawing/2014/main" id="{59C86C9B-29F7-4FF0-937E-152E6EE067FE}"/>
+              </a:ext>
+            </a:extLst>
+          </p:cNvPr>
+          <p:cNvPicPr>
+            <a:picLocks noChangeAspect="1"/>
+          </p:cNvPicPr>
+          <p:nvPr/>
+        </p:nvPicPr>
+        <p:blipFill>
+          <a:blip r:embed="rId2"/>
+          <a:stretch>
+            <a:fillRect/>
+          </a:stretch>
+        </p:blipFill>
+        <p:spPr>
+          <a:xfrm>
+            <a:off x="1141413" y="2248447"/>
+            <a:ext cx="4802187" cy="4189908"/>
+          </a:xfrm>
+          <a:prstGeom prst="rect">
+            <a:avLst/>
+          </a:prstGeom>
+        </p:spPr>
+      </p:pic>
+      <p:pic>
+        <p:nvPicPr>
+          <p:cNvPr id="6" name="圖片 5">
+            <a:extLst>
+              <a:ext uri="{FF2B5EF4-FFF2-40B4-BE49-F238E27FC236}">
+                <a16:creationId xmlns:a16="http://schemas.microsoft.com/office/drawing/2014/main" id="{791037D6-471E-4BEA-8232-286C344F0B05}"/>
+              </a:ext>
+            </a:extLst>
+          </p:cNvPr>
+          <p:cNvPicPr>
+            <a:picLocks noChangeAspect="1"/>
+          </p:cNvPicPr>
+          <p:nvPr/>
+        </p:nvPicPr>
+        <p:blipFill>
+          <a:blip r:embed="rId3"/>
+          <a:stretch>
+            <a:fillRect/>
+          </a:stretch>
+        </p:blipFill>
+        <p:spPr>
+          <a:xfrm>
+            <a:off x="6096000" y="3998883"/>
+            <a:ext cx="6021572" cy="689035"/>
+          </a:xfrm>
+          <a:prstGeom prst="rect">
+            <a:avLst/>
+          </a:prstGeom>
+        </p:spPr>
+      </p:pic>
+    </p:spTree>
+    <p:extLst>
+      <p:ext uri="{BB962C8B-B14F-4D97-AF65-F5344CB8AC3E}">
+        <p14:creationId xmlns:p14="http://schemas.microsoft.com/office/powerpoint/2010/main" val="192552324"/>
+      </p:ext>
+    </p:extLst>
+  </p:cSld>
+  <p:clrMapOvr>
+    <a:masterClrMapping/>
+  </p:clrMapOvr>
+  <mc:AlternateContent xmlns:mc="http://schemas.openxmlformats.org/markup-compatibility/2006" xmlns:p159="http://schemas.microsoft.com/office/powerpoint/2015/09/main">
+    <mc:Choice Requires="p159">
+      <p:transition spd="slow">
+        <p159:morph option="byChar"/>
+      </p:transition>
+    </mc:Choice>
+    <mc:Fallback xmlns="">
+      <p:transition spd="slow">
+        <p:fade/>
+      </p:transition>
+    </mc:Fallback>
+  </mc:AlternateContent>
+  <p:timing>
+    <p:tnLst>
+      <p:par>
+        <p:cTn id="1" dur="indefinite" restart="never" nodeType="tmRoot">
+          <p:childTnLst>
+            <p:seq concurrent="1" nextAc="seek">
+              <p:cTn id="2" dur="indefinite" nodeType="mainSeq">
+                <p:childTnLst>
+                  <p:par>
+                    <p:cTn id="3" fill="hold">
+                      <p:stCondLst>
+                        <p:cond delay="indefinite"/>
+                      </p:stCondLst>
+                      <p:childTnLst>
+                        <p:par>
+                          <p:cTn id="4" fill="hold">
+                            <p:stCondLst>
+                              <p:cond delay="0"/>
+                            </p:stCondLst>
+                            <p:childTnLst>
+                              <p:par>
+                                <p:cTn id="5" presetID="53" presetClass="entr" presetSubtype="16" fill="hold" nodeType="clickEffect">
+                                  <p:stCondLst>
+                                    <p:cond delay="0"/>
+                                  </p:stCondLst>
+                                  <p:childTnLst>
+                                    <p:set>
+                                      <p:cBhvr>
+                                        <p:cTn id="6" dur="1" fill="hold">
+                                          <p:stCondLst>
+                                            <p:cond delay="0"/>
+                                          </p:stCondLst>
+                                        </p:cTn>
+                                        <p:tgtEl>
+                                          <p:spTgt spid="6"/>
+                                        </p:tgtEl>
+                                        <p:attrNameLst>
+                                          <p:attrName>style.visibility</p:attrName>
+                                        </p:attrNameLst>
+                                      </p:cBhvr>
+                                      <p:to>
+                                        <p:strVal val="visible"/>
+                                      </p:to>
+                                    </p:set>
+                                    <p:anim calcmode="lin" valueType="num">
+                                      <p:cBhvr>
+                                        <p:cTn id="7" dur="500" fill="hold"/>
+                                        <p:tgtEl>
+                                          <p:spTgt spid="6"/>
+                                        </p:tgtEl>
+                                        <p:attrNameLst>
+                                          <p:attrName>ppt_w</p:attrName>
+                                        </p:attrNameLst>
+                                      </p:cBhvr>
+                                      <p:tavLst>
+                                        <p:tav tm="0">
+                                          <p:val>
+                                            <p:fltVal val="0"/>
+                                          </p:val>
+                                        </p:tav>
+                                        <p:tav tm="100000">
+                                          <p:val>
+                                            <p:strVal val="#ppt_w"/>
+                                          </p:val>
+                                        </p:tav>
+                                      </p:tavLst>
+                                    </p:anim>
+                                    <p:anim calcmode="lin" valueType="num">
+                                      <p:cBhvr>
+                                        <p:cTn id="8" dur="500" fill="hold"/>
+                                        <p:tgtEl>
+                                          <p:spTgt spid="6"/>
+                                        </p:tgtEl>
+                                        <p:attrNameLst>
+                                          <p:attrName>ppt_h</p:attrName>
+                                        </p:attrNameLst>
+                                      </p:cBhvr>
+                                      <p:tavLst>
+                                        <p:tav tm="0">
+                                          <p:val>
+                                            <p:fltVal val="0"/>
+                                          </p:val>
+                                        </p:tav>
+                                        <p:tav tm="100000">
+                                          <p:val>
+                                            <p:strVal val="#ppt_h"/>
+                                          </p:val>
+                                        </p:tav>
+                                      </p:tavLst>
+                                    </p:anim>
+                                    <p:animEffect transition="in" filter="fade">
+                                      <p:cBhvr>
+                                        <p:cTn id="9" dur="500"/>
+                                        <p:tgtEl>
+                                          <p:spTgt spid="6"/>
+                                        </p:tgtEl>
+                                      </p:cBhvr>
+                                    </p:animEffect>
+                                  </p:childTnLst>
+                                </p:cTn>
+                              </p:par>
+                            </p:childTnLst>
+                          </p:cTn>
+                        </p:par>
+                      </p:childTnLst>
+                    </p:cTn>
+                  </p:par>
+                </p:childTnLst>
+              </p:cTn>
+              <p:prevCondLst>
+                <p:cond evt="onPrev" delay="0">
+                  <p:tgtEl>
+                    <p:sldTgt/>
+                  </p:tgtEl>
+                </p:cond>
+              </p:prevCondLst>
+              <p:nextCondLst>
+                <p:cond evt="onNext" delay="0">
+                  <p:tgtEl>
+                    <p:sldTgt/>
+                  </p:tgtEl>
+                </p:cond>
+              </p:nextCondLst>
+            </p:seq>
+          </p:childTnLst>
+        </p:cTn>
+      </p:par>
+    </p:tnLst>
+  </p:timing>
+</p:sld>
+</file>
+
+<file path=ppt/slides/slide59.xml><?xml version="1.0" encoding="utf-8"?>
+<p:sld xmlns:a="http://schemas.openxmlformats.org/drawingml/2006/main" xmlns:r="http://schemas.openxmlformats.org/officeDocument/2006/relationships" xmlns:p="http://schemas.openxmlformats.org/presentationml/2006/main">
+  <p:cSld>
+    <p:spTree>
+      <p:nvGrpSpPr>
+        <p:cNvPr id="1" name=""/>
+        <p:cNvGrpSpPr/>
+        <p:nvPr/>
+      </p:nvGrpSpPr>
+      <p:grpSpPr>
+        <a:xfrm>
+          <a:off x="0" y="0"/>
+          <a:ext cx="0" cy="0"/>
+          <a:chOff x="0" y="0"/>
+          <a:chExt cx="0" cy="0"/>
+        </a:xfrm>
+      </p:grpSpPr>
+      <p:sp>
+        <p:nvSpPr>
+          <p:cNvPr id="2" name="標題 1">
+            <a:extLst>
+              <a:ext uri="{FF2B5EF4-FFF2-40B4-BE49-F238E27FC236}">
+                <a16:creationId xmlns:a16="http://schemas.microsoft.com/office/drawing/2014/main" id="{D92D452F-F9C6-4BCB-9039-202188DD51AE}"/>
+              </a:ext>
+            </a:extLst>
+          </p:cNvPr>
+          <p:cNvSpPr>
+            <a:spLocks noGrp="1"/>
+          </p:cNvSpPr>
+          <p:nvPr>
+            <p:ph type="title"/>
+          </p:nvPr>
+        </p:nvSpPr>
+        <p:spPr/>
+        <p:txBody>
+          <a:bodyPr/>
+          <a:lstStyle/>
+          <a:p>
+            <a:r>
+              <a:rPr lang="zh-TW" altLang="en-US" cap="none" dirty="0">
+                <a:latin typeface="STHeiti TC" panose="02000000000000000000" pitchFamily="2" charset="-120"/>
+                <a:ea typeface="STHeiti TC" panose="02000000000000000000" pitchFamily="2" charset="-120"/>
+              </a:rPr>
+              <a:t>指標</a:t>
+            </a:r>
+            <a:r>
+              <a:rPr lang="en-US" altLang="zh-TW" cap="none" dirty="0">
+                <a:latin typeface="Consolas" panose="020B0609020204030204" pitchFamily="49" charset="0"/>
+              </a:rPr>
+              <a:t> &amp; </a:t>
+            </a:r>
+            <a:r>
+              <a:rPr lang="zh-TW" altLang="en-US" cap="none" dirty="0">
+                <a:latin typeface="STHeiti TC" panose="02000000000000000000" pitchFamily="2" charset="-120"/>
+                <a:ea typeface="STHeiti TC" panose="02000000000000000000" pitchFamily="2" charset="-120"/>
+              </a:rPr>
+              <a:t>函式</a:t>
+            </a:r>
+            <a:r>
+              <a:rPr lang="en-US" altLang="zh-TW" cap="none" dirty="0">
+                <a:latin typeface="Consolas" panose="020B0609020204030204" pitchFamily="49" charset="0"/>
+              </a:rPr>
+              <a:t> </a:t>
+            </a:r>
+            <a:r>
+              <a:rPr lang="zh-TW" altLang="en-US" cap="none" dirty="0">
+                <a:latin typeface="STHeiti TC" panose="02000000000000000000" pitchFamily="2" charset="-120"/>
+                <a:ea typeface="STHeiti TC" panose="02000000000000000000" pitchFamily="2" charset="-120"/>
+              </a:rPr>
+              <a:t>範例</a:t>
+            </a:r>
+            <a:endParaRPr lang="zh-TW" altLang="en-US" dirty="0"/>
+          </a:p>
+        </p:txBody>
+      </p:sp>
+      <p:pic>
+        <p:nvPicPr>
+          <p:cNvPr id="7" name="圖片 6">
+            <a:extLst>
+              <a:ext uri="{FF2B5EF4-FFF2-40B4-BE49-F238E27FC236}">
+                <a16:creationId xmlns:a16="http://schemas.microsoft.com/office/drawing/2014/main" id="{09F504D8-47BF-411F-B650-80D015FAC9A0}"/>
+              </a:ext>
+            </a:extLst>
+          </p:cNvPr>
+          <p:cNvPicPr>
+            <a:picLocks noChangeAspect="1"/>
+          </p:cNvPicPr>
+          <p:nvPr/>
+        </p:nvPicPr>
+        <p:blipFill>
+          <a:blip r:embed="rId2"/>
+          <a:stretch>
+            <a:fillRect/>
+          </a:stretch>
+        </p:blipFill>
+        <p:spPr>
+          <a:xfrm>
+            <a:off x="1141413" y="2233607"/>
+            <a:ext cx="3959976" cy="4357109"/>
+          </a:xfrm>
+          <a:prstGeom prst="rect">
+            <a:avLst/>
+          </a:prstGeom>
+        </p:spPr>
+      </p:pic>
+      <p:pic>
+        <p:nvPicPr>
+          <p:cNvPr id="8" name="圖片 7">
+            <a:extLst>
+              <a:ext uri="{FF2B5EF4-FFF2-40B4-BE49-F238E27FC236}">
+                <a16:creationId xmlns:a16="http://schemas.microsoft.com/office/drawing/2014/main" id="{AC102D70-B3F8-4DF7-96FA-D8A53EDA1D82}"/>
+              </a:ext>
+            </a:extLst>
+          </p:cNvPr>
+          <p:cNvPicPr>
+            <a:picLocks noChangeAspect="1"/>
+          </p:cNvPicPr>
+          <p:nvPr/>
+        </p:nvPicPr>
+        <p:blipFill>
+          <a:blip r:embed="rId3"/>
+          <a:stretch>
+            <a:fillRect/>
+          </a:stretch>
+        </p:blipFill>
+        <p:spPr>
+          <a:xfrm>
+            <a:off x="5518484" y="4067643"/>
+            <a:ext cx="6021572" cy="689035"/>
+          </a:xfrm>
+          <a:prstGeom prst="rect">
+            <a:avLst/>
+          </a:prstGeom>
+        </p:spPr>
+      </p:pic>
+    </p:spTree>
+    <p:extLst>
+      <p:ext uri="{BB962C8B-B14F-4D97-AF65-F5344CB8AC3E}">
+        <p14:creationId xmlns:p14="http://schemas.microsoft.com/office/powerpoint/2010/main" val="1414329666"/>
+      </p:ext>
+    </p:extLst>
+  </p:cSld>
+  <p:clrMapOvr>
+    <a:masterClrMapping/>
+  </p:clrMapOvr>
+  <mc:AlternateContent xmlns:mc="http://schemas.openxmlformats.org/markup-compatibility/2006" xmlns:p159="http://schemas.microsoft.com/office/powerpoint/2015/09/main">
+    <mc:Choice Requires="p159">
+      <p:transition spd="slow">
+        <p159:morph option="byChar"/>
+      </p:transition>
+    </mc:Choice>
+    <mc:Fallback xmlns="">
+      <p:transition spd="slow">
+        <p:fade/>
+      </p:transition>
+    </mc:Fallback>
+  </mc:AlternateContent>
+  <p:timing>
+    <p:tnLst>
+      <p:par>
+        <p:cTn id="1" dur="indefinite" restart="never" nodeType="tmRoot">
+          <p:childTnLst>
+            <p:seq concurrent="1" nextAc="seek">
+              <p:cTn id="2" dur="indefinite" nodeType="mainSeq">
+                <p:childTnLst>
+                  <p:par>
+                    <p:cTn id="3" fill="hold">
+                      <p:stCondLst>
+                        <p:cond delay="indefinite"/>
+                      </p:stCondLst>
+                      <p:childTnLst>
+                        <p:par>
+                          <p:cTn id="4" fill="hold">
+                            <p:stCondLst>
+                              <p:cond delay="0"/>
+                            </p:stCondLst>
+                            <p:childTnLst>
+                              <p:par>
+                                <p:cTn id="5" presetID="53" presetClass="entr" presetSubtype="16" fill="hold" nodeType="clickEffect">
+                                  <p:stCondLst>
+                                    <p:cond delay="0"/>
+                                  </p:stCondLst>
+                                  <p:childTnLst>
+                                    <p:set>
+                                      <p:cBhvr>
+                                        <p:cTn id="6" dur="1" fill="hold">
+                                          <p:stCondLst>
+                                            <p:cond delay="0"/>
+                                          </p:stCondLst>
+                                        </p:cTn>
+                                        <p:tgtEl>
+                                          <p:spTgt spid="8"/>
+                                        </p:tgtEl>
+                                        <p:attrNameLst>
+                                          <p:attrName>style.visibility</p:attrName>
+                                        </p:attrNameLst>
+                                      </p:cBhvr>
+                                      <p:to>
+                                        <p:strVal val="visible"/>
+                                      </p:to>
+                                    </p:set>
+                                    <p:anim calcmode="lin" valueType="num">
+                                      <p:cBhvr>
+                                        <p:cTn id="7" dur="500" fill="hold"/>
+                                        <p:tgtEl>
+                                          <p:spTgt spid="8"/>
+                                        </p:tgtEl>
+                                        <p:attrNameLst>
+                                          <p:attrName>ppt_w</p:attrName>
+                                        </p:attrNameLst>
+                                      </p:cBhvr>
+                                      <p:tavLst>
+                                        <p:tav tm="0">
+                                          <p:val>
+                                            <p:fltVal val="0"/>
+                                          </p:val>
+                                        </p:tav>
+                                        <p:tav tm="100000">
+                                          <p:val>
+                                            <p:strVal val="#ppt_w"/>
+                                          </p:val>
+                                        </p:tav>
+                                      </p:tavLst>
+                                    </p:anim>
+                                    <p:anim calcmode="lin" valueType="num">
+                                      <p:cBhvr>
+                                        <p:cTn id="8" dur="500" fill="hold"/>
+                                        <p:tgtEl>
+                                          <p:spTgt spid="8"/>
+                                        </p:tgtEl>
+                                        <p:attrNameLst>
+                                          <p:attrName>ppt_h</p:attrName>
+                                        </p:attrNameLst>
+                                      </p:cBhvr>
+                                      <p:tavLst>
+                                        <p:tav tm="0">
+                                          <p:val>
+                                            <p:fltVal val="0"/>
+                                          </p:val>
+                                        </p:tav>
+                                        <p:tav tm="100000">
+                                          <p:val>
+                                            <p:strVal val="#ppt_h"/>
+                                          </p:val>
+                                        </p:tav>
+                                      </p:tavLst>
+                                    </p:anim>
+                                    <p:animEffect transition="in" filter="fade">
+                                      <p:cBhvr>
+                                        <p:cTn id="9" dur="500"/>
+                                        <p:tgtEl>
+                                          <p:spTgt spid="8"/>
+                                        </p:tgtEl>
+                                      </p:cBhvr>
+                                    </p:animEffect>
+                                  </p:childTnLst>
+                                </p:cTn>
+                              </p:par>
+                            </p:childTnLst>
+                          </p:cTn>
+                        </p:par>
+                      </p:childTnLst>
+                    </p:cTn>
+                  </p:par>
+                </p:childTnLst>
+              </p:cTn>
+              <p:prevCondLst>
+                <p:cond evt="onPrev" delay="0">
+                  <p:tgtEl>
+                    <p:sldTgt/>
+                  </p:tgtEl>
+                </p:cond>
+              </p:prevCondLst>
+              <p:nextCondLst>
+                <p:cond evt="onNext" delay="0">
+                  <p:tgtEl>
+                    <p:sldTgt/>
+                  </p:tgtEl>
+                </p:cond>
+              </p:nextCondLst>
+            </p:seq>
+          </p:childTnLst>
+        </p:cTn>
+      </p:par>
+    </p:tnLst>
+  </p:timing>
+</p:sld>
+</file>
+
+<file path=ppt/slides/slide6.xml><?xml version="1.0" encoding="utf-8"?>
+<p:sld xmlns:a="http://schemas.openxmlformats.org/drawingml/2006/main" xmlns:r="http://schemas.openxmlformats.org/officeDocument/2006/relationships" xmlns:p="http://schemas.openxmlformats.org/presentationml/2006/main">
+  <p:cSld>
+    <p:spTree>
+      <p:nvGrpSpPr>
+        <p:cNvPr id="1" name=""/>
+        <p:cNvGrpSpPr/>
+        <p:nvPr/>
+      </p:nvGrpSpPr>
+      <p:grpSpPr>
+        <a:xfrm>
+          <a:off x="0" y="0"/>
+          <a:ext cx="0" cy="0"/>
+          <a:chOff x="0" y="0"/>
+          <a:chExt cx="0" cy="0"/>
+        </a:xfrm>
+      </p:grpSpPr>
+      <p:sp>
+        <p:nvSpPr>
+          <p:cNvPr id="2" name="標題 1">
+            <a:extLst>
+              <a:ext uri="{FF2B5EF4-FFF2-40B4-BE49-F238E27FC236}">
+                <a16:creationId xmlns:a16="http://schemas.microsoft.com/office/drawing/2014/main" id="{1D0E7EF7-BCA6-469B-B0A4-D5C04590FB24}"/>
+              </a:ext>
+            </a:extLst>
+          </p:cNvPr>
+          <p:cNvSpPr>
+            <a:spLocks noGrp="1"/>
+          </p:cNvSpPr>
+          <p:nvPr>
+            <p:ph type="title"/>
+          </p:nvPr>
+        </p:nvSpPr>
+        <p:spPr/>
+        <p:txBody>
+          <a:bodyPr/>
+          <a:lstStyle/>
+          <a:p>
+            <a:r>
+              <a:rPr lang="en-US" altLang="zh-TW" cap="none" dirty="0">
+                <a:latin typeface="Consolas" panose="020B0609020204030204" pitchFamily="49" charset="0"/>
+              </a:rPr>
+              <a:t>While </a:t>
+            </a:r>
+            <a:r>
+              <a:rPr lang="zh-TW" altLang="en-US" cap="none" dirty="0">
+                <a:latin typeface="STHeiti TC" panose="02000000000000000000" pitchFamily="2" charset="-120"/>
+                <a:ea typeface="STHeiti TC" panose="02000000000000000000" pitchFamily="2" charset="-120"/>
+              </a:rPr>
+              <a:t>迴圈</a:t>
+            </a:r>
+            <a:r>
+              <a:rPr lang="en-US" altLang="zh-TW" cap="none" dirty="0">
+                <a:latin typeface="Consolas" panose="020B0609020204030204" pitchFamily="49" charset="0"/>
+                <a:ea typeface="STHeiti TC" panose="02000000000000000000" pitchFamily="2" charset="-120"/>
+              </a:rPr>
+              <a:t> – </a:t>
+            </a:r>
+            <a:r>
+              <a:rPr lang="zh-TW" altLang="en-US" cap="none" dirty="0">
+                <a:latin typeface="STHeiti TC" panose="02000000000000000000" pitchFamily="2" charset="-120"/>
+                <a:ea typeface="STHeiti TC" panose="02000000000000000000" pitchFamily="2" charset="-120"/>
+              </a:rPr>
+              <a:t>範例</a:t>
+            </a:r>
+            <a:endParaRPr lang="zh-TW" altLang="en-US" dirty="0">
+              <a:latin typeface="STHeiti TC" panose="02000000000000000000" pitchFamily="2" charset="-120"/>
+              <a:ea typeface="STHeiti TC" panose="02000000000000000000" pitchFamily="2" charset="-120"/>
+            </a:endParaRPr>
+          </a:p>
+        </p:txBody>
+      </p:sp>
+      <p:pic>
+        <p:nvPicPr>
+          <p:cNvPr id="5" name="圖片 4">
+            <a:extLst>
+              <a:ext uri="{FF2B5EF4-FFF2-40B4-BE49-F238E27FC236}">
+                <a16:creationId xmlns:a16="http://schemas.microsoft.com/office/drawing/2014/main" id="{2A2B67C6-0EC3-4B1C-84DB-5F6D79F0EAC8}"/>
+              </a:ext>
+            </a:extLst>
+          </p:cNvPr>
+          <p:cNvPicPr>
+            <a:picLocks noChangeAspect="1"/>
+          </p:cNvPicPr>
+          <p:nvPr/>
+        </p:nvPicPr>
+        <p:blipFill>
+          <a:blip r:embed="rId2"/>
+          <a:stretch>
+            <a:fillRect/>
+          </a:stretch>
+        </p:blipFill>
+        <p:spPr>
+          <a:xfrm>
+            <a:off x="1141413" y="2340055"/>
+            <a:ext cx="4561555" cy="3460911"/>
+          </a:xfrm>
+          <a:prstGeom prst="rect">
+            <a:avLst/>
+          </a:prstGeom>
+        </p:spPr>
+      </p:pic>
+      <p:grpSp>
+        <p:nvGrpSpPr>
+          <p:cNvPr id="6" name="群組 5">
+            <a:extLst>
+              <a:ext uri="{FF2B5EF4-FFF2-40B4-BE49-F238E27FC236}">
+                <a16:creationId xmlns:a16="http://schemas.microsoft.com/office/drawing/2014/main" id="{7BE2C85E-D9CF-4AD6-B687-D199A93CCD32}"/>
+              </a:ext>
+            </a:extLst>
+          </p:cNvPr>
+          <p:cNvGrpSpPr/>
+          <p:nvPr/>
+        </p:nvGrpSpPr>
+        <p:grpSpPr>
+          <a:xfrm>
+            <a:off x="6900527" y="1183107"/>
+            <a:ext cx="1656011" cy="1323472"/>
+            <a:chOff x="9683833" y="1191128"/>
+            <a:chExt cx="1656011" cy="1323472"/>
+          </a:xfrm>
+        </p:grpSpPr>
+        <p:grpSp>
+          <p:nvGrpSpPr>
+            <p:cNvPr id="7" name="群組 6">
+              <a:extLst>
+                <a:ext uri="{FF2B5EF4-FFF2-40B4-BE49-F238E27FC236}">
+                  <a16:creationId xmlns:a16="http://schemas.microsoft.com/office/drawing/2014/main" id="{5992D52E-64EC-458E-A6BB-E203ABA774EB}"/>
+                </a:ext>
+              </a:extLst>
+            </p:cNvPr>
+            <p:cNvGrpSpPr/>
+            <p:nvPr/>
+          </p:nvGrpSpPr>
+          <p:grpSpPr>
+            <a:xfrm>
+              <a:off x="9683833" y="1191128"/>
+              <a:ext cx="1435768" cy="1323472"/>
+              <a:chOff x="9683833" y="1191128"/>
+              <a:chExt cx="1435768" cy="1323472"/>
+            </a:xfrm>
+          </p:grpSpPr>
+          <p:sp>
+            <p:nvSpPr>
+              <p:cNvPr id="9" name="矩形: 圓角 8">
+                <a:extLst>
+                  <a:ext uri="{FF2B5EF4-FFF2-40B4-BE49-F238E27FC236}">
+                    <a16:creationId xmlns:a16="http://schemas.microsoft.com/office/drawing/2014/main" id="{ACE07E87-0102-4BC1-9488-4C0F2D9D5D43}"/>
+                  </a:ext>
+                </a:extLst>
+              </p:cNvPr>
+              <p:cNvSpPr/>
+              <p:nvPr/>
+            </p:nvSpPr>
+            <p:spPr>
+              <a:xfrm>
+                <a:off x="9683833" y="1712495"/>
+                <a:ext cx="1435768" cy="802105"/>
+              </a:xfrm>
+              <a:prstGeom prst="roundRect">
+                <a:avLst/>
+              </a:prstGeom>
+            </p:spPr>
+            <p:style>
+              <a:lnRef idx="2">
+                <a:schemeClr val="accent1">
+                  <a:shade val="50000"/>
+                </a:schemeClr>
+              </a:lnRef>
+              <a:fillRef idx="1">
+                <a:schemeClr val="accent1"/>
+              </a:fillRef>
+              <a:effectRef idx="0">
+                <a:schemeClr val="accent1"/>
+              </a:effectRef>
+              <a:fontRef idx="minor">
+                <a:schemeClr val="lt1"/>
+              </a:fontRef>
+            </p:style>
+            <p:txBody>
+              <a:bodyPr rtlCol="0" anchor="ctr"/>
+              <a:lstStyle/>
+              <a:p>
+                <a:pPr algn="ctr"/>
+                <a:r>
+                  <a:rPr lang="en-US" altLang="zh-TW" dirty="0" err="1">
+                    <a:latin typeface="Consolas" panose="020B0609020204030204" pitchFamily="49" charset="0"/>
+                  </a:rPr>
+                  <a:t>i</a:t>
+                </a:r>
+                <a:r>
+                  <a:rPr lang="en-US" altLang="zh-TW" dirty="0">
+                    <a:latin typeface="Consolas" panose="020B0609020204030204" pitchFamily="49" charset="0"/>
+                  </a:rPr>
+                  <a:t> = 1</a:t>
+                </a:r>
+                <a:endParaRPr lang="zh-TW" altLang="en-US" dirty="0">
+                  <a:latin typeface="Consolas" panose="020B0609020204030204" pitchFamily="49" charset="0"/>
+                </a:endParaRPr>
+              </a:p>
+            </p:txBody>
+          </p:sp>
+          <p:sp>
+            <p:nvSpPr>
+              <p:cNvPr id="10" name="箭號: 向下 9">
+                <a:extLst>
+                  <a:ext uri="{FF2B5EF4-FFF2-40B4-BE49-F238E27FC236}">
+                    <a16:creationId xmlns:a16="http://schemas.microsoft.com/office/drawing/2014/main" id="{471F0D9E-14F4-4261-ACB7-6967B88F22BB}"/>
+                  </a:ext>
+                </a:extLst>
+              </p:cNvPr>
+              <p:cNvSpPr/>
+              <p:nvPr/>
+            </p:nvSpPr>
+            <p:spPr>
+              <a:xfrm>
+                <a:off x="10309475" y="1191128"/>
+                <a:ext cx="184484" cy="513346"/>
+              </a:xfrm>
+              <a:prstGeom prst="downArrow">
+                <a:avLst/>
+              </a:prstGeom>
+            </p:spPr>
+            <p:style>
+              <a:lnRef idx="2">
+                <a:schemeClr val="accent1">
+                  <a:shade val="50000"/>
+                </a:schemeClr>
+              </a:lnRef>
+              <a:fillRef idx="1">
+                <a:schemeClr val="accent1"/>
+              </a:fillRef>
+              <a:effectRef idx="0">
+                <a:schemeClr val="accent1"/>
+              </a:effectRef>
+              <a:fontRef idx="minor">
+                <a:schemeClr val="lt1"/>
+              </a:fontRef>
+            </p:style>
+            <p:txBody>
+              <a:bodyPr rtlCol="0" anchor="ctr"/>
+              <a:lstStyle/>
+              <a:p>
+                <a:pPr algn="ctr"/>
+                <a:endParaRPr lang="zh-TW" altLang="en-US" dirty="0"/>
+              </a:p>
+            </p:txBody>
+          </p:sp>
+        </p:grpSp>
+        <p:sp>
+          <p:nvSpPr>
+            <p:cNvPr id="8" name="文字方塊 7">
+              <a:extLst>
+                <a:ext uri="{FF2B5EF4-FFF2-40B4-BE49-F238E27FC236}">
+                  <a16:creationId xmlns:a16="http://schemas.microsoft.com/office/drawing/2014/main" id="{052AB989-6BB6-4B22-90C6-09205C7C49E0}"/>
+                </a:ext>
+              </a:extLst>
+            </p:cNvPr>
+            <p:cNvSpPr txBox="1"/>
+            <p:nvPr/>
+          </p:nvSpPr>
+          <p:spPr>
+            <a:xfrm>
+              <a:off x="10775266" y="1266782"/>
+              <a:ext cx="564578" cy="369332"/>
+            </a:xfrm>
+            <a:prstGeom prst="rect">
+              <a:avLst/>
+            </a:prstGeom>
+            <a:noFill/>
+          </p:spPr>
+          <p:txBody>
+            <a:bodyPr wrap="none" rtlCol="0">
+              <a:spAutoFit/>
+            </a:bodyPr>
+            <a:lstStyle/>
+            <a:p>
+              <a:r>
+                <a:rPr lang="en-US" altLang="zh-TW" dirty="0" err="1">
+                  <a:latin typeface="Consolas" panose="020B0609020204030204" pitchFamily="49" charset="0"/>
+                </a:rPr>
+                <a:t>i</a:t>
+              </a:r>
+              <a:r>
+                <a:rPr lang="en-US" altLang="zh-TW" dirty="0">
+                  <a:latin typeface="Consolas" panose="020B0609020204030204" pitchFamily="49" charset="0"/>
+                </a:rPr>
+                <a:t>++</a:t>
+              </a:r>
+              <a:endParaRPr lang="zh-TW" altLang="en-US" dirty="0">
+                <a:latin typeface="Consolas" panose="020B0609020204030204" pitchFamily="49" charset="0"/>
+              </a:endParaRPr>
+            </a:p>
+          </p:txBody>
+        </p:sp>
+      </p:grpSp>
+      <p:grpSp>
+        <p:nvGrpSpPr>
+          <p:cNvPr id="11" name="群組 10">
+            <a:extLst>
+              <a:ext uri="{FF2B5EF4-FFF2-40B4-BE49-F238E27FC236}">
+                <a16:creationId xmlns:a16="http://schemas.microsoft.com/office/drawing/2014/main" id="{987E1A93-8413-4BA2-A677-DB6F7D531D94}"/>
+              </a:ext>
+            </a:extLst>
+          </p:cNvPr>
+          <p:cNvGrpSpPr/>
+          <p:nvPr/>
+        </p:nvGrpSpPr>
+        <p:grpSpPr>
+          <a:xfrm>
+            <a:off x="6814080" y="2506578"/>
+            <a:ext cx="1742458" cy="1315452"/>
+            <a:chOff x="9683833" y="2514600"/>
+            <a:chExt cx="1742458" cy="1315452"/>
+          </a:xfrm>
+        </p:grpSpPr>
+        <p:grpSp>
+          <p:nvGrpSpPr>
+            <p:cNvPr id="12" name="群組 11">
+              <a:extLst>
+                <a:ext uri="{FF2B5EF4-FFF2-40B4-BE49-F238E27FC236}">
+                  <a16:creationId xmlns:a16="http://schemas.microsoft.com/office/drawing/2014/main" id="{4571E7C2-D12F-4123-A001-94481A050A62}"/>
+                </a:ext>
+              </a:extLst>
+            </p:cNvPr>
+            <p:cNvGrpSpPr/>
+            <p:nvPr/>
+          </p:nvGrpSpPr>
+          <p:grpSpPr>
+            <a:xfrm>
+              <a:off x="9683833" y="2514600"/>
+              <a:ext cx="1435768" cy="1315452"/>
+              <a:chOff x="9683833" y="2514600"/>
+              <a:chExt cx="1435768" cy="1315452"/>
+            </a:xfrm>
+          </p:grpSpPr>
+          <p:sp>
+            <p:nvSpPr>
+              <p:cNvPr id="14" name="矩形: 圓角 13">
+                <a:extLst>
+                  <a:ext uri="{FF2B5EF4-FFF2-40B4-BE49-F238E27FC236}">
+                    <a16:creationId xmlns:a16="http://schemas.microsoft.com/office/drawing/2014/main" id="{5A5A1344-69F5-42B9-8150-E517E226D2DE}"/>
+                  </a:ext>
+                </a:extLst>
+              </p:cNvPr>
+              <p:cNvSpPr/>
+              <p:nvPr/>
+            </p:nvSpPr>
+            <p:spPr>
+              <a:xfrm>
+                <a:off x="9683833" y="3027947"/>
+                <a:ext cx="1435768" cy="802105"/>
+              </a:xfrm>
+              <a:prstGeom prst="roundRect">
+                <a:avLst/>
+              </a:prstGeom>
+            </p:spPr>
+            <p:style>
+              <a:lnRef idx="2">
+                <a:schemeClr val="accent1">
+                  <a:shade val="50000"/>
+                </a:schemeClr>
+              </a:lnRef>
+              <a:fillRef idx="1">
+                <a:schemeClr val="accent1"/>
+              </a:fillRef>
+              <a:effectRef idx="0">
+                <a:schemeClr val="accent1"/>
+              </a:effectRef>
+              <a:fontRef idx="minor">
+                <a:schemeClr val="lt1"/>
+              </a:fontRef>
+            </p:style>
+            <p:txBody>
+              <a:bodyPr rtlCol="0" anchor="ctr"/>
+              <a:lstStyle/>
+              <a:p>
+                <a:pPr algn="ctr"/>
+                <a:r>
+                  <a:rPr lang="en-US" altLang="zh-TW" dirty="0">
+                    <a:latin typeface="Consolas" panose="020B0609020204030204" pitchFamily="49" charset="0"/>
+                  </a:rPr>
+                  <a:t>i = 2</a:t>
+                </a:r>
+                <a:endParaRPr lang="zh-TW" altLang="en-US" dirty="0">
+                  <a:latin typeface="Consolas" panose="020B0609020204030204" pitchFamily="49" charset="0"/>
+                </a:endParaRPr>
+              </a:p>
+            </p:txBody>
+          </p:sp>
+          <p:sp>
+            <p:nvSpPr>
+              <p:cNvPr id="15" name="箭號: 向下 14">
+                <a:extLst>
+                  <a:ext uri="{FF2B5EF4-FFF2-40B4-BE49-F238E27FC236}">
+                    <a16:creationId xmlns:a16="http://schemas.microsoft.com/office/drawing/2014/main" id="{AE6E5C11-1625-4A5B-9E7E-6132D8506B7B}"/>
+                  </a:ext>
+                </a:extLst>
+              </p:cNvPr>
+              <p:cNvSpPr/>
+              <p:nvPr/>
+            </p:nvSpPr>
+            <p:spPr>
+              <a:xfrm>
+                <a:off x="10395922" y="2514600"/>
+                <a:ext cx="184484" cy="513346"/>
+              </a:xfrm>
+              <a:prstGeom prst="downArrow">
+                <a:avLst/>
+              </a:prstGeom>
+            </p:spPr>
+            <p:style>
+              <a:lnRef idx="2">
+                <a:schemeClr val="accent1">
+                  <a:shade val="50000"/>
+                </a:schemeClr>
+              </a:lnRef>
+              <a:fillRef idx="1">
+                <a:schemeClr val="accent1"/>
+              </a:fillRef>
+              <a:effectRef idx="0">
+                <a:schemeClr val="accent1"/>
+              </a:effectRef>
+              <a:fontRef idx="minor">
+                <a:schemeClr val="lt1"/>
+              </a:fontRef>
+            </p:style>
+            <p:txBody>
+              <a:bodyPr rtlCol="0" anchor="ctr"/>
+              <a:lstStyle/>
+              <a:p>
+                <a:pPr algn="ctr"/>
+                <a:endParaRPr lang="zh-TW" altLang="en-US"/>
+              </a:p>
+            </p:txBody>
+          </p:sp>
+        </p:grpSp>
+        <p:sp>
+          <p:nvSpPr>
+            <p:cNvPr id="13" name="文字方塊 12">
+              <a:extLst>
+                <a:ext uri="{FF2B5EF4-FFF2-40B4-BE49-F238E27FC236}">
+                  <a16:creationId xmlns:a16="http://schemas.microsoft.com/office/drawing/2014/main" id="{8B272E68-0962-4368-833B-690EA8E415D3}"/>
+                </a:ext>
+              </a:extLst>
+            </p:cNvPr>
+            <p:cNvSpPr txBox="1"/>
+            <p:nvPr/>
+          </p:nvSpPr>
+          <p:spPr>
+            <a:xfrm>
+              <a:off x="10861713" y="2586607"/>
+              <a:ext cx="564578" cy="369332"/>
+            </a:xfrm>
+            <a:prstGeom prst="rect">
+              <a:avLst/>
+            </a:prstGeom>
+            <a:noFill/>
+          </p:spPr>
+          <p:txBody>
+            <a:bodyPr wrap="none" rtlCol="0">
+              <a:spAutoFit/>
+            </a:bodyPr>
+            <a:lstStyle/>
+            <a:p>
+              <a:r>
+                <a:rPr lang="en-US" altLang="zh-TW" dirty="0" err="1">
+                  <a:latin typeface="Consolas" panose="020B0609020204030204" pitchFamily="49" charset="0"/>
+                </a:rPr>
+                <a:t>i</a:t>
+              </a:r>
+              <a:r>
+                <a:rPr lang="en-US" altLang="zh-TW" dirty="0">
+                  <a:latin typeface="Consolas" panose="020B0609020204030204" pitchFamily="49" charset="0"/>
+                </a:rPr>
+                <a:t>++</a:t>
+              </a:r>
+              <a:endParaRPr lang="zh-TW" altLang="en-US" dirty="0">
+                <a:latin typeface="Consolas" panose="020B0609020204030204" pitchFamily="49" charset="0"/>
+              </a:endParaRPr>
+            </a:p>
+          </p:txBody>
+        </p:sp>
+      </p:grpSp>
+      <p:grpSp>
+        <p:nvGrpSpPr>
+          <p:cNvPr id="16" name="群組 15">
+            <a:extLst>
+              <a:ext uri="{FF2B5EF4-FFF2-40B4-BE49-F238E27FC236}">
+                <a16:creationId xmlns:a16="http://schemas.microsoft.com/office/drawing/2014/main" id="{9E80A9B0-0FF8-4510-B800-25A19D3C95A5}"/>
+              </a:ext>
+            </a:extLst>
+          </p:cNvPr>
+          <p:cNvGrpSpPr/>
+          <p:nvPr/>
+        </p:nvGrpSpPr>
+        <p:grpSpPr>
+          <a:xfrm>
+            <a:off x="6900527" y="3814009"/>
+            <a:ext cx="1656011" cy="1323476"/>
+            <a:chOff x="9683833" y="3822030"/>
+            <a:chExt cx="1656011" cy="1323476"/>
+          </a:xfrm>
+        </p:grpSpPr>
+        <p:grpSp>
+          <p:nvGrpSpPr>
+            <p:cNvPr id="17" name="群組 16">
+              <a:extLst>
+                <a:ext uri="{FF2B5EF4-FFF2-40B4-BE49-F238E27FC236}">
+                  <a16:creationId xmlns:a16="http://schemas.microsoft.com/office/drawing/2014/main" id="{B99044D0-3456-4A4C-A216-1D752EE8D6B9}"/>
+                </a:ext>
+              </a:extLst>
+            </p:cNvPr>
+            <p:cNvGrpSpPr/>
+            <p:nvPr/>
+          </p:nvGrpSpPr>
+          <p:grpSpPr>
+            <a:xfrm>
+              <a:off x="9683833" y="3822030"/>
+              <a:ext cx="1435768" cy="1323476"/>
+              <a:chOff x="9683833" y="3822030"/>
+              <a:chExt cx="1435768" cy="1323476"/>
+            </a:xfrm>
+          </p:grpSpPr>
+          <p:sp>
+            <p:nvSpPr>
+              <p:cNvPr id="19" name="矩形: 圓角 18">
+                <a:extLst>
+                  <a:ext uri="{FF2B5EF4-FFF2-40B4-BE49-F238E27FC236}">
+                    <a16:creationId xmlns:a16="http://schemas.microsoft.com/office/drawing/2014/main" id="{5EBD123B-74CD-47B2-8996-A089ADE83FFC}"/>
+                  </a:ext>
+                </a:extLst>
+              </p:cNvPr>
+              <p:cNvSpPr/>
+              <p:nvPr/>
+            </p:nvSpPr>
+            <p:spPr>
+              <a:xfrm>
+                <a:off x="9683833" y="4343401"/>
+                <a:ext cx="1435768" cy="802105"/>
+              </a:xfrm>
+              <a:prstGeom prst="roundRect">
+                <a:avLst/>
+              </a:prstGeom>
+            </p:spPr>
+            <p:style>
+              <a:lnRef idx="2">
+                <a:schemeClr val="accent1">
+                  <a:shade val="50000"/>
+                </a:schemeClr>
+              </a:lnRef>
+              <a:fillRef idx="1">
+                <a:schemeClr val="accent1"/>
+              </a:fillRef>
+              <a:effectRef idx="0">
+                <a:schemeClr val="accent1"/>
+              </a:effectRef>
+              <a:fontRef idx="minor">
+                <a:schemeClr val="lt1"/>
+              </a:fontRef>
+            </p:style>
+            <p:txBody>
+              <a:bodyPr rtlCol="0" anchor="ctr"/>
+              <a:lstStyle/>
+              <a:p>
+                <a:pPr algn="ctr"/>
+                <a:r>
+                  <a:rPr lang="en-US" altLang="zh-TW" dirty="0" err="1">
+                    <a:latin typeface="Consolas" panose="020B0609020204030204" pitchFamily="49" charset="0"/>
+                  </a:rPr>
+                  <a:t>i</a:t>
+                </a:r>
+                <a:r>
+                  <a:rPr lang="en-US" altLang="zh-TW" dirty="0">
+                    <a:latin typeface="Consolas" panose="020B0609020204030204" pitchFamily="49" charset="0"/>
+                  </a:rPr>
+                  <a:t> = 3</a:t>
+                </a:r>
+                <a:endParaRPr lang="zh-TW" altLang="en-US" dirty="0">
+                  <a:latin typeface="Consolas" panose="020B0609020204030204" pitchFamily="49" charset="0"/>
+                </a:endParaRPr>
+              </a:p>
+            </p:txBody>
+          </p:sp>
+          <p:sp>
+            <p:nvSpPr>
+              <p:cNvPr id="20" name="箭號: 向下 19">
+                <a:extLst>
+                  <a:ext uri="{FF2B5EF4-FFF2-40B4-BE49-F238E27FC236}">
+                    <a16:creationId xmlns:a16="http://schemas.microsoft.com/office/drawing/2014/main" id="{C1B3AB95-228C-49FE-ACD7-27C2F0E609D2}"/>
+                  </a:ext>
+                </a:extLst>
+              </p:cNvPr>
+              <p:cNvSpPr/>
+              <p:nvPr/>
+            </p:nvSpPr>
+            <p:spPr>
+              <a:xfrm>
+                <a:off x="10305464" y="3822030"/>
+                <a:ext cx="184484" cy="513346"/>
+              </a:xfrm>
+              <a:prstGeom prst="downArrow">
+                <a:avLst/>
+              </a:prstGeom>
+            </p:spPr>
+            <p:style>
+              <a:lnRef idx="2">
+                <a:schemeClr val="accent1">
+                  <a:shade val="50000"/>
+                </a:schemeClr>
+              </a:lnRef>
+              <a:fillRef idx="1">
+                <a:schemeClr val="accent1"/>
+              </a:fillRef>
+              <a:effectRef idx="0">
+                <a:schemeClr val="accent1"/>
+              </a:effectRef>
+              <a:fontRef idx="minor">
+                <a:schemeClr val="lt1"/>
+              </a:fontRef>
+            </p:style>
+            <p:txBody>
+              <a:bodyPr rtlCol="0" anchor="ctr"/>
+              <a:lstStyle/>
+              <a:p>
+                <a:pPr algn="ctr"/>
+                <a:endParaRPr lang="zh-TW" altLang="en-US" dirty="0"/>
+              </a:p>
+            </p:txBody>
+          </p:sp>
+        </p:grpSp>
+        <p:sp>
+          <p:nvSpPr>
+            <p:cNvPr id="18" name="文字方塊 17">
+              <a:extLst>
+                <a:ext uri="{FF2B5EF4-FFF2-40B4-BE49-F238E27FC236}">
+                  <a16:creationId xmlns:a16="http://schemas.microsoft.com/office/drawing/2014/main" id="{1C791A78-7309-48EB-8227-6EB48C5DC75F}"/>
+                </a:ext>
+              </a:extLst>
+            </p:cNvPr>
+            <p:cNvSpPr txBox="1"/>
+            <p:nvPr/>
+          </p:nvSpPr>
+          <p:spPr>
+            <a:xfrm>
+              <a:off x="10775266" y="3893865"/>
+              <a:ext cx="564578" cy="369332"/>
+            </a:xfrm>
+            <a:prstGeom prst="rect">
+              <a:avLst/>
+            </a:prstGeom>
+            <a:noFill/>
+          </p:spPr>
+          <p:txBody>
+            <a:bodyPr wrap="none" rtlCol="0">
+              <a:spAutoFit/>
+            </a:bodyPr>
+            <a:lstStyle/>
+            <a:p>
+              <a:r>
+                <a:rPr lang="en-US" altLang="zh-TW" dirty="0" err="1">
+                  <a:latin typeface="Consolas" panose="020B0609020204030204" pitchFamily="49" charset="0"/>
+                </a:rPr>
+                <a:t>i</a:t>
+              </a:r>
+              <a:r>
+                <a:rPr lang="en-US" altLang="zh-TW" dirty="0">
+                  <a:latin typeface="Consolas" panose="020B0609020204030204" pitchFamily="49" charset="0"/>
+                </a:rPr>
+                <a:t>++</a:t>
+              </a:r>
+              <a:endParaRPr lang="zh-TW" altLang="en-US" dirty="0">
+                <a:latin typeface="Consolas" panose="020B0609020204030204" pitchFamily="49" charset="0"/>
+              </a:endParaRPr>
+            </a:p>
+          </p:txBody>
+        </p:sp>
+      </p:grpSp>
+      <p:grpSp>
+        <p:nvGrpSpPr>
+          <p:cNvPr id="21" name="群組 20">
+            <a:extLst>
+              <a:ext uri="{FF2B5EF4-FFF2-40B4-BE49-F238E27FC236}">
+                <a16:creationId xmlns:a16="http://schemas.microsoft.com/office/drawing/2014/main" id="{B6BEAAA4-87AA-4ACF-8987-D300AC98B256}"/>
+              </a:ext>
+            </a:extLst>
+          </p:cNvPr>
+          <p:cNvGrpSpPr/>
+          <p:nvPr/>
+        </p:nvGrpSpPr>
+        <p:grpSpPr>
+          <a:xfrm>
+            <a:off x="6900527" y="5137485"/>
+            <a:ext cx="1656011" cy="1315454"/>
+            <a:chOff x="9683833" y="5145506"/>
+            <a:chExt cx="1656011" cy="1315454"/>
+          </a:xfrm>
+        </p:grpSpPr>
+        <p:grpSp>
+          <p:nvGrpSpPr>
+            <p:cNvPr id="22" name="群組 21">
+              <a:extLst>
+                <a:ext uri="{FF2B5EF4-FFF2-40B4-BE49-F238E27FC236}">
+                  <a16:creationId xmlns:a16="http://schemas.microsoft.com/office/drawing/2014/main" id="{63D14EAA-BD3F-4FA8-BCFA-23E97CA3D97C}"/>
+                </a:ext>
+              </a:extLst>
+            </p:cNvPr>
+            <p:cNvGrpSpPr/>
+            <p:nvPr/>
+          </p:nvGrpSpPr>
+          <p:grpSpPr>
+            <a:xfrm>
+              <a:off x="9683833" y="5145506"/>
+              <a:ext cx="1435768" cy="1315454"/>
+              <a:chOff x="9683833" y="5145506"/>
+              <a:chExt cx="1435768" cy="1315454"/>
+            </a:xfrm>
+          </p:grpSpPr>
+          <p:sp>
+            <p:nvSpPr>
+              <p:cNvPr id="24" name="矩形: 圓角 23">
+                <a:extLst>
+                  <a:ext uri="{FF2B5EF4-FFF2-40B4-BE49-F238E27FC236}">
+                    <a16:creationId xmlns:a16="http://schemas.microsoft.com/office/drawing/2014/main" id="{B2DCD887-238A-4E18-A13F-B1EC72D888FC}"/>
+                  </a:ext>
+                </a:extLst>
+              </p:cNvPr>
+              <p:cNvSpPr/>
+              <p:nvPr/>
+            </p:nvSpPr>
+            <p:spPr>
+              <a:xfrm>
+                <a:off x="9683833" y="5658855"/>
+                <a:ext cx="1435768" cy="802105"/>
+              </a:xfrm>
+              <a:prstGeom prst="roundRect">
+                <a:avLst/>
+              </a:prstGeom>
+            </p:spPr>
+            <p:style>
+              <a:lnRef idx="2">
+                <a:schemeClr val="accent1">
+                  <a:shade val="50000"/>
+                </a:schemeClr>
+              </a:lnRef>
+              <a:fillRef idx="1">
+                <a:schemeClr val="accent1"/>
+              </a:fillRef>
+              <a:effectRef idx="0">
+                <a:schemeClr val="accent1"/>
+              </a:effectRef>
+              <a:fontRef idx="minor">
+                <a:schemeClr val="lt1"/>
+              </a:fontRef>
+            </p:style>
+            <p:txBody>
+              <a:bodyPr rtlCol="0" anchor="ctr"/>
+              <a:lstStyle/>
+              <a:p>
+                <a:pPr algn="ctr"/>
+                <a:r>
+                  <a:rPr lang="en-US" altLang="zh-TW" dirty="0">
+                    <a:latin typeface="Consolas" panose="020B0609020204030204" pitchFamily="49" charset="0"/>
+                  </a:rPr>
+                  <a:t>i = 4</a:t>
+                </a:r>
+                <a:endParaRPr lang="zh-TW" altLang="en-US" dirty="0">
+                  <a:latin typeface="Consolas" panose="020B0609020204030204" pitchFamily="49" charset="0"/>
+                </a:endParaRPr>
+              </a:p>
+            </p:txBody>
+          </p:sp>
+          <p:sp>
+            <p:nvSpPr>
+              <p:cNvPr id="25" name="箭號: 向下 24">
+                <a:extLst>
+                  <a:ext uri="{FF2B5EF4-FFF2-40B4-BE49-F238E27FC236}">
+                    <a16:creationId xmlns:a16="http://schemas.microsoft.com/office/drawing/2014/main" id="{050637C3-2AE0-4300-AA24-08753DD8629B}"/>
+                  </a:ext>
+                </a:extLst>
+              </p:cNvPr>
+              <p:cNvSpPr/>
+              <p:nvPr/>
+            </p:nvSpPr>
+            <p:spPr>
+              <a:xfrm>
+                <a:off x="10315270" y="5145506"/>
+                <a:ext cx="184484" cy="513346"/>
+              </a:xfrm>
+              <a:prstGeom prst="downArrow">
+                <a:avLst/>
+              </a:prstGeom>
+            </p:spPr>
+            <p:style>
+              <a:lnRef idx="2">
+                <a:schemeClr val="accent1">
+                  <a:shade val="50000"/>
+                </a:schemeClr>
+              </a:lnRef>
+              <a:fillRef idx="1">
+                <a:schemeClr val="accent1"/>
+              </a:fillRef>
+              <a:effectRef idx="0">
+                <a:schemeClr val="accent1"/>
+              </a:effectRef>
+              <a:fontRef idx="minor">
+                <a:schemeClr val="lt1"/>
+              </a:fontRef>
+            </p:style>
+            <p:txBody>
+              <a:bodyPr rtlCol="0" anchor="ctr"/>
+              <a:lstStyle/>
+              <a:p>
+                <a:pPr algn="ctr"/>
+                <a:endParaRPr lang="zh-TW" altLang="en-US"/>
+              </a:p>
+            </p:txBody>
+          </p:sp>
+        </p:grpSp>
+        <p:sp>
+          <p:nvSpPr>
+            <p:cNvPr id="23" name="文字方塊 22">
+              <a:extLst>
+                <a:ext uri="{FF2B5EF4-FFF2-40B4-BE49-F238E27FC236}">
+                  <a16:creationId xmlns:a16="http://schemas.microsoft.com/office/drawing/2014/main" id="{000F7328-D15B-4F46-9A2E-862C9B82BB33}"/>
+                </a:ext>
+              </a:extLst>
+            </p:cNvPr>
+            <p:cNvSpPr txBox="1"/>
+            <p:nvPr/>
+          </p:nvSpPr>
+          <p:spPr>
+            <a:xfrm>
+              <a:off x="10775266" y="5218233"/>
+              <a:ext cx="564578" cy="369332"/>
+            </a:xfrm>
+            <a:prstGeom prst="rect">
+              <a:avLst/>
+            </a:prstGeom>
+            <a:noFill/>
+          </p:spPr>
+          <p:txBody>
+            <a:bodyPr wrap="none" rtlCol="0">
+              <a:spAutoFit/>
+            </a:bodyPr>
+            <a:lstStyle/>
+            <a:p>
+              <a:r>
+                <a:rPr lang="en-US" altLang="zh-TW" dirty="0" err="1">
+                  <a:latin typeface="Consolas" panose="020B0609020204030204" pitchFamily="49" charset="0"/>
+                </a:rPr>
+                <a:t>i</a:t>
+              </a:r>
+              <a:r>
+                <a:rPr lang="en-US" altLang="zh-TW" dirty="0">
+                  <a:latin typeface="Consolas" panose="020B0609020204030204" pitchFamily="49" charset="0"/>
+                </a:rPr>
+                <a:t>++</a:t>
+              </a:r>
+              <a:endParaRPr lang="zh-TW" altLang="en-US" dirty="0">
+                <a:latin typeface="Consolas" panose="020B0609020204030204" pitchFamily="49" charset="0"/>
+              </a:endParaRPr>
+            </a:p>
+          </p:txBody>
+        </p:sp>
+      </p:grpSp>
+      <p:sp>
+        <p:nvSpPr>
+          <p:cNvPr id="27" name="矩形: 圓角 26">
+            <a:extLst>
+              <a:ext uri="{FF2B5EF4-FFF2-40B4-BE49-F238E27FC236}">
+                <a16:creationId xmlns:a16="http://schemas.microsoft.com/office/drawing/2014/main" id="{0782D954-D1ED-487D-8724-4318B447A93C}"/>
+              </a:ext>
+            </a:extLst>
+          </p:cNvPr>
+          <p:cNvSpPr/>
+          <p:nvPr/>
+        </p:nvSpPr>
+        <p:spPr>
+          <a:xfrm>
+            <a:off x="6900527" y="389022"/>
+            <a:ext cx="1435768" cy="802105"/>
+          </a:xfrm>
+          <a:prstGeom prst="roundRect">
+            <a:avLst/>
+          </a:prstGeom>
+        </p:spPr>
+        <p:style>
+          <a:lnRef idx="2">
+            <a:schemeClr val="accent1">
+              <a:shade val="50000"/>
+            </a:schemeClr>
+          </a:lnRef>
+          <a:fillRef idx="1">
+            <a:schemeClr val="accent1"/>
+          </a:fillRef>
+          <a:effectRef idx="0">
+            <a:schemeClr val="accent1"/>
+          </a:effectRef>
+          <a:fontRef idx="minor">
+            <a:schemeClr val="lt1"/>
+          </a:fontRef>
+        </p:style>
+        <p:txBody>
+          <a:bodyPr rtlCol="0" anchor="ctr"/>
+          <a:lstStyle/>
+          <a:p>
+            <a:pPr algn="ctr"/>
+            <a:r>
+              <a:rPr lang="en-US" altLang="zh-TW" dirty="0">
+                <a:latin typeface="Consolas" panose="020B0609020204030204" pitchFamily="49" charset="0"/>
+              </a:rPr>
+              <a:t>i = 0</a:t>
+            </a:r>
+            <a:endParaRPr lang="zh-TW" altLang="en-US" dirty="0">
+              <a:latin typeface="Consolas" panose="020B0609020204030204" pitchFamily="49" charset="0"/>
+            </a:endParaRPr>
+          </a:p>
+        </p:txBody>
+      </p:sp>
+      <p:grpSp>
+        <p:nvGrpSpPr>
+          <p:cNvPr id="36" name="群組 35">
+            <a:extLst>
+              <a:ext uri="{FF2B5EF4-FFF2-40B4-BE49-F238E27FC236}">
+                <a16:creationId xmlns:a16="http://schemas.microsoft.com/office/drawing/2014/main" id="{697F5705-E1C8-402F-A6F5-513D1BAED1FB}"/>
+              </a:ext>
+            </a:extLst>
+          </p:cNvPr>
+          <p:cNvGrpSpPr/>
+          <p:nvPr/>
+        </p:nvGrpSpPr>
+        <p:grpSpPr>
+          <a:xfrm>
+            <a:off x="8347885" y="5107407"/>
+            <a:ext cx="1888958" cy="1888958"/>
+            <a:chOff x="8347885" y="5107407"/>
+            <a:chExt cx="1888958" cy="1888958"/>
+          </a:xfrm>
+        </p:grpSpPr>
+        <p:sp>
+          <p:nvSpPr>
+            <p:cNvPr id="30" name="箭號: 向下 29">
+              <a:extLst>
+                <a:ext uri="{FF2B5EF4-FFF2-40B4-BE49-F238E27FC236}">
+                  <a16:creationId xmlns:a16="http://schemas.microsoft.com/office/drawing/2014/main" id="{E9071C8B-8963-4B39-AC65-EA497B3B4102}"/>
+                </a:ext>
+              </a:extLst>
+            </p:cNvPr>
+            <p:cNvSpPr/>
+            <p:nvPr/>
+          </p:nvSpPr>
+          <p:spPr>
+            <a:xfrm rot="16200000">
+              <a:off x="8685266" y="5795213"/>
+              <a:ext cx="184484" cy="513346"/>
+            </a:xfrm>
+            <a:prstGeom prst="downArrow">
+              <a:avLst/>
+            </a:prstGeom>
+          </p:spPr>
+          <p:style>
+            <a:lnRef idx="2">
+              <a:schemeClr val="accent1">
+                <a:shade val="50000"/>
+              </a:schemeClr>
+            </a:lnRef>
+            <a:fillRef idx="1">
+              <a:schemeClr val="accent1"/>
+            </a:fillRef>
+            <a:effectRef idx="0">
+              <a:schemeClr val="accent1"/>
+            </a:effectRef>
+            <a:fontRef idx="minor">
+              <a:schemeClr val="lt1"/>
+            </a:fontRef>
+          </p:style>
+          <p:txBody>
+            <a:bodyPr rtlCol="0" anchor="ctr"/>
+            <a:lstStyle/>
+            <a:p>
+              <a:pPr algn="ctr"/>
+              <a:endParaRPr lang="zh-TW" altLang="en-US"/>
+            </a:p>
+          </p:txBody>
+        </p:sp>
+        <p:grpSp>
+          <p:nvGrpSpPr>
+            <p:cNvPr id="33" name="群組 32">
+              <a:extLst>
+                <a:ext uri="{FF2B5EF4-FFF2-40B4-BE49-F238E27FC236}">
+                  <a16:creationId xmlns:a16="http://schemas.microsoft.com/office/drawing/2014/main" id="{CD8E0A4A-8705-43BB-ACF4-CB0CB5CC8CF3}"/>
+                </a:ext>
+              </a:extLst>
+            </p:cNvPr>
+            <p:cNvGrpSpPr/>
+            <p:nvPr/>
+          </p:nvGrpSpPr>
+          <p:grpSpPr>
+            <a:xfrm>
+              <a:off x="8347885" y="5107407"/>
+              <a:ext cx="1888958" cy="1888958"/>
+              <a:chOff x="2352173" y="3313763"/>
+              <a:chExt cx="1888958" cy="1888958"/>
+            </a:xfrm>
+          </p:grpSpPr>
+          <p:sp>
+            <p:nvSpPr>
+              <p:cNvPr id="34" name="矩形 33">
+                <a:extLst>
+                  <a:ext uri="{FF2B5EF4-FFF2-40B4-BE49-F238E27FC236}">
+                    <a16:creationId xmlns:a16="http://schemas.microsoft.com/office/drawing/2014/main" id="{76898DE3-FFC5-45C3-9308-7B37B484F69E}"/>
+                  </a:ext>
+                </a:extLst>
+              </p:cNvPr>
+              <p:cNvSpPr/>
+              <p:nvPr/>
+            </p:nvSpPr>
+            <p:spPr>
+              <a:xfrm rot="-2700000">
+                <a:off x="3220453" y="3313763"/>
+                <a:ext cx="152400" cy="1888958"/>
+              </a:xfrm>
+              <a:prstGeom prst="rect">
+                <a:avLst/>
+              </a:prstGeom>
+              <a:solidFill>
+                <a:srgbClr val="FF0000"/>
+              </a:solidFill>
+              <a:ln>
+                <a:solidFill>
+                  <a:srgbClr val="C00000"/>
+                </a:solidFill>
+              </a:ln>
+            </p:spPr>
+            <p:style>
+              <a:lnRef idx="2">
+                <a:schemeClr val="accent1">
+                  <a:shade val="50000"/>
+                </a:schemeClr>
+              </a:lnRef>
+              <a:fillRef idx="1">
+                <a:schemeClr val="accent1"/>
+              </a:fillRef>
+              <a:effectRef idx="0">
+                <a:schemeClr val="accent1"/>
+              </a:effectRef>
+              <a:fontRef idx="minor">
+                <a:schemeClr val="lt1"/>
+              </a:fontRef>
+            </p:style>
+            <p:txBody>
+              <a:bodyPr rtlCol="0" anchor="ctr"/>
+              <a:lstStyle/>
+              <a:p>
+                <a:pPr algn="ctr"/>
+                <a:endParaRPr lang="zh-TW" altLang="en-US"/>
+              </a:p>
+            </p:txBody>
+          </p:sp>
+          <p:sp>
+            <p:nvSpPr>
+              <p:cNvPr id="35" name="矩形 34">
+                <a:extLst>
+                  <a:ext uri="{FF2B5EF4-FFF2-40B4-BE49-F238E27FC236}">
+                    <a16:creationId xmlns:a16="http://schemas.microsoft.com/office/drawing/2014/main" id="{EF9AE834-8141-44A2-9943-9740EFF05D22}"/>
+                  </a:ext>
+                </a:extLst>
+              </p:cNvPr>
+              <p:cNvSpPr/>
+              <p:nvPr/>
+            </p:nvSpPr>
+            <p:spPr>
+              <a:xfrm rot="2700000">
+                <a:off x="3220452" y="3313764"/>
+                <a:ext cx="152400" cy="1888958"/>
+              </a:xfrm>
+              <a:prstGeom prst="rect">
+                <a:avLst/>
+              </a:prstGeom>
+              <a:solidFill>
+                <a:srgbClr val="FF0000"/>
+              </a:solidFill>
+              <a:ln>
+                <a:solidFill>
+                  <a:srgbClr val="C00000"/>
+                </a:solidFill>
+              </a:ln>
+            </p:spPr>
+            <p:style>
+              <a:lnRef idx="2">
+                <a:schemeClr val="accent1">
+                  <a:shade val="50000"/>
+                </a:schemeClr>
+              </a:lnRef>
+              <a:fillRef idx="1">
+                <a:schemeClr val="accent1"/>
+              </a:fillRef>
+              <a:effectRef idx="0">
+                <a:schemeClr val="accent1"/>
+              </a:effectRef>
+              <a:fontRef idx="minor">
+                <a:schemeClr val="lt1"/>
+              </a:fontRef>
+            </p:style>
+            <p:txBody>
+              <a:bodyPr rtlCol="0" anchor="ctr"/>
+              <a:lstStyle/>
+              <a:p>
+                <a:pPr algn="ctr"/>
+                <a:endParaRPr lang="zh-TW" altLang="en-US"/>
+              </a:p>
+            </p:txBody>
+          </p:sp>
+        </p:grpSp>
+        <p:sp>
+          <p:nvSpPr>
+            <p:cNvPr id="32" name="文字方塊 31">
+              <a:extLst>
+                <a:ext uri="{FF2B5EF4-FFF2-40B4-BE49-F238E27FC236}">
+                  <a16:creationId xmlns:a16="http://schemas.microsoft.com/office/drawing/2014/main" id="{3D817903-C601-48A6-A96B-93D33386E302}"/>
+                </a:ext>
+              </a:extLst>
+            </p:cNvPr>
+            <p:cNvSpPr txBox="1"/>
+            <p:nvPr/>
+          </p:nvSpPr>
+          <p:spPr>
+            <a:xfrm>
+              <a:off x="9218721" y="5867220"/>
+              <a:ext cx="855721" cy="369332"/>
+            </a:xfrm>
+            <a:prstGeom prst="rect">
+              <a:avLst/>
+            </a:prstGeom>
+            <a:noFill/>
+          </p:spPr>
+          <p:txBody>
+            <a:bodyPr wrap="square" rtlCol="0">
+              <a:spAutoFit/>
+            </a:bodyPr>
+            <a:lstStyle/>
+            <a:p>
+              <a:pPr algn="ctr"/>
+              <a:r>
+                <a:rPr lang="en-US" altLang="zh-TW" dirty="0">
+                  <a:latin typeface="Consolas" panose="020B0609020204030204" pitchFamily="49" charset="0"/>
+                </a:rPr>
+                <a:t>i = 5</a:t>
+              </a:r>
+              <a:endParaRPr lang="zh-TW" altLang="en-US" dirty="0">
+                <a:latin typeface="Consolas" panose="020B0609020204030204" pitchFamily="49" charset="0"/>
+              </a:endParaRPr>
+            </a:p>
+          </p:txBody>
+        </p:sp>
+        <p:sp>
+          <p:nvSpPr>
+            <p:cNvPr id="31" name="文字方塊 30">
+              <a:extLst>
+                <a:ext uri="{FF2B5EF4-FFF2-40B4-BE49-F238E27FC236}">
+                  <a16:creationId xmlns:a16="http://schemas.microsoft.com/office/drawing/2014/main" id="{D7ED7356-FEBA-441D-8EA3-AD78F465682E}"/>
+                </a:ext>
+              </a:extLst>
+            </p:cNvPr>
+            <p:cNvSpPr txBox="1"/>
+            <p:nvPr/>
+          </p:nvSpPr>
+          <p:spPr>
+            <a:xfrm>
+              <a:off x="8495219" y="6248400"/>
+              <a:ext cx="564578" cy="369332"/>
+            </a:xfrm>
+            <a:prstGeom prst="rect">
+              <a:avLst/>
+            </a:prstGeom>
+            <a:noFill/>
+          </p:spPr>
+          <p:txBody>
+            <a:bodyPr wrap="none" rtlCol="0">
+              <a:spAutoFit/>
+            </a:bodyPr>
+            <a:lstStyle/>
+            <a:p>
+              <a:r>
+                <a:rPr lang="en-US" altLang="zh-TW" dirty="0" err="1">
+                  <a:latin typeface="Consolas" panose="020B0609020204030204" pitchFamily="49" charset="0"/>
+                </a:rPr>
+                <a:t>i</a:t>
+              </a:r>
+              <a:r>
+                <a:rPr lang="en-US" altLang="zh-TW" dirty="0">
+                  <a:latin typeface="Consolas" panose="020B0609020204030204" pitchFamily="49" charset="0"/>
+                </a:rPr>
+                <a:t>++</a:t>
+              </a:r>
+              <a:endParaRPr lang="zh-TW" altLang="en-US" dirty="0">
+                <a:latin typeface="Consolas" panose="020B0609020204030204" pitchFamily="49" charset="0"/>
+              </a:endParaRPr>
+            </a:p>
+          </p:txBody>
+        </p:sp>
+      </p:grpSp>
+      <p:pic>
+        <p:nvPicPr>
+          <p:cNvPr id="38" name="圖片 37">
+            <a:extLst>
+              <a:ext uri="{FF2B5EF4-FFF2-40B4-BE49-F238E27FC236}">
+                <a16:creationId xmlns:a16="http://schemas.microsoft.com/office/drawing/2014/main" id="{40FDF315-4ED8-4E0E-A241-B06647B64391}"/>
+              </a:ext>
+            </a:extLst>
+          </p:cNvPr>
+          <p:cNvPicPr>
+            <a:picLocks noChangeAspect="1"/>
+          </p:cNvPicPr>
+          <p:nvPr/>
+        </p:nvPicPr>
+        <p:blipFill>
+          <a:blip r:embed="rId3"/>
+          <a:stretch>
+            <a:fillRect/>
+          </a:stretch>
+        </p:blipFill>
+        <p:spPr>
+          <a:xfrm>
+            <a:off x="1274623" y="3493316"/>
+            <a:ext cx="9639577" cy="1142469"/>
+          </a:xfrm>
+          <a:prstGeom prst="rect">
+            <a:avLst/>
+          </a:prstGeom>
+        </p:spPr>
+      </p:pic>
+    </p:spTree>
+    <p:extLst>
+      <p:ext uri="{BB962C8B-B14F-4D97-AF65-F5344CB8AC3E}">
+        <p14:creationId xmlns:p14="http://schemas.microsoft.com/office/powerpoint/2010/main" val="3744230213"/>
+      </p:ext>
+    </p:extLst>
+  </p:cSld>
+  <p:clrMapOvr>
+    <a:masterClrMapping/>
+  </p:clrMapOvr>
+  <mc:AlternateContent xmlns:mc="http://schemas.openxmlformats.org/markup-compatibility/2006" xmlns:p159="http://schemas.microsoft.com/office/powerpoint/2015/09/main">
+    <mc:Choice Requires="p159">
+      <p:transition spd="slow">
+        <p159:morph option="byChar"/>
+      </p:transition>
+    </mc:Choice>
+    <mc:Fallback xmlns="">
+      <p:transition spd="slow">
+        <p:fade/>
+      </p:transition>
+    </mc:Fallback>
+  </mc:AlternateContent>
+  <p:timing>
+    <p:tnLst>
+      <p:par>
+        <p:cTn id="1" dur="indefinite" restart="never" nodeType="tmRoot">
+          <p:childTnLst>
+            <p:seq concurrent="1" nextAc="seek">
+              <p:cTn id="2" dur="indefinite" nodeType="mainSeq">
+                <p:childTnLst>
+                  <p:par>
+                    <p:cTn id="3" fill="hold">
+                      <p:stCondLst>
+                        <p:cond delay="indefinite"/>
+                      </p:stCondLst>
+                      <p:childTnLst>
+                        <p:par>
+                          <p:cTn id="4" fill="hold">
+                            <p:stCondLst>
+                              <p:cond delay="0"/>
+                            </p:stCondLst>
+                            <p:childTnLst>
+                              <p:par>
+                                <p:cTn id="5" presetID="22" presetClass="entr" presetSubtype="1" fill="hold" nodeType="clickEffect">
+                                  <p:stCondLst>
+                                    <p:cond delay="0"/>
+                                  </p:stCondLst>
+                                  <p:childTnLst>
+                                    <p:set>
+                                      <p:cBhvr>
+                                        <p:cTn id="6" dur="1" fill="hold">
+                                          <p:stCondLst>
+                                            <p:cond delay="0"/>
+                                          </p:stCondLst>
+                                        </p:cTn>
+                                        <p:tgtEl>
+                                          <p:spTgt spid="6"/>
+                                        </p:tgtEl>
+                                        <p:attrNameLst>
+                                          <p:attrName>style.visibility</p:attrName>
+                                        </p:attrNameLst>
+                                      </p:cBhvr>
+                                      <p:to>
+                                        <p:strVal val="visible"/>
+                                      </p:to>
+                                    </p:set>
+                                    <p:animEffect transition="in" filter="wipe(up)">
+                                      <p:cBhvr>
+                                        <p:cTn id="7" dur="500"/>
+                                        <p:tgtEl>
+                                          <p:spTgt spid="6"/>
+                                        </p:tgtEl>
+                                      </p:cBhvr>
+                                    </p:animEffect>
+                                  </p:childTnLst>
+                                </p:cTn>
+                              </p:par>
+                            </p:childTnLst>
+                          </p:cTn>
+                        </p:par>
+                      </p:childTnLst>
+                    </p:cTn>
+                  </p:par>
+                  <p:par>
+                    <p:cTn id="8" fill="hold">
+                      <p:stCondLst>
+                        <p:cond delay="indefinite"/>
+                      </p:stCondLst>
+                      <p:childTnLst>
+                        <p:par>
+                          <p:cTn id="9" fill="hold">
+                            <p:stCondLst>
+                              <p:cond delay="0"/>
+                            </p:stCondLst>
+                            <p:childTnLst>
+                              <p:par>
+                                <p:cTn id="10" presetID="22" presetClass="entr" presetSubtype="1" fill="hold" nodeType="clickEffect">
+                                  <p:stCondLst>
+                                    <p:cond delay="0"/>
+                                  </p:stCondLst>
+                                  <p:childTnLst>
+                                    <p:set>
+                                      <p:cBhvr>
+                                        <p:cTn id="11" dur="1" fill="hold">
+                                          <p:stCondLst>
+                                            <p:cond delay="0"/>
+                                          </p:stCondLst>
+                                        </p:cTn>
+                                        <p:tgtEl>
+                                          <p:spTgt spid="11"/>
+                                        </p:tgtEl>
+                                        <p:attrNameLst>
+                                          <p:attrName>style.visibility</p:attrName>
+                                        </p:attrNameLst>
+                                      </p:cBhvr>
+                                      <p:to>
+                                        <p:strVal val="visible"/>
+                                      </p:to>
+                                    </p:set>
+                                    <p:animEffect transition="in" filter="wipe(up)">
+                                      <p:cBhvr>
+                                        <p:cTn id="12" dur="500"/>
+                                        <p:tgtEl>
+                                          <p:spTgt spid="11"/>
+                                        </p:tgtEl>
+                                      </p:cBhvr>
+                                    </p:animEffect>
+                                  </p:childTnLst>
+                                </p:cTn>
+                              </p:par>
+                            </p:childTnLst>
+                          </p:cTn>
+                        </p:par>
+                      </p:childTnLst>
+                    </p:cTn>
+                  </p:par>
+                  <p:par>
+                    <p:cTn id="13" fill="hold">
+                      <p:stCondLst>
+                        <p:cond delay="indefinite"/>
+                      </p:stCondLst>
+                      <p:childTnLst>
+                        <p:par>
+                          <p:cTn id="14" fill="hold">
+                            <p:stCondLst>
+                              <p:cond delay="0"/>
+                            </p:stCondLst>
+                            <p:childTnLst>
+                              <p:par>
+                                <p:cTn id="15" presetID="22" presetClass="entr" presetSubtype="1" fill="hold" nodeType="clickEffect">
+                                  <p:stCondLst>
+                                    <p:cond delay="0"/>
+                                  </p:stCondLst>
+                                  <p:childTnLst>
+                                    <p:set>
+                                      <p:cBhvr>
+                                        <p:cTn id="16" dur="1" fill="hold">
+                                          <p:stCondLst>
+                                            <p:cond delay="0"/>
+                                          </p:stCondLst>
+                                        </p:cTn>
+                                        <p:tgtEl>
+                                          <p:spTgt spid="16"/>
+                                        </p:tgtEl>
+                                        <p:attrNameLst>
+                                          <p:attrName>style.visibility</p:attrName>
+                                        </p:attrNameLst>
+                                      </p:cBhvr>
+                                      <p:to>
+                                        <p:strVal val="visible"/>
+                                      </p:to>
+                                    </p:set>
+                                    <p:animEffect transition="in" filter="wipe(up)">
+                                      <p:cBhvr>
+                                        <p:cTn id="17" dur="500"/>
+                                        <p:tgtEl>
+                                          <p:spTgt spid="16"/>
+                                        </p:tgtEl>
+                                      </p:cBhvr>
+                                    </p:animEffect>
+                                  </p:childTnLst>
+                                </p:cTn>
+                              </p:par>
+                            </p:childTnLst>
+                          </p:cTn>
+                        </p:par>
+                      </p:childTnLst>
+                    </p:cTn>
+                  </p:par>
+                  <p:par>
+                    <p:cTn id="18" fill="hold">
+                      <p:stCondLst>
+                        <p:cond delay="indefinite"/>
+                      </p:stCondLst>
+                      <p:childTnLst>
+                        <p:par>
+                          <p:cTn id="19" fill="hold">
+                            <p:stCondLst>
+                              <p:cond delay="0"/>
+                            </p:stCondLst>
+                            <p:childTnLst>
+                              <p:par>
+                                <p:cTn id="20" presetID="22" presetClass="entr" presetSubtype="1" fill="hold" nodeType="clickEffect">
+                                  <p:stCondLst>
+                                    <p:cond delay="0"/>
+                                  </p:stCondLst>
+                                  <p:childTnLst>
+                                    <p:set>
+                                      <p:cBhvr>
+                                        <p:cTn id="21" dur="1" fill="hold">
+                                          <p:stCondLst>
+                                            <p:cond delay="0"/>
+                                          </p:stCondLst>
+                                        </p:cTn>
+                                        <p:tgtEl>
+                                          <p:spTgt spid="21"/>
+                                        </p:tgtEl>
+                                        <p:attrNameLst>
+                                          <p:attrName>style.visibility</p:attrName>
+                                        </p:attrNameLst>
+                                      </p:cBhvr>
+                                      <p:to>
+                                        <p:strVal val="visible"/>
+                                      </p:to>
+                                    </p:set>
+                                    <p:animEffect transition="in" filter="wipe(up)">
+                                      <p:cBhvr>
+                                        <p:cTn id="22" dur="500"/>
+                                        <p:tgtEl>
+                                          <p:spTgt spid="21"/>
+                                        </p:tgtEl>
+                                      </p:cBhvr>
+                                    </p:animEffect>
+                                  </p:childTnLst>
+                                </p:cTn>
+                              </p:par>
+                            </p:childTnLst>
+                          </p:cTn>
+                        </p:par>
+                      </p:childTnLst>
+                    </p:cTn>
+                  </p:par>
+                  <p:par>
+                    <p:cTn id="23" fill="hold">
+                      <p:stCondLst>
+                        <p:cond delay="indefinite"/>
+                      </p:stCondLst>
+                      <p:childTnLst>
+                        <p:par>
+                          <p:cTn id="24" fill="hold">
+                            <p:stCondLst>
+                              <p:cond delay="0"/>
+                            </p:stCondLst>
+                            <p:childTnLst>
+                              <p:par>
+                                <p:cTn id="25" presetID="6" presetClass="entr" presetSubtype="32" fill="hold" nodeType="clickEffect">
+                                  <p:stCondLst>
+                                    <p:cond delay="0"/>
+                                  </p:stCondLst>
+                                  <p:childTnLst>
+                                    <p:set>
+                                      <p:cBhvr>
+                                        <p:cTn id="26" dur="1" fill="hold">
+                                          <p:stCondLst>
+                                            <p:cond delay="0"/>
+                                          </p:stCondLst>
+                                        </p:cTn>
+                                        <p:tgtEl>
+                                          <p:spTgt spid="36"/>
+                                        </p:tgtEl>
+                                        <p:attrNameLst>
+                                          <p:attrName>style.visibility</p:attrName>
+                                        </p:attrNameLst>
+                                      </p:cBhvr>
+                                      <p:to>
+                                        <p:strVal val="visible"/>
+                                      </p:to>
+                                    </p:set>
+                                    <p:animEffect transition="in" filter="circle(out)">
+                                      <p:cBhvr>
+                                        <p:cTn id="27" dur="500"/>
+                                        <p:tgtEl>
+                                          <p:spTgt spid="36"/>
+                                        </p:tgtEl>
+                                      </p:cBhvr>
+                                    </p:animEffect>
+                                  </p:childTnLst>
+                                </p:cTn>
+                              </p:par>
+                            </p:childTnLst>
+                          </p:cTn>
+                        </p:par>
+                      </p:childTnLst>
+                    </p:cTn>
+                  </p:par>
+                  <p:par>
+                    <p:cTn id="28" fill="hold">
+                      <p:stCondLst>
+                        <p:cond delay="indefinite"/>
+                      </p:stCondLst>
+                      <p:childTnLst>
+                        <p:par>
+                          <p:cTn id="29" fill="hold">
+                            <p:stCondLst>
+                              <p:cond delay="0"/>
+                            </p:stCondLst>
+                            <p:childTnLst>
+                              <p:par>
+                                <p:cTn id="30" presetID="53" presetClass="entr" presetSubtype="16" fill="hold" nodeType="clickEffect">
+                                  <p:stCondLst>
+                                    <p:cond delay="0"/>
+                                  </p:stCondLst>
+                                  <p:childTnLst>
+                                    <p:set>
+                                      <p:cBhvr>
+                                        <p:cTn id="31" dur="1" fill="hold">
+                                          <p:stCondLst>
+                                            <p:cond delay="0"/>
+                                          </p:stCondLst>
+                                        </p:cTn>
+                                        <p:tgtEl>
+                                          <p:spTgt spid="38"/>
+                                        </p:tgtEl>
+                                        <p:attrNameLst>
+                                          <p:attrName>style.visibility</p:attrName>
+                                        </p:attrNameLst>
+                                      </p:cBhvr>
+                                      <p:to>
+                                        <p:strVal val="visible"/>
+                                      </p:to>
+                                    </p:set>
+                                    <p:anim calcmode="lin" valueType="num">
+                                      <p:cBhvr>
+                                        <p:cTn id="32" dur="500" fill="hold"/>
+                                        <p:tgtEl>
+                                          <p:spTgt spid="38"/>
+                                        </p:tgtEl>
+                                        <p:attrNameLst>
+                                          <p:attrName>ppt_w</p:attrName>
+                                        </p:attrNameLst>
+                                      </p:cBhvr>
+                                      <p:tavLst>
+                                        <p:tav tm="0">
+                                          <p:val>
+                                            <p:fltVal val="0"/>
+                                          </p:val>
+                                        </p:tav>
+                                        <p:tav tm="100000">
+                                          <p:val>
+                                            <p:strVal val="#ppt_w"/>
+                                          </p:val>
+                                        </p:tav>
+                                      </p:tavLst>
+                                    </p:anim>
+                                    <p:anim calcmode="lin" valueType="num">
+                                      <p:cBhvr>
+                                        <p:cTn id="33" dur="500" fill="hold"/>
+                                        <p:tgtEl>
+                                          <p:spTgt spid="38"/>
+                                        </p:tgtEl>
+                                        <p:attrNameLst>
+                                          <p:attrName>ppt_h</p:attrName>
+                                        </p:attrNameLst>
+                                      </p:cBhvr>
+                                      <p:tavLst>
+                                        <p:tav tm="0">
+                                          <p:val>
+                                            <p:fltVal val="0"/>
+                                          </p:val>
+                                        </p:tav>
+                                        <p:tav tm="100000">
+                                          <p:val>
+                                            <p:strVal val="#ppt_h"/>
+                                          </p:val>
+                                        </p:tav>
+                                      </p:tavLst>
+                                    </p:anim>
+                                    <p:animEffect transition="in" filter="fade">
+                                      <p:cBhvr>
+                                        <p:cTn id="34" dur="500"/>
+                                        <p:tgtEl>
+                                          <p:spTgt spid="38"/>
+                                        </p:tgtEl>
+                                      </p:cBhvr>
+                                    </p:animEffect>
+                                  </p:childTnLst>
+                                </p:cTn>
+                              </p:par>
+                            </p:childTnLst>
+                          </p:cTn>
+                        </p:par>
+                      </p:childTnLst>
+                    </p:cTn>
+                  </p:par>
+                </p:childTnLst>
+              </p:cTn>
+              <p:prevCondLst>
+                <p:cond evt="onPrev" delay="0">
+                  <p:tgtEl>
+                    <p:sldTgt/>
+                  </p:tgtEl>
+                </p:cond>
+              </p:prevCondLst>
+              <p:nextCondLst>
+                <p:cond evt="onNext" delay="0">
+                  <p:tgtEl>
+                    <p:sldTgt/>
+                  </p:tgtEl>
+                </p:cond>
+              </p:nextCondLst>
+            </p:seq>
+          </p:childTnLst>
+        </p:cTn>
+      </p:par>
+    </p:tnLst>
+  </p:timing>
+</p:sld>
+</file>
+
+<file path=ppt/slides/slide60.xml><?xml version="1.0" encoding="utf-8"?>
 <p:sld xmlns:a="http://schemas.openxmlformats.org/drawingml/2006/main" xmlns:r="http://schemas.openxmlformats.org/officeDocument/2006/relationships" xmlns:p="http://schemas.openxmlformats.org/presentationml/2006/main">
   <p:cSld>
     <p:spTree>
@@ -36350,7 +38763,7 @@
 </p:sld>
 </file>
 
-<file path=ppt/slides/slide58.xml><?xml version="1.0" encoding="utf-8"?>
+<file path=ppt/slides/slide61.xml><?xml version="1.0" encoding="utf-8"?>
 <p:sld xmlns:a="http://schemas.openxmlformats.org/drawingml/2006/main" xmlns:r="http://schemas.openxmlformats.org/officeDocument/2006/relationships" xmlns:p="http://schemas.openxmlformats.org/presentationml/2006/main">
   <p:cSld>
     <p:spTree>
@@ -38706,7 +41119,7 @@
 </p:sld>
 </file>
 
-<file path=ppt/slides/slide59.xml><?xml version="1.0" encoding="utf-8"?>
+<file path=ppt/slides/slide62.xml><?xml version="1.0" encoding="utf-8"?>
 <p:sld xmlns:a="http://schemas.openxmlformats.org/drawingml/2006/main" xmlns:r="http://schemas.openxmlformats.org/officeDocument/2006/relationships" xmlns:p="http://schemas.openxmlformats.org/presentationml/2006/main">
   <p:cSld>
     <p:spTree>
@@ -38866,1659 +41279,7 @@
 </p:sld>
 </file>
 
-<file path=ppt/slides/slide6.xml><?xml version="1.0" encoding="utf-8"?>
-<p:sld xmlns:a="http://schemas.openxmlformats.org/drawingml/2006/main" xmlns:r="http://schemas.openxmlformats.org/officeDocument/2006/relationships" xmlns:p="http://schemas.openxmlformats.org/presentationml/2006/main">
-  <p:cSld>
-    <p:spTree>
-      <p:nvGrpSpPr>
-        <p:cNvPr id="1" name=""/>
-        <p:cNvGrpSpPr/>
-        <p:nvPr/>
-      </p:nvGrpSpPr>
-      <p:grpSpPr>
-        <a:xfrm>
-          <a:off x="0" y="0"/>
-          <a:ext cx="0" cy="0"/>
-          <a:chOff x="0" y="0"/>
-          <a:chExt cx="0" cy="0"/>
-        </a:xfrm>
-      </p:grpSpPr>
-      <p:sp>
-        <p:nvSpPr>
-          <p:cNvPr id="2" name="標題 1">
-            <a:extLst>
-              <a:ext uri="{FF2B5EF4-FFF2-40B4-BE49-F238E27FC236}">
-                <a16:creationId xmlns:a16="http://schemas.microsoft.com/office/drawing/2014/main" id="{1D0E7EF7-BCA6-469B-B0A4-D5C04590FB24}"/>
-              </a:ext>
-            </a:extLst>
-          </p:cNvPr>
-          <p:cNvSpPr>
-            <a:spLocks noGrp="1"/>
-          </p:cNvSpPr>
-          <p:nvPr>
-            <p:ph type="title"/>
-          </p:nvPr>
-        </p:nvSpPr>
-        <p:spPr/>
-        <p:txBody>
-          <a:bodyPr/>
-          <a:lstStyle/>
-          <a:p>
-            <a:r>
-              <a:rPr lang="en-US" altLang="zh-TW" cap="none" dirty="0">
-                <a:latin typeface="Consolas" panose="020B0609020204030204" pitchFamily="49" charset="0"/>
-              </a:rPr>
-              <a:t>While </a:t>
-            </a:r>
-            <a:r>
-              <a:rPr lang="zh-TW" altLang="en-US" cap="none" dirty="0">
-                <a:latin typeface="STHeiti TC" panose="02000000000000000000" pitchFamily="2" charset="-120"/>
-                <a:ea typeface="STHeiti TC" panose="02000000000000000000" pitchFamily="2" charset="-120"/>
-              </a:rPr>
-              <a:t>迴圈</a:t>
-            </a:r>
-            <a:r>
-              <a:rPr lang="en-US" altLang="zh-TW" cap="none" dirty="0">
-                <a:latin typeface="Consolas" panose="020B0609020204030204" pitchFamily="49" charset="0"/>
-                <a:ea typeface="STHeiti TC" panose="02000000000000000000" pitchFamily="2" charset="-120"/>
-              </a:rPr>
-              <a:t> – </a:t>
-            </a:r>
-            <a:r>
-              <a:rPr lang="zh-TW" altLang="en-US" cap="none" dirty="0">
-                <a:latin typeface="STHeiti TC" panose="02000000000000000000" pitchFamily="2" charset="-120"/>
-                <a:ea typeface="STHeiti TC" panose="02000000000000000000" pitchFamily="2" charset="-120"/>
-              </a:rPr>
-              <a:t>範例</a:t>
-            </a:r>
-            <a:endParaRPr lang="zh-TW" altLang="en-US" dirty="0">
-              <a:latin typeface="STHeiti TC" panose="02000000000000000000" pitchFamily="2" charset="-120"/>
-              <a:ea typeface="STHeiti TC" panose="02000000000000000000" pitchFamily="2" charset="-120"/>
-            </a:endParaRPr>
-          </a:p>
-        </p:txBody>
-      </p:sp>
-      <p:pic>
-        <p:nvPicPr>
-          <p:cNvPr id="5" name="圖片 4">
-            <a:extLst>
-              <a:ext uri="{FF2B5EF4-FFF2-40B4-BE49-F238E27FC236}">
-                <a16:creationId xmlns:a16="http://schemas.microsoft.com/office/drawing/2014/main" id="{2A2B67C6-0EC3-4B1C-84DB-5F6D79F0EAC8}"/>
-              </a:ext>
-            </a:extLst>
-          </p:cNvPr>
-          <p:cNvPicPr>
-            <a:picLocks noChangeAspect="1"/>
-          </p:cNvPicPr>
-          <p:nvPr/>
-        </p:nvPicPr>
-        <p:blipFill>
-          <a:blip r:embed="rId2"/>
-          <a:stretch>
-            <a:fillRect/>
-          </a:stretch>
-        </p:blipFill>
-        <p:spPr>
-          <a:xfrm>
-            <a:off x="1141413" y="2340055"/>
-            <a:ext cx="4561555" cy="3460911"/>
-          </a:xfrm>
-          <a:prstGeom prst="rect">
-            <a:avLst/>
-          </a:prstGeom>
-        </p:spPr>
-      </p:pic>
-      <p:grpSp>
-        <p:nvGrpSpPr>
-          <p:cNvPr id="6" name="群組 5">
-            <a:extLst>
-              <a:ext uri="{FF2B5EF4-FFF2-40B4-BE49-F238E27FC236}">
-                <a16:creationId xmlns:a16="http://schemas.microsoft.com/office/drawing/2014/main" id="{7BE2C85E-D9CF-4AD6-B687-D199A93CCD32}"/>
-              </a:ext>
-            </a:extLst>
-          </p:cNvPr>
-          <p:cNvGrpSpPr/>
-          <p:nvPr/>
-        </p:nvGrpSpPr>
-        <p:grpSpPr>
-          <a:xfrm>
-            <a:off x="6900527" y="1183107"/>
-            <a:ext cx="1656011" cy="1323472"/>
-            <a:chOff x="9683833" y="1191128"/>
-            <a:chExt cx="1656011" cy="1323472"/>
-          </a:xfrm>
-        </p:grpSpPr>
-        <p:grpSp>
-          <p:nvGrpSpPr>
-            <p:cNvPr id="7" name="群組 6">
-              <a:extLst>
-                <a:ext uri="{FF2B5EF4-FFF2-40B4-BE49-F238E27FC236}">
-                  <a16:creationId xmlns:a16="http://schemas.microsoft.com/office/drawing/2014/main" id="{5992D52E-64EC-458E-A6BB-E203ABA774EB}"/>
-                </a:ext>
-              </a:extLst>
-            </p:cNvPr>
-            <p:cNvGrpSpPr/>
-            <p:nvPr/>
-          </p:nvGrpSpPr>
-          <p:grpSpPr>
-            <a:xfrm>
-              <a:off x="9683833" y="1191128"/>
-              <a:ext cx="1435768" cy="1323472"/>
-              <a:chOff x="9683833" y="1191128"/>
-              <a:chExt cx="1435768" cy="1323472"/>
-            </a:xfrm>
-          </p:grpSpPr>
-          <p:sp>
-            <p:nvSpPr>
-              <p:cNvPr id="9" name="矩形: 圓角 8">
-                <a:extLst>
-                  <a:ext uri="{FF2B5EF4-FFF2-40B4-BE49-F238E27FC236}">
-                    <a16:creationId xmlns:a16="http://schemas.microsoft.com/office/drawing/2014/main" id="{ACE07E87-0102-4BC1-9488-4C0F2D9D5D43}"/>
-                  </a:ext>
-                </a:extLst>
-              </p:cNvPr>
-              <p:cNvSpPr/>
-              <p:nvPr/>
-            </p:nvSpPr>
-            <p:spPr>
-              <a:xfrm>
-                <a:off x="9683833" y="1712495"/>
-                <a:ext cx="1435768" cy="802105"/>
-              </a:xfrm>
-              <a:prstGeom prst="roundRect">
-                <a:avLst/>
-              </a:prstGeom>
-            </p:spPr>
-            <p:style>
-              <a:lnRef idx="2">
-                <a:schemeClr val="accent1">
-                  <a:shade val="50000"/>
-                </a:schemeClr>
-              </a:lnRef>
-              <a:fillRef idx="1">
-                <a:schemeClr val="accent1"/>
-              </a:fillRef>
-              <a:effectRef idx="0">
-                <a:schemeClr val="accent1"/>
-              </a:effectRef>
-              <a:fontRef idx="minor">
-                <a:schemeClr val="lt1"/>
-              </a:fontRef>
-            </p:style>
-            <p:txBody>
-              <a:bodyPr rtlCol="0" anchor="ctr"/>
-              <a:lstStyle/>
-              <a:p>
-                <a:pPr algn="ctr"/>
-                <a:r>
-                  <a:rPr lang="en-US" altLang="zh-TW" dirty="0" err="1">
-                    <a:latin typeface="Consolas" panose="020B0609020204030204" pitchFamily="49" charset="0"/>
-                  </a:rPr>
-                  <a:t>i</a:t>
-                </a:r>
-                <a:r>
-                  <a:rPr lang="en-US" altLang="zh-TW" dirty="0">
-                    <a:latin typeface="Consolas" panose="020B0609020204030204" pitchFamily="49" charset="0"/>
-                  </a:rPr>
-                  <a:t> = 1</a:t>
-                </a:r>
-                <a:endParaRPr lang="zh-TW" altLang="en-US" dirty="0">
-                  <a:latin typeface="Consolas" panose="020B0609020204030204" pitchFamily="49" charset="0"/>
-                </a:endParaRPr>
-              </a:p>
-            </p:txBody>
-          </p:sp>
-          <p:sp>
-            <p:nvSpPr>
-              <p:cNvPr id="10" name="箭號: 向下 9">
-                <a:extLst>
-                  <a:ext uri="{FF2B5EF4-FFF2-40B4-BE49-F238E27FC236}">
-                    <a16:creationId xmlns:a16="http://schemas.microsoft.com/office/drawing/2014/main" id="{471F0D9E-14F4-4261-ACB7-6967B88F22BB}"/>
-                  </a:ext>
-                </a:extLst>
-              </p:cNvPr>
-              <p:cNvSpPr/>
-              <p:nvPr/>
-            </p:nvSpPr>
-            <p:spPr>
-              <a:xfrm>
-                <a:off x="10309475" y="1191128"/>
-                <a:ext cx="184484" cy="513346"/>
-              </a:xfrm>
-              <a:prstGeom prst="downArrow">
-                <a:avLst/>
-              </a:prstGeom>
-            </p:spPr>
-            <p:style>
-              <a:lnRef idx="2">
-                <a:schemeClr val="accent1">
-                  <a:shade val="50000"/>
-                </a:schemeClr>
-              </a:lnRef>
-              <a:fillRef idx="1">
-                <a:schemeClr val="accent1"/>
-              </a:fillRef>
-              <a:effectRef idx="0">
-                <a:schemeClr val="accent1"/>
-              </a:effectRef>
-              <a:fontRef idx="minor">
-                <a:schemeClr val="lt1"/>
-              </a:fontRef>
-            </p:style>
-            <p:txBody>
-              <a:bodyPr rtlCol="0" anchor="ctr"/>
-              <a:lstStyle/>
-              <a:p>
-                <a:pPr algn="ctr"/>
-                <a:endParaRPr lang="zh-TW" altLang="en-US" dirty="0"/>
-              </a:p>
-            </p:txBody>
-          </p:sp>
-        </p:grpSp>
-        <p:sp>
-          <p:nvSpPr>
-            <p:cNvPr id="8" name="文字方塊 7">
-              <a:extLst>
-                <a:ext uri="{FF2B5EF4-FFF2-40B4-BE49-F238E27FC236}">
-                  <a16:creationId xmlns:a16="http://schemas.microsoft.com/office/drawing/2014/main" id="{052AB989-6BB6-4B22-90C6-09205C7C49E0}"/>
-                </a:ext>
-              </a:extLst>
-            </p:cNvPr>
-            <p:cNvSpPr txBox="1"/>
-            <p:nvPr/>
-          </p:nvSpPr>
-          <p:spPr>
-            <a:xfrm>
-              <a:off x="10775266" y="1266782"/>
-              <a:ext cx="564578" cy="369332"/>
-            </a:xfrm>
-            <a:prstGeom prst="rect">
-              <a:avLst/>
-            </a:prstGeom>
-            <a:noFill/>
-          </p:spPr>
-          <p:txBody>
-            <a:bodyPr wrap="none" rtlCol="0">
-              <a:spAutoFit/>
-            </a:bodyPr>
-            <a:lstStyle/>
-            <a:p>
-              <a:r>
-                <a:rPr lang="en-US" altLang="zh-TW" dirty="0" err="1">
-                  <a:latin typeface="Consolas" panose="020B0609020204030204" pitchFamily="49" charset="0"/>
-                </a:rPr>
-                <a:t>i</a:t>
-              </a:r>
-              <a:r>
-                <a:rPr lang="en-US" altLang="zh-TW" dirty="0">
-                  <a:latin typeface="Consolas" panose="020B0609020204030204" pitchFamily="49" charset="0"/>
-                </a:rPr>
-                <a:t>++</a:t>
-              </a:r>
-              <a:endParaRPr lang="zh-TW" altLang="en-US" dirty="0">
-                <a:latin typeface="Consolas" panose="020B0609020204030204" pitchFamily="49" charset="0"/>
-              </a:endParaRPr>
-            </a:p>
-          </p:txBody>
-        </p:sp>
-      </p:grpSp>
-      <p:grpSp>
-        <p:nvGrpSpPr>
-          <p:cNvPr id="11" name="群組 10">
-            <a:extLst>
-              <a:ext uri="{FF2B5EF4-FFF2-40B4-BE49-F238E27FC236}">
-                <a16:creationId xmlns:a16="http://schemas.microsoft.com/office/drawing/2014/main" id="{987E1A93-8413-4BA2-A677-DB6F7D531D94}"/>
-              </a:ext>
-            </a:extLst>
-          </p:cNvPr>
-          <p:cNvGrpSpPr/>
-          <p:nvPr/>
-        </p:nvGrpSpPr>
-        <p:grpSpPr>
-          <a:xfrm>
-            <a:off x="6814080" y="2506578"/>
-            <a:ext cx="1742458" cy="1315452"/>
-            <a:chOff x="9683833" y="2514600"/>
-            <a:chExt cx="1742458" cy="1315452"/>
-          </a:xfrm>
-        </p:grpSpPr>
-        <p:grpSp>
-          <p:nvGrpSpPr>
-            <p:cNvPr id="12" name="群組 11">
-              <a:extLst>
-                <a:ext uri="{FF2B5EF4-FFF2-40B4-BE49-F238E27FC236}">
-                  <a16:creationId xmlns:a16="http://schemas.microsoft.com/office/drawing/2014/main" id="{4571E7C2-D12F-4123-A001-94481A050A62}"/>
-                </a:ext>
-              </a:extLst>
-            </p:cNvPr>
-            <p:cNvGrpSpPr/>
-            <p:nvPr/>
-          </p:nvGrpSpPr>
-          <p:grpSpPr>
-            <a:xfrm>
-              <a:off x="9683833" y="2514600"/>
-              <a:ext cx="1435768" cy="1315452"/>
-              <a:chOff x="9683833" y="2514600"/>
-              <a:chExt cx="1435768" cy="1315452"/>
-            </a:xfrm>
-          </p:grpSpPr>
-          <p:sp>
-            <p:nvSpPr>
-              <p:cNvPr id="14" name="矩形: 圓角 13">
-                <a:extLst>
-                  <a:ext uri="{FF2B5EF4-FFF2-40B4-BE49-F238E27FC236}">
-                    <a16:creationId xmlns:a16="http://schemas.microsoft.com/office/drawing/2014/main" id="{5A5A1344-69F5-42B9-8150-E517E226D2DE}"/>
-                  </a:ext>
-                </a:extLst>
-              </p:cNvPr>
-              <p:cNvSpPr/>
-              <p:nvPr/>
-            </p:nvSpPr>
-            <p:spPr>
-              <a:xfrm>
-                <a:off x="9683833" y="3027947"/>
-                <a:ext cx="1435768" cy="802105"/>
-              </a:xfrm>
-              <a:prstGeom prst="roundRect">
-                <a:avLst/>
-              </a:prstGeom>
-            </p:spPr>
-            <p:style>
-              <a:lnRef idx="2">
-                <a:schemeClr val="accent1">
-                  <a:shade val="50000"/>
-                </a:schemeClr>
-              </a:lnRef>
-              <a:fillRef idx="1">
-                <a:schemeClr val="accent1"/>
-              </a:fillRef>
-              <a:effectRef idx="0">
-                <a:schemeClr val="accent1"/>
-              </a:effectRef>
-              <a:fontRef idx="minor">
-                <a:schemeClr val="lt1"/>
-              </a:fontRef>
-            </p:style>
-            <p:txBody>
-              <a:bodyPr rtlCol="0" anchor="ctr"/>
-              <a:lstStyle/>
-              <a:p>
-                <a:pPr algn="ctr"/>
-                <a:r>
-                  <a:rPr lang="en-US" altLang="zh-TW" dirty="0">
-                    <a:latin typeface="Consolas" panose="020B0609020204030204" pitchFamily="49" charset="0"/>
-                  </a:rPr>
-                  <a:t>i = 2</a:t>
-                </a:r>
-                <a:endParaRPr lang="zh-TW" altLang="en-US" dirty="0">
-                  <a:latin typeface="Consolas" panose="020B0609020204030204" pitchFamily="49" charset="0"/>
-                </a:endParaRPr>
-              </a:p>
-            </p:txBody>
-          </p:sp>
-          <p:sp>
-            <p:nvSpPr>
-              <p:cNvPr id="15" name="箭號: 向下 14">
-                <a:extLst>
-                  <a:ext uri="{FF2B5EF4-FFF2-40B4-BE49-F238E27FC236}">
-                    <a16:creationId xmlns:a16="http://schemas.microsoft.com/office/drawing/2014/main" id="{AE6E5C11-1625-4A5B-9E7E-6132D8506B7B}"/>
-                  </a:ext>
-                </a:extLst>
-              </p:cNvPr>
-              <p:cNvSpPr/>
-              <p:nvPr/>
-            </p:nvSpPr>
-            <p:spPr>
-              <a:xfrm>
-                <a:off x="10395922" y="2514600"/>
-                <a:ext cx="184484" cy="513346"/>
-              </a:xfrm>
-              <a:prstGeom prst="downArrow">
-                <a:avLst/>
-              </a:prstGeom>
-            </p:spPr>
-            <p:style>
-              <a:lnRef idx="2">
-                <a:schemeClr val="accent1">
-                  <a:shade val="50000"/>
-                </a:schemeClr>
-              </a:lnRef>
-              <a:fillRef idx="1">
-                <a:schemeClr val="accent1"/>
-              </a:fillRef>
-              <a:effectRef idx="0">
-                <a:schemeClr val="accent1"/>
-              </a:effectRef>
-              <a:fontRef idx="minor">
-                <a:schemeClr val="lt1"/>
-              </a:fontRef>
-            </p:style>
-            <p:txBody>
-              <a:bodyPr rtlCol="0" anchor="ctr"/>
-              <a:lstStyle/>
-              <a:p>
-                <a:pPr algn="ctr"/>
-                <a:endParaRPr lang="zh-TW" altLang="en-US"/>
-              </a:p>
-            </p:txBody>
-          </p:sp>
-        </p:grpSp>
-        <p:sp>
-          <p:nvSpPr>
-            <p:cNvPr id="13" name="文字方塊 12">
-              <a:extLst>
-                <a:ext uri="{FF2B5EF4-FFF2-40B4-BE49-F238E27FC236}">
-                  <a16:creationId xmlns:a16="http://schemas.microsoft.com/office/drawing/2014/main" id="{8B272E68-0962-4368-833B-690EA8E415D3}"/>
-                </a:ext>
-              </a:extLst>
-            </p:cNvPr>
-            <p:cNvSpPr txBox="1"/>
-            <p:nvPr/>
-          </p:nvSpPr>
-          <p:spPr>
-            <a:xfrm>
-              <a:off x="10861713" y="2586607"/>
-              <a:ext cx="564578" cy="369332"/>
-            </a:xfrm>
-            <a:prstGeom prst="rect">
-              <a:avLst/>
-            </a:prstGeom>
-            <a:noFill/>
-          </p:spPr>
-          <p:txBody>
-            <a:bodyPr wrap="none" rtlCol="0">
-              <a:spAutoFit/>
-            </a:bodyPr>
-            <a:lstStyle/>
-            <a:p>
-              <a:r>
-                <a:rPr lang="en-US" altLang="zh-TW" dirty="0" err="1">
-                  <a:latin typeface="Consolas" panose="020B0609020204030204" pitchFamily="49" charset="0"/>
-                </a:rPr>
-                <a:t>i</a:t>
-              </a:r>
-              <a:r>
-                <a:rPr lang="en-US" altLang="zh-TW" dirty="0">
-                  <a:latin typeface="Consolas" panose="020B0609020204030204" pitchFamily="49" charset="0"/>
-                </a:rPr>
-                <a:t>++</a:t>
-              </a:r>
-              <a:endParaRPr lang="zh-TW" altLang="en-US" dirty="0">
-                <a:latin typeface="Consolas" panose="020B0609020204030204" pitchFamily="49" charset="0"/>
-              </a:endParaRPr>
-            </a:p>
-          </p:txBody>
-        </p:sp>
-      </p:grpSp>
-      <p:grpSp>
-        <p:nvGrpSpPr>
-          <p:cNvPr id="16" name="群組 15">
-            <a:extLst>
-              <a:ext uri="{FF2B5EF4-FFF2-40B4-BE49-F238E27FC236}">
-                <a16:creationId xmlns:a16="http://schemas.microsoft.com/office/drawing/2014/main" id="{9E80A9B0-0FF8-4510-B800-25A19D3C95A5}"/>
-              </a:ext>
-            </a:extLst>
-          </p:cNvPr>
-          <p:cNvGrpSpPr/>
-          <p:nvPr/>
-        </p:nvGrpSpPr>
-        <p:grpSpPr>
-          <a:xfrm>
-            <a:off x="6900527" y="3814009"/>
-            <a:ext cx="1656011" cy="1323476"/>
-            <a:chOff x="9683833" y="3822030"/>
-            <a:chExt cx="1656011" cy="1323476"/>
-          </a:xfrm>
-        </p:grpSpPr>
-        <p:grpSp>
-          <p:nvGrpSpPr>
-            <p:cNvPr id="17" name="群組 16">
-              <a:extLst>
-                <a:ext uri="{FF2B5EF4-FFF2-40B4-BE49-F238E27FC236}">
-                  <a16:creationId xmlns:a16="http://schemas.microsoft.com/office/drawing/2014/main" id="{B99044D0-3456-4A4C-A216-1D752EE8D6B9}"/>
-                </a:ext>
-              </a:extLst>
-            </p:cNvPr>
-            <p:cNvGrpSpPr/>
-            <p:nvPr/>
-          </p:nvGrpSpPr>
-          <p:grpSpPr>
-            <a:xfrm>
-              <a:off x="9683833" y="3822030"/>
-              <a:ext cx="1435768" cy="1323476"/>
-              <a:chOff x="9683833" y="3822030"/>
-              <a:chExt cx="1435768" cy="1323476"/>
-            </a:xfrm>
-          </p:grpSpPr>
-          <p:sp>
-            <p:nvSpPr>
-              <p:cNvPr id="19" name="矩形: 圓角 18">
-                <a:extLst>
-                  <a:ext uri="{FF2B5EF4-FFF2-40B4-BE49-F238E27FC236}">
-                    <a16:creationId xmlns:a16="http://schemas.microsoft.com/office/drawing/2014/main" id="{5EBD123B-74CD-47B2-8996-A089ADE83FFC}"/>
-                  </a:ext>
-                </a:extLst>
-              </p:cNvPr>
-              <p:cNvSpPr/>
-              <p:nvPr/>
-            </p:nvSpPr>
-            <p:spPr>
-              <a:xfrm>
-                <a:off x="9683833" y="4343401"/>
-                <a:ext cx="1435768" cy="802105"/>
-              </a:xfrm>
-              <a:prstGeom prst="roundRect">
-                <a:avLst/>
-              </a:prstGeom>
-            </p:spPr>
-            <p:style>
-              <a:lnRef idx="2">
-                <a:schemeClr val="accent1">
-                  <a:shade val="50000"/>
-                </a:schemeClr>
-              </a:lnRef>
-              <a:fillRef idx="1">
-                <a:schemeClr val="accent1"/>
-              </a:fillRef>
-              <a:effectRef idx="0">
-                <a:schemeClr val="accent1"/>
-              </a:effectRef>
-              <a:fontRef idx="minor">
-                <a:schemeClr val="lt1"/>
-              </a:fontRef>
-            </p:style>
-            <p:txBody>
-              <a:bodyPr rtlCol="0" anchor="ctr"/>
-              <a:lstStyle/>
-              <a:p>
-                <a:pPr algn="ctr"/>
-                <a:r>
-                  <a:rPr lang="en-US" altLang="zh-TW" dirty="0" err="1">
-                    <a:latin typeface="Consolas" panose="020B0609020204030204" pitchFamily="49" charset="0"/>
-                  </a:rPr>
-                  <a:t>i</a:t>
-                </a:r>
-                <a:r>
-                  <a:rPr lang="en-US" altLang="zh-TW" dirty="0">
-                    <a:latin typeface="Consolas" panose="020B0609020204030204" pitchFamily="49" charset="0"/>
-                  </a:rPr>
-                  <a:t> = 3</a:t>
-                </a:r>
-                <a:endParaRPr lang="zh-TW" altLang="en-US" dirty="0">
-                  <a:latin typeface="Consolas" panose="020B0609020204030204" pitchFamily="49" charset="0"/>
-                </a:endParaRPr>
-              </a:p>
-            </p:txBody>
-          </p:sp>
-          <p:sp>
-            <p:nvSpPr>
-              <p:cNvPr id="20" name="箭號: 向下 19">
-                <a:extLst>
-                  <a:ext uri="{FF2B5EF4-FFF2-40B4-BE49-F238E27FC236}">
-                    <a16:creationId xmlns:a16="http://schemas.microsoft.com/office/drawing/2014/main" id="{C1B3AB95-228C-49FE-ACD7-27C2F0E609D2}"/>
-                  </a:ext>
-                </a:extLst>
-              </p:cNvPr>
-              <p:cNvSpPr/>
-              <p:nvPr/>
-            </p:nvSpPr>
-            <p:spPr>
-              <a:xfrm>
-                <a:off x="10305464" y="3822030"/>
-                <a:ext cx="184484" cy="513346"/>
-              </a:xfrm>
-              <a:prstGeom prst="downArrow">
-                <a:avLst/>
-              </a:prstGeom>
-            </p:spPr>
-            <p:style>
-              <a:lnRef idx="2">
-                <a:schemeClr val="accent1">
-                  <a:shade val="50000"/>
-                </a:schemeClr>
-              </a:lnRef>
-              <a:fillRef idx="1">
-                <a:schemeClr val="accent1"/>
-              </a:fillRef>
-              <a:effectRef idx="0">
-                <a:schemeClr val="accent1"/>
-              </a:effectRef>
-              <a:fontRef idx="minor">
-                <a:schemeClr val="lt1"/>
-              </a:fontRef>
-            </p:style>
-            <p:txBody>
-              <a:bodyPr rtlCol="0" anchor="ctr"/>
-              <a:lstStyle/>
-              <a:p>
-                <a:pPr algn="ctr"/>
-                <a:endParaRPr lang="zh-TW" altLang="en-US" dirty="0"/>
-              </a:p>
-            </p:txBody>
-          </p:sp>
-        </p:grpSp>
-        <p:sp>
-          <p:nvSpPr>
-            <p:cNvPr id="18" name="文字方塊 17">
-              <a:extLst>
-                <a:ext uri="{FF2B5EF4-FFF2-40B4-BE49-F238E27FC236}">
-                  <a16:creationId xmlns:a16="http://schemas.microsoft.com/office/drawing/2014/main" id="{1C791A78-7309-48EB-8227-6EB48C5DC75F}"/>
-                </a:ext>
-              </a:extLst>
-            </p:cNvPr>
-            <p:cNvSpPr txBox="1"/>
-            <p:nvPr/>
-          </p:nvSpPr>
-          <p:spPr>
-            <a:xfrm>
-              <a:off x="10775266" y="3893865"/>
-              <a:ext cx="564578" cy="369332"/>
-            </a:xfrm>
-            <a:prstGeom prst="rect">
-              <a:avLst/>
-            </a:prstGeom>
-            <a:noFill/>
-          </p:spPr>
-          <p:txBody>
-            <a:bodyPr wrap="none" rtlCol="0">
-              <a:spAutoFit/>
-            </a:bodyPr>
-            <a:lstStyle/>
-            <a:p>
-              <a:r>
-                <a:rPr lang="en-US" altLang="zh-TW" dirty="0" err="1">
-                  <a:latin typeface="Consolas" panose="020B0609020204030204" pitchFamily="49" charset="0"/>
-                </a:rPr>
-                <a:t>i</a:t>
-              </a:r>
-              <a:r>
-                <a:rPr lang="en-US" altLang="zh-TW" dirty="0">
-                  <a:latin typeface="Consolas" panose="020B0609020204030204" pitchFamily="49" charset="0"/>
-                </a:rPr>
-                <a:t>++</a:t>
-              </a:r>
-              <a:endParaRPr lang="zh-TW" altLang="en-US" dirty="0">
-                <a:latin typeface="Consolas" panose="020B0609020204030204" pitchFamily="49" charset="0"/>
-              </a:endParaRPr>
-            </a:p>
-          </p:txBody>
-        </p:sp>
-      </p:grpSp>
-      <p:grpSp>
-        <p:nvGrpSpPr>
-          <p:cNvPr id="21" name="群組 20">
-            <a:extLst>
-              <a:ext uri="{FF2B5EF4-FFF2-40B4-BE49-F238E27FC236}">
-                <a16:creationId xmlns:a16="http://schemas.microsoft.com/office/drawing/2014/main" id="{B6BEAAA4-87AA-4ACF-8987-D300AC98B256}"/>
-              </a:ext>
-            </a:extLst>
-          </p:cNvPr>
-          <p:cNvGrpSpPr/>
-          <p:nvPr/>
-        </p:nvGrpSpPr>
-        <p:grpSpPr>
-          <a:xfrm>
-            <a:off x="6900527" y="5137485"/>
-            <a:ext cx="1656011" cy="1315454"/>
-            <a:chOff x="9683833" y="5145506"/>
-            <a:chExt cx="1656011" cy="1315454"/>
-          </a:xfrm>
-        </p:grpSpPr>
-        <p:grpSp>
-          <p:nvGrpSpPr>
-            <p:cNvPr id="22" name="群組 21">
-              <a:extLst>
-                <a:ext uri="{FF2B5EF4-FFF2-40B4-BE49-F238E27FC236}">
-                  <a16:creationId xmlns:a16="http://schemas.microsoft.com/office/drawing/2014/main" id="{63D14EAA-BD3F-4FA8-BCFA-23E97CA3D97C}"/>
-                </a:ext>
-              </a:extLst>
-            </p:cNvPr>
-            <p:cNvGrpSpPr/>
-            <p:nvPr/>
-          </p:nvGrpSpPr>
-          <p:grpSpPr>
-            <a:xfrm>
-              <a:off x="9683833" y="5145506"/>
-              <a:ext cx="1435768" cy="1315454"/>
-              <a:chOff x="9683833" y="5145506"/>
-              <a:chExt cx="1435768" cy="1315454"/>
-            </a:xfrm>
-          </p:grpSpPr>
-          <p:sp>
-            <p:nvSpPr>
-              <p:cNvPr id="24" name="矩形: 圓角 23">
-                <a:extLst>
-                  <a:ext uri="{FF2B5EF4-FFF2-40B4-BE49-F238E27FC236}">
-                    <a16:creationId xmlns:a16="http://schemas.microsoft.com/office/drawing/2014/main" id="{B2DCD887-238A-4E18-A13F-B1EC72D888FC}"/>
-                  </a:ext>
-                </a:extLst>
-              </p:cNvPr>
-              <p:cNvSpPr/>
-              <p:nvPr/>
-            </p:nvSpPr>
-            <p:spPr>
-              <a:xfrm>
-                <a:off x="9683833" y="5658855"/>
-                <a:ext cx="1435768" cy="802105"/>
-              </a:xfrm>
-              <a:prstGeom prst="roundRect">
-                <a:avLst/>
-              </a:prstGeom>
-            </p:spPr>
-            <p:style>
-              <a:lnRef idx="2">
-                <a:schemeClr val="accent1">
-                  <a:shade val="50000"/>
-                </a:schemeClr>
-              </a:lnRef>
-              <a:fillRef idx="1">
-                <a:schemeClr val="accent1"/>
-              </a:fillRef>
-              <a:effectRef idx="0">
-                <a:schemeClr val="accent1"/>
-              </a:effectRef>
-              <a:fontRef idx="minor">
-                <a:schemeClr val="lt1"/>
-              </a:fontRef>
-            </p:style>
-            <p:txBody>
-              <a:bodyPr rtlCol="0" anchor="ctr"/>
-              <a:lstStyle/>
-              <a:p>
-                <a:pPr algn="ctr"/>
-                <a:r>
-                  <a:rPr lang="en-US" altLang="zh-TW" dirty="0">
-                    <a:latin typeface="Consolas" panose="020B0609020204030204" pitchFamily="49" charset="0"/>
-                  </a:rPr>
-                  <a:t>i = 4</a:t>
-                </a:r>
-                <a:endParaRPr lang="zh-TW" altLang="en-US" dirty="0">
-                  <a:latin typeface="Consolas" panose="020B0609020204030204" pitchFamily="49" charset="0"/>
-                </a:endParaRPr>
-              </a:p>
-            </p:txBody>
-          </p:sp>
-          <p:sp>
-            <p:nvSpPr>
-              <p:cNvPr id="25" name="箭號: 向下 24">
-                <a:extLst>
-                  <a:ext uri="{FF2B5EF4-FFF2-40B4-BE49-F238E27FC236}">
-                    <a16:creationId xmlns:a16="http://schemas.microsoft.com/office/drawing/2014/main" id="{050637C3-2AE0-4300-AA24-08753DD8629B}"/>
-                  </a:ext>
-                </a:extLst>
-              </p:cNvPr>
-              <p:cNvSpPr/>
-              <p:nvPr/>
-            </p:nvSpPr>
-            <p:spPr>
-              <a:xfrm>
-                <a:off x="10315270" y="5145506"/>
-                <a:ext cx="184484" cy="513346"/>
-              </a:xfrm>
-              <a:prstGeom prst="downArrow">
-                <a:avLst/>
-              </a:prstGeom>
-            </p:spPr>
-            <p:style>
-              <a:lnRef idx="2">
-                <a:schemeClr val="accent1">
-                  <a:shade val="50000"/>
-                </a:schemeClr>
-              </a:lnRef>
-              <a:fillRef idx="1">
-                <a:schemeClr val="accent1"/>
-              </a:fillRef>
-              <a:effectRef idx="0">
-                <a:schemeClr val="accent1"/>
-              </a:effectRef>
-              <a:fontRef idx="minor">
-                <a:schemeClr val="lt1"/>
-              </a:fontRef>
-            </p:style>
-            <p:txBody>
-              <a:bodyPr rtlCol="0" anchor="ctr"/>
-              <a:lstStyle/>
-              <a:p>
-                <a:pPr algn="ctr"/>
-                <a:endParaRPr lang="zh-TW" altLang="en-US"/>
-              </a:p>
-            </p:txBody>
-          </p:sp>
-        </p:grpSp>
-        <p:sp>
-          <p:nvSpPr>
-            <p:cNvPr id="23" name="文字方塊 22">
-              <a:extLst>
-                <a:ext uri="{FF2B5EF4-FFF2-40B4-BE49-F238E27FC236}">
-                  <a16:creationId xmlns:a16="http://schemas.microsoft.com/office/drawing/2014/main" id="{000F7328-D15B-4F46-9A2E-862C9B82BB33}"/>
-                </a:ext>
-              </a:extLst>
-            </p:cNvPr>
-            <p:cNvSpPr txBox="1"/>
-            <p:nvPr/>
-          </p:nvSpPr>
-          <p:spPr>
-            <a:xfrm>
-              <a:off x="10775266" y="5218233"/>
-              <a:ext cx="564578" cy="369332"/>
-            </a:xfrm>
-            <a:prstGeom prst="rect">
-              <a:avLst/>
-            </a:prstGeom>
-            <a:noFill/>
-          </p:spPr>
-          <p:txBody>
-            <a:bodyPr wrap="none" rtlCol="0">
-              <a:spAutoFit/>
-            </a:bodyPr>
-            <a:lstStyle/>
-            <a:p>
-              <a:r>
-                <a:rPr lang="en-US" altLang="zh-TW" dirty="0" err="1">
-                  <a:latin typeface="Consolas" panose="020B0609020204030204" pitchFamily="49" charset="0"/>
-                </a:rPr>
-                <a:t>i</a:t>
-              </a:r>
-              <a:r>
-                <a:rPr lang="en-US" altLang="zh-TW" dirty="0">
-                  <a:latin typeface="Consolas" panose="020B0609020204030204" pitchFamily="49" charset="0"/>
-                </a:rPr>
-                <a:t>++</a:t>
-              </a:r>
-              <a:endParaRPr lang="zh-TW" altLang="en-US" dirty="0">
-                <a:latin typeface="Consolas" panose="020B0609020204030204" pitchFamily="49" charset="0"/>
-              </a:endParaRPr>
-            </a:p>
-          </p:txBody>
-        </p:sp>
-      </p:grpSp>
-      <p:sp>
-        <p:nvSpPr>
-          <p:cNvPr id="27" name="矩形: 圓角 26">
-            <a:extLst>
-              <a:ext uri="{FF2B5EF4-FFF2-40B4-BE49-F238E27FC236}">
-                <a16:creationId xmlns:a16="http://schemas.microsoft.com/office/drawing/2014/main" id="{0782D954-D1ED-487D-8724-4318B447A93C}"/>
-              </a:ext>
-            </a:extLst>
-          </p:cNvPr>
-          <p:cNvSpPr/>
-          <p:nvPr/>
-        </p:nvSpPr>
-        <p:spPr>
-          <a:xfrm>
-            <a:off x="6900527" y="389022"/>
-            <a:ext cx="1435768" cy="802105"/>
-          </a:xfrm>
-          <a:prstGeom prst="roundRect">
-            <a:avLst/>
-          </a:prstGeom>
-        </p:spPr>
-        <p:style>
-          <a:lnRef idx="2">
-            <a:schemeClr val="accent1">
-              <a:shade val="50000"/>
-            </a:schemeClr>
-          </a:lnRef>
-          <a:fillRef idx="1">
-            <a:schemeClr val="accent1"/>
-          </a:fillRef>
-          <a:effectRef idx="0">
-            <a:schemeClr val="accent1"/>
-          </a:effectRef>
-          <a:fontRef idx="minor">
-            <a:schemeClr val="lt1"/>
-          </a:fontRef>
-        </p:style>
-        <p:txBody>
-          <a:bodyPr rtlCol="0" anchor="ctr"/>
-          <a:lstStyle/>
-          <a:p>
-            <a:pPr algn="ctr"/>
-            <a:r>
-              <a:rPr lang="en-US" altLang="zh-TW" dirty="0">
-                <a:latin typeface="Consolas" panose="020B0609020204030204" pitchFamily="49" charset="0"/>
-              </a:rPr>
-              <a:t>i = 0</a:t>
-            </a:r>
-            <a:endParaRPr lang="zh-TW" altLang="en-US" dirty="0">
-              <a:latin typeface="Consolas" panose="020B0609020204030204" pitchFamily="49" charset="0"/>
-            </a:endParaRPr>
-          </a:p>
-        </p:txBody>
-      </p:sp>
-      <p:grpSp>
-        <p:nvGrpSpPr>
-          <p:cNvPr id="36" name="群組 35">
-            <a:extLst>
-              <a:ext uri="{FF2B5EF4-FFF2-40B4-BE49-F238E27FC236}">
-                <a16:creationId xmlns:a16="http://schemas.microsoft.com/office/drawing/2014/main" id="{697F5705-E1C8-402F-A6F5-513D1BAED1FB}"/>
-              </a:ext>
-            </a:extLst>
-          </p:cNvPr>
-          <p:cNvGrpSpPr/>
-          <p:nvPr/>
-        </p:nvGrpSpPr>
-        <p:grpSpPr>
-          <a:xfrm>
-            <a:off x="8347885" y="5107407"/>
-            <a:ext cx="1888958" cy="1888958"/>
-            <a:chOff x="8347885" y="5107407"/>
-            <a:chExt cx="1888958" cy="1888958"/>
-          </a:xfrm>
-        </p:grpSpPr>
-        <p:sp>
-          <p:nvSpPr>
-            <p:cNvPr id="30" name="箭號: 向下 29">
-              <a:extLst>
-                <a:ext uri="{FF2B5EF4-FFF2-40B4-BE49-F238E27FC236}">
-                  <a16:creationId xmlns:a16="http://schemas.microsoft.com/office/drawing/2014/main" id="{E9071C8B-8963-4B39-AC65-EA497B3B4102}"/>
-                </a:ext>
-              </a:extLst>
-            </p:cNvPr>
-            <p:cNvSpPr/>
-            <p:nvPr/>
-          </p:nvSpPr>
-          <p:spPr>
-            <a:xfrm rot="16200000">
-              <a:off x="8685266" y="5795213"/>
-              <a:ext cx="184484" cy="513346"/>
-            </a:xfrm>
-            <a:prstGeom prst="downArrow">
-              <a:avLst/>
-            </a:prstGeom>
-          </p:spPr>
-          <p:style>
-            <a:lnRef idx="2">
-              <a:schemeClr val="accent1">
-                <a:shade val="50000"/>
-              </a:schemeClr>
-            </a:lnRef>
-            <a:fillRef idx="1">
-              <a:schemeClr val="accent1"/>
-            </a:fillRef>
-            <a:effectRef idx="0">
-              <a:schemeClr val="accent1"/>
-            </a:effectRef>
-            <a:fontRef idx="minor">
-              <a:schemeClr val="lt1"/>
-            </a:fontRef>
-          </p:style>
-          <p:txBody>
-            <a:bodyPr rtlCol="0" anchor="ctr"/>
-            <a:lstStyle/>
-            <a:p>
-              <a:pPr algn="ctr"/>
-              <a:endParaRPr lang="zh-TW" altLang="en-US"/>
-            </a:p>
-          </p:txBody>
-        </p:sp>
-        <p:grpSp>
-          <p:nvGrpSpPr>
-            <p:cNvPr id="33" name="群組 32">
-              <a:extLst>
-                <a:ext uri="{FF2B5EF4-FFF2-40B4-BE49-F238E27FC236}">
-                  <a16:creationId xmlns:a16="http://schemas.microsoft.com/office/drawing/2014/main" id="{CD8E0A4A-8705-43BB-ACF4-CB0CB5CC8CF3}"/>
-                </a:ext>
-              </a:extLst>
-            </p:cNvPr>
-            <p:cNvGrpSpPr/>
-            <p:nvPr/>
-          </p:nvGrpSpPr>
-          <p:grpSpPr>
-            <a:xfrm>
-              <a:off x="8347885" y="5107407"/>
-              <a:ext cx="1888958" cy="1888958"/>
-              <a:chOff x="2352173" y="3313763"/>
-              <a:chExt cx="1888958" cy="1888958"/>
-            </a:xfrm>
-          </p:grpSpPr>
-          <p:sp>
-            <p:nvSpPr>
-              <p:cNvPr id="34" name="矩形 33">
-                <a:extLst>
-                  <a:ext uri="{FF2B5EF4-FFF2-40B4-BE49-F238E27FC236}">
-                    <a16:creationId xmlns:a16="http://schemas.microsoft.com/office/drawing/2014/main" id="{76898DE3-FFC5-45C3-9308-7B37B484F69E}"/>
-                  </a:ext>
-                </a:extLst>
-              </p:cNvPr>
-              <p:cNvSpPr/>
-              <p:nvPr/>
-            </p:nvSpPr>
-            <p:spPr>
-              <a:xfrm rot="-2700000">
-                <a:off x="3220453" y="3313763"/>
-                <a:ext cx="152400" cy="1888958"/>
-              </a:xfrm>
-              <a:prstGeom prst="rect">
-                <a:avLst/>
-              </a:prstGeom>
-              <a:solidFill>
-                <a:srgbClr val="FF0000"/>
-              </a:solidFill>
-              <a:ln>
-                <a:solidFill>
-                  <a:srgbClr val="C00000"/>
-                </a:solidFill>
-              </a:ln>
-            </p:spPr>
-            <p:style>
-              <a:lnRef idx="2">
-                <a:schemeClr val="accent1">
-                  <a:shade val="50000"/>
-                </a:schemeClr>
-              </a:lnRef>
-              <a:fillRef idx="1">
-                <a:schemeClr val="accent1"/>
-              </a:fillRef>
-              <a:effectRef idx="0">
-                <a:schemeClr val="accent1"/>
-              </a:effectRef>
-              <a:fontRef idx="minor">
-                <a:schemeClr val="lt1"/>
-              </a:fontRef>
-            </p:style>
-            <p:txBody>
-              <a:bodyPr rtlCol="0" anchor="ctr"/>
-              <a:lstStyle/>
-              <a:p>
-                <a:pPr algn="ctr"/>
-                <a:endParaRPr lang="zh-TW" altLang="en-US"/>
-              </a:p>
-            </p:txBody>
-          </p:sp>
-          <p:sp>
-            <p:nvSpPr>
-              <p:cNvPr id="35" name="矩形 34">
-                <a:extLst>
-                  <a:ext uri="{FF2B5EF4-FFF2-40B4-BE49-F238E27FC236}">
-                    <a16:creationId xmlns:a16="http://schemas.microsoft.com/office/drawing/2014/main" id="{EF9AE834-8141-44A2-9943-9740EFF05D22}"/>
-                  </a:ext>
-                </a:extLst>
-              </p:cNvPr>
-              <p:cNvSpPr/>
-              <p:nvPr/>
-            </p:nvSpPr>
-            <p:spPr>
-              <a:xfrm rot="2700000">
-                <a:off x="3220452" y="3313764"/>
-                <a:ext cx="152400" cy="1888958"/>
-              </a:xfrm>
-              <a:prstGeom prst="rect">
-                <a:avLst/>
-              </a:prstGeom>
-              <a:solidFill>
-                <a:srgbClr val="FF0000"/>
-              </a:solidFill>
-              <a:ln>
-                <a:solidFill>
-                  <a:srgbClr val="C00000"/>
-                </a:solidFill>
-              </a:ln>
-            </p:spPr>
-            <p:style>
-              <a:lnRef idx="2">
-                <a:schemeClr val="accent1">
-                  <a:shade val="50000"/>
-                </a:schemeClr>
-              </a:lnRef>
-              <a:fillRef idx="1">
-                <a:schemeClr val="accent1"/>
-              </a:fillRef>
-              <a:effectRef idx="0">
-                <a:schemeClr val="accent1"/>
-              </a:effectRef>
-              <a:fontRef idx="minor">
-                <a:schemeClr val="lt1"/>
-              </a:fontRef>
-            </p:style>
-            <p:txBody>
-              <a:bodyPr rtlCol="0" anchor="ctr"/>
-              <a:lstStyle/>
-              <a:p>
-                <a:pPr algn="ctr"/>
-                <a:endParaRPr lang="zh-TW" altLang="en-US"/>
-              </a:p>
-            </p:txBody>
-          </p:sp>
-        </p:grpSp>
-        <p:sp>
-          <p:nvSpPr>
-            <p:cNvPr id="32" name="文字方塊 31">
-              <a:extLst>
-                <a:ext uri="{FF2B5EF4-FFF2-40B4-BE49-F238E27FC236}">
-                  <a16:creationId xmlns:a16="http://schemas.microsoft.com/office/drawing/2014/main" id="{3D817903-C601-48A6-A96B-93D33386E302}"/>
-                </a:ext>
-              </a:extLst>
-            </p:cNvPr>
-            <p:cNvSpPr txBox="1"/>
-            <p:nvPr/>
-          </p:nvSpPr>
-          <p:spPr>
-            <a:xfrm>
-              <a:off x="9218721" y="5867220"/>
-              <a:ext cx="855721" cy="369332"/>
-            </a:xfrm>
-            <a:prstGeom prst="rect">
-              <a:avLst/>
-            </a:prstGeom>
-            <a:noFill/>
-          </p:spPr>
-          <p:txBody>
-            <a:bodyPr wrap="square" rtlCol="0">
-              <a:spAutoFit/>
-            </a:bodyPr>
-            <a:lstStyle/>
-            <a:p>
-              <a:pPr algn="ctr"/>
-              <a:r>
-                <a:rPr lang="en-US" altLang="zh-TW" dirty="0">
-                  <a:latin typeface="Consolas" panose="020B0609020204030204" pitchFamily="49" charset="0"/>
-                </a:rPr>
-                <a:t>i = 5</a:t>
-              </a:r>
-              <a:endParaRPr lang="zh-TW" altLang="en-US" dirty="0">
-                <a:latin typeface="Consolas" panose="020B0609020204030204" pitchFamily="49" charset="0"/>
-              </a:endParaRPr>
-            </a:p>
-          </p:txBody>
-        </p:sp>
-        <p:sp>
-          <p:nvSpPr>
-            <p:cNvPr id="31" name="文字方塊 30">
-              <a:extLst>
-                <a:ext uri="{FF2B5EF4-FFF2-40B4-BE49-F238E27FC236}">
-                  <a16:creationId xmlns:a16="http://schemas.microsoft.com/office/drawing/2014/main" id="{D7ED7356-FEBA-441D-8EA3-AD78F465682E}"/>
-                </a:ext>
-              </a:extLst>
-            </p:cNvPr>
-            <p:cNvSpPr txBox="1"/>
-            <p:nvPr/>
-          </p:nvSpPr>
-          <p:spPr>
-            <a:xfrm>
-              <a:off x="8495219" y="6248400"/>
-              <a:ext cx="564578" cy="369332"/>
-            </a:xfrm>
-            <a:prstGeom prst="rect">
-              <a:avLst/>
-            </a:prstGeom>
-            <a:noFill/>
-          </p:spPr>
-          <p:txBody>
-            <a:bodyPr wrap="none" rtlCol="0">
-              <a:spAutoFit/>
-            </a:bodyPr>
-            <a:lstStyle/>
-            <a:p>
-              <a:r>
-                <a:rPr lang="en-US" altLang="zh-TW" dirty="0" err="1">
-                  <a:latin typeface="Consolas" panose="020B0609020204030204" pitchFamily="49" charset="0"/>
-                </a:rPr>
-                <a:t>i</a:t>
-              </a:r>
-              <a:r>
-                <a:rPr lang="en-US" altLang="zh-TW" dirty="0">
-                  <a:latin typeface="Consolas" panose="020B0609020204030204" pitchFamily="49" charset="0"/>
-                </a:rPr>
-                <a:t>++</a:t>
-              </a:r>
-              <a:endParaRPr lang="zh-TW" altLang="en-US" dirty="0">
-                <a:latin typeface="Consolas" panose="020B0609020204030204" pitchFamily="49" charset="0"/>
-              </a:endParaRPr>
-            </a:p>
-          </p:txBody>
-        </p:sp>
-      </p:grpSp>
-      <p:pic>
-        <p:nvPicPr>
-          <p:cNvPr id="38" name="圖片 37">
-            <a:extLst>
-              <a:ext uri="{FF2B5EF4-FFF2-40B4-BE49-F238E27FC236}">
-                <a16:creationId xmlns:a16="http://schemas.microsoft.com/office/drawing/2014/main" id="{40FDF315-4ED8-4E0E-A241-B06647B64391}"/>
-              </a:ext>
-            </a:extLst>
-          </p:cNvPr>
-          <p:cNvPicPr>
-            <a:picLocks noChangeAspect="1"/>
-          </p:cNvPicPr>
-          <p:nvPr/>
-        </p:nvPicPr>
-        <p:blipFill>
-          <a:blip r:embed="rId3"/>
-          <a:stretch>
-            <a:fillRect/>
-          </a:stretch>
-        </p:blipFill>
-        <p:spPr>
-          <a:xfrm>
-            <a:off x="1274623" y="3493316"/>
-            <a:ext cx="9639577" cy="1142469"/>
-          </a:xfrm>
-          <a:prstGeom prst="rect">
-            <a:avLst/>
-          </a:prstGeom>
-        </p:spPr>
-      </p:pic>
-    </p:spTree>
-    <p:extLst>
-      <p:ext uri="{BB962C8B-B14F-4D97-AF65-F5344CB8AC3E}">
-        <p14:creationId xmlns:p14="http://schemas.microsoft.com/office/powerpoint/2010/main" val="3744230213"/>
-      </p:ext>
-    </p:extLst>
-  </p:cSld>
-  <p:clrMapOvr>
-    <a:masterClrMapping/>
-  </p:clrMapOvr>
-  <mc:AlternateContent xmlns:mc="http://schemas.openxmlformats.org/markup-compatibility/2006" xmlns:p159="http://schemas.microsoft.com/office/powerpoint/2015/09/main">
-    <mc:Choice Requires="p159">
-      <p:transition spd="slow">
-        <p159:morph option="byChar"/>
-      </p:transition>
-    </mc:Choice>
-    <mc:Fallback xmlns="">
-      <p:transition spd="slow">
-        <p:fade/>
-      </p:transition>
-    </mc:Fallback>
-  </mc:AlternateContent>
-  <p:timing>
-    <p:tnLst>
-      <p:par>
-        <p:cTn id="1" dur="indefinite" restart="never" nodeType="tmRoot">
-          <p:childTnLst>
-            <p:seq concurrent="1" nextAc="seek">
-              <p:cTn id="2" dur="indefinite" nodeType="mainSeq">
-                <p:childTnLst>
-                  <p:par>
-                    <p:cTn id="3" fill="hold">
-                      <p:stCondLst>
-                        <p:cond delay="indefinite"/>
-                      </p:stCondLst>
-                      <p:childTnLst>
-                        <p:par>
-                          <p:cTn id="4" fill="hold">
-                            <p:stCondLst>
-                              <p:cond delay="0"/>
-                            </p:stCondLst>
-                            <p:childTnLst>
-                              <p:par>
-                                <p:cTn id="5" presetID="22" presetClass="entr" presetSubtype="1" fill="hold" nodeType="clickEffect">
-                                  <p:stCondLst>
-                                    <p:cond delay="0"/>
-                                  </p:stCondLst>
-                                  <p:childTnLst>
-                                    <p:set>
-                                      <p:cBhvr>
-                                        <p:cTn id="6" dur="1" fill="hold">
-                                          <p:stCondLst>
-                                            <p:cond delay="0"/>
-                                          </p:stCondLst>
-                                        </p:cTn>
-                                        <p:tgtEl>
-                                          <p:spTgt spid="6"/>
-                                        </p:tgtEl>
-                                        <p:attrNameLst>
-                                          <p:attrName>style.visibility</p:attrName>
-                                        </p:attrNameLst>
-                                      </p:cBhvr>
-                                      <p:to>
-                                        <p:strVal val="visible"/>
-                                      </p:to>
-                                    </p:set>
-                                    <p:animEffect transition="in" filter="wipe(up)">
-                                      <p:cBhvr>
-                                        <p:cTn id="7" dur="500"/>
-                                        <p:tgtEl>
-                                          <p:spTgt spid="6"/>
-                                        </p:tgtEl>
-                                      </p:cBhvr>
-                                    </p:animEffect>
-                                  </p:childTnLst>
-                                </p:cTn>
-                              </p:par>
-                            </p:childTnLst>
-                          </p:cTn>
-                        </p:par>
-                      </p:childTnLst>
-                    </p:cTn>
-                  </p:par>
-                  <p:par>
-                    <p:cTn id="8" fill="hold">
-                      <p:stCondLst>
-                        <p:cond delay="indefinite"/>
-                      </p:stCondLst>
-                      <p:childTnLst>
-                        <p:par>
-                          <p:cTn id="9" fill="hold">
-                            <p:stCondLst>
-                              <p:cond delay="0"/>
-                            </p:stCondLst>
-                            <p:childTnLst>
-                              <p:par>
-                                <p:cTn id="10" presetID="22" presetClass="entr" presetSubtype="1" fill="hold" nodeType="clickEffect">
-                                  <p:stCondLst>
-                                    <p:cond delay="0"/>
-                                  </p:stCondLst>
-                                  <p:childTnLst>
-                                    <p:set>
-                                      <p:cBhvr>
-                                        <p:cTn id="11" dur="1" fill="hold">
-                                          <p:stCondLst>
-                                            <p:cond delay="0"/>
-                                          </p:stCondLst>
-                                        </p:cTn>
-                                        <p:tgtEl>
-                                          <p:spTgt spid="11"/>
-                                        </p:tgtEl>
-                                        <p:attrNameLst>
-                                          <p:attrName>style.visibility</p:attrName>
-                                        </p:attrNameLst>
-                                      </p:cBhvr>
-                                      <p:to>
-                                        <p:strVal val="visible"/>
-                                      </p:to>
-                                    </p:set>
-                                    <p:animEffect transition="in" filter="wipe(up)">
-                                      <p:cBhvr>
-                                        <p:cTn id="12" dur="500"/>
-                                        <p:tgtEl>
-                                          <p:spTgt spid="11"/>
-                                        </p:tgtEl>
-                                      </p:cBhvr>
-                                    </p:animEffect>
-                                  </p:childTnLst>
-                                </p:cTn>
-                              </p:par>
-                            </p:childTnLst>
-                          </p:cTn>
-                        </p:par>
-                      </p:childTnLst>
-                    </p:cTn>
-                  </p:par>
-                  <p:par>
-                    <p:cTn id="13" fill="hold">
-                      <p:stCondLst>
-                        <p:cond delay="indefinite"/>
-                      </p:stCondLst>
-                      <p:childTnLst>
-                        <p:par>
-                          <p:cTn id="14" fill="hold">
-                            <p:stCondLst>
-                              <p:cond delay="0"/>
-                            </p:stCondLst>
-                            <p:childTnLst>
-                              <p:par>
-                                <p:cTn id="15" presetID="22" presetClass="entr" presetSubtype="1" fill="hold" nodeType="clickEffect">
-                                  <p:stCondLst>
-                                    <p:cond delay="0"/>
-                                  </p:stCondLst>
-                                  <p:childTnLst>
-                                    <p:set>
-                                      <p:cBhvr>
-                                        <p:cTn id="16" dur="1" fill="hold">
-                                          <p:stCondLst>
-                                            <p:cond delay="0"/>
-                                          </p:stCondLst>
-                                        </p:cTn>
-                                        <p:tgtEl>
-                                          <p:spTgt spid="16"/>
-                                        </p:tgtEl>
-                                        <p:attrNameLst>
-                                          <p:attrName>style.visibility</p:attrName>
-                                        </p:attrNameLst>
-                                      </p:cBhvr>
-                                      <p:to>
-                                        <p:strVal val="visible"/>
-                                      </p:to>
-                                    </p:set>
-                                    <p:animEffect transition="in" filter="wipe(up)">
-                                      <p:cBhvr>
-                                        <p:cTn id="17" dur="500"/>
-                                        <p:tgtEl>
-                                          <p:spTgt spid="16"/>
-                                        </p:tgtEl>
-                                      </p:cBhvr>
-                                    </p:animEffect>
-                                  </p:childTnLst>
-                                </p:cTn>
-                              </p:par>
-                            </p:childTnLst>
-                          </p:cTn>
-                        </p:par>
-                      </p:childTnLst>
-                    </p:cTn>
-                  </p:par>
-                  <p:par>
-                    <p:cTn id="18" fill="hold">
-                      <p:stCondLst>
-                        <p:cond delay="indefinite"/>
-                      </p:stCondLst>
-                      <p:childTnLst>
-                        <p:par>
-                          <p:cTn id="19" fill="hold">
-                            <p:stCondLst>
-                              <p:cond delay="0"/>
-                            </p:stCondLst>
-                            <p:childTnLst>
-                              <p:par>
-                                <p:cTn id="20" presetID="22" presetClass="entr" presetSubtype="1" fill="hold" nodeType="clickEffect">
-                                  <p:stCondLst>
-                                    <p:cond delay="0"/>
-                                  </p:stCondLst>
-                                  <p:childTnLst>
-                                    <p:set>
-                                      <p:cBhvr>
-                                        <p:cTn id="21" dur="1" fill="hold">
-                                          <p:stCondLst>
-                                            <p:cond delay="0"/>
-                                          </p:stCondLst>
-                                        </p:cTn>
-                                        <p:tgtEl>
-                                          <p:spTgt spid="21"/>
-                                        </p:tgtEl>
-                                        <p:attrNameLst>
-                                          <p:attrName>style.visibility</p:attrName>
-                                        </p:attrNameLst>
-                                      </p:cBhvr>
-                                      <p:to>
-                                        <p:strVal val="visible"/>
-                                      </p:to>
-                                    </p:set>
-                                    <p:animEffect transition="in" filter="wipe(up)">
-                                      <p:cBhvr>
-                                        <p:cTn id="22" dur="500"/>
-                                        <p:tgtEl>
-                                          <p:spTgt spid="21"/>
-                                        </p:tgtEl>
-                                      </p:cBhvr>
-                                    </p:animEffect>
-                                  </p:childTnLst>
-                                </p:cTn>
-                              </p:par>
-                            </p:childTnLst>
-                          </p:cTn>
-                        </p:par>
-                      </p:childTnLst>
-                    </p:cTn>
-                  </p:par>
-                  <p:par>
-                    <p:cTn id="23" fill="hold">
-                      <p:stCondLst>
-                        <p:cond delay="indefinite"/>
-                      </p:stCondLst>
-                      <p:childTnLst>
-                        <p:par>
-                          <p:cTn id="24" fill="hold">
-                            <p:stCondLst>
-                              <p:cond delay="0"/>
-                            </p:stCondLst>
-                            <p:childTnLst>
-                              <p:par>
-                                <p:cTn id="25" presetID="6" presetClass="entr" presetSubtype="32" fill="hold" nodeType="clickEffect">
-                                  <p:stCondLst>
-                                    <p:cond delay="0"/>
-                                  </p:stCondLst>
-                                  <p:childTnLst>
-                                    <p:set>
-                                      <p:cBhvr>
-                                        <p:cTn id="26" dur="1" fill="hold">
-                                          <p:stCondLst>
-                                            <p:cond delay="0"/>
-                                          </p:stCondLst>
-                                        </p:cTn>
-                                        <p:tgtEl>
-                                          <p:spTgt spid="36"/>
-                                        </p:tgtEl>
-                                        <p:attrNameLst>
-                                          <p:attrName>style.visibility</p:attrName>
-                                        </p:attrNameLst>
-                                      </p:cBhvr>
-                                      <p:to>
-                                        <p:strVal val="visible"/>
-                                      </p:to>
-                                    </p:set>
-                                    <p:animEffect transition="in" filter="circle(out)">
-                                      <p:cBhvr>
-                                        <p:cTn id="27" dur="500"/>
-                                        <p:tgtEl>
-                                          <p:spTgt spid="36"/>
-                                        </p:tgtEl>
-                                      </p:cBhvr>
-                                    </p:animEffect>
-                                  </p:childTnLst>
-                                </p:cTn>
-                              </p:par>
-                            </p:childTnLst>
-                          </p:cTn>
-                        </p:par>
-                      </p:childTnLst>
-                    </p:cTn>
-                  </p:par>
-                  <p:par>
-                    <p:cTn id="28" fill="hold">
-                      <p:stCondLst>
-                        <p:cond delay="indefinite"/>
-                      </p:stCondLst>
-                      <p:childTnLst>
-                        <p:par>
-                          <p:cTn id="29" fill="hold">
-                            <p:stCondLst>
-                              <p:cond delay="0"/>
-                            </p:stCondLst>
-                            <p:childTnLst>
-                              <p:par>
-                                <p:cTn id="30" presetID="53" presetClass="entr" presetSubtype="16" fill="hold" nodeType="clickEffect">
-                                  <p:stCondLst>
-                                    <p:cond delay="0"/>
-                                  </p:stCondLst>
-                                  <p:childTnLst>
-                                    <p:set>
-                                      <p:cBhvr>
-                                        <p:cTn id="31" dur="1" fill="hold">
-                                          <p:stCondLst>
-                                            <p:cond delay="0"/>
-                                          </p:stCondLst>
-                                        </p:cTn>
-                                        <p:tgtEl>
-                                          <p:spTgt spid="38"/>
-                                        </p:tgtEl>
-                                        <p:attrNameLst>
-                                          <p:attrName>style.visibility</p:attrName>
-                                        </p:attrNameLst>
-                                      </p:cBhvr>
-                                      <p:to>
-                                        <p:strVal val="visible"/>
-                                      </p:to>
-                                    </p:set>
-                                    <p:anim calcmode="lin" valueType="num">
-                                      <p:cBhvr>
-                                        <p:cTn id="32" dur="500" fill="hold"/>
-                                        <p:tgtEl>
-                                          <p:spTgt spid="38"/>
-                                        </p:tgtEl>
-                                        <p:attrNameLst>
-                                          <p:attrName>ppt_w</p:attrName>
-                                        </p:attrNameLst>
-                                      </p:cBhvr>
-                                      <p:tavLst>
-                                        <p:tav tm="0">
-                                          <p:val>
-                                            <p:fltVal val="0"/>
-                                          </p:val>
-                                        </p:tav>
-                                        <p:tav tm="100000">
-                                          <p:val>
-                                            <p:strVal val="#ppt_w"/>
-                                          </p:val>
-                                        </p:tav>
-                                      </p:tavLst>
-                                    </p:anim>
-                                    <p:anim calcmode="lin" valueType="num">
-                                      <p:cBhvr>
-                                        <p:cTn id="33" dur="500" fill="hold"/>
-                                        <p:tgtEl>
-                                          <p:spTgt spid="38"/>
-                                        </p:tgtEl>
-                                        <p:attrNameLst>
-                                          <p:attrName>ppt_h</p:attrName>
-                                        </p:attrNameLst>
-                                      </p:cBhvr>
-                                      <p:tavLst>
-                                        <p:tav tm="0">
-                                          <p:val>
-                                            <p:fltVal val="0"/>
-                                          </p:val>
-                                        </p:tav>
-                                        <p:tav tm="100000">
-                                          <p:val>
-                                            <p:strVal val="#ppt_h"/>
-                                          </p:val>
-                                        </p:tav>
-                                      </p:tavLst>
-                                    </p:anim>
-                                    <p:animEffect transition="in" filter="fade">
-                                      <p:cBhvr>
-                                        <p:cTn id="34" dur="500"/>
-                                        <p:tgtEl>
-                                          <p:spTgt spid="38"/>
-                                        </p:tgtEl>
-                                      </p:cBhvr>
-                                    </p:animEffect>
-                                  </p:childTnLst>
-                                </p:cTn>
-                              </p:par>
-                            </p:childTnLst>
-                          </p:cTn>
-                        </p:par>
-                      </p:childTnLst>
-                    </p:cTn>
-                  </p:par>
-                </p:childTnLst>
-              </p:cTn>
-              <p:prevCondLst>
-                <p:cond evt="onPrev" delay="0">
-                  <p:tgtEl>
-                    <p:sldTgt/>
-                  </p:tgtEl>
-                </p:cond>
-              </p:prevCondLst>
-              <p:nextCondLst>
-                <p:cond evt="onNext" delay="0">
-                  <p:tgtEl>
-                    <p:sldTgt/>
-                  </p:tgtEl>
-                </p:cond>
-              </p:nextCondLst>
-            </p:seq>
-          </p:childTnLst>
-        </p:cTn>
-      </p:par>
-    </p:tnLst>
-  </p:timing>
-</p:sld>
-</file>
-
-<file path=ppt/slides/slide60.xml><?xml version="1.0" encoding="utf-8"?>
+<file path=ppt/slides/slide63.xml><?xml version="1.0" encoding="utf-8"?>
 <p:sld xmlns:a="http://schemas.openxmlformats.org/drawingml/2006/main" xmlns:r="http://schemas.openxmlformats.org/officeDocument/2006/relationships" xmlns:p="http://schemas.openxmlformats.org/presentationml/2006/main">
   <p:cSld>
     <p:spTree>
@@ -40947,7 +41708,7 @@
 </p:sld>
 </file>
 
-<file path=ppt/slides/slide61.xml><?xml version="1.0" encoding="utf-8"?>
+<file path=ppt/slides/slide64.xml><?xml version="1.0" encoding="utf-8"?>
 <p:sld xmlns:a="http://schemas.openxmlformats.org/drawingml/2006/main" xmlns:r="http://schemas.openxmlformats.org/officeDocument/2006/relationships" xmlns:p="http://schemas.openxmlformats.org/presentationml/2006/main">
   <p:cSld>
     <p:spTree>
@@ -41135,7 +41896,7 @@
 </p:sld>
 </file>
 
-<file path=ppt/slides/slide62.xml><?xml version="1.0" encoding="utf-8"?>
+<file path=ppt/slides/slide65.xml><?xml version="1.0" encoding="utf-8"?>
 <p:sld xmlns:a="http://schemas.openxmlformats.org/drawingml/2006/main" xmlns:r="http://schemas.openxmlformats.org/officeDocument/2006/relationships" xmlns:p="http://schemas.openxmlformats.org/presentationml/2006/main">
   <p:cSld>
     <p:spTree>
@@ -41385,7 +42146,7 @@
 </p:sld>
 </file>
 
-<file path=ppt/slides/slide63.xml><?xml version="1.0" encoding="utf-8"?>
+<file path=ppt/slides/slide66.xml><?xml version="1.0" encoding="utf-8"?>
 <p:sld xmlns:a="http://schemas.openxmlformats.org/drawingml/2006/main" xmlns:r="http://schemas.openxmlformats.org/officeDocument/2006/relationships" xmlns:p="http://schemas.openxmlformats.org/presentationml/2006/main">
   <p:cSld>
     <p:spTree>
@@ -42200,7 +42961,7 @@
 </p:sld>
 </file>
 
-<file path=ppt/slides/slide64.xml><?xml version="1.0" encoding="utf-8"?>
+<file path=ppt/slides/slide67.xml><?xml version="1.0" encoding="utf-8"?>
 <p:sld xmlns:a="http://schemas.openxmlformats.org/drawingml/2006/main" xmlns:r="http://schemas.openxmlformats.org/officeDocument/2006/relationships" xmlns:p="http://schemas.openxmlformats.org/presentationml/2006/main">
   <p:cSld>
     <p:spTree>
@@ -42335,7 +43096,7 @@
 </p:sld>
 </file>
 
-<file path=ppt/slides/slide65.xml><?xml version="1.0" encoding="utf-8"?>
+<file path=ppt/slides/slide68.xml><?xml version="1.0" encoding="utf-8"?>
 <p:sld xmlns:a="http://schemas.openxmlformats.org/drawingml/2006/main" xmlns:r="http://schemas.openxmlformats.org/officeDocument/2006/relationships" xmlns:p="http://schemas.openxmlformats.org/presentationml/2006/main">
   <p:cSld>
     <p:spTree>

--- a/電機_C_Day_2.pptx
+++ b/電機_C_Day_2.pptx
@@ -12,67 +12,70 @@
     <p:sldId id="313" r:id="rId6"/>
     <p:sldId id="314" r:id="rId7"/>
     <p:sldId id="315" r:id="rId8"/>
-    <p:sldId id="316" r:id="rId9"/>
-    <p:sldId id="317" r:id="rId10"/>
-    <p:sldId id="319" r:id="rId11"/>
-    <p:sldId id="318" r:id="rId12"/>
-    <p:sldId id="320" r:id="rId13"/>
-    <p:sldId id="326" r:id="rId14"/>
-    <p:sldId id="258" r:id="rId15"/>
-    <p:sldId id="287" r:id="rId16"/>
-    <p:sldId id="295" r:id="rId17"/>
-    <p:sldId id="257" r:id="rId18"/>
-    <p:sldId id="259" r:id="rId19"/>
-    <p:sldId id="278" r:id="rId20"/>
-    <p:sldId id="260" r:id="rId21"/>
-    <p:sldId id="262" r:id="rId22"/>
-    <p:sldId id="289" r:id="rId23"/>
-    <p:sldId id="288" r:id="rId24"/>
-    <p:sldId id="264" r:id="rId25"/>
-    <p:sldId id="327" r:id="rId26"/>
-    <p:sldId id="328" r:id="rId27"/>
-    <p:sldId id="266" r:id="rId28"/>
-    <p:sldId id="267" r:id="rId29"/>
-    <p:sldId id="268" r:id="rId30"/>
-    <p:sldId id="291" r:id="rId31"/>
-    <p:sldId id="269" r:id="rId32"/>
-    <p:sldId id="271" r:id="rId33"/>
-    <p:sldId id="272" r:id="rId34"/>
-    <p:sldId id="273" r:id="rId35"/>
-    <p:sldId id="274" r:id="rId36"/>
-    <p:sldId id="292" r:id="rId37"/>
-    <p:sldId id="296" r:id="rId38"/>
-    <p:sldId id="297" r:id="rId39"/>
-    <p:sldId id="300" r:id="rId40"/>
-    <p:sldId id="298" r:id="rId41"/>
-    <p:sldId id="299" r:id="rId42"/>
-    <p:sldId id="301" r:id="rId43"/>
-    <p:sldId id="303" r:id="rId44"/>
-    <p:sldId id="304" r:id="rId45"/>
-    <p:sldId id="305" r:id="rId46"/>
-    <p:sldId id="306" r:id="rId47"/>
-    <p:sldId id="307" r:id="rId48"/>
-    <p:sldId id="310" r:id="rId49"/>
-    <p:sldId id="308" r:id="rId50"/>
-    <p:sldId id="311" r:id="rId51"/>
-    <p:sldId id="302" r:id="rId52"/>
-    <p:sldId id="279" r:id="rId53"/>
-    <p:sldId id="280" r:id="rId54"/>
-    <p:sldId id="321" r:id="rId55"/>
-    <p:sldId id="281" r:id="rId56"/>
-    <p:sldId id="329" r:id="rId57"/>
-    <p:sldId id="330" r:id="rId58"/>
-    <p:sldId id="332" r:id="rId59"/>
-    <p:sldId id="331" r:id="rId60"/>
-    <p:sldId id="284" r:id="rId61"/>
-    <p:sldId id="285" r:id="rId62"/>
-    <p:sldId id="324" r:id="rId63"/>
-    <p:sldId id="322" r:id="rId64"/>
-    <p:sldId id="323" r:id="rId65"/>
-    <p:sldId id="325" r:id="rId66"/>
-    <p:sldId id="286" r:id="rId67"/>
-    <p:sldId id="277" r:id="rId68"/>
-    <p:sldId id="290" r:id="rId69"/>
+    <p:sldId id="336" r:id="rId9"/>
+    <p:sldId id="316" r:id="rId10"/>
+    <p:sldId id="317" r:id="rId11"/>
+    <p:sldId id="319" r:id="rId12"/>
+    <p:sldId id="318" r:id="rId13"/>
+    <p:sldId id="320" r:id="rId14"/>
+    <p:sldId id="326" r:id="rId15"/>
+    <p:sldId id="258" r:id="rId16"/>
+    <p:sldId id="287" r:id="rId17"/>
+    <p:sldId id="295" r:id="rId18"/>
+    <p:sldId id="257" r:id="rId19"/>
+    <p:sldId id="259" r:id="rId20"/>
+    <p:sldId id="278" r:id="rId21"/>
+    <p:sldId id="260" r:id="rId22"/>
+    <p:sldId id="262" r:id="rId23"/>
+    <p:sldId id="289" r:id="rId24"/>
+    <p:sldId id="288" r:id="rId25"/>
+    <p:sldId id="264" r:id="rId26"/>
+    <p:sldId id="327" r:id="rId27"/>
+    <p:sldId id="328" r:id="rId28"/>
+    <p:sldId id="334" r:id="rId29"/>
+    <p:sldId id="266" r:id="rId30"/>
+    <p:sldId id="267" r:id="rId31"/>
+    <p:sldId id="268" r:id="rId32"/>
+    <p:sldId id="291" r:id="rId33"/>
+    <p:sldId id="269" r:id="rId34"/>
+    <p:sldId id="271" r:id="rId35"/>
+    <p:sldId id="272" r:id="rId36"/>
+    <p:sldId id="273" r:id="rId37"/>
+    <p:sldId id="274" r:id="rId38"/>
+    <p:sldId id="292" r:id="rId39"/>
+    <p:sldId id="296" r:id="rId40"/>
+    <p:sldId id="297" r:id="rId41"/>
+    <p:sldId id="300" r:id="rId42"/>
+    <p:sldId id="298" r:id="rId43"/>
+    <p:sldId id="299" r:id="rId44"/>
+    <p:sldId id="301" r:id="rId45"/>
+    <p:sldId id="303" r:id="rId46"/>
+    <p:sldId id="304" r:id="rId47"/>
+    <p:sldId id="305" r:id="rId48"/>
+    <p:sldId id="306" r:id="rId49"/>
+    <p:sldId id="307" r:id="rId50"/>
+    <p:sldId id="310" r:id="rId51"/>
+    <p:sldId id="308" r:id="rId52"/>
+    <p:sldId id="311" r:id="rId53"/>
+    <p:sldId id="302" r:id="rId54"/>
+    <p:sldId id="279" r:id="rId55"/>
+    <p:sldId id="280" r:id="rId56"/>
+    <p:sldId id="321" r:id="rId57"/>
+    <p:sldId id="281" r:id="rId58"/>
+    <p:sldId id="329" r:id="rId59"/>
+    <p:sldId id="330" r:id="rId60"/>
+    <p:sldId id="332" r:id="rId61"/>
+    <p:sldId id="331" r:id="rId62"/>
+    <p:sldId id="333" r:id="rId63"/>
+    <p:sldId id="284" r:id="rId64"/>
+    <p:sldId id="285" r:id="rId65"/>
+    <p:sldId id="324" r:id="rId66"/>
+    <p:sldId id="322" r:id="rId67"/>
+    <p:sldId id="323" r:id="rId68"/>
+    <p:sldId id="325" r:id="rId69"/>
+    <p:sldId id="286" r:id="rId70"/>
+    <p:sldId id="277" r:id="rId71"/>
+    <p:sldId id="290" r:id="rId72"/>
   </p:sldIdLst>
   <p:sldSz cx="12192000" cy="6858000"/>
   <p:notesSz cx="6858000" cy="9144000"/>
@@ -2839,7 +2842,7 @@
           <a:p>
             <a:fld id="{E293F93E-B5DE-4B50-93E6-ADB519FE5D77}" type="datetimeFigureOut">
               <a:rPr lang="zh-TW" altLang="en-US" smtClean="0"/>
-              <a:t>2023/7/17</a:t>
+              <a:t>2023/7/19</a:t>
             </a:fld>
             <a:endParaRPr lang="zh-TW" altLang="en-US"/>
           </a:p>
@@ -3130,7 +3133,7 @@
           <a:p>
             <a:fld id="{E293F93E-B5DE-4B50-93E6-ADB519FE5D77}" type="datetimeFigureOut">
               <a:rPr lang="zh-TW" altLang="en-US" smtClean="0"/>
-              <a:t>2023/7/17</a:t>
+              <a:t>2023/7/19</a:t>
             </a:fld>
             <a:endParaRPr lang="zh-TW" altLang="en-US"/>
           </a:p>
@@ -3389,7 +3392,7 @@
           <a:p>
             <a:fld id="{E293F93E-B5DE-4B50-93E6-ADB519FE5D77}" type="datetimeFigureOut">
               <a:rPr lang="zh-TW" altLang="en-US" smtClean="0"/>
-              <a:t>2023/7/17</a:t>
+              <a:t>2023/7/19</a:t>
             </a:fld>
             <a:endParaRPr lang="zh-TW" altLang="en-US"/>
           </a:p>
@@ -3858,7 +3861,7 @@
           <a:p>
             <a:fld id="{E293F93E-B5DE-4B50-93E6-ADB519FE5D77}" type="datetimeFigureOut">
               <a:rPr lang="zh-TW" altLang="en-US" smtClean="0"/>
-              <a:t>2023/7/17</a:t>
+              <a:t>2023/7/19</a:t>
             </a:fld>
             <a:endParaRPr lang="zh-TW" altLang="en-US"/>
           </a:p>
@@ -4038,7 +4041,7 @@
           <a:p>
             <a:fld id="{E293F93E-B5DE-4B50-93E6-ADB519FE5D77}" type="datetimeFigureOut">
               <a:rPr lang="zh-TW" altLang="en-US" smtClean="0"/>
-              <a:t>2023/7/17</a:t>
+              <a:t>2023/7/19</a:t>
             </a:fld>
             <a:endParaRPr lang="zh-TW" altLang="en-US"/>
           </a:p>
@@ -4614,7 +4617,7 @@
           <a:p>
             <a:fld id="{E293F93E-B5DE-4B50-93E6-ADB519FE5D77}" type="datetimeFigureOut">
               <a:rPr lang="zh-TW" altLang="en-US" smtClean="0"/>
-              <a:t>2023/7/17</a:t>
+              <a:t>2023/7/19</a:t>
             </a:fld>
             <a:endParaRPr lang="zh-TW" altLang="en-US"/>
           </a:p>
@@ -4946,7 +4949,7 @@
           <a:p>
             <a:fld id="{E293F93E-B5DE-4B50-93E6-ADB519FE5D77}" type="datetimeFigureOut">
               <a:rPr lang="zh-TW" altLang="en-US" smtClean="0"/>
-              <a:t>2023/7/17</a:t>
+              <a:t>2023/7/19</a:t>
             </a:fld>
             <a:endParaRPr lang="zh-TW" altLang="en-US"/>
           </a:p>
@@ -5121,7 +5124,7 @@
           <a:p>
             <a:fld id="{E293F93E-B5DE-4B50-93E6-ADB519FE5D77}" type="datetimeFigureOut">
               <a:rPr lang="zh-TW" altLang="en-US" smtClean="0"/>
-              <a:t>2023/7/17</a:t>
+              <a:t>2023/7/19</a:t>
             </a:fld>
             <a:endParaRPr lang="zh-TW" altLang="en-US"/>
           </a:p>
@@ -5301,7 +5304,7 @@
           <a:p>
             <a:fld id="{E293F93E-B5DE-4B50-93E6-ADB519FE5D77}" type="datetimeFigureOut">
               <a:rPr lang="zh-TW" altLang="en-US" smtClean="0"/>
-              <a:t>2023/7/17</a:t>
+              <a:t>2023/7/19</a:t>
             </a:fld>
             <a:endParaRPr lang="zh-TW" altLang="en-US"/>
           </a:p>
@@ -5471,7 +5474,7 @@
           <a:p>
             <a:fld id="{E293F93E-B5DE-4B50-93E6-ADB519FE5D77}" type="datetimeFigureOut">
               <a:rPr lang="zh-TW" altLang="en-US" smtClean="0"/>
-              <a:t>2023/7/17</a:t>
+              <a:t>2023/7/19</a:t>
             </a:fld>
             <a:endParaRPr lang="zh-TW" altLang="en-US"/>
           </a:p>
@@ -5728,7 +5731,7 @@
           <a:p>
             <a:fld id="{E293F93E-B5DE-4B50-93E6-ADB519FE5D77}" type="datetimeFigureOut">
               <a:rPr lang="zh-TW" altLang="en-US" smtClean="0"/>
-              <a:t>2023/7/17</a:t>
+              <a:t>2023/7/19</a:t>
             </a:fld>
             <a:endParaRPr lang="zh-TW" altLang="en-US"/>
           </a:p>
@@ -6020,7 +6023,7 @@
           <a:p>
             <a:fld id="{E293F93E-B5DE-4B50-93E6-ADB519FE5D77}" type="datetimeFigureOut">
               <a:rPr lang="zh-TW" altLang="en-US" smtClean="0"/>
-              <a:t>2023/7/17</a:t>
+              <a:t>2023/7/19</a:t>
             </a:fld>
             <a:endParaRPr lang="zh-TW" altLang="en-US"/>
           </a:p>
@@ -6450,7 +6453,7 @@
           <a:p>
             <a:fld id="{E293F93E-B5DE-4B50-93E6-ADB519FE5D77}" type="datetimeFigureOut">
               <a:rPr lang="zh-TW" altLang="en-US" smtClean="0"/>
-              <a:t>2023/7/17</a:t>
+              <a:t>2023/7/19</a:t>
             </a:fld>
             <a:endParaRPr lang="zh-TW" altLang="en-US"/>
           </a:p>
@@ -6568,7 +6571,7 @@
           <a:p>
             <a:fld id="{E293F93E-B5DE-4B50-93E6-ADB519FE5D77}" type="datetimeFigureOut">
               <a:rPr lang="zh-TW" altLang="en-US" smtClean="0"/>
-              <a:t>2023/7/17</a:t>
+              <a:t>2023/7/19</a:t>
             </a:fld>
             <a:endParaRPr lang="zh-TW" altLang="en-US"/>
           </a:p>
@@ -6663,7 +6666,7 @@
           <a:p>
             <a:fld id="{E293F93E-B5DE-4B50-93E6-ADB519FE5D77}" type="datetimeFigureOut">
               <a:rPr lang="zh-TW" altLang="en-US" smtClean="0"/>
-              <a:t>2023/7/17</a:t>
+              <a:t>2023/7/19</a:t>
             </a:fld>
             <a:endParaRPr lang="zh-TW" altLang="en-US"/>
           </a:p>
@@ -6946,7 +6949,7 @@
           <a:p>
             <a:fld id="{E293F93E-B5DE-4B50-93E6-ADB519FE5D77}" type="datetimeFigureOut">
               <a:rPr lang="zh-TW" altLang="en-US" smtClean="0"/>
-              <a:t>2023/7/17</a:t>
+              <a:t>2023/7/19</a:t>
             </a:fld>
             <a:endParaRPr lang="zh-TW" altLang="en-US"/>
           </a:p>
@@ -7237,7 +7240,7 @@
           <a:p>
             <a:fld id="{E293F93E-B5DE-4B50-93E6-ADB519FE5D77}" type="datetimeFigureOut">
               <a:rPr lang="zh-TW" altLang="en-US" smtClean="0"/>
-              <a:t>2023/7/17</a:t>
+              <a:t>2023/7/19</a:t>
             </a:fld>
             <a:endParaRPr lang="zh-TW" altLang="en-US"/>
           </a:p>
@@ -7468,7 +7471,7 @@
           <a:p>
             <a:fld id="{E293F93E-B5DE-4B50-93E6-ADB519FE5D77}" type="datetimeFigureOut">
               <a:rPr lang="zh-TW" altLang="en-US" smtClean="0"/>
-              <a:t>2023/7/17</a:t>
+              <a:t>2023/7/19</a:t>
             </a:fld>
             <a:endParaRPr lang="zh-TW" altLang="en-US"/>
           </a:p>
@@ -8396,6 +8399,956 @@
           </a:p>
         </p:txBody>
       </p:sp>
+      <p:sp>
+        <p:nvSpPr>
+          <p:cNvPr id="4" name="矩形: 圓角 3">
+            <a:extLst>
+              <a:ext uri="{FF2B5EF4-FFF2-40B4-BE49-F238E27FC236}">
+                <a16:creationId xmlns:a16="http://schemas.microsoft.com/office/drawing/2014/main" id="{2AE5729A-79D6-4A68-844F-5233B998D78F}"/>
+              </a:ext>
+            </a:extLst>
+          </p:cNvPr>
+          <p:cNvSpPr/>
+          <p:nvPr/>
+        </p:nvSpPr>
+        <p:spPr>
+          <a:xfrm>
+            <a:off x="3026664" y="3227832"/>
+            <a:ext cx="1060704" cy="740664"/>
+          </a:xfrm>
+          <a:prstGeom prst="roundRect">
+            <a:avLst/>
+          </a:prstGeom>
+        </p:spPr>
+        <p:style>
+          <a:lnRef idx="2">
+            <a:schemeClr val="accent1">
+              <a:shade val="50000"/>
+            </a:schemeClr>
+          </a:lnRef>
+          <a:fillRef idx="1">
+            <a:schemeClr val="accent1"/>
+          </a:fillRef>
+          <a:effectRef idx="0">
+            <a:schemeClr val="accent1"/>
+          </a:effectRef>
+          <a:fontRef idx="minor">
+            <a:schemeClr val="lt1"/>
+          </a:fontRef>
+        </p:style>
+        <p:txBody>
+          <a:bodyPr rtlCol="0" anchor="ctr"/>
+          <a:lstStyle/>
+          <a:p>
+            <a:pPr algn="ctr"/>
+            <a:endParaRPr lang="zh-TW" altLang="en-US"/>
+          </a:p>
+        </p:txBody>
+      </p:sp>
+      <p:sp>
+        <p:nvSpPr>
+          <p:cNvPr id="5" name="矩形: 圓角 4">
+            <a:extLst>
+              <a:ext uri="{FF2B5EF4-FFF2-40B4-BE49-F238E27FC236}">
+                <a16:creationId xmlns:a16="http://schemas.microsoft.com/office/drawing/2014/main" id="{A05D293D-AC3D-475A-8DAD-0F6C06621303}"/>
+              </a:ext>
+            </a:extLst>
+          </p:cNvPr>
+          <p:cNvSpPr/>
+          <p:nvPr/>
+        </p:nvSpPr>
+        <p:spPr>
+          <a:xfrm>
+            <a:off x="3026664" y="4584192"/>
+            <a:ext cx="1060704" cy="740664"/>
+          </a:xfrm>
+          <a:prstGeom prst="roundRect">
+            <a:avLst/>
+          </a:prstGeom>
+        </p:spPr>
+        <p:style>
+          <a:lnRef idx="2">
+            <a:schemeClr val="accent1">
+              <a:shade val="50000"/>
+            </a:schemeClr>
+          </a:lnRef>
+          <a:fillRef idx="1">
+            <a:schemeClr val="accent1"/>
+          </a:fillRef>
+          <a:effectRef idx="0">
+            <a:schemeClr val="accent1"/>
+          </a:effectRef>
+          <a:fontRef idx="minor">
+            <a:schemeClr val="lt1"/>
+          </a:fontRef>
+        </p:style>
+        <p:txBody>
+          <a:bodyPr rtlCol="0" anchor="ctr"/>
+          <a:lstStyle/>
+          <a:p>
+            <a:pPr algn="ctr"/>
+            <a:endParaRPr lang="zh-TW" altLang="en-US"/>
+          </a:p>
+        </p:txBody>
+      </p:sp>
+      <p:sp>
+        <p:nvSpPr>
+          <p:cNvPr id="6" name="矩形: 圓角 5">
+            <a:extLst>
+              <a:ext uri="{FF2B5EF4-FFF2-40B4-BE49-F238E27FC236}">
+                <a16:creationId xmlns:a16="http://schemas.microsoft.com/office/drawing/2014/main" id="{45DFBB00-EC01-4C55-9F3C-94A65693B475}"/>
+              </a:ext>
+            </a:extLst>
+          </p:cNvPr>
+          <p:cNvSpPr/>
+          <p:nvPr/>
+        </p:nvSpPr>
+        <p:spPr>
+          <a:xfrm>
+            <a:off x="4922519" y="4584192"/>
+            <a:ext cx="1060704" cy="740664"/>
+          </a:xfrm>
+          <a:prstGeom prst="roundRect">
+            <a:avLst/>
+          </a:prstGeom>
+        </p:spPr>
+        <p:style>
+          <a:lnRef idx="2">
+            <a:schemeClr val="accent1">
+              <a:shade val="50000"/>
+            </a:schemeClr>
+          </a:lnRef>
+          <a:fillRef idx="1">
+            <a:schemeClr val="accent1"/>
+          </a:fillRef>
+          <a:effectRef idx="0">
+            <a:schemeClr val="accent1"/>
+          </a:effectRef>
+          <a:fontRef idx="minor">
+            <a:schemeClr val="lt1"/>
+          </a:fontRef>
+        </p:style>
+        <p:txBody>
+          <a:bodyPr rtlCol="0" anchor="ctr"/>
+          <a:lstStyle/>
+          <a:p>
+            <a:pPr algn="ctr"/>
+            <a:endParaRPr lang="zh-TW" altLang="en-US"/>
+          </a:p>
+        </p:txBody>
+      </p:sp>
+      <p:sp>
+        <p:nvSpPr>
+          <p:cNvPr id="7" name="矩形: 圓角 6">
+            <a:extLst>
+              <a:ext uri="{FF2B5EF4-FFF2-40B4-BE49-F238E27FC236}">
+                <a16:creationId xmlns:a16="http://schemas.microsoft.com/office/drawing/2014/main" id="{4E5B4615-603D-4EDA-A92F-7F4CCEC73054}"/>
+              </a:ext>
+            </a:extLst>
+          </p:cNvPr>
+          <p:cNvSpPr/>
+          <p:nvPr/>
+        </p:nvSpPr>
+        <p:spPr>
+          <a:xfrm>
+            <a:off x="4922519" y="3227832"/>
+            <a:ext cx="1060704" cy="740664"/>
+          </a:xfrm>
+          <a:prstGeom prst="roundRect">
+            <a:avLst/>
+          </a:prstGeom>
+        </p:spPr>
+        <p:style>
+          <a:lnRef idx="2">
+            <a:schemeClr val="accent1">
+              <a:shade val="50000"/>
+            </a:schemeClr>
+          </a:lnRef>
+          <a:fillRef idx="1">
+            <a:schemeClr val="accent1"/>
+          </a:fillRef>
+          <a:effectRef idx="0">
+            <a:schemeClr val="accent1"/>
+          </a:effectRef>
+          <a:fontRef idx="minor">
+            <a:schemeClr val="lt1"/>
+          </a:fontRef>
+        </p:style>
+        <p:txBody>
+          <a:bodyPr rtlCol="0" anchor="ctr"/>
+          <a:lstStyle/>
+          <a:p>
+            <a:pPr algn="ctr"/>
+            <a:endParaRPr lang="zh-TW" altLang="en-US"/>
+          </a:p>
+        </p:txBody>
+      </p:sp>
+      <p:sp>
+        <p:nvSpPr>
+          <p:cNvPr id="8" name="矩形: 圓角 7">
+            <a:extLst>
+              <a:ext uri="{FF2B5EF4-FFF2-40B4-BE49-F238E27FC236}">
+                <a16:creationId xmlns:a16="http://schemas.microsoft.com/office/drawing/2014/main" id="{70E7DFC6-7BF4-4DEF-A5B3-4F8F9D2FEE4D}"/>
+              </a:ext>
+            </a:extLst>
+          </p:cNvPr>
+          <p:cNvSpPr/>
+          <p:nvPr/>
+        </p:nvSpPr>
+        <p:spPr>
+          <a:xfrm>
+            <a:off x="710184" y="3227832"/>
+            <a:ext cx="1060704" cy="740664"/>
+          </a:xfrm>
+          <a:prstGeom prst="roundRect">
+            <a:avLst/>
+          </a:prstGeom>
+        </p:spPr>
+        <p:style>
+          <a:lnRef idx="2">
+            <a:schemeClr val="accent1">
+              <a:shade val="50000"/>
+            </a:schemeClr>
+          </a:lnRef>
+          <a:fillRef idx="1">
+            <a:schemeClr val="accent1"/>
+          </a:fillRef>
+          <a:effectRef idx="0">
+            <a:schemeClr val="accent1"/>
+          </a:effectRef>
+          <a:fontRef idx="minor">
+            <a:schemeClr val="lt1"/>
+          </a:fontRef>
+        </p:style>
+        <p:txBody>
+          <a:bodyPr rtlCol="0" anchor="ctr"/>
+          <a:lstStyle/>
+          <a:p>
+            <a:pPr algn="ctr"/>
+            <a:endParaRPr lang="zh-TW" altLang="en-US"/>
+          </a:p>
+        </p:txBody>
+      </p:sp>
+      <p:sp>
+        <p:nvSpPr>
+          <p:cNvPr id="9" name="矩形: 圓角 8">
+            <a:extLst>
+              <a:ext uri="{FF2B5EF4-FFF2-40B4-BE49-F238E27FC236}">
+                <a16:creationId xmlns:a16="http://schemas.microsoft.com/office/drawing/2014/main" id="{BFE92C8E-9A09-45E3-876C-94314B97246C}"/>
+              </a:ext>
+            </a:extLst>
+          </p:cNvPr>
+          <p:cNvSpPr/>
+          <p:nvPr/>
+        </p:nvSpPr>
+        <p:spPr>
+          <a:xfrm>
+            <a:off x="7235954" y="3227832"/>
+            <a:ext cx="1060704" cy="740664"/>
+          </a:xfrm>
+          <a:prstGeom prst="roundRect">
+            <a:avLst/>
+          </a:prstGeom>
+        </p:spPr>
+        <p:style>
+          <a:lnRef idx="2">
+            <a:schemeClr val="accent1">
+              <a:shade val="50000"/>
+            </a:schemeClr>
+          </a:lnRef>
+          <a:fillRef idx="1">
+            <a:schemeClr val="accent1"/>
+          </a:fillRef>
+          <a:effectRef idx="0">
+            <a:schemeClr val="accent1"/>
+          </a:effectRef>
+          <a:fontRef idx="minor">
+            <a:schemeClr val="lt1"/>
+          </a:fontRef>
+        </p:style>
+        <p:txBody>
+          <a:bodyPr rtlCol="0" anchor="ctr"/>
+          <a:lstStyle/>
+          <a:p>
+            <a:pPr algn="ctr"/>
+            <a:endParaRPr lang="zh-TW" altLang="en-US"/>
+          </a:p>
+        </p:txBody>
+      </p:sp>
+      <p:sp>
+        <p:nvSpPr>
+          <p:cNvPr id="10" name="箭號: 向下 9">
+            <a:extLst>
+              <a:ext uri="{FF2B5EF4-FFF2-40B4-BE49-F238E27FC236}">
+                <a16:creationId xmlns:a16="http://schemas.microsoft.com/office/drawing/2014/main" id="{3C64F223-6EB2-41D4-87AD-E2AF1B2F75AF}"/>
+              </a:ext>
+            </a:extLst>
+          </p:cNvPr>
+          <p:cNvSpPr/>
+          <p:nvPr/>
+        </p:nvSpPr>
+        <p:spPr>
+          <a:xfrm>
+            <a:off x="3442716" y="3968496"/>
+            <a:ext cx="228600" cy="615696"/>
+          </a:xfrm>
+          <a:prstGeom prst="downArrow">
+            <a:avLst/>
+          </a:prstGeom>
+        </p:spPr>
+        <p:style>
+          <a:lnRef idx="2">
+            <a:schemeClr val="accent1">
+              <a:shade val="50000"/>
+            </a:schemeClr>
+          </a:lnRef>
+          <a:fillRef idx="1">
+            <a:schemeClr val="accent1"/>
+          </a:fillRef>
+          <a:effectRef idx="0">
+            <a:schemeClr val="accent1"/>
+          </a:effectRef>
+          <a:fontRef idx="minor">
+            <a:schemeClr val="lt1"/>
+          </a:fontRef>
+        </p:style>
+        <p:txBody>
+          <a:bodyPr rtlCol="0" anchor="ctr"/>
+          <a:lstStyle/>
+          <a:p>
+            <a:pPr algn="ctr"/>
+            <a:endParaRPr lang="zh-TW" altLang="en-US"/>
+          </a:p>
+        </p:txBody>
+      </p:sp>
+      <p:sp>
+        <p:nvSpPr>
+          <p:cNvPr id="11" name="箭號: 向下 10">
+            <a:extLst>
+              <a:ext uri="{FF2B5EF4-FFF2-40B4-BE49-F238E27FC236}">
+                <a16:creationId xmlns:a16="http://schemas.microsoft.com/office/drawing/2014/main" id="{56F8976E-C9F0-409A-9E49-4E92454DF636}"/>
+              </a:ext>
+            </a:extLst>
+          </p:cNvPr>
+          <p:cNvSpPr/>
+          <p:nvPr/>
+        </p:nvSpPr>
+        <p:spPr>
+          <a:xfrm rot="10800000">
+            <a:off x="5338571" y="3968496"/>
+            <a:ext cx="228600" cy="615696"/>
+          </a:xfrm>
+          <a:prstGeom prst="downArrow">
+            <a:avLst/>
+          </a:prstGeom>
+        </p:spPr>
+        <p:style>
+          <a:lnRef idx="2">
+            <a:schemeClr val="accent1">
+              <a:shade val="50000"/>
+            </a:schemeClr>
+          </a:lnRef>
+          <a:fillRef idx="1">
+            <a:schemeClr val="accent1"/>
+          </a:fillRef>
+          <a:effectRef idx="0">
+            <a:schemeClr val="accent1"/>
+          </a:effectRef>
+          <a:fontRef idx="minor">
+            <a:schemeClr val="lt1"/>
+          </a:fontRef>
+        </p:style>
+        <p:txBody>
+          <a:bodyPr rtlCol="0" anchor="ctr"/>
+          <a:lstStyle/>
+          <a:p>
+            <a:pPr algn="ctr"/>
+            <a:endParaRPr lang="zh-TW" altLang="en-US"/>
+          </a:p>
+        </p:txBody>
+      </p:sp>
+      <p:sp>
+        <p:nvSpPr>
+          <p:cNvPr id="12" name="箭號: 向下 11">
+            <a:extLst>
+              <a:ext uri="{FF2B5EF4-FFF2-40B4-BE49-F238E27FC236}">
+                <a16:creationId xmlns:a16="http://schemas.microsoft.com/office/drawing/2014/main" id="{75E17C5C-9308-4085-BD37-9DF3B87E0225}"/>
+              </a:ext>
+            </a:extLst>
+          </p:cNvPr>
+          <p:cNvSpPr/>
+          <p:nvPr/>
+        </p:nvSpPr>
+        <p:spPr>
+          <a:xfrm rot="16200000">
+            <a:off x="4390643" y="4646676"/>
+            <a:ext cx="228600" cy="615696"/>
+          </a:xfrm>
+          <a:prstGeom prst="downArrow">
+            <a:avLst/>
+          </a:prstGeom>
+        </p:spPr>
+        <p:style>
+          <a:lnRef idx="2">
+            <a:schemeClr val="accent1">
+              <a:shade val="50000"/>
+            </a:schemeClr>
+          </a:lnRef>
+          <a:fillRef idx="1">
+            <a:schemeClr val="accent1"/>
+          </a:fillRef>
+          <a:effectRef idx="0">
+            <a:schemeClr val="accent1"/>
+          </a:effectRef>
+          <a:fontRef idx="minor">
+            <a:schemeClr val="lt1"/>
+          </a:fontRef>
+        </p:style>
+        <p:txBody>
+          <a:bodyPr rtlCol="0" anchor="ctr"/>
+          <a:lstStyle/>
+          <a:p>
+            <a:pPr algn="ctr"/>
+            <a:endParaRPr lang="zh-TW" altLang="en-US"/>
+          </a:p>
+        </p:txBody>
+      </p:sp>
+      <p:sp>
+        <p:nvSpPr>
+          <p:cNvPr id="13" name="箭號: 向下 12">
+            <a:extLst>
+              <a:ext uri="{FF2B5EF4-FFF2-40B4-BE49-F238E27FC236}">
+                <a16:creationId xmlns:a16="http://schemas.microsoft.com/office/drawing/2014/main" id="{76C54D3D-6013-410E-87DD-C37CA214FB83}"/>
+              </a:ext>
+            </a:extLst>
+          </p:cNvPr>
+          <p:cNvSpPr/>
+          <p:nvPr/>
+        </p:nvSpPr>
+        <p:spPr>
+          <a:xfrm rot="5400000" flipH="1">
+            <a:off x="4390643" y="3290316"/>
+            <a:ext cx="228600" cy="615696"/>
+          </a:xfrm>
+          <a:prstGeom prst="downArrow">
+            <a:avLst/>
+          </a:prstGeom>
+          <a:solidFill>
+            <a:srgbClr val="FFFF00"/>
+          </a:solidFill>
+          <a:ln>
+            <a:solidFill>
+              <a:srgbClr val="FFC000"/>
+            </a:solidFill>
+          </a:ln>
+        </p:spPr>
+        <p:style>
+          <a:lnRef idx="2">
+            <a:schemeClr val="accent1">
+              <a:shade val="50000"/>
+            </a:schemeClr>
+          </a:lnRef>
+          <a:fillRef idx="1">
+            <a:schemeClr val="accent1"/>
+          </a:fillRef>
+          <a:effectRef idx="0">
+            <a:schemeClr val="accent1"/>
+          </a:effectRef>
+          <a:fontRef idx="minor">
+            <a:schemeClr val="lt1"/>
+          </a:fontRef>
+        </p:style>
+        <p:txBody>
+          <a:bodyPr rtlCol="0" anchor="ctr"/>
+          <a:lstStyle/>
+          <a:p>
+            <a:pPr algn="ctr"/>
+            <a:endParaRPr lang="zh-TW" altLang="en-US"/>
+          </a:p>
+        </p:txBody>
+      </p:sp>
+      <p:sp>
+        <p:nvSpPr>
+          <p:cNvPr id="14" name="箭號: 向下 13">
+            <a:extLst>
+              <a:ext uri="{FF2B5EF4-FFF2-40B4-BE49-F238E27FC236}">
+                <a16:creationId xmlns:a16="http://schemas.microsoft.com/office/drawing/2014/main" id="{9568CBDC-96B2-441E-843A-A19CA2223962}"/>
+              </a:ext>
+            </a:extLst>
+          </p:cNvPr>
+          <p:cNvSpPr/>
+          <p:nvPr/>
+        </p:nvSpPr>
+        <p:spPr>
+          <a:xfrm rot="16200000">
+            <a:off x="2282953" y="3293364"/>
+            <a:ext cx="228600" cy="615696"/>
+          </a:xfrm>
+          <a:prstGeom prst="downArrow">
+            <a:avLst/>
+          </a:prstGeom>
+        </p:spPr>
+        <p:style>
+          <a:lnRef idx="2">
+            <a:schemeClr val="accent1">
+              <a:shade val="50000"/>
+            </a:schemeClr>
+          </a:lnRef>
+          <a:fillRef idx="1">
+            <a:schemeClr val="accent1"/>
+          </a:fillRef>
+          <a:effectRef idx="0">
+            <a:schemeClr val="accent1"/>
+          </a:effectRef>
+          <a:fontRef idx="minor">
+            <a:schemeClr val="lt1"/>
+          </a:fontRef>
+        </p:style>
+        <p:txBody>
+          <a:bodyPr rtlCol="0" anchor="ctr"/>
+          <a:lstStyle/>
+          <a:p>
+            <a:pPr algn="ctr"/>
+            <a:endParaRPr lang="zh-TW" altLang="en-US"/>
+          </a:p>
+        </p:txBody>
+      </p:sp>
+      <p:sp>
+        <p:nvSpPr>
+          <p:cNvPr id="15" name="箭號: 向下 14">
+            <a:extLst>
+              <a:ext uri="{FF2B5EF4-FFF2-40B4-BE49-F238E27FC236}">
+                <a16:creationId xmlns:a16="http://schemas.microsoft.com/office/drawing/2014/main" id="{EB671041-AFBE-4475-9DD9-2918A3492A59}"/>
+              </a:ext>
+            </a:extLst>
+          </p:cNvPr>
+          <p:cNvSpPr/>
+          <p:nvPr/>
+        </p:nvSpPr>
+        <p:spPr>
+          <a:xfrm rot="16200000">
+            <a:off x="6495288" y="3290316"/>
+            <a:ext cx="228600" cy="615696"/>
+          </a:xfrm>
+          <a:prstGeom prst="downArrow">
+            <a:avLst/>
+          </a:prstGeom>
+        </p:spPr>
+        <p:style>
+          <a:lnRef idx="2">
+            <a:schemeClr val="accent1">
+              <a:shade val="50000"/>
+            </a:schemeClr>
+          </a:lnRef>
+          <a:fillRef idx="1">
+            <a:schemeClr val="accent1"/>
+          </a:fillRef>
+          <a:effectRef idx="0">
+            <a:schemeClr val="accent1"/>
+          </a:effectRef>
+          <a:fontRef idx="minor">
+            <a:schemeClr val="lt1"/>
+          </a:fontRef>
+        </p:style>
+        <p:txBody>
+          <a:bodyPr rtlCol="0" anchor="ctr"/>
+          <a:lstStyle/>
+          <a:p>
+            <a:pPr algn="ctr"/>
+            <a:endParaRPr lang="zh-TW" altLang="en-US"/>
+          </a:p>
+        </p:txBody>
+      </p:sp>
+      <p:sp>
+        <p:nvSpPr>
+          <p:cNvPr id="16" name="矩形 15">
+            <a:extLst>
+              <a:ext uri="{FF2B5EF4-FFF2-40B4-BE49-F238E27FC236}">
+                <a16:creationId xmlns:a16="http://schemas.microsoft.com/office/drawing/2014/main" id="{927AA132-9C5C-4B99-B165-A1085E6D3A29}"/>
+              </a:ext>
+            </a:extLst>
+          </p:cNvPr>
+          <p:cNvSpPr/>
+          <p:nvPr/>
+        </p:nvSpPr>
+        <p:spPr>
+          <a:xfrm>
+            <a:off x="2910840" y="3063240"/>
+            <a:ext cx="3185159" cy="2432304"/>
+          </a:xfrm>
+          <a:prstGeom prst="rect">
+            <a:avLst/>
+          </a:prstGeom>
+          <a:noFill/>
+          <a:ln w="38100">
+            <a:solidFill>
+              <a:srgbClr val="FF0000"/>
+            </a:solidFill>
+          </a:ln>
+        </p:spPr>
+        <p:style>
+          <a:lnRef idx="2">
+            <a:schemeClr val="accent1">
+              <a:shade val="50000"/>
+            </a:schemeClr>
+          </a:lnRef>
+          <a:fillRef idx="1">
+            <a:schemeClr val="accent1"/>
+          </a:fillRef>
+          <a:effectRef idx="0">
+            <a:schemeClr val="accent1"/>
+          </a:effectRef>
+          <a:fontRef idx="minor">
+            <a:schemeClr val="lt1"/>
+          </a:fontRef>
+        </p:style>
+        <p:txBody>
+          <a:bodyPr rtlCol="0" anchor="ctr"/>
+          <a:lstStyle/>
+          <a:p>
+            <a:pPr algn="ctr"/>
+            <a:endParaRPr lang="zh-TW" altLang="en-US"/>
+          </a:p>
+        </p:txBody>
+      </p:sp>
+      <p:sp>
+        <p:nvSpPr>
+          <p:cNvPr id="17" name="文字方塊 16">
+            <a:extLst>
+              <a:ext uri="{FF2B5EF4-FFF2-40B4-BE49-F238E27FC236}">
+                <a16:creationId xmlns:a16="http://schemas.microsoft.com/office/drawing/2014/main" id="{C993D28A-EAED-461B-88EC-3CFF3C437F75}"/>
+              </a:ext>
+            </a:extLst>
+          </p:cNvPr>
+          <p:cNvSpPr txBox="1"/>
+          <p:nvPr/>
+        </p:nvSpPr>
+        <p:spPr>
+          <a:xfrm>
+            <a:off x="4103311" y="5734918"/>
+            <a:ext cx="800219" cy="461665"/>
+          </a:xfrm>
+          <a:prstGeom prst="rect">
+            <a:avLst/>
+          </a:prstGeom>
+          <a:noFill/>
+        </p:spPr>
+        <p:txBody>
+          <a:bodyPr wrap="none" rtlCol="0">
+            <a:spAutoFit/>
+          </a:bodyPr>
+          <a:lstStyle/>
+          <a:p>
+            <a:pPr algn="ctr"/>
+            <a:r>
+              <a:rPr lang="zh-TW" altLang="en-US" sz="2400" dirty="0">
+                <a:latin typeface="STHeiti TC" panose="02000000000000000000" pitchFamily="2" charset="-120"/>
+                <a:ea typeface="STHeiti TC" panose="02000000000000000000" pitchFamily="2" charset="-120"/>
+              </a:rPr>
+              <a:t>迴圈</a:t>
+            </a:r>
+          </a:p>
+        </p:txBody>
+      </p:sp>
+      <p:sp>
+        <p:nvSpPr>
+          <p:cNvPr id="18" name="箭號: 向下 17">
+            <a:extLst>
+              <a:ext uri="{FF2B5EF4-FFF2-40B4-BE49-F238E27FC236}">
+                <a16:creationId xmlns:a16="http://schemas.microsoft.com/office/drawing/2014/main" id="{C15D5209-1427-4696-BBA4-BB8D1F33CB69}"/>
+              </a:ext>
+            </a:extLst>
+          </p:cNvPr>
+          <p:cNvSpPr/>
+          <p:nvPr/>
+        </p:nvSpPr>
+        <p:spPr>
+          <a:xfrm rot="14396294">
+            <a:off x="6803136" y="3649102"/>
+            <a:ext cx="228600" cy="1676403"/>
+          </a:xfrm>
+          <a:prstGeom prst="downArrow">
+            <a:avLst/>
+          </a:prstGeom>
+          <a:solidFill>
+            <a:srgbClr val="FF0000"/>
+          </a:solidFill>
+          <a:ln>
+            <a:solidFill>
+              <a:srgbClr val="C00000"/>
+            </a:solidFill>
+          </a:ln>
+        </p:spPr>
+        <p:style>
+          <a:lnRef idx="2">
+            <a:schemeClr val="accent1">
+              <a:shade val="50000"/>
+            </a:schemeClr>
+          </a:lnRef>
+          <a:fillRef idx="1">
+            <a:schemeClr val="accent1"/>
+          </a:fillRef>
+          <a:effectRef idx="0">
+            <a:schemeClr val="accent1"/>
+          </a:effectRef>
+          <a:fontRef idx="minor">
+            <a:schemeClr val="lt1"/>
+          </a:fontRef>
+        </p:style>
+        <p:txBody>
+          <a:bodyPr rtlCol="0" anchor="ctr"/>
+          <a:lstStyle/>
+          <a:p>
+            <a:pPr algn="ctr"/>
+            <a:endParaRPr lang="zh-TW" altLang="en-US"/>
+          </a:p>
+        </p:txBody>
+      </p:sp>
+      <p:sp>
+        <p:nvSpPr>
+          <p:cNvPr id="19" name="文字方塊 18">
+            <a:extLst>
+              <a:ext uri="{FF2B5EF4-FFF2-40B4-BE49-F238E27FC236}">
+                <a16:creationId xmlns:a16="http://schemas.microsoft.com/office/drawing/2014/main" id="{EBAE7CB1-FA4E-483C-9313-92A6A690F81C}"/>
+              </a:ext>
+            </a:extLst>
+          </p:cNvPr>
+          <p:cNvSpPr txBox="1"/>
+          <p:nvPr/>
+        </p:nvSpPr>
+        <p:spPr>
+          <a:xfrm>
+            <a:off x="6875659" y="4633294"/>
+            <a:ext cx="1051891" cy="461665"/>
+          </a:xfrm>
+          <a:prstGeom prst="rect">
+            <a:avLst/>
+          </a:prstGeom>
+          <a:noFill/>
+        </p:spPr>
+        <p:txBody>
+          <a:bodyPr wrap="none" rtlCol="0">
+            <a:spAutoFit/>
+          </a:bodyPr>
+          <a:lstStyle/>
+          <a:p>
+            <a:pPr algn="ctr"/>
+            <a:r>
+              <a:rPr lang="en-US" altLang="zh-TW" sz="2400" dirty="0">
+                <a:latin typeface="Consolas" panose="020B0609020204030204" pitchFamily="49" charset="0"/>
+              </a:rPr>
+              <a:t>break</a:t>
+            </a:r>
+            <a:endParaRPr lang="zh-TW" altLang="en-US" sz="2400" dirty="0">
+              <a:latin typeface="Consolas" panose="020B0609020204030204" pitchFamily="49" charset="0"/>
+            </a:endParaRPr>
+          </a:p>
+        </p:txBody>
+      </p:sp>
+    </p:spTree>
+    <p:extLst>
+      <p:ext uri="{BB962C8B-B14F-4D97-AF65-F5344CB8AC3E}">
+        <p14:creationId xmlns:p14="http://schemas.microsoft.com/office/powerpoint/2010/main" val="3535103373"/>
+      </p:ext>
+    </p:extLst>
+  </p:cSld>
+  <p:clrMapOvr>
+    <a:masterClrMapping/>
+  </p:clrMapOvr>
+  <mc:AlternateContent xmlns:mc="http://schemas.openxmlformats.org/markup-compatibility/2006" xmlns:p159="http://schemas.microsoft.com/office/powerpoint/2015/09/main">
+    <mc:Choice Requires="p159">
+      <p:transition spd="slow">
+        <p159:morph option="byChar"/>
+      </p:transition>
+    </mc:Choice>
+    <mc:Fallback xmlns="">
+      <p:transition spd="slow">
+        <p:fade/>
+      </p:transition>
+    </mc:Fallback>
+  </mc:AlternateContent>
+  <p:timing>
+    <p:tnLst>
+      <p:par>
+        <p:cTn id="1" dur="indefinite" restart="never" nodeType="tmRoot">
+          <p:childTnLst>
+            <p:seq concurrent="1" nextAc="seek">
+              <p:cTn id="2" dur="indefinite" nodeType="mainSeq">
+                <p:childTnLst>
+                  <p:par>
+                    <p:cTn id="3" fill="hold">
+                      <p:stCondLst>
+                        <p:cond delay="indefinite"/>
+                      </p:stCondLst>
+                      <p:childTnLst>
+                        <p:par>
+                          <p:cTn id="4" fill="hold">
+                            <p:stCondLst>
+                              <p:cond delay="0"/>
+                            </p:stCondLst>
+                            <p:childTnLst>
+                              <p:par>
+                                <p:cTn id="5" presetID="22" presetClass="entr" presetSubtype="8" fill="hold" grpId="0" nodeType="clickEffect">
+                                  <p:stCondLst>
+                                    <p:cond delay="0"/>
+                                  </p:stCondLst>
+                                  <p:childTnLst>
+                                    <p:set>
+                                      <p:cBhvr>
+                                        <p:cTn id="6" dur="1" fill="hold">
+                                          <p:stCondLst>
+                                            <p:cond delay="0"/>
+                                          </p:stCondLst>
+                                        </p:cTn>
+                                        <p:tgtEl>
+                                          <p:spTgt spid="18"/>
+                                        </p:tgtEl>
+                                        <p:attrNameLst>
+                                          <p:attrName>style.visibility</p:attrName>
+                                        </p:attrNameLst>
+                                      </p:cBhvr>
+                                      <p:to>
+                                        <p:strVal val="visible"/>
+                                      </p:to>
+                                    </p:set>
+                                    <p:animEffect transition="in" filter="wipe(left)">
+                                      <p:cBhvr>
+                                        <p:cTn id="7" dur="500"/>
+                                        <p:tgtEl>
+                                          <p:spTgt spid="18"/>
+                                        </p:tgtEl>
+                                      </p:cBhvr>
+                                    </p:animEffect>
+                                  </p:childTnLst>
+                                </p:cTn>
+                              </p:par>
+                              <p:par>
+                                <p:cTn id="8" presetID="22" presetClass="entr" presetSubtype="8" fill="hold" grpId="0" nodeType="withEffect">
+                                  <p:stCondLst>
+                                    <p:cond delay="0"/>
+                                  </p:stCondLst>
+                                  <p:childTnLst>
+                                    <p:set>
+                                      <p:cBhvr>
+                                        <p:cTn id="9" dur="1" fill="hold">
+                                          <p:stCondLst>
+                                            <p:cond delay="0"/>
+                                          </p:stCondLst>
+                                        </p:cTn>
+                                        <p:tgtEl>
+                                          <p:spTgt spid="19"/>
+                                        </p:tgtEl>
+                                        <p:attrNameLst>
+                                          <p:attrName>style.visibility</p:attrName>
+                                        </p:attrNameLst>
+                                      </p:cBhvr>
+                                      <p:to>
+                                        <p:strVal val="visible"/>
+                                      </p:to>
+                                    </p:set>
+                                    <p:animEffect transition="in" filter="wipe(left)">
+                                      <p:cBhvr>
+                                        <p:cTn id="10" dur="500"/>
+                                        <p:tgtEl>
+                                          <p:spTgt spid="19"/>
+                                        </p:tgtEl>
+                                      </p:cBhvr>
+                                    </p:animEffect>
+                                  </p:childTnLst>
+                                </p:cTn>
+                              </p:par>
+                            </p:childTnLst>
+                          </p:cTn>
+                        </p:par>
+                      </p:childTnLst>
+                    </p:cTn>
+                  </p:par>
+                </p:childTnLst>
+              </p:cTn>
+              <p:prevCondLst>
+                <p:cond evt="onPrev" delay="0">
+                  <p:tgtEl>
+                    <p:sldTgt/>
+                  </p:tgtEl>
+                </p:cond>
+              </p:prevCondLst>
+              <p:nextCondLst>
+                <p:cond evt="onNext" delay="0">
+                  <p:tgtEl>
+                    <p:sldTgt/>
+                  </p:tgtEl>
+                </p:cond>
+              </p:nextCondLst>
+            </p:seq>
+          </p:childTnLst>
+        </p:cTn>
+      </p:par>
+    </p:tnLst>
+    <p:bldLst>
+      <p:bldP spid="18" grpId="0" animBg="1"/>
+      <p:bldP spid="19" grpId="0"/>
+    </p:bldLst>
+  </p:timing>
+</p:sld>
+</file>
+
+<file path=ppt/slides/slide11.xml><?xml version="1.0" encoding="utf-8"?>
+<p:sld xmlns:a="http://schemas.openxmlformats.org/drawingml/2006/main" xmlns:r="http://schemas.openxmlformats.org/officeDocument/2006/relationships" xmlns:p="http://schemas.openxmlformats.org/presentationml/2006/main">
+  <p:cSld>
+    <p:spTree>
+      <p:nvGrpSpPr>
+        <p:cNvPr id="1" name=""/>
+        <p:cNvGrpSpPr/>
+        <p:nvPr/>
+      </p:nvGrpSpPr>
+      <p:grpSpPr>
+        <a:xfrm>
+          <a:off x="0" y="0"/>
+          <a:ext cx="0" cy="0"/>
+          <a:chOff x="0" y="0"/>
+          <a:chExt cx="0" cy="0"/>
+        </a:xfrm>
+      </p:grpSpPr>
+      <p:sp>
+        <p:nvSpPr>
+          <p:cNvPr id="2" name="標題 1">
+            <a:extLst>
+              <a:ext uri="{FF2B5EF4-FFF2-40B4-BE49-F238E27FC236}">
+                <a16:creationId xmlns:a16="http://schemas.microsoft.com/office/drawing/2014/main" id="{21CD52D8-1EB9-44AB-8124-38B2513FE299}"/>
+              </a:ext>
+            </a:extLst>
+          </p:cNvPr>
+          <p:cNvSpPr>
+            <a:spLocks noGrp="1"/>
+          </p:cNvSpPr>
+          <p:nvPr>
+            <p:ph type="title"/>
+          </p:nvPr>
+        </p:nvSpPr>
+        <p:spPr/>
+        <p:txBody>
+          <a:bodyPr/>
+          <a:lstStyle/>
+          <a:p>
+            <a:r>
+              <a:rPr lang="zh-TW" altLang="en-US" cap="none" dirty="0">
+                <a:latin typeface="STHeiti TC" panose="02000000000000000000" pitchFamily="2" charset="-120"/>
+                <a:ea typeface="STHeiti TC" panose="02000000000000000000" pitchFamily="2" charset="-120"/>
+              </a:rPr>
+              <a:t>迴圈控制</a:t>
+            </a:r>
+            <a:r>
+              <a:rPr lang="en-US" altLang="zh-TW" cap="none" dirty="0">
+                <a:latin typeface="Consolas" panose="020B0609020204030204" pitchFamily="49" charset="0"/>
+              </a:rPr>
+              <a:t> - break</a:t>
+            </a:r>
+            <a:endParaRPr lang="zh-TW" altLang="en-US" cap="none" dirty="0">
+              <a:latin typeface="Consolas" panose="020B0609020204030204" pitchFamily="49" charset="0"/>
+            </a:endParaRPr>
+          </a:p>
+        </p:txBody>
+      </p:sp>
       <p:pic>
         <p:nvPicPr>
           <p:cNvPr id="20" name="圖片 19">
@@ -8632,7 +9585,7 @@
 </p:sld>
 </file>
 
-<file path=ppt/slides/slide11.xml><?xml version="1.0" encoding="utf-8"?>
+<file path=ppt/slides/slide12.xml><?xml version="1.0" encoding="utf-8"?>
 <p:sld xmlns:a="http://schemas.openxmlformats.org/drawingml/2006/main" xmlns:r="http://schemas.openxmlformats.org/officeDocument/2006/relationships" xmlns:p="http://schemas.openxmlformats.org/presentationml/2006/main">
   <p:cSld>
     <p:spTree>
@@ -9584,7 +10537,7 @@
 </p:sld>
 </file>
 
-<file path=ppt/slides/slide12.xml><?xml version="1.0" encoding="utf-8"?>
+<file path=ppt/slides/slide13.xml><?xml version="1.0" encoding="utf-8"?>
 <p:sld xmlns:a="http://schemas.openxmlformats.org/drawingml/2006/main" xmlns:r="http://schemas.openxmlformats.org/officeDocument/2006/relationships" xmlns:p="http://schemas.openxmlformats.org/presentationml/2006/main">
   <p:cSld>
     <p:spTree>
@@ -9877,7 +10830,7 @@
 </p:sld>
 </file>
 
-<file path=ppt/slides/slide13.xml><?xml version="1.0" encoding="utf-8"?>
+<file path=ppt/slides/slide14.xml><?xml version="1.0" encoding="utf-8"?>
 <p:sld xmlns:a="http://schemas.openxmlformats.org/drawingml/2006/main" xmlns:r="http://schemas.openxmlformats.org/officeDocument/2006/relationships" xmlns:p="http://schemas.openxmlformats.org/presentationml/2006/main">
   <p:cSld>
     <p:spTree>
@@ -10539,7 +11492,7 @@
 </p:sld>
 </file>
 
-<file path=ppt/slides/slide14.xml><?xml version="1.0" encoding="utf-8"?>
+<file path=ppt/slides/slide15.xml><?xml version="1.0" encoding="utf-8"?>
 <p:sld xmlns:a="http://schemas.openxmlformats.org/drawingml/2006/main" xmlns:r="http://schemas.openxmlformats.org/officeDocument/2006/relationships" xmlns:p="http://schemas.openxmlformats.org/presentationml/2006/main">
   <p:cSld>
     <p:spTree>
@@ -10645,7 +11598,7 @@
 </p:sld>
 </file>
 
-<file path=ppt/slides/slide15.xml><?xml version="1.0" encoding="utf-8"?>
+<file path=ppt/slides/slide16.xml><?xml version="1.0" encoding="utf-8"?>
 <p:sld xmlns:a="http://schemas.openxmlformats.org/drawingml/2006/main" xmlns:r="http://schemas.openxmlformats.org/officeDocument/2006/relationships" xmlns:p="http://schemas.openxmlformats.org/presentationml/2006/main">
   <p:cSld>
     <p:spTree>
@@ -11229,7 +12182,7 @@
 </p:sld>
 </file>
 
-<file path=ppt/slides/slide16.xml><?xml version="1.0" encoding="utf-8"?>
+<file path=ppt/slides/slide17.xml><?xml version="1.0" encoding="utf-8"?>
 <p:sld xmlns:a="http://schemas.openxmlformats.org/drawingml/2006/main" xmlns:r="http://schemas.openxmlformats.org/officeDocument/2006/relationships" xmlns:p="http://schemas.openxmlformats.org/presentationml/2006/main">
   <p:cSld>
     <p:spTree>
@@ -11583,7 +12536,7 @@
 </p:sld>
 </file>
 
-<file path=ppt/slides/slide17.xml><?xml version="1.0" encoding="utf-8"?>
+<file path=ppt/slides/slide18.xml><?xml version="1.0" encoding="utf-8"?>
 <p:sld xmlns:a="http://schemas.openxmlformats.org/drawingml/2006/main" xmlns:r="http://schemas.openxmlformats.org/officeDocument/2006/relationships" xmlns:p="http://schemas.openxmlformats.org/presentationml/2006/main">
   <p:cSld>
     <p:spTree>
@@ -11947,7 +12900,7 @@
 </p:sld>
 </file>
 
-<file path=ppt/slides/slide18.xml><?xml version="1.0" encoding="utf-8"?>
+<file path=ppt/slides/slide19.xml><?xml version="1.0" encoding="utf-8"?>
 <p:sld xmlns:a="http://schemas.openxmlformats.org/drawingml/2006/main" xmlns:r="http://schemas.openxmlformats.org/officeDocument/2006/relationships" xmlns:p="http://schemas.openxmlformats.org/presentationml/2006/main">
   <p:cSld>
     <p:spTree>
@@ -12222,7 +13175,190 @@
 </p:sld>
 </file>
 
-<file path=ppt/slides/slide19.xml><?xml version="1.0" encoding="utf-8"?>
+<file path=ppt/slides/slide2.xml><?xml version="1.0" encoding="utf-8"?>
+<p:sld xmlns:a="http://schemas.openxmlformats.org/drawingml/2006/main" xmlns:r="http://schemas.openxmlformats.org/officeDocument/2006/relationships" xmlns:p="http://schemas.openxmlformats.org/presentationml/2006/main">
+  <p:cSld>
+    <p:spTree>
+      <p:nvGrpSpPr>
+        <p:cNvPr id="1" name=""/>
+        <p:cNvGrpSpPr/>
+        <p:nvPr/>
+      </p:nvGrpSpPr>
+      <p:grpSpPr>
+        <a:xfrm>
+          <a:off x="0" y="0"/>
+          <a:ext cx="0" cy="0"/>
+          <a:chOff x="0" y="0"/>
+          <a:chExt cx="0" cy="0"/>
+        </a:xfrm>
+      </p:grpSpPr>
+      <p:sp>
+        <p:nvSpPr>
+          <p:cNvPr id="2" name="標題 1">
+            <a:extLst>
+              <a:ext uri="{FF2B5EF4-FFF2-40B4-BE49-F238E27FC236}">
+                <a16:creationId xmlns:a16="http://schemas.microsoft.com/office/drawing/2014/main" id="{5621CD7E-90F9-444D-8695-CCD0B59FEA70}"/>
+              </a:ext>
+            </a:extLst>
+          </p:cNvPr>
+          <p:cNvSpPr>
+            <a:spLocks noGrp="1"/>
+          </p:cNvSpPr>
+          <p:nvPr>
+            <p:ph type="title"/>
+          </p:nvPr>
+        </p:nvSpPr>
+        <p:spPr/>
+        <p:txBody>
+          <a:bodyPr/>
+          <a:lstStyle/>
+          <a:p>
+            <a:r>
+              <a:rPr lang="zh-TW" altLang="en-US" cap="none" dirty="0">
+                <a:latin typeface="STHeiti TC" panose="02000000000000000000" pitchFamily="2" charset="-120"/>
+                <a:ea typeface="STHeiti TC" panose="02000000000000000000" pitchFamily="2" charset="-120"/>
+              </a:rPr>
+              <a:t>大綱</a:t>
+            </a:r>
+          </a:p>
+        </p:txBody>
+      </p:sp>
+      <p:sp>
+        <p:nvSpPr>
+          <p:cNvPr id="3" name="內容版面配置區 2">
+            <a:extLst>
+              <a:ext uri="{FF2B5EF4-FFF2-40B4-BE49-F238E27FC236}">
+                <a16:creationId xmlns:a16="http://schemas.microsoft.com/office/drawing/2014/main" id="{AC0F124E-0939-4E4A-9AF9-8F0B97AA114F}"/>
+              </a:ext>
+            </a:extLst>
+          </p:cNvPr>
+          <p:cNvSpPr>
+            <a:spLocks noGrp="1"/>
+          </p:cNvSpPr>
+          <p:nvPr>
+            <p:ph idx="1"/>
+          </p:nvPr>
+        </p:nvSpPr>
+        <p:spPr>
+          <a:xfrm>
+            <a:off x="1141413" y="2666999"/>
+            <a:ext cx="9905998" cy="3581401"/>
+          </a:xfrm>
+        </p:spPr>
+        <p:txBody>
+          <a:bodyPr/>
+          <a:lstStyle/>
+          <a:p>
+            <a:r>
+              <a:rPr lang="zh-TW" altLang="en-US" sz="2400" cap="none" dirty="0">
+                <a:latin typeface="STHeiti TC" panose="02000000000000000000" pitchFamily="2" charset="-120"/>
+                <a:ea typeface="STHeiti TC" panose="02000000000000000000" pitchFamily="2" charset="-120"/>
+              </a:rPr>
+              <a:t>迴圈</a:t>
+            </a:r>
+            <a:endParaRPr lang="en-US" altLang="zh-TW" sz="2400" cap="none" dirty="0">
+              <a:latin typeface="STHeiti TC" panose="02000000000000000000" pitchFamily="2" charset="-120"/>
+              <a:ea typeface="STHeiti TC" panose="02000000000000000000" pitchFamily="2" charset="-120"/>
+            </a:endParaRPr>
+          </a:p>
+          <a:p>
+            <a:r>
+              <a:rPr lang="zh-TW" altLang="en-US" sz="2400" cap="none" dirty="0">
+                <a:latin typeface="STHeiti TC" panose="02000000000000000000" pitchFamily="2" charset="-120"/>
+                <a:ea typeface="STHeiti TC" panose="02000000000000000000" pitchFamily="2" charset="-120"/>
+              </a:rPr>
+              <a:t>陣列</a:t>
+            </a:r>
+            <a:endParaRPr lang="en-US" altLang="zh-TW" sz="2400" cap="none" dirty="0">
+              <a:latin typeface="STHeiti TC" panose="02000000000000000000" pitchFamily="2" charset="-120"/>
+              <a:ea typeface="STHeiti TC" panose="02000000000000000000" pitchFamily="2" charset="-120"/>
+            </a:endParaRPr>
+          </a:p>
+          <a:p>
+            <a:r>
+              <a:rPr lang="zh-TW" altLang="en-US" sz="2400" cap="none" dirty="0">
+                <a:latin typeface="STHeiti TC" panose="02000000000000000000" pitchFamily="2" charset="-120"/>
+                <a:ea typeface="STHeiti TC" panose="02000000000000000000" pitchFamily="2" charset="-120"/>
+              </a:rPr>
+              <a:t>函式</a:t>
+            </a:r>
+            <a:endParaRPr lang="en-US" altLang="zh-TW" sz="2400" cap="none" dirty="0">
+              <a:latin typeface="STHeiti TC" panose="02000000000000000000" pitchFamily="2" charset="-120"/>
+              <a:ea typeface="STHeiti TC" panose="02000000000000000000" pitchFamily="2" charset="-120"/>
+            </a:endParaRPr>
+          </a:p>
+          <a:p>
+            <a:r>
+              <a:rPr lang="zh-TW" altLang="en-US" sz="2400" cap="none" dirty="0">
+                <a:latin typeface="STHeiti TC" panose="02000000000000000000" pitchFamily="2" charset="-120"/>
+                <a:ea typeface="STHeiti TC" panose="02000000000000000000" pitchFamily="2" charset="-120"/>
+              </a:rPr>
+              <a:t>遞迴</a:t>
+            </a:r>
+            <a:endParaRPr lang="en-US" altLang="zh-TW" sz="2400" cap="none" dirty="0">
+              <a:latin typeface="STHeiti TC" panose="02000000000000000000" pitchFamily="2" charset="-120"/>
+              <a:ea typeface="STHeiti TC" panose="02000000000000000000" pitchFamily="2" charset="-120"/>
+            </a:endParaRPr>
+          </a:p>
+          <a:p>
+            <a:r>
+              <a:rPr lang="zh-TW" altLang="en-US" sz="2400" cap="none" dirty="0">
+                <a:latin typeface="STHeiti TC" panose="02000000000000000000" pitchFamily="2" charset="-120"/>
+                <a:ea typeface="STHeiti TC" panose="02000000000000000000" pitchFamily="2" charset="-120"/>
+              </a:rPr>
+              <a:t>指標</a:t>
+            </a:r>
+            <a:endParaRPr lang="en-US" altLang="zh-TW" sz="2400" cap="none" dirty="0">
+              <a:latin typeface="STHeiti TC" panose="02000000000000000000" pitchFamily="2" charset="-120"/>
+              <a:ea typeface="STHeiti TC" panose="02000000000000000000" pitchFamily="2" charset="-120"/>
+            </a:endParaRPr>
+          </a:p>
+          <a:p>
+            <a:r>
+              <a:rPr lang="zh-TW" altLang="en-US" sz="2400" cap="none" dirty="0">
+                <a:latin typeface="STHeiti TC" panose="02000000000000000000" pitchFamily="2" charset="-120"/>
+                <a:ea typeface="STHeiti TC" panose="02000000000000000000" pitchFamily="2" charset="-120"/>
+              </a:rPr>
+              <a:t>資料結構</a:t>
+            </a:r>
+            <a:endParaRPr lang="en-US" altLang="zh-TW" sz="2400" cap="none" dirty="0">
+              <a:latin typeface="STHeiti TC" panose="02000000000000000000" pitchFamily="2" charset="-120"/>
+              <a:ea typeface="STHeiti TC" panose="02000000000000000000" pitchFamily="2" charset="-120"/>
+            </a:endParaRPr>
+          </a:p>
+          <a:p>
+            <a:endParaRPr lang="zh-TW" altLang="en-US" cap="none" dirty="0">
+              <a:latin typeface="Consolas" panose="020B0609020204030204" pitchFamily="49" charset="0"/>
+            </a:endParaRPr>
+          </a:p>
+        </p:txBody>
+      </p:sp>
+    </p:spTree>
+    <p:extLst>
+      <p:ext uri="{BB962C8B-B14F-4D97-AF65-F5344CB8AC3E}">
+        <p14:creationId xmlns:p14="http://schemas.microsoft.com/office/powerpoint/2010/main" val="862952906"/>
+      </p:ext>
+    </p:extLst>
+  </p:cSld>
+  <p:clrMapOvr>
+    <a:masterClrMapping/>
+  </p:clrMapOvr>
+  <mc:AlternateContent xmlns:mc="http://schemas.openxmlformats.org/markup-compatibility/2006" xmlns:p159="http://schemas.microsoft.com/office/powerpoint/2015/09/main">
+    <mc:Choice Requires="p159">
+      <p:transition spd="slow">
+        <p159:morph option="byChar"/>
+      </p:transition>
+    </mc:Choice>
+    <mc:Fallback xmlns="">
+      <p:transition spd="slow">
+        <p:fade/>
+      </p:transition>
+    </mc:Fallback>
+  </mc:AlternateContent>
+</p:sld>
+</file>
+
+<file path=ppt/slides/slide20.xml><?xml version="1.0" encoding="utf-8"?>
 <p:sld xmlns:a="http://schemas.openxmlformats.org/drawingml/2006/main" xmlns:r="http://schemas.openxmlformats.org/officeDocument/2006/relationships" xmlns:p="http://schemas.openxmlformats.org/presentationml/2006/main">
   <p:cSld>
     <p:spTree>
@@ -13248,190 +14384,7 @@
 </p:sld>
 </file>
 
-<file path=ppt/slides/slide2.xml><?xml version="1.0" encoding="utf-8"?>
-<p:sld xmlns:a="http://schemas.openxmlformats.org/drawingml/2006/main" xmlns:r="http://schemas.openxmlformats.org/officeDocument/2006/relationships" xmlns:p="http://schemas.openxmlformats.org/presentationml/2006/main">
-  <p:cSld>
-    <p:spTree>
-      <p:nvGrpSpPr>
-        <p:cNvPr id="1" name=""/>
-        <p:cNvGrpSpPr/>
-        <p:nvPr/>
-      </p:nvGrpSpPr>
-      <p:grpSpPr>
-        <a:xfrm>
-          <a:off x="0" y="0"/>
-          <a:ext cx="0" cy="0"/>
-          <a:chOff x="0" y="0"/>
-          <a:chExt cx="0" cy="0"/>
-        </a:xfrm>
-      </p:grpSpPr>
-      <p:sp>
-        <p:nvSpPr>
-          <p:cNvPr id="2" name="標題 1">
-            <a:extLst>
-              <a:ext uri="{FF2B5EF4-FFF2-40B4-BE49-F238E27FC236}">
-                <a16:creationId xmlns:a16="http://schemas.microsoft.com/office/drawing/2014/main" id="{5621CD7E-90F9-444D-8695-CCD0B59FEA70}"/>
-              </a:ext>
-            </a:extLst>
-          </p:cNvPr>
-          <p:cNvSpPr>
-            <a:spLocks noGrp="1"/>
-          </p:cNvSpPr>
-          <p:nvPr>
-            <p:ph type="title"/>
-          </p:nvPr>
-        </p:nvSpPr>
-        <p:spPr/>
-        <p:txBody>
-          <a:bodyPr/>
-          <a:lstStyle/>
-          <a:p>
-            <a:r>
-              <a:rPr lang="zh-TW" altLang="en-US" cap="none" dirty="0">
-                <a:latin typeface="STHeiti TC" panose="02000000000000000000" pitchFamily="2" charset="-120"/>
-                <a:ea typeface="STHeiti TC" panose="02000000000000000000" pitchFamily="2" charset="-120"/>
-              </a:rPr>
-              <a:t>大綱</a:t>
-            </a:r>
-          </a:p>
-        </p:txBody>
-      </p:sp>
-      <p:sp>
-        <p:nvSpPr>
-          <p:cNvPr id="3" name="內容版面配置區 2">
-            <a:extLst>
-              <a:ext uri="{FF2B5EF4-FFF2-40B4-BE49-F238E27FC236}">
-                <a16:creationId xmlns:a16="http://schemas.microsoft.com/office/drawing/2014/main" id="{AC0F124E-0939-4E4A-9AF9-8F0B97AA114F}"/>
-              </a:ext>
-            </a:extLst>
-          </p:cNvPr>
-          <p:cNvSpPr>
-            <a:spLocks noGrp="1"/>
-          </p:cNvSpPr>
-          <p:nvPr>
-            <p:ph idx="1"/>
-          </p:nvPr>
-        </p:nvSpPr>
-        <p:spPr>
-          <a:xfrm>
-            <a:off x="1141413" y="2666999"/>
-            <a:ext cx="9905998" cy="3581401"/>
-          </a:xfrm>
-        </p:spPr>
-        <p:txBody>
-          <a:bodyPr/>
-          <a:lstStyle/>
-          <a:p>
-            <a:r>
-              <a:rPr lang="zh-TW" altLang="en-US" sz="2400" cap="none" dirty="0">
-                <a:latin typeface="STHeiti TC" panose="02000000000000000000" pitchFamily="2" charset="-120"/>
-                <a:ea typeface="STHeiti TC" panose="02000000000000000000" pitchFamily="2" charset="-120"/>
-              </a:rPr>
-              <a:t>迴圈</a:t>
-            </a:r>
-            <a:endParaRPr lang="en-US" altLang="zh-TW" sz="2400" cap="none" dirty="0">
-              <a:latin typeface="STHeiti TC" panose="02000000000000000000" pitchFamily="2" charset="-120"/>
-              <a:ea typeface="STHeiti TC" panose="02000000000000000000" pitchFamily="2" charset="-120"/>
-            </a:endParaRPr>
-          </a:p>
-          <a:p>
-            <a:r>
-              <a:rPr lang="zh-TW" altLang="en-US" sz="2400" cap="none" dirty="0">
-                <a:latin typeface="STHeiti TC" panose="02000000000000000000" pitchFamily="2" charset="-120"/>
-                <a:ea typeface="STHeiti TC" panose="02000000000000000000" pitchFamily="2" charset="-120"/>
-              </a:rPr>
-              <a:t>陣列</a:t>
-            </a:r>
-            <a:endParaRPr lang="en-US" altLang="zh-TW" sz="2400" cap="none" dirty="0">
-              <a:latin typeface="STHeiti TC" panose="02000000000000000000" pitchFamily="2" charset="-120"/>
-              <a:ea typeface="STHeiti TC" panose="02000000000000000000" pitchFamily="2" charset="-120"/>
-            </a:endParaRPr>
-          </a:p>
-          <a:p>
-            <a:r>
-              <a:rPr lang="zh-TW" altLang="en-US" sz="2400" cap="none" dirty="0">
-                <a:latin typeface="STHeiti TC" panose="02000000000000000000" pitchFamily="2" charset="-120"/>
-                <a:ea typeface="STHeiti TC" panose="02000000000000000000" pitchFamily="2" charset="-120"/>
-              </a:rPr>
-              <a:t>函式</a:t>
-            </a:r>
-            <a:endParaRPr lang="en-US" altLang="zh-TW" sz="2400" cap="none" dirty="0">
-              <a:latin typeface="STHeiti TC" panose="02000000000000000000" pitchFamily="2" charset="-120"/>
-              <a:ea typeface="STHeiti TC" panose="02000000000000000000" pitchFamily="2" charset="-120"/>
-            </a:endParaRPr>
-          </a:p>
-          <a:p>
-            <a:r>
-              <a:rPr lang="zh-TW" altLang="en-US" sz="2400" cap="none" dirty="0">
-                <a:latin typeface="STHeiti TC" panose="02000000000000000000" pitchFamily="2" charset="-120"/>
-                <a:ea typeface="STHeiti TC" panose="02000000000000000000" pitchFamily="2" charset="-120"/>
-              </a:rPr>
-              <a:t>遞迴</a:t>
-            </a:r>
-            <a:endParaRPr lang="en-US" altLang="zh-TW" sz="2400" cap="none" dirty="0">
-              <a:latin typeface="STHeiti TC" panose="02000000000000000000" pitchFamily="2" charset="-120"/>
-              <a:ea typeface="STHeiti TC" panose="02000000000000000000" pitchFamily="2" charset="-120"/>
-            </a:endParaRPr>
-          </a:p>
-          <a:p>
-            <a:r>
-              <a:rPr lang="zh-TW" altLang="en-US" sz="2400" cap="none" dirty="0">
-                <a:latin typeface="STHeiti TC" panose="02000000000000000000" pitchFamily="2" charset="-120"/>
-                <a:ea typeface="STHeiti TC" panose="02000000000000000000" pitchFamily="2" charset="-120"/>
-              </a:rPr>
-              <a:t>指標</a:t>
-            </a:r>
-            <a:endParaRPr lang="en-US" altLang="zh-TW" sz="2400" cap="none" dirty="0">
-              <a:latin typeface="STHeiti TC" panose="02000000000000000000" pitchFamily="2" charset="-120"/>
-              <a:ea typeface="STHeiti TC" panose="02000000000000000000" pitchFamily="2" charset="-120"/>
-            </a:endParaRPr>
-          </a:p>
-          <a:p>
-            <a:r>
-              <a:rPr lang="zh-TW" altLang="en-US" sz="2400" cap="none" dirty="0">
-                <a:latin typeface="STHeiti TC" panose="02000000000000000000" pitchFamily="2" charset="-120"/>
-                <a:ea typeface="STHeiti TC" panose="02000000000000000000" pitchFamily="2" charset="-120"/>
-              </a:rPr>
-              <a:t>資料結構</a:t>
-            </a:r>
-            <a:endParaRPr lang="en-US" altLang="zh-TW" sz="2400" cap="none" dirty="0">
-              <a:latin typeface="STHeiti TC" panose="02000000000000000000" pitchFamily="2" charset="-120"/>
-              <a:ea typeface="STHeiti TC" panose="02000000000000000000" pitchFamily="2" charset="-120"/>
-            </a:endParaRPr>
-          </a:p>
-          <a:p>
-            <a:endParaRPr lang="zh-TW" altLang="en-US" cap="none" dirty="0">
-              <a:latin typeface="Consolas" panose="020B0609020204030204" pitchFamily="49" charset="0"/>
-            </a:endParaRPr>
-          </a:p>
-        </p:txBody>
-      </p:sp>
-    </p:spTree>
-    <p:extLst>
-      <p:ext uri="{BB962C8B-B14F-4D97-AF65-F5344CB8AC3E}">
-        <p14:creationId xmlns:p14="http://schemas.microsoft.com/office/powerpoint/2010/main" val="862952906"/>
-      </p:ext>
-    </p:extLst>
-  </p:cSld>
-  <p:clrMapOvr>
-    <a:masterClrMapping/>
-  </p:clrMapOvr>
-  <mc:AlternateContent xmlns:mc="http://schemas.openxmlformats.org/markup-compatibility/2006" xmlns:p159="http://schemas.microsoft.com/office/powerpoint/2015/09/main">
-    <mc:Choice Requires="p159">
-      <p:transition spd="slow">
-        <p159:morph option="byChar"/>
-      </p:transition>
-    </mc:Choice>
-    <mc:Fallback xmlns="">
-      <p:transition spd="slow">
-        <p:fade/>
-      </p:transition>
-    </mc:Fallback>
-  </mc:AlternateContent>
-</p:sld>
-</file>
-
-<file path=ppt/slides/slide20.xml><?xml version="1.0" encoding="utf-8"?>
+<file path=ppt/slides/slide21.xml><?xml version="1.0" encoding="utf-8"?>
 <p:sld xmlns:a="http://schemas.openxmlformats.org/drawingml/2006/main" xmlns:r="http://schemas.openxmlformats.org/officeDocument/2006/relationships" xmlns:p="http://schemas.openxmlformats.org/presentationml/2006/main">
   <p:cSld>
     <p:spTree>
@@ -13837,7 +14790,7 @@
 </p:sld>
 </file>
 
-<file path=ppt/slides/slide21.xml><?xml version="1.0" encoding="utf-8"?>
+<file path=ppt/slides/slide22.xml><?xml version="1.0" encoding="utf-8"?>
 <p:sld xmlns:a="http://schemas.openxmlformats.org/drawingml/2006/main" xmlns:r="http://schemas.openxmlformats.org/officeDocument/2006/relationships" xmlns:p="http://schemas.openxmlformats.org/presentationml/2006/main">
   <p:cSld>
     <p:spTree>
@@ -14738,7 +15691,7 @@
 </p:sld>
 </file>
 
-<file path=ppt/slides/slide22.xml><?xml version="1.0" encoding="utf-8"?>
+<file path=ppt/slides/slide23.xml><?xml version="1.0" encoding="utf-8"?>
 <p:sld xmlns:a="http://schemas.openxmlformats.org/drawingml/2006/main" xmlns:r="http://schemas.openxmlformats.org/officeDocument/2006/relationships" xmlns:p="http://schemas.openxmlformats.org/presentationml/2006/main">
   <p:cSld>
     <p:spTree>
@@ -17445,7 +18398,7 @@
 </p:sld>
 </file>
 
-<file path=ppt/slides/slide23.xml><?xml version="1.0" encoding="utf-8"?>
+<file path=ppt/slides/slide24.xml><?xml version="1.0" encoding="utf-8"?>
 <p:sld xmlns:a="http://schemas.openxmlformats.org/drawingml/2006/main" xmlns:r="http://schemas.openxmlformats.org/officeDocument/2006/relationships" xmlns:p="http://schemas.openxmlformats.org/presentationml/2006/main">
   <p:cSld>
     <p:spTree>
@@ -17850,7 +18803,7 @@
 </p:sld>
 </file>
 
-<file path=ppt/slides/slide24.xml><?xml version="1.0" encoding="utf-8"?>
+<file path=ppt/slides/slide25.xml><?xml version="1.0" encoding="utf-8"?>
 <p:sld xmlns:a="http://schemas.openxmlformats.org/drawingml/2006/main" xmlns:r="http://schemas.openxmlformats.org/officeDocument/2006/relationships" xmlns:p="http://schemas.openxmlformats.org/presentationml/2006/main">
   <p:cSld>
     <p:spTree>
@@ -18800,7 +19753,7 @@
 </p:sld>
 </file>
 
-<file path=ppt/slides/slide25.xml><?xml version="1.0" encoding="utf-8"?>
+<file path=ppt/slides/slide26.xml><?xml version="1.0" encoding="utf-8"?>
 <p:sld xmlns:a="http://schemas.openxmlformats.org/drawingml/2006/main" xmlns:r="http://schemas.openxmlformats.org/officeDocument/2006/relationships" xmlns:p="http://schemas.openxmlformats.org/presentationml/2006/main">
   <p:cSld>
     <p:spTree>
@@ -18909,25 +19862,27 @@
         <p:spPr>
           <a:xfrm>
             <a:off x="1141413" y="2666999"/>
-            <a:ext cx="9905998" cy="1676401"/>
+            <a:ext cx="9905998" cy="3724657"/>
           </a:xfrm>
         </p:spPr>
         <p:txBody>
-          <a:bodyPr/>
+          <a:bodyPr>
+            <a:normAutofit/>
+          </a:bodyPr>
           <a:lstStyle/>
           <a:p>
             <a:pPr marL="0" indent="0">
               <a:buNone/>
             </a:pPr>
             <a:r>
-              <a:rPr lang="zh-TW" altLang="en-US" cap="none" dirty="0">
+              <a:rPr lang="zh-TW" altLang="en-US" sz="2800" cap="none" dirty="0">
                 <a:latin typeface="STHeiti TC" panose="02000000000000000000" pitchFamily="2" charset="-120"/>
                 <a:ea typeface="STHeiti TC" panose="02000000000000000000" pitchFamily="2" charset="-120"/>
               </a:rPr>
               <a:t>使用 </a:t>
             </a:r>
             <a:r>
-              <a:rPr lang="en-US" altLang="zh-TW" cap="none" dirty="0" err="1">
+              <a:rPr lang="en-US" altLang="zh-TW" sz="2800" cap="none" dirty="0" err="1">
                 <a:solidFill>
                   <a:srgbClr val="FFFF00"/>
                 </a:solidFill>
@@ -18936,16 +19891,16 @@
               <a:t>scanf</a:t>
             </a:r>
             <a:r>
-              <a:rPr lang="en-US" altLang="zh-TW" cap="none" dirty="0">
+              <a:rPr lang="en-US" altLang="zh-TW" sz="2800" cap="none" dirty="0">
                 <a:solidFill>
                   <a:srgbClr val="FFFF00"/>
                 </a:solidFill>
                 <a:latin typeface="Consolas" panose="020B0609020204030204" pitchFamily="49" charset="0"/>
               </a:rPr>
-              <a:t>(“%s”, </a:t>
-            </a:r>
-            <a:r>
-              <a:rPr lang="en-US" altLang="zh-TW" cap="none" dirty="0" err="1">
+              <a:t>(“%s”, &amp;</a:t>
+            </a:r>
+            <a:r>
+              <a:rPr lang="en-US" altLang="zh-TW" sz="2800" cap="none" dirty="0" err="1">
                 <a:solidFill>
                   <a:srgbClr val="FFFF00"/>
                 </a:solidFill>
@@ -18954,7 +19909,7 @@
               <a:t>array_name</a:t>
             </a:r>
             <a:r>
-              <a:rPr lang="en-US" altLang="zh-TW" cap="none" dirty="0">
+              <a:rPr lang="en-US" altLang="zh-TW" sz="2800" cap="none" dirty="0">
                 <a:solidFill>
                   <a:srgbClr val="FFFF00"/>
                 </a:solidFill>
@@ -18963,36 +19918,39 @@
               <a:t>)</a:t>
             </a:r>
             <a:r>
-              <a:rPr lang="zh-TW" altLang="en-US" cap="none" dirty="0">
+              <a:rPr lang="zh-TW" altLang="en-US" sz="2800" cap="none" dirty="0">
+                <a:solidFill>
+                  <a:srgbClr val="FFFF00"/>
+                </a:solidFill>
                 <a:latin typeface="Consolas" panose="020B0609020204030204" pitchFamily="49" charset="0"/>
               </a:rPr>
               <a:t> </a:t>
             </a:r>
             <a:r>
-              <a:rPr lang="zh-TW" altLang="en-US" cap="none" dirty="0">
+              <a:rPr lang="zh-TW" altLang="en-US" sz="2800" cap="none" dirty="0">
                 <a:latin typeface="STHeiti TC" panose="02000000000000000000" pitchFamily="2" charset="-120"/>
                 <a:ea typeface="STHeiti TC" panose="02000000000000000000" pitchFamily="2" charset="-120"/>
               </a:rPr>
               <a:t>可以讀取</a:t>
             </a:r>
             <a:r>
-              <a:rPr lang="zh-TW" altLang="en-US" cap="none" dirty="0">
+              <a:rPr lang="zh-TW" altLang="en-US" sz="2800" cap="none" dirty="0">
                 <a:solidFill>
                   <a:srgbClr val="FFFF00"/>
                 </a:solidFill>
                 <a:latin typeface="STHeiti TC" panose="02000000000000000000" pitchFamily="2" charset="-120"/>
                 <a:ea typeface="STHeiti TC" panose="02000000000000000000" pitchFamily="2" charset="-120"/>
               </a:rPr>
-              <a:t>不含空格以及換行</a:t>
-            </a:r>
-            <a:r>
-              <a:rPr lang="zh-TW" altLang="en-US" cap="none" dirty="0">
+              <a:t>不含空格或換行</a:t>
+            </a:r>
+            <a:r>
+              <a:rPr lang="zh-TW" altLang="en-US" sz="2800" cap="none" dirty="0">
                 <a:latin typeface="STHeiti TC" panose="02000000000000000000" pitchFamily="2" charset="-120"/>
                 <a:ea typeface="STHeiti TC" panose="02000000000000000000" pitchFamily="2" charset="-120"/>
               </a:rPr>
               <a:t>的字串</a:t>
             </a:r>
-            <a:endParaRPr lang="en-US" altLang="zh-TW" cap="none" dirty="0">
+            <a:endParaRPr lang="en-US" altLang="zh-TW" sz="2800" cap="none" dirty="0">
               <a:latin typeface="STHeiti TC" panose="02000000000000000000" pitchFamily="2" charset="-120"/>
               <a:ea typeface="STHeiti TC" panose="02000000000000000000" pitchFamily="2" charset="-120"/>
             </a:endParaRPr>
@@ -19002,124 +19960,89 @@
               <a:buNone/>
             </a:pPr>
             <a:r>
-              <a:rPr lang="zh-TW" altLang="en-US" cap="none" dirty="0">
-                <a:latin typeface="STHeiti TC" panose="02000000000000000000" pitchFamily="2" charset="-120"/>
-                <a:ea typeface="STHeiti TC" panose="02000000000000000000" pitchFamily="2" charset="-120"/>
-              </a:rPr>
-              <a:t>陣列名稱是陣列開頭的指標，故使用 </a:t>
-            </a:r>
-            <a:r>
-              <a:rPr lang="en-US" altLang="zh-TW" cap="none" dirty="0" err="1">
+              <a:rPr lang="en-US" altLang="zh-TW" sz="2800" cap="none" dirty="0" err="1">
+                <a:solidFill>
+                  <a:srgbClr val="FFFF00"/>
+                </a:solidFill>
                 <a:latin typeface="Consolas" panose="020B0609020204030204" pitchFamily="49" charset="0"/>
                 <a:ea typeface="STHeiti TC" panose="02000000000000000000" pitchFamily="2" charset="-120"/>
               </a:rPr>
-              <a:t>scanf</a:t>
-            </a:r>
-            <a:r>
-              <a:rPr lang="zh-TW" altLang="en-US" cap="none" dirty="0">
+              <a:t>printf</a:t>
+            </a:r>
+            <a:r>
+              <a:rPr lang="en-US" altLang="zh-TW" sz="2800" cap="none" dirty="0">
+                <a:solidFill>
+                  <a:srgbClr val="FFFF00"/>
+                </a:solidFill>
                 <a:latin typeface="Consolas" panose="020B0609020204030204" pitchFamily="49" charset="0"/>
                 <a:ea typeface="STHeiti TC" panose="02000000000000000000" pitchFamily="2" charset="-120"/>
               </a:rPr>
-              <a:t> </a:t>
-            </a:r>
-            <a:r>
-              <a:rPr lang="zh-TW" altLang="en-US" cap="none" dirty="0">
-                <a:latin typeface="STHeiti TC" panose="02000000000000000000" pitchFamily="2" charset="-120"/>
-                <a:ea typeface="STHeiti TC" panose="02000000000000000000" pitchFamily="2" charset="-120"/>
-              </a:rPr>
-              <a:t>的時候不需要加取址符號 </a:t>
-            </a:r>
-            <a:r>
-              <a:rPr lang="en-US" altLang="zh-TW" cap="none" dirty="0">
+              <a:t>(“%s”, </a:t>
+            </a:r>
+            <a:r>
+              <a:rPr lang="en-US" altLang="zh-TW" sz="2800" cap="none" dirty="0" err="1">
+                <a:solidFill>
+                  <a:srgbClr val="FFFF00"/>
+                </a:solidFill>
                 <a:latin typeface="Consolas" panose="020B0609020204030204" pitchFamily="49" charset="0"/>
                 <a:ea typeface="STHeiti TC" panose="02000000000000000000" pitchFamily="2" charset="-120"/>
               </a:rPr>
-              <a:t>&amp;</a:t>
+              <a:t>array_name</a:t>
+            </a:r>
+            <a:r>
+              <a:rPr lang="en-US" altLang="zh-TW" sz="2800" cap="none" dirty="0">
+                <a:solidFill>
+                  <a:srgbClr val="FFFF00"/>
+                </a:solidFill>
+                <a:latin typeface="Consolas" panose="020B0609020204030204" pitchFamily="49" charset="0"/>
+                <a:ea typeface="STHeiti TC" panose="02000000000000000000" pitchFamily="2" charset="-120"/>
+              </a:rPr>
+              <a:t>)</a:t>
+            </a:r>
+            <a:r>
+              <a:rPr lang="zh-TW" altLang="en-US" sz="2800" cap="none" dirty="0">
+                <a:solidFill>
+                  <a:srgbClr val="FFFF00"/>
+                </a:solidFill>
+                <a:latin typeface="Consolas" panose="020B0609020204030204" pitchFamily="49" charset="0"/>
+                <a:ea typeface="STHeiti TC" panose="02000000000000000000" pitchFamily="2" charset="-120"/>
+              </a:rPr>
+              <a:t> </a:t>
+            </a:r>
+            <a:r>
+              <a:rPr lang="zh-TW" altLang="en-US" sz="2800" cap="none" dirty="0">
+                <a:latin typeface="Consolas" panose="020B0609020204030204" pitchFamily="49" charset="0"/>
+                <a:ea typeface="STHeiti TC" panose="02000000000000000000" pitchFamily="2" charset="-120"/>
+              </a:rPr>
+              <a:t>則可輸出字串 </a:t>
+            </a:r>
+            <a:r>
+              <a:rPr lang="en-US" altLang="zh-TW" sz="2800" cap="none" dirty="0">
+                <a:latin typeface="Consolas" panose="020B0609020204030204" pitchFamily="49" charset="0"/>
+                <a:ea typeface="STHeiti TC" panose="02000000000000000000" pitchFamily="2" charset="-120"/>
+              </a:rPr>
+              <a:t>(</a:t>
+            </a:r>
+            <a:r>
+              <a:rPr lang="zh-TW" altLang="en-US" sz="2800" cap="none" dirty="0">
+                <a:latin typeface="Consolas" panose="020B0609020204030204" pitchFamily="49" charset="0"/>
+                <a:ea typeface="STHeiti TC" panose="02000000000000000000" pitchFamily="2" charset="-120"/>
+              </a:rPr>
+              <a:t>無限制</a:t>
+            </a:r>
+            <a:r>
+              <a:rPr lang="en-US" altLang="zh-TW" sz="2800" cap="none" dirty="0">
+                <a:latin typeface="Consolas" panose="020B0609020204030204" pitchFamily="49" charset="0"/>
+                <a:ea typeface="STHeiti TC" panose="02000000000000000000" pitchFamily="2" charset="-120"/>
+              </a:rPr>
+              <a:t>)</a:t>
             </a:r>
           </a:p>
           <a:p>
             <a:pPr marL="0" indent="0">
               <a:buNone/>
             </a:pPr>
-            <a:r>
-              <a:rPr lang="en-US" altLang="zh-TW" cap="none" dirty="0" err="1">
-                <a:solidFill>
-                  <a:srgbClr val="FFFF00"/>
-                </a:solidFill>
-                <a:latin typeface="Consolas" panose="020B0609020204030204" pitchFamily="49" charset="0"/>
-                <a:ea typeface="STHeiti TC" panose="02000000000000000000" pitchFamily="2" charset="-120"/>
-              </a:rPr>
-              <a:t>printf</a:t>
-            </a:r>
-            <a:r>
-              <a:rPr lang="en-US" altLang="zh-TW" cap="none" dirty="0">
-                <a:solidFill>
-                  <a:srgbClr val="FFFF00"/>
-                </a:solidFill>
-                <a:latin typeface="Consolas" panose="020B0609020204030204" pitchFamily="49" charset="0"/>
-                <a:ea typeface="STHeiti TC" panose="02000000000000000000" pitchFamily="2" charset="-120"/>
-              </a:rPr>
-              <a:t>(“%s”, </a:t>
-            </a:r>
-            <a:r>
-              <a:rPr lang="en-US" altLang="zh-TW" cap="none" dirty="0" err="1">
-                <a:solidFill>
-                  <a:srgbClr val="FFFF00"/>
-                </a:solidFill>
-                <a:latin typeface="Consolas" panose="020B0609020204030204" pitchFamily="49" charset="0"/>
-                <a:ea typeface="STHeiti TC" panose="02000000000000000000" pitchFamily="2" charset="-120"/>
-              </a:rPr>
-              <a:t>array_name</a:t>
-            </a:r>
-            <a:r>
-              <a:rPr lang="en-US" altLang="zh-TW" cap="none" dirty="0">
-                <a:solidFill>
-                  <a:srgbClr val="FFFF00"/>
-                </a:solidFill>
-                <a:latin typeface="Consolas" panose="020B0609020204030204" pitchFamily="49" charset="0"/>
-                <a:ea typeface="STHeiti TC" panose="02000000000000000000" pitchFamily="2" charset="-120"/>
-              </a:rPr>
-              <a:t>)</a:t>
-            </a:r>
-            <a:r>
-              <a:rPr lang="zh-TW" altLang="en-US" cap="none" dirty="0">
-                <a:solidFill>
-                  <a:srgbClr val="FFFF00"/>
-                </a:solidFill>
-                <a:latin typeface="Consolas" panose="020B0609020204030204" pitchFamily="49" charset="0"/>
-                <a:ea typeface="STHeiti TC" panose="02000000000000000000" pitchFamily="2" charset="-120"/>
-              </a:rPr>
-              <a:t> </a:t>
-            </a:r>
-            <a:r>
-              <a:rPr lang="zh-TW" altLang="en-US" cap="none" dirty="0">
-                <a:latin typeface="Consolas" panose="020B0609020204030204" pitchFamily="49" charset="0"/>
-                <a:ea typeface="STHeiti TC" panose="02000000000000000000" pitchFamily="2" charset="-120"/>
-              </a:rPr>
-              <a:t>則可輸出字串 </a:t>
-            </a:r>
-            <a:r>
-              <a:rPr lang="en-US" altLang="zh-TW" cap="none" dirty="0">
-                <a:latin typeface="Consolas" panose="020B0609020204030204" pitchFamily="49" charset="0"/>
-                <a:ea typeface="STHeiti TC" panose="02000000000000000000" pitchFamily="2" charset="-120"/>
-              </a:rPr>
-              <a:t>(</a:t>
-            </a:r>
-            <a:r>
-              <a:rPr lang="zh-TW" altLang="en-US" cap="none" dirty="0">
-                <a:latin typeface="Consolas" panose="020B0609020204030204" pitchFamily="49" charset="0"/>
-                <a:ea typeface="STHeiti TC" panose="02000000000000000000" pitchFamily="2" charset="-120"/>
-              </a:rPr>
-              <a:t>無限制</a:t>
-            </a:r>
-            <a:r>
-              <a:rPr lang="en-US" altLang="zh-TW" cap="none" dirty="0">
-                <a:latin typeface="Consolas" panose="020B0609020204030204" pitchFamily="49" charset="0"/>
-                <a:ea typeface="STHeiti TC" panose="02000000000000000000" pitchFamily="2" charset="-120"/>
-              </a:rPr>
-              <a:t>)</a:t>
-            </a:r>
-            <a:endParaRPr lang="zh-TW" altLang="en-US" cap="none" dirty="0">
+            <a:endParaRPr lang="en-US" altLang="zh-TW" sz="2800" cap="none" dirty="0">
               <a:latin typeface="Consolas" panose="020B0609020204030204" pitchFamily="49" charset="0"/>
               <a:ea typeface="STHeiti TC" panose="02000000000000000000" pitchFamily="2" charset="-120"/>
             </a:endParaRPr>
@@ -19151,7 +20074,7 @@
 </p:sld>
 </file>
 
-<file path=ppt/slides/slide26.xml><?xml version="1.0" encoding="utf-8"?>
+<file path=ppt/slides/slide27.xml><?xml version="1.0" encoding="utf-8"?>
 <p:sld xmlns:a="http://schemas.openxmlformats.org/drawingml/2006/main" xmlns:r="http://schemas.openxmlformats.org/officeDocument/2006/relationships" xmlns:p="http://schemas.openxmlformats.org/presentationml/2006/main">
   <p:cSld>
     <p:spTree>
@@ -19263,8 +20186,8 @@
         </p:blipFill>
         <p:spPr>
           <a:xfrm>
-            <a:off x="1141413" y="3242614"/>
-            <a:ext cx="4733093" cy="3005786"/>
+            <a:off x="265587" y="2686414"/>
+            <a:ext cx="5608919" cy="3561986"/>
           </a:xfrm>
           <a:prstGeom prst="rect">
             <a:avLst/>
@@ -19293,7 +20216,7 @@
         </p:blipFill>
         <p:spPr>
           <a:xfrm>
-            <a:off x="5874506" y="4171586"/>
+            <a:off x="5947658" y="3969590"/>
             <a:ext cx="6137125" cy="1147842"/>
           </a:xfrm>
           <a:prstGeom prst="rect">
@@ -19315,7 +20238,7 @@
         </p:nvSpPr>
         <p:spPr>
           <a:xfrm>
-            <a:off x="5874506" y="4973053"/>
+            <a:off x="5958096" y="4744453"/>
             <a:ext cx="718799" cy="288758"/>
           </a:xfrm>
           <a:prstGeom prst="rect">
@@ -19458,7 +20381,300 @@
 </p:sld>
 </file>
 
-<file path=ppt/slides/slide27.xml><?xml version="1.0" encoding="utf-8"?>
+<file path=ppt/slides/slide28.xml><?xml version="1.0" encoding="utf-8"?>
+<p:sld xmlns:a="http://schemas.openxmlformats.org/drawingml/2006/main" xmlns:r="http://schemas.openxmlformats.org/officeDocument/2006/relationships" xmlns:p="http://schemas.openxmlformats.org/presentationml/2006/main">
+  <p:cSld>
+    <p:spTree>
+      <p:nvGrpSpPr>
+        <p:cNvPr id="1" name=""/>
+        <p:cNvGrpSpPr/>
+        <p:nvPr/>
+      </p:nvGrpSpPr>
+      <p:grpSpPr>
+        <a:xfrm>
+          <a:off x="0" y="0"/>
+          <a:ext cx="0" cy="0"/>
+          <a:chOff x="0" y="0"/>
+          <a:chExt cx="0" cy="0"/>
+        </a:xfrm>
+      </p:grpSpPr>
+      <p:sp>
+        <p:nvSpPr>
+          <p:cNvPr id="2" name="標題 1">
+            <a:extLst>
+              <a:ext uri="{FF2B5EF4-FFF2-40B4-BE49-F238E27FC236}">
+                <a16:creationId xmlns:a16="http://schemas.microsoft.com/office/drawing/2014/main" id="{9D925382-48E5-4BA6-93DA-07AD2A6FD8AB}"/>
+              </a:ext>
+            </a:extLst>
+          </p:cNvPr>
+          <p:cNvSpPr>
+            <a:spLocks noGrp="1"/>
+          </p:cNvSpPr>
+          <p:nvPr>
+            <p:ph type="title"/>
+          </p:nvPr>
+        </p:nvSpPr>
+        <p:spPr/>
+        <p:txBody>
+          <a:bodyPr/>
+          <a:lstStyle/>
+          <a:p>
+            <a:r>
+              <a:rPr lang="zh-TW" altLang="en-US" dirty="0">
+                <a:latin typeface="STHeiti TC" panose="02000000000000000000" pitchFamily="2" charset="-120"/>
+                <a:ea typeface="STHeiti TC" panose="02000000000000000000" pitchFamily="2" charset="-120"/>
+              </a:rPr>
+              <a:t>單引號 </a:t>
+            </a:r>
+            <a:r>
+              <a:rPr lang="en-US" altLang="zh-TW" dirty="0">
+                <a:latin typeface="Consolas" panose="020B0609020204030204" pitchFamily="49" charset="0"/>
+                <a:ea typeface="STHeiti TC" panose="02000000000000000000" pitchFamily="2" charset="-120"/>
+              </a:rPr>
+              <a:t>'</a:t>
+            </a:r>
+            <a:r>
+              <a:rPr lang="en-US" altLang="zh-TW" dirty="0">
+                <a:latin typeface="STHeiti TC" panose="02000000000000000000" pitchFamily="2" charset="-120"/>
+                <a:ea typeface="STHeiti TC" panose="02000000000000000000" pitchFamily="2" charset="-120"/>
+              </a:rPr>
+              <a:t> </a:t>
+            </a:r>
+            <a:r>
+              <a:rPr lang="zh-TW" altLang="en-US" dirty="0">
+                <a:latin typeface="STHeiti TC" panose="02000000000000000000" pitchFamily="2" charset="-120"/>
+                <a:ea typeface="STHeiti TC" panose="02000000000000000000" pitchFamily="2" charset="-120"/>
+              </a:rPr>
+              <a:t>與雙引號 </a:t>
+            </a:r>
+            <a:r>
+              <a:rPr lang="en-US" altLang="zh-TW" dirty="0">
+                <a:latin typeface="Consolas" panose="020B0609020204030204" pitchFamily="49" charset="0"/>
+                <a:ea typeface="STHeiti TC" panose="02000000000000000000" pitchFamily="2" charset="-120"/>
+              </a:rPr>
+              <a:t>"</a:t>
+            </a:r>
+            <a:endParaRPr lang="zh-TW" altLang="en-US" dirty="0">
+              <a:latin typeface="Consolas" panose="020B0609020204030204" pitchFamily="49" charset="0"/>
+              <a:ea typeface="STHeiti TC" panose="02000000000000000000" pitchFamily="2" charset="-120"/>
+            </a:endParaRPr>
+          </a:p>
+        </p:txBody>
+      </p:sp>
+      <p:sp>
+        <p:nvSpPr>
+          <p:cNvPr id="3" name="內容版面配置區 2">
+            <a:extLst>
+              <a:ext uri="{FF2B5EF4-FFF2-40B4-BE49-F238E27FC236}">
+                <a16:creationId xmlns:a16="http://schemas.microsoft.com/office/drawing/2014/main" id="{A9E978D0-6E1D-4D39-812B-E40D568C3A20}"/>
+              </a:ext>
+            </a:extLst>
+          </p:cNvPr>
+          <p:cNvSpPr>
+            <a:spLocks noGrp="1"/>
+          </p:cNvSpPr>
+          <p:nvPr>
+            <p:ph idx="1"/>
+          </p:nvPr>
+        </p:nvSpPr>
+        <p:spPr/>
+        <p:txBody>
+          <a:bodyPr>
+            <a:normAutofit/>
+          </a:bodyPr>
+          <a:lstStyle/>
+          <a:p>
+            <a:pPr marL="0" indent="0">
+              <a:buNone/>
+            </a:pPr>
+            <a:r>
+              <a:rPr lang="zh-TW" altLang="en-US" sz="2800" cap="none" dirty="0">
+                <a:latin typeface="STHeiti TC" panose="02000000000000000000" pitchFamily="2" charset="-120"/>
+                <a:ea typeface="STHeiti TC" panose="02000000000000000000" pitchFamily="2" charset="-120"/>
+              </a:rPr>
+              <a:t>單引號用來放字元    例如：</a:t>
+            </a:r>
+            <a:r>
+              <a:rPr lang="en-US" altLang="zh-TW" sz="2800" cap="none" dirty="0">
+                <a:solidFill>
+                  <a:srgbClr val="FFFF00"/>
+                </a:solidFill>
+                <a:latin typeface="Consolas" panose="020B0609020204030204" pitchFamily="49" charset="0"/>
+                <a:ea typeface="STHeiti TC" panose="02000000000000000000" pitchFamily="2" charset="-120"/>
+              </a:rPr>
+              <a:t>'</a:t>
+            </a:r>
+            <a:r>
+              <a:rPr lang="en-US" altLang="zh-TW" sz="2800" cap="none" dirty="0">
+                <a:solidFill>
+                  <a:srgbClr val="FFFF00"/>
+                </a:solidFill>
+                <a:latin typeface="Consolas" panose="020B0609020204030204" pitchFamily="49" charset="0"/>
+              </a:rPr>
+              <a:t>A'</a:t>
+            </a:r>
+            <a:r>
+              <a:rPr lang="en-US" altLang="zh-TW" sz="2800" cap="none" dirty="0">
+                <a:latin typeface="Consolas" panose="020B0609020204030204" pitchFamily="49" charset="0"/>
+              </a:rPr>
+              <a:t>,</a:t>
+            </a:r>
+            <a:r>
+              <a:rPr lang="zh-TW" altLang="en-US" sz="2800" cap="none" dirty="0">
+                <a:latin typeface="Consolas" panose="020B0609020204030204" pitchFamily="49" charset="0"/>
+              </a:rPr>
+              <a:t> </a:t>
+            </a:r>
+            <a:r>
+              <a:rPr lang="en-US" altLang="zh-TW" sz="2800" cap="none" dirty="0">
+                <a:solidFill>
+                  <a:srgbClr val="FFFF00"/>
+                </a:solidFill>
+                <a:latin typeface="Consolas" panose="020B0609020204030204" pitchFamily="49" charset="0"/>
+              </a:rPr>
+              <a:t>'#'</a:t>
+            </a:r>
+            <a:r>
+              <a:rPr lang="en-US" altLang="zh-TW" sz="2800" cap="none" dirty="0">
+                <a:latin typeface="Consolas" panose="020B0609020204030204" pitchFamily="49" charset="0"/>
+              </a:rPr>
+              <a:t>, </a:t>
+            </a:r>
+            <a:r>
+              <a:rPr lang="en-US" altLang="zh-TW" sz="2800" cap="none" dirty="0">
+                <a:solidFill>
+                  <a:srgbClr val="FFFF00"/>
+                </a:solidFill>
+                <a:latin typeface="Consolas" panose="020B0609020204030204" pitchFamily="49" charset="0"/>
+              </a:rPr>
+              <a:t>' '</a:t>
+            </a:r>
+            <a:r>
+              <a:rPr lang="en-US" altLang="zh-TW" sz="2800" cap="none" dirty="0">
+                <a:latin typeface="Consolas" panose="020B0609020204030204" pitchFamily="49" charset="0"/>
+              </a:rPr>
+              <a:t>, </a:t>
+            </a:r>
+            <a:r>
+              <a:rPr lang="en-US" altLang="zh-TW" sz="2800" cap="none" dirty="0">
+                <a:solidFill>
+                  <a:srgbClr val="FFFF00"/>
+                </a:solidFill>
+                <a:latin typeface="Consolas" panose="020B0609020204030204" pitchFamily="49" charset="0"/>
+              </a:rPr>
+              <a:t>'\n'</a:t>
+            </a:r>
+            <a:r>
+              <a:rPr lang="en-US" altLang="zh-TW" sz="2800" cap="none" dirty="0">
+                <a:latin typeface="Consolas" panose="020B0609020204030204" pitchFamily="49" charset="0"/>
+              </a:rPr>
+              <a:t>, </a:t>
+            </a:r>
+            <a:r>
+              <a:rPr lang="en-US" altLang="zh-TW" sz="2800" cap="none" dirty="0">
+                <a:solidFill>
+                  <a:srgbClr val="FFFF00"/>
+                </a:solidFill>
+                <a:latin typeface="Consolas" panose="020B0609020204030204" pitchFamily="49" charset="0"/>
+              </a:rPr>
+              <a:t>'\0'</a:t>
+            </a:r>
+          </a:p>
+          <a:p>
+            <a:pPr marL="0" indent="0">
+              <a:buNone/>
+            </a:pPr>
+            <a:endParaRPr lang="en-US" altLang="zh-TW" sz="2800" cap="none" dirty="0"/>
+          </a:p>
+          <a:p>
+            <a:pPr marL="0" indent="0">
+              <a:buNone/>
+            </a:pPr>
+            <a:r>
+              <a:rPr lang="zh-TW" altLang="en-US" sz="2800" cap="none" dirty="0">
+                <a:latin typeface="STHeiti TC" panose="02000000000000000000" pitchFamily="2" charset="-120"/>
+                <a:ea typeface="STHeiti TC" panose="02000000000000000000" pitchFamily="2" charset="-120"/>
+              </a:rPr>
+              <a:t>雙引號用來放字串    例如：</a:t>
+            </a:r>
+            <a:r>
+              <a:rPr lang="en-US" altLang="zh-TW" sz="2800" cap="none" dirty="0">
+                <a:solidFill>
+                  <a:srgbClr val="FFFF00"/>
+                </a:solidFill>
+                <a:latin typeface="Consolas" panose="020B0609020204030204" pitchFamily="49" charset="0"/>
+                <a:ea typeface="STHeiti TC" panose="02000000000000000000" pitchFamily="2" charset="-120"/>
+              </a:rPr>
+              <a:t>"ABCD"</a:t>
+            </a:r>
+            <a:r>
+              <a:rPr lang="en-US" altLang="zh-TW" sz="2800" cap="none" dirty="0">
+                <a:latin typeface="Consolas" panose="020B0609020204030204" pitchFamily="49" charset="0"/>
+                <a:ea typeface="STHeiti TC" panose="02000000000000000000" pitchFamily="2" charset="-120"/>
+              </a:rPr>
+              <a:t>, </a:t>
+            </a:r>
+            <a:r>
+              <a:rPr lang="en-US" altLang="zh-TW" sz="2800" cap="none" dirty="0">
+                <a:solidFill>
+                  <a:srgbClr val="FFFF00"/>
+                </a:solidFill>
+                <a:latin typeface="Consolas" panose="020B0609020204030204" pitchFamily="49" charset="0"/>
+                <a:ea typeface="STHeiti TC" panose="02000000000000000000" pitchFamily="2" charset="-120"/>
+              </a:rPr>
+              <a:t>"A"</a:t>
+            </a:r>
+            <a:r>
+              <a:rPr lang="en-US" altLang="zh-TW" sz="2800" cap="none" dirty="0">
+                <a:latin typeface="Consolas" panose="020B0609020204030204" pitchFamily="49" charset="0"/>
+                <a:ea typeface="STHeiti TC" panose="02000000000000000000" pitchFamily="2" charset="-120"/>
+              </a:rPr>
+              <a:t>, </a:t>
+            </a:r>
+            <a:r>
+              <a:rPr lang="en-US" altLang="zh-TW" sz="2800" cap="none" dirty="0">
+                <a:solidFill>
+                  <a:srgbClr val="FFFF00"/>
+                </a:solidFill>
+                <a:latin typeface="Consolas" panose="020B0609020204030204" pitchFamily="49" charset="0"/>
+                <a:ea typeface="STHeiti TC" panose="02000000000000000000" pitchFamily="2" charset="-120"/>
+              </a:rPr>
+              <a:t>"#$%^"</a:t>
+            </a:r>
+            <a:r>
+              <a:rPr lang="en-US" altLang="zh-TW" sz="2800" cap="none" dirty="0">
+                <a:latin typeface="Consolas" panose="020B0609020204030204" pitchFamily="49" charset="0"/>
+                <a:ea typeface="STHeiti TC" panose="02000000000000000000" pitchFamily="2" charset="-120"/>
+              </a:rPr>
+              <a:t>, </a:t>
+            </a:r>
+            <a:r>
+              <a:rPr lang="en-US" altLang="zh-TW" sz="2800" cap="none" dirty="0">
+                <a:solidFill>
+                  <a:srgbClr val="FFFF00"/>
+                </a:solidFill>
+                <a:latin typeface="Consolas" panose="020B0609020204030204" pitchFamily="49" charset="0"/>
+                <a:ea typeface="STHeiti TC" panose="02000000000000000000" pitchFamily="2" charset="-120"/>
+              </a:rPr>
+              <a:t>"\n"</a:t>
+            </a:r>
+          </a:p>
+        </p:txBody>
+      </p:sp>
+    </p:spTree>
+    <p:extLst>
+      <p:ext uri="{BB962C8B-B14F-4D97-AF65-F5344CB8AC3E}">
+        <p14:creationId xmlns:p14="http://schemas.microsoft.com/office/powerpoint/2010/main" val="975156053"/>
+      </p:ext>
+    </p:extLst>
+  </p:cSld>
+  <p:clrMapOvr>
+    <a:masterClrMapping/>
+  </p:clrMapOvr>
+</p:sld>
+</file>
+
+<file path=ppt/slides/slide29.xml><?xml version="1.0" encoding="utf-8"?>
 <p:sld xmlns:a="http://schemas.openxmlformats.org/drawingml/2006/main" xmlns:r="http://schemas.openxmlformats.org/officeDocument/2006/relationships" xmlns:p="http://schemas.openxmlformats.org/presentationml/2006/main">
   <p:cSld>
     <p:spTree>
@@ -20052,7 +21268,7 @@
 </p:sld>
 </file>
 
-<file path=ppt/slides/slide28.xml><?xml version="1.0" encoding="utf-8"?>
+<file path=ppt/slides/slide3.xml><?xml version="1.0" encoding="utf-8"?>
 <p:sld xmlns:a="http://schemas.openxmlformats.org/drawingml/2006/main" xmlns:r="http://schemas.openxmlformats.org/officeDocument/2006/relationships" xmlns:p="http://schemas.openxmlformats.org/presentationml/2006/main">
   <p:cSld>
     <p:spTree>
@@ -20095,6 +21311,112 @@
                 <a:latin typeface="STHeiti TC" panose="02000000000000000000" pitchFamily="2" charset="-120"/>
                 <a:ea typeface="STHeiti TC" panose="02000000000000000000" pitchFamily="2" charset="-120"/>
               </a:rPr>
+              <a:t>迴圈</a:t>
+            </a:r>
+          </a:p>
+        </p:txBody>
+      </p:sp>
+      <p:sp>
+        <p:nvSpPr>
+          <p:cNvPr id="3" name="副標題 2">
+            <a:extLst>
+              <a:ext uri="{FF2B5EF4-FFF2-40B4-BE49-F238E27FC236}">
+                <a16:creationId xmlns:a16="http://schemas.microsoft.com/office/drawing/2014/main" id="{B2631129-228D-401D-83D2-17746602C315}"/>
+              </a:ext>
+            </a:extLst>
+          </p:cNvPr>
+          <p:cNvSpPr>
+            <a:spLocks noGrp="1"/>
+          </p:cNvSpPr>
+          <p:nvPr>
+            <p:ph type="subTitle" idx="1"/>
+          </p:nvPr>
+        </p:nvSpPr>
+        <p:spPr/>
+        <p:txBody>
+          <a:bodyPr>
+            <a:normAutofit/>
+          </a:bodyPr>
+          <a:lstStyle/>
+          <a:p>
+            <a:r>
+              <a:rPr lang="zh-TW" altLang="en-US" sz="2400" cap="none" dirty="0">
+                <a:latin typeface="STHeiti TC" panose="02000000000000000000" pitchFamily="2" charset="-120"/>
+                <a:ea typeface="STHeiti TC" panose="02000000000000000000" pitchFamily="2" charset="-120"/>
+              </a:rPr>
+              <a:t>重複做事情</a:t>
+            </a:r>
+          </a:p>
+        </p:txBody>
+      </p:sp>
+    </p:spTree>
+    <p:extLst>
+      <p:ext uri="{BB962C8B-B14F-4D97-AF65-F5344CB8AC3E}">
+        <p14:creationId xmlns:p14="http://schemas.microsoft.com/office/powerpoint/2010/main" val="481057122"/>
+      </p:ext>
+    </p:extLst>
+  </p:cSld>
+  <p:clrMapOvr>
+    <a:masterClrMapping/>
+  </p:clrMapOvr>
+  <mc:AlternateContent xmlns:mc="http://schemas.openxmlformats.org/markup-compatibility/2006" xmlns:p159="http://schemas.microsoft.com/office/powerpoint/2015/09/main">
+    <mc:Choice Requires="p159">
+      <p:transition spd="slow">
+        <p159:morph option="byChar"/>
+      </p:transition>
+    </mc:Choice>
+    <mc:Fallback xmlns="">
+      <p:transition spd="slow">
+        <p:fade/>
+      </p:transition>
+    </mc:Fallback>
+  </mc:AlternateContent>
+</p:sld>
+</file>
+
+<file path=ppt/slides/slide30.xml><?xml version="1.0" encoding="utf-8"?>
+<p:sld xmlns:a="http://schemas.openxmlformats.org/drawingml/2006/main" xmlns:r="http://schemas.openxmlformats.org/officeDocument/2006/relationships" xmlns:p="http://schemas.openxmlformats.org/presentationml/2006/main">
+  <p:cSld>
+    <p:spTree>
+      <p:nvGrpSpPr>
+        <p:cNvPr id="1" name=""/>
+        <p:cNvGrpSpPr/>
+        <p:nvPr/>
+      </p:nvGrpSpPr>
+      <p:grpSpPr>
+        <a:xfrm>
+          <a:off x="0" y="0"/>
+          <a:ext cx="0" cy="0"/>
+          <a:chOff x="0" y="0"/>
+          <a:chExt cx="0" cy="0"/>
+        </a:xfrm>
+      </p:grpSpPr>
+      <p:sp>
+        <p:nvSpPr>
+          <p:cNvPr id="2" name="標題 1">
+            <a:extLst>
+              <a:ext uri="{FF2B5EF4-FFF2-40B4-BE49-F238E27FC236}">
+                <a16:creationId xmlns:a16="http://schemas.microsoft.com/office/drawing/2014/main" id="{2547C986-049C-41FC-A0D1-5E7895C02A18}"/>
+              </a:ext>
+            </a:extLst>
+          </p:cNvPr>
+          <p:cNvSpPr>
+            <a:spLocks noGrp="1"/>
+          </p:cNvSpPr>
+          <p:nvPr>
+            <p:ph type="ctrTitle"/>
+          </p:nvPr>
+        </p:nvSpPr>
+        <p:spPr/>
+        <p:txBody>
+          <a:bodyPr/>
+          <a:lstStyle/>
+          <a:p>
+            <a:r>
+              <a:rPr lang="zh-TW" altLang="en-US" dirty="0">
+                <a:latin typeface="STHeiti TC" panose="02000000000000000000" pitchFamily="2" charset="-120"/>
+                <a:ea typeface="STHeiti TC" panose="02000000000000000000" pitchFamily="2" charset="-120"/>
+              </a:rPr>
               <a:t>函式</a:t>
             </a:r>
           </a:p>
@@ -20156,7 +21478,7 @@
 </p:sld>
 </file>
 
-<file path=ppt/slides/slide29.xml><?xml version="1.0" encoding="utf-8"?>
+<file path=ppt/slides/slide31.xml><?xml version="1.0" encoding="utf-8"?>
 <p:sld xmlns:a="http://schemas.openxmlformats.org/drawingml/2006/main" xmlns:r="http://schemas.openxmlformats.org/officeDocument/2006/relationships" xmlns:p="http://schemas.openxmlformats.org/presentationml/2006/main">
   <p:cSld>
     <p:spTree>
@@ -20828,113 +22150,7 @@
 </p:sld>
 </file>
 
-<file path=ppt/slides/slide3.xml><?xml version="1.0" encoding="utf-8"?>
-<p:sld xmlns:a="http://schemas.openxmlformats.org/drawingml/2006/main" xmlns:r="http://schemas.openxmlformats.org/officeDocument/2006/relationships" xmlns:p="http://schemas.openxmlformats.org/presentationml/2006/main">
-  <p:cSld>
-    <p:spTree>
-      <p:nvGrpSpPr>
-        <p:cNvPr id="1" name=""/>
-        <p:cNvGrpSpPr/>
-        <p:nvPr/>
-      </p:nvGrpSpPr>
-      <p:grpSpPr>
-        <a:xfrm>
-          <a:off x="0" y="0"/>
-          <a:ext cx="0" cy="0"/>
-          <a:chOff x="0" y="0"/>
-          <a:chExt cx="0" cy="0"/>
-        </a:xfrm>
-      </p:grpSpPr>
-      <p:sp>
-        <p:nvSpPr>
-          <p:cNvPr id="2" name="標題 1">
-            <a:extLst>
-              <a:ext uri="{FF2B5EF4-FFF2-40B4-BE49-F238E27FC236}">
-                <a16:creationId xmlns:a16="http://schemas.microsoft.com/office/drawing/2014/main" id="{2547C986-049C-41FC-A0D1-5E7895C02A18}"/>
-              </a:ext>
-            </a:extLst>
-          </p:cNvPr>
-          <p:cNvSpPr>
-            <a:spLocks noGrp="1"/>
-          </p:cNvSpPr>
-          <p:nvPr>
-            <p:ph type="ctrTitle"/>
-          </p:nvPr>
-        </p:nvSpPr>
-        <p:spPr/>
-        <p:txBody>
-          <a:bodyPr/>
-          <a:lstStyle/>
-          <a:p>
-            <a:r>
-              <a:rPr lang="zh-TW" altLang="en-US" dirty="0">
-                <a:latin typeface="STHeiti TC" panose="02000000000000000000" pitchFamily="2" charset="-120"/>
-                <a:ea typeface="STHeiti TC" panose="02000000000000000000" pitchFamily="2" charset="-120"/>
-              </a:rPr>
-              <a:t>迴圈</a:t>
-            </a:r>
-          </a:p>
-        </p:txBody>
-      </p:sp>
-      <p:sp>
-        <p:nvSpPr>
-          <p:cNvPr id="3" name="副標題 2">
-            <a:extLst>
-              <a:ext uri="{FF2B5EF4-FFF2-40B4-BE49-F238E27FC236}">
-                <a16:creationId xmlns:a16="http://schemas.microsoft.com/office/drawing/2014/main" id="{B2631129-228D-401D-83D2-17746602C315}"/>
-              </a:ext>
-            </a:extLst>
-          </p:cNvPr>
-          <p:cNvSpPr>
-            <a:spLocks noGrp="1"/>
-          </p:cNvSpPr>
-          <p:nvPr>
-            <p:ph type="subTitle" idx="1"/>
-          </p:nvPr>
-        </p:nvSpPr>
-        <p:spPr/>
-        <p:txBody>
-          <a:bodyPr>
-            <a:normAutofit/>
-          </a:bodyPr>
-          <a:lstStyle/>
-          <a:p>
-            <a:r>
-              <a:rPr lang="zh-TW" altLang="en-US" sz="2400" cap="none" dirty="0">
-                <a:latin typeface="STHeiti TC" panose="02000000000000000000" pitchFamily="2" charset="-120"/>
-                <a:ea typeface="STHeiti TC" panose="02000000000000000000" pitchFamily="2" charset="-120"/>
-              </a:rPr>
-              <a:t>重複做事情</a:t>
-            </a:r>
-          </a:p>
-        </p:txBody>
-      </p:sp>
-    </p:spTree>
-    <p:extLst>
-      <p:ext uri="{BB962C8B-B14F-4D97-AF65-F5344CB8AC3E}">
-        <p14:creationId xmlns:p14="http://schemas.microsoft.com/office/powerpoint/2010/main" val="481057122"/>
-      </p:ext>
-    </p:extLst>
-  </p:cSld>
-  <p:clrMapOvr>
-    <a:masterClrMapping/>
-  </p:clrMapOvr>
-  <mc:AlternateContent xmlns:mc="http://schemas.openxmlformats.org/markup-compatibility/2006" xmlns:p159="http://schemas.microsoft.com/office/powerpoint/2015/09/main">
-    <mc:Choice Requires="p159">
-      <p:transition spd="slow">
-        <p159:morph option="byChar"/>
-      </p:transition>
-    </mc:Choice>
-    <mc:Fallback xmlns="">
-      <p:transition spd="slow">
-        <p:fade/>
-      </p:transition>
-    </mc:Fallback>
-  </mc:AlternateContent>
-</p:sld>
-</file>
-
-<file path=ppt/slides/slide30.xml><?xml version="1.0" encoding="utf-8"?>
+<file path=ppt/slides/slide32.xml><?xml version="1.0" encoding="utf-8"?>
 <p:sld xmlns:a="http://schemas.openxmlformats.org/drawingml/2006/main" xmlns:r="http://schemas.openxmlformats.org/officeDocument/2006/relationships" xmlns:p="http://schemas.openxmlformats.org/presentationml/2006/main">
   <p:cSld>
     <p:spTree>
@@ -21795,7 +23011,7 @@
 </p:sld>
 </file>
 
-<file path=ppt/slides/slide31.xml><?xml version="1.0" encoding="utf-8"?>
+<file path=ppt/slides/slide33.xml><?xml version="1.0" encoding="utf-8"?>
 <p:sld xmlns:a="http://schemas.openxmlformats.org/drawingml/2006/main" xmlns:r="http://schemas.openxmlformats.org/officeDocument/2006/relationships" xmlns:p="http://schemas.openxmlformats.org/presentationml/2006/main">
   <p:cSld>
     <p:spTree>
@@ -22702,7 +23918,7 @@
 </p:sld>
 </file>
 
-<file path=ppt/slides/slide32.xml><?xml version="1.0" encoding="utf-8"?>
+<file path=ppt/slides/slide34.xml><?xml version="1.0" encoding="utf-8"?>
 <p:sld xmlns:a="http://schemas.openxmlformats.org/drawingml/2006/main" xmlns:r="http://schemas.openxmlformats.org/officeDocument/2006/relationships" xmlns:p="http://schemas.openxmlformats.org/presentationml/2006/main">
   <p:cSld>
     <p:spTree>
@@ -23075,7 +24291,7 @@
 </p:sld>
 </file>
 
-<file path=ppt/slides/slide33.xml><?xml version="1.0" encoding="utf-8"?>
+<file path=ppt/slides/slide35.xml><?xml version="1.0" encoding="utf-8"?>
 <p:sld xmlns:a="http://schemas.openxmlformats.org/drawingml/2006/main" xmlns:r="http://schemas.openxmlformats.org/officeDocument/2006/relationships" xmlns:p="http://schemas.openxmlformats.org/presentationml/2006/main">
   <p:cSld>
     <p:spTree>
@@ -23952,7 +25168,7 @@
 </p:sld>
 </file>
 
-<file path=ppt/slides/slide34.xml><?xml version="1.0" encoding="utf-8"?>
+<file path=ppt/slides/slide36.xml><?xml version="1.0" encoding="utf-8"?>
 <p:sld xmlns:a="http://schemas.openxmlformats.org/drawingml/2006/main" xmlns:r="http://schemas.openxmlformats.org/officeDocument/2006/relationships" xmlns:p="http://schemas.openxmlformats.org/presentationml/2006/main">
   <p:cSld>
     <p:spTree>
@@ -24056,7 +25272,7 @@
 </p:sld>
 </file>
 
-<file path=ppt/slides/slide35.xml><?xml version="1.0" encoding="utf-8"?>
+<file path=ppt/slides/slide37.xml><?xml version="1.0" encoding="utf-8"?>
 <p:sld xmlns:a="http://schemas.openxmlformats.org/drawingml/2006/main" xmlns:r="http://schemas.openxmlformats.org/officeDocument/2006/relationships" xmlns:p="http://schemas.openxmlformats.org/presentationml/2006/main">
   <p:cSld>
     <p:spTree>
@@ -25283,7 +26499,7 @@
 </p:sld>
 </file>
 
-<file path=ppt/slides/slide36.xml><?xml version="1.0" encoding="utf-8"?>
+<file path=ppt/slides/slide38.xml><?xml version="1.0" encoding="utf-8"?>
 <p:sld xmlns:a="http://schemas.openxmlformats.org/drawingml/2006/main" xmlns:r="http://schemas.openxmlformats.org/officeDocument/2006/relationships" xmlns:p="http://schemas.openxmlformats.org/presentationml/2006/main">
   <p:cSld>
     <p:spTree>
@@ -28048,7 +29264,7 @@
 </p:sld>
 </file>
 
-<file path=ppt/slides/slide37.xml><?xml version="1.0" encoding="utf-8"?>
+<file path=ppt/slides/slide39.xml><?xml version="1.0" encoding="utf-8"?>
 <p:sld xmlns:a="http://schemas.openxmlformats.org/drawingml/2006/main" xmlns:r="http://schemas.openxmlformats.org/officeDocument/2006/relationships" xmlns:p="http://schemas.openxmlformats.org/presentationml/2006/main">
   <p:cSld>
     <p:spTree>
@@ -28790,7 +30006,186 @@
 </p:sld>
 </file>
 
-<file path=ppt/slides/slide38.xml><?xml version="1.0" encoding="utf-8"?>
+<file path=ppt/slides/slide4.xml><?xml version="1.0" encoding="utf-8"?>
+<p:sld xmlns:a="http://schemas.openxmlformats.org/drawingml/2006/main" xmlns:r="http://schemas.openxmlformats.org/officeDocument/2006/relationships" xmlns:p="http://schemas.openxmlformats.org/presentationml/2006/main">
+  <p:cSld>
+    <p:spTree>
+      <p:nvGrpSpPr>
+        <p:cNvPr id="1" name=""/>
+        <p:cNvGrpSpPr/>
+        <p:nvPr/>
+      </p:nvGrpSpPr>
+      <p:grpSpPr>
+        <a:xfrm>
+          <a:off x="0" y="0"/>
+          <a:ext cx="0" cy="0"/>
+          <a:chOff x="0" y="0"/>
+          <a:chExt cx="0" cy="0"/>
+        </a:xfrm>
+      </p:grpSpPr>
+      <p:sp>
+        <p:nvSpPr>
+          <p:cNvPr id="2" name="標題 1">
+            <a:extLst>
+              <a:ext uri="{FF2B5EF4-FFF2-40B4-BE49-F238E27FC236}">
+                <a16:creationId xmlns:a16="http://schemas.microsoft.com/office/drawing/2014/main" id="{F610D7CB-D079-4247-ABBF-5110177DA0A1}"/>
+              </a:ext>
+            </a:extLst>
+          </p:cNvPr>
+          <p:cNvSpPr>
+            <a:spLocks noGrp="1"/>
+          </p:cNvSpPr>
+          <p:nvPr>
+            <p:ph type="title"/>
+          </p:nvPr>
+        </p:nvSpPr>
+        <p:spPr/>
+        <p:txBody>
+          <a:bodyPr/>
+          <a:lstStyle/>
+          <a:p>
+            <a:r>
+              <a:rPr lang="zh-TW" altLang="en-US" cap="none" dirty="0">
+                <a:latin typeface="STHeiti TC" panose="02000000000000000000" pitchFamily="2" charset="-120"/>
+                <a:ea typeface="STHeiti TC" panose="02000000000000000000" pitchFamily="2" charset="-120"/>
+              </a:rPr>
+              <a:t>迴圈的應用</a:t>
+            </a:r>
+            <a:endParaRPr lang="zh-TW" altLang="en-US" dirty="0">
+              <a:latin typeface="STHeiti TC" panose="02000000000000000000" pitchFamily="2" charset="-120"/>
+              <a:ea typeface="STHeiti TC" panose="02000000000000000000" pitchFamily="2" charset="-120"/>
+            </a:endParaRPr>
+          </a:p>
+        </p:txBody>
+      </p:sp>
+      <p:sp>
+        <p:nvSpPr>
+          <p:cNvPr id="3" name="內容版面配置區 2">
+            <a:extLst>
+              <a:ext uri="{FF2B5EF4-FFF2-40B4-BE49-F238E27FC236}">
+                <a16:creationId xmlns:a16="http://schemas.microsoft.com/office/drawing/2014/main" id="{33D8E5CB-CA98-4B6C-A305-D62663D5DAB5}"/>
+              </a:ext>
+            </a:extLst>
+          </p:cNvPr>
+          <p:cNvSpPr>
+            <a:spLocks noGrp="1"/>
+          </p:cNvSpPr>
+          <p:nvPr>
+            <p:ph idx="1"/>
+          </p:nvPr>
+        </p:nvSpPr>
+        <p:spPr/>
+        <p:txBody>
+          <a:bodyPr>
+            <a:normAutofit/>
+          </a:bodyPr>
+          <a:lstStyle/>
+          <a:p>
+            <a:pPr marL="0" indent="0">
+              <a:buNone/>
+            </a:pPr>
+            <a:r>
+              <a:rPr lang="zh-TW" altLang="en-US" sz="2400" cap="none" dirty="0">
+                <a:solidFill>
+                  <a:srgbClr val="FFFF00"/>
+                </a:solidFill>
+                <a:latin typeface="STHeiti TC" panose="02000000000000000000" pitchFamily="2" charset="-120"/>
+                <a:ea typeface="STHeiti TC" panose="02000000000000000000" pitchFamily="2" charset="-120"/>
+              </a:rPr>
+              <a:t>當我們想重複做某些事情時</a:t>
+            </a:r>
+            <a:r>
+              <a:rPr lang="en-US" altLang="zh-TW" sz="2400" cap="none" dirty="0">
+                <a:solidFill>
+                  <a:srgbClr val="FFFF00"/>
+                </a:solidFill>
+                <a:latin typeface="STHeiti TC" panose="02000000000000000000" pitchFamily="2" charset="-120"/>
+                <a:ea typeface="STHeiti TC" panose="02000000000000000000" pitchFamily="2" charset="-120"/>
+              </a:rPr>
+              <a:t>...</a:t>
+            </a:r>
+          </a:p>
+          <a:p>
+            <a:pPr marL="0" indent="0">
+              <a:buNone/>
+            </a:pPr>
+            <a:endParaRPr lang="en-US" altLang="zh-TW" sz="2400" cap="none" dirty="0">
+              <a:latin typeface="STHeiti TC" panose="02000000000000000000" pitchFamily="2" charset="-120"/>
+              <a:ea typeface="STHeiti TC" panose="02000000000000000000" pitchFamily="2" charset="-120"/>
+            </a:endParaRPr>
+          </a:p>
+          <a:p>
+            <a:pPr marL="0" indent="0">
+              <a:buNone/>
+            </a:pPr>
+            <a:r>
+              <a:rPr lang="zh-TW" altLang="en-US" sz="2400" cap="none" dirty="0">
+                <a:latin typeface="STHeiti TC" panose="02000000000000000000" pitchFamily="2" charset="-120"/>
+                <a:ea typeface="STHeiti TC" panose="02000000000000000000" pitchFamily="2" charset="-120"/>
+              </a:rPr>
+              <a:t>例如：</a:t>
+            </a:r>
+            <a:endParaRPr lang="en-US" altLang="zh-TW" sz="2400" cap="none" dirty="0">
+              <a:latin typeface="STHeiti TC" panose="02000000000000000000" pitchFamily="2" charset="-120"/>
+              <a:ea typeface="STHeiti TC" panose="02000000000000000000" pitchFamily="2" charset="-120"/>
+            </a:endParaRPr>
+          </a:p>
+          <a:p>
+            <a:pPr marL="0" indent="0">
+              <a:buNone/>
+            </a:pPr>
+            <a:r>
+              <a:rPr lang="zh-TW" altLang="en-US" sz="2400" cap="none" dirty="0">
+                <a:latin typeface="STHeiti TC" panose="02000000000000000000" pitchFamily="2" charset="-120"/>
+                <a:ea typeface="STHeiti TC" panose="02000000000000000000" pitchFamily="2" charset="-120"/>
+              </a:rPr>
+              <a:t>計算</a:t>
+            </a:r>
+            <a:r>
+              <a:rPr lang="en-US" altLang="zh-TW" sz="2400" cap="none" dirty="0">
+                <a:latin typeface="STHeiti TC" panose="02000000000000000000" pitchFamily="2" charset="-120"/>
+                <a:ea typeface="STHeiti TC" panose="02000000000000000000" pitchFamily="2" charset="-120"/>
+              </a:rPr>
+              <a:t> </a:t>
+            </a:r>
+            <a:r>
+              <a:rPr lang="en-US" altLang="zh-TW" sz="2400" cap="none" dirty="0">
+                <a:latin typeface="Consolas" panose="020B0609020204030204" pitchFamily="49" charset="0"/>
+              </a:rPr>
+              <a:t>n! = n(n – 1)(n – 2)... * 2 * 1</a:t>
+            </a:r>
+            <a:endParaRPr lang="zh-TW" altLang="en-US" sz="2400" cap="none" dirty="0">
+              <a:latin typeface="Consolas" panose="020B0609020204030204" pitchFamily="49" charset="0"/>
+            </a:endParaRPr>
+          </a:p>
+        </p:txBody>
+      </p:sp>
+    </p:spTree>
+    <p:extLst>
+      <p:ext uri="{BB962C8B-B14F-4D97-AF65-F5344CB8AC3E}">
+        <p14:creationId xmlns:p14="http://schemas.microsoft.com/office/powerpoint/2010/main" val="1404204930"/>
+      </p:ext>
+    </p:extLst>
+  </p:cSld>
+  <p:clrMapOvr>
+    <a:masterClrMapping/>
+  </p:clrMapOvr>
+  <mc:AlternateContent xmlns:mc="http://schemas.openxmlformats.org/markup-compatibility/2006" xmlns:p159="http://schemas.microsoft.com/office/powerpoint/2015/09/main">
+    <mc:Choice Requires="p159">
+      <p:transition spd="slow">
+        <p159:morph option="byChar"/>
+      </p:transition>
+    </mc:Choice>
+    <mc:Fallback xmlns="">
+      <p:transition spd="slow">
+        <p:fade/>
+      </p:transition>
+    </mc:Fallback>
+  </mc:AlternateContent>
+</p:sld>
+</file>
+
+<file path=ppt/slides/slide40.xml><?xml version="1.0" encoding="utf-8"?>
 <p:sld xmlns:a="http://schemas.openxmlformats.org/drawingml/2006/main" xmlns:r="http://schemas.openxmlformats.org/officeDocument/2006/relationships" xmlns:p="http://schemas.openxmlformats.org/presentationml/2006/main">
   <p:cSld>
     <p:spTree>
@@ -29057,7 +30452,7 @@
 </p:sld>
 </file>
 
-<file path=ppt/slides/slide39.xml><?xml version="1.0" encoding="utf-8"?>
+<file path=ppt/slides/slide41.xml><?xml version="1.0" encoding="utf-8"?>
 <p:sld xmlns:a="http://schemas.openxmlformats.org/drawingml/2006/main" xmlns:r="http://schemas.openxmlformats.org/officeDocument/2006/relationships" xmlns:p="http://schemas.openxmlformats.org/presentationml/2006/main">
   <p:cSld>
     <p:spTree>
@@ -29884,186 +31279,7 @@
 </p:sld>
 </file>
 
-<file path=ppt/slides/slide4.xml><?xml version="1.0" encoding="utf-8"?>
-<p:sld xmlns:a="http://schemas.openxmlformats.org/drawingml/2006/main" xmlns:r="http://schemas.openxmlformats.org/officeDocument/2006/relationships" xmlns:p="http://schemas.openxmlformats.org/presentationml/2006/main">
-  <p:cSld>
-    <p:spTree>
-      <p:nvGrpSpPr>
-        <p:cNvPr id="1" name=""/>
-        <p:cNvGrpSpPr/>
-        <p:nvPr/>
-      </p:nvGrpSpPr>
-      <p:grpSpPr>
-        <a:xfrm>
-          <a:off x="0" y="0"/>
-          <a:ext cx="0" cy="0"/>
-          <a:chOff x="0" y="0"/>
-          <a:chExt cx="0" cy="0"/>
-        </a:xfrm>
-      </p:grpSpPr>
-      <p:sp>
-        <p:nvSpPr>
-          <p:cNvPr id="2" name="標題 1">
-            <a:extLst>
-              <a:ext uri="{FF2B5EF4-FFF2-40B4-BE49-F238E27FC236}">
-                <a16:creationId xmlns:a16="http://schemas.microsoft.com/office/drawing/2014/main" id="{F610D7CB-D079-4247-ABBF-5110177DA0A1}"/>
-              </a:ext>
-            </a:extLst>
-          </p:cNvPr>
-          <p:cNvSpPr>
-            <a:spLocks noGrp="1"/>
-          </p:cNvSpPr>
-          <p:nvPr>
-            <p:ph type="title"/>
-          </p:nvPr>
-        </p:nvSpPr>
-        <p:spPr/>
-        <p:txBody>
-          <a:bodyPr/>
-          <a:lstStyle/>
-          <a:p>
-            <a:r>
-              <a:rPr lang="zh-TW" altLang="en-US" cap="none" dirty="0">
-                <a:latin typeface="STHeiti TC" panose="02000000000000000000" pitchFamily="2" charset="-120"/>
-                <a:ea typeface="STHeiti TC" panose="02000000000000000000" pitchFamily="2" charset="-120"/>
-              </a:rPr>
-              <a:t>迴圈的應用</a:t>
-            </a:r>
-            <a:endParaRPr lang="zh-TW" altLang="en-US" dirty="0">
-              <a:latin typeface="STHeiti TC" panose="02000000000000000000" pitchFamily="2" charset="-120"/>
-              <a:ea typeface="STHeiti TC" panose="02000000000000000000" pitchFamily="2" charset="-120"/>
-            </a:endParaRPr>
-          </a:p>
-        </p:txBody>
-      </p:sp>
-      <p:sp>
-        <p:nvSpPr>
-          <p:cNvPr id="3" name="內容版面配置區 2">
-            <a:extLst>
-              <a:ext uri="{FF2B5EF4-FFF2-40B4-BE49-F238E27FC236}">
-                <a16:creationId xmlns:a16="http://schemas.microsoft.com/office/drawing/2014/main" id="{33D8E5CB-CA98-4B6C-A305-D62663D5DAB5}"/>
-              </a:ext>
-            </a:extLst>
-          </p:cNvPr>
-          <p:cNvSpPr>
-            <a:spLocks noGrp="1"/>
-          </p:cNvSpPr>
-          <p:nvPr>
-            <p:ph idx="1"/>
-          </p:nvPr>
-        </p:nvSpPr>
-        <p:spPr/>
-        <p:txBody>
-          <a:bodyPr>
-            <a:normAutofit/>
-          </a:bodyPr>
-          <a:lstStyle/>
-          <a:p>
-            <a:pPr marL="0" indent="0">
-              <a:buNone/>
-            </a:pPr>
-            <a:r>
-              <a:rPr lang="zh-TW" altLang="en-US" sz="2400" cap="none" dirty="0">
-                <a:solidFill>
-                  <a:srgbClr val="FFFF00"/>
-                </a:solidFill>
-                <a:latin typeface="STHeiti TC" panose="02000000000000000000" pitchFamily="2" charset="-120"/>
-                <a:ea typeface="STHeiti TC" panose="02000000000000000000" pitchFamily="2" charset="-120"/>
-              </a:rPr>
-              <a:t>當我們想重複做某些事情時</a:t>
-            </a:r>
-            <a:r>
-              <a:rPr lang="en-US" altLang="zh-TW" sz="2400" cap="none" dirty="0">
-                <a:solidFill>
-                  <a:srgbClr val="FFFF00"/>
-                </a:solidFill>
-                <a:latin typeface="STHeiti TC" panose="02000000000000000000" pitchFamily="2" charset="-120"/>
-                <a:ea typeface="STHeiti TC" panose="02000000000000000000" pitchFamily="2" charset="-120"/>
-              </a:rPr>
-              <a:t>...</a:t>
-            </a:r>
-          </a:p>
-          <a:p>
-            <a:pPr marL="0" indent="0">
-              <a:buNone/>
-            </a:pPr>
-            <a:endParaRPr lang="en-US" altLang="zh-TW" sz="2400" cap="none" dirty="0">
-              <a:latin typeface="STHeiti TC" panose="02000000000000000000" pitchFamily="2" charset="-120"/>
-              <a:ea typeface="STHeiti TC" panose="02000000000000000000" pitchFamily="2" charset="-120"/>
-            </a:endParaRPr>
-          </a:p>
-          <a:p>
-            <a:pPr marL="0" indent="0">
-              <a:buNone/>
-            </a:pPr>
-            <a:r>
-              <a:rPr lang="zh-TW" altLang="en-US" sz="2400" cap="none" dirty="0">
-                <a:latin typeface="STHeiti TC" panose="02000000000000000000" pitchFamily="2" charset="-120"/>
-                <a:ea typeface="STHeiti TC" panose="02000000000000000000" pitchFamily="2" charset="-120"/>
-              </a:rPr>
-              <a:t>例如：</a:t>
-            </a:r>
-            <a:endParaRPr lang="en-US" altLang="zh-TW" sz="2400" cap="none" dirty="0">
-              <a:latin typeface="STHeiti TC" panose="02000000000000000000" pitchFamily="2" charset="-120"/>
-              <a:ea typeface="STHeiti TC" panose="02000000000000000000" pitchFamily="2" charset="-120"/>
-            </a:endParaRPr>
-          </a:p>
-          <a:p>
-            <a:pPr marL="0" indent="0">
-              <a:buNone/>
-            </a:pPr>
-            <a:r>
-              <a:rPr lang="zh-TW" altLang="en-US" sz="2400" cap="none" dirty="0">
-                <a:latin typeface="STHeiti TC" panose="02000000000000000000" pitchFamily="2" charset="-120"/>
-                <a:ea typeface="STHeiti TC" panose="02000000000000000000" pitchFamily="2" charset="-120"/>
-              </a:rPr>
-              <a:t>計算</a:t>
-            </a:r>
-            <a:r>
-              <a:rPr lang="en-US" altLang="zh-TW" sz="2400" cap="none" dirty="0">
-                <a:latin typeface="STHeiti TC" panose="02000000000000000000" pitchFamily="2" charset="-120"/>
-                <a:ea typeface="STHeiti TC" panose="02000000000000000000" pitchFamily="2" charset="-120"/>
-              </a:rPr>
-              <a:t> </a:t>
-            </a:r>
-            <a:r>
-              <a:rPr lang="en-US" altLang="zh-TW" sz="2400" cap="none" dirty="0">
-                <a:latin typeface="Consolas" panose="020B0609020204030204" pitchFamily="49" charset="0"/>
-              </a:rPr>
-              <a:t>n! = n(n – 1)(n – 2)... * 2 * 1</a:t>
-            </a:r>
-            <a:endParaRPr lang="zh-TW" altLang="en-US" sz="2400" cap="none" dirty="0">
-              <a:latin typeface="Consolas" panose="020B0609020204030204" pitchFamily="49" charset="0"/>
-            </a:endParaRPr>
-          </a:p>
-        </p:txBody>
-      </p:sp>
-    </p:spTree>
-    <p:extLst>
-      <p:ext uri="{BB962C8B-B14F-4D97-AF65-F5344CB8AC3E}">
-        <p14:creationId xmlns:p14="http://schemas.microsoft.com/office/powerpoint/2010/main" val="1404204930"/>
-      </p:ext>
-    </p:extLst>
-  </p:cSld>
-  <p:clrMapOvr>
-    <a:masterClrMapping/>
-  </p:clrMapOvr>
-  <mc:AlternateContent xmlns:mc="http://schemas.openxmlformats.org/markup-compatibility/2006" xmlns:p159="http://schemas.microsoft.com/office/powerpoint/2015/09/main">
-    <mc:Choice Requires="p159">
-      <p:transition spd="slow">
-        <p159:morph option="byChar"/>
-      </p:transition>
-    </mc:Choice>
-    <mc:Fallback xmlns="">
-      <p:transition spd="slow">
-        <p:fade/>
-      </p:transition>
-    </mc:Fallback>
-  </mc:AlternateContent>
-</p:sld>
-</file>
-
-<file path=ppt/slides/slide40.xml><?xml version="1.0" encoding="utf-8"?>
+<file path=ppt/slides/slide42.xml><?xml version="1.0" encoding="utf-8"?>
 <p:sld xmlns:a="http://schemas.openxmlformats.org/drawingml/2006/main" xmlns:r="http://schemas.openxmlformats.org/officeDocument/2006/relationships" xmlns:p="http://schemas.openxmlformats.org/presentationml/2006/main">
   <p:cSld>
     <p:spTree>
@@ -30211,7 +31427,7 @@
 </p:sld>
 </file>
 
-<file path=ppt/slides/slide41.xml><?xml version="1.0" encoding="utf-8"?>
+<file path=ppt/slides/slide43.xml><?xml version="1.0" encoding="utf-8"?>
 <p:sld xmlns:a="http://schemas.openxmlformats.org/drawingml/2006/main" xmlns:r="http://schemas.openxmlformats.org/officeDocument/2006/relationships" xmlns:p="http://schemas.openxmlformats.org/presentationml/2006/main">
   <p:cSld>
     <p:spTree>
@@ -30685,7 +31901,7 @@
 </p:sld>
 </file>
 
-<file path=ppt/slides/slide42.xml><?xml version="1.0" encoding="utf-8"?>
+<file path=ppt/slides/slide44.xml><?xml version="1.0" encoding="utf-8"?>
 <p:sld xmlns:a="http://schemas.openxmlformats.org/drawingml/2006/main" xmlns:r="http://schemas.openxmlformats.org/officeDocument/2006/relationships" xmlns:p="http://schemas.openxmlformats.org/presentationml/2006/main">
   <p:cSld>
     <p:spTree>
@@ -30926,439 +32142,6 @@
 </p:sld>
 </file>
 
-<file path=ppt/slides/slide43.xml><?xml version="1.0" encoding="utf-8"?>
-<p:sld xmlns:a="http://schemas.openxmlformats.org/drawingml/2006/main" xmlns:r="http://schemas.openxmlformats.org/officeDocument/2006/relationships" xmlns:p="http://schemas.openxmlformats.org/presentationml/2006/main">
-  <p:cSld>
-    <p:spTree>
-      <p:nvGrpSpPr>
-        <p:cNvPr id="1" name=""/>
-        <p:cNvGrpSpPr/>
-        <p:nvPr/>
-      </p:nvGrpSpPr>
-      <p:grpSpPr>
-        <a:xfrm>
-          <a:off x="0" y="0"/>
-          <a:ext cx="0" cy="0"/>
-          <a:chOff x="0" y="0"/>
-          <a:chExt cx="0" cy="0"/>
-        </a:xfrm>
-      </p:grpSpPr>
-      <p:sp>
-        <p:nvSpPr>
-          <p:cNvPr id="2" name="標題 1">
-            <a:extLst>
-              <a:ext uri="{FF2B5EF4-FFF2-40B4-BE49-F238E27FC236}">
-                <a16:creationId xmlns:a16="http://schemas.microsoft.com/office/drawing/2014/main" id="{7D77C5FB-2098-4AE7-BE8E-49605106F9C2}"/>
-              </a:ext>
-            </a:extLst>
-          </p:cNvPr>
-          <p:cNvSpPr>
-            <a:spLocks noGrp="1"/>
-          </p:cNvSpPr>
-          <p:nvPr>
-            <p:ph type="title"/>
-          </p:nvPr>
-        </p:nvSpPr>
-        <p:spPr>
-          <a:xfrm>
-            <a:off x="1141412" y="609600"/>
-            <a:ext cx="10593387" cy="1905000"/>
-          </a:xfrm>
-        </p:spPr>
-        <p:txBody>
-          <a:bodyPr/>
-          <a:lstStyle/>
-          <a:p>
-            <a:r>
-              <a:rPr lang="zh-TW" altLang="en-US" cap="none" dirty="0">
-                <a:latin typeface="STHeiti TC" panose="02000000000000000000" pitchFamily="2" charset="-120"/>
-                <a:ea typeface="STHeiti TC" panose="02000000000000000000" pitchFamily="2" charset="-120"/>
-              </a:rPr>
-              <a:t>遞迴</a:t>
-            </a:r>
-            <a:r>
-              <a:rPr lang="en-US" altLang="zh-TW" cap="none" dirty="0">
-                <a:latin typeface="Consolas" panose="020B0609020204030204" pitchFamily="49" charset="0"/>
-              </a:rPr>
-              <a:t> – </a:t>
-            </a:r>
-            <a:r>
-              <a:rPr lang="zh-TW" altLang="en-US" cap="none" dirty="0">
-                <a:latin typeface="STHeiti TC" panose="02000000000000000000" pitchFamily="2" charset="-120"/>
-                <a:ea typeface="STHeiti TC" panose="02000000000000000000" pitchFamily="2" charset="-120"/>
-              </a:rPr>
-              <a:t>範例：迷宮</a:t>
-            </a:r>
-            <a:r>
-              <a:rPr lang="en-US" altLang="zh-TW" cap="none" dirty="0">
-                <a:latin typeface="Consolas" panose="020B0609020204030204" pitchFamily="49" charset="0"/>
-              </a:rPr>
-              <a:t> </a:t>
-            </a:r>
-            <a:r>
-              <a:rPr lang="en-US" altLang="zh-TW" cap="none" dirty="0">
-                <a:solidFill>
-                  <a:srgbClr val="FFFF00"/>
-                </a:solidFill>
-                <a:latin typeface="Consolas" panose="020B0609020204030204" pitchFamily="49" charset="0"/>
-              </a:rPr>
-              <a:t>| </a:t>
-            </a:r>
-            <a:r>
-              <a:rPr lang="zh-TW" altLang="en-US" cap="none" dirty="0">
-                <a:solidFill>
-                  <a:srgbClr val="FFFF00"/>
-                </a:solidFill>
-                <a:latin typeface="STHeiti TC" panose="02000000000000000000" pitchFamily="2" charset="-120"/>
-                <a:ea typeface="STHeiti TC" panose="02000000000000000000" pitchFamily="2" charset="-120"/>
-              </a:rPr>
-              <a:t>遞迴函式</a:t>
-            </a:r>
-            <a:endParaRPr lang="zh-TW" altLang="en-US" dirty="0"/>
-          </a:p>
-        </p:txBody>
-      </p:sp>
-      <p:sp>
-        <p:nvSpPr>
-          <p:cNvPr id="3" name="文字方塊 2">
-            <a:extLst>
-              <a:ext uri="{FF2B5EF4-FFF2-40B4-BE49-F238E27FC236}">
-                <a16:creationId xmlns:a16="http://schemas.microsoft.com/office/drawing/2014/main" id="{36630E97-6766-4CF4-B065-4C55532B24F7}"/>
-              </a:ext>
-            </a:extLst>
-          </p:cNvPr>
-          <p:cNvSpPr txBox="1"/>
-          <p:nvPr/>
-        </p:nvSpPr>
-        <p:spPr>
-          <a:xfrm>
-            <a:off x="4341394" y="2758351"/>
-            <a:ext cx="3509211" cy="3170099"/>
-          </a:xfrm>
-          <a:prstGeom prst="rect">
-            <a:avLst/>
-          </a:prstGeom>
-          <a:noFill/>
-        </p:spPr>
-        <p:txBody>
-          <a:bodyPr wrap="square" rtlCol="0">
-            <a:spAutoFit/>
-          </a:bodyPr>
-          <a:lstStyle/>
-          <a:p>
-            <a:pPr algn="ctr"/>
-            <a:r>
-              <a:rPr lang="en-US" altLang="zh-TW" sz="4000" dirty="0">
-                <a:latin typeface="Consolas" panose="020B0609020204030204" pitchFamily="49" charset="0"/>
-              </a:rPr>
-              <a:t>###########</a:t>
-            </a:r>
-          </a:p>
-          <a:p>
-            <a:pPr algn="ctr"/>
-            <a:r>
-              <a:rPr lang="en-US" altLang="zh-TW" sz="4000" dirty="0">
-                <a:latin typeface="Consolas" panose="020B0609020204030204" pitchFamily="49" charset="0"/>
-              </a:rPr>
-              <a:t>#...#..#..#</a:t>
-            </a:r>
-          </a:p>
-          <a:p>
-            <a:pPr algn="ctr"/>
-            <a:r>
-              <a:rPr lang="en-US" altLang="zh-TW" sz="4000" dirty="0">
-                <a:latin typeface="Consolas" panose="020B0609020204030204" pitchFamily="49" charset="0"/>
-              </a:rPr>
-              <a:t>#...#</a:t>
-            </a:r>
-            <a:r>
-              <a:rPr lang="en-US" altLang="zh-TW" sz="4000" dirty="0">
-                <a:highlight>
-                  <a:srgbClr val="FF0000"/>
-                </a:highlight>
-                <a:latin typeface="Consolas" panose="020B0609020204030204" pitchFamily="49" charset="0"/>
-              </a:rPr>
-              <a:t>.</a:t>
-            </a:r>
-            <a:r>
-              <a:rPr lang="en-US" altLang="zh-TW" sz="4000" dirty="0">
-                <a:latin typeface="Consolas" panose="020B0609020204030204" pitchFamily="49" charset="0"/>
-              </a:rPr>
-              <a:t>#...#</a:t>
-            </a:r>
-          </a:p>
-          <a:p>
-            <a:pPr algn="ctr"/>
-            <a:r>
-              <a:rPr lang="en-US" altLang="zh-TW" sz="4000" dirty="0">
-                <a:latin typeface="Consolas" panose="020B0609020204030204" pitchFamily="49" charset="0"/>
-              </a:rPr>
-              <a:t>#.....#...#</a:t>
-            </a:r>
-          </a:p>
-          <a:p>
-            <a:pPr algn="ctr"/>
-            <a:r>
-              <a:rPr lang="en-US" altLang="zh-TW" sz="4000" dirty="0">
-                <a:latin typeface="Consolas" panose="020B0609020204030204" pitchFamily="49" charset="0"/>
-              </a:rPr>
-              <a:t>###########</a:t>
-            </a:r>
-            <a:endParaRPr lang="zh-TW" altLang="en-US" sz="4000" dirty="0">
-              <a:latin typeface="Consolas" panose="020B0609020204030204" pitchFamily="49" charset="0"/>
-            </a:endParaRPr>
-          </a:p>
-        </p:txBody>
-      </p:sp>
-    </p:spTree>
-    <p:extLst>
-      <p:ext uri="{BB962C8B-B14F-4D97-AF65-F5344CB8AC3E}">
-        <p14:creationId xmlns:p14="http://schemas.microsoft.com/office/powerpoint/2010/main" val="3582894403"/>
-      </p:ext>
-    </p:extLst>
-  </p:cSld>
-  <p:clrMapOvr>
-    <a:masterClrMapping/>
-  </p:clrMapOvr>
-  <mc:AlternateContent xmlns:mc="http://schemas.openxmlformats.org/markup-compatibility/2006" xmlns:p159="http://schemas.microsoft.com/office/powerpoint/2015/09/main">
-    <mc:Choice Requires="p159">
-      <p:transition spd="slow">
-        <p159:morph option="byChar"/>
-      </p:transition>
-    </mc:Choice>
-    <mc:Fallback xmlns="">
-      <p:transition spd="slow">
-        <p:fade/>
-      </p:transition>
-    </mc:Fallback>
-  </mc:AlternateContent>
-</p:sld>
-</file>
-
-<file path=ppt/slides/slide44.xml><?xml version="1.0" encoding="utf-8"?>
-<p:sld xmlns:a="http://schemas.openxmlformats.org/drawingml/2006/main" xmlns:r="http://schemas.openxmlformats.org/officeDocument/2006/relationships" xmlns:p="http://schemas.openxmlformats.org/presentationml/2006/main">
-  <p:cSld>
-    <p:spTree>
-      <p:nvGrpSpPr>
-        <p:cNvPr id="1" name=""/>
-        <p:cNvGrpSpPr/>
-        <p:nvPr/>
-      </p:nvGrpSpPr>
-      <p:grpSpPr>
-        <a:xfrm>
-          <a:off x="0" y="0"/>
-          <a:ext cx="0" cy="0"/>
-          <a:chOff x="0" y="0"/>
-          <a:chExt cx="0" cy="0"/>
-        </a:xfrm>
-      </p:grpSpPr>
-      <p:sp>
-        <p:nvSpPr>
-          <p:cNvPr id="2" name="標題 1">
-            <a:extLst>
-              <a:ext uri="{FF2B5EF4-FFF2-40B4-BE49-F238E27FC236}">
-                <a16:creationId xmlns:a16="http://schemas.microsoft.com/office/drawing/2014/main" id="{7D77C5FB-2098-4AE7-BE8E-49605106F9C2}"/>
-              </a:ext>
-            </a:extLst>
-          </p:cNvPr>
-          <p:cNvSpPr>
-            <a:spLocks noGrp="1"/>
-          </p:cNvSpPr>
-          <p:nvPr>
-            <p:ph type="title"/>
-          </p:nvPr>
-        </p:nvSpPr>
-        <p:spPr>
-          <a:xfrm>
-            <a:off x="1141412" y="609600"/>
-            <a:ext cx="10593387" cy="1905000"/>
-          </a:xfrm>
-        </p:spPr>
-        <p:txBody>
-          <a:bodyPr/>
-          <a:lstStyle/>
-          <a:p>
-            <a:r>
-              <a:rPr lang="zh-TW" altLang="en-US" cap="none" dirty="0">
-                <a:latin typeface="STHeiti TC" panose="02000000000000000000" pitchFamily="2" charset="-120"/>
-                <a:ea typeface="STHeiti TC" panose="02000000000000000000" pitchFamily="2" charset="-120"/>
-              </a:rPr>
-              <a:t>遞迴</a:t>
-            </a:r>
-            <a:r>
-              <a:rPr lang="en-US" altLang="zh-TW" cap="none" dirty="0">
-                <a:latin typeface="Consolas" panose="020B0609020204030204" pitchFamily="49" charset="0"/>
-              </a:rPr>
-              <a:t> – </a:t>
-            </a:r>
-            <a:r>
-              <a:rPr lang="zh-TW" altLang="en-US" cap="none" dirty="0">
-                <a:latin typeface="STHeiti TC" panose="02000000000000000000" pitchFamily="2" charset="-120"/>
-                <a:ea typeface="STHeiti TC" panose="02000000000000000000" pitchFamily="2" charset="-120"/>
-              </a:rPr>
-              <a:t>範例：迷宮</a:t>
-            </a:r>
-            <a:r>
-              <a:rPr lang="en-US" altLang="zh-TW" cap="none" dirty="0">
-                <a:latin typeface="Consolas" panose="020B0609020204030204" pitchFamily="49" charset="0"/>
-              </a:rPr>
-              <a:t> </a:t>
-            </a:r>
-            <a:r>
-              <a:rPr lang="en-US" altLang="zh-TW" cap="none" dirty="0">
-                <a:solidFill>
-                  <a:srgbClr val="FFFF00"/>
-                </a:solidFill>
-                <a:latin typeface="Consolas" panose="020B0609020204030204" pitchFamily="49" charset="0"/>
-              </a:rPr>
-              <a:t>| </a:t>
-            </a:r>
-            <a:r>
-              <a:rPr lang="zh-TW" altLang="en-US" cap="none" dirty="0">
-                <a:solidFill>
-                  <a:srgbClr val="FFFF00"/>
-                </a:solidFill>
-                <a:latin typeface="STHeiti TC" panose="02000000000000000000" pitchFamily="2" charset="-120"/>
-                <a:ea typeface="STHeiti TC" panose="02000000000000000000" pitchFamily="2" charset="-120"/>
-              </a:rPr>
-              <a:t>遞迴函式</a:t>
-            </a:r>
-            <a:endParaRPr lang="zh-TW" altLang="en-US" dirty="0"/>
-          </a:p>
-        </p:txBody>
-      </p:sp>
-      <p:sp>
-        <p:nvSpPr>
-          <p:cNvPr id="3" name="文字方塊 2">
-            <a:extLst>
-              <a:ext uri="{FF2B5EF4-FFF2-40B4-BE49-F238E27FC236}">
-                <a16:creationId xmlns:a16="http://schemas.microsoft.com/office/drawing/2014/main" id="{36630E97-6766-4CF4-B065-4C55532B24F7}"/>
-              </a:ext>
-            </a:extLst>
-          </p:cNvPr>
-          <p:cNvSpPr txBox="1"/>
-          <p:nvPr/>
-        </p:nvSpPr>
-        <p:spPr>
-          <a:xfrm>
-            <a:off x="4341394" y="2758351"/>
-            <a:ext cx="3509211" cy="3170099"/>
-          </a:xfrm>
-          <a:prstGeom prst="rect">
-            <a:avLst/>
-          </a:prstGeom>
-          <a:noFill/>
-        </p:spPr>
-        <p:txBody>
-          <a:bodyPr wrap="square" rtlCol="0">
-            <a:spAutoFit/>
-          </a:bodyPr>
-          <a:lstStyle/>
-          <a:p>
-            <a:pPr algn="ctr"/>
-            <a:r>
-              <a:rPr lang="en-US" altLang="zh-TW" sz="4000" dirty="0">
-                <a:latin typeface="Consolas" panose="020B0609020204030204" pitchFamily="49" charset="0"/>
-              </a:rPr>
-              <a:t>###########</a:t>
-            </a:r>
-          </a:p>
-          <a:p>
-            <a:pPr algn="ctr"/>
-            <a:r>
-              <a:rPr lang="en-US" altLang="zh-TW" sz="4000" dirty="0">
-                <a:latin typeface="Consolas" panose="020B0609020204030204" pitchFamily="49" charset="0"/>
-              </a:rPr>
-              <a:t>#...#</a:t>
-            </a:r>
-            <a:r>
-              <a:rPr lang="en-US" altLang="zh-TW" sz="4000" dirty="0">
-                <a:highlight>
-                  <a:srgbClr val="FF0000"/>
-                </a:highlight>
-                <a:latin typeface="Consolas" panose="020B0609020204030204" pitchFamily="49" charset="0"/>
-              </a:rPr>
-              <a:t>.</a:t>
-            </a:r>
-            <a:r>
-              <a:rPr lang="en-US" altLang="zh-TW" sz="4000" dirty="0">
-                <a:latin typeface="Consolas" panose="020B0609020204030204" pitchFamily="49" charset="0"/>
-              </a:rPr>
-              <a:t>.#..#</a:t>
-            </a:r>
-          </a:p>
-          <a:p>
-            <a:pPr algn="ctr"/>
-            <a:r>
-              <a:rPr lang="en-US" altLang="zh-TW" sz="4000" dirty="0">
-                <a:latin typeface="Consolas" panose="020B0609020204030204" pitchFamily="49" charset="0"/>
-              </a:rPr>
-              <a:t>#...#</a:t>
-            </a:r>
-            <a:r>
-              <a:rPr lang="en-US" altLang="zh-TW" sz="4000" dirty="0">
-                <a:highlight>
-                  <a:srgbClr val="FF0000"/>
-                </a:highlight>
-                <a:latin typeface="Consolas" panose="020B0609020204030204" pitchFamily="49" charset="0"/>
-              </a:rPr>
-              <a:t>#</a:t>
-            </a:r>
-            <a:r>
-              <a:rPr lang="en-US" altLang="zh-TW" sz="4000" dirty="0">
-                <a:latin typeface="Consolas" panose="020B0609020204030204" pitchFamily="49" charset="0"/>
-              </a:rPr>
-              <a:t>#...#</a:t>
-            </a:r>
-          </a:p>
-          <a:p>
-            <a:pPr algn="ctr"/>
-            <a:r>
-              <a:rPr lang="en-US" altLang="zh-TW" sz="4000" dirty="0">
-                <a:latin typeface="Consolas" panose="020B0609020204030204" pitchFamily="49" charset="0"/>
-              </a:rPr>
-              <a:t>#.....#...#</a:t>
-            </a:r>
-          </a:p>
-          <a:p>
-            <a:pPr algn="ctr"/>
-            <a:r>
-              <a:rPr lang="en-US" altLang="zh-TW" sz="4000" dirty="0">
-                <a:latin typeface="Consolas" panose="020B0609020204030204" pitchFamily="49" charset="0"/>
-              </a:rPr>
-              <a:t>###########</a:t>
-            </a:r>
-            <a:endParaRPr lang="zh-TW" altLang="en-US" sz="4000" dirty="0">
-              <a:latin typeface="Consolas" panose="020B0609020204030204" pitchFamily="49" charset="0"/>
-            </a:endParaRPr>
-          </a:p>
-        </p:txBody>
-      </p:sp>
-    </p:spTree>
-    <p:extLst>
-      <p:ext uri="{BB962C8B-B14F-4D97-AF65-F5344CB8AC3E}">
-        <p14:creationId xmlns:p14="http://schemas.microsoft.com/office/powerpoint/2010/main" val="3451858875"/>
-      </p:ext>
-    </p:extLst>
-  </p:cSld>
-  <p:clrMapOvr>
-    <a:masterClrMapping/>
-  </p:clrMapOvr>
-  <mc:AlternateContent xmlns:mc="http://schemas.openxmlformats.org/markup-compatibility/2006" xmlns:p159="http://schemas.microsoft.com/office/powerpoint/2015/09/main">
-    <mc:Choice Requires="p159">
-      <p:transition spd="slow">
-        <p159:morph option="byChar"/>
-      </p:transition>
-    </mc:Choice>
-    <mc:Fallback xmlns="">
-      <p:transition spd="slow">
-        <p:fade/>
-      </p:transition>
-    </mc:Fallback>
-  </mc:AlternateContent>
-</p:sld>
-</file>
-
 <file path=ppt/slides/slide45.xml><?xml version="1.0" encoding="utf-8"?>
 <p:sld xmlns:a="http://schemas.openxmlformats.org/drawingml/2006/main" xmlns:r="http://schemas.openxmlformats.org/officeDocument/2006/relationships" xmlns:p="http://schemas.openxmlformats.org/presentationml/2006/main">
   <p:cSld>
@@ -31493,6 +32276,15 @@
               <a:rPr lang="en-US" altLang="zh-TW" sz="4000" dirty="0">
                 <a:latin typeface="Consolas" panose="020B0609020204030204" pitchFamily="49" charset="0"/>
               </a:rPr>
+              <a:t>#...#..#..#</a:t>
+            </a:r>
+          </a:p>
+          <a:p>
+            <a:pPr algn="ctr"/>
+            <a:r>
+              <a:rPr lang="en-US" altLang="zh-TW" sz="4000" dirty="0">
+                <a:latin typeface="Consolas" panose="020B0609020204030204" pitchFamily="49" charset="0"/>
+              </a:rPr>
               <a:t>#...#</a:t>
             </a:r>
             <a:r>
@@ -31502,31 +32294,7 @@
                 </a:highlight>
                 <a:latin typeface="Consolas" panose="020B0609020204030204" pitchFamily="49" charset="0"/>
               </a:rPr>
-              <a:t>#.</a:t>
-            </a:r>
-            <a:r>
-              <a:rPr lang="en-US" altLang="zh-TW" sz="4000" dirty="0">
-                <a:latin typeface="Consolas" panose="020B0609020204030204" pitchFamily="49" charset="0"/>
-              </a:rPr>
-              <a:t>#..#</a:t>
-            </a:r>
-          </a:p>
-          <a:p>
-            <a:pPr algn="ctr"/>
-            <a:r>
-              <a:rPr lang="en-US" altLang="zh-TW" sz="4000" dirty="0">
-                <a:latin typeface="Consolas" panose="020B0609020204030204" pitchFamily="49" charset="0"/>
-              </a:rPr>
-              <a:t>#...#</a:t>
-            </a:r>
-            <a:r>
-              <a:rPr lang="en-US" altLang="zh-TW" sz="4000" dirty="0">
-                <a:highlight>
-                  <a:srgbClr val="FF0000"/>
-                </a:highlight>
-                <a:latin typeface="Consolas" panose="020B0609020204030204" pitchFamily="49" charset="0"/>
-              </a:rPr>
-              <a:t>#</a:t>
+              <a:t>.</a:t>
             </a:r>
             <a:r>
               <a:rPr lang="en-US" altLang="zh-TW" sz="4000" dirty="0">
@@ -31561,7 +32329,7 @@
     </p:spTree>
     <p:extLst>
       <p:ext uri="{BB962C8B-B14F-4D97-AF65-F5344CB8AC3E}">
-        <p14:creationId xmlns:p14="http://schemas.microsoft.com/office/powerpoint/2010/main" val="3949229952"/>
+        <p14:creationId xmlns:p14="http://schemas.microsoft.com/office/powerpoint/2010/main" val="3582894403"/>
       </p:ext>
     </p:extLst>
   </p:cSld>
@@ -31726,13 +32494,13 @@
                 </a:highlight>
                 <a:latin typeface="Consolas" panose="020B0609020204030204" pitchFamily="49" charset="0"/>
               </a:rPr>
-              <a:t>##</a:t>
+              <a:t>.</a:t>
             </a:r>
             <a:r>
               <a:rPr lang="en-US" altLang="zh-TW" sz="4000" dirty="0">
                 <a:latin typeface="Consolas" panose="020B0609020204030204" pitchFamily="49" charset="0"/>
               </a:rPr>
-              <a:t>#..#</a:t>
+              <a:t>.#..#</a:t>
             </a:r>
           </a:p>
           <a:p>
@@ -31785,7 +32553,7 @@
     </p:spTree>
     <p:extLst>
       <p:ext uri="{BB962C8B-B14F-4D97-AF65-F5344CB8AC3E}">
-        <p14:creationId xmlns:p14="http://schemas.microsoft.com/office/powerpoint/2010/main" val="941220507"/>
+        <p14:creationId xmlns:p14="http://schemas.microsoft.com/office/powerpoint/2010/main" val="3451858875"/>
       </p:ext>
     </p:extLst>
   </p:cSld>
@@ -31950,13 +32718,13 @@
                 </a:highlight>
                 <a:latin typeface="Consolas" panose="020B0609020204030204" pitchFamily="49" charset="0"/>
               </a:rPr>
-              <a:t>#</a:t>
+              <a:t>#.</a:t>
             </a:r>
             <a:r>
               <a:rPr lang="en-US" altLang="zh-TW" sz="4000" dirty="0">
                 <a:latin typeface="Consolas" panose="020B0609020204030204" pitchFamily="49" charset="0"/>
               </a:rPr>
-              <a:t>.#..#</a:t>
+              <a:t>#..#</a:t>
             </a:r>
           </a:p>
           <a:p>
@@ -32009,7 +32777,7 @@
     </p:spTree>
     <p:extLst>
       <p:ext uri="{BB962C8B-B14F-4D97-AF65-F5344CB8AC3E}">
-        <p14:creationId xmlns:p14="http://schemas.microsoft.com/office/powerpoint/2010/main" val="3824792781"/>
+        <p14:creationId xmlns:p14="http://schemas.microsoft.com/office/powerpoint/2010/main" val="3949229952"/>
       </p:ext>
     </p:extLst>
   </p:cSld>
@@ -32165,7 +32933,22 @@
               <a:rPr lang="en-US" altLang="zh-TW" sz="4000" dirty="0">
                 <a:latin typeface="Consolas" panose="020B0609020204030204" pitchFamily="49" charset="0"/>
               </a:rPr>
-              <a:t>#...#..#..#</a:t>
+              <a:t>#...#</a:t>
+            </a:r>
+            <a:r>
+              <a:rPr lang="en-US" altLang="zh-TW" sz="4000" dirty="0">
+                <a:highlight>
+                  <a:srgbClr val="FF0000"/>
+                </a:highlight>
+                <a:latin typeface="Consolas" panose="020B0609020204030204" pitchFamily="49" charset="0"/>
+              </a:rPr>
+              <a:t>##</a:t>
+            </a:r>
+            <a:r>
+              <a:rPr lang="en-US" altLang="zh-TW" sz="4000" dirty="0">
+                <a:latin typeface="Consolas" panose="020B0609020204030204" pitchFamily="49" charset="0"/>
+              </a:rPr>
+              <a:t>#..#</a:t>
             </a:r>
           </a:p>
           <a:p>
@@ -32218,7 +33001,7 @@
     </p:spTree>
     <p:extLst>
       <p:ext uri="{BB962C8B-B14F-4D97-AF65-F5344CB8AC3E}">
-        <p14:creationId xmlns:p14="http://schemas.microsoft.com/office/powerpoint/2010/main" val="4284699570"/>
+        <p14:creationId xmlns:p14="http://schemas.microsoft.com/office/powerpoint/2010/main" val="941220507"/>
       </p:ext>
     </p:extLst>
   </p:cSld>
@@ -32374,15 +33157,6 @@
               <a:rPr lang="en-US" altLang="zh-TW" sz="4000" dirty="0">
                 <a:latin typeface="Consolas" panose="020B0609020204030204" pitchFamily="49" charset="0"/>
               </a:rPr>
-              <a:t>#...#..#..#</a:t>
-            </a:r>
-          </a:p>
-          <a:p>
-            <a:pPr algn="ctr"/>
-            <a:r>
-              <a:rPr lang="en-US" altLang="zh-TW" sz="4000" dirty="0">
-                <a:latin typeface="Consolas" panose="020B0609020204030204" pitchFamily="49" charset="0"/>
-              </a:rPr>
               <a:t>#...#</a:t>
             </a:r>
             <a:r>
@@ -32398,7 +33172,7 @@
               <a:rPr lang="en-US" altLang="zh-TW" sz="4000" dirty="0">
                 <a:latin typeface="Consolas" panose="020B0609020204030204" pitchFamily="49" charset="0"/>
               </a:rPr>
-              <a:t>#...#</a:t>
+              <a:t>.#..#</a:t>
             </a:r>
           </a:p>
           <a:p>
@@ -32407,7 +33181,7 @@
               <a:rPr lang="en-US" altLang="zh-TW" sz="4000" dirty="0">
                 <a:latin typeface="Consolas" panose="020B0609020204030204" pitchFamily="49" charset="0"/>
               </a:rPr>
-              <a:t>#....</a:t>
+              <a:t>#...#</a:t>
             </a:r>
             <a:r>
               <a:rPr lang="en-US" altLang="zh-TW" sz="4000" dirty="0">
@@ -32416,13 +33190,22 @@
                 </a:highlight>
                 <a:latin typeface="Consolas" panose="020B0609020204030204" pitchFamily="49" charset="0"/>
               </a:rPr>
-              <a:t>.</a:t>
+              <a:t>#</a:t>
             </a:r>
             <a:r>
               <a:rPr lang="en-US" altLang="zh-TW" sz="4000" dirty="0">
                 <a:latin typeface="Consolas" panose="020B0609020204030204" pitchFamily="49" charset="0"/>
               </a:rPr>
               <a:t>#...#</a:t>
+            </a:r>
+          </a:p>
+          <a:p>
+            <a:pPr algn="ctr"/>
+            <a:r>
+              <a:rPr lang="en-US" altLang="zh-TW" sz="4000" dirty="0">
+                <a:latin typeface="Consolas" panose="020B0609020204030204" pitchFamily="49" charset="0"/>
+              </a:rPr>
+              <a:t>#.....#...#</a:t>
             </a:r>
           </a:p>
           <a:p>
@@ -32442,7 +33225,7 @@
     </p:spTree>
     <p:extLst>
       <p:ext uri="{BB962C8B-B14F-4D97-AF65-F5344CB8AC3E}">
-        <p14:creationId xmlns:p14="http://schemas.microsoft.com/office/powerpoint/2010/main" val="1911723664"/>
+        <p14:creationId xmlns:p14="http://schemas.microsoft.com/office/powerpoint/2010/main" val="3824792781"/>
       </p:ext>
     </p:extLst>
   </p:cSld>
@@ -33120,6 +33903,439 @@
               <a:rPr lang="en-US" altLang="zh-TW" sz="4000" dirty="0">
                 <a:latin typeface="Consolas" panose="020B0609020204030204" pitchFamily="49" charset="0"/>
               </a:rPr>
+              <a:t>#.....#...#</a:t>
+            </a:r>
+          </a:p>
+          <a:p>
+            <a:pPr algn="ctr"/>
+            <a:r>
+              <a:rPr lang="en-US" altLang="zh-TW" sz="4000" dirty="0">
+                <a:latin typeface="Consolas" panose="020B0609020204030204" pitchFamily="49" charset="0"/>
+              </a:rPr>
+              <a:t>###########</a:t>
+            </a:r>
+            <a:endParaRPr lang="zh-TW" altLang="en-US" sz="4000" dirty="0">
+              <a:latin typeface="Consolas" panose="020B0609020204030204" pitchFamily="49" charset="0"/>
+            </a:endParaRPr>
+          </a:p>
+        </p:txBody>
+      </p:sp>
+    </p:spTree>
+    <p:extLst>
+      <p:ext uri="{BB962C8B-B14F-4D97-AF65-F5344CB8AC3E}">
+        <p14:creationId xmlns:p14="http://schemas.microsoft.com/office/powerpoint/2010/main" val="4284699570"/>
+      </p:ext>
+    </p:extLst>
+  </p:cSld>
+  <p:clrMapOvr>
+    <a:masterClrMapping/>
+  </p:clrMapOvr>
+  <mc:AlternateContent xmlns:mc="http://schemas.openxmlformats.org/markup-compatibility/2006" xmlns:p159="http://schemas.microsoft.com/office/powerpoint/2015/09/main">
+    <mc:Choice Requires="p159">
+      <p:transition spd="slow">
+        <p159:morph option="byChar"/>
+      </p:transition>
+    </mc:Choice>
+    <mc:Fallback xmlns="">
+      <p:transition spd="slow">
+        <p:fade/>
+      </p:transition>
+    </mc:Fallback>
+  </mc:AlternateContent>
+</p:sld>
+</file>
+
+<file path=ppt/slides/slide51.xml><?xml version="1.0" encoding="utf-8"?>
+<p:sld xmlns:a="http://schemas.openxmlformats.org/drawingml/2006/main" xmlns:r="http://schemas.openxmlformats.org/officeDocument/2006/relationships" xmlns:p="http://schemas.openxmlformats.org/presentationml/2006/main">
+  <p:cSld>
+    <p:spTree>
+      <p:nvGrpSpPr>
+        <p:cNvPr id="1" name=""/>
+        <p:cNvGrpSpPr/>
+        <p:nvPr/>
+      </p:nvGrpSpPr>
+      <p:grpSpPr>
+        <a:xfrm>
+          <a:off x="0" y="0"/>
+          <a:ext cx="0" cy="0"/>
+          <a:chOff x="0" y="0"/>
+          <a:chExt cx="0" cy="0"/>
+        </a:xfrm>
+      </p:grpSpPr>
+      <p:sp>
+        <p:nvSpPr>
+          <p:cNvPr id="2" name="標題 1">
+            <a:extLst>
+              <a:ext uri="{FF2B5EF4-FFF2-40B4-BE49-F238E27FC236}">
+                <a16:creationId xmlns:a16="http://schemas.microsoft.com/office/drawing/2014/main" id="{7D77C5FB-2098-4AE7-BE8E-49605106F9C2}"/>
+              </a:ext>
+            </a:extLst>
+          </p:cNvPr>
+          <p:cNvSpPr>
+            <a:spLocks noGrp="1"/>
+          </p:cNvSpPr>
+          <p:nvPr>
+            <p:ph type="title"/>
+          </p:nvPr>
+        </p:nvSpPr>
+        <p:spPr>
+          <a:xfrm>
+            <a:off x="1141412" y="609600"/>
+            <a:ext cx="10593387" cy="1905000"/>
+          </a:xfrm>
+        </p:spPr>
+        <p:txBody>
+          <a:bodyPr/>
+          <a:lstStyle/>
+          <a:p>
+            <a:r>
+              <a:rPr lang="zh-TW" altLang="en-US" cap="none" dirty="0">
+                <a:latin typeface="STHeiti TC" panose="02000000000000000000" pitchFamily="2" charset="-120"/>
+                <a:ea typeface="STHeiti TC" panose="02000000000000000000" pitchFamily="2" charset="-120"/>
+              </a:rPr>
+              <a:t>遞迴</a:t>
+            </a:r>
+            <a:r>
+              <a:rPr lang="en-US" altLang="zh-TW" cap="none" dirty="0">
+                <a:latin typeface="Consolas" panose="020B0609020204030204" pitchFamily="49" charset="0"/>
+              </a:rPr>
+              <a:t> – </a:t>
+            </a:r>
+            <a:r>
+              <a:rPr lang="zh-TW" altLang="en-US" cap="none" dirty="0">
+                <a:latin typeface="STHeiti TC" panose="02000000000000000000" pitchFamily="2" charset="-120"/>
+                <a:ea typeface="STHeiti TC" panose="02000000000000000000" pitchFamily="2" charset="-120"/>
+              </a:rPr>
+              <a:t>範例：迷宮</a:t>
+            </a:r>
+            <a:r>
+              <a:rPr lang="en-US" altLang="zh-TW" cap="none" dirty="0">
+                <a:latin typeface="Consolas" panose="020B0609020204030204" pitchFamily="49" charset="0"/>
+              </a:rPr>
+              <a:t> </a:t>
+            </a:r>
+            <a:r>
+              <a:rPr lang="en-US" altLang="zh-TW" cap="none" dirty="0">
+                <a:solidFill>
+                  <a:srgbClr val="FFFF00"/>
+                </a:solidFill>
+                <a:latin typeface="Consolas" panose="020B0609020204030204" pitchFamily="49" charset="0"/>
+              </a:rPr>
+              <a:t>| </a:t>
+            </a:r>
+            <a:r>
+              <a:rPr lang="zh-TW" altLang="en-US" cap="none" dirty="0">
+                <a:solidFill>
+                  <a:srgbClr val="FFFF00"/>
+                </a:solidFill>
+                <a:latin typeface="STHeiti TC" panose="02000000000000000000" pitchFamily="2" charset="-120"/>
+                <a:ea typeface="STHeiti TC" panose="02000000000000000000" pitchFamily="2" charset="-120"/>
+              </a:rPr>
+              <a:t>遞迴函式</a:t>
+            </a:r>
+            <a:endParaRPr lang="zh-TW" altLang="en-US" dirty="0"/>
+          </a:p>
+        </p:txBody>
+      </p:sp>
+      <p:sp>
+        <p:nvSpPr>
+          <p:cNvPr id="3" name="文字方塊 2">
+            <a:extLst>
+              <a:ext uri="{FF2B5EF4-FFF2-40B4-BE49-F238E27FC236}">
+                <a16:creationId xmlns:a16="http://schemas.microsoft.com/office/drawing/2014/main" id="{36630E97-6766-4CF4-B065-4C55532B24F7}"/>
+              </a:ext>
+            </a:extLst>
+          </p:cNvPr>
+          <p:cNvSpPr txBox="1"/>
+          <p:nvPr/>
+        </p:nvSpPr>
+        <p:spPr>
+          <a:xfrm>
+            <a:off x="4341394" y="2758351"/>
+            <a:ext cx="3509211" cy="3170099"/>
+          </a:xfrm>
+          <a:prstGeom prst="rect">
+            <a:avLst/>
+          </a:prstGeom>
+          <a:noFill/>
+        </p:spPr>
+        <p:txBody>
+          <a:bodyPr wrap="square" rtlCol="0">
+            <a:spAutoFit/>
+          </a:bodyPr>
+          <a:lstStyle/>
+          <a:p>
+            <a:pPr algn="ctr"/>
+            <a:r>
+              <a:rPr lang="en-US" altLang="zh-TW" sz="4000" dirty="0">
+                <a:latin typeface="Consolas" panose="020B0609020204030204" pitchFamily="49" charset="0"/>
+              </a:rPr>
+              <a:t>###########</a:t>
+            </a:r>
+          </a:p>
+          <a:p>
+            <a:pPr algn="ctr"/>
+            <a:r>
+              <a:rPr lang="en-US" altLang="zh-TW" sz="4000" dirty="0">
+                <a:latin typeface="Consolas" panose="020B0609020204030204" pitchFamily="49" charset="0"/>
+              </a:rPr>
+              <a:t>#...#..#..#</a:t>
+            </a:r>
+          </a:p>
+          <a:p>
+            <a:pPr algn="ctr"/>
+            <a:r>
+              <a:rPr lang="en-US" altLang="zh-TW" sz="4000" dirty="0">
+                <a:latin typeface="Consolas" panose="020B0609020204030204" pitchFamily="49" charset="0"/>
+              </a:rPr>
+              <a:t>#...#</a:t>
+            </a:r>
+            <a:r>
+              <a:rPr lang="en-US" altLang="zh-TW" sz="4000" dirty="0">
+                <a:highlight>
+                  <a:srgbClr val="FF0000"/>
+                </a:highlight>
+                <a:latin typeface="Consolas" panose="020B0609020204030204" pitchFamily="49" charset="0"/>
+              </a:rPr>
+              <a:t>#</a:t>
+            </a:r>
+            <a:r>
+              <a:rPr lang="en-US" altLang="zh-TW" sz="4000" dirty="0">
+                <a:latin typeface="Consolas" panose="020B0609020204030204" pitchFamily="49" charset="0"/>
+              </a:rPr>
+              <a:t>#...#</a:t>
+            </a:r>
+          </a:p>
+          <a:p>
+            <a:pPr algn="ctr"/>
+            <a:r>
+              <a:rPr lang="en-US" altLang="zh-TW" sz="4000" dirty="0">
+                <a:latin typeface="Consolas" panose="020B0609020204030204" pitchFamily="49" charset="0"/>
+              </a:rPr>
+              <a:t>#....</a:t>
+            </a:r>
+            <a:r>
+              <a:rPr lang="en-US" altLang="zh-TW" sz="4000" dirty="0">
+                <a:highlight>
+                  <a:srgbClr val="FF0000"/>
+                </a:highlight>
+                <a:latin typeface="Consolas" panose="020B0609020204030204" pitchFamily="49" charset="0"/>
+              </a:rPr>
+              <a:t>.</a:t>
+            </a:r>
+            <a:r>
+              <a:rPr lang="en-US" altLang="zh-TW" sz="4000" dirty="0">
+                <a:latin typeface="Consolas" panose="020B0609020204030204" pitchFamily="49" charset="0"/>
+              </a:rPr>
+              <a:t>#...#</a:t>
+            </a:r>
+          </a:p>
+          <a:p>
+            <a:pPr algn="ctr"/>
+            <a:r>
+              <a:rPr lang="en-US" altLang="zh-TW" sz="4000" dirty="0">
+                <a:latin typeface="Consolas" panose="020B0609020204030204" pitchFamily="49" charset="0"/>
+              </a:rPr>
+              <a:t>###########</a:t>
+            </a:r>
+            <a:endParaRPr lang="zh-TW" altLang="en-US" sz="4000" dirty="0">
+              <a:latin typeface="Consolas" panose="020B0609020204030204" pitchFamily="49" charset="0"/>
+            </a:endParaRPr>
+          </a:p>
+        </p:txBody>
+      </p:sp>
+    </p:spTree>
+    <p:extLst>
+      <p:ext uri="{BB962C8B-B14F-4D97-AF65-F5344CB8AC3E}">
+        <p14:creationId xmlns:p14="http://schemas.microsoft.com/office/powerpoint/2010/main" val="1911723664"/>
+      </p:ext>
+    </p:extLst>
+  </p:cSld>
+  <p:clrMapOvr>
+    <a:masterClrMapping/>
+  </p:clrMapOvr>
+  <mc:AlternateContent xmlns:mc="http://schemas.openxmlformats.org/markup-compatibility/2006" xmlns:p159="http://schemas.microsoft.com/office/powerpoint/2015/09/main">
+    <mc:Choice Requires="p159">
+      <p:transition spd="slow">
+        <p159:morph option="byChar"/>
+      </p:transition>
+    </mc:Choice>
+    <mc:Fallback xmlns="">
+      <p:transition spd="slow">
+        <p:fade/>
+      </p:transition>
+    </mc:Fallback>
+  </mc:AlternateContent>
+</p:sld>
+</file>
+
+<file path=ppt/slides/slide52.xml><?xml version="1.0" encoding="utf-8"?>
+<p:sld xmlns:a="http://schemas.openxmlformats.org/drawingml/2006/main" xmlns:r="http://schemas.openxmlformats.org/officeDocument/2006/relationships" xmlns:p="http://schemas.openxmlformats.org/presentationml/2006/main">
+  <p:cSld>
+    <p:spTree>
+      <p:nvGrpSpPr>
+        <p:cNvPr id="1" name=""/>
+        <p:cNvGrpSpPr/>
+        <p:nvPr/>
+      </p:nvGrpSpPr>
+      <p:grpSpPr>
+        <a:xfrm>
+          <a:off x="0" y="0"/>
+          <a:ext cx="0" cy="0"/>
+          <a:chOff x="0" y="0"/>
+          <a:chExt cx="0" cy="0"/>
+        </a:xfrm>
+      </p:grpSpPr>
+      <p:sp>
+        <p:nvSpPr>
+          <p:cNvPr id="2" name="標題 1">
+            <a:extLst>
+              <a:ext uri="{FF2B5EF4-FFF2-40B4-BE49-F238E27FC236}">
+                <a16:creationId xmlns:a16="http://schemas.microsoft.com/office/drawing/2014/main" id="{7D77C5FB-2098-4AE7-BE8E-49605106F9C2}"/>
+              </a:ext>
+            </a:extLst>
+          </p:cNvPr>
+          <p:cNvSpPr>
+            <a:spLocks noGrp="1"/>
+          </p:cNvSpPr>
+          <p:nvPr>
+            <p:ph type="title"/>
+          </p:nvPr>
+        </p:nvSpPr>
+        <p:spPr>
+          <a:xfrm>
+            <a:off x="1141412" y="609600"/>
+            <a:ext cx="10593387" cy="1905000"/>
+          </a:xfrm>
+        </p:spPr>
+        <p:txBody>
+          <a:bodyPr/>
+          <a:lstStyle/>
+          <a:p>
+            <a:r>
+              <a:rPr lang="zh-TW" altLang="en-US" cap="none" dirty="0">
+                <a:latin typeface="STHeiti TC" panose="02000000000000000000" pitchFamily="2" charset="-120"/>
+                <a:ea typeface="STHeiti TC" panose="02000000000000000000" pitchFamily="2" charset="-120"/>
+              </a:rPr>
+              <a:t>遞迴</a:t>
+            </a:r>
+            <a:r>
+              <a:rPr lang="en-US" altLang="zh-TW" cap="none" dirty="0">
+                <a:latin typeface="Consolas" panose="020B0609020204030204" pitchFamily="49" charset="0"/>
+              </a:rPr>
+              <a:t> – </a:t>
+            </a:r>
+            <a:r>
+              <a:rPr lang="zh-TW" altLang="en-US" cap="none" dirty="0">
+                <a:latin typeface="STHeiti TC" panose="02000000000000000000" pitchFamily="2" charset="-120"/>
+                <a:ea typeface="STHeiti TC" panose="02000000000000000000" pitchFamily="2" charset="-120"/>
+              </a:rPr>
+              <a:t>範例：迷宮</a:t>
+            </a:r>
+            <a:r>
+              <a:rPr lang="en-US" altLang="zh-TW" cap="none" dirty="0">
+                <a:latin typeface="Consolas" panose="020B0609020204030204" pitchFamily="49" charset="0"/>
+              </a:rPr>
+              <a:t> </a:t>
+            </a:r>
+            <a:r>
+              <a:rPr lang="en-US" altLang="zh-TW" cap="none" dirty="0">
+                <a:solidFill>
+                  <a:srgbClr val="FFFF00"/>
+                </a:solidFill>
+                <a:latin typeface="Consolas" panose="020B0609020204030204" pitchFamily="49" charset="0"/>
+              </a:rPr>
+              <a:t>| </a:t>
+            </a:r>
+            <a:r>
+              <a:rPr lang="zh-TW" altLang="en-US" cap="none" dirty="0">
+                <a:solidFill>
+                  <a:srgbClr val="FFFF00"/>
+                </a:solidFill>
+                <a:latin typeface="STHeiti TC" panose="02000000000000000000" pitchFamily="2" charset="-120"/>
+                <a:ea typeface="STHeiti TC" panose="02000000000000000000" pitchFamily="2" charset="-120"/>
+              </a:rPr>
+              <a:t>遞迴函式</a:t>
+            </a:r>
+            <a:endParaRPr lang="zh-TW" altLang="en-US" dirty="0"/>
+          </a:p>
+        </p:txBody>
+      </p:sp>
+      <p:sp>
+        <p:nvSpPr>
+          <p:cNvPr id="3" name="文字方塊 2">
+            <a:extLst>
+              <a:ext uri="{FF2B5EF4-FFF2-40B4-BE49-F238E27FC236}">
+                <a16:creationId xmlns:a16="http://schemas.microsoft.com/office/drawing/2014/main" id="{36630E97-6766-4CF4-B065-4C55532B24F7}"/>
+              </a:ext>
+            </a:extLst>
+          </p:cNvPr>
+          <p:cNvSpPr txBox="1"/>
+          <p:nvPr/>
+        </p:nvSpPr>
+        <p:spPr>
+          <a:xfrm>
+            <a:off x="4341394" y="2758351"/>
+            <a:ext cx="3509211" cy="3170099"/>
+          </a:xfrm>
+          <a:prstGeom prst="rect">
+            <a:avLst/>
+          </a:prstGeom>
+          <a:noFill/>
+        </p:spPr>
+        <p:txBody>
+          <a:bodyPr wrap="square" rtlCol="0">
+            <a:spAutoFit/>
+          </a:bodyPr>
+          <a:lstStyle/>
+          <a:p>
+            <a:pPr algn="ctr"/>
+            <a:r>
+              <a:rPr lang="en-US" altLang="zh-TW" sz="4000" dirty="0">
+                <a:latin typeface="Consolas" panose="020B0609020204030204" pitchFamily="49" charset="0"/>
+              </a:rPr>
+              <a:t>###########</a:t>
+            </a:r>
+          </a:p>
+          <a:p>
+            <a:pPr algn="ctr"/>
+            <a:r>
+              <a:rPr lang="en-US" altLang="zh-TW" sz="4000" dirty="0">
+                <a:latin typeface="Consolas" panose="020B0609020204030204" pitchFamily="49" charset="0"/>
+              </a:rPr>
+              <a:t>#...#..#..#</a:t>
+            </a:r>
+          </a:p>
+          <a:p>
+            <a:pPr algn="ctr"/>
+            <a:r>
+              <a:rPr lang="en-US" altLang="zh-TW" sz="4000" dirty="0">
+                <a:latin typeface="Consolas" panose="020B0609020204030204" pitchFamily="49" charset="0"/>
+              </a:rPr>
+              <a:t>#...#</a:t>
+            </a:r>
+            <a:r>
+              <a:rPr lang="en-US" altLang="zh-TW" sz="4000" dirty="0">
+                <a:highlight>
+                  <a:srgbClr val="FF0000"/>
+                </a:highlight>
+                <a:latin typeface="Consolas" panose="020B0609020204030204" pitchFamily="49" charset="0"/>
+              </a:rPr>
+              <a:t>#</a:t>
+            </a:r>
+            <a:r>
+              <a:rPr lang="en-US" altLang="zh-TW" sz="4000" dirty="0">
+                <a:latin typeface="Consolas" panose="020B0609020204030204" pitchFamily="49" charset="0"/>
+              </a:rPr>
+              <a:t>#...#</a:t>
+            </a:r>
+          </a:p>
+          <a:p>
+            <a:pPr algn="ctr"/>
+            <a:r>
+              <a:rPr lang="en-US" altLang="zh-TW" sz="4000" dirty="0">
+                <a:latin typeface="Consolas" panose="020B0609020204030204" pitchFamily="49" charset="0"/>
+              </a:rPr>
               <a:t>#...</a:t>
             </a:r>
             <a:r>
@@ -33177,7 +34393,7 @@
 </p:sld>
 </file>
 
-<file path=ppt/slides/slide51.xml><?xml version="1.0" encoding="utf-8"?>
+<file path=ppt/slides/slide53.xml><?xml version="1.0" encoding="utf-8"?>
 <p:sld xmlns:a="http://schemas.openxmlformats.org/drawingml/2006/main" xmlns:r="http://schemas.openxmlformats.org/officeDocument/2006/relationships" xmlns:p="http://schemas.openxmlformats.org/presentationml/2006/main">
   <p:cSld>
     <p:spTree>
@@ -33834,7 +35050,7 @@
 </p:sld>
 </file>
 
-<file path=ppt/slides/slide52.xml><?xml version="1.0" encoding="utf-8"?>
+<file path=ppt/slides/slide54.xml><?xml version="1.0" encoding="utf-8"?>
 <p:sld xmlns:a="http://schemas.openxmlformats.org/drawingml/2006/main" xmlns:r="http://schemas.openxmlformats.org/officeDocument/2006/relationships" xmlns:p="http://schemas.openxmlformats.org/presentationml/2006/main">
   <p:cSld>
     <p:spTree>
@@ -33938,7 +35154,7 @@
 </p:sld>
 </file>
 
-<file path=ppt/slides/slide53.xml><?xml version="1.0" encoding="utf-8"?>
+<file path=ppt/slides/slide55.xml><?xml version="1.0" encoding="utf-8"?>
 <p:sld xmlns:a="http://schemas.openxmlformats.org/drawingml/2006/main" xmlns:r="http://schemas.openxmlformats.org/officeDocument/2006/relationships" xmlns:p="http://schemas.openxmlformats.org/presentationml/2006/main">
   <p:cSld>
     <p:spTree>
@@ -34133,7 +35349,7 @@
 </p:sld>
 </file>
 
-<file path=ppt/slides/slide54.xml><?xml version="1.0" encoding="utf-8"?>
+<file path=ppt/slides/slide56.xml><?xml version="1.0" encoding="utf-8"?>
 <p:sld xmlns:a="http://schemas.openxmlformats.org/drawingml/2006/main" xmlns:r="http://schemas.openxmlformats.org/officeDocument/2006/relationships" xmlns:p="http://schemas.openxmlformats.org/presentationml/2006/main">
   <p:cSld>
     <p:spTree>
@@ -35729,7 +36945,7 @@
 </p:sld>
 </file>
 
-<file path=ppt/slides/slide55.xml><?xml version="1.0" encoding="utf-8"?>
+<file path=ppt/slides/slide57.xml><?xml version="1.0" encoding="utf-8"?>
 <p:sld xmlns:a="http://schemas.openxmlformats.org/drawingml/2006/main" xmlns:r="http://schemas.openxmlformats.org/officeDocument/2006/relationships" xmlns:p="http://schemas.openxmlformats.org/presentationml/2006/main">
   <p:cSld>
     <p:spTree>
@@ -35851,7 +37067,7 @@
 </p:sld>
 </file>
 
-<file path=ppt/slides/slide56.xml><?xml version="1.0" encoding="utf-8"?>
+<file path=ppt/slides/slide58.xml><?xml version="1.0" encoding="utf-8"?>
 <p:sld xmlns:a="http://schemas.openxmlformats.org/drawingml/2006/main" xmlns:r="http://schemas.openxmlformats.org/officeDocument/2006/relationships" xmlns:p="http://schemas.openxmlformats.org/presentationml/2006/main">
   <p:cSld>
     <p:spTree>
@@ -36140,7 +37356,7 @@
 </p:sld>
 </file>
 
-<file path=ppt/slides/slide57.xml><?xml version="1.0" encoding="utf-8"?>
+<file path=ppt/slides/slide59.xml><?xml version="1.0" encoding="utf-8"?>
 <p:sld xmlns:a="http://schemas.openxmlformats.org/drawingml/2006/main" xmlns:r="http://schemas.openxmlformats.org/officeDocument/2006/relationships" xmlns:p="http://schemas.openxmlformats.org/presentationml/2006/main">
   <p:cSld>
     <p:spTree>
@@ -36392,584 +37608,6 @@
                                         <p:cTn id="9" dur="500"/>
                                         <p:tgtEl>
                                           <p:spTgt spid="7"/>
-                                        </p:tgtEl>
-                                      </p:cBhvr>
-                                    </p:animEffect>
-                                  </p:childTnLst>
-                                </p:cTn>
-                              </p:par>
-                            </p:childTnLst>
-                          </p:cTn>
-                        </p:par>
-                      </p:childTnLst>
-                    </p:cTn>
-                  </p:par>
-                </p:childTnLst>
-              </p:cTn>
-              <p:prevCondLst>
-                <p:cond evt="onPrev" delay="0">
-                  <p:tgtEl>
-                    <p:sldTgt/>
-                  </p:tgtEl>
-                </p:cond>
-              </p:prevCondLst>
-              <p:nextCondLst>
-                <p:cond evt="onNext" delay="0">
-                  <p:tgtEl>
-                    <p:sldTgt/>
-                  </p:tgtEl>
-                </p:cond>
-              </p:nextCondLst>
-            </p:seq>
-          </p:childTnLst>
-        </p:cTn>
-      </p:par>
-    </p:tnLst>
-  </p:timing>
-</p:sld>
-</file>
-
-<file path=ppt/slides/slide58.xml><?xml version="1.0" encoding="utf-8"?>
-<p:sld xmlns:a="http://schemas.openxmlformats.org/drawingml/2006/main" xmlns:r="http://schemas.openxmlformats.org/officeDocument/2006/relationships" xmlns:p="http://schemas.openxmlformats.org/presentationml/2006/main">
-  <p:cSld>
-    <p:spTree>
-      <p:nvGrpSpPr>
-        <p:cNvPr id="1" name=""/>
-        <p:cNvGrpSpPr/>
-        <p:nvPr/>
-      </p:nvGrpSpPr>
-      <p:grpSpPr>
-        <a:xfrm>
-          <a:off x="0" y="0"/>
-          <a:ext cx="0" cy="0"/>
-          <a:chOff x="0" y="0"/>
-          <a:chExt cx="0" cy="0"/>
-        </a:xfrm>
-      </p:grpSpPr>
-      <p:sp>
-        <p:nvSpPr>
-          <p:cNvPr id="2" name="標題 1">
-            <a:extLst>
-              <a:ext uri="{FF2B5EF4-FFF2-40B4-BE49-F238E27FC236}">
-                <a16:creationId xmlns:a16="http://schemas.microsoft.com/office/drawing/2014/main" id="{4F4BEBE2-D32E-4CCB-B817-53CF4484524D}"/>
-              </a:ext>
-            </a:extLst>
-          </p:cNvPr>
-          <p:cNvSpPr>
-            <a:spLocks noGrp="1"/>
-          </p:cNvSpPr>
-          <p:nvPr>
-            <p:ph type="title"/>
-          </p:nvPr>
-        </p:nvSpPr>
-        <p:spPr/>
-        <p:txBody>
-          <a:bodyPr/>
-          <a:lstStyle/>
-          <a:p>
-            <a:r>
-              <a:rPr lang="zh-TW" altLang="en-US" cap="none" dirty="0">
-                <a:latin typeface="STHeiti TC" panose="02000000000000000000" pitchFamily="2" charset="-120"/>
-                <a:ea typeface="STHeiti TC" panose="02000000000000000000" pitchFamily="2" charset="-120"/>
-              </a:rPr>
-              <a:t>指標</a:t>
-            </a:r>
-            <a:r>
-              <a:rPr lang="en-US" altLang="zh-TW" cap="none" dirty="0">
-                <a:latin typeface="Consolas" panose="020B0609020204030204" pitchFamily="49" charset="0"/>
-              </a:rPr>
-              <a:t> &amp; </a:t>
-            </a:r>
-            <a:r>
-              <a:rPr lang="zh-TW" altLang="en-US" cap="none" dirty="0">
-                <a:latin typeface="STHeiti TC" panose="02000000000000000000" pitchFamily="2" charset="-120"/>
-                <a:ea typeface="STHeiti TC" panose="02000000000000000000" pitchFamily="2" charset="-120"/>
-              </a:rPr>
-              <a:t>函式</a:t>
-            </a:r>
-            <a:r>
-              <a:rPr lang="en-US" altLang="zh-TW" cap="none" dirty="0">
-                <a:latin typeface="Consolas" panose="020B0609020204030204" pitchFamily="49" charset="0"/>
-              </a:rPr>
-              <a:t> </a:t>
-            </a:r>
-            <a:r>
-              <a:rPr lang="zh-TW" altLang="en-US" cap="none" dirty="0">
-                <a:latin typeface="STHeiti TC" panose="02000000000000000000" pitchFamily="2" charset="-120"/>
-                <a:ea typeface="STHeiti TC" panose="02000000000000000000" pitchFamily="2" charset="-120"/>
-              </a:rPr>
-              <a:t>範例</a:t>
-            </a:r>
-            <a:endParaRPr lang="zh-TW" altLang="en-US" dirty="0"/>
-          </a:p>
-        </p:txBody>
-      </p:sp>
-      <p:pic>
-        <p:nvPicPr>
-          <p:cNvPr id="5" name="圖片 4">
-            <a:extLst>
-              <a:ext uri="{FF2B5EF4-FFF2-40B4-BE49-F238E27FC236}">
-                <a16:creationId xmlns:a16="http://schemas.microsoft.com/office/drawing/2014/main" id="{59C86C9B-29F7-4FF0-937E-152E6EE067FE}"/>
-              </a:ext>
-            </a:extLst>
-          </p:cNvPr>
-          <p:cNvPicPr>
-            <a:picLocks noChangeAspect="1"/>
-          </p:cNvPicPr>
-          <p:nvPr/>
-        </p:nvPicPr>
-        <p:blipFill>
-          <a:blip r:embed="rId2"/>
-          <a:stretch>
-            <a:fillRect/>
-          </a:stretch>
-        </p:blipFill>
-        <p:spPr>
-          <a:xfrm>
-            <a:off x="1141413" y="2248447"/>
-            <a:ext cx="4802187" cy="4189908"/>
-          </a:xfrm>
-          <a:prstGeom prst="rect">
-            <a:avLst/>
-          </a:prstGeom>
-        </p:spPr>
-      </p:pic>
-      <p:pic>
-        <p:nvPicPr>
-          <p:cNvPr id="6" name="圖片 5">
-            <a:extLst>
-              <a:ext uri="{FF2B5EF4-FFF2-40B4-BE49-F238E27FC236}">
-                <a16:creationId xmlns:a16="http://schemas.microsoft.com/office/drawing/2014/main" id="{791037D6-471E-4BEA-8232-286C344F0B05}"/>
-              </a:ext>
-            </a:extLst>
-          </p:cNvPr>
-          <p:cNvPicPr>
-            <a:picLocks noChangeAspect="1"/>
-          </p:cNvPicPr>
-          <p:nvPr/>
-        </p:nvPicPr>
-        <p:blipFill>
-          <a:blip r:embed="rId3"/>
-          <a:stretch>
-            <a:fillRect/>
-          </a:stretch>
-        </p:blipFill>
-        <p:spPr>
-          <a:xfrm>
-            <a:off x="6096000" y="3998883"/>
-            <a:ext cx="6021572" cy="689035"/>
-          </a:xfrm>
-          <a:prstGeom prst="rect">
-            <a:avLst/>
-          </a:prstGeom>
-        </p:spPr>
-      </p:pic>
-    </p:spTree>
-    <p:extLst>
-      <p:ext uri="{BB962C8B-B14F-4D97-AF65-F5344CB8AC3E}">
-        <p14:creationId xmlns:p14="http://schemas.microsoft.com/office/powerpoint/2010/main" val="192552324"/>
-      </p:ext>
-    </p:extLst>
-  </p:cSld>
-  <p:clrMapOvr>
-    <a:masterClrMapping/>
-  </p:clrMapOvr>
-  <mc:AlternateContent xmlns:mc="http://schemas.openxmlformats.org/markup-compatibility/2006" xmlns:p159="http://schemas.microsoft.com/office/powerpoint/2015/09/main">
-    <mc:Choice Requires="p159">
-      <p:transition spd="slow">
-        <p159:morph option="byChar"/>
-      </p:transition>
-    </mc:Choice>
-    <mc:Fallback xmlns="">
-      <p:transition spd="slow">
-        <p:fade/>
-      </p:transition>
-    </mc:Fallback>
-  </mc:AlternateContent>
-  <p:timing>
-    <p:tnLst>
-      <p:par>
-        <p:cTn id="1" dur="indefinite" restart="never" nodeType="tmRoot">
-          <p:childTnLst>
-            <p:seq concurrent="1" nextAc="seek">
-              <p:cTn id="2" dur="indefinite" nodeType="mainSeq">
-                <p:childTnLst>
-                  <p:par>
-                    <p:cTn id="3" fill="hold">
-                      <p:stCondLst>
-                        <p:cond delay="indefinite"/>
-                      </p:stCondLst>
-                      <p:childTnLst>
-                        <p:par>
-                          <p:cTn id="4" fill="hold">
-                            <p:stCondLst>
-                              <p:cond delay="0"/>
-                            </p:stCondLst>
-                            <p:childTnLst>
-                              <p:par>
-                                <p:cTn id="5" presetID="53" presetClass="entr" presetSubtype="16" fill="hold" nodeType="clickEffect">
-                                  <p:stCondLst>
-                                    <p:cond delay="0"/>
-                                  </p:stCondLst>
-                                  <p:childTnLst>
-                                    <p:set>
-                                      <p:cBhvr>
-                                        <p:cTn id="6" dur="1" fill="hold">
-                                          <p:stCondLst>
-                                            <p:cond delay="0"/>
-                                          </p:stCondLst>
-                                        </p:cTn>
-                                        <p:tgtEl>
-                                          <p:spTgt spid="6"/>
-                                        </p:tgtEl>
-                                        <p:attrNameLst>
-                                          <p:attrName>style.visibility</p:attrName>
-                                        </p:attrNameLst>
-                                      </p:cBhvr>
-                                      <p:to>
-                                        <p:strVal val="visible"/>
-                                      </p:to>
-                                    </p:set>
-                                    <p:anim calcmode="lin" valueType="num">
-                                      <p:cBhvr>
-                                        <p:cTn id="7" dur="500" fill="hold"/>
-                                        <p:tgtEl>
-                                          <p:spTgt spid="6"/>
-                                        </p:tgtEl>
-                                        <p:attrNameLst>
-                                          <p:attrName>ppt_w</p:attrName>
-                                        </p:attrNameLst>
-                                      </p:cBhvr>
-                                      <p:tavLst>
-                                        <p:tav tm="0">
-                                          <p:val>
-                                            <p:fltVal val="0"/>
-                                          </p:val>
-                                        </p:tav>
-                                        <p:tav tm="100000">
-                                          <p:val>
-                                            <p:strVal val="#ppt_w"/>
-                                          </p:val>
-                                        </p:tav>
-                                      </p:tavLst>
-                                    </p:anim>
-                                    <p:anim calcmode="lin" valueType="num">
-                                      <p:cBhvr>
-                                        <p:cTn id="8" dur="500" fill="hold"/>
-                                        <p:tgtEl>
-                                          <p:spTgt spid="6"/>
-                                        </p:tgtEl>
-                                        <p:attrNameLst>
-                                          <p:attrName>ppt_h</p:attrName>
-                                        </p:attrNameLst>
-                                      </p:cBhvr>
-                                      <p:tavLst>
-                                        <p:tav tm="0">
-                                          <p:val>
-                                            <p:fltVal val="0"/>
-                                          </p:val>
-                                        </p:tav>
-                                        <p:tav tm="100000">
-                                          <p:val>
-                                            <p:strVal val="#ppt_h"/>
-                                          </p:val>
-                                        </p:tav>
-                                      </p:tavLst>
-                                    </p:anim>
-                                    <p:animEffect transition="in" filter="fade">
-                                      <p:cBhvr>
-                                        <p:cTn id="9" dur="500"/>
-                                        <p:tgtEl>
-                                          <p:spTgt spid="6"/>
-                                        </p:tgtEl>
-                                      </p:cBhvr>
-                                    </p:animEffect>
-                                  </p:childTnLst>
-                                </p:cTn>
-                              </p:par>
-                            </p:childTnLst>
-                          </p:cTn>
-                        </p:par>
-                      </p:childTnLst>
-                    </p:cTn>
-                  </p:par>
-                </p:childTnLst>
-              </p:cTn>
-              <p:prevCondLst>
-                <p:cond evt="onPrev" delay="0">
-                  <p:tgtEl>
-                    <p:sldTgt/>
-                  </p:tgtEl>
-                </p:cond>
-              </p:prevCondLst>
-              <p:nextCondLst>
-                <p:cond evt="onNext" delay="0">
-                  <p:tgtEl>
-                    <p:sldTgt/>
-                  </p:tgtEl>
-                </p:cond>
-              </p:nextCondLst>
-            </p:seq>
-          </p:childTnLst>
-        </p:cTn>
-      </p:par>
-    </p:tnLst>
-  </p:timing>
-</p:sld>
-</file>
-
-<file path=ppt/slides/slide59.xml><?xml version="1.0" encoding="utf-8"?>
-<p:sld xmlns:a="http://schemas.openxmlformats.org/drawingml/2006/main" xmlns:r="http://schemas.openxmlformats.org/officeDocument/2006/relationships" xmlns:p="http://schemas.openxmlformats.org/presentationml/2006/main">
-  <p:cSld>
-    <p:spTree>
-      <p:nvGrpSpPr>
-        <p:cNvPr id="1" name=""/>
-        <p:cNvGrpSpPr/>
-        <p:nvPr/>
-      </p:nvGrpSpPr>
-      <p:grpSpPr>
-        <a:xfrm>
-          <a:off x="0" y="0"/>
-          <a:ext cx="0" cy="0"/>
-          <a:chOff x="0" y="0"/>
-          <a:chExt cx="0" cy="0"/>
-        </a:xfrm>
-      </p:grpSpPr>
-      <p:sp>
-        <p:nvSpPr>
-          <p:cNvPr id="2" name="標題 1">
-            <a:extLst>
-              <a:ext uri="{FF2B5EF4-FFF2-40B4-BE49-F238E27FC236}">
-                <a16:creationId xmlns:a16="http://schemas.microsoft.com/office/drawing/2014/main" id="{D92D452F-F9C6-4BCB-9039-202188DD51AE}"/>
-              </a:ext>
-            </a:extLst>
-          </p:cNvPr>
-          <p:cNvSpPr>
-            <a:spLocks noGrp="1"/>
-          </p:cNvSpPr>
-          <p:nvPr>
-            <p:ph type="title"/>
-          </p:nvPr>
-        </p:nvSpPr>
-        <p:spPr/>
-        <p:txBody>
-          <a:bodyPr/>
-          <a:lstStyle/>
-          <a:p>
-            <a:r>
-              <a:rPr lang="zh-TW" altLang="en-US" cap="none" dirty="0">
-                <a:latin typeface="STHeiti TC" panose="02000000000000000000" pitchFamily="2" charset="-120"/>
-                <a:ea typeface="STHeiti TC" panose="02000000000000000000" pitchFamily="2" charset="-120"/>
-              </a:rPr>
-              <a:t>指標</a:t>
-            </a:r>
-            <a:r>
-              <a:rPr lang="en-US" altLang="zh-TW" cap="none" dirty="0">
-                <a:latin typeface="Consolas" panose="020B0609020204030204" pitchFamily="49" charset="0"/>
-              </a:rPr>
-              <a:t> &amp; </a:t>
-            </a:r>
-            <a:r>
-              <a:rPr lang="zh-TW" altLang="en-US" cap="none" dirty="0">
-                <a:latin typeface="STHeiti TC" panose="02000000000000000000" pitchFamily="2" charset="-120"/>
-                <a:ea typeface="STHeiti TC" panose="02000000000000000000" pitchFamily="2" charset="-120"/>
-              </a:rPr>
-              <a:t>函式</a:t>
-            </a:r>
-            <a:r>
-              <a:rPr lang="en-US" altLang="zh-TW" cap="none" dirty="0">
-                <a:latin typeface="Consolas" panose="020B0609020204030204" pitchFamily="49" charset="0"/>
-              </a:rPr>
-              <a:t> </a:t>
-            </a:r>
-            <a:r>
-              <a:rPr lang="zh-TW" altLang="en-US" cap="none" dirty="0">
-                <a:latin typeface="STHeiti TC" panose="02000000000000000000" pitchFamily="2" charset="-120"/>
-                <a:ea typeface="STHeiti TC" panose="02000000000000000000" pitchFamily="2" charset="-120"/>
-              </a:rPr>
-              <a:t>範例</a:t>
-            </a:r>
-            <a:endParaRPr lang="zh-TW" altLang="en-US" dirty="0"/>
-          </a:p>
-        </p:txBody>
-      </p:sp>
-      <p:pic>
-        <p:nvPicPr>
-          <p:cNvPr id="7" name="圖片 6">
-            <a:extLst>
-              <a:ext uri="{FF2B5EF4-FFF2-40B4-BE49-F238E27FC236}">
-                <a16:creationId xmlns:a16="http://schemas.microsoft.com/office/drawing/2014/main" id="{09F504D8-47BF-411F-B650-80D015FAC9A0}"/>
-              </a:ext>
-            </a:extLst>
-          </p:cNvPr>
-          <p:cNvPicPr>
-            <a:picLocks noChangeAspect="1"/>
-          </p:cNvPicPr>
-          <p:nvPr/>
-        </p:nvPicPr>
-        <p:blipFill>
-          <a:blip r:embed="rId2"/>
-          <a:stretch>
-            <a:fillRect/>
-          </a:stretch>
-        </p:blipFill>
-        <p:spPr>
-          <a:xfrm>
-            <a:off x="1141413" y="2233607"/>
-            <a:ext cx="3959976" cy="4357109"/>
-          </a:xfrm>
-          <a:prstGeom prst="rect">
-            <a:avLst/>
-          </a:prstGeom>
-        </p:spPr>
-      </p:pic>
-      <p:pic>
-        <p:nvPicPr>
-          <p:cNvPr id="8" name="圖片 7">
-            <a:extLst>
-              <a:ext uri="{FF2B5EF4-FFF2-40B4-BE49-F238E27FC236}">
-                <a16:creationId xmlns:a16="http://schemas.microsoft.com/office/drawing/2014/main" id="{AC102D70-B3F8-4DF7-96FA-D8A53EDA1D82}"/>
-              </a:ext>
-            </a:extLst>
-          </p:cNvPr>
-          <p:cNvPicPr>
-            <a:picLocks noChangeAspect="1"/>
-          </p:cNvPicPr>
-          <p:nvPr/>
-        </p:nvPicPr>
-        <p:blipFill>
-          <a:blip r:embed="rId3"/>
-          <a:stretch>
-            <a:fillRect/>
-          </a:stretch>
-        </p:blipFill>
-        <p:spPr>
-          <a:xfrm>
-            <a:off x="5518484" y="4067643"/>
-            <a:ext cx="6021572" cy="689035"/>
-          </a:xfrm>
-          <a:prstGeom prst="rect">
-            <a:avLst/>
-          </a:prstGeom>
-        </p:spPr>
-      </p:pic>
-    </p:spTree>
-    <p:extLst>
-      <p:ext uri="{BB962C8B-B14F-4D97-AF65-F5344CB8AC3E}">
-        <p14:creationId xmlns:p14="http://schemas.microsoft.com/office/powerpoint/2010/main" val="1414329666"/>
-      </p:ext>
-    </p:extLst>
-  </p:cSld>
-  <p:clrMapOvr>
-    <a:masterClrMapping/>
-  </p:clrMapOvr>
-  <mc:AlternateContent xmlns:mc="http://schemas.openxmlformats.org/markup-compatibility/2006" xmlns:p159="http://schemas.microsoft.com/office/powerpoint/2015/09/main">
-    <mc:Choice Requires="p159">
-      <p:transition spd="slow">
-        <p159:morph option="byChar"/>
-      </p:transition>
-    </mc:Choice>
-    <mc:Fallback xmlns="">
-      <p:transition spd="slow">
-        <p:fade/>
-      </p:transition>
-    </mc:Fallback>
-  </mc:AlternateContent>
-  <p:timing>
-    <p:tnLst>
-      <p:par>
-        <p:cTn id="1" dur="indefinite" restart="never" nodeType="tmRoot">
-          <p:childTnLst>
-            <p:seq concurrent="1" nextAc="seek">
-              <p:cTn id="2" dur="indefinite" nodeType="mainSeq">
-                <p:childTnLst>
-                  <p:par>
-                    <p:cTn id="3" fill="hold">
-                      <p:stCondLst>
-                        <p:cond delay="indefinite"/>
-                      </p:stCondLst>
-                      <p:childTnLst>
-                        <p:par>
-                          <p:cTn id="4" fill="hold">
-                            <p:stCondLst>
-                              <p:cond delay="0"/>
-                            </p:stCondLst>
-                            <p:childTnLst>
-                              <p:par>
-                                <p:cTn id="5" presetID="53" presetClass="entr" presetSubtype="16" fill="hold" nodeType="clickEffect">
-                                  <p:stCondLst>
-                                    <p:cond delay="0"/>
-                                  </p:stCondLst>
-                                  <p:childTnLst>
-                                    <p:set>
-                                      <p:cBhvr>
-                                        <p:cTn id="6" dur="1" fill="hold">
-                                          <p:stCondLst>
-                                            <p:cond delay="0"/>
-                                          </p:stCondLst>
-                                        </p:cTn>
-                                        <p:tgtEl>
-                                          <p:spTgt spid="8"/>
-                                        </p:tgtEl>
-                                        <p:attrNameLst>
-                                          <p:attrName>style.visibility</p:attrName>
-                                        </p:attrNameLst>
-                                      </p:cBhvr>
-                                      <p:to>
-                                        <p:strVal val="visible"/>
-                                      </p:to>
-                                    </p:set>
-                                    <p:anim calcmode="lin" valueType="num">
-                                      <p:cBhvr>
-                                        <p:cTn id="7" dur="500" fill="hold"/>
-                                        <p:tgtEl>
-                                          <p:spTgt spid="8"/>
-                                        </p:tgtEl>
-                                        <p:attrNameLst>
-                                          <p:attrName>ppt_w</p:attrName>
-                                        </p:attrNameLst>
-                                      </p:cBhvr>
-                                      <p:tavLst>
-                                        <p:tav tm="0">
-                                          <p:val>
-                                            <p:fltVal val="0"/>
-                                          </p:val>
-                                        </p:tav>
-                                        <p:tav tm="100000">
-                                          <p:val>
-                                            <p:strVal val="#ppt_w"/>
-                                          </p:val>
-                                        </p:tav>
-                                      </p:tavLst>
-                                    </p:anim>
-                                    <p:anim calcmode="lin" valueType="num">
-                                      <p:cBhvr>
-                                        <p:cTn id="8" dur="500" fill="hold"/>
-                                        <p:tgtEl>
-                                          <p:spTgt spid="8"/>
-                                        </p:tgtEl>
-                                        <p:attrNameLst>
-                                          <p:attrName>ppt_h</p:attrName>
-                                        </p:attrNameLst>
-                                      </p:cBhvr>
-                                      <p:tavLst>
-                                        <p:tav tm="0">
-                                          <p:val>
-                                            <p:fltVal val="0"/>
-                                          </p:val>
-                                        </p:tav>
-                                        <p:tav tm="100000">
-                                          <p:val>
-                                            <p:strVal val="#ppt_h"/>
-                                          </p:val>
-                                        </p:tav>
-                                      </p:tavLst>
-                                    </p:anim>
-                                    <p:animEffect transition="in" filter="fade">
-                                      <p:cBhvr>
-                                        <p:cTn id="9" dur="500"/>
-                                        <p:tgtEl>
-                                          <p:spTgt spid="8"/>
                                         </p:tgtEl>
                                       </p:cBhvr>
                                     </p:animEffect>
@@ -38681,6 +39319,664 @@
           <p:cNvPr id="2" name="標題 1">
             <a:extLst>
               <a:ext uri="{FF2B5EF4-FFF2-40B4-BE49-F238E27FC236}">
+                <a16:creationId xmlns:a16="http://schemas.microsoft.com/office/drawing/2014/main" id="{4F4BEBE2-D32E-4CCB-B817-53CF4484524D}"/>
+              </a:ext>
+            </a:extLst>
+          </p:cNvPr>
+          <p:cNvSpPr>
+            <a:spLocks noGrp="1"/>
+          </p:cNvSpPr>
+          <p:nvPr>
+            <p:ph type="title"/>
+          </p:nvPr>
+        </p:nvSpPr>
+        <p:spPr/>
+        <p:txBody>
+          <a:bodyPr/>
+          <a:lstStyle/>
+          <a:p>
+            <a:r>
+              <a:rPr lang="zh-TW" altLang="en-US" cap="none" dirty="0">
+                <a:latin typeface="STHeiti TC" panose="02000000000000000000" pitchFamily="2" charset="-120"/>
+                <a:ea typeface="STHeiti TC" panose="02000000000000000000" pitchFamily="2" charset="-120"/>
+              </a:rPr>
+              <a:t>指標</a:t>
+            </a:r>
+            <a:r>
+              <a:rPr lang="en-US" altLang="zh-TW" cap="none" dirty="0">
+                <a:latin typeface="Consolas" panose="020B0609020204030204" pitchFamily="49" charset="0"/>
+              </a:rPr>
+              <a:t> &amp; </a:t>
+            </a:r>
+            <a:r>
+              <a:rPr lang="zh-TW" altLang="en-US" cap="none" dirty="0">
+                <a:latin typeface="STHeiti TC" panose="02000000000000000000" pitchFamily="2" charset="-120"/>
+                <a:ea typeface="STHeiti TC" panose="02000000000000000000" pitchFamily="2" charset="-120"/>
+              </a:rPr>
+              <a:t>函式</a:t>
+            </a:r>
+            <a:r>
+              <a:rPr lang="en-US" altLang="zh-TW" cap="none" dirty="0">
+                <a:latin typeface="Consolas" panose="020B0609020204030204" pitchFamily="49" charset="0"/>
+              </a:rPr>
+              <a:t> </a:t>
+            </a:r>
+            <a:r>
+              <a:rPr lang="zh-TW" altLang="en-US" cap="none" dirty="0">
+                <a:latin typeface="STHeiti TC" panose="02000000000000000000" pitchFamily="2" charset="-120"/>
+                <a:ea typeface="STHeiti TC" panose="02000000000000000000" pitchFamily="2" charset="-120"/>
+              </a:rPr>
+              <a:t>範例</a:t>
+            </a:r>
+            <a:endParaRPr lang="zh-TW" altLang="en-US" dirty="0"/>
+          </a:p>
+        </p:txBody>
+      </p:sp>
+      <p:pic>
+        <p:nvPicPr>
+          <p:cNvPr id="5" name="圖片 4">
+            <a:extLst>
+              <a:ext uri="{FF2B5EF4-FFF2-40B4-BE49-F238E27FC236}">
+                <a16:creationId xmlns:a16="http://schemas.microsoft.com/office/drawing/2014/main" id="{59C86C9B-29F7-4FF0-937E-152E6EE067FE}"/>
+              </a:ext>
+            </a:extLst>
+          </p:cNvPr>
+          <p:cNvPicPr>
+            <a:picLocks noChangeAspect="1"/>
+          </p:cNvPicPr>
+          <p:nvPr/>
+        </p:nvPicPr>
+        <p:blipFill>
+          <a:blip r:embed="rId2"/>
+          <a:stretch>
+            <a:fillRect/>
+          </a:stretch>
+        </p:blipFill>
+        <p:spPr>
+          <a:xfrm>
+            <a:off x="1141413" y="2248447"/>
+            <a:ext cx="4802187" cy="4189908"/>
+          </a:xfrm>
+          <a:prstGeom prst="rect">
+            <a:avLst/>
+          </a:prstGeom>
+        </p:spPr>
+      </p:pic>
+      <p:pic>
+        <p:nvPicPr>
+          <p:cNvPr id="6" name="圖片 5">
+            <a:extLst>
+              <a:ext uri="{FF2B5EF4-FFF2-40B4-BE49-F238E27FC236}">
+                <a16:creationId xmlns:a16="http://schemas.microsoft.com/office/drawing/2014/main" id="{791037D6-471E-4BEA-8232-286C344F0B05}"/>
+              </a:ext>
+            </a:extLst>
+          </p:cNvPr>
+          <p:cNvPicPr>
+            <a:picLocks noChangeAspect="1"/>
+          </p:cNvPicPr>
+          <p:nvPr/>
+        </p:nvPicPr>
+        <p:blipFill>
+          <a:blip r:embed="rId3"/>
+          <a:stretch>
+            <a:fillRect/>
+          </a:stretch>
+        </p:blipFill>
+        <p:spPr>
+          <a:xfrm>
+            <a:off x="6096000" y="3998883"/>
+            <a:ext cx="6021572" cy="689035"/>
+          </a:xfrm>
+          <a:prstGeom prst="rect">
+            <a:avLst/>
+          </a:prstGeom>
+        </p:spPr>
+      </p:pic>
+    </p:spTree>
+    <p:extLst>
+      <p:ext uri="{BB962C8B-B14F-4D97-AF65-F5344CB8AC3E}">
+        <p14:creationId xmlns:p14="http://schemas.microsoft.com/office/powerpoint/2010/main" val="192552324"/>
+      </p:ext>
+    </p:extLst>
+  </p:cSld>
+  <p:clrMapOvr>
+    <a:masterClrMapping/>
+  </p:clrMapOvr>
+  <mc:AlternateContent xmlns:mc="http://schemas.openxmlformats.org/markup-compatibility/2006" xmlns:p159="http://schemas.microsoft.com/office/powerpoint/2015/09/main">
+    <mc:Choice Requires="p159">
+      <p:transition spd="slow">
+        <p159:morph option="byChar"/>
+      </p:transition>
+    </mc:Choice>
+    <mc:Fallback xmlns="">
+      <p:transition spd="slow">
+        <p:fade/>
+      </p:transition>
+    </mc:Fallback>
+  </mc:AlternateContent>
+  <p:timing>
+    <p:tnLst>
+      <p:par>
+        <p:cTn id="1" dur="indefinite" restart="never" nodeType="tmRoot">
+          <p:childTnLst>
+            <p:seq concurrent="1" nextAc="seek">
+              <p:cTn id="2" dur="indefinite" nodeType="mainSeq">
+                <p:childTnLst>
+                  <p:par>
+                    <p:cTn id="3" fill="hold">
+                      <p:stCondLst>
+                        <p:cond delay="indefinite"/>
+                      </p:stCondLst>
+                      <p:childTnLst>
+                        <p:par>
+                          <p:cTn id="4" fill="hold">
+                            <p:stCondLst>
+                              <p:cond delay="0"/>
+                            </p:stCondLst>
+                            <p:childTnLst>
+                              <p:par>
+                                <p:cTn id="5" presetID="53" presetClass="entr" presetSubtype="16" fill="hold" nodeType="clickEffect">
+                                  <p:stCondLst>
+                                    <p:cond delay="0"/>
+                                  </p:stCondLst>
+                                  <p:childTnLst>
+                                    <p:set>
+                                      <p:cBhvr>
+                                        <p:cTn id="6" dur="1" fill="hold">
+                                          <p:stCondLst>
+                                            <p:cond delay="0"/>
+                                          </p:stCondLst>
+                                        </p:cTn>
+                                        <p:tgtEl>
+                                          <p:spTgt spid="6"/>
+                                        </p:tgtEl>
+                                        <p:attrNameLst>
+                                          <p:attrName>style.visibility</p:attrName>
+                                        </p:attrNameLst>
+                                      </p:cBhvr>
+                                      <p:to>
+                                        <p:strVal val="visible"/>
+                                      </p:to>
+                                    </p:set>
+                                    <p:anim calcmode="lin" valueType="num">
+                                      <p:cBhvr>
+                                        <p:cTn id="7" dur="500" fill="hold"/>
+                                        <p:tgtEl>
+                                          <p:spTgt spid="6"/>
+                                        </p:tgtEl>
+                                        <p:attrNameLst>
+                                          <p:attrName>ppt_w</p:attrName>
+                                        </p:attrNameLst>
+                                      </p:cBhvr>
+                                      <p:tavLst>
+                                        <p:tav tm="0">
+                                          <p:val>
+                                            <p:fltVal val="0"/>
+                                          </p:val>
+                                        </p:tav>
+                                        <p:tav tm="100000">
+                                          <p:val>
+                                            <p:strVal val="#ppt_w"/>
+                                          </p:val>
+                                        </p:tav>
+                                      </p:tavLst>
+                                    </p:anim>
+                                    <p:anim calcmode="lin" valueType="num">
+                                      <p:cBhvr>
+                                        <p:cTn id="8" dur="500" fill="hold"/>
+                                        <p:tgtEl>
+                                          <p:spTgt spid="6"/>
+                                        </p:tgtEl>
+                                        <p:attrNameLst>
+                                          <p:attrName>ppt_h</p:attrName>
+                                        </p:attrNameLst>
+                                      </p:cBhvr>
+                                      <p:tavLst>
+                                        <p:tav tm="0">
+                                          <p:val>
+                                            <p:fltVal val="0"/>
+                                          </p:val>
+                                        </p:tav>
+                                        <p:tav tm="100000">
+                                          <p:val>
+                                            <p:strVal val="#ppt_h"/>
+                                          </p:val>
+                                        </p:tav>
+                                      </p:tavLst>
+                                    </p:anim>
+                                    <p:animEffect transition="in" filter="fade">
+                                      <p:cBhvr>
+                                        <p:cTn id="9" dur="500"/>
+                                        <p:tgtEl>
+                                          <p:spTgt spid="6"/>
+                                        </p:tgtEl>
+                                      </p:cBhvr>
+                                    </p:animEffect>
+                                  </p:childTnLst>
+                                </p:cTn>
+                              </p:par>
+                            </p:childTnLst>
+                          </p:cTn>
+                        </p:par>
+                      </p:childTnLst>
+                    </p:cTn>
+                  </p:par>
+                </p:childTnLst>
+              </p:cTn>
+              <p:prevCondLst>
+                <p:cond evt="onPrev" delay="0">
+                  <p:tgtEl>
+                    <p:sldTgt/>
+                  </p:tgtEl>
+                </p:cond>
+              </p:prevCondLst>
+              <p:nextCondLst>
+                <p:cond evt="onNext" delay="0">
+                  <p:tgtEl>
+                    <p:sldTgt/>
+                  </p:tgtEl>
+                </p:cond>
+              </p:nextCondLst>
+            </p:seq>
+          </p:childTnLst>
+        </p:cTn>
+      </p:par>
+    </p:tnLst>
+  </p:timing>
+</p:sld>
+</file>
+
+<file path=ppt/slides/slide61.xml><?xml version="1.0" encoding="utf-8"?>
+<p:sld xmlns:a="http://schemas.openxmlformats.org/drawingml/2006/main" xmlns:r="http://schemas.openxmlformats.org/officeDocument/2006/relationships" xmlns:p="http://schemas.openxmlformats.org/presentationml/2006/main">
+  <p:cSld>
+    <p:spTree>
+      <p:nvGrpSpPr>
+        <p:cNvPr id="1" name=""/>
+        <p:cNvGrpSpPr/>
+        <p:nvPr/>
+      </p:nvGrpSpPr>
+      <p:grpSpPr>
+        <a:xfrm>
+          <a:off x="0" y="0"/>
+          <a:ext cx="0" cy="0"/>
+          <a:chOff x="0" y="0"/>
+          <a:chExt cx="0" cy="0"/>
+        </a:xfrm>
+      </p:grpSpPr>
+      <p:sp>
+        <p:nvSpPr>
+          <p:cNvPr id="2" name="標題 1">
+            <a:extLst>
+              <a:ext uri="{FF2B5EF4-FFF2-40B4-BE49-F238E27FC236}">
+                <a16:creationId xmlns:a16="http://schemas.microsoft.com/office/drawing/2014/main" id="{D92D452F-F9C6-4BCB-9039-202188DD51AE}"/>
+              </a:ext>
+            </a:extLst>
+          </p:cNvPr>
+          <p:cNvSpPr>
+            <a:spLocks noGrp="1"/>
+          </p:cNvSpPr>
+          <p:nvPr>
+            <p:ph type="title"/>
+          </p:nvPr>
+        </p:nvSpPr>
+        <p:spPr/>
+        <p:txBody>
+          <a:bodyPr/>
+          <a:lstStyle/>
+          <a:p>
+            <a:r>
+              <a:rPr lang="zh-TW" altLang="en-US" cap="none" dirty="0">
+                <a:latin typeface="STHeiti TC" panose="02000000000000000000" pitchFamily="2" charset="-120"/>
+                <a:ea typeface="STHeiti TC" panose="02000000000000000000" pitchFamily="2" charset="-120"/>
+              </a:rPr>
+              <a:t>指標</a:t>
+            </a:r>
+            <a:r>
+              <a:rPr lang="en-US" altLang="zh-TW" cap="none" dirty="0">
+                <a:latin typeface="Consolas" panose="020B0609020204030204" pitchFamily="49" charset="0"/>
+              </a:rPr>
+              <a:t> &amp; </a:t>
+            </a:r>
+            <a:r>
+              <a:rPr lang="zh-TW" altLang="en-US" cap="none" dirty="0">
+                <a:latin typeface="STHeiti TC" panose="02000000000000000000" pitchFamily="2" charset="-120"/>
+                <a:ea typeface="STHeiti TC" panose="02000000000000000000" pitchFamily="2" charset="-120"/>
+              </a:rPr>
+              <a:t>函式</a:t>
+            </a:r>
+            <a:r>
+              <a:rPr lang="en-US" altLang="zh-TW" cap="none" dirty="0">
+                <a:latin typeface="Consolas" panose="020B0609020204030204" pitchFamily="49" charset="0"/>
+              </a:rPr>
+              <a:t> </a:t>
+            </a:r>
+            <a:r>
+              <a:rPr lang="zh-TW" altLang="en-US" cap="none" dirty="0">
+                <a:latin typeface="STHeiti TC" panose="02000000000000000000" pitchFamily="2" charset="-120"/>
+                <a:ea typeface="STHeiti TC" panose="02000000000000000000" pitchFamily="2" charset="-120"/>
+              </a:rPr>
+              <a:t>範例</a:t>
+            </a:r>
+            <a:endParaRPr lang="zh-TW" altLang="en-US" dirty="0"/>
+          </a:p>
+        </p:txBody>
+      </p:sp>
+      <p:pic>
+        <p:nvPicPr>
+          <p:cNvPr id="7" name="圖片 6">
+            <a:extLst>
+              <a:ext uri="{FF2B5EF4-FFF2-40B4-BE49-F238E27FC236}">
+                <a16:creationId xmlns:a16="http://schemas.microsoft.com/office/drawing/2014/main" id="{09F504D8-47BF-411F-B650-80D015FAC9A0}"/>
+              </a:ext>
+            </a:extLst>
+          </p:cNvPr>
+          <p:cNvPicPr>
+            <a:picLocks noChangeAspect="1"/>
+          </p:cNvPicPr>
+          <p:nvPr/>
+        </p:nvPicPr>
+        <p:blipFill>
+          <a:blip r:embed="rId2"/>
+          <a:stretch>
+            <a:fillRect/>
+          </a:stretch>
+        </p:blipFill>
+        <p:spPr>
+          <a:xfrm>
+            <a:off x="1141413" y="2233607"/>
+            <a:ext cx="3959976" cy="4357109"/>
+          </a:xfrm>
+          <a:prstGeom prst="rect">
+            <a:avLst/>
+          </a:prstGeom>
+        </p:spPr>
+      </p:pic>
+      <p:pic>
+        <p:nvPicPr>
+          <p:cNvPr id="8" name="圖片 7">
+            <a:extLst>
+              <a:ext uri="{FF2B5EF4-FFF2-40B4-BE49-F238E27FC236}">
+                <a16:creationId xmlns:a16="http://schemas.microsoft.com/office/drawing/2014/main" id="{AC102D70-B3F8-4DF7-96FA-D8A53EDA1D82}"/>
+              </a:ext>
+            </a:extLst>
+          </p:cNvPr>
+          <p:cNvPicPr>
+            <a:picLocks noChangeAspect="1"/>
+          </p:cNvPicPr>
+          <p:nvPr/>
+        </p:nvPicPr>
+        <p:blipFill>
+          <a:blip r:embed="rId3"/>
+          <a:stretch>
+            <a:fillRect/>
+          </a:stretch>
+        </p:blipFill>
+        <p:spPr>
+          <a:xfrm>
+            <a:off x="5518484" y="4067643"/>
+            <a:ext cx="6021572" cy="689035"/>
+          </a:xfrm>
+          <a:prstGeom prst="rect">
+            <a:avLst/>
+          </a:prstGeom>
+        </p:spPr>
+      </p:pic>
+    </p:spTree>
+    <p:extLst>
+      <p:ext uri="{BB962C8B-B14F-4D97-AF65-F5344CB8AC3E}">
+        <p14:creationId xmlns:p14="http://schemas.microsoft.com/office/powerpoint/2010/main" val="1414329666"/>
+      </p:ext>
+    </p:extLst>
+  </p:cSld>
+  <p:clrMapOvr>
+    <a:masterClrMapping/>
+  </p:clrMapOvr>
+  <mc:AlternateContent xmlns:mc="http://schemas.openxmlformats.org/markup-compatibility/2006" xmlns:p159="http://schemas.microsoft.com/office/powerpoint/2015/09/main">
+    <mc:Choice Requires="p159">
+      <p:transition spd="slow">
+        <p159:morph option="byChar"/>
+      </p:transition>
+    </mc:Choice>
+    <mc:Fallback xmlns="">
+      <p:transition spd="slow">
+        <p:fade/>
+      </p:transition>
+    </mc:Fallback>
+  </mc:AlternateContent>
+  <p:timing>
+    <p:tnLst>
+      <p:par>
+        <p:cTn id="1" dur="indefinite" restart="never" nodeType="tmRoot">
+          <p:childTnLst>
+            <p:seq concurrent="1" nextAc="seek">
+              <p:cTn id="2" dur="indefinite" nodeType="mainSeq">
+                <p:childTnLst>
+                  <p:par>
+                    <p:cTn id="3" fill="hold">
+                      <p:stCondLst>
+                        <p:cond delay="indefinite"/>
+                      </p:stCondLst>
+                      <p:childTnLst>
+                        <p:par>
+                          <p:cTn id="4" fill="hold">
+                            <p:stCondLst>
+                              <p:cond delay="0"/>
+                            </p:stCondLst>
+                            <p:childTnLst>
+                              <p:par>
+                                <p:cTn id="5" presetID="53" presetClass="entr" presetSubtype="16" fill="hold" nodeType="clickEffect">
+                                  <p:stCondLst>
+                                    <p:cond delay="0"/>
+                                  </p:stCondLst>
+                                  <p:childTnLst>
+                                    <p:set>
+                                      <p:cBhvr>
+                                        <p:cTn id="6" dur="1" fill="hold">
+                                          <p:stCondLst>
+                                            <p:cond delay="0"/>
+                                          </p:stCondLst>
+                                        </p:cTn>
+                                        <p:tgtEl>
+                                          <p:spTgt spid="8"/>
+                                        </p:tgtEl>
+                                        <p:attrNameLst>
+                                          <p:attrName>style.visibility</p:attrName>
+                                        </p:attrNameLst>
+                                      </p:cBhvr>
+                                      <p:to>
+                                        <p:strVal val="visible"/>
+                                      </p:to>
+                                    </p:set>
+                                    <p:anim calcmode="lin" valueType="num">
+                                      <p:cBhvr>
+                                        <p:cTn id="7" dur="500" fill="hold"/>
+                                        <p:tgtEl>
+                                          <p:spTgt spid="8"/>
+                                        </p:tgtEl>
+                                        <p:attrNameLst>
+                                          <p:attrName>ppt_w</p:attrName>
+                                        </p:attrNameLst>
+                                      </p:cBhvr>
+                                      <p:tavLst>
+                                        <p:tav tm="0">
+                                          <p:val>
+                                            <p:fltVal val="0"/>
+                                          </p:val>
+                                        </p:tav>
+                                        <p:tav tm="100000">
+                                          <p:val>
+                                            <p:strVal val="#ppt_w"/>
+                                          </p:val>
+                                        </p:tav>
+                                      </p:tavLst>
+                                    </p:anim>
+                                    <p:anim calcmode="lin" valueType="num">
+                                      <p:cBhvr>
+                                        <p:cTn id="8" dur="500" fill="hold"/>
+                                        <p:tgtEl>
+                                          <p:spTgt spid="8"/>
+                                        </p:tgtEl>
+                                        <p:attrNameLst>
+                                          <p:attrName>ppt_h</p:attrName>
+                                        </p:attrNameLst>
+                                      </p:cBhvr>
+                                      <p:tavLst>
+                                        <p:tav tm="0">
+                                          <p:val>
+                                            <p:fltVal val="0"/>
+                                          </p:val>
+                                        </p:tav>
+                                        <p:tav tm="100000">
+                                          <p:val>
+                                            <p:strVal val="#ppt_h"/>
+                                          </p:val>
+                                        </p:tav>
+                                      </p:tavLst>
+                                    </p:anim>
+                                    <p:animEffect transition="in" filter="fade">
+                                      <p:cBhvr>
+                                        <p:cTn id="9" dur="500"/>
+                                        <p:tgtEl>
+                                          <p:spTgt spid="8"/>
+                                        </p:tgtEl>
+                                      </p:cBhvr>
+                                    </p:animEffect>
+                                  </p:childTnLst>
+                                </p:cTn>
+                              </p:par>
+                            </p:childTnLst>
+                          </p:cTn>
+                        </p:par>
+                      </p:childTnLst>
+                    </p:cTn>
+                  </p:par>
+                </p:childTnLst>
+              </p:cTn>
+              <p:prevCondLst>
+                <p:cond evt="onPrev" delay="0">
+                  <p:tgtEl>
+                    <p:sldTgt/>
+                  </p:tgtEl>
+                </p:cond>
+              </p:prevCondLst>
+              <p:nextCondLst>
+                <p:cond evt="onNext" delay="0">
+                  <p:tgtEl>
+                    <p:sldTgt/>
+                  </p:tgtEl>
+                </p:cond>
+              </p:nextCondLst>
+            </p:seq>
+          </p:childTnLst>
+        </p:cTn>
+      </p:par>
+    </p:tnLst>
+  </p:timing>
+</p:sld>
+</file>
+
+<file path=ppt/slides/slide62.xml><?xml version="1.0" encoding="utf-8"?>
+<p:sld xmlns:a="http://schemas.openxmlformats.org/drawingml/2006/main" xmlns:r="http://schemas.openxmlformats.org/officeDocument/2006/relationships" xmlns:p="http://schemas.openxmlformats.org/presentationml/2006/main">
+  <p:cSld>
+    <p:spTree>
+      <p:nvGrpSpPr>
+        <p:cNvPr id="1" name=""/>
+        <p:cNvGrpSpPr/>
+        <p:nvPr/>
+      </p:nvGrpSpPr>
+      <p:grpSpPr>
+        <a:xfrm>
+          <a:off x="0" y="0"/>
+          <a:ext cx="0" cy="0"/>
+          <a:chOff x="0" y="0"/>
+          <a:chExt cx="0" cy="0"/>
+        </a:xfrm>
+      </p:grpSpPr>
+      <p:sp>
+        <p:nvSpPr>
+          <p:cNvPr id="4" name="文字方塊 3">
+            <a:extLst>
+              <a:ext uri="{FF2B5EF4-FFF2-40B4-BE49-F238E27FC236}">
+                <a16:creationId xmlns:a16="http://schemas.microsoft.com/office/drawing/2014/main" id="{BEC54DEF-DBCA-4D53-903C-3AD242BA6652}"/>
+              </a:ext>
+            </a:extLst>
+          </p:cNvPr>
+          <p:cNvSpPr txBox="1"/>
+          <p:nvPr/>
+        </p:nvSpPr>
+        <p:spPr>
+          <a:xfrm>
+            <a:off x="2874606" y="3013501"/>
+            <a:ext cx="6442789" cy="1323439"/>
+          </a:xfrm>
+          <a:prstGeom prst="rect">
+            <a:avLst/>
+          </a:prstGeom>
+          <a:noFill/>
+        </p:spPr>
+        <p:txBody>
+          <a:bodyPr wrap="none" rtlCol="0">
+            <a:spAutoFit/>
+          </a:bodyPr>
+          <a:lstStyle/>
+          <a:p>
+            <a:pPr algn="ctr"/>
+            <a:r>
+              <a:rPr lang="zh-TW" altLang="en-US" sz="8000" dirty="0">
+                <a:latin typeface="STHeiti TC" panose="02000000000000000000" pitchFamily="2" charset="-120"/>
+                <a:ea typeface="STHeiti TC" panose="02000000000000000000" pitchFamily="2" charset="-120"/>
+              </a:rPr>
+              <a:t>上機 </a:t>
+            </a:r>
+            <a:r>
+              <a:rPr lang="en-US" altLang="zh-TW" sz="8000" dirty="0">
+                <a:latin typeface="Consolas" panose="020B0609020204030204" pitchFamily="49" charset="0"/>
+                <a:ea typeface="STHeiti TC" panose="02000000000000000000" pitchFamily="2" charset="-120"/>
+              </a:rPr>
+              <a:t>GOGO!!!</a:t>
+            </a:r>
+            <a:endParaRPr lang="zh-TW" altLang="en-US" sz="8000" dirty="0">
+              <a:latin typeface="Consolas" panose="020B0609020204030204" pitchFamily="49" charset="0"/>
+              <a:ea typeface="STHeiti TC" panose="02000000000000000000" pitchFamily="2" charset="-120"/>
+            </a:endParaRPr>
+          </a:p>
+        </p:txBody>
+      </p:sp>
+    </p:spTree>
+    <p:extLst>
+      <p:ext uri="{BB962C8B-B14F-4D97-AF65-F5344CB8AC3E}">
+        <p14:creationId xmlns:p14="http://schemas.microsoft.com/office/powerpoint/2010/main" val="2715630913"/>
+      </p:ext>
+    </p:extLst>
+  </p:cSld>
+  <p:clrMapOvr>
+    <a:masterClrMapping/>
+  </p:clrMapOvr>
+</p:sld>
+</file>
+
+<file path=ppt/slides/slide63.xml><?xml version="1.0" encoding="utf-8"?>
+<p:sld xmlns:a="http://schemas.openxmlformats.org/drawingml/2006/main" xmlns:r="http://schemas.openxmlformats.org/officeDocument/2006/relationships" xmlns:p="http://schemas.openxmlformats.org/presentationml/2006/main">
+  <p:cSld>
+    <p:spTree>
+      <p:nvGrpSpPr>
+        <p:cNvPr id="1" name=""/>
+        <p:cNvGrpSpPr/>
+        <p:nvPr/>
+      </p:nvGrpSpPr>
+      <p:grpSpPr>
+        <a:xfrm>
+          <a:off x="0" y="0"/>
+          <a:ext cx="0" cy="0"/>
+          <a:chOff x="0" y="0"/>
+          <a:chExt cx="0" cy="0"/>
+        </a:xfrm>
+      </p:grpSpPr>
+      <p:sp>
+        <p:nvSpPr>
+          <p:cNvPr id="2" name="標題 1">
+            <a:extLst>
+              <a:ext uri="{FF2B5EF4-FFF2-40B4-BE49-F238E27FC236}">
                 <a16:creationId xmlns:a16="http://schemas.microsoft.com/office/drawing/2014/main" id="{2547C986-049C-41FC-A0D1-5E7895C02A18}"/>
               </a:ext>
             </a:extLst>
@@ -38763,7 +40059,7 @@
 </p:sld>
 </file>
 
-<file path=ppt/slides/slide61.xml><?xml version="1.0" encoding="utf-8"?>
+<file path=ppt/slides/slide64.xml><?xml version="1.0" encoding="utf-8"?>
 <p:sld xmlns:a="http://schemas.openxmlformats.org/drawingml/2006/main" xmlns:r="http://schemas.openxmlformats.org/officeDocument/2006/relationships" xmlns:p="http://schemas.openxmlformats.org/presentationml/2006/main">
   <p:cSld>
     <p:spTree>
@@ -41119,7 +42415,7 @@
 </p:sld>
 </file>
 
-<file path=ppt/slides/slide62.xml><?xml version="1.0" encoding="utf-8"?>
+<file path=ppt/slides/slide65.xml><?xml version="1.0" encoding="utf-8"?>
 <p:sld xmlns:a="http://schemas.openxmlformats.org/drawingml/2006/main" xmlns:r="http://schemas.openxmlformats.org/officeDocument/2006/relationships" xmlns:p="http://schemas.openxmlformats.org/presentationml/2006/main">
   <p:cSld>
     <p:spTree>
@@ -41279,7 +42575,7 @@
 </p:sld>
 </file>
 
-<file path=ppt/slides/slide63.xml><?xml version="1.0" encoding="utf-8"?>
+<file path=ppt/slides/slide66.xml><?xml version="1.0" encoding="utf-8"?>
 <p:sld xmlns:a="http://schemas.openxmlformats.org/drawingml/2006/main" xmlns:r="http://schemas.openxmlformats.org/officeDocument/2006/relationships" xmlns:p="http://schemas.openxmlformats.org/presentationml/2006/main">
   <p:cSld>
     <p:spTree>
@@ -41708,7 +43004,7 @@
 </p:sld>
 </file>
 
-<file path=ppt/slides/slide64.xml><?xml version="1.0" encoding="utf-8"?>
+<file path=ppt/slides/slide67.xml><?xml version="1.0" encoding="utf-8"?>
 <p:sld xmlns:a="http://schemas.openxmlformats.org/drawingml/2006/main" xmlns:r="http://schemas.openxmlformats.org/officeDocument/2006/relationships" xmlns:p="http://schemas.openxmlformats.org/presentationml/2006/main">
   <p:cSld>
     <p:spTree>
@@ -41896,7 +43192,7 @@
 </p:sld>
 </file>
 
-<file path=ppt/slides/slide65.xml><?xml version="1.0" encoding="utf-8"?>
+<file path=ppt/slides/slide68.xml><?xml version="1.0" encoding="utf-8"?>
 <p:sld xmlns:a="http://schemas.openxmlformats.org/drawingml/2006/main" xmlns:r="http://schemas.openxmlformats.org/officeDocument/2006/relationships" xmlns:p="http://schemas.openxmlformats.org/presentationml/2006/main">
   <p:cSld>
     <p:spTree>
@@ -42146,7 +43442,7 @@
 </p:sld>
 </file>
 
-<file path=ppt/slides/slide66.xml><?xml version="1.0" encoding="utf-8"?>
+<file path=ppt/slides/slide69.xml><?xml version="1.0" encoding="utf-8"?>
 <p:sld xmlns:a="http://schemas.openxmlformats.org/drawingml/2006/main" xmlns:r="http://schemas.openxmlformats.org/officeDocument/2006/relationships" xmlns:p="http://schemas.openxmlformats.org/presentationml/2006/main">
   <p:cSld>
     <p:spTree>
@@ -42961,7 +44257,703 @@
 </p:sld>
 </file>
 
-<file path=ppt/slides/slide67.xml><?xml version="1.0" encoding="utf-8"?>
+<file path=ppt/slides/slide7.xml><?xml version="1.0" encoding="utf-8"?>
+<p:sld xmlns:a="http://schemas.openxmlformats.org/drawingml/2006/main" xmlns:r="http://schemas.openxmlformats.org/officeDocument/2006/relationships" xmlns:p="http://schemas.openxmlformats.org/presentationml/2006/main">
+  <p:cSld>
+    <p:spTree>
+      <p:nvGrpSpPr>
+        <p:cNvPr id="1" name=""/>
+        <p:cNvGrpSpPr/>
+        <p:nvPr/>
+      </p:nvGrpSpPr>
+      <p:grpSpPr>
+        <a:xfrm>
+          <a:off x="0" y="0"/>
+          <a:ext cx="0" cy="0"/>
+          <a:chOff x="0" y="0"/>
+          <a:chExt cx="0" cy="0"/>
+        </a:xfrm>
+      </p:grpSpPr>
+      <p:pic>
+        <p:nvPicPr>
+          <p:cNvPr id="4" name="圖片 3">
+            <a:extLst>
+              <a:ext uri="{FF2B5EF4-FFF2-40B4-BE49-F238E27FC236}">
+                <a16:creationId xmlns:a16="http://schemas.microsoft.com/office/drawing/2014/main" id="{3226D4DC-C634-40DE-BB48-7E97FD8CE437}"/>
+              </a:ext>
+            </a:extLst>
+          </p:cNvPr>
+          <p:cNvPicPr>
+            <a:picLocks noChangeAspect="1"/>
+          </p:cNvPicPr>
+          <p:nvPr/>
+        </p:nvPicPr>
+        <p:blipFill>
+          <a:blip r:embed="rId2"/>
+          <a:stretch>
+            <a:fillRect/>
+          </a:stretch>
+        </p:blipFill>
+        <p:spPr>
+          <a:xfrm>
+            <a:off x="1141413" y="3669244"/>
+            <a:ext cx="10645319" cy="1102893"/>
+          </a:xfrm>
+          <a:prstGeom prst="rect">
+            <a:avLst/>
+          </a:prstGeom>
+        </p:spPr>
+      </p:pic>
+      <p:sp>
+        <p:nvSpPr>
+          <p:cNvPr id="2" name="標題 1">
+            <a:extLst>
+              <a:ext uri="{FF2B5EF4-FFF2-40B4-BE49-F238E27FC236}">
+                <a16:creationId xmlns:a16="http://schemas.microsoft.com/office/drawing/2014/main" id="{2C03F527-35A6-4D8D-8B31-76ADFE1083C8}"/>
+              </a:ext>
+            </a:extLst>
+          </p:cNvPr>
+          <p:cNvSpPr>
+            <a:spLocks noGrp="1"/>
+          </p:cNvSpPr>
+          <p:nvPr>
+            <p:ph type="title"/>
+          </p:nvPr>
+        </p:nvSpPr>
+        <p:spPr/>
+        <p:txBody>
+          <a:bodyPr/>
+          <a:lstStyle/>
+          <a:p>
+            <a:r>
+              <a:rPr lang="en-US" altLang="zh-TW" cap="none" dirty="0">
+                <a:latin typeface="Consolas" panose="020B0609020204030204" pitchFamily="49" charset="0"/>
+              </a:rPr>
+              <a:t>For </a:t>
+            </a:r>
+            <a:r>
+              <a:rPr lang="zh-TW" altLang="en-US" cap="none" dirty="0">
+                <a:latin typeface="STHeiti TC" panose="02000000000000000000" pitchFamily="2" charset="-120"/>
+                <a:ea typeface="STHeiti TC" panose="02000000000000000000" pitchFamily="2" charset="-120"/>
+              </a:rPr>
+              <a:t>迴圈</a:t>
+            </a:r>
+          </a:p>
+        </p:txBody>
+      </p:sp>
+      <p:sp>
+        <p:nvSpPr>
+          <p:cNvPr id="7" name="矩形 6">
+            <a:extLst>
+              <a:ext uri="{FF2B5EF4-FFF2-40B4-BE49-F238E27FC236}">
+                <a16:creationId xmlns:a16="http://schemas.microsoft.com/office/drawing/2014/main" id="{9AA112A3-6A19-4B67-AFFF-E95EAAEBBF50}"/>
+              </a:ext>
+            </a:extLst>
+          </p:cNvPr>
+          <p:cNvSpPr/>
+          <p:nvPr/>
+        </p:nvSpPr>
+        <p:spPr>
+          <a:xfrm>
+            <a:off x="2430380" y="3685285"/>
+            <a:ext cx="2366210" cy="393032"/>
+          </a:xfrm>
+          <a:prstGeom prst="rect">
+            <a:avLst/>
+          </a:prstGeom>
+          <a:noFill/>
+          <a:ln w="38100">
+            <a:solidFill>
+              <a:srgbClr val="FF0000"/>
+            </a:solidFill>
+          </a:ln>
+        </p:spPr>
+        <p:style>
+          <a:lnRef idx="2">
+            <a:schemeClr val="accent1">
+              <a:shade val="50000"/>
+            </a:schemeClr>
+          </a:lnRef>
+          <a:fillRef idx="1">
+            <a:schemeClr val="accent1"/>
+          </a:fillRef>
+          <a:effectRef idx="0">
+            <a:schemeClr val="accent1"/>
+          </a:effectRef>
+          <a:fontRef idx="minor">
+            <a:schemeClr val="lt1"/>
+          </a:fontRef>
+        </p:style>
+        <p:txBody>
+          <a:bodyPr rtlCol="0" anchor="ctr"/>
+          <a:lstStyle/>
+          <a:p>
+            <a:pPr algn="ctr"/>
+            <a:endParaRPr lang="zh-TW" altLang="en-US"/>
+          </a:p>
+        </p:txBody>
+      </p:sp>
+      <p:sp>
+        <p:nvSpPr>
+          <p:cNvPr id="8" name="文字方塊 7">
+            <a:extLst>
+              <a:ext uri="{FF2B5EF4-FFF2-40B4-BE49-F238E27FC236}">
+                <a16:creationId xmlns:a16="http://schemas.microsoft.com/office/drawing/2014/main" id="{BFCE2436-9A40-42CC-B82E-338B3291D824}"/>
+              </a:ext>
+            </a:extLst>
+          </p:cNvPr>
+          <p:cNvSpPr txBox="1"/>
+          <p:nvPr/>
+        </p:nvSpPr>
+        <p:spPr>
+          <a:xfrm>
+            <a:off x="1121199" y="5205662"/>
+            <a:ext cx="3262432" cy="461665"/>
+          </a:xfrm>
+          <a:prstGeom prst="rect">
+            <a:avLst/>
+          </a:prstGeom>
+          <a:noFill/>
+        </p:spPr>
+        <p:txBody>
+          <a:bodyPr wrap="none" rtlCol="0">
+            <a:spAutoFit/>
+          </a:bodyPr>
+          <a:lstStyle/>
+          <a:p>
+            <a:r>
+              <a:rPr lang="zh-TW" altLang="en-US" sz="2400" dirty="0">
+                <a:highlight>
+                  <a:srgbClr val="FF0000"/>
+                </a:highlight>
+                <a:latin typeface="STHeiti TC" panose="02000000000000000000" pitchFamily="2" charset="-120"/>
+                <a:ea typeface="STHeiti TC" panose="02000000000000000000" pitchFamily="2" charset="-120"/>
+              </a:rPr>
+              <a:t>這裡放你想重複做的事</a:t>
+            </a:r>
+          </a:p>
+        </p:txBody>
+      </p:sp>
+      <p:sp>
+        <p:nvSpPr>
+          <p:cNvPr id="9" name="矩形 8">
+            <a:extLst>
+              <a:ext uri="{FF2B5EF4-FFF2-40B4-BE49-F238E27FC236}">
+                <a16:creationId xmlns:a16="http://schemas.microsoft.com/office/drawing/2014/main" id="{97168E79-7728-4117-AC54-8EF55C7799C9}"/>
+              </a:ext>
+            </a:extLst>
+          </p:cNvPr>
+          <p:cNvSpPr/>
+          <p:nvPr/>
+        </p:nvSpPr>
+        <p:spPr>
+          <a:xfrm>
+            <a:off x="2430379" y="4078316"/>
+            <a:ext cx="4074695" cy="301179"/>
+          </a:xfrm>
+          <a:prstGeom prst="rect">
+            <a:avLst/>
+          </a:prstGeom>
+          <a:noFill/>
+          <a:ln w="38100">
+            <a:solidFill>
+              <a:srgbClr val="FF0000"/>
+            </a:solidFill>
+          </a:ln>
+        </p:spPr>
+        <p:style>
+          <a:lnRef idx="2">
+            <a:schemeClr val="accent1">
+              <a:shade val="50000"/>
+            </a:schemeClr>
+          </a:lnRef>
+          <a:fillRef idx="1">
+            <a:schemeClr val="accent1"/>
+          </a:fillRef>
+          <a:effectRef idx="0">
+            <a:schemeClr val="accent1"/>
+          </a:effectRef>
+          <a:fontRef idx="minor">
+            <a:schemeClr val="lt1"/>
+          </a:fontRef>
+        </p:style>
+        <p:txBody>
+          <a:bodyPr rtlCol="0" anchor="ctr"/>
+          <a:lstStyle/>
+          <a:p>
+            <a:pPr algn="ctr"/>
+            <a:endParaRPr lang="zh-TW" altLang="en-US"/>
+          </a:p>
+        </p:txBody>
+      </p:sp>
+      <p:sp>
+        <p:nvSpPr>
+          <p:cNvPr id="10" name="矩形 9">
+            <a:extLst>
+              <a:ext uri="{FF2B5EF4-FFF2-40B4-BE49-F238E27FC236}">
+                <a16:creationId xmlns:a16="http://schemas.microsoft.com/office/drawing/2014/main" id="{50CE22CE-5AFA-4279-A43E-2354907914CC}"/>
+              </a:ext>
+            </a:extLst>
+          </p:cNvPr>
+          <p:cNvSpPr/>
+          <p:nvPr/>
+        </p:nvSpPr>
+        <p:spPr>
+          <a:xfrm>
+            <a:off x="4902452" y="3692529"/>
+            <a:ext cx="2366210" cy="393032"/>
+          </a:xfrm>
+          <a:prstGeom prst="rect">
+            <a:avLst/>
+          </a:prstGeom>
+          <a:noFill/>
+          <a:ln w="38100">
+            <a:solidFill>
+              <a:srgbClr val="FF0000"/>
+            </a:solidFill>
+          </a:ln>
+        </p:spPr>
+        <p:style>
+          <a:lnRef idx="2">
+            <a:schemeClr val="accent1">
+              <a:shade val="50000"/>
+            </a:schemeClr>
+          </a:lnRef>
+          <a:fillRef idx="1">
+            <a:schemeClr val="accent1"/>
+          </a:fillRef>
+          <a:effectRef idx="0">
+            <a:schemeClr val="accent1"/>
+          </a:effectRef>
+          <a:fontRef idx="minor">
+            <a:schemeClr val="lt1"/>
+          </a:fontRef>
+        </p:style>
+        <p:txBody>
+          <a:bodyPr rtlCol="0" anchor="ctr"/>
+          <a:lstStyle/>
+          <a:p>
+            <a:pPr algn="ctr"/>
+            <a:endParaRPr lang="zh-TW" altLang="en-US"/>
+          </a:p>
+        </p:txBody>
+      </p:sp>
+      <p:sp>
+        <p:nvSpPr>
+          <p:cNvPr id="11" name="矩形 10">
+            <a:extLst>
+              <a:ext uri="{FF2B5EF4-FFF2-40B4-BE49-F238E27FC236}">
+                <a16:creationId xmlns:a16="http://schemas.microsoft.com/office/drawing/2014/main" id="{63037457-2C6D-431A-823D-8F0A00BF4067}"/>
+              </a:ext>
+            </a:extLst>
+          </p:cNvPr>
+          <p:cNvSpPr/>
+          <p:nvPr/>
+        </p:nvSpPr>
+        <p:spPr>
+          <a:xfrm>
+            <a:off x="7374524" y="3692529"/>
+            <a:ext cx="3991308" cy="393032"/>
+          </a:xfrm>
+          <a:prstGeom prst="rect">
+            <a:avLst/>
+          </a:prstGeom>
+          <a:noFill/>
+          <a:ln w="38100">
+            <a:solidFill>
+              <a:srgbClr val="FF0000"/>
+            </a:solidFill>
+          </a:ln>
+        </p:spPr>
+        <p:style>
+          <a:lnRef idx="2">
+            <a:schemeClr val="accent1">
+              <a:shade val="50000"/>
+            </a:schemeClr>
+          </a:lnRef>
+          <a:fillRef idx="1">
+            <a:schemeClr val="accent1"/>
+          </a:fillRef>
+          <a:effectRef idx="0">
+            <a:schemeClr val="accent1"/>
+          </a:effectRef>
+          <a:fontRef idx="minor">
+            <a:schemeClr val="lt1"/>
+          </a:fontRef>
+        </p:style>
+        <p:txBody>
+          <a:bodyPr rtlCol="0" anchor="ctr"/>
+          <a:lstStyle/>
+          <a:p>
+            <a:pPr algn="ctr"/>
+            <a:endParaRPr lang="zh-TW" altLang="en-US"/>
+          </a:p>
+        </p:txBody>
+      </p:sp>
+    </p:spTree>
+    <p:extLst>
+      <p:ext uri="{BB962C8B-B14F-4D97-AF65-F5344CB8AC3E}">
+        <p14:creationId xmlns:p14="http://schemas.microsoft.com/office/powerpoint/2010/main" val="2599848128"/>
+      </p:ext>
+    </p:extLst>
+  </p:cSld>
+  <p:clrMapOvr>
+    <a:masterClrMapping/>
+  </p:clrMapOvr>
+  <mc:AlternateContent xmlns:mc="http://schemas.openxmlformats.org/markup-compatibility/2006" xmlns:p159="http://schemas.microsoft.com/office/powerpoint/2015/09/main">
+    <mc:Choice Requires="p159">
+      <p:transition spd="slow">
+        <p159:morph option="byChar"/>
+      </p:transition>
+    </mc:Choice>
+    <mc:Fallback xmlns="">
+      <p:transition spd="slow">
+        <p:fade/>
+      </p:transition>
+    </mc:Fallback>
+  </mc:AlternateContent>
+  <p:timing>
+    <p:tnLst>
+      <p:par>
+        <p:cTn id="1" dur="indefinite" restart="never" nodeType="tmRoot">
+          <p:childTnLst>
+            <p:seq concurrent="1" nextAc="seek">
+              <p:cTn id="2" dur="indefinite" nodeType="mainSeq">
+                <p:childTnLst>
+                  <p:par>
+                    <p:cTn id="3" fill="hold">
+                      <p:stCondLst>
+                        <p:cond delay="indefinite"/>
+                      </p:stCondLst>
+                      <p:childTnLst>
+                        <p:par>
+                          <p:cTn id="4" fill="hold">
+                            <p:stCondLst>
+                              <p:cond delay="0"/>
+                            </p:stCondLst>
+                            <p:childTnLst>
+                              <p:par>
+                                <p:cTn id="5" presetID="10" presetClass="exit" presetSubtype="0" fill="hold" grpId="0" nodeType="clickEffect">
+                                  <p:stCondLst>
+                                    <p:cond delay="0"/>
+                                  </p:stCondLst>
+                                  <p:childTnLst>
+                                    <p:animEffect transition="out" filter="fade">
+                                      <p:cBhvr>
+                                        <p:cTn id="6" dur="500"/>
+                                        <p:tgtEl>
+                                          <p:spTgt spid="7"/>
+                                        </p:tgtEl>
+                                      </p:cBhvr>
+                                    </p:animEffect>
+                                    <p:set>
+                                      <p:cBhvr>
+                                        <p:cTn id="7" dur="1" fill="hold">
+                                          <p:stCondLst>
+                                            <p:cond delay="499"/>
+                                          </p:stCondLst>
+                                        </p:cTn>
+                                        <p:tgtEl>
+                                          <p:spTgt spid="7"/>
+                                        </p:tgtEl>
+                                        <p:attrNameLst>
+                                          <p:attrName>style.visibility</p:attrName>
+                                        </p:attrNameLst>
+                                      </p:cBhvr>
+                                      <p:to>
+                                        <p:strVal val="hidden"/>
+                                      </p:to>
+                                    </p:set>
+                                  </p:childTnLst>
+                                </p:cTn>
+                              </p:par>
+                              <p:par>
+                                <p:cTn id="8" presetID="10" presetClass="entr" presetSubtype="0" fill="hold" grpId="0" nodeType="withEffect">
+                                  <p:stCondLst>
+                                    <p:cond delay="0"/>
+                                  </p:stCondLst>
+                                  <p:childTnLst>
+                                    <p:set>
+                                      <p:cBhvr>
+                                        <p:cTn id="9" dur="1" fill="hold">
+                                          <p:stCondLst>
+                                            <p:cond delay="0"/>
+                                          </p:stCondLst>
+                                        </p:cTn>
+                                        <p:tgtEl>
+                                          <p:spTgt spid="10"/>
+                                        </p:tgtEl>
+                                        <p:attrNameLst>
+                                          <p:attrName>style.visibility</p:attrName>
+                                        </p:attrNameLst>
+                                      </p:cBhvr>
+                                      <p:to>
+                                        <p:strVal val="visible"/>
+                                      </p:to>
+                                    </p:set>
+                                    <p:animEffect transition="in" filter="fade">
+                                      <p:cBhvr>
+                                        <p:cTn id="10" dur="500"/>
+                                        <p:tgtEl>
+                                          <p:spTgt spid="10"/>
+                                        </p:tgtEl>
+                                      </p:cBhvr>
+                                    </p:animEffect>
+                                  </p:childTnLst>
+                                </p:cTn>
+                              </p:par>
+                            </p:childTnLst>
+                          </p:cTn>
+                        </p:par>
+                      </p:childTnLst>
+                    </p:cTn>
+                  </p:par>
+                  <p:par>
+                    <p:cTn id="11" fill="hold">
+                      <p:stCondLst>
+                        <p:cond delay="indefinite"/>
+                      </p:stCondLst>
+                      <p:childTnLst>
+                        <p:par>
+                          <p:cTn id="12" fill="hold">
+                            <p:stCondLst>
+                              <p:cond delay="0"/>
+                            </p:stCondLst>
+                            <p:childTnLst>
+                              <p:par>
+                                <p:cTn id="13" presetID="10" presetClass="exit" presetSubtype="0" fill="hold" grpId="1" nodeType="clickEffect">
+                                  <p:stCondLst>
+                                    <p:cond delay="0"/>
+                                  </p:stCondLst>
+                                  <p:childTnLst>
+                                    <p:animEffect transition="out" filter="fade">
+                                      <p:cBhvr>
+                                        <p:cTn id="14" dur="500"/>
+                                        <p:tgtEl>
+                                          <p:spTgt spid="10"/>
+                                        </p:tgtEl>
+                                      </p:cBhvr>
+                                    </p:animEffect>
+                                    <p:set>
+                                      <p:cBhvr>
+                                        <p:cTn id="15" dur="1" fill="hold">
+                                          <p:stCondLst>
+                                            <p:cond delay="499"/>
+                                          </p:stCondLst>
+                                        </p:cTn>
+                                        <p:tgtEl>
+                                          <p:spTgt spid="10"/>
+                                        </p:tgtEl>
+                                        <p:attrNameLst>
+                                          <p:attrName>style.visibility</p:attrName>
+                                        </p:attrNameLst>
+                                      </p:cBhvr>
+                                      <p:to>
+                                        <p:strVal val="hidden"/>
+                                      </p:to>
+                                    </p:set>
+                                  </p:childTnLst>
+                                </p:cTn>
+                              </p:par>
+                              <p:par>
+                                <p:cTn id="16" presetID="10" presetClass="entr" presetSubtype="0" fill="hold" grpId="0" nodeType="withEffect">
+                                  <p:stCondLst>
+                                    <p:cond delay="0"/>
+                                  </p:stCondLst>
+                                  <p:childTnLst>
+                                    <p:set>
+                                      <p:cBhvr>
+                                        <p:cTn id="17" dur="1" fill="hold">
+                                          <p:stCondLst>
+                                            <p:cond delay="0"/>
+                                          </p:stCondLst>
+                                        </p:cTn>
+                                        <p:tgtEl>
+                                          <p:spTgt spid="11"/>
+                                        </p:tgtEl>
+                                        <p:attrNameLst>
+                                          <p:attrName>style.visibility</p:attrName>
+                                        </p:attrNameLst>
+                                      </p:cBhvr>
+                                      <p:to>
+                                        <p:strVal val="visible"/>
+                                      </p:to>
+                                    </p:set>
+                                    <p:animEffect transition="in" filter="fade">
+                                      <p:cBhvr>
+                                        <p:cTn id="18" dur="500"/>
+                                        <p:tgtEl>
+                                          <p:spTgt spid="11"/>
+                                        </p:tgtEl>
+                                      </p:cBhvr>
+                                    </p:animEffect>
+                                  </p:childTnLst>
+                                </p:cTn>
+                              </p:par>
+                            </p:childTnLst>
+                          </p:cTn>
+                        </p:par>
+                      </p:childTnLst>
+                    </p:cTn>
+                  </p:par>
+                  <p:par>
+                    <p:cTn id="19" fill="hold">
+                      <p:stCondLst>
+                        <p:cond delay="indefinite"/>
+                      </p:stCondLst>
+                      <p:childTnLst>
+                        <p:par>
+                          <p:cTn id="20" fill="hold">
+                            <p:stCondLst>
+                              <p:cond delay="0"/>
+                            </p:stCondLst>
+                            <p:childTnLst>
+                              <p:par>
+                                <p:cTn id="21" presetID="10" presetClass="exit" presetSubtype="0" fill="hold" grpId="1" nodeType="clickEffect">
+                                  <p:stCondLst>
+                                    <p:cond delay="0"/>
+                                  </p:stCondLst>
+                                  <p:childTnLst>
+                                    <p:animEffect transition="out" filter="fade">
+                                      <p:cBhvr>
+                                        <p:cTn id="22" dur="500"/>
+                                        <p:tgtEl>
+                                          <p:spTgt spid="11"/>
+                                        </p:tgtEl>
+                                      </p:cBhvr>
+                                    </p:animEffect>
+                                    <p:set>
+                                      <p:cBhvr>
+                                        <p:cTn id="23" dur="1" fill="hold">
+                                          <p:stCondLst>
+                                            <p:cond delay="499"/>
+                                          </p:stCondLst>
+                                        </p:cTn>
+                                        <p:tgtEl>
+                                          <p:spTgt spid="11"/>
+                                        </p:tgtEl>
+                                        <p:attrNameLst>
+                                          <p:attrName>style.visibility</p:attrName>
+                                        </p:attrNameLst>
+                                      </p:cBhvr>
+                                      <p:to>
+                                        <p:strVal val="hidden"/>
+                                      </p:to>
+                                    </p:set>
+                                  </p:childTnLst>
+                                </p:cTn>
+                              </p:par>
+                              <p:par>
+                                <p:cTn id="24" presetID="10" presetClass="entr" presetSubtype="0" fill="hold" grpId="0" nodeType="withEffect">
+                                  <p:stCondLst>
+                                    <p:cond delay="0"/>
+                                  </p:stCondLst>
+                                  <p:childTnLst>
+                                    <p:set>
+                                      <p:cBhvr>
+                                        <p:cTn id="25" dur="1" fill="hold">
+                                          <p:stCondLst>
+                                            <p:cond delay="0"/>
+                                          </p:stCondLst>
+                                        </p:cTn>
+                                        <p:tgtEl>
+                                          <p:spTgt spid="9"/>
+                                        </p:tgtEl>
+                                        <p:attrNameLst>
+                                          <p:attrName>style.visibility</p:attrName>
+                                        </p:attrNameLst>
+                                      </p:cBhvr>
+                                      <p:to>
+                                        <p:strVal val="visible"/>
+                                      </p:to>
+                                    </p:set>
+                                    <p:animEffect transition="in" filter="fade">
+                                      <p:cBhvr>
+                                        <p:cTn id="26" dur="500"/>
+                                        <p:tgtEl>
+                                          <p:spTgt spid="9"/>
+                                        </p:tgtEl>
+                                      </p:cBhvr>
+                                    </p:animEffect>
+                                  </p:childTnLst>
+                                </p:cTn>
+                              </p:par>
+                              <p:par>
+                                <p:cTn id="27" presetID="10" presetClass="entr" presetSubtype="0" fill="hold" grpId="0" nodeType="withEffect">
+                                  <p:stCondLst>
+                                    <p:cond delay="0"/>
+                                  </p:stCondLst>
+                                  <p:childTnLst>
+                                    <p:set>
+                                      <p:cBhvr>
+                                        <p:cTn id="28" dur="1" fill="hold">
+                                          <p:stCondLst>
+                                            <p:cond delay="0"/>
+                                          </p:stCondLst>
+                                        </p:cTn>
+                                        <p:tgtEl>
+                                          <p:spTgt spid="8"/>
+                                        </p:tgtEl>
+                                        <p:attrNameLst>
+                                          <p:attrName>style.visibility</p:attrName>
+                                        </p:attrNameLst>
+                                      </p:cBhvr>
+                                      <p:to>
+                                        <p:strVal val="visible"/>
+                                      </p:to>
+                                    </p:set>
+                                    <p:animEffect transition="in" filter="fade">
+                                      <p:cBhvr>
+                                        <p:cTn id="29" dur="500"/>
+                                        <p:tgtEl>
+                                          <p:spTgt spid="8"/>
+                                        </p:tgtEl>
+                                      </p:cBhvr>
+                                    </p:animEffect>
+                                  </p:childTnLst>
+                                </p:cTn>
+                              </p:par>
+                            </p:childTnLst>
+                          </p:cTn>
+                        </p:par>
+                      </p:childTnLst>
+                    </p:cTn>
+                  </p:par>
+                </p:childTnLst>
+              </p:cTn>
+              <p:prevCondLst>
+                <p:cond evt="onPrev" delay="0">
+                  <p:tgtEl>
+                    <p:sldTgt/>
+                  </p:tgtEl>
+                </p:cond>
+              </p:prevCondLst>
+              <p:nextCondLst>
+                <p:cond evt="onNext" delay="0">
+                  <p:tgtEl>
+                    <p:sldTgt/>
+                  </p:tgtEl>
+                </p:cond>
+              </p:nextCondLst>
+            </p:seq>
+          </p:childTnLst>
+        </p:cTn>
+      </p:par>
+    </p:tnLst>
+    <p:bldLst>
+      <p:bldP spid="7" grpId="0" animBg="1"/>
+      <p:bldP spid="8" grpId="0"/>
+      <p:bldP spid="9" grpId="0" animBg="1"/>
+      <p:bldP spid="10" grpId="0" animBg="1"/>
+      <p:bldP spid="10" grpId="1" animBg="1"/>
+      <p:bldP spid="11" grpId="0" animBg="1"/>
+      <p:bldP spid="11" grpId="1" animBg="1"/>
+    </p:bldLst>
+  </p:timing>
+</p:sld>
+</file>
+
+<file path=ppt/slides/slide70.xml><?xml version="1.0" encoding="utf-8"?>
 <p:sld xmlns:a="http://schemas.openxmlformats.org/drawingml/2006/main" xmlns:r="http://schemas.openxmlformats.org/officeDocument/2006/relationships" xmlns:p="http://schemas.openxmlformats.org/presentationml/2006/main">
   <p:cSld>
     <p:spTree>
@@ -43096,7 +45088,7 @@
 </p:sld>
 </file>
 
-<file path=ppt/slides/slide68.xml><?xml version="1.0" encoding="utf-8"?>
+<file path=ppt/slides/slide71.xml><?xml version="1.0" encoding="utf-8"?>
 <p:sld xmlns:a="http://schemas.openxmlformats.org/drawingml/2006/main" xmlns:r="http://schemas.openxmlformats.org/officeDocument/2006/relationships" xmlns:p="http://schemas.openxmlformats.org/presentationml/2006/main">
   <p:cSld>
     <p:spTree>
@@ -44837,7 +46829,7 @@
 </p:sld>
 </file>
 
-<file path=ppt/slides/slide7.xml><?xml version="1.0" encoding="utf-8"?>
+<file path=ppt/slides/slide8.xml><?xml version="1.0" encoding="utf-8"?>
 <p:sld xmlns:a="http://schemas.openxmlformats.org/drawingml/2006/main" xmlns:r="http://schemas.openxmlformats.org/officeDocument/2006/relationships" xmlns:p="http://schemas.openxmlformats.org/presentationml/2006/main">
   <p:cSld>
     <p:spTree>
@@ -44854,36 +46846,6 @@
           <a:chExt cx="0" cy="0"/>
         </a:xfrm>
       </p:grpSpPr>
-      <p:pic>
-        <p:nvPicPr>
-          <p:cNvPr id="4" name="圖片 3">
-            <a:extLst>
-              <a:ext uri="{FF2B5EF4-FFF2-40B4-BE49-F238E27FC236}">
-                <a16:creationId xmlns:a16="http://schemas.microsoft.com/office/drawing/2014/main" id="{3226D4DC-C634-40DE-BB48-7E97FD8CE437}"/>
-              </a:ext>
-            </a:extLst>
-          </p:cNvPr>
-          <p:cNvPicPr>
-            <a:picLocks noChangeAspect="1"/>
-          </p:cNvPicPr>
-          <p:nvPr/>
-        </p:nvPicPr>
-        <p:blipFill>
-          <a:blip r:embed="rId2"/>
-          <a:stretch>
-            <a:fillRect/>
-          </a:stretch>
-        </p:blipFill>
-        <p:spPr>
-          <a:xfrm>
-            <a:off x="1141413" y="3669244"/>
-            <a:ext cx="10645319" cy="1102893"/>
-          </a:xfrm>
-          <a:prstGeom prst="rect">
-            <a:avLst/>
-          </a:prstGeom>
-        </p:spPr>
-      </p:pic>
       <p:sp>
         <p:nvSpPr>
           <p:cNvPr id="2" name="標題 1">
@@ -44916,17 +46878,47 @@
                 <a:latin typeface="STHeiti TC" panose="02000000000000000000" pitchFamily="2" charset="-120"/>
                 <a:ea typeface="STHeiti TC" panose="02000000000000000000" pitchFamily="2" charset="-120"/>
               </a:rPr>
-              <a:t>迴圈</a:t>
+              <a:t>迴圈執行順序</a:t>
             </a:r>
           </a:p>
         </p:txBody>
       </p:sp>
+      <p:pic>
+        <p:nvPicPr>
+          <p:cNvPr id="5" name="圖片 4">
+            <a:extLst>
+              <a:ext uri="{FF2B5EF4-FFF2-40B4-BE49-F238E27FC236}">
+                <a16:creationId xmlns:a16="http://schemas.microsoft.com/office/drawing/2014/main" id="{7750CE26-34D1-45AF-8D5B-D8A9335BF8C5}"/>
+              </a:ext>
+            </a:extLst>
+          </p:cNvPr>
+          <p:cNvPicPr>
+            <a:picLocks noChangeAspect="1"/>
+          </p:cNvPicPr>
+          <p:nvPr/>
+        </p:nvPicPr>
+        <p:blipFill>
+          <a:blip r:embed="rId2"/>
+          <a:stretch>
+            <a:fillRect/>
+          </a:stretch>
+        </p:blipFill>
+        <p:spPr>
+          <a:xfrm>
+            <a:off x="5111131" y="433771"/>
+            <a:ext cx="6766925" cy="2080829"/>
+          </a:xfrm>
+          <a:prstGeom prst="rect">
+            <a:avLst/>
+          </a:prstGeom>
+        </p:spPr>
+      </p:pic>
       <p:sp>
         <p:nvSpPr>
-          <p:cNvPr id="7" name="矩形 6">
+          <p:cNvPr id="6" name="矩形 5">
             <a:extLst>
               <a:ext uri="{FF2B5EF4-FFF2-40B4-BE49-F238E27FC236}">
-                <a16:creationId xmlns:a16="http://schemas.microsoft.com/office/drawing/2014/main" id="{9AA112A3-6A19-4B67-AFFF-E95EAAEBBF50}"/>
+                <a16:creationId xmlns:a16="http://schemas.microsoft.com/office/drawing/2014/main" id="{577FB6AE-3C04-41E1-A59B-247B1BA67B76}"/>
               </a:ext>
             </a:extLst>
           </p:cNvPr>
@@ -44935,8 +46927,8 @@
         </p:nvSpPr>
         <p:spPr>
           <a:xfrm>
-            <a:off x="2430380" y="3685285"/>
-            <a:ext cx="2366210" cy="393032"/>
+            <a:off x="6208776" y="452059"/>
+            <a:ext cx="2086211" cy="516323"/>
           </a:xfrm>
           <a:prstGeom prst="rect">
             <a:avLst/>
@@ -44975,10 +46967,562 @@
       </p:sp>
       <p:sp>
         <p:nvSpPr>
-          <p:cNvPr id="8" name="文字方塊 7">
+          <p:cNvPr id="12" name="矩形: 圓角 11">
             <a:extLst>
               <a:ext uri="{FF2B5EF4-FFF2-40B4-BE49-F238E27FC236}">
-                <a16:creationId xmlns:a16="http://schemas.microsoft.com/office/drawing/2014/main" id="{BFCE2436-9A40-42CC-B82E-338B3291D824}"/>
+                <a16:creationId xmlns:a16="http://schemas.microsoft.com/office/drawing/2014/main" id="{DFB640F3-B439-4835-9C5F-D7218976D806}"/>
+              </a:ext>
+            </a:extLst>
+          </p:cNvPr>
+          <p:cNvSpPr/>
+          <p:nvPr/>
+        </p:nvSpPr>
+        <p:spPr>
+          <a:xfrm>
+            <a:off x="1141413" y="2866644"/>
+            <a:ext cx="2029968" cy="1124713"/>
+          </a:xfrm>
+          <a:prstGeom prst="roundRect">
+            <a:avLst/>
+          </a:prstGeom>
+        </p:spPr>
+        <p:style>
+          <a:lnRef idx="0">
+            <a:schemeClr val="accent6"/>
+          </a:lnRef>
+          <a:fillRef idx="3">
+            <a:schemeClr val="accent6"/>
+          </a:fillRef>
+          <a:effectRef idx="3">
+            <a:schemeClr val="accent6"/>
+          </a:effectRef>
+          <a:fontRef idx="minor">
+            <a:schemeClr val="lt1"/>
+          </a:fontRef>
+        </p:style>
+        <p:txBody>
+          <a:bodyPr rtlCol="0" anchor="ctr"/>
+          <a:lstStyle/>
+          <a:p>
+            <a:pPr algn="ctr"/>
+            <a:r>
+              <a:rPr lang="zh-TW" altLang="en-US" sz="2800" dirty="0">
+                <a:latin typeface="STHeiti TC" panose="02000000000000000000" pitchFamily="2" charset="-120"/>
+                <a:ea typeface="STHeiti TC" panose="02000000000000000000" pitchFamily="2" charset="-120"/>
+              </a:rPr>
+              <a:t>給初始值</a:t>
+            </a:r>
+          </a:p>
+        </p:txBody>
+      </p:sp>
+      <p:sp>
+        <p:nvSpPr>
+          <p:cNvPr id="13" name="矩形: 圓角 12">
+            <a:extLst>
+              <a:ext uri="{FF2B5EF4-FFF2-40B4-BE49-F238E27FC236}">
+                <a16:creationId xmlns:a16="http://schemas.microsoft.com/office/drawing/2014/main" id="{0DBB7C36-106D-4DF0-BE4C-09CC811BD8CC}"/>
+              </a:ext>
+            </a:extLst>
+          </p:cNvPr>
+          <p:cNvSpPr/>
+          <p:nvPr/>
+        </p:nvSpPr>
+        <p:spPr>
+          <a:xfrm>
+            <a:off x="4569546" y="2866643"/>
+            <a:ext cx="2499360" cy="1124713"/>
+          </a:xfrm>
+          <a:prstGeom prst="roundRect">
+            <a:avLst/>
+          </a:prstGeom>
+          <a:solidFill>
+            <a:schemeClr val="accent3">
+              <a:lumMod val="50000"/>
+            </a:schemeClr>
+          </a:solidFill>
+        </p:spPr>
+        <p:style>
+          <a:lnRef idx="0">
+            <a:schemeClr val="accent6"/>
+          </a:lnRef>
+          <a:fillRef idx="3">
+            <a:schemeClr val="accent6"/>
+          </a:fillRef>
+          <a:effectRef idx="3">
+            <a:schemeClr val="accent6"/>
+          </a:effectRef>
+          <a:fontRef idx="minor">
+            <a:schemeClr val="lt1"/>
+          </a:fontRef>
+        </p:style>
+        <p:txBody>
+          <a:bodyPr rtlCol="0" anchor="ctr"/>
+          <a:lstStyle/>
+          <a:p>
+            <a:pPr algn="ctr"/>
+            <a:r>
+              <a:rPr lang="zh-TW" altLang="en-US" sz="2800" dirty="0">
+                <a:latin typeface="STHeiti TC" panose="02000000000000000000" pitchFamily="2" charset="-120"/>
+                <a:ea typeface="STHeiti TC" panose="02000000000000000000" pitchFamily="2" charset="-120"/>
+              </a:rPr>
+              <a:t>判斷執行條件</a:t>
+            </a:r>
+          </a:p>
+        </p:txBody>
+      </p:sp>
+      <p:sp>
+        <p:nvSpPr>
+          <p:cNvPr id="14" name="矩形: 圓角 13">
+            <a:extLst>
+              <a:ext uri="{FF2B5EF4-FFF2-40B4-BE49-F238E27FC236}">
+                <a16:creationId xmlns:a16="http://schemas.microsoft.com/office/drawing/2014/main" id="{E77D17EA-D734-4D38-B0D4-EEF5A8E278AD}"/>
+              </a:ext>
+            </a:extLst>
+          </p:cNvPr>
+          <p:cNvSpPr/>
+          <p:nvPr/>
+        </p:nvSpPr>
+        <p:spPr>
+          <a:xfrm>
+            <a:off x="1093739" y="5114540"/>
+            <a:ext cx="4017392" cy="1124713"/>
+          </a:xfrm>
+          <a:prstGeom prst="roundRect">
+            <a:avLst/>
+          </a:prstGeom>
+          <a:solidFill>
+            <a:schemeClr val="accent3">
+              <a:lumMod val="50000"/>
+            </a:schemeClr>
+          </a:solidFill>
+        </p:spPr>
+        <p:style>
+          <a:lnRef idx="0">
+            <a:schemeClr val="accent6"/>
+          </a:lnRef>
+          <a:fillRef idx="3">
+            <a:schemeClr val="accent6"/>
+          </a:fillRef>
+          <a:effectRef idx="3">
+            <a:schemeClr val="accent6"/>
+          </a:effectRef>
+          <a:fontRef idx="minor">
+            <a:schemeClr val="lt1"/>
+          </a:fontRef>
+        </p:style>
+        <p:txBody>
+          <a:bodyPr rtlCol="0" anchor="ctr"/>
+          <a:lstStyle/>
+          <a:p>
+            <a:pPr algn="ctr"/>
+            <a:r>
+              <a:rPr lang="zh-TW" altLang="en-US" sz="2800" dirty="0">
+                <a:latin typeface="STHeiti TC" panose="02000000000000000000" pitchFamily="2" charset="-120"/>
+                <a:ea typeface="STHeiti TC" panose="02000000000000000000" pitchFamily="2" charset="-120"/>
+              </a:rPr>
+              <a:t>執行大括號內的程式碼</a:t>
+            </a:r>
+          </a:p>
+        </p:txBody>
+      </p:sp>
+      <p:sp>
+        <p:nvSpPr>
+          <p:cNvPr id="15" name="矩形: 圓角 14">
+            <a:extLst>
+              <a:ext uri="{FF2B5EF4-FFF2-40B4-BE49-F238E27FC236}">
+                <a16:creationId xmlns:a16="http://schemas.microsoft.com/office/drawing/2014/main" id="{83649853-281A-47F9-AE9A-2BC2B17BF8B6}"/>
+              </a:ext>
+            </a:extLst>
+          </p:cNvPr>
+          <p:cNvSpPr/>
+          <p:nvPr/>
+        </p:nvSpPr>
+        <p:spPr>
+          <a:xfrm>
+            <a:off x="6509296" y="5123687"/>
+            <a:ext cx="4754880" cy="1124713"/>
+          </a:xfrm>
+          <a:prstGeom prst="roundRect">
+            <a:avLst/>
+          </a:prstGeom>
+          <a:solidFill>
+            <a:schemeClr val="accent3">
+              <a:lumMod val="50000"/>
+            </a:schemeClr>
+          </a:solidFill>
+        </p:spPr>
+        <p:style>
+          <a:lnRef idx="0">
+            <a:schemeClr val="accent6"/>
+          </a:lnRef>
+          <a:fillRef idx="3">
+            <a:schemeClr val="accent6"/>
+          </a:fillRef>
+          <a:effectRef idx="3">
+            <a:schemeClr val="accent6"/>
+          </a:effectRef>
+          <a:fontRef idx="minor">
+            <a:schemeClr val="lt1"/>
+          </a:fontRef>
+        </p:style>
+        <p:txBody>
+          <a:bodyPr rtlCol="0" anchor="ctr"/>
+          <a:lstStyle/>
+          <a:p>
+            <a:pPr algn="ctr"/>
+            <a:r>
+              <a:rPr lang="zh-TW" altLang="en-US" sz="2800" dirty="0">
+                <a:latin typeface="STHeiti TC" panose="02000000000000000000" pitchFamily="2" charset="-120"/>
+                <a:ea typeface="STHeiti TC" panose="02000000000000000000" pitchFamily="2" charset="-120"/>
+              </a:rPr>
+              <a:t>迴圈結束要自動執行的動作</a:t>
+            </a:r>
+          </a:p>
+        </p:txBody>
+      </p:sp>
+      <p:sp>
+        <p:nvSpPr>
+          <p:cNvPr id="16" name="矩形: 圓角 15">
+            <a:extLst>
+              <a:ext uri="{FF2B5EF4-FFF2-40B4-BE49-F238E27FC236}">
+                <a16:creationId xmlns:a16="http://schemas.microsoft.com/office/drawing/2014/main" id="{8990B529-CFDB-4C24-B0EC-8A07AF897F2C}"/>
+              </a:ext>
+            </a:extLst>
+          </p:cNvPr>
+          <p:cNvSpPr/>
+          <p:nvPr/>
+        </p:nvSpPr>
+        <p:spPr>
+          <a:xfrm>
+            <a:off x="8467072" y="2866644"/>
+            <a:ext cx="2029968" cy="1124713"/>
+          </a:xfrm>
+          <a:prstGeom prst="roundRect">
+            <a:avLst/>
+          </a:prstGeom>
+          <a:solidFill>
+            <a:schemeClr val="tx1">
+              <a:lumMod val="50000"/>
+            </a:schemeClr>
+          </a:solidFill>
+        </p:spPr>
+        <p:style>
+          <a:lnRef idx="0">
+            <a:schemeClr val="accent6"/>
+          </a:lnRef>
+          <a:fillRef idx="3">
+            <a:schemeClr val="accent6"/>
+          </a:fillRef>
+          <a:effectRef idx="3">
+            <a:schemeClr val="accent6"/>
+          </a:effectRef>
+          <a:fontRef idx="minor">
+            <a:schemeClr val="lt1"/>
+          </a:fontRef>
+        </p:style>
+        <p:txBody>
+          <a:bodyPr rtlCol="0" anchor="ctr"/>
+          <a:lstStyle/>
+          <a:p>
+            <a:pPr algn="ctr"/>
+            <a:r>
+              <a:rPr lang="zh-TW" altLang="en-US" sz="2800" dirty="0">
+                <a:latin typeface="STHeiti TC" panose="02000000000000000000" pitchFamily="2" charset="-120"/>
+                <a:ea typeface="STHeiti TC" panose="02000000000000000000" pitchFamily="2" charset="-120"/>
+              </a:rPr>
+              <a:t>離開迴圈</a:t>
+            </a:r>
+          </a:p>
+        </p:txBody>
+      </p:sp>
+      <p:sp>
+        <p:nvSpPr>
+          <p:cNvPr id="17" name="箭號: 向右 16">
+            <a:extLst>
+              <a:ext uri="{FF2B5EF4-FFF2-40B4-BE49-F238E27FC236}">
+                <a16:creationId xmlns:a16="http://schemas.microsoft.com/office/drawing/2014/main" id="{DFF9927A-F3A4-4DDC-B8F0-CAECB333E5FA}"/>
+              </a:ext>
+            </a:extLst>
+          </p:cNvPr>
+          <p:cNvSpPr/>
+          <p:nvPr/>
+        </p:nvSpPr>
+        <p:spPr>
+          <a:xfrm>
+            <a:off x="3171381" y="3282696"/>
+            <a:ext cx="1398165" cy="292608"/>
+          </a:xfrm>
+          <a:prstGeom prst="rightArrow">
+            <a:avLst/>
+          </a:prstGeom>
+          <a:solidFill>
+            <a:srgbClr val="FF0000"/>
+          </a:solidFill>
+          <a:ln>
+            <a:solidFill>
+              <a:srgbClr val="C00000"/>
+            </a:solidFill>
+          </a:ln>
+        </p:spPr>
+        <p:style>
+          <a:lnRef idx="2">
+            <a:schemeClr val="accent1">
+              <a:shade val="50000"/>
+            </a:schemeClr>
+          </a:lnRef>
+          <a:fillRef idx="1">
+            <a:schemeClr val="accent1"/>
+          </a:fillRef>
+          <a:effectRef idx="0">
+            <a:schemeClr val="accent1"/>
+          </a:effectRef>
+          <a:fontRef idx="minor">
+            <a:schemeClr val="lt1"/>
+          </a:fontRef>
+        </p:style>
+        <p:txBody>
+          <a:bodyPr rtlCol="0" anchor="ctr"/>
+          <a:lstStyle/>
+          <a:p>
+            <a:pPr algn="ctr"/>
+            <a:endParaRPr lang="zh-TW" altLang="en-US"/>
+          </a:p>
+        </p:txBody>
+      </p:sp>
+      <p:sp>
+        <p:nvSpPr>
+          <p:cNvPr id="18" name="箭號: 向右 17">
+            <a:extLst>
+              <a:ext uri="{FF2B5EF4-FFF2-40B4-BE49-F238E27FC236}">
+                <a16:creationId xmlns:a16="http://schemas.microsoft.com/office/drawing/2014/main" id="{07AFE52C-AA5B-4370-B728-B3B92A979FF4}"/>
+              </a:ext>
+            </a:extLst>
+          </p:cNvPr>
+          <p:cNvSpPr/>
+          <p:nvPr/>
+        </p:nvSpPr>
+        <p:spPr>
+          <a:xfrm>
+            <a:off x="7063404" y="3284980"/>
+            <a:ext cx="1398165" cy="292608"/>
+          </a:xfrm>
+          <a:prstGeom prst="rightArrow">
+            <a:avLst/>
+          </a:prstGeom>
+          <a:solidFill>
+            <a:srgbClr val="FF0000"/>
+          </a:solidFill>
+          <a:ln>
+            <a:solidFill>
+              <a:srgbClr val="C00000"/>
+            </a:solidFill>
+          </a:ln>
+        </p:spPr>
+        <p:style>
+          <a:lnRef idx="2">
+            <a:schemeClr val="accent1">
+              <a:shade val="50000"/>
+            </a:schemeClr>
+          </a:lnRef>
+          <a:fillRef idx="1">
+            <a:schemeClr val="accent1"/>
+          </a:fillRef>
+          <a:effectRef idx="0">
+            <a:schemeClr val="accent1"/>
+          </a:effectRef>
+          <a:fontRef idx="minor">
+            <a:schemeClr val="lt1"/>
+          </a:fontRef>
+        </p:style>
+        <p:txBody>
+          <a:bodyPr rtlCol="0" anchor="ctr"/>
+          <a:lstStyle/>
+          <a:p>
+            <a:pPr algn="ctr"/>
+            <a:r>
+              <a:rPr lang="zh-TW" altLang="en-US" sz="2800" dirty="0">
+                <a:solidFill>
+                  <a:srgbClr val="FFFF00"/>
+                </a:solidFill>
+                <a:highlight>
+                  <a:srgbClr val="000000"/>
+                </a:highlight>
+                <a:latin typeface="STHeiti TC" panose="02000000000000000000" pitchFamily="2" charset="-120"/>
+                <a:ea typeface="STHeiti TC" panose="02000000000000000000" pitchFamily="2" charset="-120"/>
+              </a:rPr>
+              <a:t>不符合</a:t>
+            </a:r>
+          </a:p>
+        </p:txBody>
+      </p:sp>
+      <p:sp>
+        <p:nvSpPr>
+          <p:cNvPr id="19" name="箭號: 向右 18">
+            <a:extLst>
+              <a:ext uri="{FF2B5EF4-FFF2-40B4-BE49-F238E27FC236}">
+                <a16:creationId xmlns:a16="http://schemas.microsoft.com/office/drawing/2014/main" id="{4535D139-405E-47B7-878D-C954C0EEF4E3}"/>
+              </a:ext>
+            </a:extLst>
+          </p:cNvPr>
+          <p:cNvSpPr/>
+          <p:nvPr/>
+        </p:nvSpPr>
+        <p:spPr>
+          <a:xfrm>
+            <a:off x="5111131" y="5539739"/>
+            <a:ext cx="1398165" cy="292608"/>
+          </a:xfrm>
+          <a:prstGeom prst="rightArrow">
+            <a:avLst/>
+          </a:prstGeom>
+          <a:solidFill>
+            <a:srgbClr val="FF0000"/>
+          </a:solidFill>
+          <a:ln>
+            <a:solidFill>
+              <a:srgbClr val="C00000"/>
+            </a:solidFill>
+          </a:ln>
+        </p:spPr>
+        <p:style>
+          <a:lnRef idx="2">
+            <a:schemeClr val="accent1">
+              <a:shade val="50000"/>
+            </a:schemeClr>
+          </a:lnRef>
+          <a:fillRef idx="1">
+            <a:schemeClr val="accent1"/>
+          </a:fillRef>
+          <a:effectRef idx="0">
+            <a:schemeClr val="accent1"/>
+          </a:effectRef>
+          <a:fontRef idx="minor">
+            <a:schemeClr val="lt1"/>
+          </a:fontRef>
+        </p:style>
+        <p:txBody>
+          <a:bodyPr rtlCol="0" anchor="ctr"/>
+          <a:lstStyle/>
+          <a:p>
+            <a:pPr algn="ctr"/>
+            <a:endParaRPr lang="zh-TW" altLang="en-US" dirty="0"/>
+          </a:p>
+        </p:txBody>
+      </p:sp>
+      <p:sp>
+        <p:nvSpPr>
+          <p:cNvPr id="20" name="箭號: 向右 19">
+            <a:extLst>
+              <a:ext uri="{FF2B5EF4-FFF2-40B4-BE49-F238E27FC236}">
+                <a16:creationId xmlns:a16="http://schemas.microsoft.com/office/drawing/2014/main" id="{0C274132-834A-41C8-A8C9-444774A034BB}"/>
+              </a:ext>
+            </a:extLst>
+          </p:cNvPr>
+          <p:cNvSpPr/>
+          <p:nvPr/>
+        </p:nvSpPr>
+        <p:spPr>
+          <a:xfrm rot="7987985">
+            <a:off x="3360357" y="4367188"/>
+            <a:ext cx="1398165" cy="292608"/>
+          </a:xfrm>
+          <a:prstGeom prst="rightArrow">
+            <a:avLst/>
+          </a:prstGeom>
+          <a:solidFill>
+            <a:srgbClr val="FF0000"/>
+          </a:solidFill>
+          <a:ln>
+            <a:solidFill>
+              <a:srgbClr val="C00000"/>
+            </a:solidFill>
+          </a:ln>
+        </p:spPr>
+        <p:style>
+          <a:lnRef idx="2">
+            <a:schemeClr val="accent1">
+              <a:shade val="50000"/>
+            </a:schemeClr>
+          </a:lnRef>
+          <a:fillRef idx="1">
+            <a:schemeClr val="accent1"/>
+          </a:fillRef>
+          <a:effectRef idx="0">
+            <a:schemeClr val="accent1"/>
+          </a:effectRef>
+          <a:fontRef idx="minor">
+            <a:schemeClr val="lt1"/>
+          </a:fontRef>
+        </p:style>
+        <p:txBody>
+          <a:bodyPr rtlCol="0" anchor="ctr"/>
+          <a:lstStyle/>
+          <a:p>
+            <a:pPr algn="ctr"/>
+            <a:endParaRPr lang="zh-TW" altLang="en-US" dirty="0"/>
+          </a:p>
+        </p:txBody>
+      </p:sp>
+      <p:sp>
+        <p:nvSpPr>
+          <p:cNvPr id="21" name="箭號: 向右 20">
+            <a:extLst>
+              <a:ext uri="{FF2B5EF4-FFF2-40B4-BE49-F238E27FC236}">
+                <a16:creationId xmlns:a16="http://schemas.microsoft.com/office/drawing/2014/main" id="{C12F9A55-5801-427E-B08A-F263B1ACC2F1}"/>
+              </a:ext>
+            </a:extLst>
+          </p:cNvPr>
+          <p:cNvSpPr/>
+          <p:nvPr/>
+        </p:nvSpPr>
+        <p:spPr>
+          <a:xfrm rot="13385969">
+            <a:off x="6846105" y="4367187"/>
+            <a:ext cx="1398165" cy="292608"/>
+          </a:xfrm>
+          <a:prstGeom prst="rightArrow">
+            <a:avLst/>
+          </a:prstGeom>
+          <a:solidFill>
+            <a:srgbClr val="FF0000"/>
+          </a:solidFill>
+          <a:ln>
+            <a:solidFill>
+              <a:srgbClr val="C00000"/>
+            </a:solidFill>
+          </a:ln>
+        </p:spPr>
+        <p:style>
+          <a:lnRef idx="2">
+            <a:schemeClr val="accent1">
+              <a:shade val="50000"/>
+            </a:schemeClr>
+          </a:lnRef>
+          <a:fillRef idx="1">
+            <a:schemeClr val="accent1"/>
+          </a:fillRef>
+          <a:effectRef idx="0">
+            <a:schemeClr val="accent1"/>
+          </a:effectRef>
+          <a:fontRef idx="minor">
+            <a:schemeClr val="lt1"/>
+          </a:fontRef>
+        </p:style>
+        <p:txBody>
+          <a:bodyPr rtlCol="0" anchor="ctr"/>
+          <a:lstStyle/>
+          <a:p>
+            <a:pPr algn="ctr"/>
+            <a:endParaRPr lang="zh-TW" altLang="en-US"/>
+          </a:p>
+        </p:txBody>
+      </p:sp>
+      <p:sp>
+        <p:nvSpPr>
+          <p:cNvPr id="22" name="文字方塊 21">
+            <a:extLst>
+              <a:ext uri="{FF2B5EF4-FFF2-40B4-BE49-F238E27FC236}">
+                <a16:creationId xmlns:a16="http://schemas.microsoft.com/office/drawing/2014/main" id="{685F5C74-4487-4F61-80D9-53B9803C6FBD}"/>
               </a:ext>
             </a:extLst>
           </p:cNvPr>
@@ -44987,8 +47531,8 @@
         </p:nvSpPr>
         <p:spPr>
           <a:xfrm>
-            <a:off x="1121199" y="5205662"/>
-            <a:ext cx="3262432" cy="461665"/>
+            <a:off x="3666735" y="4145798"/>
+            <a:ext cx="1097289" cy="523220"/>
           </a:xfrm>
           <a:prstGeom prst="rect">
             <a:avLst/>
@@ -44996,30 +47540,33 @@
           <a:noFill/>
         </p:spPr>
         <p:txBody>
-          <a:bodyPr wrap="none" rtlCol="0">
+          <a:bodyPr wrap="square" rtlCol="0">
             <a:spAutoFit/>
           </a:bodyPr>
           <a:lstStyle/>
           <a:p>
             <a:r>
-              <a:rPr lang="zh-TW" altLang="en-US" sz="2400" dirty="0">
+              <a:rPr lang="zh-TW" altLang="en-US" sz="2800" dirty="0">
+                <a:solidFill>
+                  <a:srgbClr val="FFFF00"/>
+                </a:solidFill>
                 <a:highlight>
-                  <a:srgbClr val="FF0000"/>
+                  <a:srgbClr val="000000"/>
                 </a:highlight>
                 <a:latin typeface="STHeiti TC" panose="02000000000000000000" pitchFamily="2" charset="-120"/>
                 <a:ea typeface="STHeiti TC" panose="02000000000000000000" pitchFamily="2" charset="-120"/>
               </a:rPr>
-              <a:t>這裡放你想重複做的事</a:t>
+              <a:t>符合</a:t>
             </a:r>
           </a:p>
         </p:txBody>
       </p:sp>
       <p:sp>
         <p:nvSpPr>
-          <p:cNvPr id="9" name="矩形 8">
+          <p:cNvPr id="23" name="矩形 22">
             <a:extLst>
               <a:ext uri="{FF2B5EF4-FFF2-40B4-BE49-F238E27FC236}">
-                <a16:creationId xmlns:a16="http://schemas.microsoft.com/office/drawing/2014/main" id="{97168E79-7728-4117-AC54-8EF55C7799C9}"/>
+                <a16:creationId xmlns:a16="http://schemas.microsoft.com/office/drawing/2014/main" id="{C05F1482-A3EC-425A-AE0A-9D622042D2B2}"/>
               </a:ext>
             </a:extLst>
           </p:cNvPr>
@@ -45028,8 +47575,8 @@
         </p:nvSpPr>
         <p:spPr>
           <a:xfrm>
-            <a:off x="2430379" y="4078316"/>
-            <a:ext cx="4074695" cy="301179"/>
+            <a:off x="8333417" y="452059"/>
+            <a:ext cx="1450663" cy="516323"/>
           </a:xfrm>
           <a:prstGeom prst="rect">
             <a:avLst/>
@@ -45068,10 +47615,10 @@
       </p:sp>
       <p:sp>
         <p:nvSpPr>
-          <p:cNvPr id="10" name="矩形 9">
+          <p:cNvPr id="24" name="矩形 23">
             <a:extLst>
               <a:ext uri="{FF2B5EF4-FFF2-40B4-BE49-F238E27FC236}">
-                <a16:creationId xmlns:a16="http://schemas.microsoft.com/office/drawing/2014/main" id="{50CE22CE-5AFA-4279-A43E-2354907914CC}"/>
+                <a16:creationId xmlns:a16="http://schemas.microsoft.com/office/drawing/2014/main" id="{ED5B94E9-DEB4-4925-B621-EDEA439EFC31}"/>
               </a:ext>
             </a:extLst>
           </p:cNvPr>
@@ -45080,8 +47627,8 @@
         </p:nvSpPr>
         <p:spPr>
           <a:xfrm>
-            <a:off x="4902452" y="3692529"/>
-            <a:ext cx="2366210" cy="393032"/>
+            <a:off x="9830275" y="457273"/>
+            <a:ext cx="831629" cy="516323"/>
           </a:xfrm>
           <a:prstGeom prst="rect">
             <a:avLst/>
@@ -45120,10 +47667,10 @@
       </p:sp>
       <p:sp>
         <p:nvSpPr>
-          <p:cNvPr id="11" name="矩形 10">
+          <p:cNvPr id="25" name="矩形 24">
             <a:extLst>
               <a:ext uri="{FF2B5EF4-FFF2-40B4-BE49-F238E27FC236}">
-                <a16:creationId xmlns:a16="http://schemas.microsoft.com/office/drawing/2014/main" id="{63037457-2C6D-431A-823D-8F0A00BF4067}"/>
+                <a16:creationId xmlns:a16="http://schemas.microsoft.com/office/drawing/2014/main" id="{6FA78375-59D6-49D1-86F5-9BDE1BB11D5B}"/>
               </a:ext>
             </a:extLst>
           </p:cNvPr>
@@ -45132,8 +47679,8 @@
         </p:nvSpPr>
         <p:spPr>
           <a:xfrm>
-            <a:off x="7374524" y="3692529"/>
-            <a:ext cx="3991308" cy="393032"/>
+            <a:off x="5916168" y="963076"/>
+            <a:ext cx="5961888" cy="1067667"/>
           </a:xfrm>
           <a:prstGeom prst="rect">
             <a:avLst/>
@@ -45173,7 +47720,7 @@
     </p:spTree>
     <p:extLst>
       <p:ext uri="{BB962C8B-B14F-4D97-AF65-F5344CB8AC3E}">
-        <p14:creationId xmlns:p14="http://schemas.microsoft.com/office/powerpoint/2010/main" val="2599848128"/>
+        <p14:creationId xmlns:p14="http://schemas.microsoft.com/office/powerpoint/2010/main" val="1504748442"/>
       </p:ext>
     </p:extLst>
   </p:cSld>
@@ -45213,37 +47760,37 @@
                             </p:stCondLst>
                             <p:childTnLst>
                               <p:par>
-                                <p:cTn id="5" presetID="10" presetClass="exit" presetSubtype="0" fill="hold" grpId="0" nodeType="clickEffect">
+                                <p:cTn id="5" presetID="10" presetClass="entr" presetSubtype="0" fill="hold" grpId="0" nodeType="clickEffect">
                                   <p:stCondLst>
                                     <p:cond delay="0"/>
                                   </p:stCondLst>
                                   <p:childTnLst>
-                                    <p:animEffect transition="out" filter="fade">
-                                      <p:cBhvr>
-                                        <p:cTn id="6" dur="500"/>
-                                        <p:tgtEl>
-                                          <p:spTgt spid="7"/>
-                                        </p:tgtEl>
-                                      </p:cBhvr>
-                                    </p:animEffect>
                                     <p:set>
                                       <p:cBhvr>
-                                        <p:cTn id="7" dur="1" fill="hold">
+                                        <p:cTn id="6" dur="1" fill="hold">
                                           <p:stCondLst>
-                                            <p:cond delay="499"/>
+                                            <p:cond delay="0"/>
                                           </p:stCondLst>
                                         </p:cTn>
                                         <p:tgtEl>
-                                          <p:spTgt spid="7"/>
+                                          <p:spTgt spid="6"/>
                                         </p:tgtEl>
                                         <p:attrNameLst>
                                           <p:attrName>style.visibility</p:attrName>
                                         </p:attrNameLst>
                                       </p:cBhvr>
                                       <p:to>
-                                        <p:strVal val="hidden"/>
+                                        <p:strVal val="visible"/>
                                       </p:to>
                                     </p:set>
+                                    <p:animEffect transition="in" filter="fade">
+                                      <p:cBhvr>
+                                        <p:cTn id="7" dur="500"/>
+                                        <p:tgtEl>
+                                          <p:spTgt spid="6"/>
+                                        </p:tgtEl>
+                                      </p:cBhvr>
+                                    </p:animEffect>
                                   </p:childTnLst>
                                 </p:cTn>
                               </p:par>
@@ -45261,7 +47808,7 @@
                                           </p:stCondLst>
                                         </p:cTn>
                                         <p:tgtEl>
-                                          <p:spTgt spid="10"/>
+                                          <p:spTgt spid="12"/>
                                         </p:tgtEl>
                                         <p:attrNameLst>
                                           <p:attrName>style.visibility</p:attrName>
@@ -45275,7 +47822,7 @@
                                       <p:cBhvr>
                                         <p:cTn id="10" dur="500"/>
                                         <p:tgtEl>
-                                          <p:spTgt spid="10"/>
+                                          <p:spTgt spid="12"/>
                                         </p:tgtEl>
                                       </p:cBhvr>
                                     </p:animEffect>
@@ -45310,7 +47857,7 @@
                                       <p:cBhvr>
                                         <p:cTn id="14" dur="500"/>
                                         <p:tgtEl>
-                                          <p:spTgt spid="10"/>
+                                          <p:spTgt spid="6"/>
                                         </p:tgtEl>
                                       </p:cBhvr>
                                     </p:animEffect>
@@ -45322,7 +47869,7 @@
                                           </p:stCondLst>
                                         </p:cTn>
                                         <p:tgtEl>
-                                          <p:spTgt spid="10"/>
+                                          <p:spTgt spid="6"/>
                                         </p:tgtEl>
                                         <p:attrNameLst>
                                           <p:attrName>style.visibility</p:attrName>
@@ -45349,7 +47896,7 @@
                                           </p:stCondLst>
                                         </p:cTn>
                                         <p:tgtEl>
-                                          <p:spTgt spid="11"/>
+                                          <p:spTgt spid="23"/>
                                         </p:tgtEl>
                                         <p:attrNameLst>
                                           <p:attrName>style.visibility</p:attrName>
@@ -45363,7 +47910,77 @@
                                       <p:cBhvr>
                                         <p:cTn id="18" dur="500"/>
                                         <p:tgtEl>
-                                          <p:spTgt spid="11"/>
+                                          <p:spTgt spid="23"/>
+                                        </p:tgtEl>
+                                      </p:cBhvr>
+                                    </p:animEffect>
+                                  </p:childTnLst>
+                                </p:cTn>
+                              </p:par>
+                              <p:par>
+                                <p:cTn id="19" presetID="10" presetClass="entr" presetSubtype="0" fill="hold" grpId="0" nodeType="withEffect">
+                                  <p:stCondLst>
+                                    <p:cond delay="0"/>
+                                  </p:stCondLst>
+                                  <p:childTnLst>
+                                    <p:set>
+                                      <p:cBhvr>
+                                        <p:cTn id="20" dur="1" fill="hold">
+                                          <p:stCondLst>
+                                            <p:cond delay="0"/>
+                                          </p:stCondLst>
+                                        </p:cTn>
+                                        <p:tgtEl>
+                                          <p:spTgt spid="17"/>
+                                        </p:tgtEl>
+                                        <p:attrNameLst>
+                                          <p:attrName>style.visibility</p:attrName>
+                                        </p:attrNameLst>
+                                      </p:cBhvr>
+                                      <p:to>
+                                        <p:strVal val="visible"/>
+                                      </p:to>
+                                    </p:set>
+                                    <p:animEffect transition="in" filter="fade">
+                                      <p:cBhvr>
+                                        <p:cTn id="21" dur="500"/>
+                                        <p:tgtEl>
+                                          <p:spTgt spid="17"/>
+                                        </p:tgtEl>
+                                      </p:cBhvr>
+                                    </p:animEffect>
+                                  </p:childTnLst>
+                                </p:cTn>
+                              </p:par>
+                              <p:par>
+                                <p:cTn id="22" presetID="10" presetClass="entr" presetSubtype="0" fill="hold" grpId="0" nodeType="withEffect">
+                                  <p:stCondLst>
+                                    <p:cond delay="0"/>
+                                  </p:stCondLst>
+                                  <p:childTnLst>
+                                    <p:set>
+                                      <p:cBhvr>
+                                        <p:cTn id="23" dur="1" fill="hold">
+                                          <p:stCondLst>
+                                            <p:cond delay="0"/>
+                                          </p:stCondLst>
+                                        </p:cTn>
+                                        <p:tgtEl>
+                                          <p:spTgt spid="13"/>
+                                        </p:tgtEl>
+                                        <p:attrNameLst>
+                                          <p:attrName>style.visibility</p:attrName>
+                                        </p:attrNameLst>
+                                      </p:cBhvr>
+                                      <p:to>
+                                        <p:strVal val="visible"/>
+                                      </p:to>
+                                    </p:set>
+                                    <p:animEffect transition="in" filter="fade">
+                                      <p:cBhvr>
+                                        <p:cTn id="24" dur="500"/>
+                                        <p:tgtEl>
+                                          <p:spTgt spid="13"/>
                                         </p:tgtEl>
                                       </p:cBhvr>
                                     </p:animEffect>
@@ -45377,40 +47994,40 @@
                     </p:cTn>
                   </p:par>
                   <p:par>
-                    <p:cTn id="19" fill="hold">
+                    <p:cTn id="25" fill="hold">
                       <p:stCondLst>
                         <p:cond delay="indefinite"/>
                       </p:stCondLst>
                       <p:childTnLst>
                         <p:par>
-                          <p:cTn id="20" fill="hold">
+                          <p:cTn id="26" fill="hold">
                             <p:stCondLst>
                               <p:cond delay="0"/>
                             </p:stCondLst>
                             <p:childTnLst>
                               <p:par>
-                                <p:cTn id="21" presetID="10" presetClass="exit" presetSubtype="0" fill="hold" grpId="1" nodeType="clickEffect">
+                                <p:cTn id="27" presetID="10" presetClass="exit" presetSubtype="0" fill="hold" grpId="1" nodeType="clickEffect">
                                   <p:stCondLst>
                                     <p:cond delay="0"/>
                                   </p:stCondLst>
                                   <p:childTnLst>
                                     <p:animEffect transition="out" filter="fade">
                                       <p:cBhvr>
-                                        <p:cTn id="22" dur="500"/>
+                                        <p:cTn id="28" dur="500"/>
                                         <p:tgtEl>
-                                          <p:spTgt spid="11"/>
+                                          <p:spTgt spid="23"/>
                                         </p:tgtEl>
                                       </p:cBhvr>
                                     </p:animEffect>
                                     <p:set>
                                       <p:cBhvr>
-                                        <p:cTn id="23" dur="1" fill="hold">
+                                        <p:cTn id="29" dur="1" fill="hold">
                                           <p:stCondLst>
                                             <p:cond delay="499"/>
                                           </p:stCondLst>
                                         </p:cTn>
                                         <p:tgtEl>
-                                          <p:spTgt spid="11"/>
+                                          <p:spTgt spid="23"/>
                                         </p:tgtEl>
                                         <p:attrNameLst>
                                           <p:attrName>style.visibility</p:attrName>
@@ -45424,20 +48041,20 @@
                                 </p:cTn>
                               </p:par>
                               <p:par>
-                                <p:cTn id="24" presetID="10" presetClass="entr" presetSubtype="0" fill="hold" grpId="0" nodeType="withEffect">
+                                <p:cTn id="30" presetID="10" presetClass="entr" presetSubtype="0" fill="hold" grpId="0" nodeType="withEffect">
                                   <p:stCondLst>
                                     <p:cond delay="0"/>
                                   </p:stCondLst>
                                   <p:childTnLst>
                                     <p:set>
                                       <p:cBhvr>
-                                        <p:cTn id="25" dur="1" fill="hold">
+                                        <p:cTn id="31" dur="1" fill="hold">
                                           <p:stCondLst>
                                             <p:cond delay="0"/>
                                           </p:stCondLst>
                                         </p:cTn>
                                         <p:tgtEl>
-                                          <p:spTgt spid="9"/>
+                                          <p:spTgt spid="25"/>
                                         </p:tgtEl>
                                         <p:attrNameLst>
                                           <p:attrName>style.visibility</p:attrName>
@@ -45449,9 +48066,9 @@
                                     </p:set>
                                     <p:animEffect transition="in" filter="fade">
                                       <p:cBhvr>
-                                        <p:cTn id="26" dur="500"/>
+                                        <p:cTn id="32" dur="500"/>
                                         <p:tgtEl>
-                                          <p:spTgt spid="9"/>
+                                          <p:spTgt spid="25"/>
                                         </p:tgtEl>
                                       </p:cBhvr>
                                     </p:animEffect>
@@ -45459,20 +48076,20 @@
                                 </p:cTn>
                               </p:par>
                               <p:par>
-                                <p:cTn id="27" presetID="10" presetClass="entr" presetSubtype="0" fill="hold" grpId="0" nodeType="withEffect">
+                                <p:cTn id="33" presetID="10" presetClass="entr" presetSubtype="0" fill="hold" grpId="0" nodeType="withEffect">
                                   <p:stCondLst>
                                     <p:cond delay="0"/>
                                   </p:stCondLst>
                                   <p:childTnLst>
                                     <p:set>
                                       <p:cBhvr>
-                                        <p:cTn id="28" dur="1" fill="hold">
+                                        <p:cTn id="34" dur="1" fill="hold">
                                           <p:stCondLst>
                                             <p:cond delay="0"/>
                                           </p:stCondLst>
                                         </p:cTn>
                                         <p:tgtEl>
-                                          <p:spTgt spid="8"/>
+                                          <p:spTgt spid="20"/>
                                         </p:tgtEl>
                                         <p:attrNameLst>
                                           <p:attrName>style.visibility</p:attrName>
@@ -45484,12 +48101,486 @@
                                     </p:set>
                                     <p:animEffect transition="in" filter="fade">
                                       <p:cBhvr>
-                                        <p:cTn id="29" dur="500"/>
+                                        <p:cTn id="35" dur="500"/>
                                         <p:tgtEl>
-                                          <p:spTgt spid="8"/>
+                                          <p:spTgt spid="20"/>
                                         </p:tgtEl>
                                       </p:cBhvr>
                                     </p:animEffect>
+                                  </p:childTnLst>
+                                </p:cTn>
+                              </p:par>
+                              <p:par>
+                                <p:cTn id="36" presetID="10" presetClass="entr" presetSubtype="0" fill="hold" grpId="0" nodeType="withEffect">
+                                  <p:stCondLst>
+                                    <p:cond delay="0"/>
+                                  </p:stCondLst>
+                                  <p:childTnLst>
+                                    <p:set>
+                                      <p:cBhvr>
+                                        <p:cTn id="37" dur="1" fill="hold">
+                                          <p:stCondLst>
+                                            <p:cond delay="0"/>
+                                          </p:stCondLst>
+                                        </p:cTn>
+                                        <p:tgtEl>
+                                          <p:spTgt spid="22"/>
+                                        </p:tgtEl>
+                                        <p:attrNameLst>
+                                          <p:attrName>style.visibility</p:attrName>
+                                        </p:attrNameLst>
+                                      </p:cBhvr>
+                                      <p:to>
+                                        <p:strVal val="visible"/>
+                                      </p:to>
+                                    </p:set>
+                                    <p:animEffect transition="in" filter="fade">
+                                      <p:cBhvr>
+                                        <p:cTn id="38" dur="500"/>
+                                        <p:tgtEl>
+                                          <p:spTgt spid="22"/>
+                                        </p:tgtEl>
+                                      </p:cBhvr>
+                                    </p:animEffect>
+                                  </p:childTnLst>
+                                </p:cTn>
+                              </p:par>
+                              <p:par>
+                                <p:cTn id="39" presetID="10" presetClass="entr" presetSubtype="0" fill="hold" grpId="0" nodeType="withEffect">
+                                  <p:stCondLst>
+                                    <p:cond delay="0"/>
+                                  </p:stCondLst>
+                                  <p:childTnLst>
+                                    <p:set>
+                                      <p:cBhvr>
+                                        <p:cTn id="40" dur="1" fill="hold">
+                                          <p:stCondLst>
+                                            <p:cond delay="0"/>
+                                          </p:stCondLst>
+                                        </p:cTn>
+                                        <p:tgtEl>
+                                          <p:spTgt spid="14"/>
+                                        </p:tgtEl>
+                                        <p:attrNameLst>
+                                          <p:attrName>style.visibility</p:attrName>
+                                        </p:attrNameLst>
+                                      </p:cBhvr>
+                                      <p:to>
+                                        <p:strVal val="visible"/>
+                                      </p:to>
+                                    </p:set>
+                                    <p:animEffect transition="in" filter="fade">
+                                      <p:cBhvr>
+                                        <p:cTn id="41" dur="500"/>
+                                        <p:tgtEl>
+                                          <p:spTgt spid="14"/>
+                                        </p:tgtEl>
+                                      </p:cBhvr>
+                                    </p:animEffect>
+                                  </p:childTnLst>
+                                </p:cTn>
+                              </p:par>
+                            </p:childTnLst>
+                          </p:cTn>
+                        </p:par>
+                      </p:childTnLst>
+                    </p:cTn>
+                  </p:par>
+                  <p:par>
+                    <p:cTn id="42" fill="hold">
+                      <p:stCondLst>
+                        <p:cond delay="indefinite"/>
+                      </p:stCondLst>
+                      <p:childTnLst>
+                        <p:par>
+                          <p:cTn id="43" fill="hold">
+                            <p:stCondLst>
+                              <p:cond delay="0"/>
+                            </p:stCondLst>
+                            <p:childTnLst>
+                              <p:par>
+                                <p:cTn id="44" presetID="10" presetClass="exit" presetSubtype="0" fill="hold" grpId="1" nodeType="clickEffect">
+                                  <p:stCondLst>
+                                    <p:cond delay="0"/>
+                                  </p:stCondLst>
+                                  <p:childTnLst>
+                                    <p:animEffect transition="out" filter="fade">
+                                      <p:cBhvr>
+                                        <p:cTn id="45" dur="500"/>
+                                        <p:tgtEl>
+                                          <p:spTgt spid="25"/>
+                                        </p:tgtEl>
+                                      </p:cBhvr>
+                                    </p:animEffect>
+                                    <p:set>
+                                      <p:cBhvr>
+                                        <p:cTn id="46" dur="1" fill="hold">
+                                          <p:stCondLst>
+                                            <p:cond delay="499"/>
+                                          </p:stCondLst>
+                                        </p:cTn>
+                                        <p:tgtEl>
+                                          <p:spTgt spid="25"/>
+                                        </p:tgtEl>
+                                        <p:attrNameLst>
+                                          <p:attrName>style.visibility</p:attrName>
+                                        </p:attrNameLst>
+                                      </p:cBhvr>
+                                      <p:to>
+                                        <p:strVal val="hidden"/>
+                                      </p:to>
+                                    </p:set>
+                                  </p:childTnLst>
+                                </p:cTn>
+                              </p:par>
+                              <p:par>
+                                <p:cTn id="47" presetID="10" presetClass="entr" presetSubtype="0" fill="hold" grpId="0" nodeType="withEffect">
+                                  <p:stCondLst>
+                                    <p:cond delay="0"/>
+                                  </p:stCondLst>
+                                  <p:childTnLst>
+                                    <p:set>
+                                      <p:cBhvr>
+                                        <p:cTn id="48" dur="1" fill="hold">
+                                          <p:stCondLst>
+                                            <p:cond delay="0"/>
+                                          </p:stCondLst>
+                                        </p:cTn>
+                                        <p:tgtEl>
+                                          <p:spTgt spid="24"/>
+                                        </p:tgtEl>
+                                        <p:attrNameLst>
+                                          <p:attrName>style.visibility</p:attrName>
+                                        </p:attrNameLst>
+                                      </p:cBhvr>
+                                      <p:to>
+                                        <p:strVal val="visible"/>
+                                      </p:to>
+                                    </p:set>
+                                    <p:animEffect transition="in" filter="fade">
+                                      <p:cBhvr>
+                                        <p:cTn id="49" dur="500"/>
+                                        <p:tgtEl>
+                                          <p:spTgt spid="24"/>
+                                        </p:tgtEl>
+                                      </p:cBhvr>
+                                    </p:animEffect>
+                                  </p:childTnLst>
+                                </p:cTn>
+                              </p:par>
+                              <p:par>
+                                <p:cTn id="50" presetID="10" presetClass="entr" presetSubtype="0" fill="hold" grpId="0" nodeType="withEffect">
+                                  <p:stCondLst>
+                                    <p:cond delay="0"/>
+                                  </p:stCondLst>
+                                  <p:childTnLst>
+                                    <p:set>
+                                      <p:cBhvr>
+                                        <p:cTn id="51" dur="1" fill="hold">
+                                          <p:stCondLst>
+                                            <p:cond delay="0"/>
+                                          </p:stCondLst>
+                                        </p:cTn>
+                                        <p:tgtEl>
+                                          <p:spTgt spid="15"/>
+                                        </p:tgtEl>
+                                        <p:attrNameLst>
+                                          <p:attrName>style.visibility</p:attrName>
+                                        </p:attrNameLst>
+                                      </p:cBhvr>
+                                      <p:to>
+                                        <p:strVal val="visible"/>
+                                      </p:to>
+                                    </p:set>
+                                    <p:animEffect transition="in" filter="fade">
+                                      <p:cBhvr>
+                                        <p:cTn id="52" dur="500"/>
+                                        <p:tgtEl>
+                                          <p:spTgt spid="15"/>
+                                        </p:tgtEl>
+                                      </p:cBhvr>
+                                    </p:animEffect>
+                                  </p:childTnLst>
+                                </p:cTn>
+                              </p:par>
+                              <p:par>
+                                <p:cTn id="53" presetID="10" presetClass="entr" presetSubtype="0" fill="hold" grpId="0" nodeType="withEffect">
+                                  <p:stCondLst>
+                                    <p:cond delay="0"/>
+                                  </p:stCondLst>
+                                  <p:childTnLst>
+                                    <p:set>
+                                      <p:cBhvr>
+                                        <p:cTn id="54" dur="1" fill="hold">
+                                          <p:stCondLst>
+                                            <p:cond delay="0"/>
+                                          </p:stCondLst>
+                                        </p:cTn>
+                                        <p:tgtEl>
+                                          <p:spTgt spid="19"/>
+                                        </p:tgtEl>
+                                        <p:attrNameLst>
+                                          <p:attrName>style.visibility</p:attrName>
+                                        </p:attrNameLst>
+                                      </p:cBhvr>
+                                      <p:to>
+                                        <p:strVal val="visible"/>
+                                      </p:to>
+                                    </p:set>
+                                    <p:animEffect transition="in" filter="fade">
+                                      <p:cBhvr>
+                                        <p:cTn id="55" dur="500"/>
+                                        <p:tgtEl>
+                                          <p:spTgt spid="19"/>
+                                        </p:tgtEl>
+                                      </p:cBhvr>
+                                    </p:animEffect>
+                                  </p:childTnLst>
+                                </p:cTn>
+                              </p:par>
+                            </p:childTnLst>
+                          </p:cTn>
+                        </p:par>
+                      </p:childTnLst>
+                    </p:cTn>
+                  </p:par>
+                  <p:par>
+                    <p:cTn id="56" fill="hold">
+                      <p:stCondLst>
+                        <p:cond delay="indefinite"/>
+                      </p:stCondLst>
+                      <p:childTnLst>
+                        <p:par>
+                          <p:cTn id="57" fill="hold">
+                            <p:stCondLst>
+                              <p:cond delay="0"/>
+                            </p:stCondLst>
+                            <p:childTnLst>
+                              <p:par>
+                                <p:cTn id="58" presetID="10" presetClass="entr" presetSubtype="0" fill="hold" grpId="0" nodeType="clickEffect">
+                                  <p:stCondLst>
+                                    <p:cond delay="0"/>
+                                  </p:stCondLst>
+                                  <p:childTnLst>
+                                    <p:set>
+                                      <p:cBhvr>
+                                        <p:cTn id="59" dur="1" fill="hold">
+                                          <p:stCondLst>
+                                            <p:cond delay="0"/>
+                                          </p:stCondLst>
+                                        </p:cTn>
+                                        <p:tgtEl>
+                                          <p:spTgt spid="21"/>
+                                        </p:tgtEl>
+                                        <p:attrNameLst>
+                                          <p:attrName>style.visibility</p:attrName>
+                                        </p:attrNameLst>
+                                      </p:cBhvr>
+                                      <p:to>
+                                        <p:strVal val="visible"/>
+                                      </p:to>
+                                    </p:set>
+                                    <p:animEffect transition="in" filter="fade">
+                                      <p:cBhvr>
+                                        <p:cTn id="60" dur="500"/>
+                                        <p:tgtEl>
+                                          <p:spTgt spid="21"/>
+                                        </p:tgtEl>
+                                      </p:cBhvr>
+                                    </p:animEffect>
+                                  </p:childTnLst>
+                                </p:cTn>
+                              </p:par>
+                              <p:par>
+                                <p:cTn id="61" presetID="10" presetClass="exit" presetSubtype="0" fill="hold" grpId="1" nodeType="withEffect">
+                                  <p:stCondLst>
+                                    <p:cond delay="0"/>
+                                  </p:stCondLst>
+                                  <p:childTnLst>
+                                    <p:animEffect transition="out" filter="fade">
+                                      <p:cBhvr>
+                                        <p:cTn id="62" dur="500"/>
+                                        <p:tgtEl>
+                                          <p:spTgt spid="24"/>
+                                        </p:tgtEl>
+                                      </p:cBhvr>
+                                    </p:animEffect>
+                                    <p:set>
+                                      <p:cBhvr>
+                                        <p:cTn id="63" dur="1" fill="hold">
+                                          <p:stCondLst>
+                                            <p:cond delay="499"/>
+                                          </p:stCondLst>
+                                        </p:cTn>
+                                        <p:tgtEl>
+                                          <p:spTgt spid="24"/>
+                                        </p:tgtEl>
+                                        <p:attrNameLst>
+                                          <p:attrName>style.visibility</p:attrName>
+                                        </p:attrNameLst>
+                                      </p:cBhvr>
+                                      <p:to>
+                                        <p:strVal val="hidden"/>
+                                      </p:to>
+                                    </p:set>
+                                  </p:childTnLst>
+                                </p:cTn>
+                              </p:par>
+                              <p:par>
+                                <p:cTn id="64" presetID="10" presetClass="entr" presetSubtype="0" fill="hold" grpId="2" nodeType="withEffect">
+                                  <p:stCondLst>
+                                    <p:cond delay="0"/>
+                                  </p:stCondLst>
+                                  <p:childTnLst>
+                                    <p:set>
+                                      <p:cBhvr>
+                                        <p:cTn id="65" dur="1" fill="hold">
+                                          <p:stCondLst>
+                                            <p:cond delay="0"/>
+                                          </p:stCondLst>
+                                        </p:cTn>
+                                        <p:tgtEl>
+                                          <p:spTgt spid="23"/>
+                                        </p:tgtEl>
+                                        <p:attrNameLst>
+                                          <p:attrName>style.visibility</p:attrName>
+                                        </p:attrNameLst>
+                                      </p:cBhvr>
+                                      <p:to>
+                                        <p:strVal val="visible"/>
+                                      </p:to>
+                                    </p:set>
+                                    <p:animEffect transition="in" filter="fade">
+                                      <p:cBhvr>
+                                        <p:cTn id="66" dur="500"/>
+                                        <p:tgtEl>
+                                          <p:spTgt spid="23"/>
+                                        </p:tgtEl>
+                                      </p:cBhvr>
+                                    </p:animEffect>
+                                  </p:childTnLst>
+                                </p:cTn>
+                              </p:par>
+                            </p:childTnLst>
+                          </p:cTn>
+                        </p:par>
+                      </p:childTnLst>
+                    </p:cTn>
+                  </p:par>
+                  <p:par>
+                    <p:cTn id="67" fill="hold">
+                      <p:stCondLst>
+                        <p:cond delay="indefinite"/>
+                      </p:stCondLst>
+                      <p:childTnLst>
+                        <p:par>
+                          <p:cTn id="68" fill="hold">
+                            <p:stCondLst>
+                              <p:cond delay="0"/>
+                            </p:stCondLst>
+                            <p:childTnLst>
+                              <p:par>
+                                <p:cTn id="69" presetID="10" presetClass="entr" presetSubtype="0" fill="hold" grpId="0" nodeType="clickEffect">
+                                  <p:stCondLst>
+                                    <p:cond delay="0"/>
+                                  </p:stCondLst>
+                                  <p:childTnLst>
+                                    <p:set>
+                                      <p:cBhvr>
+                                        <p:cTn id="70" dur="1" fill="hold">
+                                          <p:stCondLst>
+                                            <p:cond delay="0"/>
+                                          </p:stCondLst>
+                                        </p:cTn>
+                                        <p:tgtEl>
+                                          <p:spTgt spid="18"/>
+                                        </p:tgtEl>
+                                        <p:attrNameLst>
+                                          <p:attrName>style.visibility</p:attrName>
+                                        </p:attrNameLst>
+                                      </p:cBhvr>
+                                      <p:to>
+                                        <p:strVal val="visible"/>
+                                      </p:to>
+                                    </p:set>
+                                    <p:animEffect transition="in" filter="fade">
+                                      <p:cBhvr>
+                                        <p:cTn id="71" dur="500"/>
+                                        <p:tgtEl>
+                                          <p:spTgt spid="18"/>
+                                        </p:tgtEl>
+                                      </p:cBhvr>
+                                    </p:animEffect>
+                                  </p:childTnLst>
+                                </p:cTn>
+                              </p:par>
+                              <p:par>
+                                <p:cTn id="72" presetID="10" presetClass="entr" presetSubtype="0" fill="hold" grpId="0" nodeType="withEffect">
+                                  <p:stCondLst>
+                                    <p:cond delay="0"/>
+                                  </p:stCondLst>
+                                  <p:childTnLst>
+                                    <p:set>
+                                      <p:cBhvr>
+                                        <p:cTn id="73" dur="1" fill="hold">
+                                          <p:stCondLst>
+                                            <p:cond delay="0"/>
+                                          </p:stCondLst>
+                                        </p:cTn>
+                                        <p:tgtEl>
+                                          <p:spTgt spid="16"/>
+                                        </p:tgtEl>
+                                        <p:attrNameLst>
+                                          <p:attrName>style.visibility</p:attrName>
+                                        </p:attrNameLst>
+                                      </p:cBhvr>
+                                      <p:to>
+                                        <p:strVal val="visible"/>
+                                      </p:to>
+                                    </p:set>
+                                    <p:animEffect transition="in" filter="fade">
+                                      <p:cBhvr>
+                                        <p:cTn id="74" dur="500"/>
+                                        <p:tgtEl>
+                                          <p:spTgt spid="16"/>
+                                        </p:tgtEl>
+                                      </p:cBhvr>
+                                    </p:animEffect>
+                                  </p:childTnLst>
+                                </p:cTn>
+                              </p:par>
+                              <p:par>
+                                <p:cTn id="75" presetID="10" presetClass="exit" presetSubtype="0" fill="hold" grpId="3" nodeType="withEffect">
+                                  <p:stCondLst>
+                                    <p:cond delay="0"/>
+                                  </p:stCondLst>
+                                  <p:childTnLst>
+                                    <p:animEffect transition="out" filter="fade">
+                                      <p:cBhvr>
+                                        <p:cTn id="76" dur="500"/>
+                                        <p:tgtEl>
+                                          <p:spTgt spid="23"/>
+                                        </p:tgtEl>
+                                      </p:cBhvr>
+                                    </p:animEffect>
+                                    <p:set>
+                                      <p:cBhvr>
+                                        <p:cTn id="77" dur="1" fill="hold">
+                                          <p:stCondLst>
+                                            <p:cond delay="499"/>
+                                          </p:stCondLst>
+                                        </p:cTn>
+                                        <p:tgtEl>
+                                          <p:spTgt spid="23"/>
+                                        </p:tgtEl>
+                                        <p:attrNameLst>
+                                          <p:attrName>style.visibility</p:attrName>
+                                        </p:attrNameLst>
+                                      </p:cBhvr>
+                                      <p:to>
+                                        <p:strVal val="hidden"/>
+                                      </p:to>
+                                    </p:set>
                                   </p:childTnLst>
                                 </p:cTn>
                               </p:par>
@@ -45521,19 +48612,33 @@
       </p:par>
     </p:tnLst>
     <p:bldLst>
-      <p:bldP spid="7" grpId="0" animBg="1"/>
-      <p:bldP spid="8" grpId="0"/>
-      <p:bldP spid="9" grpId="0" animBg="1"/>
-      <p:bldP spid="10" grpId="0" animBg="1"/>
-      <p:bldP spid="10" grpId="1" animBg="1"/>
-      <p:bldP spid="11" grpId="0" animBg="1"/>
-      <p:bldP spid="11" grpId="1" animBg="1"/>
+      <p:bldP spid="6" grpId="0" animBg="1"/>
+      <p:bldP spid="6" grpId="1" animBg="1"/>
+      <p:bldP spid="12" grpId="0" animBg="1"/>
+      <p:bldP spid="13" grpId="0" animBg="1"/>
+      <p:bldP spid="14" grpId="0" animBg="1"/>
+      <p:bldP spid="15" grpId="0" animBg="1"/>
+      <p:bldP spid="16" grpId="0" animBg="1"/>
+      <p:bldP spid="17" grpId="0" animBg="1"/>
+      <p:bldP spid="18" grpId="0" animBg="1"/>
+      <p:bldP spid="19" grpId="0" animBg="1"/>
+      <p:bldP spid="20" grpId="0" animBg="1"/>
+      <p:bldP spid="21" grpId="0" animBg="1"/>
+      <p:bldP spid="22" grpId="0"/>
+      <p:bldP spid="23" grpId="0" animBg="1"/>
+      <p:bldP spid="23" grpId="1" animBg="1"/>
+      <p:bldP spid="23" grpId="2" animBg="1"/>
+      <p:bldP spid="23" grpId="3" animBg="1"/>
+      <p:bldP spid="24" grpId="0" animBg="1"/>
+      <p:bldP spid="24" grpId="1" animBg="1"/>
+      <p:bldP spid="25" grpId="0" animBg="1"/>
+      <p:bldP spid="25" grpId="1" animBg="1"/>
     </p:bldLst>
   </p:timing>
 </p:sld>
 </file>
 
-<file path=ppt/slides/slide8.xml><?xml version="1.0" encoding="utf-8"?>
+<file path=ppt/slides/slide9.xml><?xml version="1.0" encoding="utf-8"?>
 <p:sld xmlns:a="http://schemas.openxmlformats.org/drawingml/2006/main" xmlns:r="http://schemas.openxmlformats.org/officeDocument/2006/relationships" xmlns:p="http://schemas.openxmlformats.org/presentationml/2006/main">
   <p:cSld>
     <p:spTree>
@@ -47184,956 +50289,6 @@
 </p:sld>
 </file>
 
-<file path=ppt/slides/slide9.xml><?xml version="1.0" encoding="utf-8"?>
-<p:sld xmlns:a="http://schemas.openxmlformats.org/drawingml/2006/main" xmlns:r="http://schemas.openxmlformats.org/officeDocument/2006/relationships" xmlns:p="http://schemas.openxmlformats.org/presentationml/2006/main">
-  <p:cSld>
-    <p:spTree>
-      <p:nvGrpSpPr>
-        <p:cNvPr id="1" name=""/>
-        <p:cNvGrpSpPr/>
-        <p:nvPr/>
-      </p:nvGrpSpPr>
-      <p:grpSpPr>
-        <a:xfrm>
-          <a:off x="0" y="0"/>
-          <a:ext cx="0" cy="0"/>
-          <a:chOff x="0" y="0"/>
-          <a:chExt cx="0" cy="0"/>
-        </a:xfrm>
-      </p:grpSpPr>
-      <p:sp>
-        <p:nvSpPr>
-          <p:cNvPr id="2" name="標題 1">
-            <a:extLst>
-              <a:ext uri="{FF2B5EF4-FFF2-40B4-BE49-F238E27FC236}">
-                <a16:creationId xmlns:a16="http://schemas.microsoft.com/office/drawing/2014/main" id="{21CD52D8-1EB9-44AB-8124-38B2513FE299}"/>
-              </a:ext>
-            </a:extLst>
-          </p:cNvPr>
-          <p:cNvSpPr>
-            <a:spLocks noGrp="1"/>
-          </p:cNvSpPr>
-          <p:nvPr>
-            <p:ph type="title"/>
-          </p:nvPr>
-        </p:nvSpPr>
-        <p:spPr/>
-        <p:txBody>
-          <a:bodyPr/>
-          <a:lstStyle/>
-          <a:p>
-            <a:r>
-              <a:rPr lang="zh-TW" altLang="en-US" cap="none" dirty="0">
-                <a:latin typeface="STHeiti TC" panose="02000000000000000000" pitchFamily="2" charset="-120"/>
-                <a:ea typeface="STHeiti TC" panose="02000000000000000000" pitchFamily="2" charset="-120"/>
-              </a:rPr>
-              <a:t>迴圈控制</a:t>
-            </a:r>
-            <a:r>
-              <a:rPr lang="en-US" altLang="zh-TW" cap="none" dirty="0">
-                <a:latin typeface="Consolas" panose="020B0609020204030204" pitchFamily="49" charset="0"/>
-              </a:rPr>
-              <a:t> - break</a:t>
-            </a:r>
-            <a:endParaRPr lang="zh-TW" altLang="en-US" cap="none" dirty="0">
-              <a:latin typeface="Consolas" panose="020B0609020204030204" pitchFamily="49" charset="0"/>
-            </a:endParaRPr>
-          </a:p>
-        </p:txBody>
-      </p:sp>
-      <p:sp>
-        <p:nvSpPr>
-          <p:cNvPr id="4" name="矩形: 圓角 3">
-            <a:extLst>
-              <a:ext uri="{FF2B5EF4-FFF2-40B4-BE49-F238E27FC236}">
-                <a16:creationId xmlns:a16="http://schemas.microsoft.com/office/drawing/2014/main" id="{2AE5729A-79D6-4A68-844F-5233B998D78F}"/>
-              </a:ext>
-            </a:extLst>
-          </p:cNvPr>
-          <p:cNvSpPr/>
-          <p:nvPr/>
-        </p:nvSpPr>
-        <p:spPr>
-          <a:xfrm>
-            <a:off x="3026664" y="3227832"/>
-            <a:ext cx="1060704" cy="740664"/>
-          </a:xfrm>
-          <a:prstGeom prst="roundRect">
-            <a:avLst/>
-          </a:prstGeom>
-        </p:spPr>
-        <p:style>
-          <a:lnRef idx="2">
-            <a:schemeClr val="accent1">
-              <a:shade val="50000"/>
-            </a:schemeClr>
-          </a:lnRef>
-          <a:fillRef idx="1">
-            <a:schemeClr val="accent1"/>
-          </a:fillRef>
-          <a:effectRef idx="0">
-            <a:schemeClr val="accent1"/>
-          </a:effectRef>
-          <a:fontRef idx="minor">
-            <a:schemeClr val="lt1"/>
-          </a:fontRef>
-        </p:style>
-        <p:txBody>
-          <a:bodyPr rtlCol="0" anchor="ctr"/>
-          <a:lstStyle/>
-          <a:p>
-            <a:pPr algn="ctr"/>
-            <a:endParaRPr lang="zh-TW" altLang="en-US"/>
-          </a:p>
-        </p:txBody>
-      </p:sp>
-      <p:sp>
-        <p:nvSpPr>
-          <p:cNvPr id="5" name="矩形: 圓角 4">
-            <a:extLst>
-              <a:ext uri="{FF2B5EF4-FFF2-40B4-BE49-F238E27FC236}">
-                <a16:creationId xmlns:a16="http://schemas.microsoft.com/office/drawing/2014/main" id="{A05D293D-AC3D-475A-8DAD-0F6C06621303}"/>
-              </a:ext>
-            </a:extLst>
-          </p:cNvPr>
-          <p:cNvSpPr/>
-          <p:nvPr/>
-        </p:nvSpPr>
-        <p:spPr>
-          <a:xfrm>
-            <a:off x="3026664" y="4584192"/>
-            <a:ext cx="1060704" cy="740664"/>
-          </a:xfrm>
-          <a:prstGeom prst="roundRect">
-            <a:avLst/>
-          </a:prstGeom>
-        </p:spPr>
-        <p:style>
-          <a:lnRef idx="2">
-            <a:schemeClr val="accent1">
-              <a:shade val="50000"/>
-            </a:schemeClr>
-          </a:lnRef>
-          <a:fillRef idx="1">
-            <a:schemeClr val="accent1"/>
-          </a:fillRef>
-          <a:effectRef idx="0">
-            <a:schemeClr val="accent1"/>
-          </a:effectRef>
-          <a:fontRef idx="minor">
-            <a:schemeClr val="lt1"/>
-          </a:fontRef>
-        </p:style>
-        <p:txBody>
-          <a:bodyPr rtlCol="0" anchor="ctr"/>
-          <a:lstStyle/>
-          <a:p>
-            <a:pPr algn="ctr"/>
-            <a:endParaRPr lang="zh-TW" altLang="en-US"/>
-          </a:p>
-        </p:txBody>
-      </p:sp>
-      <p:sp>
-        <p:nvSpPr>
-          <p:cNvPr id="6" name="矩形: 圓角 5">
-            <a:extLst>
-              <a:ext uri="{FF2B5EF4-FFF2-40B4-BE49-F238E27FC236}">
-                <a16:creationId xmlns:a16="http://schemas.microsoft.com/office/drawing/2014/main" id="{45DFBB00-EC01-4C55-9F3C-94A65693B475}"/>
-              </a:ext>
-            </a:extLst>
-          </p:cNvPr>
-          <p:cNvSpPr/>
-          <p:nvPr/>
-        </p:nvSpPr>
-        <p:spPr>
-          <a:xfrm>
-            <a:off x="4922519" y="4584192"/>
-            <a:ext cx="1060704" cy="740664"/>
-          </a:xfrm>
-          <a:prstGeom prst="roundRect">
-            <a:avLst/>
-          </a:prstGeom>
-        </p:spPr>
-        <p:style>
-          <a:lnRef idx="2">
-            <a:schemeClr val="accent1">
-              <a:shade val="50000"/>
-            </a:schemeClr>
-          </a:lnRef>
-          <a:fillRef idx="1">
-            <a:schemeClr val="accent1"/>
-          </a:fillRef>
-          <a:effectRef idx="0">
-            <a:schemeClr val="accent1"/>
-          </a:effectRef>
-          <a:fontRef idx="minor">
-            <a:schemeClr val="lt1"/>
-          </a:fontRef>
-        </p:style>
-        <p:txBody>
-          <a:bodyPr rtlCol="0" anchor="ctr"/>
-          <a:lstStyle/>
-          <a:p>
-            <a:pPr algn="ctr"/>
-            <a:endParaRPr lang="zh-TW" altLang="en-US"/>
-          </a:p>
-        </p:txBody>
-      </p:sp>
-      <p:sp>
-        <p:nvSpPr>
-          <p:cNvPr id="7" name="矩形: 圓角 6">
-            <a:extLst>
-              <a:ext uri="{FF2B5EF4-FFF2-40B4-BE49-F238E27FC236}">
-                <a16:creationId xmlns:a16="http://schemas.microsoft.com/office/drawing/2014/main" id="{4E5B4615-603D-4EDA-A92F-7F4CCEC73054}"/>
-              </a:ext>
-            </a:extLst>
-          </p:cNvPr>
-          <p:cNvSpPr/>
-          <p:nvPr/>
-        </p:nvSpPr>
-        <p:spPr>
-          <a:xfrm>
-            <a:off x="4922519" y="3227832"/>
-            <a:ext cx="1060704" cy="740664"/>
-          </a:xfrm>
-          <a:prstGeom prst="roundRect">
-            <a:avLst/>
-          </a:prstGeom>
-        </p:spPr>
-        <p:style>
-          <a:lnRef idx="2">
-            <a:schemeClr val="accent1">
-              <a:shade val="50000"/>
-            </a:schemeClr>
-          </a:lnRef>
-          <a:fillRef idx="1">
-            <a:schemeClr val="accent1"/>
-          </a:fillRef>
-          <a:effectRef idx="0">
-            <a:schemeClr val="accent1"/>
-          </a:effectRef>
-          <a:fontRef idx="minor">
-            <a:schemeClr val="lt1"/>
-          </a:fontRef>
-        </p:style>
-        <p:txBody>
-          <a:bodyPr rtlCol="0" anchor="ctr"/>
-          <a:lstStyle/>
-          <a:p>
-            <a:pPr algn="ctr"/>
-            <a:endParaRPr lang="zh-TW" altLang="en-US"/>
-          </a:p>
-        </p:txBody>
-      </p:sp>
-      <p:sp>
-        <p:nvSpPr>
-          <p:cNvPr id="8" name="矩形: 圓角 7">
-            <a:extLst>
-              <a:ext uri="{FF2B5EF4-FFF2-40B4-BE49-F238E27FC236}">
-                <a16:creationId xmlns:a16="http://schemas.microsoft.com/office/drawing/2014/main" id="{70E7DFC6-7BF4-4DEF-A5B3-4F8F9D2FEE4D}"/>
-              </a:ext>
-            </a:extLst>
-          </p:cNvPr>
-          <p:cNvSpPr/>
-          <p:nvPr/>
-        </p:nvSpPr>
-        <p:spPr>
-          <a:xfrm>
-            <a:off x="710184" y="3227832"/>
-            <a:ext cx="1060704" cy="740664"/>
-          </a:xfrm>
-          <a:prstGeom prst="roundRect">
-            <a:avLst/>
-          </a:prstGeom>
-        </p:spPr>
-        <p:style>
-          <a:lnRef idx="2">
-            <a:schemeClr val="accent1">
-              <a:shade val="50000"/>
-            </a:schemeClr>
-          </a:lnRef>
-          <a:fillRef idx="1">
-            <a:schemeClr val="accent1"/>
-          </a:fillRef>
-          <a:effectRef idx="0">
-            <a:schemeClr val="accent1"/>
-          </a:effectRef>
-          <a:fontRef idx="minor">
-            <a:schemeClr val="lt1"/>
-          </a:fontRef>
-        </p:style>
-        <p:txBody>
-          <a:bodyPr rtlCol="0" anchor="ctr"/>
-          <a:lstStyle/>
-          <a:p>
-            <a:pPr algn="ctr"/>
-            <a:endParaRPr lang="zh-TW" altLang="en-US"/>
-          </a:p>
-        </p:txBody>
-      </p:sp>
-      <p:sp>
-        <p:nvSpPr>
-          <p:cNvPr id="9" name="矩形: 圓角 8">
-            <a:extLst>
-              <a:ext uri="{FF2B5EF4-FFF2-40B4-BE49-F238E27FC236}">
-                <a16:creationId xmlns:a16="http://schemas.microsoft.com/office/drawing/2014/main" id="{BFE92C8E-9A09-45E3-876C-94314B97246C}"/>
-              </a:ext>
-            </a:extLst>
-          </p:cNvPr>
-          <p:cNvSpPr/>
-          <p:nvPr/>
-        </p:nvSpPr>
-        <p:spPr>
-          <a:xfrm>
-            <a:off x="7235954" y="3227832"/>
-            <a:ext cx="1060704" cy="740664"/>
-          </a:xfrm>
-          <a:prstGeom prst="roundRect">
-            <a:avLst/>
-          </a:prstGeom>
-        </p:spPr>
-        <p:style>
-          <a:lnRef idx="2">
-            <a:schemeClr val="accent1">
-              <a:shade val="50000"/>
-            </a:schemeClr>
-          </a:lnRef>
-          <a:fillRef idx="1">
-            <a:schemeClr val="accent1"/>
-          </a:fillRef>
-          <a:effectRef idx="0">
-            <a:schemeClr val="accent1"/>
-          </a:effectRef>
-          <a:fontRef idx="minor">
-            <a:schemeClr val="lt1"/>
-          </a:fontRef>
-        </p:style>
-        <p:txBody>
-          <a:bodyPr rtlCol="0" anchor="ctr"/>
-          <a:lstStyle/>
-          <a:p>
-            <a:pPr algn="ctr"/>
-            <a:endParaRPr lang="zh-TW" altLang="en-US"/>
-          </a:p>
-        </p:txBody>
-      </p:sp>
-      <p:sp>
-        <p:nvSpPr>
-          <p:cNvPr id="10" name="箭號: 向下 9">
-            <a:extLst>
-              <a:ext uri="{FF2B5EF4-FFF2-40B4-BE49-F238E27FC236}">
-                <a16:creationId xmlns:a16="http://schemas.microsoft.com/office/drawing/2014/main" id="{3C64F223-6EB2-41D4-87AD-E2AF1B2F75AF}"/>
-              </a:ext>
-            </a:extLst>
-          </p:cNvPr>
-          <p:cNvSpPr/>
-          <p:nvPr/>
-        </p:nvSpPr>
-        <p:spPr>
-          <a:xfrm>
-            <a:off x="3442716" y="3968496"/>
-            <a:ext cx="228600" cy="615696"/>
-          </a:xfrm>
-          <a:prstGeom prst="downArrow">
-            <a:avLst/>
-          </a:prstGeom>
-        </p:spPr>
-        <p:style>
-          <a:lnRef idx="2">
-            <a:schemeClr val="accent1">
-              <a:shade val="50000"/>
-            </a:schemeClr>
-          </a:lnRef>
-          <a:fillRef idx="1">
-            <a:schemeClr val="accent1"/>
-          </a:fillRef>
-          <a:effectRef idx="0">
-            <a:schemeClr val="accent1"/>
-          </a:effectRef>
-          <a:fontRef idx="minor">
-            <a:schemeClr val="lt1"/>
-          </a:fontRef>
-        </p:style>
-        <p:txBody>
-          <a:bodyPr rtlCol="0" anchor="ctr"/>
-          <a:lstStyle/>
-          <a:p>
-            <a:pPr algn="ctr"/>
-            <a:endParaRPr lang="zh-TW" altLang="en-US"/>
-          </a:p>
-        </p:txBody>
-      </p:sp>
-      <p:sp>
-        <p:nvSpPr>
-          <p:cNvPr id="11" name="箭號: 向下 10">
-            <a:extLst>
-              <a:ext uri="{FF2B5EF4-FFF2-40B4-BE49-F238E27FC236}">
-                <a16:creationId xmlns:a16="http://schemas.microsoft.com/office/drawing/2014/main" id="{56F8976E-C9F0-409A-9E49-4E92454DF636}"/>
-              </a:ext>
-            </a:extLst>
-          </p:cNvPr>
-          <p:cNvSpPr/>
-          <p:nvPr/>
-        </p:nvSpPr>
-        <p:spPr>
-          <a:xfrm rot="10800000">
-            <a:off x="5338571" y="3968496"/>
-            <a:ext cx="228600" cy="615696"/>
-          </a:xfrm>
-          <a:prstGeom prst="downArrow">
-            <a:avLst/>
-          </a:prstGeom>
-        </p:spPr>
-        <p:style>
-          <a:lnRef idx="2">
-            <a:schemeClr val="accent1">
-              <a:shade val="50000"/>
-            </a:schemeClr>
-          </a:lnRef>
-          <a:fillRef idx="1">
-            <a:schemeClr val="accent1"/>
-          </a:fillRef>
-          <a:effectRef idx="0">
-            <a:schemeClr val="accent1"/>
-          </a:effectRef>
-          <a:fontRef idx="minor">
-            <a:schemeClr val="lt1"/>
-          </a:fontRef>
-        </p:style>
-        <p:txBody>
-          <a:bodyPr rtlCol="0" anchor="ctr"/>
-          <a:lstStyle/>
-          <a:p>
-            <a:pPr algn="ctr"/>
-            <a:endParaRPr lang="zh-TW" altLang="en-US"/>
-          </a:p>
-        </p:txBody>
-      </p:sp>
-      <p:sp>
-        <p:nvSpPr>
-          <p:cNvPr id="12" name="箭號: 向下 11">
-            <a:extLst>
-              <a:ext uri="{FF2B5EF4-FFF2-40B4-BE49-F238E27FC236}">
-                <a16:creationId xmlns:a16="http://schemas.microsoft.com/office/drawing/2014/main" id="{75E17C5C-9308-4085-BD37-9DF3B87E0225}"/>
-              </a:ext>
-            </a:extLst>
-          </p:cNvPr>
-          <p:cNvSpPr/>
-          <p:nvPr/>
-        </p:nvSpPr>
-        <p:spPr>
-          <a:xfrm rot="16200000">
-            <a:off x="4390643" y="4646676"/>
-            <a:ext cx="228600" cy="615696"/>
-          </a:xfrm>
-          <a:prstGeom prst="downArrow">
-            <a:avLst/>
-          </a:prstGeom>
-        </p:spPr>
-        <p:style>
-          <a:lnRef idx="2">
-            <a:schemeClr val="accent1">
-              <a:shade val="50000"/>
-            </a:schemeClr>
-          </a:lnRef>
-          <a:fillRef idx="1">
-            <a:schemeClr val="accent1"/>
-          </a:fillRef>
-          <a:effectRef idx="0">
-            <a:schemeClr val="accent1"/>
-          </a:effectRef>
-          <a:fontRef idx="minor">
-            <a:schemeClr val="lt1"/>
-          </a:fontRef>
-        </p:style>
-        <p:txBody>
-          <a:bodyPr rtlCol="0" anchor="ctr"/>
-          <a:lstStyle/>
-          <a:p>
-            <a:pPr algn="ctr"/>
-            <a:endParaRPr lang="zh-TW" altLang="en-US"/>
-          </a:p>
-        </p:txBody>
-      </p:sp>
-      <p:sp>
-        <p:nvSpPr>
-          <p:cNvPr id="13" name="箭號: 向下 12">
-            <a:extLst>
-              <a:ext uri="{FF2B5EF4-FFF2-40B4-BE49-F238E27FC236}">
-                <a16:creationId xmlns:a16="http://schemas.microsoft.com/office/drawing/2014/main" id="{76C54D3D-6013-410E-87DD-C37CA214FB83}"/>
-              </a:ext>
-            </a:extLst>
-          </p:cNvPr>
-          <p:cNvSpPr/>
-          <p:nvPr/>
-        </p:nvSpPr>
-        <p:spPr>
-          <a:xfrm rot="5400000" flipH="1">
-            <a:off x="4390643" y="3290316"/>
-            <a:ext cx="228600" cy="615696"/>
-          </a:xfrm>
-          <a:prstGeom prst="downArrow">
-            <a:avLst/>
-          </a:prstGeom>
-          <a:solidFill>
-            <a:srgbClr val="FFFF00"/>
-          </a:solidFill>
-          <a:ln>
-            <a:solidFill>
-              <a:srgbClr val="FFC000"/>
-            </a:solidFill>
-          </a:ln>
-        </p:spPr>
-        <p:style>
-          <a:lnRef idx="2">
-            <a:schemeClr val="accent1">
-              <a:shade val="50000"/>
-            </a:schemeClr>
-          </a:lnRef>
-          <a:fillRef idx="1">
-            <a:schemeClr val="accent1"/>
-          </a:fillRef>
-          <a:effectRef idx="0">
-            <a:schemeClr val="accent1"/>
-          </a:effectRef>
-          <a:fontRef idx="minor">
-            <a:schemeClr val="lt1"/>
-          </a:fontRef>
-        </p:style>
-        <p:txBody>
-          <a:bodyPr rtlCol="0" anchor="ctr"/>
-          <a:lstStyle/>
-          <a:p>
-            <a:pPr algn="ctr"/>
-            <a:endParaRPr lang="zh-TW" altLang="en-US"/>
-          </a:p>
-        </p:txBody>
-      </p:sp>
-      <p:sp>
-        <p:nvSpPr>
-          <p:cNvPr id="14" name="箭號: 向下 13">
-            <a:extLst>
-              <a:ext uri="{FF2B5EF4-FFF2-40B4-BE49-F238E27FC236}">
-                <a16:creationId xmlns:a16="http://schemas.microsoft.com/office/drawing/2014/main" id="{9568CBDC-96B2-441E-843A-A19CA2223962}"/>
-              </a:ext>
-            </a:extLst>
-          </p:cNvPr>
-          <p:cNvSpPr/>
-          <p:nvPr/>
-        </p:nvSpPr>
-        <p:spPr>
-          <a:xfrm rot="16200000">
-            <a:off x="2282953" y="3293364"/>
-            <a:ext cx="228600" cy="615696"/>
-          </a:xfrm>
-          <a:prstGeom prst="downArrow">
-            <a:avLst/>
-          </a:prstGeom>
-        </p:spPr>
-        <p:style>
-          <a:lnRef idx="2">
-            <a:schemeClr val="accent1">
-              <a:shade val="50000"/>
-            </a:schemeClr>
-          </a:lnRef>
-          <a:fillRef idx="1">
-            <a:schemeClr val="accent1"/>
-          </a:fillRef>
-          <a:effectRef idx="0">
-            <a:schemeClr val="accent1"/>
-          </a:effectRef>
-          <a:fontRef idx="minor">
-            <a:schemeClr val="lt1"/>
-          </a:fontRef>
-        </p:style>
-        <p:txBody>
-          <a:bodyPr rtlCol="0" anchor="ctr"/>
-          <a:lstStyle/>
-          <a:p>
-            <a:pPr algn="ctr"/>
-            <a:endParaRPr lang="zh-TW" altLang="en-US"/>
-          </a:p>
-        </p:txBody>
-      </p:sp>
-      <p:sp>
-        <p:nvSpPr>
-          <p:cNvPr id="15" name="箭號: 向下 14">
-            <a:extLst>
-              <a:ext uri="{FF2B5EF4-FFF2-40B4-BE49-F238E27FC236}">
-                <a16:creationId xmlns:a16="http://schemas.microsoft.com/office/drawing/2014/main" id="{EB671041-AFBE-4475-9DD9-2918A3492A59}"/>
-              </a:ext>
-            </a:extLst>
-          </p:cNvPr>
-          <p:cNvSpPr/>
-          <p:nvPr/>
-        </p:nvSpPr>
-        <p:spPr>
-          <a:xfrm rot="16200000">
-            <a:off x="6495288" y="3290316"/>
-            <a:ext cx="228600" cy="615696"/>
-          </a:xfrm>
-          <a:prstGeom prst="downArrow">
-            <a:avLst/>
-          </a:prstGeom>
-        </p:spPr>
-        <p:style>
-          <a:lnRef idx="2">
-            <a:schemeClr val="accent1">
-              <a:shade val="50000"/>
-            </a:schemeClr>
-          </a:lnRef>
-          <a:fillRef idx="1">
-            <a:schemeClr val="accent1"/>
-          </a:fillRef>
-          <a:effectRef idx="0">
-            <a:schemeClr val="accent1"/>
-          </a:effectRef>
-          <a:fontRef idx="minor">
-            <a:schemeClr val="lt1"/>
-          </a:fontRef>
-        </p:style>
-        <p:txBody>
-          <a:bodyPr rtlCol="0" anchor="ctr"/>
-          <a:lstStyle/>
-          <a:p>
-            <a:pPr algn="ctr"/>
-            <a:endParaRPr lang="zh-TW" altLang="en-US"/>
-          </a:p>
-        </p:txBody>
-      </p:sp>
-      <p:sp>
-        <p:nvSpPr>
-          <p:cNvPr id="16" name="矩形 15">
-            <a:extLst>
-              <a:ext uri="{FF2B5EF4-FFF2-40B4-BE49-F238E27FC236}">
-                <a16:creationId xmlns:a16="http://schemas.microsoft.com/office/drawing/2014/main" id="{927AA132-9C5C-4B99-B165-A1085E6D3A29}"/>
-              </a:ext>
-            </a:extLst>
-          </p:cNvPr>
-          <p:cNvSpPr/>
-          <p:nvPr/>
-        </p:nvSpPr>
-        <p:spPr>
-          <a:xfrm>
-            <a:off x="2910840" y="3063240"/>
-            <a:ext cx="3185159" cy="2432304"/>
-          </a:xfrm>
-          <a:prstGeom prst="rect">
-            <a:avLst/>
-          </a:prstGeom>
-          <a:noFill/>
-          <a:ln w="38100">
-            <a:solidFill>
-              <a:srgbClr val="FF0000"/>
-            </a:solidFill>
-          </a:ln>
-        </p:spPr>
-        <p:style>
-          <a:lnRef idx="2">
-            <a:schemeClr val="accent1">
-              <a:shade val="50000"/>
-            </a:schemeClr>
-          </a:lnRef>
-          <a:fillRef idx="1">
-            <a:schemeClr val="accent1"/>
-          </a:fillRef>
-          <a:effectRef idx="0">
-            <a:schemeClr val="accent1"/>
-          </a:effectRef>
-          <a:fontRef idx="minor">
-            <a:schemeClr val="lt1"/>
-          </a:fontRef>
-        </p:style>
-        <p:txBody>
-          <a:bodyPr rtlCol="0" anchor="ctr"/>
-          <a:lstStyle/>
-          <a:p>
-            <a:pPr algn="ctr"/>
-            <a:endParaRPr lang="zh-TW" altLang="en-US"/>
-          </a:p>
-        </p:txBody>
-      </p:sp>
-      <p:sp>
-        <p:nvSpPr>
-          <p:cNvPr id="17" name="文字方塊 16">
-            <a:extLst>
-              <a:ext uri="{FF2B5EF4-FFF2-40B4-BE49-F238E27FC236}">
-                <a16:creationId xmlns:a16="http://schemas.microsoft.com/office/drawing/2014/main" id="{C993D28A-EAED-461B-88EC-3CFF3C437F75}"/>
-              </a:ext>
-            </a:extLst>
-          </p:cNvPr>
-          <p:cNvSpPr txBox="1"/>
-          <p:nvPr/>
-        </p:nvSpPr>
-        <p:spPr>
-          <a:xfrm>
-            <a:off x="4103311" y="5734918"/>
-            <a:ext cx="800219" cy="461665"/>
-          </a:xfrm>
-          <a:prstGeom prst="rect">
-            <a:avLst/>
-          </a:prstGeom>
-          <a:noFill/>
-        </p:spPr>
-        <p:txBody>
-          <a:bodyPr wrap="none" rtlCol="0">
-            <a:spAutoFit/>
-          </a:bodyPr>
-          <a:lstStyle/>
-          <a:p>
-            <a:pPr algn="ctr"/>
-            <a:r>
-              <a:rPr lang="zh-TW" altLang="en-US" sz="2400" dirty="0">
-                <a:latin typeface="STHeiti TC" panose="02000000000000000000" pitchFamily="2" charset="-120"/>
-                <a:ea typeface="STHeiti TC" panose="02000000000000000000" pitchFamily="2" charset="-120"/>
-              </a:rPr>
-              <a:t>迴圈</a:t>
-            </a:r>
-          </a:p>
-        </p:txBody>
-      </p:sp>
-      <p:sp>
-        <p:nvSpPr>
-          <p:cNvPr id="18" name="箭號: 向下 17">
-            <a:extLst>
-              <a:ext uri="{FF2B5EF4-FFF2-40B4-BE49-F238E27FC236}">
-                <a16:creationId xmlns:a16="http://schemas.microsoft.com/office/drawing/2014/main" id="{C15D5209-1427-4696-BBA4-BB8D1F33CB69}"/>
-              </a:ext>
-            </a:extLst>
-          </p:cNvPr>
-          <p:cNvSpPr/>
-          <p:nvPr/>
-        </p:nvSpPr>
-        <p:spPr>
-          <a:xfrm rot="14396294">
-            <a:off x="6803136" y="3649102"/>
-            <a:ext cx="228600" cy="1676403"/>
-          </a:xfrm>
-          <a:prstGeom prst="downArrow">
-            <a:avLst/>
-          </a:prstGeom>
-          <a:solidFill>
-            <a:srgbClr val="FF0000"/>
-          </a:solidFill>
-          <a:ln>
-            <a:solidFill>
-              <a:srgbClr val="C00000"/>
-            </a:solidFill>
-          </a:ln>
-        </p:spPr>
-        <p:style>
-          <a:lnRef idx="2">
-            <a:schemeClr val="accent1">
-              <a:shade val="50000"/>
-            </a:schemeClr>
-          </a:lnRef>
-          <a:fillRef idx="1">
-            <a:schemeClr val="accent1"/>
-          </a:fillRef>
-          <a:effectRef idx="0">
-            <a:schemeClr val="accent1"/>
-          </a:effectRef>
-          <a:fontRef idx="minor">
-            <a:schemeClr val="lt1"/>
-          </a:fontRef>
-        </p:style>
-        <p:txBody>
-          <a:bodyPr rtlCol="0" anchor="ctr"/>
-          <a:lstStyle/>
-          <a:p>
-            <a:pPr algn="ctr"/>
-            <a:endParaRPr lang="zh-TW" altLang="en-US"/>
-          </a:p>
-        </p:txBody>
-      </p:sp>
-      <p:sp>
-        <p:nvSpPr>
-          <p:cNvPr id="19" name="文字方塊 18">
-            <a:extLst>
-              <a:ext uri="{FF2B5EF4-FFF2-40B4-BE49-F238E27FC236}">
-                <a16:creationId xmlns:a16="http://schemas.microsoft.com/office/drawing/2014/main" id="{EBAE7CB1-FA4E-483C-9313-92A6A690F81C}"/>
-              </a:ext>
-            </a:extLst>
-          </p:cNvPr>
-          <p:cNvSpPr txBox="1"/>
-          <p:nvPr/>
-        </p:nvSpPr>
-        <p:spPr>
-          <a:xfrm>
-            <a:off x="6875659" y="4633294"/>
-            <a:ext cx="1051891" cy="461665"/>
-          </a:xfrm>
-          <a:prstGeom prst="rect">
-            <a:avLst/>
-          </a:prstGeom>
-          <a:noFill/>
-        </p:spPr>
-        <p:txBody>
-          <a:bodyPr wrap="none" rtlCol="0">
-            <a:spAutoFit/>
-          </a:bodyPr>
-          <a:lstStyle/>
-          <a:p>
-            <a:pPr algn="ctr"/>
-            <a:r>
-              <a:rPr lang="en-US" altLang="zh-TW" sz="2400" dirty="0">
-                <a:latin typeface="Consolas" panose="020B0609020204030204" pitchFamily="49" charset="0"/>
-              </a:rPr>
-              <a:t>break</a:t>
-            </a:r>
-            <a:endParaRPr lang="zh-TW" altLang="en-US" sz="2400" dirty="0">
-              <a:latin typeface="Consolas" panose="020B0609020204030204" pitchFamily="49" charset="0"/>
-            </a:endParaRPr>
-          </a:p>
-        </p:txBody>
-      </p:sp>
-    </p:spTree>
-    <p:extLst>
-      <p:ext uri="{BB962C8B-B14F-4D97-AF65-F5344CB8AC3E}">
-        <p14:creationId xmlns:p14="http://schemas.microsoft.com/office/powerpoint/2010/main" val="3535103373"/>
-      </p:ext>
-    </p:extLst>
-  </p:cSld>
-  <p:clrMapOvr>
-    <a:masterClrMapping/>
-  </p:clrMapOvr>
-  <mc:AlternateContent xmlns:mc="http://schemas.openxmlformats.org/markup-compatibility/2006" xmlns:p159="http://schemas.microsoft.com/office/powerpoint/2015/09/main">
-    <mc:Choice Requires="p159">
-      <p:transition spd="slow">
-        <p159:morph option="byChar"/>
-      </p:transition>
-    </mc:Choice>
-    <mc:Fallback xmlns="">
-      <p:transition spd="slow">
-        <p:fade/>
-      </p:transition>
-    </mc:Fallback>
-  </mc:AlternateContent>
-  <p:timing>
-    <p:tnLst>
-      <p:par>
-        <p:cTn id="1" dur="indefinite" restart="never" nodeType="tmRoot">
-          <p:childTnLst>
-            <p:seq concurrent="1" nextAc="seek">
-              <p:cTn id="2" dur="indefinite" nodeType="mainSeq">
-                <p:childTnLst>
-                  <p:par>
-                    <p:cTn id="3" fill="hold">
-                      <p:stCondLst>
-                        <p:cond delay="indefinite"/>
-                      </p:stCondLst>
-                      <p:childTnLst>
-                        <p:par>
-                          <p:cTn id="4" fill="hold">
-                            <p:stCondLst>
-                              <p:cond delay="0"/>
-                            </p:stCondLst>
-                            <p:childTnLst>
-                              <p:par>
-                                <p:cTn id="5" presetID="22" presetClass="entr" presetSubtype="8" fill="hold" grpId="0" nodeType="clickEffect">
-                                  <p:stCondLst>
-                                    <p:cond delay="0"/>
-                                  </p:stCondLst>
-                                  <p:childTnLst>
-                                    <p:set>
-                                      <p:cBhvr>
-                                        <p:cTn id="6" dur="1" fill="hold">
-                                          <p:stCondLst>
-                                            <p:cond delay="0"/>
-                                          </p:stCondLst>
-                                        </p:cTn>
-                                        <p:tgtEl>
-                                          <p:spTgt spid="18"/>
-                                        </p:tgtEl>
-                                        <p:attrNameLst>
-                                          <p:attrName>style.visibility</p:attrName>
-                                        </p:attrNameLst>
-                                      </p:cBhvr>
-                                      <p:to>
-                                        <p:strVal val="visible"/>
-                                      </p:to>
-                                    </p:set>
-                                    <p:animEffect transition="in" filter="wipe(left)">
-                                      <p:cBhvr>
-                                        <p:cTn id="7" dur="500"/>
-                                        <p:tgtEl>
-                                          <p:spTgt spid="18"/>
-                                        </p:tgtEl>
-                                      </p:cBhvr>
-                                    </p:animEffect>
-                                  </p:childTnLst>
-                                </p:cTn>
-                              </p:par>
-                              <p:par>
-                                <p:cTn id="8" presetID="22" presetClass="entr" presetSubtype="8" fill="hold" grpId="0" nodeType="withEffect">
-                                  <p:stCondLst>
-                                    <p:cond delay="0"/>
-                                  </p:stCondLst>
-                                  <p:childTnLst>
-                                    <p:set>
-                                      <p:cBhvr>
-                                        <p:cTn id="9" dur="1" fill="hold">
-                                          <p:stCondLst>
-                                            <p:cond delay="0"/>
-                                          </p:stCondLst>
-                                        </p:cTn>
-                                        <p:tgtEl>
-                                          <p:spTgt spid="19"/>
-                                        </p:tgtEl>
-                                        <p:attrNameLst>
-                                          <p:attrName>style.visibility</p:attrName>
-                                        </p:attrNameLst>
-                                      </p:cBhvr>
-                                      <p:to>
-                                        <p:strVal val="visible"/>
-                                      </p:to>
-                                    </p:set>
-                                    <p:animEffect transition="in" filter="wipe(left)">
-                                      <p:cBhvr>
-                                        <p:cTn id="10" dur="500"/>
-                                        <p:tgtEl>
-                                          <p:spTgt spid="19"/>
-                                        </p:tgtEl>
-                                      </p:cBhvr>
-                                    </p:animEffect>
-                                  </p:childTnLst>
-                                </p:cTn>
-                              </p:par>
-                            </p:childTnLst>
-                          </p:cTn>
-                        </p:par>
-                      </p:childTnLst>
-                    </p:cTn>
-                  </p:par>
-                </p:childTnLst>
-              </p:cTn>
-              <p:prevCondLst>
-                <p:cond evt="onPrev" delay="0">
-                  <p:tgtEl>
-                    <p:sldTgt/>
-                  </p:tgtEl>
-                </p:cond>
-              </p:prevCondLst>
-              <p:nextCondLst>
-                <p:cond evt="onNext" delay="0">
-                  <p:tgtEl>
-                    <p:sldTgt/>
-                  </p:tgtEl>
-                </p:cond>
-              </p:nextCondLst>
-            </p:seq>
-          </p:childTnLst>
-        </p:cTn>
-      </p:par>
-    </p:tnLst>
-    <p:bldLst>
-      <p:bldP spid="18" grpId="0" animBg="1"/>
-      <p:bldP spid="19" grpId="0"/>
-    </p:bldLst>
-  </p:timing>
-</p:sld>
-</file>
-
 <file path=ppt/theme/theme1.xml><?xml version="1.0" encoding="utf-8"?>
 <a:theme xmlns:a="http://schemas.openxmlformats.org/drawingml/2006/main" name="網狀">
   <a:themeElements>
